--- a/OpenAI-BackendTools.pptx
+++ b/OpenAI-BackendTools.pptx
@@ -5,13 +5,17 @@
     <p:sldMasterId id="2147483678" r:id="rId1"/>
   </p:sldMasterIdLst>
   <p:notesMasterIdLst>
-    <p:notesMasterId r:id="rId3"/>
+    <p:notesMasterId r:id="rId7"/>
   </p:notesMasterIdLst>
   <p:handoutMasterIdLst>
-    <p:handoutMasterId r:id="rId4"/>
+    <p:handoutMasterId r:id="rId8"/>
   </p:handoutMasterIdLst>
   <p:sldIdLst>
     <p:sldId id="258" r:id="rId2"/>
+    <p:sldId id="261" r:id="rId3"/>
+    <p:sldId id="259" r:id="rId4"/>
+    <p:sldId id="260" r:id="rId5"/>
+    <p:sldId id="262" r:id="rId6"/>
   </p:sldIdLst>
   <p:sldSz cx="9144000" cy="5715000" type="screen16x10"/>
   <p:notesSz cx="6797675" cy="9926638"/>
@@ -219,7 +223,7 @@
           <a:p>
             <a:fld id="{FC4BCF81-FD30-4738-8CD3-6C15724C57DB}" type="datetimeFigureOut">
               <a:rPr lang="en-GB" smtClean="0"/>
-              <a:t>18/05/2025</a:t>
+              <a:t>24/05/2025</a:t>
             </a:fld>
             <a:endParaRPr lang="en-GB"/>
           </a:p>
@@ -384,7 +388,7 @@
           <a:p>
             <a:fld id="{393C90FD-22B7-4ADA-A649-5A6995920D65}" type="datetimeFigureOut">
               <a:rPr lang="en-US" smtClean="0"/>
-              <a:t>5/18/2025</a:t>
+              <a:t>5/24/2025</a:t>
             </a:fld>
             <a:endParaRPr lang="en-US"/>
           </a:p>
@@ -18324,6 +18328,5678 @@
 </p:sld>
 </file>
 
+<file path=ppt/slides/slide2.xml><?xml version="1.0" encoding="utf-8"?>
+<p:sld xmlns:a="http://schemas.openxmlformats.org/drawingml/2006/main" xmlns:r="http://schemas.openxmlformats.org/officeDocument/2006/relationships" xmlns:p="http://schemas.openxmlformats.org/presentationml/2006/main">
+  <p:cSld>
+    <p:spTree>
+      <p:nvGrpSpPr>
+        <p:cNvPr id="1" name=""/>
+        <p:cNvGrpSpPr/>
+        <p:nvPr/>
+      </p:nvGrpSpPr>
+      <p:grpSpPr>
+        <a:xfrm>
+          <a:off x="0" y="0"/>
+          <a:ext cx="0" cy="0"/>
+          <a:chOff x="0" y="0"/>
+          <a:chExt cx="0" cy="0"/>
+        </a:xfrm>
+      </p:grpSpPr>
+      <p:sp>
+        <p:nvSpPr>
+          <p:cNvPr id="2" name="Title 1">
+            <a:extLst>
+              <a:ext uri="{FF2B5EF4-FFF2-40B4-BE49-F238E27FC236}">
+                <a16:creationId xmlns:a16="http://schemas.microsoft.com/office/drawing/2014/main" id="{69308267-07FD-19F2-506D-EAF8A9EC2241}"/>
+              </a:ext>
+            </a:extLst>
+          </p:cNvPr>
+          <p:cNvSpPr>
+            <a:spLocks noGrp="1"/>
+          </p:cNvSpPr>
+          <p:nvPr>
+            <p:ph type="title"/>
+          </p:nvPr>
+        </p:nvSpPr>
+        <p:spPr/>
+        <p:txBody>
+          <a:bodyPr/>
+          <a:lstStyle/>
+          <a:p>
+            <a:r>
+              <a:rPr lang="en-US"/>
+              <a:t>Open AI API - Files</a:t>
+            </a:r>
+            <a:endParaRPr lang="en-CA" b="0"/>
+          </a:p>
+        </p:txBody>
+      </p:sp>
+      <p:pic>
+        <p:nvPicPr>
+          <p:cNvPr id="4" name="Picture 3">
+            <a:extLst>
+              <a:ext uri="{FF2B5EF4-FFF2-40B4-BE49-F238E27FC236}">
+                <a16:creationId xmlns:a16="http://schemas.microsoft.com/office/drawing/2014/main" id="{B368F933-8117-3578-3A43-493A331D0361}"/>
+              </a:ext>
+            </a:extLst>
+          </p:cNvPr>
+          <p:cNvPicPr>
+            <a:picLocks noChangeAspect="1"/>
+          </p:cNvPicPr>
+          <p:nvPr/>
+        </p:nvPicPr>
+        <p:blipFill>
+          <a:blip r:embed="rId2"/>
+          <a:stretch>
+            <a:fillRect/>
+          </a:stretch>
+        </p:blipFill>
+        <p:spPr>
+          <a:xfrm>
+            <a:off x="152439" y="895948"/>
+            <a:ext cx="2435411" cy="2655495"/>
+          </a:xfrm>
+          <a:prstGeom prst="rect">
+            <a:avLst/>
+          </a:prstGeom>
+        </p:spPr>
+      </p:pic>
+      <p:pic>
+        <p:nvPicPr>
+          <p:cNvPr id="6" name="Picture 5">
+            <a:extLst>
+              <a:ext uri="{FF2B5EF4-FFF2-40B4-BE49-F238E27FC236}">
+                <a16:creationId xmlns:a16="http://schemas.microsoft.com/office/drawing/2014/main" id="{03D240FD-F113-2DAF-7B60-0B45A673D89B}"/>
+              </a:ext>
+            </a:extLst>
+          </p:cNvPr>
+          <p:cNvPicPr>
+            <a:picLocks noChangeAspect="1"/>
+          </p:cNvPicPr>
+          <p:nvPr/>
+        </p:nvPicPr>
+        <p:blipFill>
+          <a:blip r:embed="rId3"/>
+          <a:stretch>
+            <a:fillRect/>
+          </a:stretch>
+        </p:blipFill>
+        <p:spPr>
+          <a:xfrm>
+            <a:off x="2872224" y="852580"/>
+            <a:ext cx="2420931" cy="3292583"/>
+          </a:xfrm>
+          <a:prstGeom prst="rect">
+            <a:avLst/>
+          </a:prstGeom>
+        </p:spPr>
+      </p:pic>
+      <p:pic>
+        <p:nvPicPr>
+          <p:cNvPr id="8" name="Picture 7">
+            <a:extLst>
+              <a:ext uri="{FF2B5EF4-FFF2-40B4-BE49-F238E27FC236}">
+                <a16:creationId xmlns:a16="http://schemas.microsoft.com/office/drawing/2014/main" id="{EF7746CC-676F-8A9C-1854-13C1A182DA44}"/>
+              </a:ext>
+            </a:extLst>
+          </p:cNvPr>
+          <p:cNvPicPr>
+            <a:picLocks noChangeAspect="1"/>
+          </p:cNvPicPr>
+          <p:nvPr/>
+        </p:nvPicPr>
+        <p:blipFill>
+          <a:blip r:embed="rId4"/>
+          <a:stretch>
+            <a:fillRect/>
+          </a:stretch>
+        </p:blipFill>
+        <p:spPr>
+          <a:xfrm>
+            <a:off x="152439" y="3649588"/>
+            <a:ext cx="2397765" cy="1497155"/>
+          </a:xfrm>
+          <a:prstGeom prst="rect">
+            <a:avLst/>
+          </a:prstGeom>
+        </p:spPr>
+      </p:pic>
+      <p:pic>
+        <p:nvPicPr>
+          <p:cNvPr id="10" name="Picture 9">
+            <a:extLst>
+              <a:ext uri="{FF2B5EF4-FFF2-40B4-BE49-F238E27FC236}">
+                <a16:creationId xmlns:a16="http://schemas.microsoft.com/office/drawing/2014/main" id="{40132706-6E14-40A1-7486-97465356E98F}"/>
+              </a:ext>
+            </a:extLst>
+          </p:cNvPr>
+          <p:cNvPicPr>
+            <a:picLocks noChangeAspect="1"/>
+          </p:cNvPicPr>
+          <p:nvPr/>
+        </p:nvPicPr>
+        <p:blipFill>
+          <a:blip r:embed="rId5"/>
+          <a:stretch>
+            <a:fillRect/>
+          </a:stretch>
+        </p:blipFill>
+        <p:spPr>
+          <a:xfrm>
+            <a:off x="5563050" y="845322"/>
+            <a:ext cx="2383285" cy="1332092"/>
+          </a:xfrm>
+          <a:prstGeom prst="rect">
+            <a:avLst/>
+          </a:prstGeom>
+        </p:spPr>
+      </p:pic>
+      <p:pic>
+        <p:nvPicPr>
+          <p:cNvPr id="12" name="Picture 11">
+            <a:extLst>
+              <a:ext uri="{FF2B5EF4-FFF2-40B4-BE49-F238E27FC236}">
+                <a16:creationId xmlns:a16="http://schemas.microsoft.com/office/drawing/2014/main" id="{9E50A49C-30C0-1B11-2C65-6014DA0D777F}"/>
+              </a:ext>
+            </a:extLst>
+          </p:cNvPr>
+          <p:cNvPicPr>
+            <a:picLocks noChangeAspect="1"/>
+          </p:cNvPicPr>
+          <p:nvPr/>
+        </p:nvPicPr>
+        <p:blipFill>
+          <a:blip r:embed="rId6"/>
+          <a:stretch>
+            <a:fillRect/>
+          </a:stretch>
+        </p:blipFill>
+        <p:spPr>
+          <a:xfrm>
+            <a:off x="2872224" y="4257570"/>
+            <a:ext cx="2368806" cy="1390008"/>
+          </a:xfrm>
+          <a:prstGeom prst="rect">
+            <a:avLst/>
+          </a:prstGeom>
+        </p:spPr>
+      </p:pic>
+      <p:pic>
+        <p:nvPicPr>
+          <p:cNvPr id="14" name="Picture 13">
+            <a:extLst>
+              <a:ext uri="{FF2B5EF4-FFF2-40B4-BE49-F238E27FC236}">
+                <a16:creationId xmlns:a16="http://schemas.microsoft.com/office/drawing/2014/main" id="{9C7CD5CE-C758-6DA0-26E1-E4C5543BD097}"/>
+              </a:ext>
+            </a:extLst>
+          </p:cNvPr>
+          <p:cNvPicPr>
+            <a:picLocks noChangeAspect="1"/>
+          </p:cNvPicPr>
+          <p:nvPr/>
+        </p:nvPicPr>
+        <p:blipFill>
+          <a:blip r:embed="rId7"/>
+          <a:stretch>
+            <a:fillRect/>
+          </a:stretch>
+        </p:blipFill>
+        <p:spPr>
+          <a:xfrm>
+            <a:off x="5560346" y="2302736"/>
+            <a:ext cx="2484640" cy="3231770"/>
+          </a:xfrm>
+          <a:prstGeom prst="rect">
+            <a:avLst/>
+          </a:prstGeom>
+        </p:spPr>
+      </p:pic>
+      <p:sp>
+        <p:nvSpPr>
+          <p:cNvPr id="17" name="TextBox 16">
+            <a:extLst>
+              <a:ext uri="{FF2B5EF4-FFF2-40B4-BE49-F238E27FC236}">
+                <a16:creationId xmlns:a16="http://schemas.microsoft.com/office/drawing/2014/main" id="{BE07D605-0FC8-5F59-FC2D-9FC4EA92E3C5}"/>
+              </a:ext>
+            </a:extLst>
+          </p:cNvPr>
+          <p:cNvSpPr txBox="1"/>
+          <p:nvPr/>
+        </p:nvSpPr>
+        <p:spPr>
+          <a:xfrm>
+            <a:off x="7020004" y="459762"/>
+            <a:ext cx="1909177" cy="123111"/>
+          </a:xfrm>
+          <a:prstGeom prst="rect">
+            <a:avLst/>
+          </a:prstGeom>
+          <a:noFill/>
+        </p:spPr>
+        <p:txBody>
+          <a:bodyPr wrap="none" lIns="0" tIns="0" rIns="0" bIns="0" rtlCol="0">
+            <a:spAutoFit/>
+          </a:bodyPr>
+          <a:lstStyle/>
+          <a:p>
+            <a:pPr algn="r"/>
+            <a:r>
+              <a:rPr lang="en-CA" sz="800">
+                <a:solidFill>
+                  <a:srgbClr val="005AB4"/>
+                </a:solidFill>
+                <a:latin typeface="Arial Narrow" panose="020B0606020202030204" pitchFamily="34" charset="0"/>
+                <a:hlinkClick r:id="rId8"/>
+              </a:rPr>
+              <a:t>https://platform.openai.com/docs/api-reference/files</a:t>
+            </a:r>
+            <a:endParaRPr lang="en-CA" sz="800">
+              <a:solidFill>
+                <a:srgbClr val="005AB4"/>
+              </a:solidFill>
+              <a:latin typeface="Arial Narrow" panose="020B0606020202030204" pitchFamily="34" charset="0"/>
+            </a:endParaRPr>
+          </a:p>
+        </p:txBody>
+      </p:sp>
+      <p:sp>
+        <p:nvSpPr>
+          <p:cNvPr id="18" name="Rectangle: Rounded Corners 17">
+            <a:extLst>
+              <a:ext uri="{FF2B5EF4-FFF2-40B4-BE49-F238E27FC236}">
+                <a16:creationId xmlns:a16="http://schemas.microsoft.com/office/drawing/2014/main" id="{3E8C0C0F-B43D-8B01-A169-A3BDDC8BFF42}"/>
+              </a:ext>
+            </a:extLst>
+          </p:cNvPr>
+          <p:cNvSpPr/>
+          <p:nvPr/>
+        </p:nvSpPr>
+        <p:spPr>
+          <a:xfrm>
+            <a:off x="8245181" y="228636"/>
+            <a:ext cx="684000" cy="180000"/>
+          </a:xfrm>
+          <a:prstGeom prst="roundRect">
+            <a:avLst/>
+          </a:prstGeom>
+          <a:solidFill>
+            <a:srgbClr val="1064AF"/>
+          </a:solidFill>
+          <a:ln>
+            <a:solidFill>
+              <a:srgbClr val="174977"/>
+            </a:solidFill>
+          </a:ln>
+          <a:effectLst>
+            <a:outerShdw blurRad="50800" dist="38100" dir="2700000" algn="tl" rotWithShape="0">
+              <a:prstClr val="black">
+                <a:alpha val="20000"/>
+              </a:prstClr>
+            </a:outerShdw>
+          </a:effectLst>
+        </p:spPr>
+        <p:style>
+          <a:lnRef idx="2">
+            <a:schemeClr val="accent1">
+              <a:shade val="15000"/>
+            </a:schemeClr>
+          </a:lnRef>
+          <a:fillRef idx="1">
+            <a:schemeClr val="accent1"/>
+          </a:fillRef>
+          <a:effectRef idx="0">
+            <a:schemeClr val="accent1"/>
+          </a:effectRef>
+          <a:fontRef idx="minor">
+            <a:schemeClr val="lt1"/>
+          </a:fontRef>
+        </p:style>
+        <p:txBody>
+          <a:bodyPr lIns="0" tIns="36000" rIns="0" bIns="0" rtlCol="0" anchor="ctr"/>
+          <a:lstStyle/>
+          <a:p>
+            <a:pPr algn="ctr">
+              <a:lnSpc>
+                <a:spcPct val="80000"/>
+              </a:lnSpc>
+            </a:pPr>
+            <a:r>
+              <a:rPr lang="en-US" sz="1000" b="1">
+                <a:solidFill>
+                  <a:schemeClr val="bg1"/>
+                </a:solidFill>
+                <a:latin typeface="Arial Narrow" panose="020B0606020202030204" pitchFamily="34" charset="0"/>
+              </a:rPr>
+              <a:t>2025-05-24</a:t>
+            </a:r>
+            <a:endParaRPr lang="en-CA" sz="1000" b="1">
+              <a:solidFill>
+                <a:schemeClr val="bg1"/>
+              </a:solidFill>
+              <a:latin typeface="Arial Narrow" panose="020B0606020202030204" pitchFamily="34" charset="0"/>
+            </a:endParaRPr>
+          </a:p>
+        </p:txBody>
+      </p:sp>
+    </p:spTree>
+    <p:extLst>
+      <p:ext uri="{BB962C8B-B14F-4D97-AF65-F5344CB8AC3E}">
+        <p14:creationId xmlns:p14="http://schemas.microsoft.com/office/powerpoint/2010/main" val="1244093705"/>
+      </p:ext>
+    </p:extLst>
+  </p:cSld>
+  <p:clrMapOvr>
+    <a:masterClrMapping/>
+  </p:clrMapOvr>
+</p:sld>
+</file>
+
+<file path=ppt/slides/slide3.xml><?xml version="1.0" encoding="utf-8"?>
+<p:sld xmlns:a="http://schemas.openxmlformats.org/drawingml/2006/main" xmlns:r="http://schemas.openxmlformats.org/officeDocument/2006/relationships" xmlns:p="http://schemas.openxmlformats.org/presentationml/2006/main">
+  <p:cSld>
+    <p:spTree>
+      <p:nvGrpSpPr>
+        <p:cNvPr id="1" name=""/>
+        <p:cNvGrpSpPr/>
+        <p:nvPr/>
+      </p:nvGrpSpPr>
+      <p:grpSpPr>
+        <a:xfrm>
+          <a:off x="0" y="0"/>
+          <a:ext cx="0" cy="0"/>
+          <a:chOff x="0" y="0"/>
+          <a:chExt cx="0" cy="0"/>
+        </a:xfrm>
+      </p:grpSpPr>
+      <p:sp>
+        <p:nvSpPr>
+          <p:cNvPr id="4" name="Title 3">
+            <a:extLst>
+              <a:ext uri="{FF2B5EF4-FFF2-40B4-BE49-F238E27FC236}">
+                <a16:creationId xmlns:a16="http://schemas.microsoft.com/office/drawing/2014/main" id="{BE58C0DD-86AD-D1EB-F67F-D1FE28166334}"/>
+              </a:ext>
+            </a:extLst>
+          </p:cNvPr>
+          <p:cNvSpPr>
+            <a:spLocks noGrp="1"/>
+          </p:cNvSpPr>
+          <p:nvPr>
+            <p:ph type="title"/>
+          </p:nvPr>
+        </p:nvSpPr>
+        <p:spPr/>
+        <p:txBody>
+          <a:bodyPr/>
+          <a:lstStyle/>
+          <a:p>
+            <a:r>
+              <a:rPr lang="en-US"/>
+              <a:t>Open AI API - File object</a:t>
+            </a:r>
+            <a:endParaRPr lang="en-CA"/>
+          </a:p>
+        </p:txBody>
+      </p:sp>
+      <p:sp>
+        <p:nvSpPr>
+          <p:cNvPr id="5" name="Rectangle 4">
+            <a:extLst>
+              <a:ext uri="{FF2B5EF4-FFF2-40B4-BE49-F238E27FC236}">
+                <a16:creationId xmlns:a16="http://schemas.microsoft.com/office/drawing/2014/main" id="{3DA48D4E-9860-A335-C0A4-7062824A5A44}"/>
+              </a:ext>
+            </a:extLst>
+          </p:cNvPr>
+          <p:cNvSpPr/>
+          <p:nvPr/>
+        </p:nvSpPr>
+        <p:spPr>
+          <a:xfrm>
+            <a:off x="251520" y="1514522"/>
+            <a:ext cx="5184576" cy="1080120"/>
+          </a:xfrm>
+          <a:prstGeom prst="rect">
+            <a:avLst/>
+          </a:prstGeom>
+          <a:solidFill>
+            <a:srgbClr val="A3B1B7">
+              <a:alpha val="9804"/>
+            </a:srgbClr>
+          </a:solidFill>
+          <a:ln w="12700">
+            <a:solidFill>
+              <a:srgbClr val="6D828B"/>
+            </a:solidFill>
+          </a:ln>
+        </p:spPr>
+        <p:style>
+          <a:lnRef idx="2">
+            <a:schemeClr val="accent1">
+              <a:shade val="50000"/>
+            </a:schemeClr>
+          </a:lnRef>
+          <a:fillRef idx="1">
+            <a:schemeClr val="accent1"/>
+          </a:fillRef>
+          <a:effectRef idx="0">
+            <a:schemeClr val="accent1"/>
+          </a:effectRef>
+          <a:fontRef idx="minor">
+            <a:schemeClr val="lt1"/>
+          </a:fontRef>
+        </p:style>
+        <p:txBody>
+          <a:bodyPr rtlCol="0" anchor="t" anchorCtr="0"/>
+          <a:lstStyle/>
+          <a:p>
+            <a:endParaRPr lang="de-DE" sz="1050" dirty="0">
+              <a:solidFill>
+                <a:srgbClr val="455157"/>
+              </a:solidFill>
+              <a:latin typeface="Arial Narrow" panose="020B0606020202030204" pitchFamily="34" charset="0"/>
+              <a:ea typeface="Open Sans Condensed" panose="020B0806030504020204" pitchFamily="34" charset="0"/>
+              <a:cs typeface="Open Sans Condensed" panose="020B0806030504020204" pitchFamily="34" charset="0"/>
+            </a:endParaRPr>
+          </a:p>
+        </p:txBody>
+      </p:sp>
+      <p:sp>
+        <p:nvSpPr>
+          <p:cNvPr id="6" name="TextBox 5">
+            <a:extLst>
+              <a:ext uri="{FF2B5EF4-FFF2-40B4-BE49-F238E27FC236}">
+                <a16:creationId xmlns:a16="http://schemas.microsoft.com/office/drawing/2014/main" id="{BF301FE0-6D20-5E5F-8BE6-09DD6BBAF8AA}"/>
+              </a:ext>
+            </a:extLst>
+          </p:cNvPr>
+          <p:cNvSpPr txBox="1"/>
+          <p:nvPr/>
+        </p:nvSpPr>
+        <p:spPr>
+          <a:xfrm>
+            <a:off x="251521" y="1337913"/>
+            <a:ext cx="360039" cy="172064"/>
+          </a:xfrm>
+          <a:prstGeom prst="rect">
+            <a:avLst/>
+          </a:prstGeom>
+          <a:solidFill>
+            <a:srgbClr val="6D828B"/>
+          </a:solidFill>
+          <a:ln w="12700">
+            <a:solidFill>
+              <a:srgbClr val="6D828B"/>
+            </a:solidFill>
+          </a:ln>
+        </p:spPr>
+        <p:txBody>
+          <a:bodyPr wrap="square" lIns="36000" tIns="0" rIns="54000" bIns="18000" rtlCol="0">
+            <a:spAutoFit/>
+          </a:bodyPr>
+          <a:lstStyle/>
+          <a:p>
+            <a:pPr algn="l"/>
+            <a:r>
+              <a:rPr lang="en-US" sz="1000" i="1">
+                <a:solidFill>
+                  <a:schemeClr val="bg1"/>
+                </a:solidFill>
+                <a:latin typeface="Arial Narrow" panose="020B0606020202030204" pitchFamily="34" charset="0"/>
+              </a:rPr>
+              <a:t>Files</a:t>
+            </a:r>
+            <a:endParaRPr lang="en-CA" sz="1000" i="1">
+              <a:solidFill>
+                <a:schemeClr val="bg1"/>
+              </a:solidFill>
+              <a:latin typeface="Arial Narrow" panose="020B0606020202030204" pitchFamily="34" charset="0"/>
+            </a:endParaRPr>
+          </a:p>
+        </p:txBody>
+      </p:sp>
+      <p:sp>
+        <p:nvSpPr>
+          <p:cNvPr id="7" name="Rectangle 6">
+            <a:extLst>
+              <a:ext uri="{FF2B5EF4-FFF2-40B4-BE49-F238E27FC236}">
+                <a16:creationId xmlns:a16="http://schemas.microsoft.com/office/drawing/2014/main" id="{ABF95A77-0B22-C390-750E-96C3BF1E4A1D}"/>
+              </a:ext>
+            </a:extLst>
+          </p:cNvPr>
+          <p:cNvSpPr/>
+          <p:nvPr/>
+        </p:nvSpPr>
+        <p:spPr>
+          <a:xfrm>
+            <a:off x="350966" y="1836994"/>
+            <a:ext cx="530986" cy="180000"/>
+          </a:xfrm>
+          <a:prstGeom prst="rect">
+            <a:avLst/>
+          </a:prstGeom>
+          <a:solidFill>
+            <a:schemeClr val="bg1"/>
+          </a:solidFill>
+          <a:ln w="19050">
+            <a:solidFill>
+              <a:srgbClr val="2194F6"/>
+            </a:solidFill>
+          </a:ln>
+        </p:spPr>
+        <p:style>
+          <a:lnRef idx="2">
+            <a:schemeClr val="accent1">
+              <a:shade val="50000"/>
+            </a:schemeClr>
+          </a:lnRef>
+          <a:fillRef idx="1">
+            <a:schemeClr val="accent1"/>
+          </a:fillRef>
+          <a:effectRef idx="0">
+            <a:schemeClr val="accent1"/>
+          </a:effectRef>
+          <a:fontRef idx="minor">
+            <a:schemeClr val="lt1"/>
+          </a:fontRef>
+        </p:style>
+        <p:txBody>
+          <a:bodyPr lIns="36000" tIns="0" rIns="0" bIns="0" rtlCol="0" anchor="ctr"/>
+          <a:lstStyle/>
+          <a:p>
+            <a:r>
+              <a:rPr lang="en-US" sz="800">
+                <a:solidFill>
+                  <a:srgbClr val="1064AF"/>
+                </a:solidFill>
+                <a:latin typeface="Arial Narrow" panose="020B0606020202030204" pitchFamily="34" charset="0"/>
+                <a:ea typeface="Open Sans Condensed Light" panose="020B0306030504020204" pitchFamily="34" charset="0"/>
+                <a:cs typeface="Open Sans Condensed Light" panose="020B0306030504020204" pitchFamily="34" charset="0"/>
+              </a:rPr>
+              <a:t>File 01.pdf</a:t>
+            </a:r>
+            <a:endParaRPr lang="de-DE" sz="800" dirty="0">
+              <a:solidFill>
+                <a:srgbClr val="1064AF"/>
+              </a:solidFill>
+              <a:latin typeface="Arial Narrow" panose="020B0606020202030204" pitchFamily="34" charset="0"/>
+              <a:ea typeface="Open Sans Condensed Light" panose="020B0306030504020204" pitchFamily="34" charset="0"/>
+              <a:cs typeface="Open Sans Condensed Light" panose="020B0306030504020204" pitchFamily="34" charset="0"/>
+            </a:endParaRPr>
+          </a:p>
+        </p:txBody>
+      </p:sp>
+      <p:sp>
+        <p:nvSpPr>
+          <p:cNvPr id="8" name="Rectangle 7">
+            <a:extLst>
+              <a:ext uri="{FF2B5EF4-FFF2-40B4-BE49-F238E27FC236}">
+                <a16:creationId xmlns:a16="http://schemas.microsoft.com/office/drawing/2014/main" id="{23220AC0-F6A1-4B85-658C-43951AE4BC7A}"/>
+              </a:ext>
+            </a:extLst>
+          </p:cNvPr>
+          <p:cNvSpPr/>
+          <p:nvPr/>
+        </p:nvSpPr>
+        <p:spPr>
+          <a:xfrm>
+            <a:off x="350966" y="2071152"/>
+            <a:ext cx="530986" cy="180000"/>
+          </a:xfrm>
+          <a:prstGeom prst="rect">
+            <a:avLst/>
+          </a:prstGeom>
+          <a:solidFill>
+            <a:schemeClr val="bg1"/>
+          </a:solidFill>
+          <a:ln w="19050">
+            <a:solidFill>
+              <a:srgbClr val="2194F6"/>
+            </a:solidFill>
+          </a:ln>
+        </p:spPr>
+        <p:style>
+          <a:lnRef idx="2">
+            <a:schemeClr val="accent1">
+              <a:shade val="50000"/>
+            </a:schemeClr>
+          </a:lnRef>
+          <a:fillRef idx="1">
+            <a:schemeClr val="accent1"/>
+          </a:fillRef>
+          <a:effectRef idx="0">
+            <a:schemeClr val="accent1"/>
+          </a:effectRef>
+          <a:fontRef idx="minor">
+            <a:schemeClr val="lt1"/>
+          </a:fontRef>
+        </p:style>
+        <p:txBody>
+          <a:bodyPr lIns="36000" tIns="0" rIns="0" bIns="0" rtlCol="0" anchor="ctr"/>
+          <a:lstStyle/>
+          <a:p>
+            <a:r>
+              <a:rPr lang="en-US" sz="800">
+                <a:solidFill>
+                  <a:srgbClr val="1064AF"/>
+                </a:solidFill>
+                <a:latin typeface="Arial Narrow" panose="020B0606020202030204" pitchFamily="34" charset="0"/>
+                <a:ea typeface="Open Sans Condensed Light" panose="020B0306030504020204" pitchFamily="34" charset="0"/>
+                <a:cs typeface="Open Sans Condensed Light" panose="020B0306030504020204" pitchFamily="34" charset="0"/>
+              </a:rPr>
+              <a:t>Eval.jsonl</a:t>
+            </a:r>
+            <a:endParaRPr lang="de-DE" sz="800" dirty="0">
+              <a:solidFill>
+                <a:srgbClr val="1064AF"/>
+              </a:solidFill>
+              <a:latin typeface="Arial Narrow" panose="020B0606020202030204" pitchFamily="34" charset="0"/>
+              <a:ea typeface="Open Sans Condensed Light" panose="020B0306030504020204" pitchFamily="34" charset="0"/>
+              <a:cs typeface="Open Sans Condensed Light" panose="020B0306030504020204" pitchFamily="34" charset="0"/>
+            </a:endParaRPr>
+          </a:p>
+        </p:txBody>
+      </p:sp>
+      <p:sp>
+        <p:nvSpPr>
+          <p:cNvPr id="9" name="Rectangle 8">
+            <a:extLst>
+              <a:ext uri="{FF2B5EF4-FFF2-40B4-BE49-F238E27FC236}">
+                <a16:creationId xmlns:a16="http://schemas.microsoft.com/office/drawing/2014/main" id="{D78196B2-5ED4-E657-A782-B634A1F4DF87}"/>
+              </a:ext>
+            </a:extLst>
+          </p:cNvPr>
+          <p:cNvSpPr/>
+          <p:nvPr/>
+        </p:nvSpPr>
+        <p:spPr>
+          <a:xfrm>
+            <a:off x="881952" y="1836994"/>
+            <a:ext cx="1629254" cy="180000"/>
+          </a:xfrm>
+          <a:prstGeom prst="rect">
+            <a:avLst/>
+          </a:prstGeom>
+          <a:solidFill>
+            <a:srgbClr val="CEFCFF"/>
+          </a:solidFill>
+          <a:ln w="19050">
+            <a:solidFill>
+              <a:srgbClr val="2194F6"/>
+            </a:solidFill>
+          </a:ln>
+        </p:spPr>
+        <p:style>
+          <a:lnRef idx="2">
+            <a:schemeClr val="accent1">
+              <a:shade val="50000"/>
+            </a:schemeClr>
+          </a:lnRef>
+          <a:fillRef idx="1">
+            <a:schemeClr val="accent1"/>
+          </a:fillRef>
+          <a:effectRef idx="0">
+            <a:schemeClr val="accent1"/>
+          </a:effectRef>
+          <a:fontRef idx="minor">
+            <a:schemeClr val="lt1"/>
+          </a:fontRef>
+        </p:style>
+        <p:txBody>
+          <a:bodyPr lIns="36000" tIns="0" rIns="0" bIns="0" rtlCol="0" anchor="ctr"/>
+          <a:lstStyle/>
+          <a:p>
+            <a:r>
+              <a:rPr lang="de-DE" sz="800">
+                <a:solidFill>
+                  <a:srgbClr val="1064AF"/>
+                </a:solidFill>
+                <a:latin typeface="Arial Narrow" panose="020B0606020202030204" pitchFamily="34" charset="0"/>
+                <a:ea typeface="Open Sans Condensed Light" panose="020B0306030504020204" pitchFamily="34" charset="0"/>
+                <a:cs typeface="Open Sans Condensed Light" panose="020B0306030504020204" pitchFamily="34" charset="0"/>
+              </a:rPr>
+              <a:t>assistant-Wtv2TczLwUjfw9aP3KV2fP</a:t>
+            </a:r>
+            <a:endParaRPr lang="de-DE" sz="800" dirty="0">
+              <a:solidFill>
+                <a:srgbClr val="1064AF"/>
+              </a:solidFill>
+              <a:latin typeface="Arial Narrow" panose="020B0606020202030204" pitchFamily="34" charset="0"/>
+              <a:ea typeface="Open Sans Condensed Light" panose="020B0306030504020204" pitchFamily="34" charset="0"/>
+              <a:cs typeface="Open Sans Condensed Light" panose="020B0306030504020204" pitchFamily="34" charset="0"/>
+            </a:endParaRPr>
+          </a:p>
+        </p:txBody>
+      </p:sp>
+      <p:sp>
+        <p:nvSpPr>
+          <p:cNvPr id="11" name="TextBox 10">
+            <a:extLst>
+              <a:ext uri="{FF2B5EF4-FFF2-40B4-BE49-F238E27FC236}">
+                <a16:creationId xmlns:a16="http://schemas.microsoft.com/office/drawing/2014/main" id="{72C28D3F-7B07-D2B8-43D0-8D4E124F0989}"/>
+              </a:ext>
+            </a:extLst>
+          </p:cNvPr>
+          <p:cNvSpPr txBox="1"/>
+          <p:nvPr/>
+        </p:nvSpPr>
+        <p:spPr>
+          <a:xfrm>
+            <a:off x="395429" y="1669415"/>
+            <a:ext cx="318998" cy="123111"/>
+          </a:xfrm>
+          <a:prstGeom prst="rect">
+            <a:avLst/>
+          </a:prstGeom>
+          <a:noFill/>
+        </p:spPr>
+        <p:txBody>
+          <a:bodyPr wrap="none" lIns="0" tIns="0" rIns="0" bIns="0" rtlCol="0">
+            <a:spAutoFit/>
+          </a:bodyPr>
+          <a:lstStyle/>
+          <a:p>
+            <a:r>
+              <a:rPr lang="en-US" sz="800">
+                <a:solidFill>
+                  <a:schemeClr val="tx1">
+                    <a:lumMod val="65000"/>
+                    <a:lumOff val="35000"/>
+                  </a:schemeClr>
+                </a:solidFill>
+                <a:latin typeface="Arial Narrow" panose="020B0606020202030204" pitchFamily="34" charset="0"/>
+              </a:rPr>
+              <a:t>filename</a:t>
+            </a:r>
+            <a:endParaRPr lang="en-CA" sz="800">
+              <a:solidFill>
+                <a:schemeClr val="tx1">
+                  <a:lumMod val="65000"/>
+                  <a:lumOff val="35000"/>
+                </a:schemeClr>
+              </a:solidFill>
+              <a:latin typeface="Arial Narrow" panose="020B0606020202030204" pitchFamily="34" charset="0"/>
+            </a:endParaRPr>
+          </a:p>
+        </p:txBody>
+      </p:sp>
+      <p:sp>
+        <p:nvSpPr>
+          <p:cNvPr id="12" name="TextBox 11">
+            <a:extLst>
+              <a:ext uri="{FF2B5EF4-FFF2-40B4-BE49-F238E27FC236}">
+                <a16:creationId xmlns:a16="http://schemas.microsoft.com/office/drawing/2014/main" id="{7D6A028A-0B10-7749-C18D-4E3974689D21}"/>
+              </a:ext>
+            </a:extLst>
+          </p:cNvPr>
+          <p:cNvSpPr txBox="1"/>
+          <p:nvPr/>
+        </p:nvSpPr>
+        <p:spPr>
+          <a:xfrm>
+            <a:off x="923291" y="1669415"/>
+            <a:ext cx="65724" cy="123111"/>
+          </a:xfrm>
+          <a:prstGeom prst="rect">
+            <a:avLst/>
+          </a:prstGeom>
+          <a:noFill/>
+        </p:spPr>
+        <p:txBody>
+          <a:bodyPr wrap="none" lIns="0" tIns="0" rIns="0" bIns="0" rtlCol="0">
+            <a:spAutoFit/>
+          </a:bodyPr>
+          <a:lstStyle/>
+          <a:p>
+            <a:r>
+              <a:rPr lang="en-US" sz="800">
+                <a:solidFill>
+                  <a:schemeClr val="tx1">
+                    <a:lumMod val="65000"/>
+                    <a:lumOff val="35000"/>
+                  </a:schemeClr>
+                </a:solidFill>
+                <a:latin typeface="Arial Narrow" panose="020B0606020202030204" pitchFamily="34" charset="0"/>
+              </a:rPr>
+              <a:t>id</a:t>
+            </a:r>
+            <a:endParaRPr lang="en-CA" sz="800">
+              <a:solidFill>
+                <a:schemeClr val="tx1">
+                  <a:lumMod val="65000"/>
+                  <a:lumOff val="35000"/>
+                </a:schemeClr>
+              </a:solidFill>
+              <a:latin typeface="Arial Narrow" panose="020B0606020202030204" pitchFamily="34" charset="0"/>
+            </a:endParaRPr>
+          </a:p>
+        </p:txBody>
+      </p:sp>
+      <p:sp>
+        <p:nvSpPr>
+          <p:cNvPr id="13" name="TextBox 12">
+            <a:extLst>
+              <a:ext uri="{FF2B5EF4-FFF2-40B4-BE49-F238E27FC236}">
+                <a16:creationId xmlns:a16="http://schemas.microsoft.com/office/drawing/2014/main" id="{5251B676-A27B-D341-5F6B-4C679A6DF1D2}"/>
+              </a:ext>
+            </a:extLst>
+          </p:cNvPr>
+          <p:cNvSpPr txBox="1"/>
+          <p:nvPr/>
+        </p:nvSpPr>
+        <p:spPr>
+          <a:xfrm>
+            <a:off x="2547538" y="1669415"/>
+            <a:ext cx="200376" cy="123111"/>
+          </a:xfrm>
+          <a:prstGeom prst="rect">
+            <a:avLst/>
+          </a:prstGeom>
+          <a:noFill/>
+        </p:spPr>
+        <p:txBody>
+          <a:bodyPr wrap="none" lIns="0" tIns="0" rIns="0" bIns="0" rtlCol="0">
+            <a:spAutoFit/>
+          </a:bodyPr>
+          <a:lstStyle/>
+          <a:p>
+            <a:r>
+              <a:rPr lang="en-US" sz="800">
+                <a:solidFill>
+                  <a:schemeClr val="tx1">
+                    <a:lumMod val="65000"/>
+                    <a:lumOff val="35000"/>
+                  </a:schemeClr>
+                </a:solidFill>
+                <a:latin typeface="Arial Narrow" panose="020B0606020202030204" pitchFamily="34" charset="0"/>
+              </a:rPr>
+              <a:t>bytes</a:t>
+            </a:r>
+            <a:endParaRPr lang="en-CA" sz="800">
+              <a:solidFill>
+                <a:schemeClr val="tx1">
+                  <a:lumMod val="65000"/>
+                  <a:lumOff val="35000"/>
+                </a:schemeClr>
+              </a:solidFill>
+              <a:latin typeface="Arial Narrow" panose="020B0606020202030204" pitchFamily="34" charset="0"/>
+            </a:endParaRPr>
+          </a:p>
+        </p:txBody>
+      </p:sp>
+      <p:sp>
+        <p:nvSpPr>
+          <p:cNvPr id="14" name="Rectangle 13">
+            <a:extLst>
+              <a:ext uri="{FF2B5EF4-FFF2-40B4-BE49-F238E27FC236}">
+                <a16:creationId xmlns:a16="http://schemas.microsoft.com/office/drawing/2014/main" id="{8FC4C062-5A17-CFD6-D2B8-4A649B72A627}"/>
+              </a:ext>
+            </a:extLst>
+          </p:cNvPr>
+          <p:cNvSpPr/>
+          <p:nvPr/>
+        </p:nvSpPr>
+        <p:spPr>
+          <a:xfrm>
+            <a:off x="2511206" y="1836994"/>
+            <a:ext cx="360040" cy="180000"/>
+          </a:xfrm>
+          <a:prstGeom prst="rect">
+            <a:avLst/>
+          </a:prstGeom>
+          <a:solidFill>
+            <a:srgbClr val="CEFCFF"/>
+          </a:solidFill>
+          <a:ln w="19050">
+            <a:solidFill>
+              <a:srgbClr val="2194F6"/>
+            </a:solidFill>
+          </a:ln>
+        </p:spPr>
+        <p:style>
+          <a:lnRef idx="2">
+            <a:schemeClr val="accent1">
+              <a:shade val="50000"/>
+            </a:schemeClr>
+          </a:lnRef>
+          <a:fillRef idx="1">
+            <a:schemeClr val="accent1"/>
+          </a:fillRef>
+          <a:effectRef idx="0">
+            <a:schemeClr val="accent1"/>
+          </a:effectRef>
+          <a:fontRef idx="minor">
+            <a:schemeClr val="lt1"/>
+          </a:fontRef>
+        </p:style>
+        <p:txBody>
+          <a:bodyPr lIns="36000" tIns="0" rIns="0" bIns="0" rtlCol="0" anchor="ctr"/>
+          <a:lstStyle/>
+          <a:p>
+            <a:r>
+              <a:rPr lang="de-DE" sz="800">
+                <a:solidFill>
+                  <a:srgbClr val="1064AF"/>
+                </a:solidFill>
+                <a:latin typeface="Arial Narrow" panose="020B0606020202030204" pitchFamily="34" charset="0"/>
+                <a:ea typeface="Open Sans Condensed Light" panose="020B0306030504020204" pitchFamily="34" charset="0"/>
+                <a:cs typeface="Open Sans Condensed Light" panose="020B0306030504020204" pitchFamily="34" charset="0"/>
+              </a:rPr>
+              <a:t>341428</a:t>
+            </a:r>
+            <a:endParaRPr lang="de-DE" sz="800" dirty="0">
+              <a:solidFill>
+                <a:srgbClr val="1064AF"/>
+              </a:solidFill>
+              <a:latin typeface="Arial Narrow" panose="020B0606020202030204" pitchFamily="34" charset="0"/>
+              <a:ea typeface="Open Sans Condensed Light" panose="020B0306030504020204" pitchFamily="34" charset="0"/>
+              <a:cs typeface="Open Sans Condensed Light" panose="020B0306030504020204" pitchFamily="34" charset="0"/>
+            </a:endParaRPr>
+          </a:p>
+        </p:txBody>
+      </p:sp>
+      <p:sp>
+        <p:nvSpPr>
+          <p:cNvPr id="15" name="Rectangle 14">
+            <a:extLst>
+              <a:ext uri="{FF2B5EF4-FFF2-40B4-BE49-F238E27FC236}">
+                <a16:creationId xmlns:a16="http://schemas.microsoft.com/office/drawing/2014/main" id="{C8D6D9C2-8C12-0325-8777-F5D82FCFE339}"/>
+              </a:ext>
+            </a:extLst>
+          </p:cNvPr>
+          <p:cNvSpPr/>
+          <p:nvPr/>
+        </p:nvSpPr>
+        <p:spPr>
+          <a:xfrm>
+            <a:off x="2871246" y="1836994"/>
+            <a:ext cx="576064" cy="180000"/>
+          </a:xfrm>
+          <a:prstGeom prst="rect">
+            <a:avLst/>
+          </a:prstGeom>
+          <a:solidFill>
+            <a:srgbClr val="CEFCFF"/>
+          </a:solidFill>
+          <a:ln w="19050">
+            <a:solidFill>
+              <a:srgbClr val="2194F6"/>
+            </a:solidFill>
+          </a:ln>
+        </p:spPr>
+        <p:style>
+          <a:lnRef idx="2">
+            <a:schemeClr val="accent1">
+              <a:shade val="50000"/>
+            </a:schemeClr>
+          </a:lnRef>
+          <a:fillRef idx="1">
+            <a:schemeClr val="accent1"/>
+          </a:fillRef>
+          <a:effectRef idx="0">
+            <a:schemeClr val="accent1"/>
+          </a:effectRef>
+          <a:fontRef idx="minor">
+            <a:schemeClr val="lt1"/>
+          </a:fontRef>
+        </p:style>
+        <p:txBody>
+          <a:bodyPr lIns="36000" tIns="0" rIns="0" bIns="0" rtlCol="0" anchor="ctr"/>
+          <a:lstStyle/>
+          <a:p>
+            <a:r>
+              <a:rPr lang="de-DE" sz="800">
+                <a:solidFill>
+                  <a:srgbClr val="1064AF"/>
+                </a:solidFill>
+                <a:latin typeface="Arial Narrow" panose="020B0606020202030204" pitchFamily="34" charset="0"/>
+                <a:ea typeface="Open Sans Condensed Light" panose="020B0306030504020204" pitchFamily="34" charset="0"/>
+                <a:cs typeface="Open Sans Condensed Light" panose="020B0306030504020204" pitchFamily="34" charset="0"/>
+              </a:rPr>
+              <a:t>1747556855</a:t>
+            </a:r>
+            <a:endParaRPr lang="de-DE" sz="800" dirty="0">
+              <a:solidFill>
+                <a:srgbClr val="1064AF"/>
+              </a:solidFill>
+              <a:latin typeface="Arial Narrow" panose="020B0606020202030204" pitchFamily="34" charset="0"/>
+              <a:ea typeface="Open Sans Condensed Light" panose="020B0306030504020204" pitchFamily="34" charset="0"/>
+              <a:cs typeface="Open Sans Condensed Light" panose="020B0306030504020204" pitchFamily="34" charset="0"/>
+            </a:endParaRPr>
+          </a:p>
+        </p:txBody>
+      </p:sp>
+      <p:sp>
+        <p:nvSpPr>
+          <p:cNvPr id="16" name="TextBox 15">
+            <a:extLst>
+              <a:ext uri="{FF2B5EF4-FFF2-40B4-BE49-F238E27FC236}">
+                <a16:creationId xmlns:a16="http://schemas.microsoft.com/office/drawing/2014/main" id="{C87C495F-E4E0-B34A-E668-DB4522F8B801}"/>
+              </a:ext>
+            </a:extLst>
+          </p:cNvPr>
+          <p:cNvSpPr txBox="1"/>
+          <p:nvPr/>
+        </p:nvSpPr>
+        <p:spPr>
+          <a:xfrm>
+            <a:off x="2943254" y="1669415"/>
+            <a:ext cx="395942" cy="123111"/>
+          </a:xfrm>
+          <a:prstGeom prst="rect">
+            <a:avLst/>
+          </a:prstGeom>
+          <a:noFill/>
+        </p:spPr>
+        <p:txBody>
+          <a:bodyPr wrap="none" lIns="0" tIns="0" rIns="0" bIns="0" rtlCol="0">
+            <a:spAutoFit/>
+          </a:bodyPr>
+          <a:lstStyle/>
+          <a:p>
+            <a:r>
+              <a:rPr lang="en-US" sz="800">
+                <a:solidFill>
+                  <a:schemeClr val="tx1">
+                    <a:lumMod val="65000"/>
+                    <a:lumOff val="35000"/>
+                  </a:schemeClr>
+                </a:solidFill>
+                <a:latin typeface="Arial Narrow" panose="020B0606020202030204" pitchFamily="34" charset="0"/>
+              </a:rPr>
+              <a:t>created_at</a:t>
+            </a:r>
+            <a:endParaRPr lang="en-CA" sz="800">
+              <a:solidFill>
+                <a:schemeClr val="tx1">
+                  <a:lumMod val="65000"/>
+                  <a:lumOff val="35000"/>
+                </a:schemeClr>
+              </a:solidFill>
+              <a:latin typeface="Arial Narrow" panose="020B0606020202030204" pitchFamily="34" charset="0"/>
+            </a:endParaRPr>
+          </a:p>
+        </p:txBody>
+      </p:sp>
+      <p:sp>
+        <p:nvSpPr>
+          <p:cNvPr id="19" name="Rectangle 18">
+            <a:extLst>
+              <a:ext uri="{FF2B5EF4-FFF2-40B4-BE49-F238E27FC236}">
+                <a16:creationId xmlns:a16="http://schemas.microsoft.com/office/drawing/2014/main" id="{73DD1062-59D8-E472-A9E6-FA455CA4F2B3}"/>
+              </a:ext>
+            </a:extLst>
+          </p:cNvPr>
+          <p:cNvSpPr/>
+          <p:nvPr/>
+        </p:nvSpPr>
+        <p:spPr>
+          <a:xfrm>
+            <a:off x="3447310" y="1836994"/>
+            <a:ext cx="576064" cy="180000"/>
+          </a:xfrm>
+          <a:prstGeom prst="rect">
+            <a:avLst/>
+          </a:prstGeom>
+          <a:solidFill>
+            <a:srgbClr val="CEFCFF"/>
+          </a:solidFill>
+          <a:ln w="19050">
+            <a:solidFill>
+              <a:srgbClr val="2194F6"/>
+            </a:solidFill>
+          </a:ln>
+        </p:spPr>
+        <p:style>
+          <a:lnRef idx="2">
+            <a:schemeClr val="accent1">
+              <a:shade val="50000"/>
+            </a:schemeClr>
+          </a:lnRef>
+          <a:fillRef idx="1">
+            <a:schemeClr val="accent1"/>
+          </a:fillRef>
+          <a:effectRef idx="0">
+            <a:schemeClr val="accent1"/>
+          </a:effectRef>
+          <a:fontRef idx="minor">
+            <a:schemeClr val="lt1"/>
+          </a:fontRef>
+        </p:style>
+        <p:txBody>
+          <a:bodyPr lIns="36000" tIns="0" rIns="0" bIns="0" rtlCol="0" anchor="ctr"/>
+          <a:lstStyle/>
+          <a:p>
+            <a:endParaRPr lang="de-DE" sz="800" dirty="0">
+              <a:solidFill>
+                <a:srgbClr val="1064AF"/>
+              </a:solidFill>
+              <a:latin typeface="Arial Narrow" panose="020B0606020202030204" pitchFamily="34" charset="0"/>
+              <a:ea typeface="Open Sans Condensed Light" panose="020B0306030504020204" pitchFamily="34" charset="0"/>
+              <a:cs typeface="Open Sans Condensed Light" panose="020B0306030504020204" pitchFamily="34" charset="0"/>
+            </a:endParaRPr>
+          </a:p>
+        </p:txBody>
+      </p:sp>
+      <p:sp>
+        <p:nvSpPr>
+          <p:cNvPr id="20" name="TextBox 19">
+            <a:extLst>
+              <a:ext uri="{FF2B5EF4-FFF2-40B4-BE49-F238E27FC236}">
+                <a16:creationId xmlns:a16="http://schemas.microsoft.com/office/drawing/2014/main" id="{C4049507-DE9F-C5A8-D521-319307D83ED1}"/>
+              </a:ext>
+            </a:extLst>
+          </p:cNvPr>
+          <p:cNvSpPr txBox="1"/>
+          <p:nvPr/>
+        </p:nvSpPr>
+        <p:spPr>
+          <a:xfrm>
+            <a:off x="3522524" y="1669415"/>
+            <a:ext cx="386324" cy="123111"/>
+          </a:xfrm>
+          <a:prstGeom prst="rect">
+            <a:avLst/>
+          </a:prstGeom>
+          <a:noFill/>
+        </p:spPr>
+        <p:txBody>
+          <a:bodyPr wrap="none" lIns="0" tIns="0" rIns="0" bIns="0" rtlCol="0">
+            <a:spAutoFit/>
+          </a:bodyPr>
+          <a:lstStyle/>
+          <a:p>
+            <a:r>
+              <a:rPr lang="en-US" sz="800">
+                <a:solidFill>
+                  <a:schemeClr val="tx1">
+                    <a:lumMod val="65000"/>
+                    <a:lumOff val="35000"/>
+                  </a:schemeClr>
+                </a:solidFill>
+                <a:latin typeface="Arial Narrow" panose="020B0606020202030204" pitchFamily="34" charset="0"/>
+              </a:rPr>
+              <a:t>expires_at</a:t>
+            </a:r>
+            <a:endParaRPr lang="en-CA" sz="800">
+              <a:solidFill>
+                <a:schemeClr val="tx1">
+                  <a:lumMod val="65000"/>
+                  <a:lumOff val="35000"/>
+                </a:schemeClr>
+              </a:solidFill>
+              <a:latin typeface="Arial Narrow" panose="020B0606020202030204" pitchFamily="34" charset="0"/>
+            </a:endParaRPr>
+          </a:p>
+        </p:txBody>
+      </p:sp>
+      <p:pic>
+        <p:nvPicPr>
+          <p:cNvPr id="21" name="Picture 20">
+            <a:extLst>
+              <a:ext uri="{FF2B5EF4-FFF2-40B4-BE49-F238E27FC236}">
+                <a16:creationId xmlns:a16="http://schemas.microsoft.com/office/drawing/2014/main" id="{BA8EC837-1A07-4C1A-1DAE-42A81D256603}"/>
+              </a:ext>
+            </a:extLst>
+          </p:cNvPr>
+          <p:cNvPicPr>
+            <a:picLocks noChangeAspect="1"/>
+          </p:cNvPicPr>
+          <p:nvPr/>
+        </p:nvPicPr>
+        <p:blipFill>
+          <a:blip r:embed="rId2"/>
+          <a:stretch>
+            <a:fillRect/>
+          </a:stretch>
+        </p:blipFill>
+        <p:spPr>
+          <a:xfrm>
+            <a:off x="5813188" y="1351833"/>
+            <a:ext cx="2825764" cy="2070467"/>
+          </a:xfrm>
+          <a:prstGeom prst="rect">
+            <a:avLst/>
+          </a:prstGeom>
+        </p:spPr>
+      </p:pic>
+      <p:sp>
+        <p:nvSpPr>
+          <p:cNvPr id="23" name="Rectangle 22">
+            <a:extLst>
+              <a:ext uri="{FF2B5EF4-FFF2-40B4-BE49-F238E27FC236}">
+                <a16:creationId xmlns:a16="http://schemas.microsoft.com/office/drawing/2014/main" id="{9D36EFF3-0F4A-4BE0-AB42-E12E682A839D}"/>
+              </a:ext>
+            </a:extLst>
+          </p:cNvPr>
+          <p:cNvSpPr/>
+          <p:nvPr/>
+        </p:nvSpPr>
+        <p:spPr>
+          <a:xfrm>
+            <a:off x="4023374" y="1836994"/>
+            <a:ext cx="436171" cy="180000"/>
+          </a:xfrm>
+          <a:prstGeom prst="rect">
+            <a:avLst/>
+          </a:prstGeom>
+          <a:solidFill>
+            <a:srgbClr val="CEFCFF"/>
+          </a:solidFill>
+          <a:ln w="19050">
+            <a:solidFill>
+              <a:srgbClr val="2194F6"/>
+            </a:solidFill>
+          </a:ln>
+        </p:spPr>
+        <p:style>
+          <a:lnRef idx="2">
+            <a:schemeClr val="accent1">
+              <a:shade val="50000"/>
+            </a:schemeClr>
+          </a:lnRef>
+          <a:fillRef idx="1">
+            <a:schemeClr val="accent1"/>
+          </a:fillRef>
+          <a:effectRef idx="0">
+            <a:schemeClr val="accent1"/>
+          </a:effectRef>
+          <a:fontRef idx="minor">
+            <a:schemeClr val="lt1"/>
+          </a:fontRef>
+        </p:style>
+        <p:txBody>
+          <a:bodyPr lIns="36000" tIns="0" rIns="0" bIns="0" rtlCol="0" anchor="ctr"/>
+          <a:lstStyle/>
+          <a:p>
+            <a:r>
+              <a:rPr lang="de-DE" sz="800">
+                <a:solidFill>
+                  <a:srgbClr val="1064AF"/>
+                </a:solidFill>
+                <a:latin typeface="Arial Narrow" panose="020B0606020202030204" pitchFamily="34" charset="0"/>
+                <a:ea typeface="Open Sans Condensed Light" panose="020B0306030504020204" pitchFamily="34" charset="0"/>
+                <a:cs typeface="Open Sans Condensed Light" panose="020B0306030504020204" pitchFamily="34" charset="0"/>
+              </a:rPr>
+              <a:t>assistants</a:t>
+            </a:r>
+            <a:endParaRPr lang="de-DE" sz="800" dirty="0">
+              <a:solidFill>
+                <a:srgbClr val="1064AF"/>
+              </a:solidFill>
+              <a:latin typeface="Arial Narrow" panose="020B0606020202030204" pitchFamily="34" charset="0"/>
+              <a:ea typeface="Open Sans Condensed Light" panose="020B0306030504020204" pitchFamily="34" charset="0"/>
+              <a:cs typeface="Open Sans Condensed Light" panose="020B0306030504020204" pitchFamily="34" charset="0"/>
+            </a:endParaRPr>
+          </a:p>
+        </p:txBody>
+      </p:sp>
+      <p:sp>
+        <p:nvSpPr>
+          <p:cNvPr id="24" name="TextBox 23">
+            <a:extLst>
+              <a:ext uri="{FF2B5EF4-FFF2-40B4-BE49-F238E27FC236}">
+                <a16:creationId xmlns:a16="http://schemas.microsoft.com/office/drawing/2014/main" id="{6D5E70C0-ECEE-5F52-A4E1-CA23B032C6D4}"/>
+              </a:ext>
+            </a:extLst>
+          </p:cNvPr>
+          <p:cNvSpPr txBox="1"/>
+          <p:nvPr/>
+        </p:nvSpPr>
+        <p:spPr>
+          <a:xfrm>
+            <a:off x="4052099" y="1669415"/>
+            <a:ext cx="301365" cy="123111"/>
+          </a:xfrm>
+          <a:prstGeom prst="rect">
+            <a:avLst/>
+          </a:prstGeom>
+          <a:noFill/>
+        </p:spPr>
+        <p:txBody>
+          <a:bodyPr wrap="none" lIns="0" tIns="0" rIns="0" bIns="0" rtlCol="0">
+            <a:spAutoFit/>
+          </a:bodyPr>
+          <a:lstStyle/>
+          <a:p>
+            <a:r>
+              <a:rPr lang="en-US" sz="800">
+                <a:solidFill>
+                  <a:schemeClr val="tx1">
+                    <a:lumMod val="65000"/>
+                    <a:lumOff val="35000"/>
+                  </a:schemeClr>
+                </a:solidFill>
+                <a:latin typeface="Arial Narrow" panose="020B0606020202030204" pitchFamily="34" charset="0"/>
+              </a:rPr>
+              <a:t>purpose</a:t>
+            </a:r>
+            <a:endParaRPr lang="en-CA" sz="800">
+              <a:solidFill>
+                <a:schemeClr val="tx1">
+                  <a:lumMod val="65000"/>
+                  <a:lumOff val="35000"/>
+                </a:schemeClr>
+              </a:solidFill>
+              <a:latin typeface="Arial Narrow" panose="020B0606020202030204" pitchFamily="34" charset="0"/>
+            </a:endParaRPr>
+          </a:p>
+        </p:txBody>
+      </p:sp>
+      <p:sp>
+        <p:nvSpPr>
+          <p:cNvPr id="25" name="Rectangle 24">
+            <a:extLst>
+              <a:ext uri="{FF2B5EF4-FFF2-40B4-BE49-F238E27FC236}">
+                <a16:creationId xmlns:a16="http://schemas.microsoft.com/office/drawing/2014/main" id="{7142BCEE-3FC2-9178-57C3-132977C8248C}"/>
+              </a:ext>
+            </a:extLst>
+          </p:cNvPr>
+          <p:cNvSpPr/>
+          <p:nvPr/>
+        </p:nvSpPr>
+        <p:spPr>
+          <a:xfrm>
+            <a:off x="4459545" y="1836994"/>
+            <a:ext cx="503552" cy="180000"/>
+          </a:xfrm>
+          <a:prstGeom prst="rect">
+            <a:avLst/>
+          </a:prstGeom>
+          <a:solidFill>
+            <a:srgbClr val="CEFCFF"/>
+          </a:solidFill>
+          <a:ln w="19050">
+            <a:solidFill>
+              <a:srgbClr val="2194F6"/>
+            </a:solidFill>
+          </a:ln>
+        </p:spPr>
+        <p:style>
+          <a:lnRef idx="2">
+            <a:schemeClr val="accent1">
+              <a:shade val="50000"/>
+            </a:schemeClr>
+          </a:lnRef>
+          <a:fillRef idx="1">
+            <a:schemeClr val="accent1"/>
+          </a:fillRef>
+          <a:effectRef idx="0">
+            <a:schemeClr val="accent1"/>
+          </a:effectRef>
+          <a:fontRef idx="minor">
+            <a:schemeClr val="lt1"/>
+          </a:fontRef>
+        </p:style>
+        <p:txBody>
+          <a:bodyPr lIns="36000" tIns="0" rIns="0" bIns="0" rtlCol="0" anchor="ctr"/>
+          <a:lstStyle/>
+          <a:p>
+            <a:r>
+              <a:rPr lang="de-DE" sz="800">
+                <a:solidFill>
+                  <a:srgbClr val="1064AF"/>
+                </a:solidFill>
+                <a:latin typeface="Arial Narrow" panose="020B0606020202030204" pitchFamily="34" charset="0"/>
+                <a:ea typeface="Open Sans Condensed Light" panose="020B0306030504020204" pitchFamily="34" charset="0"/>
+                <a:cs typeface="Open Sans Condensed Light" panose="020B0306030504020204" pitchFamily="34" charset="0"/>
+              </a:rPr>
+              <a:t>processed</a:t>
+            </a:r>
+            <a:endParaRPr lang="de-DE" sz="800" dirty="0">
+              <a:solidFill>
+                <a:srgbClr val="1064AF"/>
+              </a:solidFill>
+              <a:latin typeface="Arial Narrow" panose="020B0606020202030204" pitchFamily="34" charset="0"/>
+              <a:ea typeface="Open Sans Condensed Light" panose="020B0306030504020204" pitchFamily="34" charset="0"/>
+              <a:cs typeface="Open Sans Condensed Light" panose="020B0306030504020204" pitchFamily="34" charset="0"/>
+            </a:endParaRPr>
+          </a:p>
+        </p:txBody>
+      </p:sp>
+      <p:sp>
+        <p:nvSpPr>
+          <p:cNvPr id="26" name="TextBox 25">
+            <a:extLst>
+              <a:ext uri="{FF2B5EF4-FFF2-40B4-BE49-F238E27FC236}">
+                <a16:creationId xmlns:a16="http://schemas.microsoft.com/office/drawing/2014/main" id="{0981A3FF-1E04-895F-E6A0-D09434492619}"/>
+              </a:ext>
+            </a:extLst>
+          </p:cNvPr>
+          <p:cNvSpPr txBox="1"/>
+          <p:nvPr/>
+        </p:nvSpPr>
+        <p:spPr>
+          <a:xfrm>
+            <a:off x="4488270" y="1669415"/>
+            <a:ext cx="224420" cy="123111"/>
+          </a:xfrm>
+          <a:prstGeom prst="rect">
+            <a:avLst/>
+          </a:prstGeom>
+          <a:noFill/>
+        </p:spPr>
+        <p:txBody>
+          <a:bodyPr wrap="none" lIns="0" tIns="0" rIns="0" bIns="0" rtlCol="0">
+            <a:spAutoFit/>
+          </a:bodyPr>
+          <a:lstStyle/>
+          <a:p>
+            <a:r>
+              <a:rPr lang="en-US" sz="800">
+                <a:solidFill>
+                  <a:schemeClr val="tx1">
+                    <a:lumMod val="65000"/>
+                    <a:lumOff val="35000"/>
+                  </a:schemeClr>
+                </a:solidFill>
+                <a:latin typeface="Arial Narrow" panose="020B0606020202030204" pitchFamily="34" charset="0"/>
+              </a:rPr>
+              <a:t>status</a:t>
+            </a:r>
+            <a:endParaRPr lang="en-CA" sz="800">
+              <a:solidFill>
+                <a:schemeClr val="tx1">
+                  <a:lumMod val="65000"/>
+                  <a:lumOff val="35000"/>
+                </a:schemeClr>
+              </a:solidFill>
+              <a:latin typeface="Arial Narrow" panose="020B0606020202030204" pitchFamily="34" charset="0"/>
+            </a:endParaRPr>
+          </a:p>
+        </p:txBody>
+      </p:sp>
+      <p:sp>
+        <p:nvSpPr>
+          <p:cNvPr id="28" name="Rectangle 27">
+            <a:extLst>
+              <a:ext uri="{FF2B5EF4-FFF2-40B4-BE49-F238E27FC236}">
+                <a16:creationId xmlns:a16="http://schemas.microsoft.com/office/drawing/2014/main" id="{1C3A8A34-1319-EFFF-120D-3B1EDED245F7}"/>
+              </a:ext>
+            </a:extLst>
+          </p:cNvPr>
+          <p:cNvSpPr/>
+          <p:nvPr/>
+        </p:nvSpPr>
+        <p:spPr>
+          <a:xfrm>
+            <a:off x="251520" y="2731500"/>
+            <a:ext cx="901192" cy="252000"/>
+          </a:xfrm>
+          <a:prstGeom prst="rect">
+            <a:avLst/>
+          </a:prstGeom>
+          <a:solidFill>
+            <a:srgbClr val="DBCDA5"/>
+          </a:solidFill>
+          <a:ln>
+            <a:noFill/>
+          </a:ln>
+        </p:spPr>
+        <p:style>
+          <a:lnRef idx="2">
+            <a:schemeClr val="accent1">
+              <a:shade val="50000"/>
+            </a:schemeClr>
+          </a:lnRef>
+          <a:fillRef idx="1">
+            <a:schemeClr val="accent1"/>
+          </a:fillRef>
+          <a:effectRef idx="0">
+            <a:schemeClr val="accent1"/>
+          </a:effectRef>
+          <a:fontRef idx="minor">
+            <a:schemeClr val="lt1"/>
+          </a:fontRef>
+        </p:style>
+        <p:txBody>
+          <a:bodyPr rtlCol="0" anchor="t"/>
+          <a:lstStyle/>
+          <a:p>
+            <a:r>
+              <a:rPr lang="en-US" sz="1000" b="1">
+                <a:solidFill>
+                  <a:schemeClr val="tx1">
+                    <a:lumMod val="75000"/>
+                    <a:lumOff val="25000"/>
+                  </a:schemeClr>
+                </a:solidFill>
+                <a:latin typeface="Arial Narrow" panose="020B0606020202030204" pitchFamily="34" charset="0"/>
+                <a:ea typeface="Open Sans Condensed" panose="020B0806030504020204" pitchFamily="34" charset="0"/>
+                <a:cs typeface="Open Sans Condensed" panose="020B0806030504020204" pitchFamily="34" charset="0"/>
+              </a:rPr>
+              <a:t>Atribute</a:t>
+            </a:r>
+            <a:endParaRPr lang="de-DE" sz="1000" b="1">
+              <a:solidFill>
+                <a:schemeClr val="tx1">
+                  <a:lumMod val="75000"/>
+                  <a:lumOff val="25000"/>
+                </a:schemeClr>
+              </a:solidFill>
+              <a:latin typeface="Arial Narrow" panose="020B0606020202030204" pitchFamily="34" charset="0"/>
+              <a:ea typeface="Open Sans Condensed" panose="020B0806030504020204" pitchFamily="34" charset="0"/>
+              <a:cs typeface="Open Sans Condensed" panose="020B0806030504020204" pitchFamily="34" charset="0"/>
+            </a:endParaRPr>
+          </a:p>
+        </p:txBody>
+      </p:sp>
+      <p:sp>
+        <p:nvSpPr>
+          <p:cNvPr id="29" name="Rectangle 28">
+            <a:extLst>
+              <a:ext uri="{FF2B5EF4-FFF2-40B4-BE49-F238E27FC236}">
+                <a16:creationId xmlns:a16="http://schemas.microsoft.com/office/drawing/2014/main" id="{7C177F55-C492-EB76-E465-5CBCF525A6D4}"/>
+              </a:ext>
+            </a:extLst>
+          </p:cNvPr>
+          <p:cNvSpPr/>
+          <p:nvPr/>
+        </p:nvSpPr>
+        <p:spPr>
+          <a:xfrm>
+            <a:off x="251520" y="3027406"/>
+            <a:ext cx="901192" cy="252000"/>
+          </a:xfrm>
+          <a:prstGeom prst="rect">
+            <a:avLst/>
+          </a:prstGeom>
+          <a:solidFill>
+            <a:srgbClr val="EBEEEF"/>
+          </a:solidFill>
+          <a:ln>
+            <a:noFill/>
+          </a:ln>
+        </p:spPr>
+        <p:style>
+          <a:lnRef idx="2">
+            <a:schemeClr val="accent1">
+              <a:shade val="50000"/>
+            </a:schemeClr>
+          </a:lnRef>
+          <a:fillRef idx="1">
+            <a:schemeClr val="accent1"/>
+          </a:fillRef>
+          <a:effectRef idx="0">
+            <a:schemeClr val="accent1"/>
+          </a:effectRef>
+          <a:fontRef idx="minor">
+            <a:schemeClr val="lt1"/>
+          </a:fontRef>
+        </p:style>
+        <p:txBody>
+          <a:bodyPr rtlCol="0" anchor="t"/>
+          <a:lstStyle/>
+          <a:p>
+            <a:r>
+              <a:rPr lang="en-US" sz="1000">
+                <a:solidFill>
+                  <a:schemeClr val="tx1">
+                    <a:lumMod val="75000"/>
+                    <a:lumOff val="25000"/>
+                  </a:schemeClr>
+                </a:solidFill>
+                <a:latin typeface="Arial Narrow" panose="020B0606020202030204" pitchFamily="34" charset="0"/>
+                <a:ea typeface="Open Sans Condensed" panose="020B0806030504020204" pitchFamily="34" charset="0"/>
+                <a:cs typeface="Open Sans Condensed" panose="020B0806030504020204" pitchFamily="34" charset="0"/>
+              </a:rPr>
+              <a:t>id</a:t>
+            </a:r>
+            <a:endParaRPr lang="de-DE" sz="1000">
+              <a:solidFill>
+                <a:schemeClr val="tx1">
+                  <a:lumMod val="75000"/>
+                  <a:lumOff val="25000"/>
+                </a:schemeClr>
+              </a:solidFill>
+              <a:latin typeface="Arial Narrow" panose="020B0606020202030204" pitchFamily="34" charset="0"/>
+              <a:ea typeface="Open Sans Condensed" panose="020B0806030504020204" pitchFamily="34" charset="0"/>
+              <a:cs typeface="Open Sans Condensed" panose="020B0806030504020204" pitchFamily="34" charset="0"/>
+            </a:endParaRPr>
+          </a:p>
+        </p:txBody>
+      </p:sp>
+      <p:sp>
+        <p:nvSpPr>
+          <p:cNvPr id="30" name="Rectangle 29">
+            <a:extLst>
+              <a:ext uri="{FF2B5EF4-FFF2-40B4-BE49-F238E27FC236}">
+                <a16:creationId xmlns:a16="http://schemas.microsoft.com/office/drawing/2014/main" id="{B9191D7F-A5F9-2B99-8423-1B34B6828B9A}"/>
+              </a:ext>
+            </a:extLst>
+          </p:cNvPr>
+          <p:cNvSpPr/>
+          <p:nvPr/>
+        </p:nvSpPr>
+        <p:spPr>
+          <a:xfrm>
+            <a:off x="1183869" y="2712856"/>
+            <a:ext cx="4252227" cy="252000"/>
+          </a:xfrm>
+          <a:prstGeom prst="rect">
+            <a:avLst/>
+          </a:prstGeom>
+          <a:solidFill>
+            <a:srgbClr val="DBCDA5"/>
+          </a:solidFill>
+          <a:ln>
+            <a:noFill/>
+          </a:ln>
+        </p:spPr>
+        <p:style>
+          <a:lnRef idx="2">
+            <a:schemeClr val="accent1">
+              <a:shade val="50000"/>
+            </a:schemeClr>
+          </a:lnRef>
+          <a:fillRef idx="1">
+            <a:schemeClr val="accent1"/>
+          </a:fillRef>
+          <a:effectRef idx="0">
+            <a:schemeClr val="accent1"/>
+          </a:effectRef>
+          <a:fontRef idx="minor">
+            <a:schemeClr val="lt1"/>
+          </a:fontRef>
+        </p:style>
+        <p:txBody>
+          <a:bodyPr rtlCol="0" anchor="t"/>
+          <a:lstStyle/>
+          <a:p>
+            <a:r>
+              <a:rPr lang="en-US" sz="1000" b="1">
+                <a:solidFill>
+                  <a:schemeClr val="tx1">
+                    <a:lumMod val="75000"/>
+                    <a:lumOff val="25000"/>
+                  </a:schemeClr>
+                </a:solidFill>
+                <a:latin typeface="Arial Narrow" panose="020B0606020202030204" pitchFamily="34" charset="0"/>
+                <a:ea typeface="Open Sans Condensed" panose="020B0806030504020204" pitchFamily="34" charset="0"/>
+                <a:cs typeface="Open Sans Condensed" panose="020B0806030504020204" pitchFamily="34" charset="0"/>
+              </a:rPr>
+              <a:t>Decription</a:t>
+            </a:r>
+            <a:endParaRPr lang="de-DE" sz="1000" b="1">
+              <a:solidFill>
+                <a:schemeClr val="tx1">
+                  <a:lumMod val="75000"/>
+                  <a:lumOff val="25000"/>
+                </a:schemeClr>
+              </a:solidFill>
+              <a:latin typeface="Arial Narrow" panose="020B0606020202030204" pitchFamily="34" charset="0"/>
+              <a:ea typeface="Open Sans Condensed" panose="020B0806030504020204" pitchFamily="34" charset="0"/>
+              <a:cs typeface="Open Sans Condensed" panose="020B0806030504020204" pitchFamily="34" charset="0"/>
+            </a:endParaRPr>
+          </a:p>
+        </p:txBody>
+      </p:sp>
+      <p:sp>
+        <p:nvSpPr>
+          <p:cNvPr id="31" name="Rectangle 30">
+            <a:extLst>
+              <a:ext uri="{FF2B5EF4-FFF2-40B4-BE49-F238E27FC236}">
+                <a16:creationId xmlns:a16="http://schemas.microsoft.com/office/drawing/2014/main" id="{55D6E09D-7CE8-96D7-B334-C6E6F9254130}"/>
+              </a:ext>
+            </a:extLst>
+          </p:cNvPr>
+          <p:cNvSpPr/>
+          <p:nvPr/>
+        </p:nvSpPr>
+        <p:spPr>
+          <a:xfrm>
+            <a:off x="1183869" y="3027406"/>
+            <a:ext cx="4252227" cy="252000"/>
+          </a:xfrm>
+          <a:prstGeom prst="rect">
+            <a:avLst/>
+          </a:prstGeom>
+          <a:solidFill>
+            <a:srgbClr val="EBEEEF"/>
+          </a:solidFill>
+          <a:ln>
+            <a:noFill/>
+          </a:ln>
+        </p:spPr>
+        <p:style>
+          <a:lnRef idx="2">
+            <a:schemeClr val="accent1">
+              <a:shade val="50000"/>
+            </a:schemeClr>
+          </a:lnRef>
+          <a:fillRef idx="1">
+            <a:schemeClr val="accent1"/>
+          </a:fillRef>
+          <a:effectRef idx="0">
+            <a:schemeClr val="accent1"/>
+          </a:effectRef>
+          <a:fontRef idx="minor">
+            <a:schemeClr val="lt1"/>
+          </a:fontRef>
+        </p:style>
+        <p:txBody>
+          <a:bodyPr rtlCol="0" anchor="t"/>
+          <a:lstStyle/>
+          <a:p>
+            <a:r>
+              <a:rPr lang="en-US" sz="1000">
+                <a:solidFill>
+                  <a:schemeClr val="tx1">
+                    <a:lumMod val="75000"/>
+                    <a:lumOff val="25000"/>
+                  </a:schemeClr>
+                </a:solidFill>
+                <a:latin typeface="Arial Narrow" panose="020B0606020202030204" pitchFamily="34" charset="0"/>
+                <a:ea typeface="Open Sans Condensed" panose="020B0806030504020204" pitchFamily="34" charset="0"/>
+                <a:cs typeface="Open Sans Condensed" panose="020B0806030504020204" pitchFamily="34" charset="0"/>
+              </a:rPr>
+              <a:t>The file identifier, which can be referenced in the API endpoints.</a:t>
+            </a:r>
+            <a:endParaRPr lang="de-DE" sz="1000">
+              <a:solidFill>
+                <a:schemeClr val="tx1">
+                  <a:lumMod val="75000"/>
+                  <a:lumOff val="25000"/>
+                </a:schemeClr>
+              </a:solidFill>
+              <a:latin typeface="Arial Narrow" panose="020B0606020202030204" pitchFamily="34" charset="0"/>
+              <a:ea typeface="Open Sans Condensed" panose="020B0806030504020204" pitchFamily="34" charset="0"/>
+              <a:cs typeface="Open Sans Condensed" panose="020B0806030504020204" pitchFamily="34" charset="0"/>
+            </a:endParaRPr>
+          </a:p>
+        </p:txBody>
+      </p:sp>
+      <p:sp>
+        <p:nvSpPr>
+          <p:cNvPr id="32" name="Rectangle 31">
+            <a:extLst>
+              <a:ext uri="{FF2B5EF4-FFF2-40B4-BE49-F238E27FC236}">
+                <a16:creationId xmlns:a16="http://schemas.microsoft.com/office/drawing/2014/main" id="{6282F0D3-08B8-14F4-F355-CA81A9F11B27}"/>
+              </a:ext>
+            </a:extLst>
+          </p:cNvPr>
+          <p:cNvSpPr/>
+          <p:nvPr/>
+        </p:nvSpPr>
+        <p:spPr>
+          <a:xfrm>
+            <a:off x="251520" y="3320674"/>
+            <a:ext cx="901192" cy="252000"/>
+          </a:xfrm>
+          <a:prstGeom prst="rect">
+            <a:avLst/>
+          </a:prstGeom>
+          <a:solidFill>
+            <a:srgbClr val="EBEEEF"/>
+          </a:solidFill>
+          <a:ln>
+            <a:noFill/>
+          </a:ln>
+        </p:spPr>
+        <p:style>
+          <a:lnRef idx="2">
+            <a:schemeClr val="accent1">
+              <a:shade val="50000"/>
+            </a:schemeClr>
+          </a:lnRef>
+          <a:fillRef idx="1">
+            <a:schemeClr val="accent1"/>
+          </a:fillRef>
+          <a:effectRef idx="0">
+            <a:schemeClr val="accent1"/>
+          </a:effectRef>
+          <a:fontRef idx="minor">
+            <a:schemeClr val="lt1"/>
+          </a:fontRef>
+        </p:style>
+        <p:txBody>
+          <a:bodyPr rtlCol="0" anchor="t"/>
+          <a:lstStyle/>
+          <a:p>
+            <a:r>
+              <a:rPr lang="en-US" sz="1000">
+                <a:solidFill>
+                  <a:schemeClr val="tx1">
+                    <a:lumMod val="75000"/>
+                    <a:lumOff val="25000"/>
+                  </a:schemeClr>
+                </a:solidFill>
+                <a:latin typeface="Arial Narrow" panose="020B0606020202030204" pitchFamily="34" charset="0"/>
+                <a:ea typeface="Open Sans Condensed" panose="020B0806030504020204" pitchFamily="34" charset="0"/>
+                <a:cs typeface="Open Sans Condensed" panose="020B0806030504020204" pitchFamily="34" charset="0"/>
+              </a:rPr>
+              <a:t>bytes</a:t>
+            </a:r>
+            <a:endParaRPr lang="de-DE" sz="1000">
+              <a:solidFill>
+                <a:schemeClr val="tx1">
+                  <a:lumMod val="75000"/>
+                  <a:lumOff val="25000"/>
+                </a:schemeClr>
+              </a:solidFill>
+              <a:latin typeface="Arial Narrow" panose="020B0606020202030204" pitchFamily="34" charset="0"/>
+              <a:ea typeface="Open Sans Condensed" panose="020B0806030504020204" pitchFamily="34" charset="0"/>
+              <a:cs typeface="Open Sans Condensed" panose="020B0806030504020204" pitchFamily="34" charset="0"/>
+            </a:endParaRPr>
+          </a:p>
+        </p:txBody>
+      </p:sp>
+      <p:sp>
+        <p:nvSpPr>
+          <p:cNvPr id="33" name="Rectangle 32">
+            <a:extLst>
+              <a:ext uri="{FF2B5EF4-FFF2-40B4-BE49-F238E27FC236}">
+                <a16:creationId xmlns:a16="http://schemas.microsoft.com/office/drawing/2014/main" id="{FE9C32F6-8108-09F7-497B-F07815F9CEFD}"/>
+              </a:ext>
+            </a:extLst>
+          </p:cNvPr>
+          <p:cNvSpPr/>
+          <p:nvPr/>
+        </p:nvSpPr>
+        <p:spPr>
+          <a:xfrm>
+            <a:off x="1183869" y="3320674"/>
+            <a:ext cx="4252227" cy="252000"/>
+          </a:xfrm>
+          <a:prstGeom prst="rect">
+            <a:avLst/>
+          </a:prstGeom>
+          <a:solidFill>
+            <a:srgbClr val="EBEEEF"/>
+          </a:solidFill>
+          <a:ln>
+            <a:noFill/>
+          </a:ln>
+        </p:spPr>
+        <p:style>
+          <a:lnRef idx="2">
+            <a:schemeClr val="accent1">
+              <a:shade val="50000"/>
+            </a:schemeClr>
+          </a:lnRef>
+          <a:fillRef idx="1">
+            <a:schemeClr val="accent1"/>
+          </a:fillRef>
+          <a:effectRef idx="0">
+            <a:schemeClr val="accent1"/>
+          </a:effectRef>
+          <a:fontRef idx="minor">
+            <a:schemeClr val="lt1"/>
+          </a:fontRef>
+        </p:style>
+        <p:txBody>
+          <a:bodyPr rtlCol="0" anchor="t"/>
+          <a:lstStyle/>
+          <a:p>
+            <a:r>
+              <a:rPr lang="en-US" sz="1000">
+                <a:solidFill>
+                  <a:schemeClr val="tx1">
+                    <a:lumMod val="75000"/>
+                    <a:lumOff val="25000"/>
+                  </a:schemeClr>
+                </a:solidFill>
+                <a:latin typeface="Arial Narrow" panose="020B0606020202030204" pitchFamily="34" charset="0"/>
+                <a:ea typeface="Open Sans Condensed" panose="020B0806030504020204" pitchFamily="34" charset="0"/>
+                <a:cs typeface="Open Sans Condensed" panose="020B0806030504020204" pitchFamily="34" charset="0"/>
+              </a:rPr>
+              <a:t>The size of the file, in bytes.</a:t>
+            </a:r>
+            <a:endParaRPr lang="de-DE" sz="1000">
+              <a:solidFill>
+                <a:schemeClr val="tx1">
+                  <a:lumMod val="75000"/>
+                  <a:lumOff val="25000"/>
+                </a:schemeClr>
+              </a:solidFill>
+              <a:latin typeface="Arial Narrow" panose="020B0606020202030204" pitchFamily="34" charset="0"/>
+              <a:ea typeface="Open Sans Condensed" panose="020B0806030504020204" pitchFamily="34" charset="0"/>
+              <a:cs typeface="Open Sans Condensed" panose="020B0806030504020204" pitchFamily="34" charset="0"/>
+            </a:endParaRPr>
+          </a:p>
+        </p:txBody>
+      </p:sp>
+      <p:sp>
+        <p:nvSpPr>
+          <p:cNvPr id="34" name="Rectangle 33">
+            <a:extLst>
+              <a:ext uri="{FF2B5EF4-FFF2-40B4-BE49-F238E27FC236}">
+                <a16:creationId xmlns:a16="http://schemas.microsoft.com/office/drawing/2014/main" id="{A4B4782B-1EDD-7E41-33ED-B4954488FBC3}"/>
+              </a:ext>
+            </a:extLst>
+          </p:cNvPr>
+          <p:cNvSpPr/>
+          <p:nvPr/>
+        </p:nvSpPr>
+        <p:spPr>
+          <a:xfrm>
+            <a:off x="251520" y="3613942"/>
+            <a:ext cx="901192" cy="252000"/>
+          </a:xfrm>
+          <a:prstGeom prst="rect">
+            <a:avLst/>
+          </a:prstGeom>
+          <a:solidFill>
+            <a:srgbClr val="EBEEEF"/>
+          </a:solidFill>
+          <a:ln>
+            <a:noFill/>
+          </a:ln>
+        </p:spPr>
+        <p:style>
+          <a:lnRef idx="2">
+            <a:schemeClr val="accent1">
+              <a:shade val="50000"/>
+            </a:schemeClr>
+          </a:lnRef>
+          <a:fillRef idx="1">
+            <a:schemeClr val="accent1"/>
+          </a:fillRef>
+          <a:effectRef idx="0">
+            <a:schemeClr val="accent1"/>
+          </a:effectRef>
+          <a:fontRef idx="minor">
+            <a:schemeClr val="lt1"/>
+          </a:fontRef>
+        </p:style>
+        <p:txBody>
+          <a:bodyPr rtlCol="0" anchor="t"/>
+          <a:lstStyle/>
+          <a:p>
+            <a:r>
+              <a:rPr lang="en-US" sz="1000">
+                <a:solidFill>
+                  <a:schemeClr val="tx1">
+                    <a:lumMod val="75000"/>
+                    <a:lumOff val="25000"/>
+                  </a:schemeClr>
+                </a:solidFill>
+                <a:latin typeface="Arial Narrow" panose="020B0606020202030204" pitchFamily="34" charset="0"/>
+                <a:ea typeface="Open Sans Condensed" panose="020B0806030504020204" pitchFamily="34" charset="0"/>
+                <a:cs typeface="Open Sans Condensed" panose="020B0806030504020204" pitchFamily="34" charset="0"/>
+              </a:rPr>
+              <a:t>created_at</a:t>
+            </a:r>
+          </a:p>
+        </p:txBody>
+      </p:sp>
+      <p:sp>
+        <p:nvSpPr>
+          <p:cNvPr id="35" name="Rectangle 34">
+            <a:extLst>
+              <a:ext uri="{FF2B5EF4-FFF2-40B4-BE49-F238E27FC236}">
+                <a16:creationId xmlns:a16="http://schemas.microsoft.com/office/drawing/2014/main" id="{70ADECCD-EA91-2B6B-2488-D416EC459203}"/>
+              </a:ext>
+            </a:extLst>
+          </p:cNvPr>
+          <p:cNvSpPr/>
+          <p:nvPr/>
+        </p:nvSpPr>
+        <p:spPr>
+          <a:xfrm>
+            <a:off x="1183869" y="3613942"/>
+            <a:ext cx="4252227" cy="252000"/>
+          </a:xfrm>
+          <a:prstGeom prst="rect">
+            <a:avLst/>
+          </a:prstGeom>
+          <a:solidFill>
+            <a:srgbClr val="EBEEEF"/>
+          </a:solidFill>
+          <a:ln>
+            <a:noFill/>
+          </a:ln>
+        </p:spPr>
+        <p:style>
+          <a:lnRef idx="2">
+            <a:schemeClr val="accent1">
+              <a:shade val="50000"/>
+            </a:schemeClr>
+          </a:lnRef>
+          <a:fillRef idx="1">
+            <a:schemeClr val="accent1"/>
+          </a:fillRef>
+          <a:effectRef idx="0">
+            <a:schemeClr val="accent1"/>
+          </a:effectRef>
+          <a:fontRef idx="minor">
+            <a:schemeClr val="lt1"/>
+          </a:fontRef>
+        </p:style>
+        <p:txBody>
+          <a:bodyPr rtlCol="0" anchor="t"/>
+          <a:lstStyle/>
+          <a:p>
+            <a:r>
+              <a:rPr lang="en-US" sz="1000">
+                <a:solidFill>
+                  <a:schemeClr val="tx1">
+                    <a:lumMod val="75000"/>
+                    <a:lumOff val="25000"/>
+                  </a:schemeClr>
+                </a:solidFill>
+                <a:latin typeface="Arial Narrow" panose="020B0606020202030204" pitchFamily="34" charset="0"/>
+                <a:ea typeface="Open Sans Condensed" panose="020B0806030504020204" pitchFamily="34" charset="0"/>
+                <a:cs typeface="Open Sans Condensed" panose="020B0806030504020204" pitchFamily="34" charset="0"/>
+              </a:rPr>
+              <a:t>The Unix timestamp (in seconds) for when the file was created.</a:t>
+            </a:r>
+            <a:endParaRPr lang="de-DE" sz="1000">
+              <a:solidFill>
+                <a:schemeClr val="tx1">
+                  <a:lumMod val="75000"/>
+                  <a:lumOff val="25000"/>
+                </a:schemeClr>
+              </a:solidFill>
+              <a:latin typeface="Arial Narrow" panose="020B0606020202030204" pitchFamily="34" charset="0"/>
+              <a:ea typeface="Open Sans Condensed" panose="020B0806030504020204" pitchFamily="34" charset="0"/>
+              <a:cs typeface="Open Sans Condensed" panose="020B0806030504020204" pitchFamily="34" charset="0"/>
+            </a:endParaRPr>
+          </a:p>
+        </p:txBody>
+      </p:sp>
+      <p:pic>
+        <p:nvPicPr>
+          <p:cNvPr id="37" name="Picture 36">
+            <a:extLst>
+              <a:ext uri="{FF2B5EF4-FFF2-40B4-BE49-F238E27FC236}">
+                <a16:creationId xmlns:a16="http://schemas.microsoft.com/office/drawing/2014/main" id="{047150E4-6082-DF7F-1339-922F7EB7B3AF}"/>
+              </a:ext>
+            </a:extLst>
+          </p:cNvPr>
+          <p:cNvPicPr>
+            <a:picLocks noChangeAspect="1"/>
+          </p:cNvPicPr>
+          <p:nvPr/>
+        </p:nvPicPr>
+        <p:blipFill>
+          <a:blip r:embed="rId3"/>
+          <a:stretch>
+            <a:fillRect/>
+          </a:stretch>
+        </p:blipFill>
+        <p:spPr>
+          <a:xfrm>
+            <a:off x="5813188" y="3479003"/>
+            <a:ext cx="3079291" cy="1912012"/>
+          </a:xfrm>
+          <a:prstGeom prst="rect">
+            <a:avLst/>
+          </a:prstGeom>
+        </p:spPr>
+      </p:pic>
+      <p:sp>
+        <p:nvSpPr>
+          <p:cNvPr id="38" name="Rectangle 37">
+            <a:extLst>
+              <a:ext uri="{FF2B5EF4-FFF2-40B4-BE49-F238E27FC236}">
+                <a16:creationId xmlns:a16="http://schemas.microsoft.com/office/drawing/2014/main" id="{F812A670-9745-C215-A8E8-7DA9E3917491}"/>
+              </a:ext>
+            </a:extLst>
+          </p:cNvPr>
+          <p:cNvSpPr/>
+          <p:nvPr/>
+        </p:nvSpPr>
+        <p:spPr>
+          <a:xfrm>
+            <a:off x="881952" y="2071152"/>
+            <a:ext cx="1629254" cy="180000"/>
+          </a:xfrm>
+          <a:prstGeom prst="rect">
+            <a:avLst/>
+          </a:prstGeom>
+          <a:solidFill>
+            <a:srgbClr val="CEFCFF"/>
+          </a:solidFill>
+          <a:ln w="19050">
+            <a:solidFill>
+              <a:srgbClr val="2194F6"/>
+            </a:solidFill>
+          </a:ln>
+        </p:spPr>
+        <p:style>
+          <a:lnRef idx="2">
+            <a:schemeClr val="accent1">
+              <a:shade val="50000"/>
+            </a:schemeClr>
+          </a:lnRef>
+          <a:fillRef idx="1">
+            <a:schemeClr val="accent1"/>
+          </a:fillRef>
+          <a:effectRef idx="0">
+            <a:schemeClr val="accent1"/>
+          </a:effectRef>
+          <a:fontRef idx="minor">
+            <a:schemeClr val="lt1"/>
+          </a:fontRef>
+        </p:style>
+        <p:txBody>
+          <a:bodyPr lIns="36000" tIns="0" rIns="0" bIns="0" rtlCol="0" anchor="ctr"/>
+          <a:lstStyle/>
+          <a:p>
+            <a:r>
+              <a:rPr lang="de-DE" sz="800">
+                <a:solidFill>
+                  <a:srgbClr val="1064AF"/>
+                </a:solidFill>
+                <a:latin typeface="Arial Narrow" panose="020B0606020202030204" pitchFamily="34" charset="0"/>
+                <a:ea typeface="Open Sans Condensed Light" panose="020B0306030504020204" pitchFamily="34" charset="0"/>
+                <a:cs typeface="Open Sans Condensed Light" panose="020B0306030504020204" pitchFamily="34" charset="0"/>
+              </a:rPr>
+              <a:t>file-a25022b39f214e39aadf8dbee8825599</a:t>
+            </a:r>
+            <a:endParaRPr lang="de-DE" sz="800" dirty="0">
+              <a:solidFill>
+                <a:srgbClr val="1064AF"/>
+              </a:solidFill>
+              <a:latin typeface="Arial Narrow" panose="020B0606020202030204" pitchFamily="34" charset="0"/>
+              <a:ea typeface="Open Sans Condensed Light" panose="020B0306030504020204" pitchFamily="34" charset="0"/>
+              <a:cs typeface="Open Sans Condensed Light" panose="020B0306030504020204" pitchFamily="34" charset="0"/>
+            </a:endParaRPr>
+          </a:p>
+        </p:txBody>
+      </p:sp>
+      <p:sp>
+        <p:nvSpPr>
+          <p:cNvPr id="39" name="Rectangle 38">
+            <a:extLst>
+              <a:ext uri="{FF2B5EF4-FFF2-40B4-BE49-F238E27FC236}">
+                <a16:creationId xmlns:a16="http://schemas.microsoft.com/office/drawing/2014/main" id="{D759A72F-E863-9580-83EC-74F437E54D63}"/>
+              </a:ext>
+            </a:extLst>
+          </p:cNvPr>
+          <p:cNvSpPr/>
+          <p:nvPr/>
+        </p:nvSpPr>
+        <p:spPr>
+          <a:xfrm>
+            <a:off x="2511206" y="2071152"/>
+            <a:ext cx="360040" cy="180000"/>
+          </a:xfrm>
+          <a:prstGeom prst="rect">
+            <a:avLst/>
+          </a:prstGeom>
+          <a:solidFill>
+            <a:srgbClr val="CEFCFF"/>
+          </a:solidFill>
+          <a:ln w="19050">
+            <a:solidFill>
+              <a:srgbClr val="2194F6"/>
+            </a:solidFill>
+          </a:ln>
+        </p:spPr>
+        <p:style>
+          <a:lnRef idx="2">
+            <a:schemeClr val="accent1">
+              <a:shade val="50000"/>
+            </a:schemeClr>
+          </a:lnRef>
+          <a:fillRef idx="1">
+            <a:schemeClr val="accent1"/>
+          </a:fillRef>
+          <a:effectRef idx="0">
+            <a:schemeClr val="accent1"/>
+          </a:effectRef>
+          <a:fontRef idx="minor">
+            <a:schemeClr val="lt1"/>
+          </a:fontRef>
+        </p:style>
+        <p:txBody>
+          <a:bodyPr lIns="36000" tIns="0" rIns="0" bIns="0" rtlCol="0" anchor="ctr"/>
+          <a:lstStyle/>
+          <a:p>
+            <a:r>
+              <a:rPr lang="de-DE" sz="800">
+                <a:solidFill>
+                  <a:srgbClr val="1064AF"/>
+                </a:solidFill>
+                <a:latin typeface="Arial Narrow" panose="020B0606020202030204" pitchFamily="34" charset="0"/>
+                <a:ea typeface="Open Sans Condensed Light" panose="020B0306030504020204" pitchFamily="34" charset="0"/>
+                <a:cs typeface="Open Sans Condensed Light" panose="020B0306030504020204" pitchFamily="34" charset="0"/>
+              </a:rPr>
+              <a:t>127728</a:t>
+            </a:r>
+            <a:endParaRPr lang="de-DE" sz="800" dirty="0">
+              <a:solidFill>
+                <a:srgbClr val="1064AF"/>
+              </a:solidFill>
+              <a:latin typeface="Arial Narrow" panose="020B0606020202030204" pitchFamily="34" charset="0"/>
+              <a:ea typeface="Open Sans Condensed Light" panose="020B0306030504020204" pitchFamily="34" charset="0"/>
+              <a:cs typeface="Open Sans Condensed Light" panose="020B0306030504020204" pitchFamily="34" charset="0"/>
+            </a:endParaRPr>
+          </a:p>
+        </p:txBody>
+      </p:sp>
+      <p:sp>
+        <p:nvSpPr>
+          <p:cNvPr id="40" name="Rectangle 39">
+            <a:extLst>
+              <a:ext uri="{FF2B5EF4-FFF2-40B4-BE49-F238E27FC236}">
+                <a16:creationId xmlns:a16="http://schemas.microsoft.com/office/drawing/2014/main" id="{2CC13623-22E4-4D64-FD24-8ED8D3F84027}"/>
+              </a:ext>
+            </a:extLst>
+          </p:cNvPr>
+          <p:cNvSpPr/>
+          <p:nvPr/>
+        </p:nvSpPr>
+        <p:spPr>
+          <a:xfrm>
+            <a:off x="2871246" y="2071152"/>
+            <a:ext cx="576064" cy="180000"/>
+          </a:xfrm>
+          <a:prstGeom prst="rect">
+            <a:avLst/>
+          </a:prstGeom>
+          <a:solidFill>
+            <a:srgbClr val="CEFCFF"/>
+          </a:solidFill>
+          <a:ln w="19050">
+            <a:solidFill>
+              <a:srgbClr val="2194F6"/>
+            </a:solidFill>
+          </a:ln>
+        </p:spPr>
+        <p:style>
+          <a:lnRef idx="2">
+            <a:schemeClr val="accent1">
+              <a:shade val="50000"/>
+            </a:schemeClr>
+          </a:lnRef>
+          <a:fillRef idx="1">
+            <a:schemeClr val="accent1"/>
+          </a:fillRef>
+          <a:effectRef idx="0">
+            <a:schemeClr val="accent1"/>
+          </a:effectRef>
+          <a:fontRef idx="minor">
+            <a:schemeClr val="lt1"/>
+          </a:fontRef>
+        </p:style>
+        <p:txBody>
+          <a:bodyPr lIns="36000" tIns="0" rIns="0" bIns="0" rtlCol="0" anchor="ctr"/>
+          <a:lstStyle/>
+          <a:p>
+            <a:r>
+              <a:rPr lang="de-DE" sz="800">
+                <a:solidFill>
+                  <a:srgbClr val="1064AF"/>
+                </a:solidFill>
+                <a:latin typeface="Arial Narrow" panose="020B0606020202030204" pitchFamily="34" charset="0"/>
+                <a:ea typeface="Open Sans Condensed Light" panose="020B0306030504020204" pitchFamily="34" charset="0"/>
+                <a:cs typeface="Open Sans Condensed Light" panose="020B0306030504020204" pitchFamily="34" charset="0"/>
+              </a:rPr>
+              <a:t>1747819464</a:t>
+            </a:r>
+            <a:endParaRPr lang="de-DE" sz="800" dirty="0">
+              <a:solidFill>
+                <a:srgbClr val="1064AF"/>
+              </a:solidFill>
+              <a:latin typeface="Arial Narrow" panose="020B0606020202030204" pitchFamily="34" charset="0"/>
+              <a:ea typeface="Open Sans Condensed Light" panose="020B0306030504020204" pitchFamily="34" charset="0"/>
+              <a:cs typeface="Open Sans Condensed Light" panose="020B0306030504020204" pitchFamily="34" charset="0"/>
+            </a:endParaRPr>
+          </a:p>
+        </p:txBody>
+      </p:sp>
+      <p:sp>
+        <p:nvSpPr>
+          <p:cNvPr id="42" name="Rectangle 41">
+            <a:extLst>
+              <a:ext uri="{FF2B5EF4-FFF2-40B4-BE49-F238E27FC236}">
+                <a16:creationId xmlns:a16="http://schemas.microsoft.com/office/drawing/2014/main" id="{5E773725-F196-778F-92EA-7DCF074D9162}"/>
+              </a:ext>
+            </a:extLst>
+          </p:cNvPr>
+          <p:cNvSpPr/>
+          <p:nvPr/>
+        </p:nvSpPr>
+        <p:spPr>
+          <a:xfrm>
+            <a:off x="3447310" y="2071152"/>
+            <a:ext cx="576064" cy="180000"/>
+          </a:xfrm>
+          <a:prstGeom prst="rect">
+            <a:avLst/>
+          </a:prstGeom>
+          <a:solidFill>
+            <a:srgbClr val="CEFCFF"/>
+          </a:solidFill>
+          <a:ln w="19050">
+            <a:solidFill>
+              <a:srgbClr val="2194F6"/>
+            </a:solidFill>
+          </a:ln>
+        </p:spPr>
+        <p:style>
+          <a:lnRef idx="2">
+            <a:schemeClr val="accent1">
+              <a:shade val="50000"/>
+            </a:schemeClr>
+          </a:lnRef>
+          <a:fillRef idx="1">
+            <a:schemeClr val="accent1"/>
+          </a:fillRef>
+          <a:effectRef idx="0">
+            <a:schemeClr val="accent1"/>
+          </a:effectRef>
+          <a:fontRef idx="minor">
+            <a:schemeClr val="lt1"/>
+          </a:fontRef>
+        </p:style>
+        <p:txBody>
+          <a:bodyPr lIns="36000" tIns="0" rIns="0" bIns="0" rtlCol="0" anchor="ctr"/>
+          <a:lstStyle/>
+          <a:p>
+            <a:endParaRPr lang="de-DE" sz="800" dirty="0">
+              <a:solidFill>
+                <a:srgbClr val="1064AF"/>
+              </a:solidFill>
+              <a:latin typeface="Arial Narrow" panose="020B0606020202030204" pitchFamily="34" charset="0"/>
+              <a:ea typeface="Open Sans Condensed Light" panose="020B0306030504020204" pitchFamily="34" charset="0"/>
+              <a:cs typeface="Open Sans Condensed Light" panose="020B0306030504020204" pitchFamily="34" charset="0"/>
+            </a:endParaRPr>
+          </a:p>
+        </p:txBody>
+      </p:sp>
+      <p:sp>
+        <p:nvSpPr>
+          <p:cNvPr id="43" name="Rectangle 42">
+            <a:extLst>
+              <a:ext uri="{FF2B5EF4-FFF2-40B4-BE49-F238E27FC236}">
+                <a16:creationId xmlns:a16="http://schemas.microsoft.com/office/drawing/2014/main" id="{02D75172-DDAA-7D52-8462-D82146FF82BA}"/>
+              </a:ext>
+            </a:extLst>
+          </p:cNvPr>
+          <p:cNvSpPr/>
+          <p:nvPr/>
+        </p:nvSpPr>
+        <p:spPr>
+          <a:xfrm>
+            <a:off x="4023374" y="2071152"/>
+            <a:ext cx="436171" cy="180000"/>
+          </a:xfrm>
+          <a:prstGeom prst="rect">
+            <a:avLst/>
+          </a:prstGeom>
+          <a:solidFill>
+            <a:srgbClr val="CEFCFF"/>
+          </a:solidFill>
+          <a:ln w="19050">
+            <a:solidFill>
+              <a:srgbClr val="2194F6"/>
+            </a:solidFill>
+          </a:ln>
+        </p:spPr>
+        <p:style>
+          <a:lnRef idx="2">
+            <a:schemeClr val="accent1">
+              <a:shade val="50000"/>
+            </a:schemeClr>
+          </a:lnRef>
+          <a:fillRef idx="1">
+            <a:schemeClr val="accent1"/>
+          </a:fillRef>
+          <a:effectRef idx="0">
+            <a:schemeClr val="accent1"/>
+          </a:effectRef>
+          <a:fontRef idx="minor">
+            <a:schemeClr val="lt1"/>
+          </a:fontRef>
+        </p:style>
+        <p:txBody>
+          <a:bodyPr lIns="36000" tIns="0" rIns="0" bIns="0" rtlCol="0" anchor="ctr"/>
+          <a:lstStyle/>
+          <a:p>
+            <a:r>
+              <a:rPr lang="de-DE" sz="800">
+                <a:solidFill>
+                  <a:srgbClr val="1064AF"/>
+                </a:solidFill>
+                <a:latin typeface="Arial Narrow" panose="020B0606020202030204" pitchFamily="34" charset="0"/>
+                <a:ea typeface="Open Sans Condensed Light" panose="020B0306030504020204" pitchFamily="34" charset="0"/>
+                <a:cs typeface="Open Sans Condensed Light" panose="020B0306030504020204" pitchFamily="34" charset="0"/>
+              </a:rPr>
+              <a:t>fine-tune</a:t>
+            </a:r>
+            <a:endParaRPr lang="de-DE" sz="800" dirty="0">
+              <a:solidFill>
+                <a:srgbClr val="1064AF"/>
+              </a:solidFill>
+              <a:latin typeface="Arial Narrow" panose="020B0606020202030204" pitchFamily="34" charset="0"/>
+              <a:ea typeface="Open Sans Condensed Light" panose="020B0306030504020204" pitchFamily="34" charset="0"/>
+              <a:cs typeface="Open Sans Condensed Light" panose="020B0306030504020204" pitchFamily="34" charset="0"/>
+            </a:endParaRPr>
+          </a:p>
+        </p:txBody>
+      </p:sp>
+      <p:sp>
+        <p:nvSpPr>
+          <p:cNvPr id="44" name="Rectangle 43">
+            <a:extLst>
+              <a:ext uri="{FF2B5EF4-FFF2-40B4-BE49-F238E27FC236}">
+                <a16:creationId xmlns:a16="http://schemas.microsoft.com/office/drawing/2014/main" id="{5EA7F268-D9D5-12AE-B7E6-341EB6B13EE1}"/>
+              </a:ext>
+            </a:extLst>
+          </p:cNvPr>
+          <p:cNvSpPr/>
+          <p:nvPr/>
+        </p:nvSpPr>
+        <p:spPr>
+          <a:xfrm>
+            <a:off x="4459545" y="2071152"/>
+            <a:ext cx="503552" cy="180000"/>
+          </a:xfrm>
+          <a:prstGeom prst="rect">
+            <a:avLst/>
+          </a:prstGeom>
+          <a:solidFill>
+            <a:srgbClr val="CEFCFF"/>
+          </a:solidFill>
+          <a:ln w="19050">
+            <a:solidFill>
+              <a:srgbClr val="2194F6"/>
+            </a:solidFill>
+          </a:ln>
+        </p:spPr>
+        <p:style>
+          <a:lnRef idx="2">
+            <a:schemeClr val="accent1">
+              <a:shade val="50000"/>
+            </a:schemeClr>
+          </a:lnRef>
+          <a:fillRef idx="1">
+            <a:schemeClr val="accent1"/>
+          </a:fillRef>
+          <a:effectRef idx="0">
+            <a:schemeClr val="accent1"/>
+          </a:effectRef>
+          <a:fontRef idx="minor">
+            <a:schemeClr val="lt1"/>
+          </a:fontRef>
+        </p:style>
+        <p:txBody>
+          <a:bodyPr lIns="36000" tIns="0" rIns="0" bIns="0" rtlCol="0" anchor="ctr"/>
+          <a:lstStyle/>
+          <a:p>
+            <a:r>
+              <a:rPr lang="de-DE" sz="800">
+                <a:solidFill>
+                  <a:srgbClr val="1064AF"/>
+                </a:solidFill>
+                <a:latin typeface="Arial Narrow" panose="020B0606020202030204" pitchFamily="34" charset="0"/>
+                <a:ea typeface="Open Sans Condensed Light" panose="020B0306030504020204" pitchFamily="34" charset="0"/>
+                <a:cs typeface="Open Sans Condensed Light" panose="020B0306030504020204" pitchFamily="34" charset="0"/>
+              </a:rPr>
+              <a:t>processed</a:t>
+            </a:r>
+            <a:endParaRPr lang="de-DE" sz="800" dirty="0">
+              <a:solidFill>
+                <a:srgbClr val="1064AF"/>
+              </a:solidFill>
+              <a:latin typeface="Arial Narrow" panose="020B0606020202030204" pitchFamily="34" charset="0"/>
+              <a:ea typeface="Open Sans Condensed Light" panose="020B0306030504020204" pitchFamily="34" charset="0"/>
+              <a:cs typeface="Open Sans Condensed Light" panose="020B0306030504020204" pitchFamily="34" charset="0"/>
+            </a:endParaRPr>
+          </a:p>
+        </p:txBody>
+      </p:sp>
+      <p:sp>
+        <p:nvSpPr>
+          <p:cNvPr id="45" name="Rectangle 44">
+            <a:extLst>
+              <a:ext uri="{FF2B5EF4-FFF2-40B4-BE49-F238E27FC236}">
+                <a16:creationId xmlns:a16="http://schemas.microsoft.com/office/drawing/2014/main" id="{CED332ED-3975-7825-4BD5-077DB2D73B95}"/>
+              </a:ext>
+            </a:extLst>
+          </p:cNvPr>
+          <p:cNvSpPr/>
+          <p:nvPr/>
+        </p:nvSpPr>
+        <p:spPr>
+          <a:xfrm>
+            <a:off x="251520" y="3907210"/>
+            <a:ext cx="901192" cy="252000"/>
+          </a:xfrm>
+          <a:prstGeom prst="rect">
+            <a:avLst/>
+          </a:prstGeom>
+          <a:solidFill>
+            <a:srgbClr val="EBEEEF"/>
+          </a:solidFill>
+          <a:ln>
+            <a:noFill/>
+          </a:ln>
+        </p:spPr>
+        <p:style>
+          <a:lnRef idx="2">
+            <a:schemeClr val="accent1">
+              <a:shade val="50000"/>
+            </a:schemeClr>
+          </a:lnRef>
+          <a:fillRef idx="1">
+            <a:schemeClr val="accent1"/>
+          </a:fillRef>
+          <a:effectRef idx="0">
+            <a:schemeClr val="accent1"/>
+          </a:effectRef>
+          <a:fontRef idx="minor">
+            <a:schemeClr val="lt1"/>
+          </a:fontRef>
+        </p:style>
+        <p:txBody>
+          <a:bodyPr rtlCol="0" anchor="t"/>
+          <a:lstStyle/>
+          <a:p>
+            <a:r>
+              <a:rPr lang="en-US" sz="1000">
+                <a:solidFill>
+                  <a:schemeClr val="tx1">
+                    <a:lumMod val="65000"/>
+                    <a:lumOff val="35000"/>
+                  </a:schemeClr>
+                </a:solidFill>
+                <a:latin typeface="Arial Narrow" panose="020B0606020202030204" pitchFamily="34" charset="0"/>
+              </a:rPr>
+              <a:t>expires_at</a:t>
+            </a:r>
+            <a:endParaRPr lang="en-CA" sz="1000">
+              <a:solidFill>
+                <a:schemeClr val="tx1">
+                  <a:lumMod val="65000"/>
+                  <a:lumOff val="35000"/>
+                </a:schemeClr>
+              </a:solidFill>
+              <a:latin typeface="Arial Narrow" panose="020B0606020202030204" pitchFamily="34" charset="0"/>
+            </a:endParaRPr>
+          </a:p>
+        </p:txBody>
+      </p:sp>
+      <p:sp>
+        <p:nvSpPr>
+          <p:cNvPr id="46" name="Rectangle 45">
+            <a:extLst>
+              <a:ext uri="{FF2B5EF4-FFF2-40B4-BE49-F238E27FC236}">
+                <a16:creationId xmlns:a16="http://schemas.microsoft.com/office/drawing/2014/main" id="{4D8F3DA0-81DE-6799-FE51-5900DA791686}"/>
+              </a:ext>
+            </a:extLst>
+          </p:cNvPr>
+          <p:cNvSpPr/>
+          <p:nvPr/>
+        </p:nvSpPr>
+        <p:spPr>
+          <a:xfrm>
+            <a:off x="1183869" y="3907210"/>
+            <a:ext cx="4252227" cy="252000"/>
+          </a:xfrm>
+          <a:prstGeom prst="rect">
+            <a:avLst/>
+          </a:prstGeom>
+          <a:solidFill>
+            <a:srgbClr val="EBEEEF"/>
+          </a:solidFill>
+          <a:ln>
+            <a:noFill/>
+          </a:ln>
+        </p:spPr>
+        <p:style>
+          <a:lnRef idx="2">
+            <a:schemeClr val="accent1">
+              <a:shade val="50000"/>
+            </a:schemeClr>
+          </a:lnRef>
+          <a:fillRef idx="1">
+            <a:schemeClr val="accent1"/>
+          </a:fillRef>
+          <a:effectRef idx="0">
+            <a:schemeClr val="accent1"/>
+          </a:effectRef>
+          <a:fontRef idx="minor">
+            <a:schemeClr val="lt1"/>
+          </a:fontRef>
+        </p:style>
+        <p:txBody>
+          <a:bodyPr rtlCol="0" anchor="t"/>
+          <a:lstStyle/>
+          <a:p>
+            <a:r>
+              <a:rPr lang="en-US" sz="1000">
+                <a:solidFill>
+                  <a:schemeClr val="tx1">
+                    <a:lumMod val="75000"/>
+                    <a:lumOff val="25000"/>
+                  </a:schemeClr>
+                </a:solidFill>
+                <a:latin typeface="Arial Narrow" panose="020B0606020202030204" pitchFamily="34" charset="0"/>
+                <a:ea typeface="Open Sans Condensed" panose="020B0806030504020204" pitchFamily="34" charset="0"/>
+                <a:cs typeface="Open Sans Condensed" panose="020B0806030504020204" pitchFamily="34" charset="0"/>
+              </a:rPr>
+              <a:t>The Unix timestamp (in seconds) for when the file will expire. Only used in vector stores.</a:t>
+            </a:r>
+            <a:endParaRPr lang="de-DE" sz="1000">
+              <a:solidFill>
+                <a:schemeClr val="tx1">
+                  <a:lumMod val="75000"/>
+                  <a:lumOff val="25000"/>
+                </a:schemeClr>
+              </a:solidFill>
+              <a:latin typeface="Arial Narrow" panose="020B0606020202030204" pitchFamily="34" charset="0"/>
+              <a:ea typeface="Open Sans Condensed" panose="020B0806030504020204" pitchFamily="34" charset="0"/>
+              <a:cs typeface="Open Sans Condensed" panose="020B0806030504020204" pitchFamily="34" charset="0"/>
+            </a:endParaRPr>
+          </a:p>
+        </p:txBody>
+      </p:sp>
+      <p:sp>
+        <p:nvSpPr>
+          <p:cNvPr id="47" name="Rectangle 46">
+            <a:extLst>
+              <a:ext uri="{FF2B5EF4-FFF2-40B4-BE49-F238E27FC236}">
+                <a16:creationId xmlns:a16="http://schemas.microsoft.com/office/drawing/2014/main" id="{E339DAC6-0C81-F8A6-F603-68BF651FA923}"/>
+              </a:ext>
+            </a:extLst>
+          </p:cNvPr>
+          <p:cNvSpPr/>
+          <p:nvPr/>
+        </p:nvSpPr>
+        <p:spPr>
+          <a:xfrm>
+            <a:off x="251520" y="4200478"/>
+            <a:ext cx="901192" cy="252000"/>
+          </a:xfrm>
+          <a:prstGeom prst="rect">
+            <a:avLst/>
+          </a:prstGeom>
+          <a:solidFill>
+            <a:srgbClr val="EBEEEF"/>
+          </a:solidFill>
+          <a:ln>
+            <a:noFill/>
+          </a:ln>
+        </p:spPr>
+        <p:style>
+          <a:lnRef idx="2">
+            <a:schemeClr val="accent1">
+              <a:shade val="50000"/>
+            </a:schemeClr>
+          </a:lnRef>
+          <a:fillRef idx="1">
+            <a:schemeClr val="accent1"/>
+          </a:fillRef>
+          <a:effectRef idx="0">
+            <a:schemeClr val="accent1"/>
+          </a:effectRef>
+          <a:fontRef idx="minor">
+            <a:schemeClr val="lt1"/>
+          </a:fontRef>
+        </p:style>
+        <p:txBody>
+          <a:bodyPr rtlCol="0" anchor="t"/>
+          <a:lstStyle/>
+          <a:p>
+            <a:r>
+              <a:rPr lang="en-US" sz="1000">
+                <a:solidFill>
+                  <a:schemeClr val="tx1">
+                    <a:lumMod val="65000"/>
+                    <a:lumOff val="35000"/>
+                  </a:schemeClr>
+                </a:solidFill>
+                <a:latin typeface="Arial Narrow" panose="020B0606020202030204" pitchFamily="34" charset="0"/>
+              </a:rPr>
+              <a:t>object</a:t>
+            </a:r>
+            <a:endParaRPr lang="en-CA" sz="1000">
+              <a:solidFill>
+                <a:schemeClr val="tx1">
+                  <a:lumMod val="65000"/>
+                  <a:lumOff val="35000"/>
+                </a:schemeClr>
+              </a:solidFill>
+              <a:latin typeface="Arial Narrow" panose="020B0606020202030204" pitchFamily="34" charset="0"/>
+            </a:endParaRPr>
+          </a:p>
+        </p:txBody>
+      </p:sp>
+      <p:sp>
+        <p:nvSpPr>
+          <p:cNvPr id="48" name="Rectangle 47">
+            <a:extLst>
+              <a:ext uri="{FF2B5EF4-FFF2-40B4-BE49-F238E27FC236}">
+                <a16:creationId xmlns:a16="http://schemas.microsoft.com/office/drawing/2014/main" id="{CCBD4D87-8094-0109-89DA-15E722C18B0A}"/>
+              </a:ext>
+            </a:extLst>
+          </p:cNvPr>
+          <p:cNvSpPr/>
+          <p:nvPr/>
+        </p:nvSpPr>
+        <p:spPr>
+          <a:xfrm>
+            <a:off x="1183869" y="4200478"/>
+            <a:ext cx="4252227" cy="252000"/>
+          </a:xfrm>
+          <a:prstGeom prst="rect">
+            <a:avLst/>
+          </a:prstGeom>
+          <a:solidFill>
+            <a:srgbClr val="EBEEEF"/>
+          </a:solidFill>
+          <a:ln>
+            <a:noFill/>
+          </a:ln>
+        </p:spPr>
+        <p:style>
+          <a:lnRef idx="2">
+            <a:schemeClr val="accent1">
+              <a:shade val="50000"/>
+            </a:schemeClr>
+          </a:lnRef>
+          <a:fillRef idx="1">
+            <a:schemeClr val="accent1"/>
+          </a:fillRef>
+          <a:effectRef idx="0">
+            <a:schemeClr val="accent1"/>
+          </a:effectRef>
+          <a:fontRef idx="minor">
+            <a:schemeClr val="lt1"/>
+          </a:fontRef>
+        </p:style>
+        <p:txBody>
+          <a:bodyPr rtlCol="0" anchor="t"/>
+          <a:lstStyle/>
+          <a:p>
+            <a:r>
+              <a:rPr lang="en-US" sz="1000">
+                <a:solidFill>
+                  <a:schemeClr val="tx1">
+                    <a:lumMod val="75000"/>
+                    <a:lumOff val="25000"/>
+                  </a:schemeClr>
+                </a:solidFill>
+                <a:latin typeface="Arial Narrow" panose="020B0606020202030204" pitchFamily="34" charset="0"/>
+                <a:ea typeface="Open Sans Condensed" panose="020B0806030504020204" pitchFamily="34" charset="0"/>
+                <a:cs typeface="Open Sans Condensed" panose="020B0806030504020204" pitchFamily="34" charset="0"/>
+              </a:rPr>
+              <a:t>The object type, which is always </a:t>
+            </a:r>
+            <a:r>
+              <a:rPr lang="en-US" sz="1000" u="sng">
+                <a:solidFill>
+                  <a:schemeClr val="tx1">
+                    <a:lumMod val="75000"/>
+                    <a:lumOff val="25000"/>
+                  </a:schemeClr>
+                </a:solidFill>
+                <a:latin typeface="Arial Narrow" panose="020B0606020202030204" pitchFamily="34" charset="0"/>
+                <a:ea typeface="Open Sans Condensed" panose="020B0806030504020204" pitchFamily="34" charset="0"/>
+                <a:cs typeface="Open Sans Condensed" panose="020B0806030504020204" pitchFamily="34" charset="0"/>
+              </a:rPr>
+              <a:t>file</a:t>
+            </a:r>
+            <a:r>
+              <a:rPr lang="en-US" sz="1000">
+                <a:solidFill>
+                  <a:schemeClr val="tx1">
+                    <a:lumMod val="75000"/>
+                    <a:lumOff val="25000"/>
+                  </a:schemeClr>
+                </a:solidFill>
+                <a:latin typeface="Arial Narrow" panose="020B0606020202030204" pitchFamily="34" charset="0"/>
+                <a:ea typeface="Open Sans Condensed" panose="020B0806030504020204" pitchFamily="34" charset="0"/>
+                <a:cs typeface="Open Sans Condensed" panose="020B0806030504020204" pitchFamily="34" charset="0"/>
+              </a:rPr>
+              <a:t>.</a:t>
+            </a:r>
+            <a:endParaRPr lang="de-DE" sz="1000">
+              <a:solidFill>
+                <a:schemeClr val="tx1">
+                  <a:lumMod val="75000"/>
+                  <a:lumOff val="25000"/>
+                </a:schemeClr>
+              </a:solidFill>
+              <a:latin typeface="Arial Narrow" panose="020B0606020202030204" pitchFamily="34" charset="0"/>
+              <a:ea typeface="Open Sans Condensed" panose="020B0806030504020204" pitchFamily="34" charset="0"/>
+              <a:cs typeface="Open Sans Condensed" panose="020B0806030504020204" pitchFamily="34" charset="0"/>
+            </a:endParaRPr>
+          </a:p>
+        </p:txBody>
+      </p:sp>
+      <p:sp>
+        <p:nvSpPr>
+          <p:cNvPr id="49" name="Rectangle 48">
+            <a:extLst>
+              <a:ext uri="{FF2B5EF4-FFF2-40B4-BE49-F238E27FC236}">
+                <a16:creationId xmlns:a16="http://schemas.microsoft.com/office/drawing/2014/main" id="{DA6CDB4E-6102-EFA8-671A-F6B138363D5F}"/>
+              </a:ext>
+            </a:extLst>
+          </p:cNvPr>
+          <p:cNvSpPr/>
+          <p:nvPr/>
+        </p:nvSpPr>
+        <p:spPr>
+          <a:xfrm>
+            <a:off x="251520" y="4489695"/>
+            <a:ext cx="901192" cy="424910"/>
+          </a:xfrm>
+          <a:prstGeom prst="rect">
+            <a:avLst/>
+          </a:prstGeom>
+          <a:solidFill>
+            <a:srgbClr val="EBEEEF"/>
+          </a:solidFill>
+          <a:ln>
+            <a:noFill/>
+          </a:ln>
+        </p:spPr>
+        <p:style>
+          <a:lnRef idx="2">
+            <a:schemeClr val="accent1">
+              <a:shade val="50000"/>
+            </a:schemeClr>
+          </a:lnRef>
+          <a:fillRef idx="1">
+            <a:schemeClr val="accent1"/>
+          </a:fillRef>
+          <a:effectRef idx="0">
+            <a:schemeClr val="accent1"/>
+          </a:effectRef>
+          <a:fontRef idx="minor">
+            <a:schemeClr val="lt1"/>
+          </a:fontRef>
+        </p:style>
+        <p:txBody>
+          <a:bodyPr rtlCol="0" anchor="t"/>
+          <a:lstStyle/>
+          <a:p>
+            <a:r>
+              <a:rPr lang="en-US" sz="1000">
+                <a:solidFill>
+                  <a:schemeClr val="tx1">
+                    <a:lumMod val="65000"/>
+                    <a:lumOff val="35000"/>
+                  </a:schemeClr>
+                </a:solidFill>
+                <a:latin typeface="Arial Narrow" panose="020B0606020202030204" pitchFamily="34" charset="0"/>
+              </a:rPr>
+              <a:t>purpose</a:t>
+            </a:r>
+            <a:endParaRPr lang="en-CA" sz="1000">
+              <a:solidFill>
+                <a:schemeClr val="tx1">
+                  <a:lumMod val="65000"/>
+                  <a:lumOff val="35000"/>
+                </a:schemeClr>
+              </a:solidFill>
+              <a:latin typeface="Arial Narrow" panose="020B0606020202030204" pitchFamily="34" charset="0"/>
+            </a:endParaRPr>
+          </a:p>
+        </p:txBody>
+      </p:sp>
+      <p:sp>
+        <p:nvSpPr>
+          <p:cNvPr id="50" name="Rectangle 49">
+            <a:extLst>
+              <a:ext uri="{FF2B5EF4-FFF2-40B4-BE49-F238E27FC236}">
+                <a16:creationId xmlns:a16="http://schemas.microsoft.com/office/drawing/2014/main" id="{7FEBC34E-DE8A-815F-F7F8-B3B6F3043B56}"/>
+              </a:ext>
+            </a:extLst>
+          </p:cNvPr>
+          <p:cNvSpPr/>
+          <p:nvPr/>
+        </p:nvSpPr>
+        <p:spPr>
+          <a:xfrm>
+            <a:off x="1183869" y="4489695"/>
+            <a:ext cx="4252227" cy="424910"/>
+          </a:xfrm>
+          <a:prstGeom prst="rect">
+            <a:avLst/>
+          </a:prstGeom>
+          <a:solidFill>
+            <a:srgbClr val="EBEEEF"/>
+          </a:solidFill>
+          <a:ln>
+            <a:noFill/>
+          </a:ln>
+        </p:spPr>
+        <p:style>
+          <a:lnRef idx="2">
+            <a:schemeClr val="accent1">
+              <a:shade val="50000"/>
+            </a:schemeClr>
+          </a:lnRef>
+          <a:fillRef idx="1">
+            <a:schemeClr val="accent1"/>
+          </a:fillRef>
+          <a:effectRef idx="0">
+            <a:schemeClr val="accent1"/>
+          </a:effectRef>
+          <a:fontRef idx="minor">
+            <a:schemeClr val="lt1"/>
+          </a:fontRef>
+        </p:style>
+        <p:txBody>
+          <a:bodyPr rtlCol="0" anchor="t"/>
+          <a:lstStyle/>
+          <a:p>
+            <a:r>
+              <a:rPr lang="en-US" sz="1000">
+                <a:solidFill>
+                  <a:schemeClr val="tx1">
+                    <a:lumMod val="75000"/>
+                    <a:lumOff val="25000"/>
+                  </a:schemeClr>
+                </a:solidFill>
+                <a:latin typeface="Arial Narrow" panose="020B0606020202030204" pitchFamily="34" charset="0"/>
+                <a:ea typeface="Open Sans Condensed" panose="020B0806030504020204" pitchFamily="34" charset="0"/>
+                <a:cs typeface="Open Sans Condensed" panose="020B0806030504020204" pitchFamily="34" charset="0"/>
+              </a:rPr>
+              <a:t>The intended purpose of the file. Supported values are </a:t>
+            </a:r>
+            <a:r>
+              <a:rPr lang="en-US" sz="1000" u="sng">
+                <a:solidFill>
+                  <a:schemeClr val="tx1">
+                    <a:lumMod val="75000"/>
+                    <a:lumOff val="25000"/>
+                  </a:schemeClr>
+                </a:solidFill>
+                <a:latin typeface="Arial Narrow" panose="020B0606020202030204" pitchFamily="34" charset="0"/>
+                <a:ea typeface="Open Sans Condensed" panose="020B0806030504020204" pitchFamily="34" charset="0"/>
+                <a:cs typeface="Open Sans Condensed" panose="020B0806030504020204" pitchFamily="34" charset="0"/>
+              </a:rPr>
+              <a:t>assistants</a:t>
+            </a:r>
+            <a:r>
+              <a:rPr lang="en-US" sz="1000">
+                <a:solidFill>
+                  <a:schemeClr val="tx1">
+                    <a:lumMod val="75000"/>
+                    <a:lumOff val="25000"/>
+                  </a:schemeClr>
+                </a:solidFill>
+                <a:latin typeface="Arial Narrow" panose="020B0606020202030204" pitchFamily="34" charset="0"/>
+                <a:ea typeface="Open Sans Condensed" panose="020B0806030504020204" pitchFamily="34" charset="0"/>
+                <a:cs typeface="Open Sans Condensed" panose="020B0806030504020204" pitchFamily="34" charset="0"/>
+              </a:rPr>
+              <a:t>, </a:t>
+            </a:r>
+            <a:r>
+              <a:rPr lang="en-US" sz="1000" u="sng">
+                <a:solidFill>
+                  <a:schemeClr val="tx1">
+                    <a:lumMod val="75000"/>
+                    <a:lumOff val="25000"/>
+                  </a:schemeClr>
+                </a:solidFill>
+                <a:latin typeface="Arial Narrow" panose="020B0606020202030204" pitchFamily="34" charset="0"/>
+                <a:ea typeface="Open Sans Condensed" panose="020B0806030504020204" pitchFamily="34" charset="0"/>
+                <a:cs typeface="Open Sans Condensed" panose="020B0806030504020204" pitchFamily="34" charset="0"/>
+              </a:rPr>
+              <a:t>assistants_output</a:t>
+            </a:r>
+            <a:r>
+              <a:rPr lang="en-US" sz="1000">
+                <a:solidFill>
+                  <a:schemeClr val="tx1">
+                    <a:lumMod val="75000"/>
+                    <a:lumOff val="25000"/>
+                  </a:schemeClr>
+                </a:solidFill>
+                <a:latin typeface="Arial Narrow" panose="020B0606020202030204" pitchFamily="34" charset="0"/>
+                <a:ea typeface="Open Sans Condensed" panose="020B0806030504020204" pitchFamily="34" charset="0"/>
+                <a:cs typeface="Open Sans Condensed" panose="020B0806030504020204" pitchFamily="34" charset="0"/>
+              </a:rPr>
+              <a:t>, </a:t>
+            </a:r>
+            <a:r>
+              <a:rPr lang="en-US" sz="1000" u="sng">
+                <a:solidFill>
+                  <a:schemeClr val="tx1">
+                    <a:lumMod val="75000"/>
+                    <a:lumOff val="25000"/>
+                  </a:schemeClr>
+                </a:solidFill>
+                <a:latin typeface="Arial Narrow" panose="020B0606020202030204" pitchFamily="34" charset="0"/>
+                <a:ea typeface="Open Sans Condensed" panose="020B0806030504020204" pitchFamily="34" charset="0"/>
+                <a:cs typeface="Open Sans Condensed" panose="020B0806030504020204" pitchFamily="34" charset="0"/>
+              </a:rPr>
+              <a:t>batch</a:t>
+            </a:r>
+            <a:r>
+              <a:rPr lang="en-US" sz="1000">
+                <a:solidFill>
+                  <a:schemeClr val="tx1">
+                    <a:lumMod val="75000"/>
+                    <a:lumOff val="25000"/>
+                  </a:schemeClr>
+                </a:solidFill>
+                <a:latin typeface="Arial Narrow" panose="020B0606020202030204" pitchFamily="34" charset="0"/>
+                <a:ea typeface="Open Sans Condensed" panose="020B0806030504020204" pitchFamily="34" charset="0"/>
+                <a:cs typeface="Open Sans Condensed" panose="020B0806030504020204" pitchFamily="34" charset="0"/>
+              </a:rPr>
+              <a:t>, </a:t>
+            </a:r>
+            <a:r>
+              <a:rPr lang="en-US" sz="1000" u="sng">
+                <a:solidFill>
+                  <a:schemeClr val="tx1">
+                    <a:lumMod val="75000"/>
+                    <a:lumOff val="25000"/>
+                  </a:schemeClr>
+                </a:solidFill>
+                <a:latin typeface="Arial Narrow" panose="020B0606020202030204" pitchFamily="34" charset="0"/>
+                <a:ea typeface="Open Sans Condensed" panose="020B0806030504020204" pitchFamily="34" charset="0"/>
+                <a:cs typeface="Open Sans Condensed" panose="020B0806030504020204" pitchFamily="34" charset="0"/>
+              </a:rPr>
+              <a:t>batch_output</a:t>
+            </a:r>
+            <a:r>
+              <a:rPr lang="en-US" sz="1000">
+                <a:solidFill>
+                  <a:schemeClr val="tx1">
+                    <a:lumMod val="75000"/>
+                    <a:lumOff val="25000"/>
+                  </a:schemeClr>
+                </a:solidFill>
+                <a:latin typeface="Arial Narrow" panose="020B0606020202030204" pitchFamily="34" charset="0"/>
+                <a:ea typeface="Open Sans Condensed" panose="020B0806030504020204" pitchFamily="34" charset="0"/>
+                <a:cs typeface="Open Sans Condensed" panose="020B0806030504020204" pitchFamily="34" charset="0"/>
+              </a:rPr>
+              <a:t>, </a:t>
+            </a:r>
+            <a:r>
+              <a:rPr lang="en-US" sz="1000" u="sng">
+                <a:solidFill>
+                  <a:schemeClr val="tx1">
+                    <a:lumMod val="75000"/>
+                    <a:lumOff val="25000"/>
+                  </a:schemeClr>
+                </a:solidFill>
+                <a:latin typeface="Arial Narrow" panose="020B0606020202030204" pitchFamily="34" charset="0"/>
+                <a:ea typeface="Open Sans Condensed" panose="020B0806030504020204" pitchFamily="34" charset="0"/>
+                <a:cs typeface="Open Sans Condensed" panose="020B0806030504020204" pitchFamily="34" charset="0"/>
+              </a:rPr>
+              <a:t>fine-tune</a:t>
+            </a:r>
+            <a:r>
+              <a:rPr lang="en-US" sz="1000">
+                <a:solidFill>
+                  <a:schemeClr val="tx1">
+                    <a:lumMod val="75000"/>
+                    <a:lumOff val="25000"/>
+                  </a:schemeClr>
+                </a:solidFill>
+                <a:latin typeface="Arial Narrow" panose="020B0606020202030204" pitchFamily="34" charset="0"/>
+                <a:ea typeface="Open Sans Condensed" panose="020B0806030504020204" pitchFamily="34" charset="0"/>
+                <a:cs typeface="Open Sans Condensed" panose="020B0806030504020204" pitchFamily="34" charset="0"/>
+              </a:rPr>
+              <a:t>, </a:t>
+            </a:r>
+            <a:r>
+              <a:rPr lang="en-US" sz="1000" u="sng">
+                <a:solidFill>
+                  <a:schemeClr val="tx1">
+                    <a:lumMod val="75000"/>
+                    <a:lumOff val="25000"/>
+                  </a:schemeClr>
+                </a:solidFill>
+                <a:latin typeface="Arial Narrow" panose="020B0606020202030204" pitchFamily="34" charset="0"/>
+                <a:ea typeface="Open Sans Condensed" panose="020B0806030504020204" pitchFamily="34" charset="0"/>
+                <a:cs typeface="Open Sans Condensed" panose="020B0806030504020204" pitchFamily="34" charset="0"/>
+              </a:rPr>
+              <a:t>fine-tune-results</a:t>
+            </a:r>
+            <a:r>
+              <a:rPr lang="en-US" sz="1000">
+                <a:solidFill>
+                  <a:schemeClr val="tx1">
+                    <a:lumMod val="75000"/>
+                    <a:lumOff val="25000"/>
+                  </a:schemeClr>
+                </a:solidFill>
+                <a:latin typeface="Arial Narrow" panose="020B0606020202030204" pitchFamily="34" charset="0"/>
+                <a:ea typeface="Open Sans Condensed" panose="020B0806030504020204" pitchFamily="34" charset="0"/>
+                <a:cs typeface="Open Sans Condensed" panose="020B0806030504020204" pitchFamily="34" charset="0"/>
+              </a:rPr>
+              <a:t> and </a:t>
+            </a:r>
+            <a:r>
+              <a:rPr lang="en-US" sz="1000" u="sng">
+                <a:solidFill>
+                  <a:schemeClr val="tx1">
+                    <a:lumMod val="75000"/>
+                    <a:lumOff val="25000"/>
+                  </a:schemeClr>
+                </a:solidFill>
+                <a:latin typeface="Arial Narrow" panose="020B0606020202030204" pitchFamily="34" charset="0"/>
+                <a:ea typeface="Open Sans Condensed" panose="020B0806030504020204" pitchFamily="34" charset="0"/>
+                <a:cs typeface="Open Sans Condensed" panose="020B0806030504020204" pitchFamily="34" charset="0"/>
+              </a:rPr>
+              <a:t>vision</a:t>
+            </a:r>
+            <a:r>
+              <a:rPr lang="en-US" sz="1000">
+                <a:solidFill>
+                  <a:schemeClr val="tx1">
+                    <a:lumMod val="75000"/>
+                    <a:lumOff val="25000"/>
+                  </a:schemeClr>
+                </a:solidFill>
+                <a:latin typeface="Arial Narrow" panose="020B0606020202030204" pitchFamily="34" charset="0"/>
+                <a:ea typeface="Open Sans Condensed" panose="020B0806030504020204" pitchFamily="34" charset="0"/>
+                <a:cs typeface="Open Sans Condensed" panose="020B0806030504020204" pitchFamily="34" charset="0"/>
+              </a:rPr>
+              <a:t>.</a:t>
+            </a:r>
+            <a:endParaRPr lang="de-DE" sz="1000">
+              <a:solidFill>
+                <a:schemeClr val="tx1">
+                  <a:lumMod val="75000"/>
+                  <a:lumOff val="25000"/>
+                </a:schemeClr>
+              </a:solidFill>
+              <a:latin typeface="Arial Narrow" panose="020B0606020202030204" pitchFamily="34" charset="0"/>
+              <a:ea typeface="Open Sans Condensed" panose="020B0806030504020204" pitchFamily="34" charset="0"/>
+              <a:cs typeface="Open Sans Condensed" panose="020B0806030504020204" pitchFamily="34" charset="0"/>
+            </a:endParaRPr>
+          </a:p>
+        </p:txBody>
+      </p:sp>
+      <p:sp>
+        <p:nvSpPr>
+          <p:cNvPr id="51" name="Rectangle 50">
+            <a:extLst>
+              <a:ext uri="{FF2B5EF4-FFF2-40B4-BE49-F238E27FC236}">
+                <a16:creationId xmlns:a16="http://schemas.microsoft.com/office/drawing/2014/main" id="{1E8EAF69-EB6D-B158-4B6A-A659322586EB}"/>
+              </a:ext>
+            </a:extLst>
+          </p:cNvPr>
+          <p:cNvSpPr/>
+          <p:nvPr/>
+        </p:nvSpPr>
+        <p:spPr>
+          <a:xfrm>
+            <a:off x="251520" y="4947197"/>
+            <a:ext cx="901192" cy="424910"/>
+          </a:xfrm>
+          <a:prstGeom prst="rect">
+            <a:avLst/>
+          </a:prstGeom>
+          <a:solidFill>
+            <a:srgbClr val="EBEEEF"/>
+          </a:solidFill>
+          <a:ln>
+            <a:noFill/>
+          </a:ln>
+        </p:spPr>
+        <p:style>
+          <a:lnRef idx="2">
+            <a:schemeClr val="accent1">
+              <a:shade val="50000"/>
+            </a:schemeClr>
+          </a:lnRef>
+          <a:fillRef idx="1">
+            <a:schemeClr val="accent1"/>
+          </a:fillRef>
+          <a:effectRef idx="0">
+            <a:schemeClr val="accent1"/>
+          </a:effectRef>
+          <a:fontRef idx="minor">
+            <a:schemeClr val="lt1"/>
+          </a:fontRef>
+        </p:style>
+        <p:txBody>
+          <a:bodyPr rtlCol="0" anchor="t"/>
+          <a:lstStyle/>
+          <a:p>
+            <a:r>
+              <a:rPr lang="en-US" sz="1000">
+                <a:solidFill>
+                  <a:schemeClr val="tx1">
+                    <a:lumMod val="65000"/>
+                    <a:lumOff val="35000"/>
+                  </a:schemeClr>
+                </a:solidFill>
+                <a:latin typeface="Arial Narrow" panose="020B0606020202030204" pitchFamily="34" charset="0"/>
+              </a:rPr>
+              <a:t>status</a:t>
+            </a:r>
+            <a:endParaRPr lang="en-CA" sz="1000">
+              <a:solidFill>
+                <a:schemeClr val="tx1">
+                  <a:lumMod val="65000"/>
+                  <a:lumOff val="35000"/>
+                </a:schemeClr>
+              </a:solidFill>
+              <a:latin typeface="Arial Narrow" panose="020B0606020202030204" pitchFamily="34" charset="0"/>
+            </a:endParaRPr>
+          </a:p>
+        </p:txBody>
+      </p:sp>
+      <p:sp>
+        <p:nvSpPr>
+          <p:cNvPr id="52" name="Rectangle 51">
+            <a:extLst>
+              <a:ext uri="{FF2B5EF4-FFF2-40B4-BE49-F238E27FC236}">
+                <a16:creationId xmlns:a16="http://schemas.microsoft.com/office/drawing/2014/main" id="{ED534558-B665-800A-1715-927DE2E9BA77}"/>
+              </a:ext>
+            </a:extLst>
+          </p:cNvPr>
+          <p:cNvSpPr/>
+          <p:nvPr/>
+        </p:nvSpPr>
+        <p:spPr>
+          <a:xfrm>
+            <a:off x="1183869" y="4947197"/>
+            <a:ext cx="4252227" cy="424910"/>
+          </a:xfrm>
+          <a:prstGeom prst="rect">
+            <a:avLst/>
+          </a:prstGeom>
+          <a:solidFill>
+            <a:srgbClr val="EBEEEF"/>
+          </a:solidFill>
+          <a:ln>
+            <a:noFill/>
+          </a:ln>
+        </p:spPr>
+        <p:style>
+          <a:lnRef idx="2">
+            <a:schemeClr val="accent1">
+              <a:shade val="50000"/>
+            </a:schemeClr>
+          </a:lnRef>
+          <a:fillRef idx="1">
+            <a:schemeClr val="accent1"/>
+          </a:fillRef>
+          <a:effectRef idx="0">
+            <a:schemeClr val="accent1"/>
+          </a:effectRef>
+          <a:fontRef idx="minor">
+            <a:schemeClr val="lt1"/>
+          </a:fontRef>
+        </p:style>
+        <p:txBody>
+          <a:bodyPr rtlCol="0" anchor="t"/>
+          <a:lstStyle/>
+          <a:p>
+            <a:r>
+              <a:rPr lang="en-US" sz="1000">
+                <a:solidFill>
+                  <a:schemeClr val="tx1">
+                    <a:lumMod val="75000"/>
+                    <a:lumOff val="25000"/>
+                  </a:schemeClr>
+                </a:solidFill>
+                <a:latin typeface="Arial Narrow" panose="020B0606020202030204" pitchFamily="34" charset="0"/>
+                <a:ea typeface="Open Sans Condensed" panose="020B0806030504020204" pitchFamily="34" charset="0"/>
+                <a:cs typeface="Open Sans Condensed" panose="020B0806030504020204" pitchFamily="34" charset="0"/>
+              </a:rPr>
+              <a:t>Deprecated. The current status of the file, which can be either </a:t>
+            </a:r>
+            <a:r>
+              <a:rPr lang="en-US" sz="1000" u="sng">
+                <a:solidFill>
+                  <a:schemeClr val="tx1">
+                    <a:lumMod val="75000"/>
+                    <a:lumOff val="25000"/>
+                  </a:schemeClr>
+                </a:solidFill>
+                <a:latin typeface="Arial Narrow" panose="020B0606020202030204" pitchFamily="34" charset="0"/>
+                <a:ea typeface="Open Sans Condensed" panose="020B0806030504020204" pitchFamily="34" charset="0"/>
+                <a:cs typeface="Open Sans Condensed" panose="020B0806030504020204" pitchFamily="34" charset="0"/>
+              </a:rPr>
+              <a:t>uploaded</a:t>
+            </a:r>
+            <a:r>
+              <a:rPr lang="en-US" sz="1000">
+                <a:solidFill>
+                  <a:schemeClr val="tx1">
+                    <a:lumMod val="75000"/>
+                    <a:lumOff val="25000"/>
+                  </a:schemeClr>
+                </a:solidFill>
+                <a:latin typeface="Arial Narrow" panose="020B0606020202030204" pitchFamily="34" charset="0"/>
+                <a:ea typeface="Open Sans Condensed" panose="020B0806030504020204" pitchFamily="34" charset="0"/>
+                <a:cs typeface="Open Sans Condensed" panose="020B0806030504020204" pitchFamily="34" charset="0"/>
+              </a:rPr>
+              <a:t>, </a:t>
+            </a:r>
+            <a:r>
+              <a:rPr lang="en-US" sz="1000" u="sng">
+                <a:solidFill>
+                  <a:schemeClr val="tx1">
+                    <a:lumMod val="75000"/>
+                    <a:lumOff val="25000"/>
+                  </a:schemeClr>
+                </a:solidFill>
+                <a:latin typeface="Arial Narrow" panose="020B0606020202030204" pitchFamily="34" charset="0"/>
+                <a:ea typeface="Open Sans Condensed" panose="020B0806030504020204" pitchFamily="34" charset="0"/>
+                <a:cs typeface="Open Sans Condensed" panose="020B0806030504020204" pitchFamily="34" charset="0"/>
+              </a:rPr>
+              <a:t>processed</a:t>
+            </a:r>
+            <a:r>
+              <a:rPr lang="en-US" sz="1000">
+                <a:solidFill>
+                  <a:schemeClr val="tx1">
+                    <a:lumMod val="75000"/>
+                    <a:lumOff val="25000"/>
+                  </a:schemeClr>
+                </a:solidFill>
+                <a:latin typeface="Arial Narrow" panose="020B0606020202030204" pitchFamily="34" charset="0"/>
+                <a:ea typeface="Open Sans Condensed" panose="020B0806030504020204" pitchFamily="34" charset="0"/>
+                <a:cs typeface="Open Sans Condensed" panose="020B0806030504020204" pitchFamily="34" charset="0"/>
+              </a:rPr>
+              <a:t>, or </a:t>
+            </a:r>
+            <a:r>
+              <a:rPr lang="en-US" sz="1000" u="sng">
+                <a:solidFill>
+                  <a:schemeClr val="tx1">
+                    <a:lumMod val="75000"/>
+                    <a:lumOff val="25000"/>
+                  </a:schemeClr>
+                </a:solidFill>
+                <a:latin typeface="Arial Narrow" panose="020B0606020202030204" pitchFamily="34" charset="0"/>
+                <a:ea typeface="Open Sans Condensed" panose="020B0806030504020204" pitchFamily="34" charset="0"/>
+                <a:cs typeface="Open Sans Condensed" panose="020B0806030504020204" pitchFamily="34" charset="0"/>
+              </a:rPr>
+              <a:t>error</a:t>
+            </a:r>
+            <a:r>
+              <a:rPr lang="en-US" sz="1000">
+                <a:solidFill>
+                  <a:schemeClr val="tx1">
+                    <a:lumMod val="75000"/>
+                    <a:lumOff val="25000"/>
+                  </a:schemeClr>
+                </a:solidFill>
+                <a:latin typeface="Arial Narrow" panose="020B0606020202030204" pitchFamily="34" charset="0"/>
+                <a:ea typeface="Open Sans Condensed" panose="020B0806030504020204" pitchFamily="34" charset="0"/>
+                <a:cs typeface="Open Sans Condensed" panose="020B0806030504020204" pitchFamily="34" charset="0"/>
+              </a:rPr>
+              <a:t>.</a:t>
+            </a:r>
+            <a:endParaRPr lang="de-DE" sz="1000">
+              <a:solidFill>
+                <a:schemeClr val="tx1">
+                  <a:lumMod val="75000"/>
+                  <a:lumOff val="25000"/>
+                </a:schemeClr>
+              </a:solidFill>
+              <a:latin typeface="Arial Narrow" panose="020B0606020202030204" pitchFamily="34" charset="0"/>
+              <a:ea typeface="Open Sans Condensed" panose="020B0806030504020204" pitchFamily="34" charset="0"/>
+              <a:cs typeface="Open Sans Condensed" panose="020B0806030504020204" pitchFamily="34" charset="0"/>
+            </a:endParaRPr>
+          </a:p>
+        </p:txBody>
+      </p:sp>
+      <p:sp>
+        <p:nvSpPr>
+          <p:cNvPr id="53" name="TextBox 52">
+            <a:extLst>
+              <a:ext uri="{FF2B5EF4-FFF2-40B4-BE49-F238E27FC236}">
+                <a16:creationId xmlns:a16="http://schemas.microsoft.com/office/drawing/2014/main" id="{E7EF90A3-3052-D8C6-F46D-58D903DB437F}"/>
+              </a:ext>
+            </a:extLst>
+          </p:cNvPr>
+          <p:cNvSpPr txBox="1"/>
+          <p:nvPr/>
+        </p:nvSpPr>
+        <p:spPr>
+          <a:xfrm>
+            <a:off x="7020004" y="459762"/>
+            <a:ext cx="1909177" cy="123111"/>
+          </a:xfrm>
+          <a:prstGeom prst="rect">
+            <a:avLst/>
+          </a:prstGeom>
+          <a:noFill/>
+        </p:spPr>
+        <p:txBody>
+          <a:bodyPr wrap="none" lIns="0" tIns="0" rIns="0" bIns="0" rtlCol="0">
+            <a:spAutoFit/>
+          </a:bodyPr>
+          <a:lstStyle/>
+          <a:p>
+            <a:pPr algn="r"/>
+            <a:r>
+              <a:rPr lang="en-CA" sz="800">
+                <a:solidFill>
+                  <a:srgbClr val="005AB4"/>
+                </a:solidFill>
+                <a:latin typeface="Arial Narrow" panose="020B0606020202030204" pitchFamily="34" charset="0"/>
+                <a:hlinkClick r:id="rId4"/>
+              </a:rPr>
+              <a:t>https://platform.openai.com/docs/api-reference/files</a:t>
+            </a:r>
+            <a:endParaRPr lang="en-CA" sz="800">
+              <a:solidFill>
+                <a:srgbClr val="005AB4"/>
+              </a:solidFill>
+              <a:latin typeface="Arial Narrow" panose="020B0606020202030204" pitchFamily="34" charset="0"/>
+            </a:endParaRPr>
+          </a:p>
+        </p:txBody>
+      </p:sp>
+      <p:sp>
+        <p:nvSpPr>
+          <p:cNvPr id="54" name="Rectangle: Rounded Corners 53">
+            <a:extLst>
+              <a:ext uri="{FF2B5EF4-FFF2-40B4-BE49-F238E27FC236}">
+                <a16:creationId xmlns:a16="http://schemas.microsoft.com/office/drawing/2014/main" id="{058F6F51-8C1D-ED30-9793-19C251E2DA84}"/>
+              </a:ext>
+            </a:extLst>
+          </p:cNvPr>
+          <p:cNvSpPr/>
+          <p:nvPr/>
+        </p:nvSpPr>
+        <p:spPr>
+          <a:xfrm>
+            <a:off x="8245181" y="228636"/>
+            <a:ext cx="684000" cy="180000"/>
+          </a:xfrm>
+          <a:prstGeom prst="roundRect">
+            <a:avLst/>
+          </a:prstGeom>
+          <a:solidFill>
+            <a:srgbClr val="1064AF"/>
+          </a:solidFill>
+          <a:ln>
+            <a:solidFill>
+              <a:srgbClr val="174977"/>
+            </a:solidFill>
+          </a:ln>
+          <a:effectLst>
+            <a:outerShdw blurRad="50800" dist="38100" dir="2700000" algn="tl" rotWithShape="0">
+              <a:prstClr val="black">
+                <a:alpha val="20000"/>
+              </a:prstClr>
+            </a:outerShdw>
+          </a:effectLst>
+        </p:spPr>
+        <p:style>
+          <a:lnRef idx="2">
+            <a:schemeClr val="accent1">
+              <a:shade val="15000"/>
+            </a:schemeClr>
+          </a:lnRef>
+          <a:fillRef idx="1">
+            <a:schemeClr val="accent1"/>
+          </a:fillRef>
+          <a:effectRef idx="0">
+            <a:schemeClr val="accent1"/>
+          </a:effectRef>
+          <a:fontRef idx="minor">
+            <a:schemeClr val="lt1"/>
+          </a:fontRef>
+        </p:style>
+        <p:txBody>
+          <a:bodyPr lIns="0" tIns="36000" rIns="0" bIns="0" rtlCol="0" anchor="ctr"/>
+          <a:lstStyle/>
+          <a:p>
+            <a:pPr algn="ctr">
+              <a:lnSpc>
+                <a:spcPct val="80000"/>
+              </a:lnSpc>
+            </a:pPr>
+            <a:r>
+              <a:rPr lang="en-US" sz="1000" b="1">
+                <a:solidFill>
+                  <a:schemeClr val="bg1"/>
+                </a:solidFill>
+                <a:latin typeface="Arial Narrow" panose="020B0606020202030204" pitchFamily="34" charset="0"/>
+              </a:rPr>
+              <a:t>2025-05-24</a:t>
+            </a:r>
+            <a:endParaRPr lang="en-CA" sz="1000" b="1">
+              <a:solidFill>
+                <a:schemeClr val="bg1"/>
+              </a:solidFill>
+              <a:latin typeface="Arial Narrow" panose="020B0606020202030204" pitchFamily="34" charset="0"/>
+            </a:endParaRPr>
+          </a:p>
+        </p:txBody>
+      </p:sp>
+      <p:sp>
+        <p:nvSpPr>
+          <p:cNvPr id="55" name="TextBox 54">
+            <a:extLst>
+              <a:ext uri="{FF2B5EF4-FFF2-40B4-BE49-F238E27FC236}">
+                <a16:creationId xmlns:a16="http://schemas.microsoft.com/office/drawing/2014/main" id="{DEE9B9F4-37B6-1509-8527-6DF258BC8DBC}"/>
+              </a:ext>
+            </a:extLst>
+          </p:cNvPr>
+          <p:cNvSpPr txBox="1"/>
+          <p:nvPr/>
+        </p:nvSpPr>
+        <p:spPr>
+          <a:xfrm>
+            <a:off x="251520" y="900152"/>
+            <a:ext cx="7056784" cy="184666"/>
+          </a:xfrm>
+          <a:prstGeom prst="rect">
+            <a:avLst/>
+          </a:prstGeom>
+          <a:noFill/>
+        </p:spPr>
+        <p:txBody>
+          <a:bodyPr wrap="square" lIns="0" tIns="0" rIns="0" bIns="0" rtlCol="0">
+            <a:spAutoFit/>
+          </a:bodyPr>
+          <a:lstStyle/>
+          <a:p>
+            <a:pPr algn="l"/>
+            <a:r>
+              <a:rPr lang="en-US" sz="1200" i="1">
+                <a:solidFill>
+                  <a:srgbClr val="005AB4"/>
+                </a:solidFill>
+                <a:latin typeface="Arial Narrow" panose="020B0606020202030204" pitchFamily="34" charset="0"/>
+              </a:rPr>
+              <a:t>Files are used embedded in </a:t>
+            </a:r>
+            <a:r>
+              <a:rPr lang="en-US" sz="1200" i="1" u="sng">
+                <a:solidFill>
+                  <a:srgbClr val="005AB4"/>
+                </a:solidFill>
+                <a:latin typeface="Arial Narrow" panose="020B0606020202030204" pitchFamily="34" charset="0"/>
+              </a:rPr>
+              <a:t>vector stores</a:t>
+            </a:r>
+            <a:r>
+              <a:rPr lang="en-US" sz="1200" i="1">
+                <a:solidFill>
+                  <a:srgbClr val="005AB4"/>
+                </a:solidFill>
+                <a:latin typeface="Arial Narrow" panose="020B0606020202030204" pitchFamily="34" charset="0"/>
+              </a:rPr>
+              <a:t> and </a:t>
+            </a:r>
+            <a:r>
+              <a:rPr lang="en-US" sz="1200" i="1" u="sng">
+                <a:solidFill>
+                  <a:srgbClr val="005AB4"/>
+                </a:solidFill>
+                <a:latin typeface="Arial Narrow" panose="020B0606020202030204" pitchFamily="34" charset="0"/>
+              </a:rPr>
+              <a:t>batch requests</a:t>
+            </a:r>
+            <a:r>
+              <a:rPr lang="en-US" sz="1200" i="1">
+                <a:solidFill>
+                  <a:srgbClr val="005AB4"/>
+                </a:solidFill>
+                <a:latin typeface="Arial Narrow" panose="020B0606020202030204" pitchFamily="34" charset="0"/>
+              </a:rPr>
+              <a:t>. And as data for </a:t>
+            </a:r>
+            <a:r>
+              <a:rPr lang="en-US" sz="1200" i="1" u="sng">
+                <a:solidFill>
+                  <a:srgbClr val="005AB4"/>
+                </a:solidFill>
+                <a:latin typeface="Arial Narrow" panose="020B0606020202030204" pitchFamily="34" charset="0"/>
+              </a:rPr>
+              <a:t>fine-tunings</a:t>
+            </a:r>
+            <a:r>
+              <a:rPr lang="en-US" sz="1200" i="1">
+                <a:solidFill>
+                  <a:srgbClr val="005AB4"/>
+                </a:solidFill>
+                <a:latin typeface="Arial Narrow" panose="020B0606020202030204" pitchFamily="34" charset="0"/>
+              </a:rPr>
+              <a:t> and </a:t>
+            </a:r>
+            <a:r>
+              <a:rPr lang="en-US" sz="1200" i="1" u="sng">
+                <a:solidFill>
+                  <a:srgbClr val="005AB4"/>
+                </a:solidFill>
+                <a:latin typeface="Arial Narrow" panose="020B0606020202030204" pitchFamily="34" charset="0"/>
+              </a:rPr>
+              <a:t>evaluations</a:t>
+            </a:r>
+            <a:r>
+              <a:rPr lang="en-US" sz="1200" i="1">
+                <a:solidFill>
+                  <a:srgbClr val="005AB4"/>
+                </a:solidFill>
+                <a:latin typeface="Arial Narrow" panose="020B0606020202030204" pitchFamily="34" charset="0"/>
+              </a:rPr>
+              <a:t>.</a:t>
+            </a:r>
+            <a:endParaRPr lang="en-CA" sz="1200" i="1">
+              <a:solidFill>
+                <a:srgbClr val="005AB4"/>
+              </a:solidFill>
+              <a:latin typeface="Arial Narrow" panose="020B0606020202030204" pitchFamily="34" charset="0"/>
+            </a:endParaRPr>
+          </a:p>
+        </p:txBody>
+      </p:sp>
+    </p:spTree>
+    <p:extLst>
+      <p:ext uri="{BB962C8B-B14F-4D97-AF65-F5344CB8AC3E}">
+        <p14:creationId xmlns:p14="http://schemas.microsoft.com/office/powerpoint/2010/main" val="3038199536"/>
+      </p:ext>
+    </p:extLst>
+  </p:cSld>
+  <p:clrMapOvr>
+    <a:masterClrMapping/>
+  </p:clrMapOvr>
+</p:sld>
+</file>
+
+<file path=ppt/slides/slide4.xml><?xml version="1.0" encoding="utf-8"?>
+<p:sld xmlns:a="http://schemas.openxmlformats.org/drawingml/2006/main" xmlns:r="http://schemas.openxmlformats.org/officeDocument/2006/relationships" xmlns:p="http://schemas.openxmlformats.org/presentationml/2006/main">
+  <p:cSld>
+    <p:spTree>
+      <p:nvGrpSpPr>
+        <p:cNvPr id="1" name=""/>
+        <p:cNvGrpSpPr/>
+        <p:nvPr/>
+      </p:nvGrpSpPr>
+      <p:grpSpPr>
+        <a:xfrm>
+          <a:off x="0" y="0"/>
+          <a:ext cx="0" cy="0"/>
+          <a:chOff x="0" y="0"/>
+          <a:chExt cx="0" cy="0"/>
+        </a:xfrm>
+      </p:grpSpPr>
+      <p:sp>
+        <p:nvSpPr>
+          <p:cNvPr id="2" name="Title 1">
+            <a:extLst>
+              <a:ext uri="{FF2B5EF4-FFF2-40B4-BE49-F238E27FC236}">
+                <a16:creationId xmlns:a16="http://schemas.microsoft.com/office/drawing/2014/main" id="{68C86B67-DC20-54B4-8FDD-F88B9E19C033}"/>
+              </a:ext>
+            </a:extLst>
+          </p:cNvPr>
+          <p:cNvSpPr>
+            <a:spLocks noGrp="1"/>
+          </p:cNvSpPr>
+          <p:nvPr>
+            <p:ph type="title"/>
+          </p:nvPr>
+        </p:nvSpPr>
+        <p:spPr/>
+        <p:txBody>
+          <a:bodyPr/>
+          <a:lstStyle/>
+          <a:p>
+            <a:r>
+              <a:rPr lang="en-US"/>
+              <a:t>Open AI API - Vector stores</a:t>
+            </a:r>
+            <a:endParaRPr lang="en-CA"/>
+          </a:p>
+        </p:txBody>
+      </p:sp>
+      <p:pic>
+        <p:nvPicPr>
+          <p:cNvPr id="8" name="Picture 7">
+            <a:extLst>
+              <a:ext uri="{FF2B5EF4-FFF2-40B4-BE49-F238E27FC236}">
+                <a16:creationId xmlns:a16="http://schemas.microsoft.com/office/drawing/2014/main" id="{7AE362E1-500D-D8CD-0A21-F71DC783249C}"/>
+              </a:ext>
+            </a:extLst>
+          </p:cNvPr>
+          <p:cNvPicPr>
+            <a:picLocks noChangeAspect="1"/>
+          </p:cNvPicPr>
+          <p:nvPr/>
+        </p:nvPicPr>
+        <p:blipFill>
+          <a:blip r:embed="rId2"/>
+          <a:stretch>
+            <a:fillRect/>
+          </a:stretch>
+        </p:blipFill>
+        <p:spPr>
+          <a:xfrm>
+            <a:off x="179516" y="914630"/>
+            <a:ext cx="2142701" cy="2492337"/>
+          </a:xfrm>
+          <a:prstGeom prst="rect">
+            <a:avLst/>
+          </a:prstGeom>
+        </p:spPr>
+      </p:pic>
+      <p:pic>
+        <p:nvPicPr>
+          <p:cNvPr id="12" name="Picture 11">
+            <a:extLst>
+              <a:ext uri="{FF2B5EF4-FFF2-40B4-BE49-F238E27FC236}">
+                <a16:creationId xmlns:a16="http://schemas.microsoft.com/office/drawing/2014/main" id="{4B333EB4-787C-B029-4D14-14A7CE5D9291}"/>
+              </a:ext>
+            </a:extLst>
+          </p:cNvPr>
+          <p:cNvPicPr>
+            <a:picLocks noChangeAspect="1"/>
+          </p:cNvPicPr>
+          <p:nvPr/>
+        </p:nvPicPr>
+        <p:blipFill>
+          <a:blip r:embed="rId3"/>
+          <a:stretch>
+            <a:fillRect/>
+          </a:stretch>
+        </p:blipFill>
+        <p:spPr>
+          <a:xfrm>
+            <a:off x="2392040" y="914630"/>
+            <a:ext cx="2142701" cy="2704953"/>
+          </a:xfrm>
+          <a:prstGeom prst="rect">
+            <a:avLst/>
+          </a:prstGeom>
+        </p:spPr>
+      </p:pic>
+      <p:pic>
+        <p:nvPicPr>
+          <p:cNvPr id="14" name="Picture 13">
+            <a:extLst>
+              <a:ext uri="{FF2B5EF4-FFF2-40B4-BE49-F238E27FC236}">
+                <a16:creationId xmlns:a16="http://schemas.microsoft.com/office/drawing/2014/main" id="{B14A553F-74A1-674C-A492-ED92AC82627C}"/>
+              </a:ext>
+            </a:extLst>
+          </p:cNvPr>
+          <p:cNvPicPr>
+            <a:picLocks noChangeAspect="1"/>
+          </p:cNvPicPr>
+          <p:nvPr/>
+        </p:nvPicPr>
+        <p:blipFill>
+          <a:blip r:embed="rId4"/>
+          <a:stretch>
+            <a:fillRect/>
+          </a:stretch>
+        </p:blipFill>
+        <p:spPr>
+          <a:xfrm>
+            <a:off x="173621" y="3937620"/>
+            <a:ext cx="2130889" cy="1164666"/>
+          </a:xfrm>
+          <a:prstGeom prst="rect">
+            <a:avLst/>
+          </a:prstGeom>
+        </p:spPr>
+      </p:pic>
+      <p:pic>
+        <p:nvPicPr>
+          <p:cNvPr id="16" name="Picture 15">
+            <a:extLst>
+              <a:ext uri="{FF2B5EF4-FFF2-40B4-BE49-F238E27FC236}">
+                <a16:creationId xmlns:a16="http://schemas.microsoft.com/office/drawing/2014/main" id="{7E7CBF4C-75A4-8B87-754B-0EDD5D360A0E}"/>
+              </a:ext>
+            </a:extLst>
+          </p:cNvPr>
+          <p:cNvPicPr>
+            <a:picLocks noChangeAspect="1"/>
+          </p:cNvPicPr>
+          <p:nvPr/>
+        </p:nvPicPr>
+        <p:blipFill>
+          <a:blip r:embed="rId5"/>
+          <a:stretch>
+            <a:fillRect/>
+          </a:stretch>
+        </p:blipFill>
+        <p:spPr>
+          <a:xfrm>
+            <a:off x="4604564" y="914630"/>
+            <a:ext cx="2145064" cy="2282083"/>
+          </a:xfrm>
+          <a:prstGeom prst="rect">
+            <a:avLst/>
+          </a:prstGeom>
+        </p:spPr>
+      </p:pic>
+      <p:pic>
+        <p:nvPicPr>
+          <p:cNvPr id="18" name="Picture 17">
+            <a:extLst>
+              <a:ext uri="{FF2B5EF4-FFF2-40B4-BE49-F238E27FC236}">
+                <a16:creationId xmlns:a16="http://schemas.microsoft.com/office/drawing/2014/main" id="{1FD4DE2C-FA93-F106-BF14-1B54BCECFE19}"/>
+              </a:ext>
+            </a:extLst>
+          </p:cNvPr>
+          <p:cNvPicPr>
+            <a:picLocks noChangeAspect="1"/>
+          </p:cNvPicPr>
+          <p:nvPr/>
+        </p:nvPicPr>
+        <p:blipFill>
+          <a:blip r:embed="rId6"/>
+          <a:stretch>
+            <a:fillRect/>
+          </a:stretch>
+        </p:blipFill>
+        <p:spPr>
+          <a:xfrm>
+            <a:off x="2337466" y="3937620"/>
+            <a:ext cx="2145064" cy="1209551"/>
+          </a:xfrm>
+          <a:prstGeom prst="rect">
+            <a:avLst/>
+          </a:prstGeom>
+        </p:spPr>
+      </p:pic>
+      <p:pic>
+        <p:nvPicPr>
+          <p:cNvPr id="20" name="Picture 19">
+            <a:extLst>
+              <a:ext uri="{FF2B5EF4-FFF2-40B4-BE49-F238E27FC236}">
+                <a16:creationId xmlns:a16="http://schemas.microsoft.com/office/drawing/2014/main" id="{9B7DA782-84AF-227E-68DB-F4277D38F2E2}"/>
+              </a:ext>
+            </a:extLst>
+          </p:cNvPr>
+          <p:cNvPicPr>
+            <a:picLocks noChangeAspect="1"/>
+          </p:cNvPicPr>
+          <p:nvPr/>
+        </p:nvPicPr>
+        <p:blipFill>
+          <a:blip r:embed="rId7"/>
+          <a:stretch>
+            <a:fillRect/>
+          </a:stretch>
+        </p:blipFill>
+        <p:spPr>
+          <a:xfrm>
+            <a:off x="6819451" y="914630"/>
+            <a:ext cx="2142701" cy="2886859"/>
+          </a:xfrm>
+          <a:prstGeom prst="rect">
+            <a:avLst/>
+          </a:prstGeom>
+        </p:spPr>
+      </p:pic>
+      <p:pic>
+        <p:nvPicPr>
+          <p:cNvPr id="22" name="Picture 21">
+            <a:extLst>
+              <a:ext uri="{FF2B5EF4-FFF2-40B4-BE49-F238E27FC236}">
+                <a16:creationId xmlns:a16="http://schemas.microsoft.com/office/drawing/2014/main" id="{6C7AC965-8663-76BA-42A8-34194B6472D7}"/>
+              </a:ext>
+            </a:extLst>
+          </p:cNvPr>
+          <p:cNvPicPr>
+            <a:picLocks noChangeAspect="1"/>
+          </p:cNvPicPr>
+          <p:nvPr/>
+        </p:nvPicPr>
+        <p:blipFill>
+          <a:blip r:embed="rId8"/>
+          <a:stretch>
+            <a:fillRect/>
+          </a:stretch>
+        </p:blipFill>
+        <p:spPr>
+          <a:xfrm>
+            <a:off x="4589220" y="3313932"/>
+            <a:ext cx="2145064" cy="2272633"/>
+          </a:xfrm>
+          <a:prstGeom prst="rect">
+            <a:avLst/>
+          </a:prstGeom>
+        </p:spPr>
+      </p:pic>
+      <p:pic>
+        <p:nvPicPr>
+          <p:cNvPr id="25" name="Picture 24">
+            <a:extLst>
+              <a:ext uri="{FF2B5EF4-FFF2-40B4-BE49-F238E27FC236}">
+                <a16:creationId xmlns:a16="http://schemas.microsoft.com/office/drawing/2014/main" id="{ACA6EA17-3D09-FCBC-A977-87E713912FA5}"/>
+              </a:ext>
+            </a:extLst>
+          </p:cNvPr>
+          <p:cNvPicPr>
+            <a:picLocks noChangeAspect="1"/>
+          </p:cNvPicPr>
+          <p:nvPr/>
+        </p:nvPicPr>
+        <p:blipFill>
+          <a:blip r:embed="rId9"/>
+          <a:stretch>
+            <a:fillRect/>
+          </a:stretch>
+        </p:blipFill>
+        <p:spPr>
+          <a:xfrm>
+            <a:off x="5661752" y="4636521"/>
+            <a:ext cx="982760" cy="687460"/>
+          </a:xfrm>
+          <a:prstGeom prst="rect">
+            <a:avLst/>
+          </a:prstGeom>
+        </p:spPr>
+      </p:pic>
+      <p:sp>
+        <p:nvSpPr>
+          <p:cNvPr id="28" name="TextBox 27">
+            <a:extLst>
+              <a:ext uri="{FF2B5EF4-FFF2-40B4-BE49-F238E27FC236}">
+                <a16:creationId xmlns:a16="http://schemas.microsoft.com/office/drawing/2014/main" id="{8E606CAE-35DB-E24B-3310-43E03E86CE7C}"/>
+              </a:ext>
+            </a:extLst>
+          </p:cNvPr>
+          <p:cNvSpPr txBox="1"/>
+          <p:nvPr/>
+        </p:nvSpPr>
+        <p:spPr>
+          <a:xfrm>
+            <a:off x="6688183" y="459762"/>
+            <a:ext cx="2240998" cy="123111"/>
+          </a:xfrm>
+          <a:prstGeom prst="rect">
+            <a:avLst/>
+          </a:prstGeom>
+          <a:noFill/>
+        </p:spPr>
+        <p:txBody>
+          <a:bodyPr wrap="none" lIns="0" tIns="0" rIns="0" bIns="0" rtlCol="0">
+            <a:spAutoFit/>
+          </a:bodyPr>
+          <a:lstStyle/>
+          <a:p>
+            <a:pPr algn="r"/>
+            <a:r>
+              <a:rPr lang="en-CA" sz="800">
+                <a:solidFill>
+                  <a:srgbClr val="005AB4"/>
+                </a:solidFill>
+                <a:latin typeface="Arial Narrow" panose="020B0606020202030204" pitchFamily="34" charset="0"/>
+              </a:rPr>
+              <a:t>https://platform.openai.com/docs/api-reference/vector-stores</a:t>
+            </a:r>
+          </a:p>
+        </p:txBody>
+      </p:sp>
+      <p:sp>
+        <p:nvSpPr>
+          <p:cNvPr id="29" name="Rectangle: Rounded Corners 28">
+            <a:extLst>
+              <a:ext uri="{FF2B5EF4-FFF2-40B4-BE49-F238E27FC236}">
+                <a16:creationId xmlns:a16="http://schemas.microsoft.com/office/drawing/2014/main" id="{ECB3CA67-57F1-DD94-2DC3-D3EA37D28AB7}"/>
+              </a:ext>
+            </a:extLst>
+          </p:cNvPr>
+          <p:cNvSpPr/>
+          <p:nvPr/>
+        </p:nvSpPr>
+        <p:spPr>
+          <a:xfrm>
+            <a:off x="8245181" y="228636"/>
+            <a:ext cx="684000" cy="180000"/>
+          </a:xfrm>
+          <a:prstGeom prst="roundRect">
+            <a:avLst/>
+          </a:prstGeom>
+          <a:solidFill>
+            <a:srgbClr val="1064AF"/>
+          </a:solidFill>
+          <a:ln>
+            <a:solidFill>
+              <a:srgbClr val="174977"/>
+            </a:solidFill>
+          </a:ln>
+          <a:effectLst>
+            <a:outerShdw blurRad="50800" dist="38100" dir="2700000" algn="tl" rotWithShape="0">
+              <a:prstClr val="black">
+                <a:alpha val="20000"/>
+              </a:prstClr>
+            </a:outerShdw>
+          </a:effectLst>
+        </p:spPr>
+        <p:style>
+          <a:lnRef idx="2">
+            <a:schemeClr val="accent1">
+              <a:shade val="15000"/>
+            </a:schemeClr>
+          </a:lnRef>
+          <a:fillRef idx="1">
+            <a:schemeClr val="accent1"/>
+          </a:fillRef>
+          <a:effectRef idx="0">
+            <a:schemeClr val="accent1"/>
+          </a:effectRef>
+          <a:fontRef idx="minor">
+            <a:schemeClr val="lt1"/>
+          </a:fontRef>
+        </p:style>
+        <p:txBody>
+          <a:bodyPr lIns="0" tIns="36000" rIns="0" bIns="0" rtlCol="0" anchor="ctr"/>
+          <a:lstStyle/>
+          <a:p>
+            <a:pPr algn="ctr">
+              <a:lnSpc>
+                <a:spcPct val="80000"/>
+              </a:lnSpc>
+            </a:pPr>
+            <a:r>
+              <a:rPr lang="en-US" sz="1000" b="1">
+                <a:solidFill>
+                  <a:schemeClr val="bg1"/>
+                </a:solidFill>
+                <a:latin typeface="Arial Narrow" panose="020B0606020202030204" pitchFamily="34" charset="0"/>
+              </a:rPr>
+              <a:t>2025-05-24</a:t>
+            </a:r>
+            <a:endParaRPr lang="en-CA" sz="1000" b="1">
+              <a:solidFill>
+                <a:schemeClr val="bg1"/>
+              </a:solidFill>
+              <a:latin typeface="Arial Narrow" panose="020B0606020202030204" pitchFamily="34" charset="0"/>
+            </a:endParaRPr>
+          </a:p>
+        </p:txBody>
+      </p:sp>
+    </p:spTree>
+    <p:extLst>
+      <p:ext uri="{BB962C8B-B14F-4D97-AF65-F5344CB8AC3E}">
+        <p14:creationId xmlns:p14="http://schemas.microsoft.com/office/powerpoint/2010/main" val="3869716990"/>
+      </p:ext>
+    </p:extLst>
+  </p:cSld>
+  <p:clrMapOvr>
+    <a:masterClrMapping/>
+  </p:clrMapOvr>
+</p:sld>
+</file>
+
+<file path=ppt/slides/slide5.xml><?xml version="1.0" encoding="utf-8"?>
+<p:sld xmlns:a="http://schemas.openxmlformats.org/drawingml/2006/main" xmlns:r="http://schemas.openxmlformats.org/officeDocument/2006/relationships" xmlns:p="http://schemas.openxmlformats.org/presentationml/2006/main">
+  <p:cSld>
+    <p:spTree>
+      <p:nvGrpSpPr>
+        <p:cNvPr id="1" name=""/>
+        <p:cNvGrpSpPr/>
+        <p:nvPr/>
+      </p:nvGrpSpPr>
+      <p:grpSpPr>
+        <a:xfrm>
+          <a:off x="0" y="0"/>
+          <a:ext cx="0" cy="0"/>
+          <a:chOff x="0" y="0"/>
+          <a:chExt cx="0" cy="0"/>
+        </a:xfrm>
+      </p:grpSpPr>
+      <p:sp>
+        <p:nvSpPr>
+          <p:cNvPr id="4" name="Title 3">
+            <a:extLst>
+              <a:ext uri="{FF2B5EF4-FFF2-40B4-BE49-F238E27FC236}">
+                <a16:creationId xmlns:a16="http://schemas.microsoft.com/office/drawing/2014/main" id="{BE58C0DD-86AD-D1EB-F67F-D1FE28166334}"/>
+              </a:ext>
+            </a:extLst>
+          </p:cNvPr>
+          <p:cNvSpPr>
+            <a:spLocks noGrp="1"/>
+          </p:cNvSpPr>
+          <p:nvPr>
+            <p:ph type="title"/>
+          </p:nvPr>
+        </p:nvSpPr>
+        <p:spPr/>
+        <p:txBody>
+          <a:bodyPr/>
+          <a:lstStyle/>
+          <a:p>
+            <a:r>
+              <a:rPr lang="en-US"/>
+              <a:t>Open AI API - Vector store object</a:t>
+            </a:r>
+            <a:endParaRPr lang="en-CA"/>
+          </a:p>
+        </p:txBody>
+      </p:sp>
+      <p:sp>
+        <p:nvSpPr>
+          <p:cNvPr id="5" name="Rectangle 4">
+            <a:extLst>
+              <a:ext uri="{FF2B5EF4-FFF2-40B4-BE49-F238E27FC236}">
+                <a16:creationId xmlns:a16="http://schemas.microsoft.com/office/drawing/2014/main" id="{3DA48D4E-9860-A335-C0A4-7062824A5A44}"/>
+              </a:ext>
+            </a:extLst>
+          </p:cNvPr>
+          <p:cNvSpPr/>
+          <p:nvPr/>
+        </p:nvSpPr>
+        <p:spPr>
+          <a:xfrm>
+            <a:off x="228660" y="1514522"/>
+            <a:ext cx="4559364" cy="1080120"/>
+          </a:xfrm>
+          <a:prstGeom prst="rect">
+            <a:avLst/>
+          </a:prstGeom>
+          <a:solidFill>
+            <a:srgbClr val="A3B1B7">
+              <a:alpha val="9804"/>
+            </a:srgbClr>
+          </a:solidFill>
+          <a:ln w="12700">
+            <a:solidFill>
+              <a:srgbClr val="6D828B"/>
+            </a:solidFill>
+          </a:ln>
+        </p:spPr>
+        <p:style>
+          <a:lnRef idx="2">
+            <a:schemeClr val="accent1">
+              <a:shade val="50000"/>
+            </a:schemeClr>
+          </a:lnRef>
+          <a:fillRef idx="1">
+            <a:schemeClr val="accent1"/>
+          </a:fillRef>
+          <a:effectRef idx="0">
+            <a:schemeClr val="accent1"/>
+          </a:effectRef>
+          <a:fontRef idx="minor">
+            <a:schemeClr val="lt1"/>
+          </a:fontRef>
+        </p:style>
+        <p:txBody>
+          <a:bodyPr rtlCol="0" anchor="t" anchorCtr="0"/>
+          <a:lstStyle/>
+          <a:p>
+            <a:endParaRPr lang="de-DE" sz="1050" dirty="0">
+              <a:solidFill>
+                <a:srgbClr val="455157"/>
+              </a:solidFill>
+              <a:latin typeface="Arial Narrow" panose="020B0606020202030204" pitchFamily="34" charset="0"/>
+              <a:ea typeface="Open Sans Condensed" panose="020B0806030504020204" pitchFamily="34" charset="0"/>
+              <a:cs typeface="Open Sans Condensed" panose="020B0806030504020204" pitchFamily="34" charset="0"/>
+            </a:endParaRPr>
+          </a:p>
+        </p:txBody>
+      </p:sp>
+      <p:sp>
+        <p:nvSpPr>
+          <p:cNvPr id="6" name="TextBox 5">
+            <a:extLst>
+              <a:ext uri="{FF2B5EF4-FFF2-40B4-BE49-F238E27FC236}">
+                <a16:creationId xmlns:a16="http://schemas.microsoft.com/office/drawing/2014/main" id="{BF301FE0-6D20-5E5F-8BE6-09DD6BBAF8AA}"/>
+              </a:ext>
+            </a:extLst>
+          </p:cNvPr>
+          <p:cNvSpPr txBox="1"/>
+          <p:nvPr/>
+        </p:nvSpPr>
+        <p:spPr>
+          <a:xfrm>
+            <a:off x="228660" y="1337913"/>
+            <a:ext cx="708036" cy="172064"/>
+          </a:xfrm>
+          <a:prstGeom prst="rect">
+            <a:avLst/>
+          </a:prstGeom>
+          <a:solidFill>
+            <a:srgbClr val="6D828B"/>
+          </a:solidFill>
+          <a:ln w="12700">
+            <a:solidFill>
+              <a:srgbClr val="6D828B"/>
+            </a:solidFill>
+          </a:ln>
+        </p:spPr>
+        <p:txBody>
+          <a:bodyPr wrap="none" lIns="36000" tIns="0" rIns="54000" bIns="18000" rtlCol="0">
+            <a:spAutoFit/>
+          </a:bodyPr>
+          <a:lstStyle/>
+          <a:p>
+            <a:pPr algn="l"/>
+            <a:r>
+              <a:rPr lang="en-US" sz="1000" i="1">
+                <a:solidFill>
+                  <a:schemeClr val="bg1"/>
+                </a:solidFill>
+                <a:latin typeface="Arial Narrow" panose="020B0606020202030204" pitchFamily="34" charset="0"/>
+              </a:rPr>
+              <a:t>Vector stores</a:t>
+            </a:r>
+            <a:endParaRPr lang="en-CA" sz="1000" i="1">
+              <a:solidFill>
+                <a:schemeClr val="bg1"/>
+              </a:solidFill>
+              <a:latin typeface="Arial Narrow" panose="020B0606020202030204" pitchFamily="34" charset="0"/>
+            </a:endParaRPr>
+          </a:p>
+        </p:txBody>
+      </p:sp>
+      <p:sp>
+        <p:nvSpPr>
+          <p:cNvPr id="7" name="Rectangle 6">
+            <a:extLst>
+              <a:ext uri="{FF2B5EF4-FFF2-40B4-BE49-F238E27FC236}">
+                <a16:creationId xmlns:a16="http://schemas.microsoft.com/office/drawing/2014/main" id="{ABF95A77-0B22-C390-750E-96C3BF1E4A1D}"/>
+              </a:ext>
+            </a:extLst>
+          </p:cNvPr>
+          <p:cNvSpPr/>
+          <p:nvPr/>
+        </p:nvSpPr>
+        <p:spPr>
+          <a:xfrm>
+            <a:off x="350966" y="1836994"/>
+            <a:ext cx="530986" cy="180000"/>
+          </a:xfrm>
+          <a:prstGeom prst="rect">
+            <a:avLst/>
+          </a:prstGeom>
+          <a:solidFill>
+            <a:schemeClr val="bg1"/>
+          </a:solidFill>
+          <a:ln w="19050">
+            <a:solidFill>
+              <a:srgbClr val="2194F6"/>
+            </a:solidFill>
+          </a:ln>
+        </p:spPr>
+        <p:style>
+          <a:lnRef idx="2">
+            <a:schemeClr val="accent1">
+              <a:shade val="50000"/>
+            </a:schemeClr>
+          </a:lnRef>
+          <a:fillRef idx="1">
+            <a:schemeClr val="accent1"/>
+          </a:fillRef>
+          <a:effectRef idx="0">
+            <a:schemeClr val="accent1"/>
+          </a:effectRef>
+          <a:fontRef idx="minor">
+            <a:schemeClr val="lt1"/>
+          </a:fontRef>
+        </p:style>
+        <p:txBody>
+          <a:bodyPr lIns="36000" tIns="0" rIns="0" bIns="0" rtlCol="0" anchor="ctr"/>
+          <a:lstStyle/>
+          <a:p>
+            <a:r>
+              <a:rPr lang="en-US" sz="800">
+                <a:solidFill>
+                  <a:srgbClr val="1064AF"/>
+                </a:solidFill>
+                <a:latin typeface="Arial Narrow" panose="020B0606020202030204" pitchFamily="34" charset="0"/>
+                <a:ea typeface="Open Sans Condensed Light" panose="020B0306030504020204" pitchFamily="34" charset="0"/>
+                <a:cs typeface="Open Sans Condensed Light" panose="020B0306030504020204" pitchFamily="34" charset="0"/>
+              </a:rPr>
+              <a:t>Vectorstore1</a:t>
+            </a:r>
+            <a:endParaRPr lang="de-DE" sz="800" dirty="0">
+              <a:solidFill>
+                <a:srgbClr val="1064AF"/>
+              </a:solidFill>
+              <a:latin typeface="Arial Narrow" panose="020B0606020202030204" pitchFamily="34" charset="0"/>
+              <a:ea typeface="Open Sans Condensed Light" panose="020B0306030504020204" pitchFamily="34" charset="0"/>
+              <a:cs typeface="Open Sans Condensed Light" panose="020B0306030504020204" pitchFamily="34" charset="0"/>
+            </a:endParaRPr>
+          </a:p>
+        </p:txBody>
+      </p:sp>
+      <p:sp>
+        <p:nvSpPr>
+          <p:cNvPr id="8" name="Rectangle 7">
+            <a:extLst>
+              <a:ext uri="{FF2B5EF4-FFF2-40B4-BE49-F238E27FC236}">
+                <a16:creationId xmlns:a16="http://schemas.microsoft.com/office/drawing/2014/main" id="{23220AC0-F6A1-4B85-658C-43951AE4BC7A}"/>
+              </a:ext>
+            </a:extLst>
+          </p:cNvPr>
+          <p:cNvSpPr/>
+          <p:nvPr/>
+        </p:nvSpPr>
+        <p:spPr>
+          <a:xfrm>
+            <a:off x="350966" y="2071152"/>
+            <a:ext cx="530986" cy="180000"/>
+          </a:xfrm>
+          <a:prstGeom prst="rect">
+            <a:avLst/>
+          </a:prstGeom>
+          <a:solidFill>
+            <a:schemeClr val="bg1"/>
+          </a:solidFill>
+          <a:ln w="19050">
+            <a:solidFill>
+              <a:srgbClr val="2194F6"/>
+            </a:solidFill>
+          </a:ln>
+        </p:spPr>
+        <p:style>
+          <a:lnRef idx="2">
+            <a:schemeClr val="accent1">
+              <a:shade val="50000"/>
+            </a:schemeClr>
+          </a:lnRef>
+          <a:fillRef idx="1">
+            <a:schemeClr val="accent1"/>
+          </a:fillRef>
+          <a:effectRef idx="0">
+            <a:schemeClr val="accent1"/>
+          </a:effectRef>
+          <a:fontRef idx="minor">
+            <a:schemeClr val="lt1"/>
+          </a:fontRef>
+        </p:style>
+        <p:txBody>
+          <a:bodyPr lIns="36000" tIns="0" rIns="0" bIns="0" rtlCol="0" anchor="ctr"/>
+          <a:lstStyle/>
+          <a:p>
+            <a:r>
+              <a:rPr lang="en-US" sz="800">
+                <a:solidFill>
+                  <a:srgbClr val="1064AF"/>
+                </a:solidFill>
+                <a:latin typeface="Arial Narrow" panose="020B0606020202030204" pitchFamily="34" charset="0"/>
+                <a:ea typeface="Open Sans Condensed Light" panose="020B0306030504020204" pitchFamily="34" charset="0"/>
+                <a:cs typeface="Open Sans Condensed Light" panose="020B0306030504020204" pitchFamily="34" charset="0"/>
+              </a:rPr>
+              <a:t>Vectorstore2</a:t>
+            </a:r>
+            <a:endParaRPr lang="de-DE" sz="800" dirty="0">
+              <a:solidFill>
+                <a:srgbClr val="1064AF"/>
+              </a:solidFill>
+              <a:latin typeface="Arial Narrow" panose="020B0606020202030204" pitchFamily="34" charset="0"/>
+              <a:ea typeface="Open Sans Condensed Light" panose="020B0306030504020204" pitchFamily="34" charset="0"/>
+              <a:cs typeface="Open Sans Condensed Light" panose="020B0306030504020204" pitchFamily="34" charset="0"/>
+            </a:endParaRPr>
+          </a:p>
+        </p:txBody>
+      </p:sp>
+      <p:sp>
+        <p:nvSpPr>
+          <p:cNvPr id="9" name="Rectangle 8">
+            <a:extLst>
+              <a:ext uri="{FF2B5EF4-FFF2-40B4-BE49-F238E27FC236}">
+                <a16:creationId xmlns:a16="http://schemas.microsoft.com/office/drawing/2014/main" id="{D78196B2-5ED4-E657-A782-B634A1F4DF87}"/>
+              </a:ext>
+            </a:extLst>
+          </p:cNvPr>
+          <p:cNvSpPr/>
+          <p:nvPr/>
+        </p:nvSpPr>
+        <p:spPr>
+          <a:xfrm>
+            <a:off x="881952" y="1836994"/>
+            <a:ext cx="1453416" cy="180000"/>
+          </a:xfrm>
+          <a:prstGeom prst="rect">
+            <a:avLst/>
+          </a:prstGeom>
+          <a:solidFill>
+            <a:srgbClr val="CEFCFF"/>
+          </a:solidFill>
+          <a:ln w="19050">
+            <a:solidFill>
+              <a:srgbClr val="2194F6"/>
+            </a:solidFill>
+          </a:ln>
+        </p:spPr>
+        <p:style>
+          <a:lnRef idx="2">
+            <a:schemeClr val="accent1">
+              <a:shade val="50000"/>
+            </a:schemeClr>
+          </a:lnRef>
+          <a:fillRef idx="1">
+            <a:schemeClr val="accent1"/>
+          </a:fillRef>
+          <a:effectRef idx="0">
+            <a:schemeClr val="accent1"/>
+          </a:effectRef>
+          <a:fontRef idx="minor">
+            <a:schemeClr val="lt1"/>
+          </a:fontRef>
+        </p:style>
+        <p:txBody>
+          <a:bodyPr lIns="36000" tIns="0" rIns="0" bIns="0" rtlCol="0" anchor="ctr"/>
+          <a:lstStyle/>
+          <a:p>
+            <a:r>
+              <a:rPr lang="de-DE" sz="800">
+                <a:solidFill>
+                  <a:srgbClr val="1064AF"/>
+                </a:solidFill>
+                <a:latin typeface="Arial Narrow" panose="020B0606020202030204" pitchFamily="34" charset="0"/>
+                <a:ea typeface="Open Sans Condensed Light" panose="020B0306030504020204" pitchFamily="34" charset="0"/>
+                <a:cs typeface="Open Sans Condensed Light" panose="020B0306030504020204" pitchFamily="34" charset="0"/>
+              </a:rPr>
+              <a:t> vs_590JuZn9rMPObfpUjZcTU9PS</a:t>
+            </a:r>
+            <a:endParaRPr lang="de-DE" sz="800" dirty="0">
+              <a:solidFill>
+                <a:srgbClr val="1064AF"/>
+              </a:solidFill>
+              <a:latin typeface="Arial Narrow" panose="020B0606020202030204" pitchFamily="34" charset="0"/>
+              <a:ea typeface="Open Sans Condensed Light" panose="020B0306030504020204" pitchFamily="34" charset="0"/>
+              <a:cs typeface="Open Sans Condensed Light" panose="020B0306030504020204" pitchFamily="34" charset="0"/>
+            </a:endParaRPr>
+          </a:p>
+        </p:txBody>
+      </p:sp>
+      <p:sp>
+        <p:nvSpPr>
+          <p:cNvPr id="11" name="TextBox 10">
+            <a:extLst>
+              <a:ext uri="{FF2B5EF4-FFF2-40B4-BE49-F238E27FC236}">
+                <a16:creationId xmlns:a16="http://schemas.microsoft.com/office/drawing/2014/main" id="{72C28D3F-7B07-D2B8-43D0-8D4E124F0989}"/>
+              </a:ext>
+            </a:extLst>
+          </p:cNvPr>
+          <p:cNvSpPr txBox="1"/>
+          <p:nvPr/>
+        </p:nvSpPr>
+        <p:spPr>
+          <a:xfrm>
+            <a:off x="395429" y="1669415"/>
+            <a:ext cx="209994" cy="123111"/>
+          </a:xfrm>
+          <a:prstGeom prst="rect">
+            <a:avLst/>
+          </a:prstGeom>
+          <a:noFill/>
+        </p:spPr>
+        <p:txBody>
+          <a:bodyPr wrap="none" lIns="0" tIns="0" rIns="0" bIns="0" rtlCol="0">
+            <a:spAutoFit/>
+          </a:bodyPr>
+          <a:lstStyle/>
+          <a:p>
+            <a:r>
+              <a:rPr lang="en-US" sz="800">
+                <a:solidFill>
+                  <a:schemeClr val="tx1">
+                    <a:lumMod val="65000"/>
+                    <a:lumOff val="35000"/>
+                  </a:schemeClr>
+                </a:solidFill>
+                <a:latin typeface="Arial Narrow" panose="020B0606020202030204" pitchFamily="34" charset="0"/>
+              </a:rPr>
+              <a:t>name</a:t>
+            </a:r>
+            <a:endParaRPr lang="en-CA" sz="800">
+              <a:solidFill>
+                <a:schemeClr val="tx1">
+                  <a:lumMod val="65000"/>
+                  <a:lumOff val="35000"/>
+                </a:schemeClr>
+              </a:solidFill>
+              <a:latin typeface="Arial Narrow" panose="020B0606020202030204" pitchFamily="34" charset="0"/>
+            </a:endParaRPr>
+          </a:p>
+        </p:txBody>
+      </p:sp>
+      <p:sp>
+        <p:nvSpPr>
+          <p:cNvPr id="12" name="TextBox 11">
+            <a:extLst>
+              <a:ext uri="{FF2B5EF4-FFF2-40B4-BE49-F238E27FC236}">
+                <a16:creationId xmlns:a16="http://schemas.microsoft.com/office/drawing/2014/main" id="{7D6A028A-0B10-7749-C18D-4E3974689D21}"/>
+              </a:ext>
+            </a:extLst>
+          </p:cNvPr>
+          <p:cNvSpPr txBox="1"/>
+          <p:nvPr/>
+        </p:nvSpPr>
+        <p:spPr>
+          <a:xfrm>
+            <a:off x="923291" y="1669415"/>
+            <a:ext cx="65724" cy="123111"/>
+          </a:xfrm>
+          <a:prstGeom prst="rect">
+            <a:avLst/>
+          </a:prstGeom>
+          <a:noFill/>
+        </p:spPr>
+        <p:txBody>
+          <a:bodyPr wrap="none" lIns="0" tIns="0" rIns="0" bIns="0" rtlCol="0">
+            <a:spAutoFit/>
+          </a:bodyPr>
+          <a:lstStyle/>
+          <a:p>
+            <a:r>
+              <a:rPr lang="en-US" sz="800">
+                <a:solidFill>
+                  <a:schemeClr val="tx1">
+                    <a:lumMod val="65000"/>
+                    <a:lumOff val="35000"/>
+                  </a:schemeClr>
+                </a:solidFill>
+                <a:latin typeface="Arial Narrow" panose="020B0606020202030204" pitchFamily="34" charset="0"/>
+              </a:rPr>
+              <a:t>id</a:t>
+            </a:r>
+            <a:endParaRPr lang="en-CA" sz="800">
+              <a:solidFill>
+                <a:schemeClr val="tx1">
+                  <a:lumMod val="65000"/>
+                  <a:lumOff val="35000"/>
+                </a:schemeClr>
+              </a:solidFill>
+              <a:latin typeface="Arial Narrow" panose="020B0606020202030204" pitchFamily="34" charset="0"/>
+            </a:endParaRPr>
+          </a:p>
+        </p:txBody>
+      </p:sp>
+      <p:sp>
+        <p:nvSpPr>
+          <p:cNvPr id="15" name="Rectangle 14">
+            <a:extLst>
+              <a:ext uri="{FF2B5EF4-FFF2-40B4-BE49-F238E27FC236}">
+                <a16:creationId xmlns:a16="http://schemas.microsoft.com/office/drawing/2014/main" id="{C8D6D9C2-8C12-0325-8777-F5D82FCFE339}"/>
+              </a:ext>
+            </a:extLst>
+          </p:cNvPr>
+          <p:cNvSpPr/>
+          <p:nvPr/>
+        </p:nvSpPr>
+        <p:spPr>
+          <a:xfrm>
+            <a:off x="2335368" y="1836994"/>
+            <a:ext cx="576064" cy="180000"/>
+          </a:xfrm>
+          <a:prstGeom prst="rect">
+            <a:avLst/>
+          </a:prstGeom>
+          <a:solidFill>
+            <a:srgbClr val="CEFCFF"/>
+          </a:solidFill>
+          <a:ln w="19050">
+            <a:solidFill>
+              <a:srgbClr val="2194F6"/>
+            </a:solidFill>
+          </a:ln>
+        </p:spPr>
+        <p:style>
+          <a:lnRef idx="2">
+            <a:schemeClr val="accent1">
+              <a:shade val="50000"/>
+            </a:schemeClr>
+          </a:lnRef>
+          <a:fillRef idx="1">
+            <a:schemeClr val="accent1"/>
+          </a:fillRef>
+          <a:effectRef idx="0">
+            <a:schemeClr val="accent1"/>
+          </a:effectRef>
+          <a:fontRef idx="minor">
+            <a:schemeClr val="lt1"/>
+          </a:fontRef>
+        </p:style>
+        <p:txBody>
+          <a:bodyPr lIns="36000" tIns="0" rIns="0" bIns="0" rtlCol="0" anchor="ctr"/>
+          <a:lstStyle/>
+          <a:p>
+            <a:r>
+              <a:rPr lang="de-DE" sz="800">
+                <a:solidFill>
+                  <a:srgbClr val="1064AF"/>
+                </a:solidFill>
+                <a:latin typeface="Arial Narrow" panose="020B0606020202030204" pitchFamily="34" charset="0"/>
+                <a:ea typeface="Open Sans Condensed Light" panose="020B0306030504020204" pitchFamily="34" charset="0"/>
+                <a:cs typeface="Open Sans Condensed Light" panose="020B0306030504020204" pitchFamily="34" charset="0"/>
+              </a:rPr>
+              <a:t>1741255682</a:t>
+            </a:r>
+            <a:endParaRPr lang="de-DE" sz="800" dirty="0">
+              <a:solidFill>
+                <a:srgbClr val="1064AF"/>
+              </a:solidFill>
+              <a:latin typeface="Arial Narrow" panose="020B0606020202030204" pitchFamily="34" charset="0"/>
+              <a:ea typeface="Open Sans Condensed Light" panose="020B0306030504020204" pitchFamily="34" charset="0"/>
+              <a:cs typeface="Open Sans Condensed Light" panose="020B0306030504020204" pitchFamily="34" charset="0"/>
+            </a:endParaRPr>
+          </a:p>
+        </p:txBody>
+      </p:sp>
+      <p:sp>
+        <p:nvSpPr>
+          <p:cNvPr id="16" name="TextBox 15">
+            <a:extLst>
+              <a:ext uri="{FF2B5EF4-FFF2-40B4-BE49-F238E27FC236}">
+                <a16:creationId xmlns:a16="http://schemas.microsoft.com/office/drawing/2014/main" id="{C87C495F-E4E0-B34A-E668-DB4522F8B801}"/>
+              </a:ext>
+            </a:extLst>
+          </p:cNvPr>
+          <p:cNvSpPr txBox="1"/>
+          <p:nvPr/>
+        </p:nvSpPr>
+        <p:spPr>
+          <a:xfrm>
+            <a:off x="2384516" y="1669415"/>
+            <a:ext cx="395942" cy="123111"/>
+          </a:xfrm>
+          <a:prstGeom prst="rect">
+            <a:avLst/>
+          </a:prstGeom>
+          <a:noFill/>
+        </p:spPr>
+        <p:txBody>
+          <a:bodyPr wrap="none" lIns="0" tIns="0" rIns="0" bIns="0" rtlCol="0">
+            <a:spAutoFit/>
+          </a:bodyPr>
+          <a:lstStyle/>
+          <a:p>
+            <a:r>
+              <a:rPr lang="en-US" sz="800">
+                <a:solidFill>
+                  <a:schemeClr val="tx1">
+                    <a:lumMod val="65000"/>
+                    <a:lumOff val="35000"/>
+                  </a:schemeClr>
+                </a:solidFill>
+                <a:latin typeface="Arial Narrow" panose="020B0606020202030204" pitchFamily="34" charset="0"/>
+              </a:rPr>
+              <a:t>created_at</a:t>
+            </a:r>
+            <a:endParaRPr lang="en-CA" sz="800">
+              <a:solidFill>
+                <a:schemeClr val="tx1">
+                  <a:lumMod val="65000"/>
+                  <a:lumOff val="35000"/>
+                </a:schemeClr>
+              </a:solidFill>
+              <a:latin typeface="Arial Narrow" panose="020B0606020202030204" pitchFamily="34" charset="0"/>
+            </a:endParaRPr>
+          </a:p>
+        </p:txBody>
+      </p:sp>
+      <p:sp>
+        <p:nvSpPr>
+          <p:cNvPr id="19" name="Rectangle 18">
+            <a:extLst>
+              <a:ext uri="{FF2B5EF4-FFF2-40B4-BE49-F238E27FC236}">
+                <a16:creationId xmlns:a16="http://schemas.microsoft.com/office/drawing/2014/main" id="{73DD1062-59D8-E472-A9E6-FA455CA4F2B3}"/>
+              </a:ext>
+            </a:extLst>
+          </p:cNvPr>
+          <p:cNvSpPr/>
+          <p:nvPr/>
+        </p:nvSpPr>
+        <p:spPr>
+          <a:xfrm>
+            <a:off x="2911432" y="1836994"/>
+            <a:ext cx="576064" cy="180000"/>
+          </a:xfrm>
+          <a:prstGeom prst="rect">
+            <a:avLst/>
+          </a:prstGeom>
+          <a:solidFill>
+            <a:srgbClr val="CEFCFF"/>
+          </a:solidFill>
+          <a:ln w="19050">
+            <a:solidFill>
+              <a:srgbClr val="2194F6"/>
+            </a:solidFill>
+          </a:ln>
+        </p:spPr>
+        <p:style>
+          <a:lnRef idx="2">
+            <a:schemeClr val="accent1">
+              <a:shade val="50000"/>
+            </a:schemeClr>
+          </a:lnRef>
+          <a:fillRef idx="1">
+            <a:schemeClr val="accent1"/>
+          </a:fillRef>
+          <a:effectRef idx="0">
+            <a:schemeClr val="accent1"/>
+          </a:effectRef>
+          <a:fontRef idx="minor">
+            <a:schemeClr val="lt1"/>
+          </a:fontRef>
+        </p:style>
+        <p:txBody>
+          <a:bodyPr lIns="36000" tIns="0" rIns="0" bIns="0" rtlCol="0" anchor="ctr"/>
+          <a:lstStyle/>
+          <a:p>
+            <a:endParaRPr lang="de-DE" sz="800" dirty="0">
+              <a:solidFill>
+                <a:srgbClr val="1064AF"/>
+              </a:solidFill>
+              <a:latin typeface="Arial Narrow" panose="020B0606020202030204" pitchFamily="34" charset="0"/>
+              <a:ea typeface="Open Sans Condensed Light" panose="020B0306030504020204" pitchFamily="34" charset="0"/>
+              <a:cs typeface="Open Sans Condensed Light" panose="020B0306030504020204" pitchFamily="34" charset="0"/>
+            </a:endParaRPr>
+          </a:p>
+        </p:txBody>
+      </p:sp>
+      <p:sp>
+        <p:nvSpPr>
+          <p:cNvPr id="20" name="TextBox 19">
+            <a:extLst>
+              <a:ext uri="{FF2B5EF4-FFF2-40B4-BE49-F238E27FC236}">
+                <a16:creationId xmlns:a16="http://schemas.microsoft.com/office/drawing/2014/main" id="{C4049507-DE9F-C5A8-D521-319307D83ED1}"/>
+              </a:ext>
+            </a:extLst>
+          </p:cNvPr>
+          <p:cNvSpPr txBox="1"/>
+          <p:nvPr/>
+        </p:nvSpPr>
+        <p:spPr>
+          <a:xfrm>
+            <a:off x="2963786" y="1669415"/>
+            <a:ext cx="386324" cy="123111"/>
+          </a:xfrm>
+          <a:prstGeom prst="rect">
+            <a:avLst/>
+          </a:prstGeom>
+          <a:noFill/>
+        </p:spPr>
+        <p:txBody>
+          <a:bodyPr wrap="none" lIns="0" tIns="0" rIns="0" bIns="0" rtlCol="0">
+            <a:spAutoFit/>
+          </a:bodyPr>
+          <a:lstStyle/>
+          <a:p>
+            <a:r>
+              <a:rPr lang="en-US" sz="800">
+                <a:solidFill>
+                  <a:schemeClr val="tx1">
+                    <a:lumMod val="65000"/>
+                    <a:lumOff val="35000"/>
+                  </a:schemeClr>
+                </a:solidFill>
+                <a:latin typeface="Arial Narrow" panose="020B0606020202030204" pitchFamily="34" charset="0"/>
+              </a:rPr>
+              <a:t>expires_at</a:t>
+            </a:r>
+            <a:endParaRPr lang="en-CA" sz="800">
+              <a:solidFill>
+                <a:schemeClr val="tx1">
+                  <a:lumMod val="65000"/>
+                  <a:lumOff val="35000"/>
+                </a:schemeClr>
+              </a:solidFill>
+              <a:latin typeface="Arial Narrow" panose="020B0606020202030204" pitchFamily="34" charset="0"/>
+            </a:endParaRPr>
+          </a:p>
+        </p:txBody>
+      </p:sp>
+      <p:sp>
+        <p:nvSpPr>
+          <p:cNvPr id="38" name="Rectangle 37">
+            <a:extLst>
+              <a:ext uri="{FF2B5EF4-FFF2-40B4-BE49-F238E27FC236}">
+                <a16:creationId xmlns:a16="http://schemas.microsoft.com/office/drawing/2014/main" id="{F812A670-9745-C215-A8E8-7DA9E3917491}"/>
+              </a:ext>
+            </a:extLst>
+          </p:cNvPr>
+          <p:cNvSpPr/>
+          <p:nvPr/>
+        </p:nvSpPr>
+        <p:spPr>
+          <a:xfrm>
+            <a:off x="881952" y="2071152"/>
+            <a:ext cx="1453416" cy="180000"/>
+          </a:xfrm>
+          <a:prstGeom prst="rect">
+            <a:avLst/>
+          </a:prstGeom>
+          <a:solidFill>
+            <a:srgbClr val="CEFCFF"/>
+          </a:solidFill>
+          <a:ln w="19050">
+            <a:solidFill>
+              <a:srgbClr val="2194F6"/>
+            </a:solidFill>
+          </a:ln>
+        </p:spPr>
+        <p:style>
+          <a:lnRef idx="2">
+            <a:schemeClr val="accent1">
+              <a:shade val="50000"/>
+            </a:schemeClr>
+          </a:lnRef>
+          <a:fillRef idx="1">
+            <a:schemeClr val="accent1"/>
+          </a:fillRef>
+          <a:effectRef idx="0">
+            <a:schemeClr val="accent1"/>
+          </a:effectRef>
+          <a:fontRef idx="minor">
+            <a:schemeClr val="lt1"/>
+          </a:fontRef>
+        </p:style>
+        <p:txBody>
+          <a:bodyPr lIns="36000" tIns="0" rIns="0" bIns="0" rtlCol="0" anchor="ctr"/>
+          <a:lstStyle/>
+          <a:p>
+            <a:r>
+              <a:rPr lang="de-DE" sz="800">
+                <a:solidFill>
+                  <a:srgbClr val="1064AF"/>
+                </a:solidFill>
+                <a:latin typeface="Arial Narrow" panose="020B0606020202030204" pitchFamily="34" charset="0"/>
+                <a:ea typeface="Open Sans Condensed Light" panose="020B0306030504020204" pitchFamily="34" charset="0"/>
+                <a:cs typeface="Open Sans Condensed Light" panose="020B0306030504020204" pitchFamily="34" charset="0"/>
+              </a:rPr>
+              <a:t>vs_MBInFXZYATSGH7DwilCpe78p</a:t>
+            </a:r>
+            <a:endParaRPr lang="de-DE" sz="800" dirty="0">
+              <a:solidFill>
+                <a:srgbClr val="1064AF"/>
+              </a:solidFill>
+              <a:latin typeface="Arial Narrow" panose="020B0606020202030204" pitchFamily="34" charset="0"/>
+              <a:ea typeface="Open Sans Condensed Light" panose="020B0306030504020204" pitchFamily="34" charset="0"/>
+              <a:cs typeface="Open Sans Condensed Light" panose="020B0306030504020204" pitchFamily="34" charset="0"/>
+            </a:endParaRPr>
+          </a:p>
+        </p:txBody>
+      </p:sp>
+      <p:sp>
+        <p:nvSpPr>
+          <p:cNvPr id="40" name="Rectangle 39">
+            <a:extLst>
+              <a:ext uri="{FF2B5EF4-FFF2-40B4-BE49-F238E27FC236}">
+                <a16:creationId xmlns:a16="http://schemas.microsoft.com/office/drawing/2014/main" id="{2CC13623-22E4-4D64-FD24-8ED8D3F84027}"/>
+              </a:ext>
+            </a:extLst>
+          </p:cNvPr>
+          <p:cNvSpPr/>
+          <p:nvPr/>
+        </p:nvSpPr>
+        <p:spPr>
+          <a:xfrm>
+            <a:off x="2335368" y="2071152"/>
+            <a:ext cx="576064" cy="180000"/>
+          </a:xfrm>
+          <a:prstGeom prst="rect">
+            <a:avLst/>
+          </a:prstGeom>
+          <a:solidFill>
+            <a:srgbClr val="CEFCFF"/>
+          </a:solidFill>
+          <a:ln w="19050">
+            <a:solidFill>
+              <a:srgbClr val="2194F6"/>
+            </a:solidFill>
+          </a:ln>
+        </p:spPr>
+        <p:style>
+          <a:lnRef idx="2">
+            <a:schemeClr val="accent1">
+              <a:shade val="50000"/>
+            </a:schemeClr>
+          </a:lnRef>
+          <a:fillRef idx="1">
+            <a:schemeClr val="accent1"/>
+          </a:fillRef>
+          <a:effectRef idx="0">
+            <a:schemeClr val="accent1"/>
+          </a:effectRef>
+          <a:fontRef idx="minor">
+            <a:schemeClr val="lt1"/>
+          </a:fontRef>
+        </p:style>
+        <p:txBody>
+          <a:bodyPr lIns="36000" tIns="0" rIns="0" bIns="0" rtlCol="0" anchor="ctr"/>
+          <a:lstStyle/>
+          <a:p>
+            <a:r>
+              <a:rPr lang="de-DE" sz="800">
+                <a:solidFill>
+                  <a:srgbClr val="1064AF"/>
+                </a:solidFill>
+                <a:latin typeface="Arial Narrow" panose="020B0606020202030204" pitchFamily="34" charset="0"/>
+                <a:ea typeface="Open Sans Condensed Light" panose="020B0306030504020204" pitchFamily="34" charset="0"/>
+                <a:cs typeface="Open Sans Condensed Light" panose="020B0306030504020204" pitchFamily="34" charset="0"/>
+              </a:rPr>
+              <a:t>1740996732</a:t>
+            </a:r>
+            <a:endParaRPr lang="de-DE" sz="800" dirty="0">
+              <a:solidFill>
+                <a:srgbClr val="1064AF"/>
+              </a:solidFill>
+              <a:latin typeface="Arial Narrow" panose="020B0606020202030204" pitchFamily="34" charset="0"/>
+              <a:ea typeface="Open Sans Condensed Light" panose="020B0306030504020204" pitchFamily="34" charset="0"/>
+              <a:cs typeface="Open Sans Condensed Light" panose="020B0306030504020204" pitchFamily="34" charset="0"/>
+            </a:endParaRPr>
+          </a:p>
+        </p:txBody>
+      </p:sp>
+      <p:sp>
+        <p:nvSpPr>
+          <p:cNvPr id="42" name="Rectangle 41">
+            <a:extLst>
+              <a:ext uri="{FF2B5EF4-FFF2-40B4-BE49-F238E27FC236}">
+                <a16:creationId xmlns:a16="http://schemas.microsoft.com/office/drawing/2014/main" id="{5E773725-F196-778F-92EA-7DCF074D9162}"/>
+              </a:ext>
+            </a:extLst>
+          </p:cNvPr>
+          <p:cNvSpPr/>
+          <p:nvPr/>
+        </p:nvSpPr>
+        <p:spPr>
+          <a:xfrm>
+            <a:off x="2911432" y="2071152"/>
+            <a:ext cx="576064" cy="180000"/>
+          </a:xfrm>
+          <a:prstGeom prst="rect">
+            <a:avLst/>
+          </a:prstGeom>
+          <a:solidFill>
+            <a:srgbClr val="CEFCFF"/>
+          </a:solidFill>
+          <a:ln w="19050">
+            <a:solidFill>
+              <a:srgbClr val="2194F6"/>
+            </a:solidFill>
+          </a:ln>
+        </p:spPr>
+        <p:style>
+          <a:lnRef idx="2">
+            <a:schemeClr val="accent1">
+              <a:shade val="50000"/>
+            </a:schemeClr>
+          </a:lnRef>
+          <a:fillRef idx="1">
+            <a:schemeClr val="accent1"/>
+          </a:fillRef>
+          <a:effectRef idx="0">
+            <a:schemeClr val="accent1"/>
+          </a:effectRef>
+          <a:fontRef idx="minor">
+            <a:schemeClr val="lt1"/>
+          </a:fontRef>
+        </p:style>
+        <p:txBody>
+          <a:bodyPr lIns="36000" tIns="0" rIns="0" bIns="0" rtlCol="0" anchor="ctr"/>
+          <a:lstStyle/>
+          <a:p>
+            <a:r>
+              <a:rPr lang="de-DE" sz="800">
+                <a:solidFill>
+                  <a:srgbClr val="1064AF"/>
+                </a:solidFill>
+                <a:latin typeface="Arial Narrow" panose="020B0606020202030204" pitchFamily="34" charset="0"/>
+                <a:ea typeface="Open Sans Condensed Light" panose="020B0306030504020204" pitchFamily="34" charset="0"/>
+                <a:cs typeface="Open Sans Condensed Light" panose="020B0306030504020204" pitchFamily="34" charset="0"/>
+              </a:rPr>
+              <a:t>1742371107</a:t>
+            </a:r>
+            <a:endParaRPr lang="de-DE" sz="800" dirty="0">
+              <a:solidFill>
+                <a:srgbClr val="1064AF"/>
+              </a:solidFill>
+              <a:latin typeface="Arial Narrow" panose="020B0606020202030204" pitchFamily="34" charset="0"/>
+              <a:ea typeface="Open Sans Condensed Light" panose="020B0306030504020204" pitchFamily="34" charset="0"/>
+              <a:cs typeface="Open Sans Condensed Light" panose="020B0306030504020204" pitchFamily="34" charset="0"/>
+            </a:endParaRPr>
+          </a:p>
+        </p:txBody>
+      </p:sp>
+      <p:sp>
+        <p:nvSpPr>
+          <p:cNvPr id="53" name="TextBox 52">
+            <a:extLst>
+              <a:ext uri="{FF2B5EF4-FFF2-40B4-BE49-F238E27FC236}">
+                <a16:creationId xmlns:a16="http://schemas.microsoft.com/office/drawing/2014/main" id="{E7EF90A3-3052-D8C6-F46D-58D903DB437F}"/>
+              </a:ext>
+            </a:extLst>
+          </p:cNvPr>
+          <p:cNvSpPr txBox="1"/>
+          <p:nvPr/>
+        </p:nvSpPr>
+        <p:spPr>
+          <a:xfrm>
+            <a:off x="6688183" y="459762"/>
+            <a:ext cx="2240998" cy="123111"/>
+          </a:xfrm>
+          <a:prstGeom prst="rect">
+            <a:avLst/>
+          </a:prstGeom>
+          <a:noFill/>
+        </p:spPr>
+        <p:txBody>
+          <a:bodyPr wrap="none" lIns="0" tIns="0" rIns="0" bIns="0" rtlCol="0">
+            <a:spAutoFit/>
+          </a:bodyPr>
+          <a:lstStyle/>
+          <a:p>
+            <a:pPr algn="r"/>
+            <a:r>
+              <a:rPr lang="en-CA" sz="800">
+                <a:solidFill>
+                  <a:srgbClr val="005AB4"/>
+                </a:solidFill>
+                <a:latin typeface="Arial Narrow" panose="020B0606020202030204" pitchFamily="34" charset="0"/>
+              </a:rPr>
+              <a:t>https://platform.openai.com/docs/api-reference/vector-stores</a:t>
+            </a:r>
+          </a:p>
+        </p:txBody>
+      </p:sp>
+      <p:sp>
+        <p:nvSpPr>
+          <p:cNvPr id="54" name="Rectangle: Rounded Corners 53">
+            <a:extLst>
+              <a:ext uri="{FF2B5EF4-FFF2-40B4-BE49-F238E27FC236}">
+                <a16:creationId xmlns:a16="http://schemas.microsoft.com/office/drawing/2014/main" id="{058F6F51-8C1D-ED30-9793-19C251E2DA84}"/>
+              </a:ext>
+            </a:extLst>
+          </p:cNvPr>
+          <p:cNvSpPr/>
+          <p:nvPr/>
+        </p:nvSpPr>
+        <p:spPr>
+          <a:xfrm>
+            <a:off x="8245181" y="228636"/>
+            <a:ext cx="684000" cy="180000"/>
+          </a:xfrm>
+          <a:prstGeom prst="roundRect">
+            <a:avLst/>
+          </a:prstGeom>
+          <a:solidFill>
+            <a:srgbClr val="1064AF"/>
+          </a:solidFill>
+          <a:ln>
+            <a:solidFill>
+              <a:srgbClr val="174977"/>
+            </a:solidFill>
+          </a:ln>
+          <a:effectLst>
+            <a:outerShdw blurRad="50800" dist="38100" dir="2700000" algn="tl" rotWithShape="0">
+              <a:prstClr val="black">
+                <a:alpha val="20000"/>
+              </a:prstClr>
+            </a:outerShdw>
+          </a:effectLst>
+        </p:spPr>
+        <p:style>
+          <a:lnRef idx="2">
+            <a:schemeClr val="accent1">
+              <a:shade val="15000"/>
+            </a:schemeClr>
+          </a:lnRef>
+          <a:fillRef idx="1">
+            <a:schemeClr val="accent1"/>
+          </a:fillRef>
+          <a:effectRef idx="0">
+            <a:schemeClr val="accent1"/>
+          </a:effectRef>
+          <a:fontRef idx="minor">
+            <a:schemeClr val="lt1"/>
+          </a:fontRef>
+        </p:style>
+        <p:txBody>
+          <a:bodyPr lIns="0" tIns="36000" rIns="0" bIns="0" rtlCol="0" anchor="ctr"/>
+          <a:lstStyle/>
+          <a:p>
+            <a:pPr algn="ctr">
+              <a:lnSpc>
+                <a:spcPct val="80000"/>
+              </a:lnSpc>
+            </a:pPr>
+            <a:r>
+              <a:rPr lang="en-US" sz="1000" b="1">
+                <a:solidFill>
+                  <a:schemeClr val="bg1"/>
+                </a:solidFill>
+                <a:latin typeface="Arial Narrow" panose="020B0606020202030204" pitchFamily="34" charset="0"/>
+              </a:rPr>
+              <a:t>2025-05-24</a:t>
+            </a:r>
+            <a:endParaRPr lang="en-CA" sz="1000" b="1">
+              <a:solidFill>
+                <a:schemeClr val="bg1"/>
+              </a:solidFill>
+              <a:latin typeface="Arial Narrow" panose="020B0606020202030204" pitchFamily="34" charset="0"/>
+            </a:endParaRPr>
+          </a:p>
+        </p:txBody>
+      </p:sp>
+      <p:sp>
+        <p:nvSpPr>
+          <p:cNvPr id="55" name="TextBox 54">
+            <a:extLst>
+              <a:ext uri="{FF2B5EF4-FFF2-40B4-BE49-F238E27FC236}">
+                <a16:creationId xmlns:a16="http://schemas.microsoft.com/office/drawing/2014/main" id="{DEE9B9F4-37B6-1509-8527-6DF258BC8DBC}"/>
+              </a:ext>
+            </a:extLst>
+          </p:cNvPr>
+          <p:cNvSpPr txBox="1"/>
+          <p:nvPr/>
+        </p:nvSpPr>
+        <p:spPr>
+          <a:xfrm>
+            <a:off x="251519" y="900152"/>
+            <a:ext cx="8677661" cy="184666"/>
+          </a:xfrm>
+          <a:prstGeom prst="rect">
+            <a:avLst/>
+          </a:prstGeom>
+          <a:noFill/>
+        </p:spPr>
+        <p:txBody>
+          <a:bodyPr wrap="square" lIns="0" tIns="0" rIns="0" bIns="0" rtlCol="0">
+            <a:spAutoFit/>
+          </a:bodyPr>
+          <a:lstStyle/>
+          <a:p>
+            <a:pPr algn="l"/>
+            <a:r>
+              <a:rPr lang="en-US" sz="1200" i="1">
+                <a:solidFill>
+                  <a:srgbClr val="005AB4"/>
+                </a:solidFill>
+                <a:latin typeface="Arial Narrow" panose="020B0606020202030204" pitchFamily="34" charset="0"/>
+              </a:rPr>
+              <a:t>Vector stores are used for </a:t>
+            </a:r>
+            <a:r>
+              <a:rPr lang="en-US" sz="1200" i="1" u="sng">
+                <a:solidFill>
+                  <a:srgbClr val="005AB4"/>
+                </a:solidFill>
+                <a:latin typeface="Arial Narrow" panose="020B0606020202030204" pitchFamily="34" charset="0"/>
+              </a:rPr>
+              <a:t>file search</a:t>
+            </a:r>
+            <a:r>
+              <a:rPr lang="en-US" sz="1200" i="1">
+                <a:solidFill>
+                  <a:srgbClr val="005AB4"/>
+                </a:solidFill>
+                <a:latin typeface="Arial Narrow" panose="020B0606020202030204" pitchFamily="34" charset="0"/>
+              </a:rPr>
+              <a:t>, </a:t>
+            </a:r>
+            <a:r>
+              <a:rPr lang="en-US" sz="1200" i="1" u="sng">
+                <a:solidFill>
+                  <a:srgbClr val="005AB4"/>
+                </a:solidFill>
+                <a:latin typeface="Arial Narrow" panose="020B0606020202030204" pitchFamily="34" charset="0"/>
+              </a:rPr>
+              <a:t>assistants</a:t>
+            </a:r>
+            <a:r>
+              <a:rPr lang="en-US" sz="1200" i="1">
+                <a:solidFill>
+                  <a:srgbClr val="005AB4"/>
+                </a:solidFill>
+                <a:latin typeface="Arial Narrow" panose="020B0606020202030204" pitchFamily="34" charset="0"/>
+              </a:rPr>
+              <a:t>, and </a:t>
+            </a:r>
+            <a:r>
+              <a:rPr lang="en-US" sz="1200" i="1" u="sng">
+                <a:solidFill>
+                  <a:srgbClr val="005AB4"/>
+                </a:solidFill>
+                <a:latin typeface="Arial Narrow" panose="020B0606020202030204" pitchFamily="34" charset="0"/>
+              </a:rPr>
+              <a:t>response models</a:t>
+            </a:r>
+            <a:r>
+              <a:rPr lang="en-US" sz="1200" i="1">
+                <a:solidFill>
+                  <a:srgbClr val="005AB4"/>
+                </a:solidFill>
+                <a:latin typeface="Arial Narrow" panose="020B0606020202030204" pitchFamily="34" charset="0"/>
+              </a:rPr>
+              <a:t> (agents). They are usually accessed using a </a:t>
+            </a:r>
+            <a:r>
+              <a:rPr lang="en-US" sz="1200" i="1" u="sng">
+                <a:solidFill>
+                  <a:srgbClr val="005AB4"/>
+                </a:solidFill>
+                <a:latin typeface="Arial Narrow" panose="020B0606020202030204" pitchFamily="34" charset="0"/>
+              </a:rPr>
+              <a:t>file_search</a:t>
+            </a:r>
+            <a:r>
+              <a:rPr lang="en-US" sz="1200" i="1">
+                <a:solidFill>
+                  <a:srgbClr val="005AB4"/>
+                </a:solidFill>
+                <a:latin typeface="Arial Narrow" panose="020B0606020202030204" pitchFamily="34" charset="0"/>
+              </a:rPr>
+              <a:t> tool call.</a:t>
+            </a:r>
+            <a:endParaRPr lang="en-CA" sz="1200" i="1">
+              <a:solidFill>
+                <a:srgbClr val="005AB4"/>
+              </a:solidFill>
+              <a:latin typeface="Arial Narrow" panose="020B0606020202030204" pitchFamily="34" charset="0"/>
+            </a:endParaRPr>
+          </a:p>
+        </p:txBody>
+      </p:sp>
+      <p:pic>
+        <p:nvPicPr>
+          <p:cNvPr id="3" name="Picture 2">
+            <a:extLst>
+              <a:ext uri="{FF2B5EF4-FFF2-40B4-BE49-F238E27FC236}">
+                <a16:creationId xmlns:a16="http://schemas.microsoft.com/office/drawing/2014/main" id="{36250011-5E7A-2961-83F7-F0A10DB44D7F}"/>
+              </a:ext>
+            </a:extLst>
+          </p:cNvPr>
+          <p:cNvPicPr>
+            <a:picLocks noChangeAspect="1"/>
+          </p:cNvPicPr>
+          <p:nvPr/>
+        </p:nvPicPr>
+        <p:blipFill>
+          <a:blip r:embed="rId2"/>
+          <a:stretch>
+            <a:fillRect/>
+          </a:stretch>
+        </p:blipFill>
+        <p:spPr>
+          <a:xfrm>
+            <a:off x="5105892" y="1509977"/>
+            <a:ext cx="3559839" cy="2287341"/>
+          </a:xfrm>
+          <a:prstGeom prst="rect">
+            <a:avLst/>
+          </a:prstGeom>
+        </p:spPr>
+      </p:pic>
+      <p:sp>
+        <p:nvSpPr>
+          <p:cNvPr id="2" name="Rectangle 1">
+            <a:extLst>
+              <a:ext uri="{FF2B5EF4-FFF2-40B4-BE49-F238E27FC236}">
+                <a16:creationId xmlns:a16="http://schemas.microsoft.com/office/drawing/2014/main" id="{106931BE-469A-7ADA-DBA3-9D9E9CE224D2}"/>
+              </a:ext>
+            </a:extLst>
+          </p:cNvPr>
+          <p:cNvSpPr/>
+          <p:nvPr/>
+        </p:nvSpPr>
+        <p:spPr>
+          <a:xfrm>
+            <a:off x="3487496" y="1836994"/>
+            <a:ext cx="576064" cy="180000"/>
+          </a:xfrm>
+          <a:prstGeom prst="rect">
+            <a:avLst/>
+          </a:prstGeom>
+          <a:solidFill>
+            <a:srgbClr val="CEFCFF"/>
+          </a:solidFill>
+          <a:ln w="19050">
+            <a:solidFill>
+              <a:srgbClr val="2194F6"/>
+            </a:solidFill>
+          </a:ln>
+        </p:spPr>
+        <p:style>
+          <a:lnRef idx="2">
+            <a:schemeClr val="accent1">
+              <a:shade val="50000"/>
+            </a:schemeClr>
+          </a:lnRef>
+          <a:fillRef idx="1">
+            <a:schemeClr val="accent1"/>
+          </a:fillRef>
+          <a:effectRef idx="0">
+            <a:schemeClr val="accent1"/>
+          </a:effectRef>
+          <a:fontRef idx="minor">
+            <a:schemeClr val="lt1"/>
+          </a:fontRef>
+        </p:style>
+        <p:txBody>
+          <a:bodyPr lIns="36000" tIns="0" rIns="0" bIns="0" rtlCol="0" anchor="ctr"/>
+          <a:lstStyle/>
+          <a:p>
+            <a:r>
+              <a:rPr lang="de-DE" sz="800">
+                <a:solidFill>
+                  <a:srgbClr val="1064AF"/>
+                </a:solidFill>
+                <a:latin typeface="Arial Narrow" panose="020B0606020202030204" pitchFamily="34" charset="0"/>
+                <a:ea typeface="Open Sans Condensed Light" panose="020B0306030504020204" pitchFamily="34" charset="0"/>
+                <a:cs typeface="Open Sans Condensed Light" panose="020B0306030504020204" pitchFamily="34" charset="0"/>
+              </a:rPr>
+              <a:t>1743077077</a:t>
+            </a:r>
+            <a:endParaRPr lang="de-DE" sz="800" dirty="0">
+              <a:solidFill>
+                <a:srgbClr val="1064AF"/>
+              </a:solidFill>
+              <a:latin typeface="Arial Narrow" panose="020B0606020202030204" pitchFamily="34" charset="0"/>
+              <a:ea typeface="Open Sans Condensed Light" panose="020B0306030504020204" pitchFamily="34" charset="0"/>
+              <a:cs typeface="Open Sans Condensed Light" panose="020B0306030504020204" pitchFamily="34" charset="0"/>
+            </a:endParaRPr>
+          </a:p>
+        </p:txBody>
+      </p:sp>
+      <p:sp>
+        <p:nvSpPr>
+          <p:cNvPr id="10" name="TextBox 9">
+            <a:extLst>
+              <a:ext uri="{FF2B5EF4-FFF2-40B4-BE49-F238E27FC236}">
+                <a16:creationId xmlns:a16="http://schemas.microsoft.com/office/drawing/2014/main" id="{7013DD05-54AE-B263-736A-F3FF03546BCD}"/>
+              </a:ext>
+            </a:extLst>
+          </p:cNvPr>
+          <p:cNvSpPr txBox="1"/>
+          <p:nvPr/>
+        </p:nvSpPr>
+        <p:spPr>
+          <a:xfrm>
+            <a:off x="3530046" y="1669415"/>
+            <a:ext cx="514564" cy="123111"/>
+          </a:xfrm>
+          <a:prstGeom prst="rect">
+            <a:avLst/>
+          </a:prstGeom>
+          <a:noFill/>
+        </p:spPr>
+        <p:txBody>
+          <a:bodyPr wrap="none" lIns="0" tIns="0" rIns="0" bIns="0" rtlCol="0">
+            <a:spAutoFit/>
+          </a:bodyPr>
+          <a:lstStyle/>
+          <a:p>
+            <a:r>
+              <a:rPr lang="en-US" sz="800">
+                <a:solidFill>
+                  <a:schemeClr val="tx1">
+                    <a:lumMod val="65000"/>
+                    <a:lumOff val="35000"/>
+                  </a:schemeClr>
+                </a:solidFill>
+                <a:latin typeface="Arial Narrow" panose="020B0606020202030204" pitchFamily="34" charset="0"/>
+              </a:rPr>
+              <a:t>last_active_at</a:t>
+            </a:r>
+            <a:endParaRPr lang="en-CA" sz="800">
+              <a:solidFill>
+                <a:schemeClr val="tx1">
+                  <a:lumMod val="65000"/>
+                  <a:lumOff val="35000"/>
+                </a:schemeClr>
+              </a:solidFill>
+              <a:latin typeface="Arial Narrow" panose="020B0606020202030204" pitchFamily="34" charset="0"/>
+            </a:endParaRPr>
+          </a:p>
+        </p:txBody>
+      </p:sp>
+      <p:sp>
+        <p:nvSpPr>
+          <p:cNvPr id="21" name="Rectangle 20">
+            <a:extLst>
+              <a:ext uri="{FF2B5EF4-FFF2-40B4-BE49-F238E27FC236}">
+                <a16:creationId xmlns:a16="http://schemas.microsoft.com/office/drawing/2014/main" id="{A81E5D15-5419-A746-6C85-705CA2159D80}"/>
+              </a:ext>
+            </a:extLst>
+          </p:cNvPr>
+          <p:cNvSpPr/>
+          <p:nvPr/>
+        </p:nvSpPr>
+        <p:spPr>
+          <a:xfrm>
+            <a:off x="3487496" y="2071152"/>
+            <a:ext cx="576064" cy="180000"/>
+          </a:xfrm>
+          <a:prstGeom prst="rect">
+            <a:avLst/>
+          </a:prstGeom>
+          <a:solidFill>
+            <a:srgbClr val="CEFCFF"/>
+          </a:solidFill>
+          <a:ln w="19050">
+            <a:solidFill>
+              <a:srgbClr val="2194F6"/>
+            </a:solidFill>
+          </a:ln>
+        </p:spPr>
+        <p:style>
+          <a:lnRef idx="2">
+            <a:schemeClr val="accent1">
+              <a:shade val="50000"/>
+            </a:schemeClr>
+          </a:lnRef>
+          <a:fillRef idx="1">
+            <a:schemeClr val="accent1"/>
+          </a:fillRef>
+          <a:effectRef idx="0">
+            <a:schemeClr val="accent1"/>
+          </a:effectRef>
+          <a:fontRef idx="minor">
+            <a:schemeClr val="lt1"/>
+          </a:fontRef>
+        </p:style>
+        <p:txBody>
+          <a:bodyPr lIns="36000" tIns="0" rIns="0" bIns="0" rtlCol="0" anchor="ctr"/>
+          <a:lstStyle/>
+          <a:p>
+            <a:r>
+              <a:rPr lang="de-DE" sz="800">
+                <a:solidFill>
+                  <a:srgbClr val="1064AF"/>
+                </a:solidFill>
+                <a:latin typeface="Arial Narrow" panose="020B0606020202030204" pitchFamily="34" charset="0"/>
+                <a:ea typeface="Open Sans Condensed Light" panose="020B0306030504020204" pitchFamily="34" charset="0"/>
+                <a:cs typeface="Open Sans Condensed Light" panose="020B0306030504020204" pitchFamily="34" charset="0"/>
+              </a:rPr>
+              <a:t>1742047284</a:t>
+            </a:r>
+          </a:p>
+        </p:txBody>
+      </p:sp>
+      <p:sp>
+        <p:nvSpPr>
+          <p:cNvPr id="22" name="Rectangle 21">
+            <a:extLst>
+              <a:ext uri="{FF2B5EF4-FFF2-40B4-BE49-F238E27FC236}">
+                <a16:creationId xmlns:a16="http://schemas.microsoft.com/office/drawing/2014/main" id="{AFE417D0-53C4-5E1F-069E-C5720D0A76F4}"/>
+              </a:ext>
+            </a:extLst>
+          </p:cNvPr>
+          <p:cNvSpPr/>
+          <p:nvPr/>
+        </p:nvSpPr>
+        <p:spPr>
+          <a:xfrm>
+            <a:off x="4063560" y="1836994"/>
+            <a:ext cx="576064" cy="180000"/>
+          </a:xfrm>
+          <a:prstGeom prst="rect">
+            <a:avLst/>
+          </a:prstGeom>
+          <a:solidFill>
+            <a:srgbClr val="CEFCFF"/>
+          </a:solidFill>
+          <a:ln w="19050">
+            <a:solidFill>
+              <a:srgbClr val="2194F6"/>
+            </a:solidFill>
+          </a:ln>
+        </p:spPr>
+        <p:style>
+          <a:lnRef idx="2">
+            <a:schemeClr val="accent1">
+              <a:shade val="50000"/>
+            </a:schemeClr>
+          </a:lnRef>
+          <a:fillRef idx="1">
+            <a:schemeClr val="accent1"/>
+          </a:fillRef>
+          <a:effectRef idx="0">
+            <a:schemeClr val="accent1"/>
+          </a:effectRef>
+          <a:fontRef idx="minor">
+            <a:schemeClr val="lt1"/>
+          </a:fontRef>
+        </p:style>
+        <p:txBody>
+          <a:bodyPr lIns="36000" tIns="0" rIns="0" bIns="0" rtlCol="0" anchor="ctr"/>
+          <a:lstStyle/>
+          <a:p>
+            <a:r>
+              <a:rPr lang="de-DE" sz="800">
+                <a:solidFill>
+                  <a:srgbClr val="1064AF"/>
+                </a:solidFill>
+                <a:latin typeface="Arial Narrow" panose="020B0606020202030204" pitchFamily="34" charset="0"/>
+                <a:ea typeface="Open Sans Condensed Light" panose="020B0306030504020204" pitchFamily="34" charset="0"/>
+                <a:cs typeface="Open Sans Condensed Light" panose="020B0306030504020204" pitchFamily="34" charset="0"/>
+              </a:rPr>
+              <a:t>completed</a:t>
+            </a:r>
+            <a:endParaRPr lang="de-DE" sz="800" dirty="0">
+              <a:solidFill>
+                <a:srgbClr val="1064AF"/>
+              </a:solidFill>
+              <a:latin typeface="Arial Narrow" panose="020B0606020202030204" pitchFamily="34" charset="0"/>
+              <a:ea typeface="Open Sans Condensed Light" panose="020B0306030504020204" pitchFamily="34" charset="0"/>
+              <a:cs typeface="Open Sans Condensed Light" panose="020B0306030504020204" pitchFamily="34" charset="0"/>
+            </a:endParaRPr>
+          </a:p>
+        </p:txBody>
+      </p:sp>
+      <p:sp>
+        <p:nvSpPr>
+          <p:cNvPr id="27" name="TextBox 26">
+            <a:extLst>
+              <a:ext uri="{FF2B5EF4-FFF2-40B4-BE49-F238E27FC236}">
+                <a16:creationId xmlns:a16="http://schemas.microsoft.com/office/drawing/2014/main" id="{02490EBA-B8E8-29A5-147F-C7D152BFC52F}"/>
+              </a:ext>
+            </a:extLst>
+          </p:cNvPr>
+          <p:cNvSpPr txBox="1"/>
+          <p:nvPr/>
+        </p:nvSpPr>
+        <p:spPr>
+          <a:xfrm>
+            <a:off x="4106110" y="1669415"/>
+            <a:ext cx="224420" cy="123111"/>
+          </a:xfrm>
+          <a:prstGeom prst="rect">
+            <a:avLst/>
+          </a:prstGeom>
+          <a:noFill/>
+        </p:spPr>
+        <p:txBody>
+          <a:bodyPr wrap="none" lIns="0" tIns="0" rIns="0" bIns="0" rtlCol="0">
+            <a:spAutoFit/>
+          </a:bodyPr>
+          <a:lstStyle/>
+          <a:p>
+            <a:r>
+              <a:rPr lang="en-US" sz="800">
+                <a:solidFill>
+                  <a:schemeClr val="tx1">
+                    <a:lumMod val="65000"/>
+                    <a:lumOff val="35000"/>
+                  </a:schemeClr>
+                </a:solidFill>
+                <a:latin typeface="Arial Narrow" panose="020B0606020202030204" pitchFamily="34" charset="0"/>
+              </a:rPr>
+              <a:t>status</a:t>
+            </a:r>
+            <a:endParaRPr lang="en-CA" sz="800">
+              <a:solidFill>
+                <a:schemeClr val="tx1">
+                  <a:lumMod val="65000"/>
+                  <a:lumOff val="35000"/>
+                </a:schemeClr>
+              </a:solidFill>
+              <a:latin typeface="Arial Narrow" panose="020B0606020202030204" pitchFamily="34" charset="0"/>
+            </a:endParaRPr>
+          </a:p>
+        </p:txBody>
+      </p:sp>
+      <p:sp>
+        <p:nvSpPr>
+          <p:cNvPr id="36" name="Rectangle 35">
+            <a:extLst>
+              <a:ext uri="{FF2B5EF4-FFF2-40B4-BE49-F238E27FC236}">
+                <a16:creationId xmlns:a16="http://schemas.microsoft.com/office/drawing/2014/main" id="{CBAC3907-8EC8-E38D-6FD0-E2C9DEA61AC6}"/>
+              </a:ext>
+            </a:extLst>
+          </p:cNvPr>
+          <p:cNvSpPr/>
+          <p:nvPr/>
+        </p:nvSpPr>
+        <p:spPr>
+          <a:xfrm>
+            <a:off x="4063560" y="2071152"/>
+            <a:ext cx="576064" cy="180000"/>
+          </a:xfrm>
+          <a:prstGeom prst="rect">
+            <a:avLst/>
+          </a:prstGeom>
+          <a:solidFill>
+            <a:srgbClr val="CEFCFF"/>
+          </a:solidFill>
+          <a:ln w="19050">
+            <a:solidFill>
+              <a:srgbClr val="2194F6"/>
+            </a:solidFill>
+          </a:ln>
+        </p:spPr>
+        <p:style>
+          <a:lnRef idx="2">
+            <a:schemeClr val="accent1">
+              <a:shade val="50000"/>
+            </a:schemeClr>
+          </a:lnRef>
+          <a:fillRef idx="1">
+            <a:schemeClr val="accent1"/>
+          </a:fillRef>
+          <a:effectRef idx="0">
+            <a:schemeClr val="accent1"/>
+          </a:effectRef>
+          <a:fontRef idx="minor">
+            <a:schemeClr val="lt1"/>
+          </a:fontRef>
+        </p:style>
+        <p:txBody>
+          <a:bodyPr lIns="36000" tIns="0" rIns="0" bIns="0" rtlCol="0" anchor="ctr"/>
+          <a:lstStyle/>
+          <a:p>
+            <a:r>
+              <a:rPr lang="de-DE" sz="800">
+                <a:solidFill>
+                  <a:srgbClr val="1064AF"/>
+                </a:solidFill>
+                <a:latin typeface="Arial Narrow" panose="020B0606020202030204" pitchFamily="34" charset="0"/>
+                <a:ea typeface="Open Sans Condensed Light" panose="020B0306030504020204" pitchFamily="34" charset="0"/>
+                <a:cs typeface="Open Sans Condensed Light" panose="020B0306030504020204" pitchFamily="34" charset="0"/>
+              </a:rPr>
+              <a:t>expired</a:t>
+            </a:r>
+            <a:endParaRPr lang="de-DE" sz="800" dirty="0">
+              <a:solidFill>
+                <a:srgbClr val="1064AF"/>
+              </a:solidFill>
+              <a:latin typeface="Arial Narrow" panose="020B0606020202030204" pitchFamily="34" charset="0"/>
+              <a:ea typeface="Open Sans Condensed Light" panose="020B0306030504020204" pitchFamily="34" charset="0"/>
+              <a:cs typeface="Open Sans Condensed Light" panose="020B0306030504020204" pitchFamily="34" charset="0"/>
+            </a:endParaRPr>
+          </a:p>
+        </p:txBody>
+      </p:sp>
+    </p:spTree>
+    <p:extLst>
+      <p:ext uri="{BB962C8B-B14F-4D97-AF65-F5344CB8AC3E}">
+        <p14:creationId xmlns:p14="http://schemas.microsoft.com/office/powerpoint/2010/main" val="1790087580"/>
+      </p:ext>
+    </p:extLst>
+  </p:cSld>
+  <p:clrMapOvr>
+    <a:masterClrMapping/>
+  </p:clrMapOvr>
+</p:sld>
+</file>
+
 <file path=ppt/theme/theme1.xml><?xml version="1.0" encoding="utf-8"?>
 <a:theme xmlns:a="http://schemas.openxmlformats.org/drawingml/2006/main" name="Office 2013 - 2022 Theme">
   <a:themeElements>

--- a/OpenAI-BackendTools.pptx
+++ b/OpenAI-BackendTools.pptx
@@ -223,7 +223,7 @@
           <a:p>
             <a:fld id="{FC4BCF81-FD30-4738-8CD3-6C15724C57DB}" type="datetimeFigureOut">
               <a:rPr lang="en-GB" smtClean="0"/>
-              <a:t>24/05/2025</a:t>
+              <a:t>25/05/2025</a:t>
             </a:fld>
             <a:endParaRPr lang="en-GB"/>
           </a:p>
@@ -388,7 +388,7 @@
           <a:p>
             <a:fld id="{393C90FD-22B7-4ADA-A649-5A6995920D65}" type="datetimeFigureOut">
               <a:rPr lang="en-US" smtClean="0"/>
-              <a:t>5/24/2025</a:t>
+              <a:t>5/25/2025</a:t>
             </a:fld>
             <a:endParaRPr lang="en-US"/>
           </a:p>
@@ -19553,7 +19553,7 @@
         </p:blipFill>
         <p:spPr>
           <a:xfrm>
-            <a:off x="5813188" y="1351833"/>
+            <a:off x="5762905" y="2744381"/>
             <a:ext cx="2825764" cy="2070467"/>
           </a:xfrm>
           <a:prstGeom prst="rect">
@@ -19821,8 +19821,8 @@
         </p:nvSpPr>
         <p:spPr>
           <a:xfrm>
-            <a:off x="251520" y="2731500"/>
-            <a:ext cx="901192" cy="252000"/>
+            <a:off x="251520" y="2752060"/>
+            <a:ext cx="671771" cy="180000"/>
           </a:xfrm>
           <a:prstGeom prst="rect">
             <a:avLst/>
@@ -19851,11 +19851,11 @@
           </a:fontRef>
         </p:style>
         <p:txBody>
-          <a:bodyPr rtlCol="0" anchor="t"/>
+          <a:bodyPr lIns="36000" tIns="18000" rIns="0" bIns="0" rtlCol="0" anchor="t"/>
           <a:lstStyle/>
           <a:p>
             <a:r>
-              <a:rPr lang="en-US" sz="1000" b="1">
+              <a:rPr lang="en-US" sz="800" b="1">
                 <a:solidFill>
                   <a:schemeClr val="tx1">
                     <a:lumMod val="75000"/>
@@ -19866,9 +19866,9 @@
                 <a:ea typeface="Open Sans Condensed" panose="020B0806030504020204" pitchFamily="34" charset="0"/>
                 <a:cs typeface="Open Sans Condensed" panose="020B0806030504020204" pitchFamily="34" charset="0"/>
               </a:rPr>
-              <a:t>Atribute</a:t>
+              <a:t>Attribute</a:t>
             </a:r>
-            <a:endParaRPr lang="de-DE" sz="1000" b="1">
+            <a:endParaRPr lang="de-DE" sz="800" b="1">
               <a:solidFill>
                 <a:schemeClr val="tx1">
                   <a:lumMod val="75000"/>
@@ -19896,8 +19896,8 @@
         </p:nvSpPr>
         <p:spPr>
           <a:xfrm>
-            <a:off x="251520" y="3027406"/>
-            <a:ext cx="901192" cy="252000"/>
+            <a:off x="251520" y="3184451"/>
+            <a:ext cx="671771" cy="180000"/>
           </a:xfrm>
           <a:prstGeom prst="rect">
             <a:avLst/>
@@ -19926,11 +19926,11 @@
           </a:fontRef>
         </p:style>
         <p:txBody>
-          <a:bodyPr rtlCol="0" anchor="t"/>
+          <a:bodyPr lIns="36000" tIns="18000" rIns="0" bIns="0" rtlCol="0" anchor="t"/>
           <a:lstStyle/>
           <a:p>
             <a:r>
-              <a:rPr lang="en-US" sz="1000">
+              <a:rPr lang="en-US" sz="800">
                 <a:solidFill>
                   <a:schemeClr val="tx1">
                     <a:lumMod val="75000"/>
@@ -19943,7 +19943,7 @@
               </a:rPr>
               <a:t>id</a:t>
             </a:r>
-            <a:endParaRPr lang="de-DE" sz="1000">
+            <a:endParaRPr lang="de-DE" sz="800">
               <a:solidFill>
                 <a:schemeClr val="tx1">
                   <a:lumMod val="75000"/>
@@ -19971,8 +19971,8 @@
         </p:nvSpPr>
         <p:spPr>
           <a:xfrm>
-            <a:off x="1183869" y="2712856"/>
-            <a:ext cx="4252227" cy="252000"/>
+            <a:off x="956311" y="2755754"/>
+            <a:ext cx="4482490" cy="180000"/>
           </a:xfrm>
           <a:prstGeom prst="rect">
             <a:avLst/>
@@ -20001,11 +20001,11 @@
           </a:fontRef>
         </p:style>
         <p:txBody>
-          <a:bodyPr rtlCol="0" anchor="t"/>
+          <a:bodyPr lIns="36000" tIns="18000" rIns="0" bIns="0" rtlCol="0" anchor="t"/>
           <a:lstStyle/>
           <a:p>
             <a:r>
-              <a:rPr lang="en-US" sz="1000" b="1">
+              <a:rPr lang="en-US" sz="800" b="1">
                 <a:solidFill>
                   <a:schemeClr val="tx1">
                     <a:lumMod val="75000"/>
@@ -20018,7 +20018,7 @@
               </a:rPr>
               <a:t>Decription</a:t>
             </a:r>
-            <a:endParaRPr lang="de-DE" sz="1000" b="1">
+            <a:endParaRPr lang="de-DE" sz="800" b="1">
               <a:solidFill>
                 <a:schemeClr val="tx1">
                   <a:lumMod val="75000"/>
@@ -20046,8 +20046,8 @@
         </p:nvSpPr>
         <p:spPr>
           <a:xfrm>
-            <a:off x="1183869" y="3027406"/>
-            <a:ext cx="4252227" cy="252000"/>
+            <a:off x="953607" y="3184451"/>
+            <a:ext cx="4482490" cy="180000"/>
           </a:xfrm>
           <a:prstGeom prst="rect">
             <a:avLst/>
@@ -20076,11 +20076,11 @@
           </a:fontRef>
         </p:style>
         <p:txBody>
-          <a:bodyPr rtlCol="0" anchor="t"/>
+          <a:bodyPr lIns="36000" tIns="18000" rIns="0" bIns="0" rtlCol="0" anchor="t"/>
           <a:lstStyle/>
           <a:p>
             <a:r>
-              <a:rPr lang="en-US" sz="1000">
+              <a:rPr lang="en-US" sz="800">
                 <a:solidFill>
                   <a:schemeClr val="tx1">
                     <a:lumMod val="75000"/>
@@ -20093,7 +20093,7 @@
               </a:rPr>
               <a:t>The file identifier, which can be referenced in the API endpoints.</a:t>
             </a:r>
-            <a:endParaRPr lang="de-DE" sz="1000">
+            <a:endParaRPr lang="de-DE" sz="800">
               <a:solidFill>
                 <a:schemeClr val="tx1">
                   <a:lumMod val="75000"/>
@@ -20121,8 +20121,8 @@
         </p:nvSpPr>
         <p:spPr>
           <a:xfrm>
-            <a:off x="251520" y="3320674"/>
-            <a:ext cx="901192" cy="252000"/>
+            <a:off x="251520" y="3400152"/>
+            <a:ext cx="671771" cy="180000"/>
           </a:xfrm>
           <a:prstGeom prst="rect">
             <a:avLst/>
@@ -20151,11 +20151,11 @@
           </a:fontRef>
         </p:style>
         <p:txBody>
-          <a:bodyPr rtlCol="0" anchor="t"/>
+          <a:bodyPr lIns="36000" tIns="18000" rIns="0" bIns="0" rtlCol="0" anchor="t"/>
           <a:lstStyle/>
           <a:p>
             <a:r>
-              <a:rPr lang="en-US" sz="1000">
+              <a:rPr lang="en-US" sz="800">
                 <a:solidFill>
                   <a:schemeClr val="tx1">
                     <a:lumMod val="75000"/>
@@ -20168,7 +20168,7 @@
               </a:rPr>
               <a:t>bytes</a:t>
             </a:r>
-            <a:endParaRPr lang="de-DE" sz="1000">
+            <a:endParaRPr lang="de-DE" sz="800">
               <a:solidFill>
                 <a:schemeClr val="tx1">
                   <a:lumMod val="75000"/>
@@ -20196,8 +20196,8 @@
         </p:nvSpPr>
         <p:spPr>
           <a:xfrm>
-            <a:off x="1183869" y="3320674"/>
-            <a:ext cx="4252227" cy="252000"/>
+            <a:off x="953607" y="3400152"/>
+            <a:ext cx="4482490" cy="180000"/>
           </a:xfrm>
           <a:prstGeom prst="rect">
             <a:avLst/>
@@ -20226,11 +20226,11 @@
           </a:fontRef>
         </p:style>
         <p:txBody>
-          <a:bodyPr rtlCol="0" anchor="t"/>
+          <a:bodyPr lIns="36000" tIns="18000" rIns="0" bIns="0" rtlCol="0" anchor="t"/>
           <a:lstStyle/>
           <a:p>
             <a:r>
-              <a:rPr lang="en-US" sz="1000">
+              <a:rPr lang="en-US" sz="800">
                 <a:solidFill>
                   <a:schemeClr val="tx1">
                     <a:lumMod val="75000"/>
@@ -20243,7 +20243,7 @@
               </a:rPr>
               <a:t>The size of the file, in bytes.</a:t>
             </a:r>
-            <a:endParaRPr lang="de-DE" sz="1000">
+            <a:endParaRPr lang="de-DE" sz="800">
               <a:solidFill>
                 <a:schemeClr val="tx1">
                   <a:lumMod val="75000"/>
@@ -20271,8 +20271,8 @@
         </p:nvSpPr>
         <p:spPr>
           <a:xfrm>
-            <a:off x="251520" y="3613942"/>
-            <a:ext cx="901192" cy="252000"/>
+            <a:off x="251520" y="3610364"/>
+            <a:ext cx="671771" cy="180000"/>
           </a:xfrm>
           <a:prstGeom prst="rect">
             <a:avLst/>
@@ -20301,11 +20301,11 @@
           </a:fontRef>
         </p:style>
         <p:txBody>
-          <a:bodyPr rtlCol="0" anchor="t"/>
+          <a:bodyPr lIns="36000" tIns="18000" rIns="0" bIns="0" rtlCol="0" anchor="t"/>
           <a:lstStyle/>
           <a:p>
             <a:r>
-              <a:rPr lang="en-US" sz="1000">
+              <a:rPr lang="en-US" sz="800">
                 <a:solidFill>
                   <a:schemeClr val="tx1">
                     <a:lumMod val="75000"/>
@@ -20335,8 +20335,8 @@
         </p:nvSpPr>
         <p:spPr>
           <a:xfrm>
-            <a:off x="1183869" y="3613942"/>
-            <a:ext cx="4252227" cy="252000"/>
+            <a:off x="953607" y="3610364"/>
+            <a:ext cx="4482490" cy="180000"/>
           </a:xfrm>
           <a:prstGeom prst="rect">
             <a:avLst/>
@@ -20365,11 +20365,11 @@
           </a:fontRef>
         </p:style>
         <p:txBody>
-          <a:bodyPr rtlCol="0" anchor="t"/>
+          <a:bodyPr lIns="36000" tIns="18000" rIns="0" bIns="0" rtlCol="0" anchor="t"/>
           <a:lstStyle/>
           <a:p>
             <a:r>
-              <a:rPr lang="en-US" sz="1000">
+              <a:rPr lang="en-US" sz="800">
                 <a:solidFill>
                   <a:schemeClr val="tx1">
                     <a:lumMod val="75000"/>
@@ -20382,7 +20382,7 @@
               </a:rPr>
               <a:t>The Unix timestamp (in seconds) for when the file was created.</a:t>
             </a:r>
-            <a:endParaRPr lang="de-DE" sz="1000">
+            <a:endParaRPr lang="de-DE" sz="800">
               <a:solidFill>
                 <a:schemeClr val="tx1">
                   <a:lumMod val="75000"/>
@@ -20396,36 +20396,6 @@
           </a:p>
         </p:txBody>
       </p:sp>
-      <p:pic>
-        <p:nvPicPr>
-          <p:cNvPr id="37" name="Picture 36">
-            <a:extLst>
-              <a:ext uri="{FF2B5EF4-FFF2-40B4-BE49-F238E27FC236}">
-                <a16:creationId xmlns:a16="http://schemas.microsoft.com/office/drawing/2014/main" id="{047150E4-6082-DF7F-1339-922F7EB7B3AF}"/>
-              </a:ext>
-            </a:extLst>
-          </p:cNvPr>
-          <p:cNvPicPr>
-            <a:picLocks noChangeAspect="1"/>
-          </p:cNvPicPr>
-          <p:nvPr/>
-        </p:nvPicPr>
-        <p:blipFill>
-          <a:blip r:embed="rId3"/>
-          <a:stretch>
-            <a:fillRect/>
-          </a:stretch>
-        </p:blipFill>
-        <p:spPr>
-          <a:xfrm>
-            <a:off x="5813188" y="3479003"/>
-            <a:ext cx="3079291" cy="1912012"/>
-          </a:xfrm>
-          <a:prstGeom prst="rect">
-            <a:avLst/>
-          </a:prstGeom>
-        </p:spPr>
-      </p:pic>
       <p:sp>
         <p:nvSpPr>
           <p:cNvPr id="38" name="Rectangle 37">
@@ -20855,8 +20825,8 @@
         </p:nvSpPr>
         <p:spPr>
           <a:xfrm>
-            <a:off x="251520" y="3907210"/>
-            <a:ext cx="901192" cy="252000"/>
+            <a:off x="251520" y="3820576"/>
+            <a:ext cx="671771" cy="180000"/>
           </a:xfrm>
           <a:prstGeom prst="rect">
             <a:avLst/>
@@ -20885,11 +20855,11 @@
           </a:fontRef>
         </p:style>
         <p:txBody>
-          <a:bodyPr rtlCol="0" anchor="t"/>
+          <a:bodyPr lIns="36000" tIns="18000" rIns="0" bIns="0" rtlCol="0" anchor="t"/>
           <a:lstStyle/>
           <a:p>
             <a:r>
-              <a:rPr lang="en-US" sz="1000">
+              <a:rPr lang="en-US" sz="800">
                 <a:solidFill>
                   <a:schemeClr val="tx1">
                     <a:lumMod val="65000"/>
@@ -20900,7 +20870,7 @@
               </a:rPr>
               <a:t>expires_at</a:t>
             </a:r>
-            <a:endParaRPr lang="en-CA" sz="1000">
+            <a:endParaRPr lang="en-CA" sz="800">
               <a:solidFill>
                 <a:schemeClr val="tx1">
                   <a:lumMod val="65000"/>
@@ -20926,8 +20896,8 @@
         </p:nvSpPr>
         <p:spPr>
           <a:xfrm>
-            <a:off x="1183869" y="3907210"/>
-            <a:ext cx="4252227" cy="252000"/>
+            <a:off x="953607" y="3820576"/>
+            <a:ext cx="4482490" cy="180000"/>
           </a:xfrm>
           <a:prstGeom prst="rect">
             <a:avLst/>
@@ -20956,11 +20926,11 @@
           </a:fontRef>
         </p:style>
         <p:txBody>
-          <a:bodyPr rtlCol="0" anchor="t"/>
+          <a:bodyPr lIns="36000" tIns="18000" rIns="0" bIns="0" rtlCol="0" anchor="t"/>
           <a:lstStyle/>
           <a:p>
             <a:r>
-              <a:rPr lang="en-US" sz="1000">
+              <a:rPr lang="en-US" sz="800">
                 <a:solidFill>
                   <a:schemeClr val="tx1">
                     <a:lumMod val="75000"/>
@@ -20973,7 +20943,7 @@
               </a:rPr>
               <a:t>The Unix timestamp (in seconds) for when the file will expire. Only used in vector stores.</a:t>
             </a:r>
-            <a:endParaRPr lang="de-DE" sz="1000">
+            <a:endParaRPr lang="de-DE" sz="800">
               <a:solidFill>
                 <a:schemeClr val="tx1">
                   <a:lumMod val="75000"/>
@@ -21001,8 +20971,8 @@
         </p:nvSpPr>
         <p:spPr>
           <a:xfrm>
-            <a:off x="251520" y="4200478"/>
-            <a:ext cx="901192" cy="252000"/>
+            <a:off x="251520" y="4030788"/>
+            <a:ext cx="671771" cy="180000"/>
           </a:xfrm>
           <a:prstGeom prst="rect">
             <a:avLst/>
@@ -21031,11 +21001,11 @@
           </a:fontRef>
         </p:style>
         <p:txBody>
-          <a:bodyPr rtlCol="0" anchor="t"/>
+          <a:bodyPr lIns="36000" tIns="18000" rIns="0" bIns="0" rtlCol="0" anchor="t"/>
           <a:lstStyle/>
           <a:p>
             <a:r>
-              <a:rPr lang="en-US" sz="1000">
+              <a:rPr lang="en-US" sz="800">
                 <a:solidFill>
                   <a:schemeClr val="tx1">
                     <a:lumMod val="65000"/>
@@ -21046,7 +21016,7 @@
               </a:rPr>
               <a:t>object</a:t>
             </a:r>
-            <a:endParaRPr lang="en-CA" sz="1000">
+            <a:endParaRPr lang="en-CA" sz="800">
               <a:solidFill>
                 <a:schemeClr val="tx1">
                   <a:lumMod val="65000"/>
@@ -21072,8 +21042,8 @@
         </p:nvSpPr>
         <p:spPr>
           <a:xfrm>
-            <a:off x="1183869" y="4200478"/>
-            <a:ext cx="4252227" cy="252000"/>
+            <a:off x="953607" y="4030788"/>
+            <a:ext cx="4482490" cy="180000"/>
           </a:xfrm>
           <a:prstGeom prst="rect">
             <a:avLst/>
@@ -21102,11 +21072,11 @@
           </a:fontRef>
         </p:style>
         <p:txBody>
-          <a:bodyPr rtlCol="0" anchor="t"/>
+          <a:bodyPr lIns="36000" tIns="18000" rIns="0" bIns="0" rtlCol="0" anchor="t"/>
           <a:lstStyle/>
           <a:p>
             <a:r>
-              <a:rPr lang="en-US" sz="1000">
+              <a:rPr lang="en-US" sz="800">
                 <a:solidFill>
                   <a:schemeClr val="tx1">
                     <a:lumMod val="75000"/>
@@ -21120,7 +21090,7 @@
               <a:t>The object type, which is always </a:t>
             </a:r>
             <a:r>
-              <a:rPr lang="en-US" sz="1000" u="sng">
+              <a:rPr lang="en-US" sz="800" u="sng">
                 <a:solidFill>
                   <a:schemeClr val="tx1">
                     <a:lumMod val="75000"/>
@@ -21134,7 +21104,7 @@
               <a:t>file</a:t>
             </a:r>
             <a:r>
-              <a:rPr lang="en-US" sz="1000">
+              <a:rPr lang="en-US" sz="800">
                 <a:solidFill>
                   <a:schemeClr val="tx1">
                     <a:lumMod val="75000"/>
@@ -21147,7 +21117,7 @@
               </a:rPr>
               <a:t>.</a:t>
             </a:r>
-            <a:endParaRPr lang="de-DE" sz="1000">
+            <a:endParaRPr lang="de-DE" sz="800">
               <a:solidFill>
                 <a:schemeClr val="tx1">
                   <a:lumMod val="75000"/>
@@ -21175,8 +21145,8 @@
         </p:nvSpPr>
         <p:spPr>
           <a:xfrm>
-            <a:off x="251520" y="4489695"/>
-            <a:ext cx="901192" cy="424910"/>
+            <a:off x="251520" y="4241000"/>
+            <a:ext cx="671771" cy="306333"/>
           </a:xfrm>
           <a:prstGeom prst="rect">
             <a:avLst/>
@@ -21205,11 +21175,11 @@
           </a:fontRef>
         </p:style>
         <p:txBody>
-          <a:bodyPr rtlCol="0" anchor="t"/>
+          <a:bodyPr lIns="36000" tIns="18000" rIns="0" bIns="0" rtlCol="0" anchor="t"/>
           <a:lstStyle/>
           <a:p>
             <a:r>
-              <a:rPr lang="en-US" sz="1000">
+              <a:rPr lang="en-US" sz="800">
                 <a:solidFill>
                   <a:schemeClr val="tx1">
                     <a:lumMod val="65000"/>
@@ -21220,7 +21190,7 @@
               </a:rPr>
               <a:t>purpose</a:t>
             </a:r>
-            <a:endParaRPr lang="en-CA" sz="1000">
+            <a:endParaRPr lang="en-CA" sz="800">
               <a:solidFill>
                 <a:schemeClr val="tx1">
                   <a:lumMod val="65000"/>
@@ -21246,8 +21216,8 @@
         </p:nvSpPr>
         <p:spPr>
           <a:xfrm>
-            <a:off x="1183869" y="4489695"/>
-            <a:ext cx="4252227" cy="424910"/>
+            <a:off x="953607" y="4241000"/>
+            <a:ext cx="4482490" cy="306333"/>
           </a:xfrm>
           <a:prstGeom prst="rect">
             <a:avLst/>
@@ -21276,229 +21246,29 @@
           </a:fontRef>
         </p:style>
         <p:txBody>
-          <a:bodyPr rtlCol="0" anchor="t"/>
+          <a:bodyPr lIns="36000" tIns="18000" rIns="0" bIns="0" rtlCol="0" anchor="t"/>
           <a:lstStyle/>
           <a:p>
             <a:r>
-              <a:rPr lang="en-US" sz="1000">
+              <a:rPr lang="en-US" sz="800">
                 <a:solidFill>
                   <a:schemeClr val="tx1">
-                    <a:lumMod val="75000"/>
-                    <a:lumOff val="25000"/>
+                    <a:lumMod val="65000"/>
+                    <a:lumOff val="35000"/>
                   </a:schemeClr>
                 </a:solidFill>
                 <a:latin typeface="Arial Narrow" panose="020B0606020202030204" pitchFamily="34" charset="0"/>
-                <a:ea typeface="Open Sans Condensed" panose="020B0806030504020204" pitchFamily="34" charset="0"/>
-                <a:cs typeface="Open Sans Condensed" panose="020B0806030504020204" pitchFamily="34" charset="0"/>
               </a:rPr>
-              <a:t>The intended purpose of the file. Supported values are </a:t>
+              <a:t>The intended purpose of the file. Supported values are assistants, assistants_output, batch, batch_output, fine-tune, fine-tune-results and vision.</a:t>
             </a:r>
-            <a:r>
-              <a:rPr lang="en-US" sz="1000" u="sng">
-                <a:solidFill>
-                  <a:schemeClr val="tx1">
-                    <a:lumMod val="75000"/>
-                    <a:lumOff val="25000"/>
-                  </a:schemeClr>
-                </a:solidFill>
-                <a:latin typeface="Arial Narrow" panose="020B0606020202030204" pitchFamily="34" charset="0"/>
-                <a:ea typeface="Open Sans Condensed" panose="020B0806030504020204" pitchFamily="34" charset="0"/>
-                <a:cs typeface="Open Sans Condensed" panose="020B0806030504020204" pitchFamily="34" charset="0"/>
-              </a:rPr>
-              <a:t>assistants</a:t>
-            </a:r>
-            <a:r>
-              <a:rPr lang="en-US" sz="1000">
-                <a:solidFill>
-                  <a:schemeClr val="tx1">
-                    <a:lumMod val="75000"/>
-                    <a:lumOff val="25000"/>
-                  </a:schemeClr>
-                </a:solidFill>
-                <a:latin typeface="Arial Narrow" panose="020B0606020202030204" pitchFamily="34" charset="0"/>
-                <a:ea typeface="Open Sans Condensed" panose="020B0806030504020204" pitchFamily="34" charset="0"/>
-                <a:cs typeface="Open Sans Condensed" panose="020B0806030504020204" pitchFamily="34" charset="0"/>
-              </a:rPr>
-              <a:t>, </a:t>
-            </a:r>
-            <a:r>
-              <a:rPr lang="en-US" sz="1000" u="sng">
-                <a:solidFill>
-                  <a:schemeClr val="tx1">
-                    <a:lumMod val="75000"/>
-                    <a:lumOff val="25000"/>
-                  </a:schemeClr>
-                </a:solidFill>
-                <a:latin typeface="Arial Narrow" panose="020B0606020202030204" pitchFamily="34" charset="0"/>
-                <a:ea typeface="Open Sans Condensed" panose="020B0806030504020204" pitchFamily="34" charset="0"/>
-                <a:cs typeface="Open Sans Condensed" panose="020B0806030504020204" pitchFamily="34" charset="0"/>
-              </a:rPr>
-              <a:t>assistants_output</a:t>
-            </a:r>
-            <a:r>
-              <a:rPr lang="en-US" sz="1000">
-                <a:solidFill>
-                  <a:schemeClr val="tx1">
-                    <a:lumMod val="75000"/>
-                    <a:lumOff val="25000"/>
-                  </a:schemeClr>
-                </a:solidFill>
-                <a:latin typeface="Arial Narrow" panose="020B0606020202030204" pitchFamily="34" charset="0"/>
-                <a:ea typeface="Open Sans Condensed" panose="020B0806030504020204" pitchFamily="34" charset="0"/>
-                <a:cs typeface="Open Sans Condensed" panose="020B0806030504020204" pitchFamily="34" charset="0"/>
-              </a:rPr>
-              <a:t>, </a:t>
-            </a:r>
-            <a:r>
-              <a:rPr lang="en-US" sz="1000" u="sng">
-                <a:solidFill>
-                  <a:schemeClr val="tx1">
-                    <a:lumMod val="75000"/>
-                    <a:lumOff val="25000"/>
-                  </a:schemeClr>
-                </a:solidFill>
-                <a:latin typeface="Arial Narrow" panose="020B0606020202030204" pitchFamily="34" charset="0"/>
-                <a:ea typeface="Open Sans Condensed" panose="020B0806030504020204" pitchFamily="34" charset="0"/>
-                <a:cs typeface="Open Sans Condensed" panose="020B0806030504020204" pitchFamily="34" charset="0"/>
-              </a:rPr>
-              <a:t>batch</a:t>
-            </a:r>
-            <a:r>
-              <a:rPr lang="en-US" sz="1000">
-                <a:solidFill>
-                  <a:schemeClr val="tx1">
-                    <a:lumMod val="75000"/>
-                    <a:lumOff val="25000"/>
-                  </a:schemeClr>
-                </a:solidFill>
-                <a:latin typeface="Arial Narrow" panose="020B0606020202030204" pitchFamily="34" charset="0"/>
-                <a:ea typeface="Open Sans Condensed" panose="020B0806030504020204" pitchFamily="34" charset="0"/>
-                <a:cs typeface="Open Sans Condensed" panose="020B0806030504020204" pitchFamily="34" charset="0"/>
-              </a:rPr>
-              <a:t>, </a:t>
-            </a:r>
-            <a:r>
-              <a:rPr lang="en-US" sz="1000" u="sng">
-                <a:solidFill>
-                  <a:schemeClr val="tx1">
-                    <a:lumMod val="75000"/>
-                    <a:lumOff val="25000"/>
-                  </a:schemeClr>
-                </a:solidFill>
-                <a:latin typeface="Arial Narrow" panose="020B0606020202030204" pitchFamily="34" charset="0"/>
-                <a:ea typeface="Open Sans Condensed" panose="020B0806030504020204" pitchFamily="34" charset="0"/>
-                <a:cs typeface="Open Sans Condensed" panose="020B0806030504020204" pitchFamily="34" charset="0"/>
-              </a:rPr>
-              <a:t>batch_output</a:t>
-            </a:r>
-            <a:r>
-              <a:rPr lang="en-US" sz="1000">
-                <a:solidFill>
-                  <a:schemeClr val="tx1">
-                    <a:lumMod val="75000"/>
-                    <a:lumOff val="25000"/>
-                  </a:schemeClr>
-                </a:solidFill>
-                <a:latin typeface="Arial Narrow" panose="020B0606020202030204" pitchFamily="34" charset="0"/>
-                <a:ea typeface="Open Sans Condensed" panose="020B0806030504020204" pitchFamily="34" charset="0"/>
-                <a:cs typeface="Open Sans Condensed" panose="020B0806030504020204" pitchFamily="34" charset="0"/>
-              </a:rPr>
-              <a:t>, </a:t>
-            </a:r>
-            <a:r>
-              <a:rPr lang="en-US" sz="1000" u="sng">
-                <a:solidFill>
-                  <a:schemeClr val="tx1">
-                    <a:lumMod val="75000"/>
-                    <a:lumOff val="25000"/>
-                  </a:schemeClr>
-                </a:solidFill>
-                <a:latin typeface="Arial Narrow" panose="020B0606020202030204" pitchFamily="34" charset="0"/>
-                <a:ea typeface="Open Sans Condensed" panose="020B0806030504020204" pitchFamily="34" charset="0"/>
-                <a:cs typeface="Open Sans Condensed" panose="020B0806030504020204" pitchFamily="34" charset="0"/>
-              </a:rPr>
-              <a:t>fine-tune</a:t>
-            </a:r>
-            <a:r>
-              <a:rPr lang="en-US" sz="1000">
-                <a:solidFill>
-                  <a:schemeClr val="tx1">
-                    <a:lumMod val="75000"/>
-                    <a:lumOff val="25000"/>
-                  </a:schemeClr>
-                </a:solidFill>
-                <a:latin typeface="Arial Narrow" panose="020B0606020202030204" pitchFamily="34" charset="0"/>
-                <a:ea typeface="Open Sans Condensed" panose="020B0806030504020204" pitchFamily="34" charset="0"/>
-                <a:cs typeface="Open Sans Condensed" panose="020B0806030504020204" pitchFamily="34" charset="0"/>
-              </a:rPr>
-              <a:t>, </a:t>
-            </a:r>
-            <a:r>
-              <a:rPr lang="en-US" sz="1000" u="sng">
-                <a:solidFill>
-                  <a:schemeClr val="tx1">
-                    <a:lumMod val="75000"/>
-                    <a:lumOff val="25000"/>
-                  </a:schemeClr>
-                </a:solidFill>
-                <a:latin typeface="Arial Narrow" panose="020B0606020202030204" pitchFamily="34" charset="0"/>
-                <a:ea typeface="Open Sans Condensed" panose="020B0806030504020204" pitchFamily="34" charset="0"/>
-                <a:cs typeface="Open Sans Condensed" panose="020B0806030504020204" pitchFamily="34" charset="0"/>
-              </a:rPr>
-              <a:t>fine-tune-results</a:t>
-            </a:r>
-            <a:r>
-              <a:rPr lang="en-US" sz="1000">
-                <a:solidFill>
-                  <a:schemeClr val="tx1">
-                    <a:lumMod val="75000"/>
-                    <a:lumOff val="25000"/>
-                  </a:schemeClr>
-                </a:solidFill>
-                <a:latin typeface="Arial Narrow" panose="020B0606020202030204" pitchFamily="34" charset="0"/>
-                <a:ea typeface="Open Sans Condensed" panose="020B0806030504020204" pitchFamily="34" charset="0"/>
-                <a:cs typeface="Open Sans Condensed" panose="020B0806030504020204" pitchFamily="34" charset="0"/>
-              </a:rPr>
-              <a:t> and </a:t>
-            </a:r>
-            <a:r>
-              <a:rPr lang="en-US" sz="1000" u="sng">
-                <a:solidFill>
-                  <a:schemeClr val="tx1">
-                    <a:lumMod val="75000"/>
-                    <a:lumOff val="25000"/>
-                  </a:schemeClr>
-                </a:solidFill>
-                <a:latin typeface="Arial Narrow" panose="020B0606020202030204" pitchFamily="34" charset="0"/>
-                <a:ea typeface="Open Sans Condensed" panose="020B0806030504020204" pitchFamily="34" charset="0"/>
-                <a:cs typeface="Open Sans Condensed" panose="020B0806030504020204" pitchFamily="34" charset="0"/>
-              </a:rPr>
-              <a:t>vision</a:t>
-            </a:r>
-            <a:r>
-              <a:rPr lang="en-US" sz="1000">
-                <a:solidFill>
-                  <a:schemeClr val="tx1">
-                    <a:lumMod val="75000"/>
-                    <a:lumOff val="25000"/>
-                  </a:schemeClr>
-                </a:solidFill>
-                <a:latin typeface="Arial Narrow" panose="020B0606020202030204" pitchFamily="34" charset="0"/>
-                <a:ea typeface="Open Sans Condensed" panose="020B0806030504020204" pitchFamily="34" charset="0"/>
-                <a:cs typeface="Open Sans Condensed" panose="020B0806030504020204" pitchFamily="34" charset="0"/>
-              </a:rPr>
-              <a:t>.</a:t>
-            </a:r>
-            <a:endParaRPr lang="de-DE" sz="1000">
+            <a:endParaRPr lang="de-DE" sz="800">
               <a:solidFill>
                 <a:schemeClr val="tx1">
-                  <a:lumMod val="75000"/>
-                  <a:lumOff val="25000"/>
+                  <a:lumMod val="65000"/>
+                  <a:lumOff val="35000"/>
                 </a:schemeClr>
               </a:solidFill>
               <a:latin typeface="Arial Narrow" panose="020B0606020202030204" pitchFamily="34" charset="0"/>
-              <a:ea typeface="Open Sans Condensed" panose="020B0806030504020204" pitchFamily="34" charset="0"/>
-              <a:cs typeface="Open Sans Condensed" panose="020B0806030504020204" pitchFamily="34" charset="0"/>
             </a:endParaRPr>
           </a:p>
         </p:txBody>
@@ -21517,8 +21287,8 @@
         </p:nvSpPr>
         <p:spPr>
           <a:xfrm>
-            <a:off x="251520" y="4947197"/>
-            <a:ext cx="901192" cy="424910"/>
+            <a:off x="251520" y="4577545"/>
+            <a:ext cx="671771" cy="180000"/>
           </a:xfrm>
           <a:prstGeom prst="rect">
             <a:avLst/>
@@ -21547,11 +21317,11 @@
           </a:fontRef>
         </p:style>
         <p:txBody>
-          <a:bodyPr rtlCol="0" anchor="t"/>
+          <a:bodyPr lIns="36000" tIns="18000" rIns="0" bIns="0" rtlCol="0" anchor="t"/>
           <a:lstStyle/>
           <a:p>
             <a:r>
-              <a:rPr lang="en-US" sz="1000">
+              <a:rPr lang="en-US" sz="800">
                 <a:solidFill>
                   <a:schemeClr val="tx1">
                     <a:lumMod val="65000"/>
@@ -21562,7 +21332,7 @@
               </a:rPr>
               <a:t>status</a:t>
             </a:r>
-            <a:endParaRPr lang="en-CA" sz="1000">
+            <a:endParaRPr lang="en-CA" sz="800">
               <a:solidFill>
                 <a:schemeClr val="tx1">
                   <a:lumMod val="65000"/>
@@ -21588,8 +21358,8 @@
         </p:nvSpPr>
         <p:spPr>
           <a:xfrm>
-            <a:off x="1183869" y="4947197"/>
-            <a:ext cx="4252227" cy="424910"/>
+            <a:off x="953607" y="4577545"/>
+            <a:ext cx="4482490" cy="180000"/>
           </a:xfrm>
           <a:prstGeom prst="rect">
             <a:avLst/>
@@ -21618,117 +21388,29 @@
           </a:fontRef>
         </p:style>
         <p:txBody>
-          <a:bodyPr rtlCol="0" anchor="t"/>
+          <a:bodyPr lIns="36000" tIns="18000" rIns="0" bIns="0" rtlCol="0" anchor="t"/>
           <a:lstStyle/>
           <a:p>
             <a:r>
-              <a:rPr lang="en-US" sz="1000">
+              <a:rPr lang="en-US" sz="800">
                 <a:solidFill>
                   <a:schemeClr val="tx1">
-                    <a:lumMod val="75000"/>
-                    <a:lumOff val="25000"/>
+                    <a:lumMod val="65000"/>
+                    <a:lumOff val="35000"/>
                   </a:schemeClr>
                 </a:solidFill>
                 <a:latin typeface="Arial Narrow" panose="020B0606020202030204" pitchFamily="34" charset="0"/>
-                <a:ea typeface="Open Sans Condensed" panose="020B0806030504020204" pitchFamily="34" charset="0"/>
-                <a:cs typeface="Open Sans Condensed" panose="020B0806030504020204" pitchFamily="34" charset="0"/>
               </a:rPr>
-              <a:t>Deprecated. The current status of the file, which can be either </a:t>
+              <a:t>Deprecated. The current status of the file, which can be either uploaded, processed, or error.</a:t>
             </a:r>
-            <a:r>
-              <a:rPr lang="en-US" sz="1000" u="sng">
-                <a:solidFill>
-                  <a:schemeClr val="tx1">
-                    <a:lumMod val="75000"/>
-                    <a:lumOff val="25000"/>
-                  </a:schemeClr>
-                </a:solidFill>
-                <a:latin typeface="Arial Narrow" panose="020B0606020202030204" pitchFamily="34" charset="0"/>
-                <a:ea typeface="Open Sans Condensed" panose="020B0806030504020204" pitchFamily="34" charset="0"/>
-                <a:cs typeface="Open Sans Condensed" panose="020B0806030504020204" pitchFamily="34" charset="0"/>
-              </a:rPr>
-              <a:t>uploaded</a:t>
-            </a:r>
-            <a:r>
-              <a:rPr lang="en-US" sz="1000">
-                <a:solidFill>
-                  <a:schemeClr val="tx1">
-                    <a:lumMod val="75000"/>
-                    <a:lumOff val="25000"/>
-                  </a:schemeClr>
-                </a:solidFill>
-                <a:latin typeface="Arial Narrow" panose="020B0606020202030204" pitchFamily="34" charset="0"/>
-                <a:ea typeface="Open Sans Condensed" panose="020B0806030504020204" pitchFamily="34" charset="0"/>
-                <a:cs typeface="Open Sans Condensed" panose="020B0806030504020204" pitchFamily="34" charset="0"/>
-              </a:rPr>
-              <a:t>, </a:t>
-            </a:r>
-            <a:r>
-              <a:rPr lang="en-US" sz="1000" u="sng">
-                <a:solidFill>
-                  <a:schemeClr val="tx1">
-                    <a:lumMod val="75000"/>
-                    <a:lumOff val="25000"/>
-                  </a:schemeClr>
-                </a:solidFill>
-                <a:latin typeface="Arial Narrow" panose="020B0606020202030204" pitchFamily="34" charset="0"/>
-                <a:ea typeface="Open Sans Condensed" panose="020B0806030504020204" pitchFamily="34" charset="0"/>
-                <a:cs typeface="Open Sans Condensed" panose="020B0806030504020204" pitchFamily="34" charset="0"/>
-              </a:rPr>
-              <a:t>processed</a:t>
-            </a:r>
-            <a:r>
-              <a:rPr lang="en-US" sz="1000">
-                <a:solidFill>
-                  <a:schemeClr val="tx1">
-                    <a:lumMod val="75000"/>
-                    <a:lumOff val="25000"/>
-                  </a:schemeClr>
-                </a:solidFill>
-                <a:latin typeface="Arial Narrow" panose="020B0606020202030204" pitchFamily="34" charset="0"/>
-                <a:ea typeface="Open Sans Condensed" panose="020B0806030504020204" pitchFamily="34" charset="0"/>
-                <a:cs typeface="Open Sans Condensed" panose="020B0806030504020204" pitchFamily="34" charset="0"/>
-              </a:rPr>
-              <a:t>, or </a:t>
-            </a:r>
-            <a:r>
-              <a:rPr lang="en-US" sz="1000" u="sng">
-                <a:solidFill>
-                  <a:schemeClr val="tx1">
-                    <a:lumMod val="75000"/>
-                    <a:lumOff val="25000"/>
-                  </a:schemeClr>
-                </a:solidFill>
-                <a:latin typeface="Arial Narrow" panose="020B0606020202030204" pitchFamily="34" charset="0"/>
-                <a:ea typeface="Open Sans Condensed" panose="020B0806030504020204" pitchFamily="34" charset="0"/>
-                <a:cs typeface="Open Sans Condensed" panose="020B0806030504020204" pitchFamily="34" charset="0"/>
-              </a:rPr>
-              <a:t>error</a:t>
-            </a:r>
-            <a:r>
-              <a:rPr lang="en-US" sz="1000">
-                <a:solidFill>
-                  <a:schemeClr val="tx1">
-                    <a:lumMod val="75000"/>
-                    <a:lumOff val="25000"/>
-                  </a:schemeClr>
-                </a:solidFill>
-                <a:latin typeface="Arial Narrow" panose="020B0606020202030204" pitchFamily="34" charset="0"/>
-                <a:ea typeface="Open Sans Condensed" panose="020B0806030504020204" pitchFamily="34" charset="0"/>
-                <a:cs typeface="Open Sans Condensed" panose="020B0806030504020204" pitchFamily="34" charset="0"/>
-              </a:rPr>
-              <a:t>.</a:t>
-            </a:r>
-            <a:endParaRPr lang="de-DE" sz="1000">
+            <a:endParaRPr lang="de-DE" sz="800">
               <a:solidFill>
                 <a:schemeClr val="tx1">
-                  <a:lumMod val="75000"/>
-                  <a:lumOff val="25000"/>
+                  <a:lumMod val="65000"/>
+                  <a:lumOff val="35000"/>
                 </a:schemeClr>
               </a:solidFill>
               <a:latin typeface="Arial Narrow" panose="020B0606020202030204" pitchFamily="34" charset="0"/>
-              <a:ea typeface="Open Sans Condensed" panose="020B0806030504020204" pitchFamily="34" charset="0"/>
-              <a:cs typeface="Open Sans Condensed" panose="020B0806030504020204" pitchFamily="34" charset="0"/>
             </a:endParaRPr>
           </a:p>
         </p:txBody>
@@ -21768,7 +21450,7 @@
                   <a:srgbClr val="005AB4"/>
                 </a:solidFill>
                 <a:latin typeface="Arial Narrow" panose="020B0606020202030204" pitchFamily="34" charset="0"/>
-                <a:hlinkClick r:id="rId4"/>
+                <a:hlinkClick r:id="rId3"/>
               </a:rPr>
               <a:t>https://platform.openai.com/docs/api-reference/files</a:t>
             </a:r>
@@ -21975,6 +21657,280 @@
                 <a:srgbClr val="005AB4"/>
               </a:solidFill>
               <a:latin typeface="Arial Narrow" panose="020B0606020202030204" pitchFamily="34" charset="0"/>
+            </a:endParaRPr>
+          </a:p>
+        </p:txBody>
+      </p:sp>
+      <p:sp>
+        <p:nvSpPr>
+          <p:cNvPr id="2" name="Rectangle 1">
+            <a:extLst>
+              <a:ext uri="{FF2B5EF4-FFF2-40B4-BE49-F238E27FC236}">
+                <a16:creationId xmlns:a16="http://schemas.microsoft.com/office/drawing/2014/main" id="{F85246A7-722E-7808-C0A0-54888A25A597}"/>
+              </a:ext>
+            </a:extLst>
+          </p:cNvPr>
+          <p:cNvSpPr/>
+          <p:nvPr/>
+        </p:nvSpPr>
+        <p:spPr>
+          <a:xfrm>
+            <a:off x="251520" y="2972550"/>
+            <a:ext cx="671771" cy="180000"/>
+          </a:xfrm>
+          <a:prstGeom prst="rect">
+            <a:avLst/>
+          </a:prstGeom>
+          <a:solidFill>
+            <a:srgbClr val="EBEEEF"/>
+          </a:solidFill>
+          <a:ln>
+            <a:noFill/>
+          </a:ln>
+        </p:spPr>
+        <p:style>
+          <a:lnRef idx="2">
+            <a:schemeClr val="accent1">
+              <a:shade val="50000"/>
+            </a:schemeClr>
+          </a:lnRef>
+          <a:fillRef idx="1">
+            <a:schemeClr val="accent1"/>
+          </a:fillRef>
+          <a:effectRef idx="0">
+            <a:schemeClr val="accent1"/>
+          </a:effectRef>
+          <a:fontRef idx="minor">
+            <a:schemeClr val="lt1"/>
+          </a:fontRef>
+        </p:style>
+        <p:txBody>
+          <a:bodyPr lIns="36000" tIns="18000" rIns="0" bIns="0" rtlCol="0" anchor="t"/>
+          <a:lstStyle/>
+          <a:p>
+            <a:r>
+              <a:rPr lang="en-US" sz="800">
+                <a:solidFill>
+                  <a:schemeClr val="tx1">
+                    <a:lumMod val="75000"/>
+                    <a:lumOff val="25000"/>
+                  </a:schemeClr>
+                </a:solidFill>
+                <a:latin typeface="Arial Narrow" panose="020B0606020202030204" pitchFamily="34" charset="0"/>
+                <a:ea typeface="Open Sans Condensed" panose="020B0806030504020204" pitchFamily="34" charset="0"/>
+                <a:cs typeface="Open Sans Condensed" panose="020B0806030504020204" pitchFamily="34" charset="0"/>
+              </a:rPr>
+              <a:t>filename</a:t>
+            </a:r>
+            <a:endParaRPr lang="de-DE" sz="800">
+              <a:solidFill>
+                <a:schemeClr val="tx1">
+                  <a:lumMod val="75000"/>
+                  <a:lumOff val="25000"/>
+                </a:schemeClr>
+              </a:solidFill>
+              <a:latin typeface="Arial Narrow" panose="020B0606020202030204" pitchFamily="34" charset="0"/>
+              <a:ea typeface="Open Sans Condensed" panose="020B0806030504020204" pitchFamily="34" charset="0"/>
+              <a:cs typeface="Open Sans Condensed" panose="020B0806030504020204" pitchFamily="34" charset="0"/>
+            </a:endParaRPr>
+          </a:p>
+        </p:txBody>
+      </p:sp>
+      <p:sp>
+        <p:nvSpPr>
+          <p:cNvPr id="3" name="Rectangle 2">
+            <a:extLst>
+              <a:ext uri="{FF2B5EF4-FFF2-40B4-BE49-F238E27FC236}">
+                <a16:creationId xmlns:a16="http://schemas.microsoft.com/office/drawing/2014/main" id="{F6F524CC-2141-B6CF-6F0E-064633E58578}"/>
+              </a:ext>
+            </a:extLst>
+          </p:cNvPr>
+          <p:cNvSpPr/>
+          <p:nvPr/>
+        </p:nvSpPr>
+        <p:spPr>
+          <a:xfrm>
+            <a:off x="953607" y="2972550"/>
+            <a:ext cx="4482490" cy="180000"/>
+          </a:xfrm>
+          <a:prstGeom prst="rect">
+            <a:avLst/>
+          </a:prstGeom>
+          <a:solidFill>
+            <a:srgbClr val="EBEEEF"/>
+          </a:solidFill>
+          <a:ln>
+            <a:noFill/>
+          </a:ln>
+        </p:spPr>
+        <p:style>
+          <a:lnRef idx="2">
+            <a:schemeClr val="accent1">
+              <a:shade val="50000"/>
+            </a:schemeClr>
+          </a:lnRef>
+          <a:fillRef idx="1">
+            <a:schemeClr val="accent1"/>
+          </a:fillRef>
+          <a:effectRef idx="0">
+            <a:schemeClr val="accent1"/>
+          </a:effectRef>
+          <a:fontRef idx="minor">
+            <a:schemeClr val="lt1"/>
+          </a:fontRef>
+        </p:style>
+        <p:txBody>
+          <a:bodyPr lIns="36000" tIns="18000" rIns="0" bIns="0" rtlCol="0" anchor="t"/>
+          <a:lstStyle/>
+          <a:p>
+            <a:r>
+              <a:rPr lang="en-US" sz="800">
+                <a:solidFill>
+                  <a:schemeClr val="tx1">
+                    <a:lumMod val="75000"/>
+                    <a:lumOff val="25000"/>
+                  </a:schemeClr>
+                </a:solidFill>
+                <a:latin typeface="Arial Narrow" panose="020B0606020202030204" pitchFamily="34" charset="0"/>
+                <a:ea typeface="Open Sans Condensed" panose="020B0806030504020204" pitchFamily="34" charset="0"/>
+                <a:cs typeface="Open Sans Condensed" panose="020B0806030504020204" pitchFamily="34" charset="0"/>
+              </a:rPr>
+              <a:t>The name of the file</a:t>
+            </a:r>
+            <a:endParaRPr lang="de-DE" sz="800">
+              <a:solidFill>
+                <a:schemeClr val="tx1">
+                  <a:lumMod val="75000"/>
+                  <a:lumOff val="25000"/>
+                </a:schemeClr>
+              </a:solidFill>
+              <a:latin typeface="Arial Narrow" panose="020B0606020202030204" pitchFamily="34" charset="0"/>
+              <a:ea typeface="Open Sans Condensed" panose="020B0806030504020204" pitchFamily="34" charset="0"/>
+              <a:cs typeface="Open Sans Condensed" panose="020B0806030504020204" pitchFamily="34" charset="0"/>
+            </a:endParaRPr>
+          </a:p>
+        </p:txBody>
+      </p:sp>
+      <p:sp>
+        <p:nvSpPr>
+          <p:cNvPr id="107" name="Rectangle 106">
+            <a:extLst>
+              <a:ext uri="{FF2B5EF4-FFF2-40B4-BE49-F238E27FC236}">
+                <a16:creationId xmlns:a16="http://schemas.microsoft.com/office/drawing/2014/main" id="{AA45D8FE-5612-39E0-3E72-C70D774EB7F6}"/>
+              </a:ext>
+            </a:extLst>
+          </p:cNvPr>
+          <p:cNvSpPr/>
+          <p:nvPr/>
+        </p:nvSpPr>
+        <p:spPr>
+          <a:xfrm>
+            <a:off x="5793712" y="1514522"/>
+            <a:ext cx="2825763" cy="1080120"/>
+          </a:xfrm>
+          <a:prstGeom prst="rect">
+            <a:avLst/>
+          </a:prstGeom>
+          <a:solidFill>
+            <a:srgbClr val="A3B1B7">
+              <a:alpha val="9804"/>
+            </a:srgbClr>
+          </a:solidFill>
+          <a:ln w="12700">
+            <a:solidFill>
+              <a:srgbClr val="6D828B"/>
+            </a:solidFill>
+          </a:ln>
+        </p:spPr>
+        <p:style>
+          <a:lnRef idx="2">
+            <a:schemeClr val="accent1">
+              <a:shade val="50000"/>
+            </a:schemeClr>
+          </a:lnRef>
+          <a:fillRef idx="1">
+            <a:schemeClr val="accent1"/>
+          </a:fillRef>
+          <a:effectRef idx="0">
+            <a:schemeClr val="accent1"/>
+          </a:effectRef>
+          <a:fontRef idx="minor">
+            <a:schemeClr val="lt1"/>
+          </a:fontRef>
+        </p:style>
+        <p:txBody>
+          <a:bodyPr lIns="144000" rtlCol="0" anchor="t" anchorCtr="0"/>
+          <a:lstStyle/>
+          <a:p>
+            <a:r>
+              <a:rPr lang="de-DE" sz="1050">
+                <a:solidFill>
+                  <a:srgbClr val="455157"/>
+                </a:solidFill>
+                <a:latin typeface="Arial Narrow" panose="020B0606020202030204" pitchFamily="34" charset="0"/>
+                <a:ea typeface="Open Sans Condensed" panose="020B0806030504020204" pitchFamily="34" charset="0"/>
+                <a:cs typeface="Open Sans Condensed" panose="020B0806030504020204" pitchFamily="34" charset="0"/>
+              </a:rPr>
+              <a:t>Pricing:</a:t>
+            </a:r>
+          </a:p>
+          <a:p>
+            <a:pPr marL="171450" indent="-171450">
+              <a:buFont typeface="Wingdings" panose="05000000000000000000" pitchFamily="2" charset="2"/>
+              <a:buChar char="§"/>
+            </a:pPr>
+            <a:r>
+              <a:rPr lang="de-DE" sz="1050">
+                <a:solidFill>
+                  <a:srgbClr val="455157"/>
+                </a:solidFill>
+                <a:latin typeface="Arial Narrow" panose="020B0606020202030204" pitchFamily="34" charset="0"/>
+                <a:ea typeface="Open Sans Condensed" panose="020B0806030504020204" pitchFamily="34" charset="0"/>
+                <a:cs typeface="Open Sans Condensed" panose="020B0806030504020204" pitchFamily="34" charset="0"/>
+              </a:rPr>
+              <a:t>free up to 1GB total storage</a:t>
+            </a:r>
+          </a:p>
+          <a:p>
+            <a:pPr marL="171450" indent="-171450">
+              <a:buFont typeface="Wingdings" panose="05000000000000000000" pitchFamily="2" charset="2"/>
+              <a:buChar char="§"/>
+            </a:pPr>
+            <a:r>
+              <a:rPr lang="de-DE" sz="1050">
+                <a:solidFill>
+                  <a:srgbClr val="455157"/>
+                </a:solidFill>
+                <a:latin typeface="Arial Narrow" panose="020B0606020202030204" pitchFamily="34" charset="0"/>
+                <a:ea typeface="Open Sans Condensed" panose="020B0806030504020204" pitchFamily="34" charset="0"/>
+                <a:cs typeface="Open Sans Condensed" panose="020B0806030504020204" pitchFamily="34" charset="0"/>
+              </a:rPr>
+              <a:t>every additional 1 GB = $0.1 / day = $3 / month</a:t>
+            </a:r>
+          </a:p>
+          <a:p>
+            <a:pPr marL="171450" indent="-171450">
+              <a:buFont typeface="Wingdings" panose="05000000000000000000" pitchFamily="2" charset="2"/>
+              <a:buChar char="§"/>
+            </a:pPr>
+            <a:r>
+              <a:rPr lang="de-DE" sz="1050">
+                <a:solidFill>
+                  <a:srgbClr val="455157"/>
+                </a:solidFill>
+                <a:latin typeface="Arial Narrow" panose="020B0606020202030204" pitchFamily="34" charset="0"/>
+                <a:ea typeface="Open Sans Condensed" panose="020B0806030504020204" pitchFamily="34" charset="0"/>
+                <a:cs typeface="Open Sans Condensed" panose="020B0806030504020204" pitchFamily="34" charset="0"/>
+              </a:rPr>
+              <a:t>$2.5 per 1000 file_search tool calls</a:t>
+            </a:r>
+            <a:endParaRPr lang="de-DE" sz="1050" dirty="0">
+              <a:solidFill>
+                <a:srgbClr val="455157"/>
+              </a:solidFill>
+              <a:latin typeface="Arial Narrow" panose="020B0606020202030204" pitchFamily="34" charset="0"/>
+              <a:ea typeface="Open Sans Condensed" panose="020B0806030504020204" pitchFamily="34" charset="0"/>
+              <a:cs typeface="Open Sans Condensed" panose="020B0806030504020204" pitchFamily="34" charset="0"/>
             </a:endParaRPr>
           </a:p>
         </p:txBody>
@@ -22471,8 +22427,8 @@
         </p:nvSpPr>
         <p:spPr>
           <a:xfrm>
-            <a:off x="228660" y="1514522"/>
-            <a:ext cx="4559364" cy="1080120"/>
+            <a:off x="251518" y="1514522"/>
+            <a:ext cx="5976666" cy="1080120"/>
           </a:xfrm>
           <a:prstGeom prst="rect">
             <a:avLst/>
@@ -22533,7 +22489,7 @@
         </p:nvSpPr>
         <p:spPr>
           <a:xfrm>
-            <a:off x="228660" y="1337913"/>
+            <a:off x="251518" y="1337913"/>
             <a:ext cx="708036" cy="172064"/>
           </a:xfrm>
           <a:prstGeom prst="rect">
@@ -23599,7 +23555,7 @@
         </p:blipFill>
         <p:spPr>
           <a:xfrm>
-            <a:off x="5105892" y="1509977"/>
+            <a:off x="5340789" y="2748366"/>
             <a:ext cx="3559839" cy="2287341"/>
           </a:xfrm>
           <a:prstGeom prst="rect">
@@ -23975,6 +23931,2041 @@
                 <a:cs typeface="Open Sans Condensed Light" panose="020B0306030504020204" pitchFamily="34" charset="0"/>
               </a:rPr>
               <a:t>expired</a:t>
+            </a:r>
+            <a:endParaRPr lang="de-DE" sz="800" dirty="0">
+              <a:solidFill>
+                <a:srgbClr val="1064AF"/>
+              </a:solidFill>
+              <a:latin typeface="Arial Narrow" panose="020B0606020202030204" pitchFamily="34" charset="0"/>
+              <a:ea typeface="Open Sans Condensed Light" panose="020B0306030504020204" pitchFamily="34" charset="0"/>
+              <a:cs typeface="Open Sans Condensed Light" panose="020B0306030504020204" pitchFamily="34" charset="0"/>
+            </a:endParaRPr>
+          </a:p>
+        </p:txBody>
+      </p:sp>
+      <p:sp>
+        <p:nvSpPr>
+          <p:cNvPr id="59" name="Rectangle 58">
+            <a:extLst>
+              <a:ext uri="{FF2B5EF4-FFF2-40B4-BE49-F238E27FC236}">
+                <a16:creationId xmlns:a16="http://schemas.microsoft.com/office/drawing/2014/main" id="{1A0D0AA0-3434-D465-8A15-0D5B0ABBA3A5}"/>
+              </a:ext>
+            </a:extLst>
+          </p:cNvPr>
+          <p:cNvSpPr/>
+          <p:nvPr/>
+        </p:nvSpPr>
+        <p:spPr>
+          <a:xfrm>
+            <a:off x="254764" y="2748366"/>
+            <a:ext cx="671771" cy="180000"/>
+          </a:xfrm>
+          <a:prstGeom prst="rect">
+            <a:avLst/>
+          </a:prstGeom>
+          <a:solidFill>
+            <a:srgbClr val="DBCDA5"/>
+          </a:solidFill>
+          <a:ln>
+            <a:noFill/>
+          </a:ln>
+        </p:spPr>
+        <p:style>
+          <a:lnRef idx="2">
+            <a:schemeClr val="accent1">
+              <a:shade val="50000"/>
+            </a:schemeClr>
+          </a:lnRef>
+          <a:fillRef idx="1">
+            <a:schemeClr val="accent1"/>
+          </a:fillRef>
+          <a:effectRef idx="0">
+            <a:schemeClr val="accent1"/>
+          </a:effectRef>
+          <a:fontRef idx="minor">
+            <a:schemeClr val="lt1"/>
+          </a:fontRef>
+        </p:style>
+        <p:txBody>
+          <a:bodyPr lIns="36000" tIns="18000" rIns="0" bIns="0" rtlCol="0" anchor="t"/>
+          <a:lstStyle/>
+          <a:p>
+            <a:r>
+              <a:rPr lang="en-US" sz="800" b="1">
+                <a:solidFill>
+                  <a:schemeClr val="tx1">
+                    <a:lumMod val="75000"/>
+                    <a:lumOff val="25000"/>
+                  </a:schemeClr>
+                </a:solidFill>
+                <a:latin typeface="Arial Narrow" panose="020B0606020202030204" pitchFamily="34" charset="0"/>
+                <a:ea typeface="Open Sans Condensed" panose="020B0806030504020204" pitchFamily="34" charset="0"/>
+                <a:cs typeface="Open Sans Condensed" panose="020B0806030504020204" pitchFamily="34" charset="0"/>
+              </a:rPr>
+              <a:t>Attribute</a:t>
+            </a:r>
+            <a:endParaRPr lang="de-DE" sz="800" b="1">
+              <a:solidFill>
+                <a:schemeClr val="tx1">
+                  <a:lumMod val="75000"/>
+                  <a:lumOff val="25000"/>
+                </a:schemeClr>
+              </a:solidFill>
+              <a:latin typeface="Arial Narrow" panose="020B0606020202030204" pitchFamily="34" charset="0"/>
+              <a:ea typeface="Open Sans Condensed" panose="020B0806030504020204" pitchFamily="34" charset="0"/>
+              <a:cs typeface="Open Sans Condensed" panose="020B0806030504020204" pitchFamily="34" charset="0"/>
+            </a:endParaRPr>
+          </a:p>
+        </p:txBody>
+      </p:sp>
+      <p:sp>
+        <p:nvSpPr>
+          <p:cNvPr id="60" name="Rectangle 59">
+            <a:extLst>
+              <a:ext uri="{FF2B5EF4-FFF2-40B4-BE49-F238E27FC236}">
+                <a16:creationId xmlns:a16="http://schemas.microsoft.com/office/drawing/2014/main" id="{A6069FD8-6F49-AC58-FD53-9983CB5DC91B}"/>
+              </a:ext>
+            </a:extLst>
+          </p:cNvPr>
+          <p:cNvSpPr/>
+          <p:nvPr/>
+        </p:nvSpPr>
+        <p:spPr>
+          <a:xfrm>
+            <a:off x="254764" y="3180757"/>
+            <a:ext cx="671771" cy="180000"/>
+          </a:xfrm>
+          <a:prstGeom prst="rect">
+            <a:avLst/>
+          </a:prstGeom>
+          <a:solidFill>
+            <a:srgbClr val="EBEEEF"/>
+          </a:solidFill>
+          <a:ln>
+            <a:noFill/>
+          </a:ln>
+        </p:spPr>
+        <p:style>
+          <a:lnRef idx="2">
+            <a:schemeClr val="accent1">
+              <a:shade val="50000"/>
+            </a:schemeClr>
+          </a:lnRef>
+          <a:fillRef idx="1">
+            <a:schemeClr val="accent1"/>
+          </a:fillRef>
+          <a:effectRef idx="0">
+            <a:schemeClr val="accent1"/>
+          </a:effectRef>
+          <a:fontRef idx="minor">
+            <a:schemeClr val="lt1"/>
+          </a:fontRef>
+        </p:style>
+        <p:txBody>
+          <a:bodyPr lIns="36000" tIns="18000" rIns="0" bIns="0" rtlCol="0" anchor="t"/>
+          <a:lstStyle/>
+          <a:p>
+            <a:r>
+              <a:rPr lang="en-US" sz="800">
+                <a:solidFill>
+                  <a:schemeClr val="tx1">
+                    <a:lumMod val="75000"/>
+                    <a:lumOff val="25000"/>
+                  </a:schemeClr>
+                </a:solidFill>
+                <a:latin typeface="Arial Narrow" panose="020B0606020202030204" pitchFamily="34" charset="0"/>
+                <a:ea typeface="Open Sans Condensed" panose="020B0806030504020204" pitchFamily="34" charset="0"/>
+                <a:cs typeface="Open Sans Condensed" panose="020B0806030504020204" pitchFamily="34" charset="0"/>
+              </a:rPr>
+              <a:t>id</a:t>
+            </a:r>
+            <a:endParaRPr lang="de-DE" sz="800">
+              <a:solidFill>
+                <a:schemeClr val="tx1">
+                  <a:lumMod val="75000"/>
+                  <a:lumOff val="25000"/>
+                </a:schemeClr>
+              </a:solidFill>
+              <a:latin typeface="Arial Narrow" panose="020B0606020202030204" pitchFamily="34" charset="0"/>
+              <a:ea typeface="Open Sans Condensed" panose="020B0806030504020204" pitchFamily="34" charset="0"/>
+              <a:cs typeface="Open Sans Condensed" panose="020B0806030504020204" pitchFamily="34" charset="0"/>
+            </a:endParaRPr>
+          </a:p>
+        </p:txBody>
+      </p:sp>
+      <p:sp>
+        <p:nvSpPr>
+          <p:cNvPr id="61" name="Rectangle 60">
+            <a:extLst>
+              <a:ext uri="{FF2B5EF4-FFF2-40B4-BE49-F238E27FC236}">
+                <a16:creationId xmlns:a16="http://schemas.microsoft.com/office/drawing/2014/main" id="{74CA0256-51F3-3D9E-2178-49B100949E30}"/>
+              </a:ext>
+            </a:extLst>
+          </p:cNvPr>
+          <p:cNvSpPr/>
+          <p:nvPr/>
+        </p:nvSpPr>
+        <p:spPr>
+          <a:xfrm>
+            <a:off x="959554" y="2752060"/>
+            <a:ext cx="4263222" cy="180000"/>
+          </a:xfrm>
+          <a:prstGeom prst="rect">
+            <a:avLst/>
+          </a:prstGeom>
+          <a:solidFill>
+            <a:srgbClr val="DBCDA5"/>
+          </a:solidFill>
+          <a:ln>
+            <a:noFill/>
+          </a:ln>
+        </p:spPr>
+        <p:style>
+          <a:lnRef idx="2">
+            <a:schemeClr val="accent1">
+              <a:shade val="50000"/>
+            </a:schemeClr>
+          </a:lnRef>
+          <a:fillRef idx="1">
+            <a:schemeClr val="accent1"/>
+          </a:fillRef>
+          <a:effectRef idx="0">
+            <a:schemeClr val="accent1"/>
+          </a:effectRef>
+          <a:fontRef idx="minor">
+            <a:schemeClr val="lt1"/>
+          </a:fontRef>
+        </p:style>
+        <p:txBody>
+          <a:bodyPr lIns="36000" tIns="18000" rIns="0" bIns="0" rtlCol="0" anchor="t"/>
+          <a:lstStyle/>
+          <a:p>
+            <a:r>
+              <a:rPr lang="en-US" sz="800" b="1">
+                <a:solidFill>
+                  <a:schemeClr val="tx1">
+                    <a:lumMod val="75000"/>
+                    <a:lumOff val="25000"/>
+                  </a:schemeClr>
+                </a:solidFill>
+                <a:latin typeface="Arial Narrow" panose="020B0606020202030204" pitchFamily="34" charset="0"/>
+                <a:ea typeface="Open Sans Condensed" panose="020B0806030504020204" pitchFamily="34" charset="0"/>
+                <a:cs typeface="Open Sans Condensed" panose="020B0806030504020204" pitchFamily="34" charset="0"/>
+              </a:rPr>
+              <a:t>Decription</a:t>
+            </a:r>
+            <a:endParaRPr lang="de-DE" sz="800" b="1">
+              <a:solidFill>
+                <a:schemeClr val="tx1">
+                  <a:lumMod val="75000"/>
+                  <a:lumOff val="25000"/>
+                </a:schemeClr>
+              </a:solidFill>
+              <a:latin typeface="Arial Narrow" panose="020B0606020202030204" pitchFamily="34" charset="0"/>
+              <a:ea typeface="Open Sans Condensed" panose="020B0806030504020204" pitchFamily="34" charset="0"/>
+              <a:cs typeface="Open Sans Condensed" panose="020B0806030504020204" pitchFamily="34" charset="0"/>
+            </a:endParaRPr>
+          </a:p>
+        </p:txBody>
+      </p:sp>
+      <p:sp>
+        <p:nvSpPr>
+          <p:cNvPr id="62" name="Rectangle 61">
+            <a:extLst>
+              <a:ext uri="{FF2B5EF4-FFF2-40B4-BE49-F238E27FC236}">
+                <a16:creationId xmlns:a16="http://schemas.microsoft.com/office/drawing/2014/main" id="{BB006F82-B2A1-FD07-22F9-EF659E4C62A3}"/>
+              </a:ext>
+            </a:extLst>
+          </p:cNvPr>
+          <p:cNvSpPr/>
+          <p:nvPr/>
+        </p:nvSpPr>
+        <p:spPr>
+          <a:xfrm>
+            <a:off x="956850" y="3180757"/>
+            <a:ext cx="4263222" cy="180000"/>
+          </a:xfrm>
+          <a:prstGeom prst="rect">
+            <a:avLst/>
+          </a:prstGeom>
+          <a:solidFill>
+            <a:srgbClr val="EBEEEF"/>
+          </a:solidFill>
+          <a:ln>
+            <a:noFill/>
+          </a:ln>
+        </p:spPr>
+        <p:style>
+          <a:lnRef idx="2">
+            <a:schemeClr val="accent1">
+              <a:shade val="50000"/>
+            </a:schemeClr>
+          </a:lnRef>
+          <a:fillRef idx="1">
+            <a:schemeClr val="accent1"/>
+          </a:fillRef>
+          <a:effectRef idx="0">
+            <a:schemeClr val="accent1"/>
+          </a:effectRef>
+          <a:fontRef idx="minor">
+            <a:schemeClr val="lt1"/>
+          </a:fontRef>
+        </p:style>
+        <p:txBody>
+          <a:bodyPr lIns="36000" tIns="18000" rIns="36000" bIns="0" rtlCol="0" anchor="t"/>
+          <a:lstStyle/>
+          <a:p>
+            <a:r>
+              <a:rPr lang="en-US" sz="800">
+                <a:solidFill>
+                  <a:schemeClr val="tx1">
+                    <a:lumMod val="75000"/>
+                    <a:lumOff val="25000"/>
+                  </a:schemeClr>
+                </a:solidFill>
+                <a:latin typeface="Arial Narrow" panose="020B0606020202030204" pitchFamily="34" charset="0"/>
+                <a:ea typeface="Open Sans Condensed" panose="020B0806030504020204" pitchFamily="34" charset="0"/>
+                <a:cs typeface="Open Sans Condensed" panose="020B0806030504020204" pitchFamily="34" charset="0"/>
+              </a:rPr>
+              <a:t>The identifier, which can be referenced in API endpoints.</a:t>
+            </a:r>
+            <a:endParaRPr lang="de-DE" sz="800">
+              <a:solidFill>
+                <a:schemeClr val="tx1">
+                  <a:lumMod val="75000"/>
+                  <a:lumOff val="25000"/>
+                </a:schemeClr>
+              </a:solidFill>
+              <a:latin typeface="Arial Narrow" panose="020B0606020202030204" pitchFamily="34" charset="0"/>
+              <a:ea typeface="Open Sans Condensed" panose="020B0806030504020204" pitchFamily="34" charset="0"/>
+              <a:cs typeface="Open Sans Condensed" panose="020B0806030504020204" pitchFamily="34" charset="0"/>
+            </a:endParaRPr>
+          </a:p>
+        </p:txBody>
+      </p:sp>
+      <p:sp>
+        <p:nvSpPr>
+          <p:cNvPr id="63" name="Rectangle 62">
+            <a:extLst>
+              <a:ext uri="{FF2B5EF4-FFF2-40B4-BE49-F238E27FC236}">
+                <a16:creationId xmlns:a16="http://schemas.microsoft.com/office/drawing/2014/main" id="{9DDBD57C-F82B-F82B-0AA7-55BC8C433FD7}"/>
+              </a:ext>
+            </a:extLst>
+          </p:cNvPr>
+          <p:cNvSpPr/>
+          <p:nvPr/>
+        </p:nvSpPr>
+        <p:spPr>
+          <a:xfrm>
+            <a:off x="254764" y="3396301"/>
+            <a:ext cx="671771" cy="432708"/>
+          </a:xfrm>
+          <a:prstGeom prst="rect">
+            <a:avLst/>
+          </a:prstGeom>
+          <a:solidFill>
+            <a:srgbClr val="EBEEEF"/>
+          </a:solidFill>
+          <a:ln>
+            <a:noFill/>
+          </a:ln>
+        </p:spPr>
+        <p:style>
+          <a:lnRef idx="2">
+            <a:schemeClr val="accent1">
+              <a:shade val="50000"/>
+            </a:schemeClr>
+          </a:lnRef>
+          <a:fillRef idx="1">
+            <a:schemeClr val="accent1"/>
+          </a:fillRef>
+          <a:effectRef idx="0">
+            <a:schemeClr val="accent1"/>
+          </a:effectRef>
+          <a:fontRef idx="minor">
+            <a:schemeClr val="lt1"/>
+          </a:fontRef>
+        </p:style>
+        <p:txBody>
+          <a:bodyPr lIns="36000" tIns="18000" rIns="0" bIns="0" rtlCol="0" anchor="t"/>
+          <a:lstStyle/>
+          <a:p>
+            <a:r>
+              <a:rPr lang="en-US" sz="800">
+                <a:solidFill>
+                  <a:schemeClr val="tx1">
+                    <a:lumMod val="75000"/>
+                    <a:lumOff val="25000"/>
+                  </a:schemeClr>
+                </a:solidFill>
+                <a:latin typeface="Arial Narrow" panose="020B0606020202030204" pitchFamily="34" charset="0"/>
+                <a:ea typeface="Open Sans Condensed" panose="020B0806030504020204" pitchFamily="34" charset="0"/>
+                <a:cs typeface="Open Sans Condensed" panose="020B0806030504020204" pitchFamily="34" charset="0"/>
+              </a:rPr>
+              <a:t>created_at /</a:t>
+            </a:r>
+            <a:br>
+              <a:rPr lang="en-US" sz="800">
+                <a:solidFill>
+                  <a:schemeClr val="tx1">
+                    <a:lumMod val="75000"/>
+                    <a:lumOff val="25000"/>
+                  </a:schemeClr>
+                </a:solidFill>
+                <a:latin typeface="Arial Narrow" panose="020B0606020202030204" pitchFamily="34" charset="0"/>
+                <a:ea typeface="Open Sans Condensed" panose="020B0806030504020204" pitchFamily="34" charset="0"/>
+                <a:cs typeface="Open Sans Condensed" panose="020B0806030504020204" pitchFamily="34" charset="0"/>
+              </a:rPr>
+            </a:br>
+            <a:r>
+              <a:rPr lang="en-US" sz="800">
+                <a:solidFill>
+                  <a:schemeClr val="tx1">
+                    <a:lumMod val="65000"/>
+                    <a:lumOff val="35000"/>
+                  </a:schemeClr>
+                </a:solidFill>
+                <a:latin typeface="Arial Narrow" panose="020B0606020202030204" pitchFamily="34" charset="0"/>
+              </a:rPr>
+              <a:t>expires_at</a:t>
+            </a:r>
+            <a:r>
+              <a:rPr lang="en-US" sz="800">
+                <a:solidFill>
+                  <a:schemeClr val="tx1">
+                    <a:lumMod val="75000"/>
+                    <a:lumOff val="25000"/>
+                  </a:schemeClr>
+                </a:solidFill>
+                <a:latin typeface="Arial Narrow" panose="020B0606020202030204" pitchFamily="34" charset="0"/>
+                <a:ea typeface="Open Sans Condensed" panose="020B0806030504020204" pitchFamily="34" charset="0"/>
+                <a:cs typeface="Open Sans Condensed" panose="020B0806030504020204" pitchFamily="34" charset="0"/>
+              </a:rPr>
+              <a:t> /</a:t>
+            </a:r>
+          </a:p>
+          <a:p>
+            <a:r>
+              <a:rPr lang="en-US" sz="800">
+                <a:solidFill>
+                  <a:schemeClr val="tx1">
+                    <a:lumMod val="65000"/>
+                    <a:lumOff val="35000"/>
+                  </a:schemeClr>
+                </a:solidFill>
+                <a:latin typeface="Arial Narrow" panose="020B0606020202030204" pitchFamily="34" charset="0"/>
+              </a:rPr>
+              <a:t>last_active_at</a:t>
+            </a:r>
+            <a:endParaRPr lang="en-CA" sz="800">
+              <a:solidFill>
+                <a:schemeClr val="tx1">
+                  <a:lumMod val="65000"/>
+                  <a:lumOff val="35000"/>
+                </a:schemeClr>
+              </a:solidFill>
+              <a:latin typeface="Arial Narrow" panose="020B0606020202030204" pitchFamily="34" charset="0"/>
+            </a:endParaRPr>
+          </a:p>
+        </p:txBody>
+      </p:sp>
+      <p:sp>
+        <p:nvSpPr>
+          <p:cNvPr id="64" name="Rectangle 63">
+            <a:extLst>
+              <a:ext uri="{FF2B5EF4-FFF2-40B4-BE49-F238E27FC236}">
+                <a16:creationId xmlns:a16="http://schemas.microsoft.com/office/drawing/2014/main" id="{A2FFEC83-7655-46EA-6F8C-4DAD979034C7}"/>
+              </a:ext>
+            </a:extLst>
+          </p:cNvPr>
+          <p:cNvSpPr/>
+          <p:nvPr/>
+        </p:nvSpPr>
+        <p:spPr>
+          <a:xfrm>
+            <a:off x="956850" y="3396301"/>
+            <a:ext cx="4263222" cy="432708"/>
+          </a:xfrm>
+          <a:prstGeom prst="rect">
+            <a:avLst/>
+          </a:prstGeom>
+          <a:solidFill>
+            <a:srgbClr val="EBEEEF"/>
+          </a:solidFill>
+          <a:ln>
+            <a:noFill/>
+          </a:ln>
+        </p:spPr>
+        <p:style>
+          <a:lnRef idx="2">
+            <a:schemeClr val="accent1">
+              <a:shade val="50000"/>
+            </a:schemeClr>
+          </a:lnRef>
+          <a:fillRef idx="1">
+            <a:schemeClr val="accent1"/>
+          </a:fillRef>
+          <a:effectRef idx="0">
+            <a:schemeClr val="accent1"/>
+          </a:effectRef>
+          <a:fontRef idx="minor">
+            <a:schemeClr val="lt1"/>
+          </a:fontRef>
+        </p:style>
+        <p:txBody>
+          <a:bodyPr lIns="36000" tIns="18000" rIns="36000" bIns="0" rtlCol="0" anchor="t"/>
+          <a:lstStyle/>
+          <a:p>
+            <a:r>
+              <a:rPr lang="en-US" sz="800">
+                <a:solidFill>
+                  <a:schemeClr val="tx1">
+                    <a:lumMod val="75000"/>
+                    <a:lumOff val="25000"/>
+                  </a:schemeClr>
+                </a:solidFill>
+                <a:latin typeface="Arial Narrow" panose="020B0606020202030204" pitchFamily="34" charset="0"/>
+                <a:ea typeface="Open Sans Condensed" panose="020B0806030504020204" pitchFamily="34" charset="0"/>
+                <a:cs typeface="Open Sans Condensed" panose="020B0806030504020204" pitchFamily="34" charset="0"/>
+              </a:rPr>
+              <a:t>The Unix timestamp (in seconds) for when the vector store was created / will expire / was last active.</a:t>
+            </a:r>
+            <a:endParaRPr lang="de-DE" sz="800">
+              <a:solidFill>
+                <a:schemeClr val="tx1">
+                  <a:lumMod val="75000"/>
+                  <a:lumOff val="25000"/>
+                </a:schemeClr>
+              </a:solidFill>
+              <a:latin typeface="Arial Narrow" panose="020B0606020202030204" pitchFamily="34" charset="0"/>
+              <a:ea typeface="Open Sans Condensed" panose="020B0806030504020204" pitchFamily="34" charset="0"/>
+              <a:cs typeface="Open Sans Condensed" panose="020B0806030504020204" pitchFamily="34" charset="0"/>
+            </a:endParaRPr>
+          </a:p>
+        </p:txBody>
+      </p:sp>
+      <p:sp>
+        <p:nvSpPr>
+          <p:cNvPr id="67" name="Rectangle 66">
+            <a:extLst>
+              <a:ext uri="{FF2B5EF4-FFF2-40B4-BE49-F238E27FC236}">
+                <a16:creationId xmlns:a16="http://schemas.microsoft.com/office/drawing/2014/main" id="{50EC3F56-4DCE-5835-8ABE-EC3E206567F6}"/>
+              </a:ext>
+            </a:extLst>
+          </p:cNvPr>
+          <p:cNvSpPr/>
+          <p:nvPr/>
+        </p:nvSpPr>
+        <p:spPr>
+          <a:xfrm>
+            <a:off x="254764" y="3868059"/>
+            <a:ext cx="671771" cy="288000"/>
+          </a:xfrm>
+          <a:prstGeom prst="rect">
+            <a:avLst/>
+          </a:prstGeom>
+          <a:solidFill>
+            <a:srgbClr val="EBEEEF"/>
+          </a:solidFill>
+          <a:ln>
+            <a:noFill/>
+          </a:ln>
+        </p:spPr>
+        <p:style>
+          <a:lnRef idx="2">
+            <a:schemeClr val="accent1">
+              <a:shade val="50000"/>
+            </a:schemeClr>
+          </a:lnRef>
+          <a:fillRef idx="1">
+            <a:schemeClr val="accent1"/>
+          </a:fillRef>
+          <a:effectRef idx="0">
+            <a:schemeClr val="accent1"/>
+          </a:effectRef>
+          <a:fontRef idx="minor">
+            <a:schemeClr val="lt1"/>
+          </a:fontRef>
+        </p:style>
+        <p:txBody>
+          <a:bodyPr lIns="36000" tIns="18000" rIns="0" bIns="0" rtlCol="0" anchor="t"/>
+          <a:lstStyle/>
+          <a:p>
+            <a:r>
+              <a:rPr lang="en-US" sz="800">
+                <a:solidFill>
+                  <a:schemeClr val="tx1">
+                    <a:lumMod val="65000"/>
+                    <a:lumOff val="35000"/>
+                  </a:schemeClr>
+                </a:solidFill>
+                <a:latin typeface="Arial Narrow" panose="020B0606020202030204" pitchFamily="34" charset="0"/>
+              </a:rPr>
+              <a:t>status</a:t>
+            </a:r>
+            <a:endParaRPr lang="en-CA" sz="800">
+              <a:solidFill>
+                <a:schemeClr val="tx1">
+                  <a:lumMod val="65000"/>
+                  <a:lumOff val="35000"/>
+                </a:schemeClr>
+              </a:solidFill>
+              <a:latin typeface="Arial Narrow" panose="020B0606020202030204" pitchFamily="34" charset="0"/>
+            </a:endParaRPr>
+          </a:p>
+        </p:txBody>
+      </p:sp>
+      <p:sp>
+        <p:nvSpPr>
+          <p:cNvPr id="68" name="Rectangle 67">
+            <a:extLst>
+              <a:ext uri="{FF2B5EF4-FFF2-40B4-BE49-F238E27FC236}">
+                <a16:creationId xmlns:a16="http://schemas.microsoft.com/office/drawing/2014/main" id="{DBBA2A1C-707B-9138-806F-C8AC4DE1A865}"/>
+              </a:ext>
+            </a:extLst>
+          </p:cNvPr>
+          <p:cNvSpPr/>
+          <p:nvPr/>
+        </p:nvSpPr>
+        <p:spPr>
+          <a:xfrm>
+            <a:off x="956850" y="3868059"/>
+            <a:ext cx="4263222" cy="288000"/>
+          </a:xfrm>
+          <a:prstGeom prst="rect">
+            <a:avLst/>
+          </a:prstGeom>
+          <a:solidFill>
+            <a:srgbClr val="EBEEEF"/>
+          </a:solidFill>
+          <a:ln>
+            <a:noFill/>
+          </a:ln>
+        </p:spPr>
+        <p:style>
+          <a:lnRef idx="2">
+            <a:schemeClr val="accent1">
+              <a:shade val="50000"/>
+            </a:schemeClr>
+          </a:lnRef>
+          <a:fillRef idx="1">
+            <a:schemeClr val="accent1"/>
+          </a:fillRef>
+          <a:effectRef idx="0">
+            <a:schemeClr val="accent1"/>
+          </a:effectRef>
+          <a:fontRef idx="minor">
+            <a:schemeClr val="lt1"/>
+          </a:fontRef>
+        </p:style>
+        <p:txBody>
+          <a:bodyPr lIns="36000" tIns="18000" rIns="36000" bIns="0" rtlCol="0" anchor="t"/>
+          <a:lstStyle/>
+          <a:p>
+            <a:r>
+              <a:rPr lang="en-US" sz="800">
+                <a:solidFill>
+                  <a:schemeClr val="tx1">
+                    <a:lumMod val="75000"/>
+                    <a:lumOff val="25000"/>
+                  </a:schemeClr>
+                </a:solidFill>
+                <a:latin typeface="Arial Narrow" panose="020B0606020202030204" pitchFamily="34" charset="0"/>
+                <a:ea typeface="Open Sans Condensed" panose="020B0806030504020204" pitchFamily="34" charset="0"/>
+                <a:cs typeface="Open Sans Condensed" panose="020B0806030504020204" pitchFamily="34" charset="0"/>
+              </a:rPr>
+              <a:t>The status of the vector store, which can be either </a:t>
+            </a:r>
+            <a:r>
+              <a:rPr lang="en-US" sz="800" u="sng">
+                <a:solidFill>
+                  <a:schemeClr val="tx1">
+                    <a:lumMod val="75000"/>
+                    <a:lumOff val="25000"/>
+                  </a:schemeClr>
+                </a:solidFill>
+                <a:latin typeface="Arial Narrow" panose="020B0606020202030204" pitchFamily="34" charset="0"/>
+                <a:ea typeface="Open Sans Condensed" panose="020B0806030504020204" pitchFamily="34" charset="0"/>
+                <a:cs typeface="Open Sans Condensed" panose="020B0806030504020204" pitchFamily="34" charset="0"/>
+              </a:rPr>
+              <a:t>expired</a:t>
+            </a:r>
+            <a:r>
+              <a:rPr lang="en-US" sz="800">
+                <a:solidFill>
+                  <a:schemeClr val="tx1">
+                    <a:lumMod val="75000"/>
+                    <a:lumOff val="25000"/>
+                  </a:schemeClr>
+                </a:solidFill>
+                <a:latin typeface="Arial Narrow" panose="020B0606020202030204" pitchFamily="34" charset="0"/>
+                <a:ea typeface="Open Sans Condensed" panose="020B0806030504020204" pitchFamily="34" charset="0"/>
+                <a:cs typeface="Open Sans Condensed" panose="020B0806030504020204" pitchFamily="34" charset="0"/>
+              </a:rPr>
+              <a:t>, </a:t>
+            </a:r>
+            <a:r>
+              <a:rPr lang="en-US" sz="800" u="sng">
+                <a:solidFill>
+                  <a:schemeClr val="tx1">
+                    <a:lumMod val="75000"/>
+                    <a:lumOff val="25000"/>
+                  </a:schemeClr>
+                </a:solidFill>
+                <a:latin typeface="Arial Narrow" panose="020B0606020202030204" pitchFamily="34" charset="0"/>
+                <a:ea typeface="Open Sans Condensed" panose="020B0806030504020204" pitchFamily="34" charset="0"/>
+                <a:cs typeface="Open Sans Condensed" panose="020B0806030504020204" pitchFamily="34" charset="0"/>
+              </a:rPr>
+              <a:t>in_progress</a:t>
+            </a:r>
+            <a:r>
+              <a:rPr lang="en-US" sz="800">
+                <a:solidFill>
+                  <a:schemeClr val="tx1">
+                    <a:lumMod val="75000"/>
+                    <a:lumOff val="25000"/>
+                  </a:schemeClr>
+                </a:solidFill>
+                <a:latin typeface="Arial Narrow" panose="020B0606020202030204" pitchFamily="34" charset="0"/>
+                <a:ea typeface="Open Sans Condensed" panose="020B0806030504020204" pitchFamily="34" charset="0"/>
+                <a:cs typeface="Open Sans Condensed" panose="020B0806030504020204" pitchFamily="34" charset="0"/>
+              </a:rPr>
+              <a:t>, or </a:t>
+            </a:r>
+            <a:r>
+              <a:rPr lang="en-US" sz="800" u="sng">
+                <a:solidFill>
+                  <a:schemeClr val="tx1">
+                    <a:lumMod val="75000"/>
+                    <a:lumOff val="25000"/>
+                  </a:schemeClr>
+                </a:solidFill>
+                <a:latin typeface="Arial Narrow" panose="020B0606020202030204" pitchFamily="34" charset="0"/>
+                <a:ea typeface="Open Sans Condensed" panose="020B0806030504020204" pitchFamily="34" charset="0"/>
+                <a:cs typeface="Open Sans Condensed" panose="020B0806030504020204" pitchFamily="34" charset="0"/>
+              </a:rPr>
+              <a:t>completed</a:t>
+            </a:r>
+            <a:r>
+              <a:rPr lang="en-US" sz="800">
+                <a:solidFill>
+                  <a:schemeClr val="tx1">
+                    <a:lumMod val="75000"/>
+                    <a:lumOff val="25000"/>
+                  </a:schemeClr>
+                </a:solidFill>
+                <a:latin typeface="Arial Narrow" panose="020B0606020202030204" pitchFamily="34" charset="0"/>
+                <a:ea typeface="Open Sans Condensed" panose="020B0806030504020204" pitchFamily="34" charset="0"/>
+                <a:cs typeface="Open Sans Condensed" panose="020B0806030504020204" pitchFamily="34" charset="0"/>
+              </a:rPr>
+              <a:t>. A status of completed indicates that the vector store is ready for use.</a:t>
+            </a:r>
+            <a:endParaRPr lang="de-DE" sz="800">
+              <a:solidFill>
+                <a:schemeClr val="tx1">
+                  <a:lumMod val="75000"/>
+                  <a:lumOff val="25000"/>
+                </a:schemeClr>
+              </a:solidFill>
+              <a:latin typeface="Arial Narrow" panose="020B0606020202030204" pitchFamily="34" charset="0"/>
+              <a:ea typeface="Open Sans Condensed" panose="020B0806030504020204" pitchFamily="34" charset="0"/>
+              <a:cs typeface="Open Sans Condensed" panose="020B0806030504020204" pitchFamily="34" charset="0"/>
+            </a:endParaRPr>
+          </a:p>
+        </p:txBody>
+      </p:sp>
+      <p:sp>
+        <p:nvSpPr>
+          <p:cNvPr id="75" name="Rectangle 74">
+            <a:extLst>
+              <a:ext uri="{FF2B5EF4-FFF2-40B4-BE49-F238E27FC236}">
+                <a16:creationId xmlns:a16="http://schemas.microsoft.com/office/drawing/2014/main" id="{D1B13F48-6B86-3FFC-B323-CB2777E2BDC6}"/>
+              </a:ext>
+            </a:extLst>
+          </p:cNvPr>
+          <p:cNvSpPr/>
+          <p:nvPr/>
+        </p:nvSpPr>
+        <p:spPr>
+          <a:xfrm>
+            <a:off x="254764" y="2968856"/>
+            <a:ext cx="671771" cy="180000"/>
+          </a:xfrm>
+          <a:prstGeom prst="rect">
+            <a:avLst/>
+          </a:prstGeom>
+          <a:solidFill>
+            <a:srgbClr val="EBEEEF"/>
+          </a:solidFill>
+          <a:ln>
+            <a:noFill/>
+          </a:ln>
+        </p:spPr>
+        <p:style>
+          <a:lnRef idx="2">
+            <a:schemeClr val="accent1">
+              <a:shade val="50000"/>
+            </a:schemeClr>
+          </a:lnRef>
+          <a:fillRef idx="1">
+            <a:schemeClr val="accent1"/>
+          </a:fillRef>
+          <a:effectRef idx="0">
+            <a:schemeClr val="accent1"/>
+          </a:effectRef>
+          <a:fontRef idx="minor">
+            <a:schemeClr val="lt1"/>
+          </a:fontRef>
+        </p:style>
+        <p:txBody>
+          <a:bodyPr lIns="36000" tIns="18000" rIns="0" bIns="0" rtlCol="0" anchor="t"/>
+          <a:lstStyle/>
+          <a:p>
+            <a:r>
+              <a:rPr lang="en-US" sz="800">
+                <a:solidFill>
+                  <a:schemeClr val="tx1">
+                    <a:lumMod val="75000"/>
+                    <a:lumOff val="25000"/>
+                  </a:schemeClr>
+                </a:solidFill>
+                <a:latin typeface="Arial Narrow" panose="020B0606020202030204" pitchFamily="34" charset="0"/>
+                <a:ea typeface="Open Sans Condensed" panose="020B0806030504020204" pitchFamily="34" charset="0"/>
+                <a:cs typeface="Open Sans Condensed" panose="020B0806030504020204" pitchFamily="34" charset="0"/>
+              </a:rPr>
+              <a:t>name</a:t>
+            </a:r>
+            <a:endParaRPr lang="de-DE" sz="800">
+              <a:solidFill>
+                <a:schemeClr val="tx1">
+                  <a:lumMod val="75000"/>
+                  <a:lumOff val="25000"/>
+                </a:schemeClr>
+              </a:solidFill>
+              <a:latin typeface="Arial Narrow" panose="020B0606020202030204" pitchFamily="34" charset="0"/>
+              <a:ea typeface="Open Sans Condensed" panose="020B0806030504020204" pitchFamily="34" charset="0"/>
+              <a:cs typeface="Open Sans Condensed" panose="020B0806030504020204" pitchFamily="34" charset="0"/>
+            </a:endParaRPr>
+          </a:p>
+        </p:txBody>
+      </p:sp>
+      <p:sp>
+        <p:nvSpPr>
+          <p:cNvPr id="76" name="Rectangle 75">
+            <a:extLst>
+              <a:ext uri="{FF2B5EF4-FFF2-40B4-BE49-F238E27FC236}">
+                <a16:creationId xmlns:a16="http://schemas.microsoft.com/office/drawing/2014/main" id="{8496805F-795E-92C5-71BB-08ADEA9CBF87}"/>
+              </a:ext>
+            </a:extLst>
+          </p:cNvPr>
+          <p:cNvSpPr/>
+          <p:nvPr/>
+        </p:nvSpPr>
+        <p:spPr>
+          <a:xfrm>
+            <a:off x="956850" y="2968856"/>
+            <a:ext cx="4263222" cy="180000"/>
+          </a:xfrm>
+          <a:prstGeom prst="rect">
+            <a:avLst/>
+          </a:prstGeom>
+          <a:solidFill>
+            <a:srgbClr val="EBEEEF"/>
+          </a:solidFill>
+          <a:ln>
+            <a:noFill/>
+          </a:ln>
+        </p:spPr>
+        <p:style>
+          <a:lnRef idx="2">
+            <a:schemeClr val="accent1">
+              <a:shade val="50000"/>
+            </a:schemeClr>
+          </a:lnRef>
+          <a:fillRef idx="1">
+            <a:schemeClr val="accent1"/>
+          </a:fillRef>
+          <a:effectRef idx="0">
+            <a:schemeClr val="accent1"/>
+          </a:effectRef>
+          <a:fontRef idx="minor">
+            <a:schemeClr val="lt1"/>
+          </a:fontRef>
+        </p:style>
+        <p:txBody>
+          <a:bodyPr lIns="36000" tIns="18000" rIns="36000" bIns="0" rtlCol="0" anchor="t"/>
+          <a:lstStyle/>
+          <a:p>
+            <a:r>
+              <a:rPr lang="en-US" sz="800">
+                <a:solidFill>
+                  <a:schemeClr val="tx1">
+                    <a:lumMod val="75000"/>
+                    <a:lumOff val="25000"/>
+                  </a:schemeClr>
+                </a:solidFill>
+                <a:latin typeface="Arial Narrow" panose="020B0606020202030204" pitchFamily="34" charset="0"/>
+                <a:ea typeface="Open Sans Condensed" panose="020B0806030504020204" pitchFamily="34" charset="0"/>
+                <a:cs typeface="Open Sans Condensed" panose="020B0806030504020204" pitchFamily="34" charset="0"/>
+              </a:rPr>
+              <a:t>The name of the vector store.</a:t>
+            </a:r>
+            <a:endParaRPr lang="de-DE" sz="800">
+              <a:solidFill>
+                <a:schemeClr val="tx1">
+                  <a:lumMod val="75000"/>
+                  <a:lumOff val="25000"/>
+                </a:schemeClr>
+              </a:solidFill>
+              <a:latin typeface="Arial Narrow" panose="020B0606020202030204" pitchFamily="34" charset="0"/>
+              <a:ea typeface="Open Sans Condensed" panose="020B0806030504020204" pitchFamily="34" charset="0"/>
+              <a:cs typeface="Open Sans Condensed" panose="020B0806030504020204" pitchFamily="34" charset="0"/>
+            </a:endParaRPr>
+          </a:p>
+        </p:txBody>
+      </p:sp>
+      <p:sp>
+        <p:nvSpPr>
+          <p:cNvPr id="77" name="Rectangle 76">
+            <a:extLst>
+              <a:ext uri="{FF2B5EF4-FFF2-40B4-BE49-F238E27FC236}">
+                <a16:creationId xmlns:a16="http://schemas.microsoft.com/office/drawing/2014/main" id="{FFB46E22-61F9-914D-AFDF-36918D466A0C}"/>
+              </a:ext>
+            </a:extLst>
+          </p:cNvPr>
+          <p:cNvSpPr/>
+          <p:nvPr/>
+        </p:nvSpPr>
+        <p:spPr>
+          <a:xfrm>
+            <a:off x="254764" y="4191603"/>
+            <a:ext cx="671771" cy="433737"/>
+          </a:xfrm>
+          <a:prstGeom prst="rect">
+            <a:avLst/>
+          </a:prstGeom>
+          <a:solidFill>
+            <a:srgbClr val="EBEEEF"/>
+          </a:solidFill>
+          <a:ln>
+            <a:noFill/>
+          </a:ln>
+        </p:spPr>
+        <p:style>
+          <a:lnRef idx="2">
+            <a:schemeClr val="accent1">
+              <a:shade val="50000"/>
+            </a:schemeClr>
+          </a:lnRef>
+          <a:fillRef idx="1">
+            <a:schemeClr val="accent1"/>
+          </a:fillRef>
+          <a:effectRef idx="0">
+            <a:schemeClr val="accent1"/>
+          </a:effectRef>
+          <a:fontRef idx="minor">
+            <a:schemeClr val="lt1"/>
+          </a:fontRef>
+        </p:style>
+        <p:txBody>
+          <a:bodyPr lIns="36000" tIns="18000" rIns="0" bIns="0" rtlCol="0" anchor="t"/>
+          <a:lstStyle/>
+          <a:p>
+            <a:r>
+              <a:rPr lang="en-US" sz="800">
+                <a:solidFill>
+                  <a:schemeClr val="tx1">
+                    <a:lumMod val="65000"/>
+                    <a:lumOff val="35000"/>
+                  </a:schemeClr>
+                </a:solidFill>
+                <a:latin typeface="Arial Narrow" panose="020B0606020202030204" pitchFamily="34" charset="0"/>
+              </a:rPr>
+              <a:t>metadata</a:t>
+            </a:r>
+            <a:endParaRPr lang="en-CA" sz="800">
+              <a:solidFill>
+                <a:schemeClr val="tx1">
+                  <a:lumMod val="65000"/>
+                  <a:lumOff val="35000"/>
+                </a:schemeClr>
+              </a:solidFill>
+              <a:latin typeface="Arial Narrow" panose="020B0606020202030204" pitchFamily="34" charset="0"/>
+            </a:endParaRPr>
+          </a:p>
+        </p:txBody>
+      </p:sp>
+      <p:sp>
+        <p:nvSpPr>
+          <p:cNvPr id="78" name="Rectangle 77">
+            <a:extLst>
+              <a:ext uri="{FF2B5EF4-FFF2-40B4-BE49-F238E27FC236}">
+                <a16:creationId xmlns:a16="http://schemas.microsoft.com/office/drawing/2014/main" id="{90C06E82-7074-9DBC-59B8-40E95C5D1412}"/>
+              </a:ext>
+            </a:extLst>
+          </p:cNvPr>
+          <p:cNvSpPr/>
+          <p:nvPr/>
+        </p:nvSpPr>
+        <p:spPr>
+          <a:xfrm>
+            <a:off x="956850" y="4191603"/>
+            <a:ext cx="4263222" cy="433737"/>
+          </a:xfrm>
+          <a:prstGeom prst="rect">
+            <a:avLst/>
+          </a:prstGeom>
+          <a:solidFill>
+            <a:srgbClr val="EBEEEF"/>
+          </a:solidFill>
+          <a:ln>
+            <a:noFill/>
+          </a:ln>
+        </p:spPr>
+        <p:style>
+          <a:lnRef idx="2">
+            <a:schemeClr val="accent1">
+              <a:shade val="50000"/>
+            </a:schemeClr>
+          </a:lnRef>
+          <a:fillRef idx="1">
+            <a:schemeClr val="accent1"/>
+          </a:fillRef>
+          <a:effectRef idx="0">
+            <a:schemeClr val="accent1"/>
+          </a:effectRef>
+          <a:fontRef idx="minor">
+            <a:schemeClr val="lt1"/>
+          </a:fontRef>
+        </p:style>
+        <p:txBody>
+          <a:bodyPr lIns="36000" tIns="18000" rIns="36000" bIns="0" rtlCol="0" anchor="t"/>
+          <a:lstStyle/>
+          <a:p>
+            <a:r>
+              <a:rPr lang="en-US" sz="800">
+                <a:solidFill>
+                  <a:schemeClr val="tx1">
+                    <a:lumMod val="75000"/>
+                    <a:lumOff val="25000"/>
+                  </a:schemeClr>
+                </a:solidFill>
+                <a:latin typeface="Arial Narrow" panose="020B0606020202030204" pitchFamily="34" charset="0"/>
+                <a:ea typeface="Open Sans Condensed" panose="020B0806030504020204" pitchFamily="34" charset="0"/>
+                <a:cs typeface="Open Sans Condensed" panose="020B0806030504020204" pitchFamily="34" charset="0"/>
+              </a:rPr>
+              <a:t>Set of 16 key-value pairs that can be attached to an object. This can be useful for storing additional information about the object in a structured format, and querying for objects via API or the dashboard. Keys: strings max. 64 characters. Values: strings with max. 512 characters.</a:t>
+            </a:r>
+            <a:endParaRPr lang="de-DE" sz="800">
+              <a:solidFill>
+                <a:schemeClr val="tx1">
+                  <a:lumMod val="75000"/>
+                  <a:lumOff val="25000"/>
+                </a:schemeClr>
+              </a:solidFill>
+              <a:latin typeface="Arial Narrow" panose="020B0606020202030204" pitchFamily="34" charset="0"/>
+              <a:ea typeface="Open Sans Condensed" panose="020B0806030504020204" pitchFamily="34" charset="0"/>
+              <a:cs typeface="Open Sans Condensed" panose="020B0806030504020204" pitchFamily="34" charset="0"/>
+            </a:endParaRPr>
+          </a:p>
+        </p:txBody>
+      </p:sp>
+      <p:sp>
+        <p:nvSpPr>
+          <p:cNvPr id="80" name="Rectangle 79">
+            <a:extLst>
+              <a:ext uri="{FF2B5EF4-FFF2-40B4-BE49-F238E27FC236}">
+                <a16:creationId xmlns:a16="http://schemas.microsoft.com/office/drawing/2014/main" id="{8584F85C-1E00-F81E-297C-60E03EA9A051}"/>
+              </a:ext>
+            </a:extLst>
+          </p:cNvPr>
+          <p:cNvSpPr/>
+          <p:nvPr/>
+        </p:nvSpPr>
+        <p:spPr>
+          <a:xfrm>
+            <a:off x="253888" y="4662093"/>
+            <a:ext cx="671771" cy="180000"/>
+          </a:xfrm>
+          <a:prstGeom prst="rect">
+            <a:avLst/>
+          </a:prstGeom>
+          <a:solidFill>
+            <a:srgbClr val="EBEEEF"/>
+          </a:solidFill>
+          <a:ln>
+            <a:noFill/>
+          </a:ln>
+        </p:spPr>
+        <p:style>
+          <a:lnRef idx="2">
+            <a:schemeClr val="accent1">
+              <a:shade val="50000"/>
+            </a:schemeClr>
+          </a:lnRef>
+          <a:fillRef idx="1">
+            <a:schemeClr val="accent1"/>
+          </a:fillRef>
+          <a:effectRef idx="0">
+            <a:schemeClr val="accent1"/>
+          </a:effectRef>
+          <a:fontRef idx="minor">
+            <a:schemeClr val="lt1"/>
+          </a:fontRef>
+        </p:style>
+        <p:txBody>
+          <a:bodyPr lIns="36000" tIns="18000" rIns="0" bIns="0" rtlCol="0" anchor="t"/>
+          <a:lstStyle/>
+          <a:p>
+            <a:r>
+              <a:rPr lang="en-US" sz="800">
+                <a:solidFill>
+                  <a:schemeClr val="tx1">
+                    <a:lumMod val="75000"/>
+                    <a:lumOff val="25000"/>
+                  </a:schemeClr>
+                </a:solidFill>
+                <a:latin typeface="Arial Narrow" panose="020B0606020202030204" pitchFamily="34" charset="0"/>
+                <a:ea typeface="Open Sans Condensed" panose="020B0806030504020204" pitchFamily="34" charset="0"/>
+                <a:cs typeface="Open Sans Condensed" panose="020B0806030504020204" pitchFamily="34" charset="0"/>
+              </a:rPr>
+              <a:t>file_counts</a:t>
+            </a:r>
+            <a:endParaRPr lang="de-DE" sz="800">
+              <a:solidFill>
+                <a:schemeClr val="tx1">
+                  <a:lumMod val="75000"/>
+                  <a:lumOff val="25000"/>
+                </a:schemeClr>
+              </a:solidFill>
+              <a:latin typeface="Arial Narrow" panose="020B0606020202030204" pitchFamily="34" charset="0"/>
+              <a:ea typeface="Open Sans Condensed" panose="020B0806030504020204" pitchFamily="34" charset="0"/>
+              <a:cs typeface="Open Sans Condensed" panose="020B0806030504020204" pitchFamily="34" charset="0"/>
+            </a:endParaRPr>
+          </a:p>
+        </p:txBody>
+      </p:sp>
+      <p:sp>
+        <p:nvSpPr>
+          <p:cNvPr id="82" name="Rectangle 81">
+            <a:extLst>
+              <a:ext uri="{FF2B5EF4-FFF2-40B4-BE49-F238E27FC236}">
+                <a16:creationId xmlns:a16="http://schemas.microsoft.com/office/drawing/2014/main" id="{069A63E2-D58C-7178-E218-C4DBADAEA491}"/>
+              </a:ext>
+            </a:extLst>
+          </p:cNvPr>
+          <p:cNvSpPr/>
+          <p:nvPr/>
+        </p:nvSpPr>
+        <p:spPr>
+          <a:xfrm>
+            <a:off x="955974" y="4662093"/>
+            <a:ext cx="4263222" cy="180000"/>
+          </a:xfrm>
+          <a:prstGeom prst="rect">
+            <a:avLst/>
+          </a:prstGeom>
+          <a:solidFill>
+            <a:srgbClr val="EBEEEF"/>
+          </a:solidFill>
+          <a:ln>
+            <a:noFill/>
+          </a:ln>
+        </p:spPr>
+        <p:style>
+          <a:lnRef idx="2">
+            <a:schemeClr val="accent1">
+              <a:shade val="50000"/>
+            </a:schemeClr>
+          </a:lnRef>
+          <a:fillRef idx="1">
+            <a:schemeClr val="accent1"/>
+          </a:fillRef>
+          <a:effectRef idx="0">
+            <a:schemeClr val="accent1"/>
+          </a:effectRef>
+          <a:fontRef idx="minor">
+            <a:schemeClr val="lt1"/>
+          </a:fontRef>
+        </p:style>
+        <p:txBody>
+          <a:bodyPr lIns="36000" tIns="18000" rIns="36000" bIns="0" rtlCol="0" anchor="t"/>
+          <a:lstStyle/>
+          <a:p>
+            <a:r>
+              <a:rPr lang="en-US" sz="800">
+                <a:solidFill>
+                  <a:schemeClr val="tx1">
+                    <a:lumMod val="75000"/>
+                    <a:lumOff val="25000"/>
+                  </a:schemeClr>
+                </a:solidFill>
+                <a:latin typeface="Arial Narrow" panose="020B0606020202030204" pitchFamily="34" charset="0"/>
+                <a:ea typeface="Open Sans Condensed" panose="020B0806030504020204" pitchFamily="34" charset="0"/>
+                <a:cs typeface="Open Sans Condensed" panose="020B0806030504020204" pitchFamily="34" charset="0"/>
+              </a:rPr>
+              <a:t>The number of files </a:t>
+            </a:r>
+            <a:r>
+              <a:rPr lang="en-US" sz="800" u="sng">
+                <a:solidFill>
+                  <a:schemeClr val="tx1">
+                    <a:lumMod val="75000"/>
+                    <a:lumOff val="25000"/>
+                  </a:schemeClr>
+                </a:solidFill>
+                <a:latin typeface="Arial Narrow" panose="020B0606020202030204" pitchFamily="34" charset="0"/>
+                <a:ea typeface="Open Sans Condensed" panose="020B0806030504020204" pitchFamily="34" charset="0"/>
+                <a:cs typeface="Open Sans Condensed" panose="020B0806030504020204" pitchFamily="34" charset="0"/>
+              </a:rPr>
+              <a:t>cancelled</a:t>
+            </a:r>
+            <a:r>
+              <a:rPr lang="en-US" sz="800">
+                <a:solidFill>
+                  <a:schemeClr val="tx1">
+                    <a:lumMod val="75000"/>
+                    <a:lumOff val="25000"/>
+                  </a:schemeClr>
+                </a:solidFill>
+                <a:latin typeface="Arial Narrow" panose="020B0606020202030204" pitchFamily="34" charset="0"/>
+                <a:ea typeface="Open Sans Condensed" panose="020B0806030504020204" pitchFamily="34" charset="0"/>
+                <a:cs typeface="Open Sans Condensed" panose="020B0806030504020204" pitchFamily="34" charset="0"/>
+              </a:rPr>
+              <a:t>, </a:t>
+            </a:r>
+            <a:r>
+              <a:rPr lang="en-US" sz="800" u="sng">
+                <a:solidFill>
+                  <a:schemeClr val="tx1">
+                    <a:lumMod val="75000"/>
+                    <a:lumOff val="25000"/>
+                  </a:schemeClr>
+                </a:solidFill>
+                <a:latin typeface="Arial Narrow" panose="020B0606020202030204" pitchFamily="34" charset="0"/>
+                <a:ea typeface="Open Sans Condensed" panose="020B0806030504020204" pitchFamily="34" charset="0"/>
+                <a:cs typeface="Open Sans Condensed" panose="020B0806030504020204" pitchFamily="34" charset="0"/>
+              </a:rPr>
+              <a:t>completed</a:t>
+            </a:r>
+            <a:r>
+              <a:rPr lang="en-US" sz="800">
+                <a:solidFill>
+                  <a:schemeClr val="tx1">
+                    <a:lumMod val="75000"/>
+                    <a:lumOff val="25000"/>
+                  </a:schemeClr>
+                </a:solidFill>
+                <a:latin typeface="Arial Narrow" panose="020B0606020202030204" pitchFamily="34" charset="0"/>
+                <a:ea typeface="Open Sans Condensed" panose="020B0806030504020204" pitchFamily="34" charset="0"/>
+                <a:cs typeface="Open Sans Condensed" panose="020B0806030504020204" pitchFamily="34" charset="0"/>
+              </a:rPr>
+              <a:t>, </a:t>
+            </a:r>
+            <a:r>
+              <a:rPr lang="en-US" sz="800" u="sng">
+                <a:solidFill>
+                  <a:schemeClr val="tx1">
+                    <a:lumMod val="75000"/>
+                    <a:lumOff val="25000"/>
+                  </a:schemeClr>
+                </a:solidFill>
+                <a:latin typeface="Arial Narrow" panose="020B0606020202030204" pitchFamily="34" charset="0"/>
+                <a:ea typeface="Open Sans Condensed" panose="020B0806030504020204" pitchFamily="34" charset="0"/>
+                <a:cs typeface="Open Sans Condensed" panose="020B0806030504020204" pitchFamily="34" charset="0"/>
+              </a:rPr>
+              <a:t>failed</a:t>
+            </a:r>
+            <a:r>
+              <a:rPr lang="en-US" sz="800">
+                <a:solidFill>
+                  <a:schemeClr val="tx1">
+                    <a:lumMod val="75000"/>
+                    <a:lumOff val="25000"/>
+                  </a:schemeClr>
+                </a:solidFill>
+                <a:latin typeface="Arial Narrow" panose="020B0606020202030204" pitchFamily="34" charset="0"/>
+                <a:ea typeface="Open Sans Condensed" panose="020B0806030504020204" pitchFamily="34" charset="0"/>
+                <a:cs typeface="Open Sans Condensed" panose="020B0806030504020204" pitchFamily="34" charset="0"/>
+              </a:rPr>
+              <a:t>, </a:t>
+            </a:r>
+            <a:r>
+              <a:rPr lang="en-US" sz="800" u="sng">
+                <a:solidFill>
+                  <a:schemeClr val="tx1">
+                    <a:lumMod val="75000"/>
+                    <a:lumOff val="25000"/>
+                  </a:schemeClr>
+                </a:solidFill>
+                <a:latin typeface="Arial Narrow" panose="020B0606020202030204" pitchFamily="34" charset="0"/>
+                <a:ea typeface="Open Sans Condensed" panose="020B0806030504020204" pitchFamily="34" charset="0"/>
+                <a:cs typeface="Open Sans Condensed" panose="020B0806030504020204" pitchFamily="34" charset="0"/>
+              </a:rPr>
+              <a:t>in_progress</a:t>
+            </a:r>
+            <a:r>
+              <a:rPr lang="en-US" sz="800">
+                <a:solidFill>
+                  <a:schemeClr val="tx1">
+                    <a:lumMod val="75000"/>
+                    <a:lumOff val="25000"/>
+                  </a:schemeClr>
+                </a:solidFill>
+                <a:latin typeface="Arial Narrow" panose="020B0606020202030204" pitchFamily="34" charset="0"/>
+                <a:ea typeface="Open Sans Condensed" panose="020B0806030504020204" pitchFamily="34" charset="0"/>
+                <a:cs typeface="Open Sans Condensed" panose="020B0806030504020204" pitchFamily="34" charset="0"/>
+              </a:rPr>
+              <a:t>, and </a:t>
+            </a:r>
+            <a:r>
+              <a:rPr lang="en-US" sz="800" u="sng">
+                <a:solidFill>
+                  <a:schemeClr val="tx1">
+                    <a:lumMod val="75000"/>
+                    <a:lumOff val="25000"/>
+                  </a:schemeClr>
+                </a:solidFill>
+                <a:latin typeface="Arial Narrow" panose="020B0606020202030204" pitchFamily="34" charset="0"/>
+                <a:ea typeface="Open Sans Condensed" panose="020B0806030504020204" pitchFamily="34" charset="0"/>
+                <a:cs typeface="Open Sans Condensed" panose="020B0806030504020204" pitchFamily="34" charset="0"/>
+              </a:rPr>
+              <a:t>total</a:t>
+            </a:r>
+            <a:endParaRPr lang="de-DE" sz="800" u="sng">
+              <a:solidFill>
+                <a:schemeClr val="tx1">
+                  <a:lumMod val="75000"/>
+                  <a:lumOff val="25000"/>
+                </a:schemeClr>
+              </a:solidFill>
+              <a:latin typeface="Arial Narrow" panose="020B0606020202030204" pitchFamily="34" charset="0"/>
+              <a:ea typeface="Open Sans Condensed" panose="020B0806030504020204" pitchFamily="34" charset="0"/>
+              <a:cs typeface="Open Sans Condensed" panose="020B0806030504020204" pitchFamily="34" charset="0"/>
+            </a:endParaRPr>
+          </a:p>
+        </p:txBody>
+      </p:sp>
+      <p:sp>
+        <p:nvSpPr>
+          <p:cNvPr id="93" name="Rectangle 92">
+            <a:extLst>
+              <a:ext uri="{FF2B5EF4-FFF2-40B4-BE49-F238E27FC236}">
+                <a16:creationId xmlns:a16="http://schemas.microsoft.com/office/drawing/2014/main" id="{3FF04913-423D-34D1-1771-4F03BFB5C2EE}"/>
+              </a:ext>
+            </a:extLst>
+          </p:cNvPr>
+          <p:cNvSpPr/>
+          <p:nvPr/>
+        </p:nvSpPr>
+        <p:spPr>
+          <a:xfrm>
+            <a:off x="253888" y="4873994"/>
+            <a:ext cx="671771" cy="180000"/>
+          </a:xfrm>
+          <a:prstGeom prst="rect">
+            <a:avLst/>
+          </a:prstGeom>
+          <a:solidFill>
+            <a:srgbClr val="EBEEEF"/>
+          </a:solidFill>
+          <a:ln>
+            <a:noFill/>
+          </a:ln>
+        </p:spPr>
+        <p:style>
+          <a:lnRef idx="2">
+            <a:schemeClr val="accent1">
+              <a:shade val="50000"/>
+            </a:schemeClr>
+          </a:lnRef>
+          <a:fillRef idx="1">
+            <a:schemeClr val="accent1"/>
+          </a:fillRef>
+          <a:effectRef idx="0">
+            <a:schemeClr val="accent1"/>
+          </a:effectRef>
+          <a:fontRef idx="minor">
+            <a:schemeClr val="lt1"/>
+          </a:fontRef>
+        </p:style>
+        <p:txBody>
+          <a:bodyPr lIns="36000" tIns="18000" rIns="0" bIns="0" rtlCol="0" anchor="t"/>
+          <a:lstStyle/>
+          <a:p>
+            <a:r>
+              <a:rPr lang="en-US" sz="800">
+                <a:solidFill>
+                  <a:schemeClr val="tx1">
+                    <a:lumMod val="75000"/>
+                    <a:lumOff val="25000"/>
+                  </a:schemeClr>
+                </a:solidFill>
+                <a:latin typeface="Arial Narrow" panose="020B0606020202030204" pitchFamily="34" charset="0"/>
+                <a:ea typeface="Open Sans Condensed" panose="020B0806030504020204" pitchFamily="34" charset="0"/>
+                <a:cs typeface="Open Sans Condensed" panose="020B0806030504020204" pitchFamily="34" charset="0"/>
+              </a:rPr>
+              <a:t>usage_bytes</a:t>
+            </a:r>
+            <a:endParaRPr lang="de-DE" sz="800">
+              <a:solidFill>
+                <a:schemeClr val="tx1">
+                  <a:lumMod val="75000"/>
+                  <a:lumOff val="25000"/>
+                </a:schemeClr>
+              </a:solidFill>
+              <a:latin typeface="Arial Narrow" panose="020B0606020202030204" pitchFamily="34" charset="0"/>
+              <a:ea typeface="Open Sans Condensed" panose="020B0806030504020204" pitchFamily="34" charset="0"/>
+              <a:cs typeface="Open Sans Condensed" panose="020B0806030504020204" pitchFamily="34" charset="0"/>
+            </a:endParaRPr>
+          </a:p>
+        </p:txBody>
+      </p:sp>
+      <p:sp>
+        <p:nvSpPr>
+          <p:cNvPr id="94" name="Rectangle 93">
+            <a:extLst>
+              <a:ext uri="{FF2B5EF4-FFF2-40B4-BE49-F238E27FC236}">
+                <a16:creationId xmlns:a16="http://schemas.microsoft.com/office/drawing/2014/main" id="{2ACF51C9-8375-47B5-245E-AC19F60C76E5}"/>
+              </a:ext>
+            </a:extLst>
+          </p:cNvPr>
+          <p:cNvSpPr/>
+          <p:nvPr/>
+        </p:nvSpPr>
+        <p:spPr>
+          <a:xfrm>
+            <a:off x="955974" y="4873994"/>
+            <a:ext cx="4263222" cy="180000"/>
+          </a:xfrm>
+          <a:prstGeom prst="rect">
+            <a:avLst/>
+          </a:prstGeom>
+          <a:solidFill>
+            <a:srgbClr val="EBEEEF"/>
+          </a:solidFill>
+          <a:ln>
+            <a:noFill/>
+          </a:ln>
+        </p:spPr>
+        <p:style>
+          <a:lnRef idx="2">
+            <a:schemeClr val="accent1">
+              <a:shade val="50000"/>
+            </a:schemeClr>
+          </a:lnRef>
+          <a:fillRef idx="1">
+            <a:schemeClr val="accent1"/>
+          </a:fillRef>
+          <a:effectRef idx="0">
+            <a:schemeClr val="accent1"/>
+          </a:effectRef>
+          <a:fontRef idx="minor">
+            <a:schemeClr val="lt1"/>
+          </a:fontRef>
+        </p:style>
+        <p:txBody>
+          <a:bodyPr lIns="36000" tIns="18000" rIns="36000" bIns="0" rtlCol="0" anchor="t"/>
+          <a:lstStyle/>
+          <a:p>
+            <a:r>
+              <a:rPr lang="en-US" sz="800">
+                <a:solidFill>
+                  <a:schemeClr val="tx1">
+                    <a:lumMod val="75000"/>
+                    <a:lumOff val="25000"/>
+                  </a:schemeClr>
+                </a:solidFill>
+                <a:latin typeface="Arial Narrow" panose="020B0606020202030204" pitchFamily="34" charset="0"/>
+                <a:ea typeface="Open Sans Condensed" panose="020B0806030504020204" pitchFamily="34" charset="0"/>
+                <a:cs typeface="Open Sans Condensed" panose="020B0806030504020204" pitchFamily="34" charset="0"/>
+              </a:rPr>
+              <a:t>The total number of bytes used by the files in the vector store.</a:t>
+            </a:r>
+            <a:endParaRPr lang="de-DE" sz="800" u="sng">
+              <a:solidFill>
+                <a:schemeClr val="tx1">
+                  <a:lumMod val="75000"/>
+                  <a:lumOff val="25000"/>
+                </a:schemeClr>
+              </a:solidFill>
+              <a:latin typeface="Arial Narrow" panose="020B0606020202030204" pitchFamily="34" charset="0"/>
+              <a:ea typeface="Open Sans Condensed" panose="020B0806030504020204" pitchFamily="34" charset="0"/>
+              <a:cs typeface="Open Sans Condensed" panose="020B0806030504020204" pitchFamily="34" charset="0"/>
+            </a:endParaRPr>
+          </a:p>
+        </p:txBody>
+      </p:sp>
+      <p:sp>
+        <p:nvSpPr>
+          <p:cNvPr id="95" name="Rectangle 94">
+            <a:extLst>
+              <a:ext uri="{FF2B5EF4-FFF2-40B4-BE49-F238E27FC236}">
+                <a16:creationId xmlns:a16="http://schemas.microsoft.com/office/drawing/2014/main" id="{0BA3BAF5-C699-DCE1-91B3-38DAE872BB62}"/>
+              </a:ext>
+            </a:extLst>
+          </p:cNvPr>
+          <p:cNvSpPr/>
+          <p:nvPr/>
+        </p:nvSpPr>
+        <p:spPr>
+          <a:xfrm>
+            <a:off x="4639624" y="1836994"/>
+            <a:ext cx="436432" cy="180000"/>
+          </a:xfrm>
+          <a:prstGeom prst="rect">
+            <a:avLst/>
+          </a:prstGeom>
+          <a:solidFill>
+            <a:srgbClr val="CEFCFF"/>
+          </a:solidFill>
+          <a:ln w="19050">
+            <a:solidFill>
+              <a:srgbClr val="2194F6"/>
+            </a:solidFill>
+          </a:ln>
+        </p:spPr>
+        <p:style>
+          <a:lnRef idx="2">
+            <a:schemeClr val="accent1">
+              <a:shade val="50000"/>
+            </a:schemeClr>
+          </a:lnRef>
+          <a:fillRef idx="1">
+            <a:schemeClr val="accent1"/>
+          </a:fillRef>
+          <a:effectRef idx="0">
+            <a:schemeClr val="accent1"/>
+          </a:effectRef>
+          <a:fontRef idx="minor">
+            <a:schemeClr val="lt1"/>
+          </a:fontRef>
+        </p:style>
+        <p:txBody>
+          <a:bodyPr lIns="36000" tIns="0" rIns="0" bIns="0" rtlCol="0" anchor="ctr"/>
+          <a:lstStyle/>
+          <a:p>
+            <a:r>
+              <a:rPr lang="de-DE" sz="800">
+                <a:solidFill>
+                  <a:srgbClr val="1064AF"/>
+                </a:solidFill>
+                <a:latin typeface="Arial Narrow" panose="020B0606020202030204" pitchFamily="34" charset="0"/>
+                <a:ea typeface="Open Sans Condensed Light" panose="020B0306030504020204" pitchFamily="34" charset="0"/>
+                <a:cs typeface="Open Sans Condensed Light" panose="020B0306030504020204" pitchFamily="34" charset="0"/>
+              </a:rPr>
+              <a:t>{...}</a:t>
+            </a:r>
+            <a:endParaRPr lang="de-DE" sz="800" dirty="0">
+              <a:solidFill>
+                <a:srgbClr val="1064AF"/>
+              </a:solidFill>
+              <a:latin typeface="Arial Narrow" panose="020B0606020202030204" pitchFamily="34" charset="0"/>
+              <a:ea typeface="Open Sans Condensed Light" panose="020B0306030504020204" pitchFamily="34" charset="0"/>
+              <a:cs typeface="Open Sans Condensed Light" panose="020B0306030504020204" pitchFamily="34" charset="0"/>
+            </a:endParaRPr>
+          </a:p>
+        </p:txBody>
+      </p:sp>
+      <p:sp>
+        <p:nvSpPr>
+          <p:cNvPr id="96" name="TextBox 95">
+            <a:extLst>
+              <a:ext uri="{FF2B5EF4-FFF2-40B4-BE49-F238E27FC236}">
+                <a16:creationId xmlns:a16="http://schemas.microsoft.com/office/drawing/2014/main" id="{3D51E402-0D31-2D0E-572A-2EAC6A30F098}"/>
+              </a:ext>
+            </a:extLst>
+          </p:cNvPr>
+          <p:cNvSpPr txBox="1"/>
+          <p:nvPr/>
+        </p:nvSpPr>
+        <p:spPr>
+          <a:xfrm>
+            <a:off x="4682174" y="1669415"/>
+            <a:ext cx="351058" cy="123111"/>
+          </a:xfrm>
+          <a:prstGeom prst="rect">
+            <a:avLst/>
+          </a:prstGeom>
+          <a:noFill/>
+        </p:spPr>
+        <p:txBody>
+          <a:bodyPr wrap="none" lIns="0" tIns="0" rIns="0" bIns="0" rtlCol="0">
+            <a:spAutoFit/>
+          </a:bodyPr>
+          <a:lstStyle/>
+          <a:p>
+            <a:r>
+              <a:rPr lang="en-US" sz="800">
+                <a:solidFill>
+                  <a:schemeClr val="tx1">
+                    <a:lumMod val="65000"/>
+                    <a:lumOff val="35000"/>
+                  </a:schemeClr>
+                </a:solidFill>
+                <a:latin typeface="Arial Narrow" panose="020B0606020202030204" pitchFamily="34" charset="0"/>
+              </a:rPr>
+              <a:t>metadata</a:t>
+            </a:r>
+            <a:endParaRPr lang="en-CA" sz="800">
+              <a:solidFill>
+                <a:schemeClr val="tx1">
+                  <a:lumMod val="65000"/>
+                  <a:lumOff val="35000"/>
+                </a:schemeClr>
+              </a:solidFill>
+              <a:latin typeface="Arial Narrow" panose="020B0606020202030204" pitchFamily="34" charset="0"/>
+            </a:endParaRPr>
+          </a:p>
+        </p:txBody>
+      </p:sp>
+      <p:sp>
+        <p:nvSpPr>
+          <p:cNvPr id="97" name="Rectangle 96">
+            <a:extLst>
+              <a:ext uri="{FF2B5EF4-FFF2-40B4-BE49-F238E27FC236}">
+                <a16:creationId xmlns:a16="http://schemas.microsoft.com/office/drawing/2014/main" id="{6BDD25A5-EA51-478E-F53E-44B469EAD908}"/>
+              </a:ext>
+            </a:extLst>
+          </p:cNvPr>
+          <p:cNvSpPr/>
+          <p:nvPr/>
+        </p:nvSpPr>
+        <p:spPr>
+          <a:xfrm>
+            <a:off x="4639624" y="2071152"/>
+            <a:ext cx="436432" cy="180000"/>
+          </a:xfrm>
+          <a:prstGeom prst="rect">
+            <a:avLst/>
+          </a:prstGeom>
+          <a:solidFill>
+            <a:srgbClr val="CEFCFF"/>
+          </a:solidFill>
+          <a:ln w="19050">
+            <a:solidFill>
+              <a:srgbClr val="2194F6"/>
+            </a:solidFill>
+          </a:ln>
+        </p:spPr>
+        <p:style>
+          <a:lnRef idx="2">
+            <a:schemeClr val="accent1">
+              <a:shade val="50000"/>
+            </a:schemeClr>
+          </a:lnRef>
+          <a:fillRef idx="1">
+            <a:schemeClr val="accent1"/>
+          </a:fillRef>
+          <a:effectRef idx="0">
+            <a:schemeClr val="accent1"/>
+          </a:effectRef>
+          <a:fontRef idx="minor">
+            <a:schemeClr val="lt1"/>
+          </a:fontRef>
+        </p:style>
+        <p:txBody>
+          <a:bodyPr lIns="36000" tIns="0" rIns="0" bIns="0" rtlCol="0" anchor="ctr"/>
+          <a:lstStyle/>
+          <a:p>
+            <a:r>
+              <a:rPr lang="de-DE" sz="800">
+                <a:solidFill>
+                  <a:srgbClr val="1064AF"/>
+                </a:solidFill>
+                <a:latin typeface="Arial Narrow" panose="020B0606020202030204" pitchFamily="34" charset="0"/>
+                <a:ea typeface="Open Sans Condensed Light" panose="020B0306030504020204" pitchFamily="34" charset="0"/>
+                <a:cs typeface="Open Sans Condensed Light" panose="020B0306030504020204" pitchFamily="34" charset="0"/>
+              </a:rPr>
+              <a:t>{...}</a:t>
+            </a:r>
+            <a:endParaRPr lang="de-DE" sz="800" dirty="0">
+              <a:solidFill>
+                <a:srgbClr val="1064AF"/>
+              </a:solidFill>
+              <a:latin typeface="Arial Narrow" panose="020B0606020202030204" pitchFamily="34" charset="0"/>
+              <a:ea typeface="Open Sans Condensed Light" panose="020B0306030504020204" pitchFamily="34" charset="0"/>
+              <a:cs typeface="Open Sans Condensed Light" panose="020B0306030504020204" pitchFamily="34" charset="0"/>
+            </a:endParaRPr>
+          </a:p>
+        </p:txBody>
+      </p:sp>
+      <p:sp>
+        <p:nvSpPr>
+          <p:cNvPr id="98" name="Rectangle 97">
+            <a:extLst>
+              <a:ext uri="{FF2B5EF4-FFF2-40B4-BE49-F238E27FC236}">
+                <a16:creationId xmlns:a16="http://schemas.microsoft.com/office/drawing/2014/main" id="{9CB2E08E-AD6D-3130-D209-02470C90500F}"/>
+              </a:ext>
+            </a:extLst>
+          </p:cNvPr>
+          <p:cNvSpPr/>
+          <p:nvPr/>
+        </p:nvSpPr>
+        <p:spPr>
+          <a:xfrm>
+            <a:off x="5075276" y="1836994"/>
+            <a:ext cx="436432" cy="180000"/>
+          </a:xfrm>
+          <a:prstGeom prst="rect">
+            <a:avLst/>
+          </a:prstGeom>
+          <a:solidFill>
+            <a:srgbClr val="CEFCFF"/>
+          </a:solidFill>
+          <a:ln w="19050">
+            <a:solidFill>
+              <a:srgbClr val="2194F6"/>
+            </a:solidFill>
+          </a:ln>
+        </p:spPr>
+        <p:style>
+          <a:lnRef idx="2">
+            <a:schemeClr val="accent1">
+              <a:shade val="50000"/>
+            </a:schemeClr>
+          </a:lnRef>
+          <a:fillRef idx="1">
+            <a:schemeClr val="accent1"/>
+          </a:fillRef>
+          <a:effectRef idx="0">
+            <a:schemeClr val="accent1"/>
+          </a:effectRef>
+          <a:fontRef idx="minor">
+            <a:schemeClr val="lt1"/>
+          </a:fontRef>
+        </p:style>
+        <p:txBody>
+          <a:bodyPr lIns="36000" tIns="0" rIns="0" bIns="0" rtlCol="0" anchor="ctr"/>
+          <a:lstStyle/>
+          <a:p>
+            <a:r>
+              <a:rPr lang="de-DE" sz="800">
+                <a:solidFill>
+                  <a:srgbClr val="1064AF"/>
+                </a:solidFill>
+                <a:latin typeface="Arial Narrow" panose="020B0606020202030204" pitchFamily="34" charset="0"/>
+                <a:ea typeface="Open Sans Condensed Light" panose="020B0306030504020204" pitchFamily="34" charset="0"/>
+                <a:cs typeface="Open Sans Condensed Light" panose="020B0306030504020204" pitchFamily="34" charset="0"/>
+              </a:rPr>
+              <a:t>{...}</a:t>
+            </a:r>
+            <a:endParaRPr lang="de-DE" sz="800" dirty="0">
+              <a:solidFill>
+                <a:srgbClr val="1064AF"/>
+              </a:solidFill>
+              <a:latin typeface="Arial Narrow" panose="020B0606020202030204" pitchFamily="34" charset="0"/>
+              <a:ea typeface="Open Sans Condensed Light" panose="020B0306030504020204" pitchFamily="34" charset="0"/>
+              <a:cs typeface="Open Sans Condensed Light" panose="020B0306030504020204" pitchFamily="34" charset="0"/>
+            </a:endParaRPr>
+          </a:p>
+        </p:txBody>
+      </p:sp>
+      <p:sp>
+        <p:nvSpPr>
+          <p:cNvPr id="99" name="TextBox 98">
+            <a:extLst>
+              <a:ext uri="{FF2B5EF4-FFF2-40B4-BE49-F238E27FC236}">
+                <a16:creationId xmlns:a16="http://schemas.microsoft.com/office/drawing/2014/main" id="{B7861FC9-D9F0-39F1-FE82-8AB84B4BE953}"/>
+              </a:ext>
+            </a:extLst>
+          </p:cNvPr>
+          <p:cNvSpPr txBox="1"/>
+          <p:nvPr/>
+        </p:nvSpPr>
+        <p:spPr>
+          <a:xfrm>
+            <a:off x="5117826" y="1669415"/>
+            <a:ext cx="402354" cy="123111"/>
+          </a:xfrm>
+          <a:prstGeom prst="rect">
+            <a:avLst/>
+          </a:prstGeom>
+          <a:noFill/>
+        </p:spPr>
+        <p:txBody>
+          <a:bodyPr wrap="none" lIns="0" tIns="0" rIns="0" bIns="0" rtlCol="0">
+            <a:spAutoFit/>
+          </a:bodyPr>
+          <a:lstStyle/>
+          <a:p>
+            <a:r>
+              <a:rPr lang="en-US" sz="800">
+                <a:solidFill>
+                  <a:schemeClr val="tx1">
+                    <a:lumMod val="65000"/>
+                    <a:lumOff val="35000"/>
+                  </a:schemeClr>
+                </a:solidFill>
+                <a:latin typeface="Arial Narrow" panose="020B0606020202030204" pitchFamily="34" charset="0"/>
+              </a:rPr>
+              <a:t>file_counts</a:t>
+            </a:r>
+            <a:endParaRPr lang="en-CA" sz="800">
+              <a:solidFill>
+                <a:schemeClr val="tx1">
+                  <a:lumMod val="65000"/>
+                  <a:lumOff val="35000"/>
+                </a:schemeClr>
+              </a:solidFill>
+              <a:latin typeface="Arial Narrow" panose="020B0606020202030204" pitchFamily="34" charset="0"/>
+            </a:endParaRPr>
+          </a:p>
+        </p:txBody>
+      </p:sp>
+      <p:sp>
+        <p:nvSpPr>
+          <p:cNvPr id="100" name="Rectangle 99">
+            <a:extLst>
+              <a:ext uri="{FF2B5EF4-FFF2-40B4-BE49-F238E27FC236}">
+                <a16:creationId xmlns:a16="http://schemas.microsoft.com/office/drawing/2014/main" id="{EC20DEF6-AE9B-9067-5024-03E51D2D9C36}"/>
+              </a:ext>
+            </a:extLst>
+          </p:cNvPr>
+          <p:cNvSpPr/>
+          <p:nvPr/>
+        </p:nvSpPr>
+        <p:spPr>
+          <a:xfrm>
+            <a:off x="5075276" y="2071152"/>
+            <a:ext cx="436432" cy="180000"/>
+          </a:xfrm>
+          <a:prstGeom prst="rect">
+            <a:avLst/>
+          </a:prstGeom>
+          <a:solidFill>
+            <a:srgbClr val="CEFCFF"/>
+          </a:solidFill>
+          <a:ln w="19050">
+            <a:solidFill>
+              <a:srgbClr val="2194F6"/>
+            </a:solidFill>
+          </a:ln>
+        </p:spPr>
+        <p:style>
+          <a:lnRef idx="2">
+            <a:schemeClr val="accent1">
+              <a:shade val="50000"/>
+            </a:schemeClr>
+          </a:lnRef>
+          <a:fillRef idx="1">
+            <a:schemeClr val="accent1"/>
+          </a:fillRef>
+          <a:effectRef idx="0">
+            <a:schemeClr val="accent1"/>
+          </a:effectRef>
+          <a:fontRef idx="minor">
+            <a:schemeClr val="lt1"/>
+          </a:fontRef>
+        </p:style>
+        <p:txBody>
+          <a:bodyPr lIns="36000" tIns="0" rIns="0" bIns="0" rtlCol="0" anchor="ctr"/>
+          <a:lstStyle/>
+          <a:p>
+            <a:r>
+              <a:rPr lang="de-DE" sz="800">
+                <a:solidFill>
+                  <a:srgbClr val="1064AF"/>
+                </a:solidFill>
+                <a:latin typeface="Arial Narrow" panose="020B0606020202030204" pitchFamily="34" charset="0"/>
+                <a:ea typeface="Open Sans Condensed Light" panose="020B0306030504020204" pitchFamily="34" charset="0"/>
+                <a:cs typeface="Open Sans Condensed Light" panose="020B0306030504020204" pitchFamily="34" charset="0"/>
+              </a:rPr>
+              <a:t>{...}</a:t>
+            </a:r>
+            <a:endParaRPr lang="de-DE" sz="800" dirty="0">
+              <a:solidFill>
+                <a:srgbClr val="1064AF"/>
+              </a:solidFill>
+              <a:latin typeface="Arial Narrow" panose="020B0606020202030204" pitchFamily="34" charset="0"/>
+              <a:ea typeface="Open Sans Condensed Light" panose="020B0306030504020204" pitchFamily="34" charset="0"/>
+              <a:cs typeface="Open Sans Condensed Light" panose="020B0306030504020204" pitchFamily="34" charset="0"/>
+            </a:endParaRPr>
+          </a:p>
+        </p:txBody>
+      </p:sp>
+      <p:sp>
+        <p:nvSpPr>
+          <p:cNvPr id="104" name="Rectangle 103">
+            <a:extLst>
+              <a:ext uri="{FF2B5EF4-FFF2-40B4-BE49-F238E27FC236}">
+                <a16:creationId xmlns:a16="http://schemas.microsoft.com/office/drawing/2014/main" id="{D68B6428-B28F-6629-F28C-D9775F78E50E}"/>
+              </a:ext>
+            </a:extLst>
+          </p:cNvPr>
+          <p:cNvSpPr/>
+          <p:nvPr/>
+        </p:nvSpPr>
+        <p:spPr>
+          <a:xfrm>
+            <a:off x="5511708" y="1836994"/>
+            <a:ext cx="576064" cy="180000"/>
+          </a:xfrm>
+          <a:prstGeom prst="rect">
+            <a:avLst/>
+          </a:prstGeom>
+          <a:solidFill>
+            <a:srgbClr val="CEFCFF"/>
+          </a:solidFill>
+          <a:ln w="19050">
+            <a:solidFill>
+              <a:srgbClr val="2194F6"/>
+            </a:solidFill>
+          </a:ln>
+        </p:spPr>
+        <p:style>
+          <a:lnRef idx="2">
+            <a:schemeClr val="accent1">
+              <a:shade val="50000"/>
+            </a:schemeClr>
+          </a:lnRef>
+          <a:fillRef idx="1">
+            <a:schemeClr val="accent1"/>
+          </a:fillRef>
+          <a:effectRef idx="0">
+            <a:schemeClr val="accent1"/>
+          </a:effectRef>
+          <a:fontRef idx="minor">
+            <a:schemeClr val="lt1"/>
+          </a:fontRef>
+        </p:style>
+        <p:txBody>
+          <a:bodyPr lIns="36000" tIns="0" rIns="0" bIns="0" rtlCol="0" anchor="ctr"/>
+          <a:lstStyle/>
+          <a:p>
+            <a:r>
+              <a:rPr lang="de-DE" sz="800">
+                <a:solidFill>
+                  <a:srgbClr val="1064AF"/>
+                </a:solidFill>
+                <a:latin typeface="Arial Narrow" panose="020B0606020202030204" pitchFamily="34" charset="0"/>
+                <a:ea typeface="Open Sans Condensed Light" panose="020B0306030504020204" pitchFamily="34" charset="0"/>
+                <a:cs typeface="Open Sans Condensed Light" panose="020B0306030504020204" pitchFamily="34" charset="0"/>
+              </a:rPr>
+              <a:t>44013862</a:t>
+            </a:r>
+            <a:endParaRPr lang="de-DE" sz="800" dirty="0">
+              <a:solidFill>
+                <a:srgbClr val="1064AF"/>
+              </a:solidFill>
+              <a:latin typeface="Arial Narrow" panose="020B0606020202030204" pitchFamily="34" charset="0"/>
+              <a:ea typeface="Open Sans Condensed Light" panose="020B0306030504020204" pitchFamily="34" charset="0"/>
+              <a:cs typeface="Open Sans Condensed Light" panose="020B0306030504020204" pitchFamily="34" charset="0"/>
+            </a:endParaRPr>
+          </a:p>
+        </p:txBody>
+      </p:sp>
+      <p:sp>
+        <p:nvSpPr>
+          <p:cNvPr id="105" name="TextBox 104">
+            <a:extLst>
+              <a:ext uri="{FF2B5EF4-FFF2-40B4-BE49-F238E27FC236}">
+                <a16:creationId xmlns:a16="http://schemas.microsoft.com/office/drawing/2014/main" id="{4D0A4590-C9FF-9E21-E1D9-625E6E7AF979}"/>
+              </a:ext>
+            </a:extLst>
+          </p:cNvPr>
+          <p:cNvSpPr txBox="1"/>
+          <p:nvPr/>
+        </p:nvSpPr>
+        <p:spPr>
+          <a:xfrm>
+            <a:off x="5560856" y="1669415"/>
+            <a:ext cx="474489" cy="123111"/>
+          </a:xfrm>
+          <a:prstGeom prst="rect">
+            <a:avLst/>
+          </a:prstGeom>
+          <a:noFill/>
+        </p:spPr>
+        <p:txBody>
+          <a:bodyPr wrap="none" lIns="0" tIns="0" rIns="0" bIns="0" rtlCol="0">
+            <a:spAutoFit/>
+          </a:bodyPr>
+          <a:lstStyle/>
+          <a:p>
+            <a:r>
+              <a:rPr lang="en-US" sz="800">
+                <a:solidFill>
+                  <a:schemeClr val="tx1">
+                    <a:lumMod val="65000"/>
+                    <a:lumOff val="35000"/>
+                  </a:schemeClr>
+                </a:solidFill>
+                <a:latin typeface="Arial Narrow" panose="020B0606020202030204" pitchFamily="34" charset="0"/>
+              </a:rPr>
+              <a:t>usage_bytes</a:t>
+            </a:r>
+            <a:endParaRPr lang="en-CA" sz="800">
+              <a:solidFill>
+                <a:schemeClr val="tx1">
+                  <a:lumMod val="65000"/>
+                  <a:lumOff val="35000"/>
+                </a:schemeClr>
+              </a:solidFill>
+              <a:latin typeface="Arial Narrow" panose="020B0606020202030204" pitchFamily="34" charset="0"/>
+            </a:endParaRPr>
+          </a:p>
+        </p:txBody>
+      </p:sp>
+      <p:sp>
+        <p:nvSpPr>
+          <p:cNvPr id="106" name="Rectangle 105">
+            <a:extLst>
+              <a:ext uri="{FF2B5EF4-FFF2-40B4-BE49-F238E27FC236}">
+                <a16:creationId xmlns:a16="http://schemas.microsoft.com/office/drawing/2014/main" id="{E1C881E7-0A63-6AFA-9598-3619271DA01D}"/>
+              </a:ext>
+            </a:extLst>
+          </p:cNvPr>
+          <p:cNvSpPr/>
+          <p:nvPr/>
+        </p:nvSpPr>
+        <p:spPr>
+          <a:xfrm>
+            <a:off x="5511708" y="2071152"/>
+            <a:ext cx="576064" cy="180000"/>
+          </a:xfrm>
+          <a:prstGeom prst="rect">
+            <a:avLst/>
+          </a:prstGeom>
+          <a:solidFill>
+            <a:srgbClr val="CEFCFF"/>
+          </a:solidFill>
+          <a:ln w="19050">
+            <a:solidFill>
+              <a:srgbClr val="2194F6"/>
+            </a:solidFill>
+          </a:ln>
+        </p:spPr>
+        <p:style>
+          <a:lnRef idx="2">
+            <a:schemeClr val="accent1">
+              <a:shade val="50000"/>
+            </a:schemeClr>
+          </a:lnRef>
+          <a:fillRef idx="1">
+            <a:schemeClr val="accent1"/>
+          </a:fillRef>
+          <a:effectRef idx="0">
+            <a:schemeClr val="accent1"/>
+          </a:effectRef>
+          <a:fontRef idx="minor">
+            <a:schemeClr val="lt1"/>
+          </a:fontRef>
+        </p:style>
+        <p:txBody>
+          <a:bodyPr lIns="36000" tIns="0" rIns="0" bIns="0" rtlCol="0" anchor="ctr"/>
+          <a:lstStyle/>
+          <a:p>
+            <a:r>
+              <a:rPr lang="de-DE" sz="800">
+                <a:solidFill>
+                  <a:srgbClr val="1064AF"/>
+                </a:solidFill>
+                <a:latin typeface="Arial Narrow" panose="020B0606020202030204" pitchFamily="34" charset="0"/>
+                <a:ea typeface="Open Sans Condensed Light" panose="020B0306030504020204" pitchFamily="34" charset="0"/>
+                <a:cs typeface="Open Sans Condensed Light" panose="020B0306030504020204" pitchFamily="34" charset="0"/>
+              </a:rPr>
+              <a:t>1740996732</a:t>
             </a:r>
             <a:endParaRPr lang="de-DE" sz="800" dirty="0">
               <a:solidFill>

--- a/OpenAI-BackendTools.pptx
+++ b/OpenAI-BackendTools.pptx
@@ -5,10 +5,10 @@
     <p:sldMasterId id="2147483678" r:id="rId1"/>
   </p:sldMasterIdLst>
   <p:notesMasterIdLst>
-    <p:notesMasterId r:id="rId7"/>
+    <p:notesMasterId r:id="rId8"/>
   </p:notesMasterIdLst>
   <p:handoutMasterIdLst>
-    <p:handoutMasterId r:id="rId8"/>
+    <p:handoutMasterId r:id="rId9"/>
   </p:handoutMasterIdLst>
   <p:sldIdLst>
     <p:sldId id="258" r:id="rId2"/>
@@ -16,6 +16,7 @@
     <p:sldId id="259" r:id="rId4"/>
     <p:sldId id="260" r:id="rId5"/>
     <p:sldId id="262" r:id="rId6"/>
+    <p:sldId id="263" r:id="rId7"/>
   </p:sldIdLst>
   <p:sldSz cx="9144000" cy="5715000" type="screen16x10"/>
   <p:notesSz cx="6797675" cy="9926638"/>
@@ -223,7 +224,7 @@
           <a:p>
             <a:fld id="{FC4BCF81-FD30-4738-8CD3-6C15724C57DB}" type="datetimeFigureOut">
               <a:rPr lang="en-GB" smtClean="0"/>
-              <a:t>25/05/2025</a:t>
+              <a:t>26/05/2025</a:t>
             </a:fld>
             <a:endParaRPr lang="en-GB"/>
           </a:p>
@@ -388,7 +389,7 @@
           <a:p>
             <a:fld id="{393C90FD-22B7-4ADA-A649-5A6995920D65}" type="datetimeFigureOut">
               <a:rPr lang="en-US" smtClean="0"/>
-              <a:t>5/25/2025</a:t>
+              <a:t>5/26/2025</a:t>
             </a:fld>
             <a:endParaRPr lang="en-US"/>
           </a:p>
@@ -25991,6 +25992,153 @@
 </p:sld>
 </file>
 
+<file path=ppt/slides/slide6.xml><?xml version="1.0" encoding="utf-8"?>
+<p:sld xmlns:a="http://schemas.openxmlformats.org/drawingml/2006/main" xmlns:r="http://schemas.openxmlformats.org/officeDocument/2006/relationships" xmlns:p="http://schemas.openxmlformats.org/presentationml/2006/main">
+  <p:cSld>
+    <p:spTree>
+      <p:nvGrpSpPr>
+        <p:cNvPr id="1" name=""/>
+        <p:cNvGrpSpPr/>
+        <p:nvPr/>
+      </p:nvGrpSpPr>
+      <p:grpSpPr>
+        <a:xfrm>
+          <a:off x="0" y="0"/>
+          <a:ext cx="0" cy="0"/>
+          <a:chOff x="0" y="0"/>
+          <a:chExt cx="0" cy="0"/>
+        </a:xfrm>
+      </p:grpSpPr>
+      <p:sp>
+        <p:nvSpPr>
+          <p:cNvPr id="2" name="Title 1">
+            <a:extLst>
+              <a:ext uri="{FF2B5EF4-FFF2-40B4-BE49-F238E27FC236}">
+                <a16:creationId xmlns:a16="http://schemas.microsoft.com/office/drawing/2014/main" id="{DA391E45-5173-E639-33B2-276F945F228B}"/>
+              </a:ext>
+            </a:extLst>
+          </p:cNvPr>
+          <p:cNvSpPr>
+            <a:spLocks noGrp="1"/>
+          </p:cNvSpPr>
+          <p:nvPr>
+            <p:ph type="title"/>
+          </p:nvPr>
+        </p:nvSpPr>
+        <p:spPr/>
+        <p:txBody>
+          <a:bodyPr/>
+          <a:lstStyle/>
+          <a:p>
+            <a:r>
+              <a:rPr lang="en-US"/>
+              <a:t>Search Results</a:t>
+            </a:r>
+            <a:endParaRPr lang="en-CA"/>
+          </a:p>
+        </p:txBody>
+      </p:sp>
+      <p:pic>
+        <p:nvPicPr>
+          <p:cNvPr id="4" name="Picture 3">
+            <a:extLst>
+              <a:ext uri="{FF2B5EF4-FFF2-40B4-BE49-F238E27FC236}">
+                <a16:creationId xmlns:a16="http://schemas.microsoft.com/office/drawing/2014/main" id="{A62F8149-C6BF-6562-C74C-91F5BB95619E}"/>
+              </a:ext>
+            </a:extLst>
+          </p:cNvPr>
+          <p:cNvPicPr>
+            <a:picLocks noChangeAspect="1"/>
+          </p:cNvPicPr>
+          <p:nvPr/>
+        </p:nvPicPr>
+        <p:blipFill>
+          <a:blip r:embed="rId2"/>
+          <a:srcRect b="31324"/>
+          <a:stretch/>
+        </p:blipFill>
+        <p:spPr>
+          <a:xfrm>
+            <a:off x="4716015" y="956447"/>
+            <a:ext cx="3875707" cy="1757037"/>
+          </a:xfrm>
+          <a:prstGeom prst="rect">
+            <a:avLst/>
+          </a:prstGeom>
+        </p:spPr>
+      </p:pic>
+      <p:pic>
+        <p:nvPicPr>
+          <p:cNvPr id="6" name="Picture 5">
+            <a:extLst>
+              <a:ext uri="{FF2B5EF4-FFF2-40B4-BE49-F238E27FC236}">
+                <a16:creationId xmlns:a16="http://schemas.microsoft.com/office/drawing/2014/main" id="{FBCF194F-17F5-7FD5-54CB-4ADAC96ACA19}"/>
+              </a:ext>
+            </a:extLst>
+          </p:cNvPr>
+          <p:cNvPicPr>
+            <a:picLocks noChangeAspect="1"/>
+          </p:cNvPicPr>
+          <p:nvPr/>
+        </p:nvPicPr>
+        <p:blipFill>
+          <a:blip r:embed="rId3"/>
+          <a:stretch>
+            <a:fillRect/>
+          </a:stretch>
+        </p:blipFill>
+        <p:spPr>
+          <a:xfrm>
+            <a:off x="207382" y="956447"/>
+            <a:ext cx="4345790" cy="3649976"/>
+          </a:xfrm>
+          <a:prstGeom prst="rect">
+            <a:avLst/>
+          </a:prstGeom>
+        </p:spPr>
+      </p:pic>
+      <p:pic>
+        <p:nvPicPr>
+          <p:cNvPr id="8" name="Picture 7">
+            <a:extLst>
+              <a:ext uri="{FF2B5EF4-FFF2-40B4-BE49-F238E27FC236}">
+                <a16:creationId xmlns:a16="http://schemas.microsoft.com/office/drawing/2014/main" id="{E3EADE13-261D-4BB4-CC34-EB88283071F6}"/>
+              </a:ext>
+            </a:extLst>
+          </p:cNvPr>
+          <p:cNvPicPr>
+            <a:picLocks noChangeAspect="1"/>
+          </p:cNvPicPr>
+          <p:nvPr/>
+        </p:nvPicPr>
+        <p:blipFill>
+          <a:blip r:embed="rId4"/>
+          <a:srcRect b="29529"/>
+          <a:stretch/>
+        </p:blipFill>
+        <p:spPr>
+          <a:xfrm>
+            <a:off x="4716015" y="2785572"/>
+            <a:ext cx="4056492" cy="2187671"/>
+          </a:xfrm>
+          <a:prstGeom prst="rect">
+            <a:avLst/>
+          </a:prstGeom>
+        </p:spPr>
+      </p:pic>
+    </p:spTree>
+    <p:extLst>
+      <p:ext uri="{BB962C8B-B14F-4D97-AF65-F5344CB8AC3E}">
+        <p14:creationId xmlns:p14="http://schemas.microsoft.com/office/powerpoint/2010/main" val="2133512896"/>
+      </p:ext>
+    </p:extLst>
+  </p:cSld>
+  <p:clrMapOvr>
+    <a:masterClrMapping/>
+  </p:clrMapOvr>
+</p:sld>
+</file>
+
 <file path=ppt/theme/theme1.xml><?xml version="1.0" encoding="utf-8"?>
 <a:theme xmlns:a="http://schemas.openxmlformats.org/drawingml/2006/main" name="Office 2013 - 2022 Theme">
   <a:themeElements>

--- a/OpenAI-BackendTools.pptx
+++ b/OpenAI-BackendTools.pptx
@@ -5,10 +5,10 @@
     <p:sldMasterId id="2147483678" r:id="rId1"/>
   </p:sldMasterIdLst>
   <p:notesMasterIdLst>
-    <p:notesMasterId r:id="rId8"/>
+    <p:notesMasterId r:id="rId10"/>
   </p:notesMasterIdLst>
   <p:handoutMasterIdLst>
-    <p:handoutMasterId r:id="rId9"/>
+    <p:handoutMasterId r:id="rId11"/>
   </p:handoutMasterIdLst>
   <p:sldIdLst>
     <p:sldId id="258" r:id="rId2"/>
@@ -17,6 +17,8 @@
     <p:sldId id="260" r:id="rId5"/>
     <p:sldId id="262" r:id="rId6"/>
     <p:sldId id="263" r:id="rId7"/>
+    <p:sldId id="264" r:id="rId8"/>
+    <p:sldId id="265" r:id="rId9"/>
   </p:sldIdLst>
   <p:sldSz cx="9144000" cy="5715000" type="screen16x10"/>
   <p:notesSz cx="6797675" cy="9926638"/>
@@ -224,7 +226,7 @@
           <a:p>
             <a:fld id="{FC4BCF81-FD30-4738-8CD3-6C15724C57DB}" type="datetimeFigureOut">
               <a:rPr lang="en-GB" smtClean="0"/>
-              <a:t>26/05/2025</a:t>
+              <a:t>27/05/2025</a:t>
             </a:fld>
             <a:endParaRPr lang="en-GB"/>
           </a:p>
@@ -389,7 +391,7 @@
           <a:p>
             <a:fld id="{393C90FD-22B7-4ADA-A649-5A6995920D65}" type="datetimeFigureOut">
               <a:rPr lang="en-US" smtClean="0"/>
-              <a:t>5/26/2025</a:t>
+              <a:t>5/27/2025</a:t>
             </a:fld>
             <a:endParaRPr lang="en-US"/>
           </a:p>
@@ -26139,6 +26141,815 @@
 </p:sld>
 </file>
 
+<file path=ppt/slides/slide7.xml><?xml version="1.0" encoding="utf-8"?>
+<p:sld xmlns:a="http://schemas.openxmlformats.org/drawingml/2006/main" xmlns:r="http://schemas.openxmlformats.org/officeDocument/2006/relationships" xmlns:p="http://schemas.openxmlformats.org/presentationml/2006/main">
+  <p:cSld>
+    <p:spTree>
+      <p:nvGrpSpPr>
+        <p:cNvPr id="1" name=""/>
+        <p:cNvGrpSpPr/>
+        <p:nvPr/>
+      </p:nvGrpSpPr>
+      <p:grpSpPr>
+        <a:xfrm>
+          <a:off x="0" y="0"/>
+          <a:ext cx="0" cy="0"/>
+          <a:chOff x="0" y="0"/>
+          <a:chExt cx="0" cy="0"/>
+        </a:xfrm>
+      </p:grpSpPr>
+      <p:sp>
+        <p:nvSpPr>
+          <p:cNvPr id="2" name="Title 1">
+            <a:extLst>
+              <a:ext uri="{FF2B5EF4-FFF2-40B4-BE49-F238E27FC236}">
+                <a16:creationId xmlns:a16="http://schemas.microsoft.com/office/drawing/2014/main" id="{DA391E45-5173-E639-33B2-276F945F228B}"/>
+              </a:ext>
+            </a:extLst>
+          </p:cNvPr>
+          <p:cNvSpPr>
+            <a:spLocks noGrp="1"/>
+          </p:cNvSpPr>
+          <p:nvPr>
+            <p:ph type="title"/>
+          </p:nvPr>
+        </p:nvSpPr>
+        <p:spPr/>
+        <p:txBody>
+          <a:bodyPr/>
+          <a:lstStyle/>
+          <a:p>
+            <a:r>
+              <a:rPr lang="en-US"/>
+              <a:t>Responses API with file_search</a:t>
+            </a:r>
+            <a:endParaRPr lang="en-CA"/>
+          </a:p>
+        </p:txBody>
+      </p:sp>
+      <p:pic>
+        <p:nvPicPr>
+          <p:cNvPr id="5" name="Picture 4">
+            <a:extLst>
+              <a:ext uri="{FF2B5EF4-FFF2-40B4-BE49-F238E27FC236}">
+                <a16:creationId xmlns:a16="http://schemas.microsoft.com/office/drawing/2014/main" id="{519E8429-7A9F-302D-C77D-7AB5266D2A1B}"/>
+              </a:ext>
+            </a:extLst>
+          </p:cNvPr>
+          <p:cNvPicPr>
+            <a:picLocks noChangeAspect="1"/>
+          </p:cNvPicPr>
+          <p:nvPr/>
+        </p:nvPicPr>
+        <p:blipFill>
+          <a:blip r:embed="rId2"/>
+          <a:stretch>
+            <a:fillRect/>
+          </a:stretch>
+        </p:blipFill>
+        <p:spPr>
+          <a:xfrm>
+            <a:off x="179512" y="1057300"/>
+            <a:ext cx="4968552" cy="4412918"/>
+          </a:xfrm>
+          <a:prstGeom prst="rect">
+            <a:avLst/>
+          </a:prstGeom>
+          <a:effectLst>
+            <a:outerShdw blurRad="165100" dir="2700000" algn="tl" rotWithShape="0">
+              <a:prstClr val="black">
+                <a:alpha val="20000"/>
+              </a:prstClr>
+            </a:outerShdw>
+          </a:effectLst>
+        </p:spPr>
+      </p:pic>
+      <p:pic>
+        <p:nvPicPr>
+          <p:cNvPr id="9" name="Picture 8">
+            <a:extLst>
+              <a:ext uri="{FF2B5EF4-FFF2-40B4-BE49-F238E27FC236}">
+                <a16:creationId xmlns:a16="http://schemas.microsoft.com/office/drawing/2014/main" id="{58B4FEBB-7108-B980-FCAC-D57FF6683C90}"/>
+              </a:ext>
+            </a:extLst>
+          </p:cNvPr>
+          <p:cNvPicPr>
+            <a:picLocks noChangeAspect="1"/>
+          </p:cNvPicPr>
+          <p:nvPr/>
+        </p:nvPicPr>
+        <p:blipFill>
+          <a:blip r:embed="rId3"/>
+          <a:stretch>
+            <a:fillRect/>
+          </a:stretch>
+        </p:blipFill>
+        <p:spPr>
+          <a:xfrm>
+            <a:off x="4547196" y="1203133"/>
+            <a:ext cx="2428778" cy="2084770"/>
+          </a:xfrm>
+          <a:prstGeom prst="rect">
+            <a:avLst/>
+          </a:prstGeom>
+          <a:ln w="25400">
+            <a:solidFill>
+              <a:srgbClr val="E02B72"/>
+            </a:solidFill>
+            <a:miter lim="800000"/>
+          </a:ln>
+          <a:effectLst>
+            <a:outerShdw blurRad="165100" dir="2700000" algn="tl" rotWithShape="0">
+              <a:prstClr val="black">
+                <a:alpha val="20000"/>
+              </a:prstClr>
+            </a:outerShdw>
+          </a:effectLst>
+        </p:spPr>
+      </p:pic>
+      <p:pic>
+        <p:nvPicPr>
+          <p:cNvPr id="11" name="Picture 10">
+            <a:extLst>
+              <a:ext uri="{FF2B5EF4-FFF2-40B4-BE49-F238E27FC236}">
+                <a16:creationId xmlns:a16="http://schemas.microsoft.com/office/drawing/2014/main" id="{60BDBC6F-8FAB-9C22-05BD-C1345E12E85E}"/>
+              </a:ext>
+            </a:extLst>
+          </p:cNvPr>
+          <p:cNvPicPr>
+            <a:picLocks noChangeAspect="1"/>
+          </p:cNvPicPr>
+          <p:nvPr/>
+        </p:nvPicPr>
+        <p:blipFill>
+          <a:blip r:embed="rId4"/>
+          <a:srcRect l="874" t="9076" b="2166"/>
+          <a:stretch/>
+        </p:blipFill>
+        <p:spPr>
+          <a:xfrm>
+            <a:off x="6005759" y="1916254"/>
+            <a:ext cx="2946632" cy="3728460"/>
+          </a:xfrm>
+          <a:prstGeom prst="rect">
+            <a:avLst/>
+          </a:prstGeom>
+          <a:ln w="25400">
+            <a:solidFill>
+              <a:srgbClr val="0FA219"/>
+            </a:solidFill>
+            <a:miter lim="800000"/>
+          </a:ln>
+          <a:effectLst>
+            <a:outerShdw blurRad="165100" dir="2700000" algn="tl" rotWithShape="0">
+              <a:prstClr val="black">
+                <a:alpha val="20000"/>
+              </a:prstClr>
+            </a:outerShdw>
+          </a:effectLst>
+        </p:spPr>
+      </p:pic>
+      <p:cxnSp>
+        <p:nvCxnSpPr>
+          <p:cNvPr id="15" name="Straight Connector 14">
+            <a:extLst>
+              <a:ext uri="{FF2B5EF4-FFF2-40B4-BE49-F238E27FC236}">
+                <a16:creationId xmlns:a16="http://schemas.microsoft.com/office/drawing/2014/main" id="{5F6ADD7E-BC9E-7A00-3CB1-4DE0FC27808F}"/>
+              </a:ext>
+            </a:extLst>
+          </p:cNvPr>
+          <p:cNvCxnSpPr/>
+          <p:nvPr/>
+        </p:nvCxnSpPr>
+        <p:spPr>
+          <a:xfrm>
+            <a:off x="376486" y="3271379"/>
+            <a:ext cx="3888432" cy="0"/>
+          </a:xfrm>
+          <a:prstGeom prst="line">
+            <a:avLst/>
+          </a:prstGeom>
+          <a:ln w="25400">
+            <a:solidFill>
+              <a:srgbClr val="E02B72"/>
+            </a:solidFill>
+          </a:ln>
+        </p:spPr>
+        <p:style>
+          <a:lnRef idx="1">
+            <a:schemeClr val="accent1"/>
+          </a:lnRef>
+          <a:fillRef idx="0">
+            <a:schemeClr val="accent1"/>
+          </a:fillRef>
+          <a:effectRef idx="0">
+            <a:schemeClr val="accent1"/>
+          </a:effectRef>
+          <a:fontRef idx="minor">
+            <a:schemeClr val="tx1"/>
+          </a:fontRef>
+        </p:style>
+      </p:cxnSp>
+      <p:cxnSp>
+        <p:nvCxnSpPr>
+          <p:cNvPr id="16" name="Straight Connector 15">
+            <a:extLst>
+              <a:ext uri="{FF2B5EF4-FFF2-40B4-BE49-F238E27FC236}">
+                <a16:creationId xmlns:a16="http://schemas.microsoft.com/office/drawing/2014/main" id="{549A9DED-FE9A-D0C5-DD52-8BF3B9AAB2F2}"/>
+              </a:ext>
+            </a:extLst>
+          </p:cNvPr>
+          <p:cNvCxnSpPr>
+            <a:cxnSpLocks/>
+            <a:endCxn id="21" idx="0"/>
+          </p:cNvCxnSpPr>
+          <p:nvPr/>
+        </p:nvCxnSpPr>
+        <p:spPr>
+          <a:xfrm flipV="1">
+            <a:off x="376486" y="3384415"/>
+            <a:ext cx="3979490" cy="1"/>
+          </a:xfrm>
+          <a:prstGeom prst="line">
+            <a:avLst/>
+          </a:prstGeom>
+          <a:ln w="25400">
+            <a:solidFill>
+              <a:srgbClr val="0FA219"/>
+            </a:solidFill>
+          </a:ln>
+        </p:spPr>
+        <p:style>
+          <a:lnRef idx="1">
+            <a:schemeClr val="accent1"/>
+          </a:lnRef>
+          <a:fillRef idx="0">
+            <a:schemeClr val="accent1"/>
+          </a:fillRef>
+          <a:effectRef idx="0">
+            <a:schemeClr val="accent1"/>
+          </a:effectRef>
+          <a:fontRef idx="minor">
+            <a:schemeClr val="tx1"/>
+          </a:fontRef>
+        </p:style>
+      </p:cxnSp>
+      <p:sp>
+        <p:nvSpPr>
+          <p:cNvPr id="19" name="Freeform: Shape 18">
+            <a:extLst>
+              <a:ext uri="{FF2B5EF4-FFF2-40B4-BE49-F238E27FC236}">
+                <a16:creationId xmlns:a16="http://schemas.microsoft.com/office/drawing/2014/main" id="{FDCEDE36-6152-2322-89DF-EA4B5808B594}"/>
+              </a:ext>
+            </a:extLst>
+          </p:cNvPr>
+          <p:cNvSpPr/>
+          <p:nvPr/>
+        </p:nvSpPr>
+        <p:spPr>
+          <a:xfrm>
+            <a:off x="4251960" y="1536700"/>
+            <a:ext cx="266700" cy="1727200"/>
+          </a:xfrm>
+          <a:custGeom>
+            <a:avLst/>
+            <a:gdLst>
+              <a:gd name="connsiteX0" fmla="*/ 0 w 384048"/>
+              <a:gd name="connsiteY0" fmla="*/ 1456944 h 1456944"/>
+              <a:gd name="connsiteX1" fmla="*/ 0 w 384048"/>
+              <a:gd name="connsiteY1" fmla="*/ 0 h 1456944"/>
+              <a:gd name="connsiteX2" fmla="*/ 384048 w 384048"/>
+              <a:gd name="connsiteY2" fmla="*/ 0 h 1456944"/>
+            </a:gdLst>
+            <a:ahLst/>
+            <a:cxnLst>
+              <a:cxn ang="0">
+                <a:pos x="connsiteX0" y="connsiteY0"/>
+              </a:cxn>
+              <a:cxn ang="0">
+                <a:pos x="connsiteX1" y="connsiteY1"/>
+              </a:cxn>
+              <a:cxn ang="0">
+                <a:pos x="connsiteX2" y="connsiteY2"/>
+              </a:cxn>
+            </a:cxnLst>
+            <a:rect l="l" t="t" r="r" b="b"/>
+            <a:pathLst>
+              <a:path w="384048" h="1456944">
+                <a:moveTo>
+                  <a:pt x="0" y="1456944"/>
+                </a:moveTo>
+                <a:lnTo>
+                  <a:pt x="0" y="0"/>
+                </a:lnTo>
+                <a:lnTo>
+                  <a:pt x="384048" y="0"/>
+                </a:lnTo>
+              </a:path>
+            </a:pathLst>
+          </a:custGeom>
+          <a:ln w="25400">
+            <a:solidFill>
+              <a:srgbClr val="E02B72"/>
+            </a:solidFill>
+            <a:tailEnd type="triangle"/>
+          </a:ln>
+        </p:spPr>
+        <p:style>
+          <a:lnRef idx="1">
+            <a:schemeClr val="accent1"/>
+          </a:lnRef>
+          <a:fillRef idx="0">
+            <a:schemeClr val="accent1"/>
+          </a:fillRef>
+          <a:effectRef idx="0">
+            <a:schemeClr val="accent1"/>
+          </a:effectRef>
+          <a:fontRef idx="minor">
+            <a:schemeClr val="tx1"/>
+          </a:fontRef>
+        </p:style>
+        <p:txBody>
+          <a:bodyPr rtlCol="0" anchor="ctr"/>
+          <a:lstStyle/>
+          <a:p>
+            <a:pPr algn="ctr"/>
+            <a:endParaRPr lang="en-CA"/>
+          </a:p>
+        </p:txBody>
+      </p:sp>
+      <p:sp>
+        <p:nvSpPr>
+          <p:cNvPr id="21" name="Freeform: Shape 20">
+            <a:extLst>
+              <a:ext uri="{FF2B5EF4-FFF2-40B4-BE49-F238E27FC236}">
+                <a16:creationId xmlns:a16="http://schemas.microsoft.com/office/drawing/2014/main" id="{CA7025C9-8B96-85A5-CB20-20A078A71B56}"/>
+              </a:ext>
+            </a:extLst>
+          </p:cNvPr>
+          <p:cNvSpPr/>
+          <p:nvPr/>
+        </p:nvSpPr>
+        <p:spPr>
+          <a:xfrm>
+            <a:off x="4355976" y="1960880"/>
+            <a:ext cx="1623184" cy="1423535"/>
+          </a:xfrm>
+          <a:custGeom>
+            <a:avLst/>
+            <a:gdLst>
+              <a:gd name="connsiteX0" fmla="*/ 0 w 384048"/>
+              <a:gd name="connsiteY0" fmla="*/ 1456944 h 1456944"/>
+              <a:gd name="connsiteX1" fmla="*/ 0 w 384048"/>
+              <a:gd name="connsiteY1" fmla="*/ 0 h 1456944"/>
+              <a:gd name="connsiteX2" fmla="*/ 384048 w 384048"/>
+              <a:gd name="connsiteY2" fmla="*/ 0 h 1456944"/>
+            </a:gdLst>
+            <a:ahLst/>
+            <a:cxnLst>
+              <a:cxn ang="0">
+                <a:pos x="connsiteX0" y="connsiteY0"/>
+              </a:cxn>
+              <a:cxn ang="0">
+                <a:pos x="connsiteX1" y="connsiteY1"/>
+              </a:cxn>
+              <a:cxn ang="0">
+                <a:pos x="connsiteX2" y="connsiteY2"/>
+              </a:cxn>
+            </a:cxnLst>
+            <a:rect l="l" t="t" r="r" b="b"/>
+            <a:pathLst>
+              <a:path w="384048" h="1456944">
+                <a:moveTo>
+                  <a:pt x="0" y="1456944"/>
+                </a:moveTo>
+                <a:lnTo>
+                  <a:pt x="0" y="0"/>
+                </a:lnTo>
+                <a:lnTo>
+                  <a:pt x="384048" y="0"/>
+                </a:lnTo>
+              </a:path>
+            </a:pathLst>
+          </a:custGeom>
+          <a:ln w="25400">
+            <a:solidFill>
+              <a:srgbClr val="0FA219"/>
+            </a:solidFill>
+            <a:tailEnd type="triangle"/>
+          </a:ln>
+        </p:spPr>
+        <p:style>
+          <a:lnRef idx="1">
+            <a:schemeClr val="accent1"/>
+          </a:lnRef>
+          <a:fillRef idx="0">
+            <a:schemeClr val="accent1"/>
+          </a:fillRef>
+          <a:effectRef idx="0">
+            <a:schemeClr val="accent1"/>
+          </a:effectRef>
+          <a:fontRef idx="minor">
+            <a:schemeClr val="tx1"/>
+          </a:fontRef>
+        </p:style>
+        <p:txBody>
+          <a:bodyPr rtlCol="0" anchor="ctr"/>
+          <a:lstStyle/>
+          <a:p>
+            <a:pPr algn="ctr"/>
+            <a:endParaRPr lang="en-CA"/>
+          </a:p>
+        </p:txBody>
+      </p:sp>
+      <p:sp>
+        <p:nvSpPr>
+          <p:cNvPr id="27" name="TextBox 26">
+            <a:extLst>
+              <a:ext uri="{FF2B5EF4-FFF2-40B4-BE49-F238E27FC236}">
+                <a16:creationId xmlns:a16="http://schemas.microsoft.com/office/drawing/2014/main" id="{45AA5D79-4A0C-3D4F-401A-85235D88BFB7}"/>
+              </a:ext>
+            </a:extLst>
+          </p:cNvPr>
+          <p:cNvSpPr txBox="1"/>
+          <p:nvPr/>
+        </p:nvSpPr>
+        <p:spPr>
+          <a:xfrm>
+            <a:off x="4547196" y="1016779"/>
+            <a:ext cx="1447019" cy="172064"/>
+          </a:xfrm>
+          <a:prstGeom prst="rect">
+            <a:avLst/>
+          </a:prstGeom>
+          <a:solidFill>
+            <a:srgbClr val="E02B72"/>
+          </a:solidFill>
+          <a:ln w="25400">
+            <a:solidFill>
+              <a:srgbClr val="E02B72"/>
+            </a:solidFill>
+            <a:miter lim="800000"/>
+          </a:ln>
+        </p:spPr>
+        <p:txBody>
+          <a:bodyPr wrap="none" lIns="36000" tIns="0" rIns="54000" bIns="18000" rtlCol="0">
+            <a:spAutoFit/>
+          </a:bodyPr>
+          <a:lstStyle/>
+          <a:p>
+            <a:pPr algn="l"/>
+            <a:r>
+              <a:rPr lang="en-US" sz="1000" i="1">
+                <a:solidFill>
+                  <a:schemeClr val="bg1"/>
+                </a:solidFill>
+                <a:latin typeface="Arial Narrow" panose="020B0606020202030204" pitchFamily="34" charset="0"/>
+              </a:rPr>
+              <a:t>ResponseFileSearchToolCall</a:t>
+            </a:r>
+            <a:endParaRPr lang="en-CA" sz="1000" i="1">
+              <a:solidFill>
+                <a:schemeClr val="bg1"/>
+              </a:solidFill>
+              <a:latin typeface="Arial Narrow" panose="020B0606020202030204" pitchFamily="34" charset="0"/>
+            </a:endParaRPr>
+          </a:p>
+        </p:txBody>
+      </p:sp>
+      <p:sp>
+        <p:nvSpPr>
+          <p:cNvPr id="28" name="TextBox 27">
+            <a:extLst>
+              <a:ext uri="{FF2B5EF4-FFF2-40B4-BE49-F238E27FC236}">
+                <a16:creationId xmlns:a16="http://schemas.microsoft.com/office/drawing/2014/main" id="{8BC42FD7-D5AA-BCDA-BCE2-D24535A0CD5F}"/>
+              </a:ext>
+            </a:extLst>
+          </p:cNvPr>
+          <p:cNvSpPr txBox="1"/>
+          <p:nvPr/>
+        </p:nvSpPr>
+        <p:spPr>
+          <a:xfrm>
+            <a:off x="5994329" y="1726341"/>
+            <a:ext cx="1297941" cy="172064"/>
+          </a:xfrm>
+          <a:prstGeom prst="rect">
+            <a:avLst/>
+          </a:prstGeom>
+          <a:solidFill>
+            <a:srgbClr val="0FA219"/>
+          </a:solidFill>
+          <a:ln w="25400">
+            <a:solidFill>
+              <a:srgbClr val="0FA219"/>
+            </a:solidFill>
+            <a:miter lim="800000"/>
+          </a:ln>
+        </p:spPr>
+        <p:txBody>
+          <a:bodyPr wrap="none" lIns="36000" tIns="0" rIns="54000" bIns="18000" rtlCol="0">
+            <a:spAutoFit/>
+          </a:bodyPr>
+          <a:lstStyle/>
+          <a:p>
+            <a:pPr algn="l"/>
+            <a:r>
+              <a:rPr lang="en-US" sz="1000" i="1">
+                <a:solidFill>
+                  <a:schemeClr val="bg1"/>
+                </a:solidFill>
+                <a:latin typeface="Arial Narrow" panose="020B0606020202030204" pitchFamily="34" charset="0"/>
+              </a:rPr>
+              <a:t>ResponseOutputMessage</a:t>
+            </a:r>
+            <a:endParaRPr lang="en-CA" sz="1000" i="1">
+              <a:solidFill>
+                <a:schemeClr val="bg1"/>
+              </a:solidFill>
+              <a:latin typeface="Arial Narrow" panose="020B0606020202030204" pitchFamily="34" charset="0"/>
+            </a:endParaRPr>
+          </a:p>
+        </p:txBody>
+      </p:sp>
+    </p:spTree>
+    <p:extLst>
+      <p:ext uri="{BB962C8B-B14F-4D97-AF65-F5344CB8AC3E}">
+        <p14:creationId xmlns:p14="http://schemas.microsoft.com/office/powerpoint/2010/main" val="964077398"/>
+      </p:ext>
+    </p:extLst>
+  </p:cSld>
+  <p:clrMapOvr>
+    <a:masterClrMapping/>
+  </p:clrMapOvr>
+</p:sld>
+</file>
+
+<file path=ppt/slides/slide8.xml><?xml version="1.0" encoding="utf-8"?>
+<p:sld xmlns:a="http://schemas.openxmlformats.org/drawingml/2006/main" xmlns:r="http://schemas.openxmlformats.org/officeDocument/2006/relationships" xmlns:p="http://schemas.openxmlformats.org/presentationml/2006/main">
+  <p:cSld>
+    <p:spTree>
+      <p:nvGrpSpPr>
+        <p:cNvPr id="1" name=""/>
+        <p:cNvGrpSpPr/>
+        <p:nvPr/>
+      </p:nvGrpSpPr>
+      <p:grpSpPr>
+        <a:xfrm>
+          <a:off x="0" y="0"/>
+          <a:ext cx="0" cy="0"/>
+          <a:chOff x="0" y="0"/>
+          <a:chExt cx="0" cy="0"/>
+        </a:xfrm>
+      </p:grpSpPr>
+      <p:pic>
+        <p:nvPicPr>
+          <p:cNvPr id="7" name="Picture 6">
+            <a:extLst>
+              <a:ext uri="{FF2B5EF4-FFF2-40B4-BE49-F238E27FC236}">
+                <a16:creationId xmlns:a16="http://schemas.microsoft.com/office/drawing/2014/main" id="{6898DBF9-E0A9-64F8-55D6-82C126FA293B}"/>
+              </a:ext>
+            </a:extLst>
+          </p:cNvPr>
+          <p:cNvPicPr>
+            <a:picLocks noChangeAspect="1"/>
+          </p:cNvPicPr>
+          <p:nvPr/>
+        </p:nvPicPr>
+        <p:blipFill>
+          <a:blip r:embed="rId2"/>
+          <a:srcRect l="1242"/>
+          <a:stretch/>
+        </p:blipFill>
+        <p:spPr>
+          <a:xfrm>
+            <a:off x="218783" y="882805"/>
+            <a:ext cx="2489799" cy="3054816"/>
+          </a:xfrm>
+          <a:prstGeom prst="rect">
+            <a:avLst/>
+          </a:prstGeom>
+          <a:effectLst>
+            <a:outerShdw blurRad="165100" dir="2700000" algn="tl" rotWithShape="0">
+              <a:prstClr val="black">
+                <a:alpha val="20000"/>
+              </a:prstClr>
+            </a:outerShdw>
+          </a:effectLst>
+        </p:spPr>
+      </p:pic>
+      <p:sp>
+        <p:nvSpPr>
+          <p:cNvPr id="2" name="Title 1">
+            <a:extLst>
+              <a:ext uri="{FF2B5EF4-FFF2-40B4-BE49-F238E27FC236}">
+                <a16:creationId xmlns:a16="http://schemas.microsoft.com/office/drawing/2014/main" id="{DA391E45-5173-E639-33B2-276F945F228B}"/>
+              </a:ext>
+            </a:extLst>
+          </p:cNvPr>
+          <p:cNvSpPr>
+            <a:spLocks noGrp="1"/>
+          </p:cNvSpPr>
+          <p:nvPr>
+            <p:ph type="title"/>
+          </p:nvPr>
+        </p:nvSpPr>
+        <p:spPr/>
+        <p:txBody>
+          <a:bodyPr/>
+          <a:lstStyle/>
+          <a:p>
+            <a:r>
+              <a:rPr lang="en-US"/>
+              <a:t>Responses API with file_search and file_search_call.results </a:t>
+            </a:r>
+            <a:endParaRPr lang="en-CA"/>
+          </a:p>
+        </p:txBody>
+      </p:sp>
+      <p:cxnSp>
+        <p:nvCxnSpPr>
+          <p:cNvPr id="15" name="Straight Connector 14">
+            <a:extLst>
+              <a:ext uri="{FF2B5EF4-FFF2-40B4-BE49-F238E27FC236}">
+                <a16:creationId xmlns:a16="http://schemas.microsoft.com/office/drawing/2014/main" id="{5F6ADD7E-BC9E-7A00-3CB1-4DE0FC27808F}"/>
+              </a:ext>
+            </a:extLst>
+          </p:cNvPr>
+          <p:cNvCxnSpPr>
+            <a:cxnSpLocks/>
+          </p:cNvCxnSpPr>
+          <p:nvPr/>
+        </p:nvCxnSpPr>
+        <p:spPr>
+          <a:xfrm>
+            <a:off x="318448" y="2641476"/>
+            <a:ext cx="2439992" cy="0"/>
+          </a:xfrm>
+          <a:prstGeom prst="line">
+            <a:avLst/>
+          </a:prstGeom>
+          <a:ln w="25400">
+            <a:solidFill>
+              <a:srgbClr val="E02B72"/>
+            </a:solidFill>
+          </a:ln>
+        </p:spPr>
+        <p:style>
+          <a:lnRef idx="1">
+            <a:schemeClr val="accent1"/>
+          </a:lnRef>
+          <a:fillRef idx="0">
+            <a:schemeClr val="accent1"/>
+          </a:fillRef>
+          <a:effectRef idx="0">
+            <a:schemeClr val="accent1"/>
+          </a:effectRef>
+          <a:fontRef idx="minor">
+            <a:schemeClr val="tx1"/>
+          </a:fontRef>
+        </p:style>
+      </p:cxnSp>
+      <p:sp>
+        <p:nvSpPr>
+          <p:cNvPr id="19" name="Freeform: Shape 18">
+            <a:extLst>
+              <a:ext uri="{FF2B5EF4-FFF2-40B4-BE49-F238E27FC236}">
+                <a16:creationId xmlns:a16="http://schemas.microsoft.com/office/drawing/2014/main" id="{FDCEDE36-6152-2322-89DF-EA4B5808B594}"/>
+              </a:ext>
+            </a:extLst>
+          </p:cNvPr>
+          <p:cNvSpPr/>
+          <p:nvPr/>
+        </p:nvSpPr>
+        <p:spPr>
+          <a:xfrm>
+            <a:off x="2748449" y="918364"/>
+            <a:ext cx="157436" cy="1727200"/>
+          </a:xfrm>
+          <a:custGeom>
+            <a:avLst/>
+            <a:gdLst>
+              <a:gd name="connsiteX0" fmla="*/ 0 w 384048"/>
+              <a:gd name="connsiteY0" fmla="*/ 1456944 h 1456944"/>
+              <a:gd name="connsiteX1" fmla="*/ 0 w 384048"/>
+              <a:gd name="connsiteY1" fmla="*/ 0 h 1456944"/>
+              <a:gd name="connsiteX2" fmla="*/ 384048 w 384048"/>
+              <a:gd name="connsiteY2" fmla="*/ 0 h 1456944"/>
+            </a:gdLst>
+            <a:ahLst/>
+            <a:cxnLst>
+              <a:cxn ang="0">
+                <a:pos x="connsiteX0" y="connsiteY0"/>
+              </a:cxn>
+              <a:cxn ang="0">
+                <a:pos x="connsiteX1" y="connsiteY1"/>
+              </a:cxn>
+              <a:cxn ang="0">
+                <a:pos x="connsiteX2" y="connsiteY2"/>
+              </a:cxn>
+            </a:cxnLst>
+            <a:rect l="l" t="t" r="r" b="b"/>
+            <a:pathLst>
+              <a:path w="384048" h="1456944">
+                <a:moveTo>
+                  <a:pt x="0" y="1456944"/>
+                </a:moveTo>
+                <a:lnTo>
+                  <a:pt x="0" y="0"/>
+                </a:lnTo>
+                <a:lnTo>
+                  <a:pt x="384048" y="0"/>
+                </a:lnTo>
+              </a:path>
+            </a:pathLst>
+          </a:custGeom>
+          <a:ln w="25400">
+            <a:solidFill>
+              <a:srgbClr val="E02B72"/>
+            </a:solidFill>
+            <a:tailEnd type="triangle"/>
+          </a:ln>
+        </p:spPr>
+        <p:style>
+          <a:lnRef idx="1">
+            <a:schemeClr val="accent1"/>
+          </a:lnRef>
+          <a:fillRef idx="0">
+            <a:schemeClr val="accent1"/>
+          </a:fillRef>
+          <a:effectRef idx="0">
+            <a:schemeClr val="accent1"/>
+          </a:effectRef>
+          <a:fontRef idx="minor">
+            <a:schemeClr val="tx1"/>
+          </a:fontRef>
+        </p:style>
+        <p:txBody>
+          <a:bodyPr rtlCol="0" anchor="ctr"/>
+          <a:lstStyle/>
+          <a:p>
+            <a:pPr algn="ctr"/>
+            <a:endParaRPr lang="en-CA"/>
+          </a:p>
+        </p:txBody>
+      </p:sp>
+      <p:pic>
+        <p:nvPicPr>
+          <p:cNvPr id="4" name="Picture 3">
+            <a:extLst>
+              <a:ext uri="{FF2B5EF4-FFF2-40B4-BE49-F238E27FC236}">
+                <a16:creationId xmlns:a16="http://schemas.microsoft.com/office/drawing/2014/main" id="{B6C515F8-1218-2336-F63A-9F5CAFB5FFB1}"/>
+              </a:ext>
+            </a:extLst>
+          </p:cNvPr>
+          <p:cNvPicPr>
+            <a:picLocks noChangeAspect="1"/>
+          </p:cNvPicPr>
+          <p:nvPr/>
+        </p:nvPicPr>
+        <p:blipFill>
+          <a:blip r:embed="rId3"/>
+          <a:stretch>
+            <a:fillRect/>
+          </a:stretch>
+        </p:blipFill>
+        <p:spPr>
+          <a:xfrm>
+            <a:off x="2927036" y="869361"/>
+            <a:ext cx="5971650" cy="4673676"/>
+          </a:xfrm>
+          <a:prstGeom prst="rect">
+            <a:avLst/>
+          </a:prstGeom>
+          <a:ln w="25400">
+            <a:solidFill>
+              <a:srgbClr val="E02B72"/>
+            </a:solidFill>
+            <a:miter lim="800000"/>
+          </a:ln>
+          <a:effectLst>
+            <a:outerShdw blurRad="165100" dir="2700000" algn="tl" rotWithShape="0">
+              <a:prstClr val="black">
+                <a:alpha val="20000"/>
+              </a:prstClr>
+            </a:outerShdw>
+          </a:effectLst>
+        </p:spPr>
+      </p:pic>
+    </p:spTree>
+    <p:extLst>
+      <p:ext uri="{BB962C8B-B14F-4D97-AF65-F5344CB8AC3E}">
+        <p14:creationId xmlns:p14="http://schemas.microsoft.com/office/powerpoint/2010/main" val="2542428014"/>
+      </p:ext>
+    </p:extLst>
+  </p:cSld>
+  <p:clrMapOvr>
+    <a:masterClrMapping/>
+  </p:clrMapOvr>
+</p:sld>
+</file>
+
 <file path=ppt/theme/theme1.xml><?xml version="1.0" encoding="utf-8"?>
 <a:theme xmlns:a="http://schemas.openxmlformats.org/drawingml/2006/main" name="Office 2013 - 2022 Theme">
   <a:themeElements>

--- a/OpenAI-BackendTools.pptx
+++ b/OpenAI-BackendTools.pptx
@@ -5,10 +5,10 @@
     <p:sldMasterId id="2147483678" r:id="rId1"/>
   </p:sldMasterIdLst>
   <p:notesMasterIdLst>
-    <p:notesMasterId r:id="rId10"/>
+    <p:notesMasterId r:id="rId11"/>
   </p:notesMasterIdLst>
   <p:handoutMasterIdLst>
-    <p:handoutMasterId r:id="rId11"/>
+    <p:handoutMasterId r:id="rId12"/>
   </p:handoutMasterIdLst>
   <p:sldIdLst>
     <p:sldId id="258" r:id="rId2"/>
@@ -17,8 +17,9 @@
     <p:sldId id="260" r:id="rId5"/>
     <p:sldId id="262" r:id="rId6"/>
     <p:sldId id="263" r:id="rId7"/>
-    <p:sldId id="264" r:id="rId8"/>
-    <p:sldId id="265" r:id="rId9"/>
+    <p:sldId id="266" r:id="rId8"/>
+    <p:sldId id="264" r:id="rId9"/>
+    <p:sldId id="265" r:id="rId10"/>
   </p:sldIdLst>
   <p:sldSz cx="9144000" cy="5715000" type="screen16x10"/>
   <p:notesSz cx="6797675" cy="9926638"/>
@@ -226,7 +227,7 @@
           <a:p>
             <a:fld id="{FC4BCF81-FD30-4738-8CD3-6C15724C57DB}" type="datetimeFigureOut">
               <a:rPr lang="en-GB" smtClean="0"/>
-              <a:t>27/05/2025</a:t>
+              <a:t>28/05/2025</a:t>
             </a:fld>
             <a:endParaRPr lang="en-GB"/>
           </a:p>
@@ -391,7 +392,7 @@
           <a:p>
             <a:fld id="{393C90FD-22B7-4ADA-A649-5A6995920D65}" type="datetimeFigureOut">
               <a:rPr lang="en-US" smtClean="0"/>
-              <a:t>5/27/2025</a:t>
+              <a:t>5/28/2025</a:t>
             </a:fld>
             <a:endParaRPr lang="en-US"/>
           </a:p>
@@ -26181,6 +26182,424 @@
           <a:p>
             <a:r>
               <a:rPr lang="en-US"/>
+              <a:t>Search Results with query rewrite</a:t>
+            </a:r>
+            <a:endParaRPr lang="en-CA"/>
+          </a:p>
+        </p:txBody>
+      </p:sp>
+      <p:pic>
+        <p:nvPicPr>
+          <p:cNvPr id="5" name="Picture 4">
+            <a:extLst>
+              <a:ext uri="{FF2B5EF4-FFF2-40B4-BE49-F238E27FC236}">
+                <a16:creationId xmlns:a16="http://schemas.microsoft.com/office/drawing/2014/main" id="{B3F73481-56AA-A374-D910-233D181C582F}"/>
+              </a:ext>
+            </a:extLst>
+          </p:cNvPr>
+          <p:cNvPicPr>
+            <a:picLocks noChangeAspect="1"/>
+          </p:cNvPicPr>
+          <p:nvPr/>
+        </p:nvPicPr>
+        <p:blipFill>
+          <a:blip r:embed="rId2"/>
+          <a:stretch>
+            <a:fillRect/>
+          </a:stretch>
+        </p:blipFill>
+        <p:spPr>
+          <a:xfrm>
+            <a:off x="371493" y="841276"/>
+            <a:ext cx="2930203" cy="4361518"/>
+          </a:xfrm>
+          <a:prstGeom prst="rect">
+            <a:avLst/>
+          </a:prstGeom>
+        </p:spPr>
+      </p:pic>
+      <p:pic>
+        <p:nvPicPr>
+          <p:cNvPr id="9" name="Picture 8">
+            <a:extLst>
+              <a:ext uri="{FF2B5EF4-FFF2-40B4-BE49-F238E27FC236}">
+                <a16:creationId xmlns:a16="http://schemas.microsoft.com/office/drawing/2014/main" id="{E00D3593-133D-E87E-55E6-ADA36B134A35}"/>
+              </a:ext>
+            </a:extLst>
+          </p:cNvPr>
+          <p:cNvPicPr>
+            <a:picLocks noChangeAspect="1"/>
+          </p:cNvPicPr>
+          <p:nvPr/>
+        </p:nvPicPr>
+        <p:blipFill>
+          <a:blip r:embed="rId3"/>
+          <a:stretch>
+            <a:fillRect/>
+          </a:stretch>
+        </p:blipFill>
+        <p:spPr>
+          <a:xfrm>
+            <a:off x="3851920" y="2001553"/>
+            <a:ext cx="4499238" cy="2222515"/>
+          </a:xfrm>
+          <a:prstGeom prst="rect">
+            <a:avLst/>
+          </a:prstGeom>
+        </p:spPr>
+      </p:pic>
+      <p:sp>
+        <p:nvSpPr>
+          <p:cNvPr id="10" name="TextBox 9">
+            <a:extLst>
+              <a:ext uri="{FF2B5EF4-FFF2-40B4-BE49-F238E27FC236}">
+                <a16:creationId xmlns:a16="http://schemas.microsoft.com/office/drawing/2014/main" id="{49F6B8BB-8B81-59FF-6EFC-B06F8FC8A913}"/>
+              </a:ext>
+            </a:extLst>
+          </p:cNvPr>
+          <p:cNvSpPr txBox="1"/>
+          <p:nvPr/>
+        </p:nvSpPr>
+        <p:spPr>
+          <a:xfrm>
+            <a:off x="3995936" y="950350"/>
+            <a:ext cx="3637214" cy="492443"/>
+          </a:xfrm>
+          <a:prstGeom prst="rect">
+            <a:avLst/>
+          </a:prstGeom>
+          <a:noFill/>
+        </p:spPr>
+        <p:txBody>
+          <a:bodyPr wrap="none" lIns="0" tIns="0" rIns="0" bIns="0" rtlCol="0">
+            <a:spAutoFit/>
+          </a:bodyPr>
+          <a:lstStyle/>
+          <a:p>
+            <a:r>
+              <a:rPr lang="en-US" sz="1600">
+                <a:solidFill>
+                  <a:srgbClr val="005AB4"/>
+                </a:solidFill>
+                <a:latin typeface="Arial Narrow" panose="020B0606020202030204" pitchFamily="34" charset="0"/>
+              </a:rPr>
+              <a:t>Query: </a:t>
+            </a:r>
+            <a:r>
+              <a:rPr lang="en-US" sz="1600" b="0">
+                <a:solidFill>
+                  <a:srgbClr val="00AA1E"/>
+                </a:solidFill>
+                <a:effectLst/>
+                <a:latin typeface="JetBrains Mono" panose="020B0509020102050004" pitchFamily="49" charset="0"/>
+              </a:rPr>
+              <a:t>All files from year 2015.</a:t>
+            </a:r>
+          </a:p>
+          <a:p>
+            <a:r>
+              <a:rPr lang="en-US" sz="1600">
+                <a:solidFill>
+                  <a:srgbClr val="005AB4"/>
+                </a:solidFill>
+                <a:latin typeface="Arial Narrow" panose="020B0606020202030204" pitchFamily="34" charset="0"/>
+              </a:rPr>
+              <a:t>Rewritten query: </a:t>
+            </a:r>
+            <a:r>
+              <a:rPr lang="en-US" sz="1600" b="0">
+                <a:solidFill>
+                  <a:srgbClr val="00AA1E"/>
+                </a:solidFill>
+                <a:effectLst/>
+                <a:latin typeface="JetBrains Mono" panose="020B0509020102050004" pitchFamily="49" charset="0"/>
+              </a:rPr>
+              <a:t>Files from 2015</a:t>
+            </a:r>
+            <a:endParaRPr lang="en-US" sz="1600" b="0">
+              <a:solidFill>
+                <a:srgbClr val="000000"/>
+              </a:solidFill>
+              <a:effectLst/>
+              <a:latin typeface="JetBrains Mono" panose="020B0509020102050004" pitchFamily="49" charset="0"/>
+            </a:endParaRPr>
+          </a:p>
+        </p:txBody>
+      </p:sp>
+      <p:sp>
+        <p:nvSpPr>
+          <p:cNvPr id="11" name="TextBox 10">
+            <a:extLst>
+              <a:ext uri="{FF2B5EF4-FFF2-40B4-BE49-F238E27FC236}">
+                <a16:creationId xmlns:a16="http://schemas.microsoft.com/office/drawing/2014/main" id="{F704FCAD-573D-6913-3585-7D3DAE4BDDCD}"/>
+              </a:ext>
+            </a:extLst>
+          </p:cNvPr>
+          <p:cNvSpPr txBox="1"/>
+          <p:nvPr/>
+        </p:nvSpPr>
+        <p:spPr>
+          <a:xfrm>
+            <a:off x="5292080" y="5305772"/>
+            <a:ext cx="2720296" cy="138499"/>
+          </a:xfrm>
+          <a:prstGeom prst="rect">
+            <a:avLst/>
+          </a:prstGeom>
+          <a:noFill/>
+        </p:spPr>
+        <p:txBody>
+          <a:bodyPr wrap="none" lIns="0" tIns="0" rIns="0" bIns="0" rtlCol="0">
+            <a:spAutoFit/>
+          </a:bodyPr>
+          <a:lstStyle/>
+          <a:p>
+            <a:pPr algn="l"/>
+            <a:r>
+              <a:rPr lang="en-CA" sz="900">
+                <a:solidFill>
+                  <a:srgbClr val="005AB4"/>
+                </a:solidFill>
+                <a:latin typeface="Arial Narrow" panose="020B0606020202030204" pitchFamily="34" charset="0"/>
+                <a:hlinkClick r:id="rId4"/>
+              </a:rPr>
+              <a:t>https://platform.openai.com/docs/guides/retrieval#query-rewriting</a:t>
+            </a:r>
+            <a:endParaRPr lang="en-CA" sz="900">
+              <a:solidFill>
+                <a:srgbClr val="005AB4"/>
+              </a:solidFill>
+              <a:latin typeface="Arial Narrow" panose="020B0606020202030204" pitchFamily="34" charset="0"/>
+            </a:endParaRPr>
+          </a:p>
+        </p:txBody>
+      </p:sp>
+      <p:sp>
+        <p:nvSpPr>
+          <p:cNvPr id="12" name="Rectangle 11">
+            <a:extLst>
+              <a:ext uri="{FF2B5EF4-FFF2-40B4-BE49-F238E27FC236}">
+                <a16:creationId xmlns:a16="http://schemas.microsoft.com/office/drawing/2014/main" id="{70B446C6-09BB-70F8-14FA-03EDECFA1AAB}"/>
+              </a:ext>
+            </a:extLst>
+          </p:cNvPr>
+          <p:cNvSpPr/>
+          <p:nvPr/>
+        </p:nvSpPr>
+        <p:spPr>
+          <a:xfrm>
+            <a:off x="506103" y="2059904"/>
+            <a:ext cx="1944216" cy="216024"/>
+          </a:xfrm>
+          <a:prstGeom prst="rect">
+            <a:avLst/>
+          </a:prstGeom>
+          <a:noFill/>
+          <a:ln w="25400">
+            <a:solidFill>
+              <a:srgbClr val="FF0000"/>
+            </a:solidFill>
+          </a:ln>
+        </p:spPr>
+        <p:style>
+          <a:lnRef idx="2">
+            <a:schemeClr val="accent1">
+              <a:shade val="15000"/>
+            </a:schemeClr>
+          </a:lnRef>
+          <a:fillRef idx="1">
+            <a:schemeClr val="accent1"/>
+          </a:fillRef>
+          <a:effectRef idx="0">
+            <a:schemeClr val="accent1"/>
+          </a:effectRef>
+          <a:fontRef idx="minor">
+            <a:schemeClr val="lt1"/>
+          </a:fontRef>
+        </p:style>
+        <p:txBody>
+          <a:bodyPr lIns="36000" tIns="36000" rIns="36000" bIns="36000" rtlCol="0" anchor="ctr"/>
+          <a:lstStyle/>
+          <a:p>
+            <a:pPr algn="ctr"/>
+            <a:endParaRPr lang="en-CA" sz="1600">
+              <a:solidFill>
+                <a:srgbClr val="005AB4"/>
+              </a:solidFill>
+              <a:latin typeface="Arial Narrow" panose="020B0606020202030204" pitchFamily="34" charset="0"/>
+            </a:endParaRPr>
+          </a:p>
+        </p:txBody>
+      </p:sp>
+      <p:sp>
+        <p:nvSpPr>
+          <p:cNvPr id="14" name="TextBox 13">
+            <a:extLst>
+              <a:ext uri="{FF2B5EF4-FFF2-40B4-BE49-F238E27FC236}">
+                <a16:creationId xmlns:a16="http://schemas.microsoft.com/office/drawing/2014/main" id="{E6CAB2A2-01ED-F6EE-DEB9-074B3A465E95}"/>
+              </a:ext>
+            </a:extLst>
+          </p:cNvPr>
+          <p:cNvSpPr txBox="1"/>
+          <p:nvPr/>
+        </p:nvSpPr>
+        <p:spPr>
+          <a:xfrm>
+            <a:off x="3874749" y="1544582"/>
+            <a:ext cx="4872208" cy="257122"/>
+          </a:xfrm>
+          <a:prstGeom prst="rect">
+            <a:avLst/>
+          </a:prstGeom>
+          <a:noFill/>
+        </p:spPr>
+        <p:txBody>
+          <a:bodyPr wrap="square">
+            <a:spAutoFit/>
+          </a:bodyPr>
+          <a:lstStyle/>
+          <a:p>
+            <a:pPr>
+              <a:lnSpc>
+                <a:spcPts val="1425"/>
+              </a:lnSpc>
+            </a:pPr>
+            <a:r>
+              <a:rPr lang="en-US" sz="900" b="0">
+                <a:solidFill>
+                  <a:srgbClr val="321EC8"/>
+                </a:solidFill>
+                <a:effectLst/>
+                <a:latin typeface="JetBrains Mono" panose="020B0509020102050004" pitchFamily="49" charset="0"/>
+              </a:rPr>
+              <a:t>rewritten_search_query</a:t>
+            </a:r>
+            <a:r>
+              <a:rPr lang="en-US" sz="900" b="0">
+                <a:solidFill>
+                  <a:srgbClr val="000000"/>
+                </a:solidFill>
+                <a:effectLst/>
+                <a:latin typeface="JetBrains Mono" panose="020B0509020102050004" pitchFamily="49" charset="0"/>
+              </a:rPr>
+              <a:t> </a:t>
+            </a:r>
+            <a:r>
+              <a:rPr lang="en-US" sz="900" b="0">
+                <a:solidFill>
+                  <a:srgbClr val="002B55"/>
+                </a:solidFill>
+                <a:effectLst/>
+                <a:latin typeface="JetBrains Mono" panose="020B0509020102050004" pitchFamily="49" charset="0"/>
+              </a:rPr>
+              <a:t>=</a:t>
+            </a:r>
+            <a:r>
+              <a:rPr lang="en-US" sz="900" b="0">
+                <a:solidFill>
+                  <a:srgbClr val="000000"/>
+                </a:solidFill>
+                <a:effectLst/>
+                <a:latin typeface="JetBrains Mono" panose="020B0509020102050004" pitchFamily="49" charset="0"/>
+              </a:rPr>
+              <a:t> </a:t>
+            </a:r>
+            <a:r>
+              <a:rPr lang="en-US" sz="900" b="0">
+                <a:solidFill>
+                  <a:srgbClr val="321EC8"/>
+                </a:solidFill>
+                <a:effectLst/>
+                <a:latin typeface="JetBrains Mono" panose="020B0509020102050004" pitchFamily="49" charset="0"/>
+              </a:rPr>
+              <a:t>search_results</a:t>
+            </a:r>
+            <a:r>
+              <a:rPr lang="en-US" sz="900" b="0">
+                <a:solidFill>
+                  <a:srgbClr val="000000"/>
+                </a:solidFill>
+                <a:effectLst/>
+                <a:latin typeface="JetBrains Mono" panose="020B0509020102050004" pitchFamily="49" charset="0"/>
+              </a:rPr>
+              <a:t>.model_extra[</a:t>
+            </a:r>
+            <a:r>
+              <a:rPr lang="en-US" sz="900" b="0">
+                <a:solidFill>
+                  <a:srgbClr val="00AA1E"/>
+                </a:solidFill>
+                <a:effectLst/>
+                <a:latin typeface="JetBrains Mono" panose="020B0509020102050004" pitchFamily="49" charset="0"/>
+              </a:rPr>
+              <a:t>'search_query'</a:t>
+            </a:r>
+            <a:r>
+              <a:rPr lang="en-US" sz="900" b="0">
+                <a:solidFill>
+                  <a:srgbClr val="000000"/>
+                </a:solidFill>
+                <a:effectLst/>
+                <a:latin typeface="JetBrains Mono" panose="020B0509020102050004" pitchFamily="49" charset="0"/>
+              </a:rPr>
+              <a:t>]</a:t>
+            </a:r>
+          </a:p>
+        </p:txBody>
+      </p:sp>
+    </p:spTree>
+    <p:extLst>
+      <p:ext uri="{BB962C8B-B14F-4D97-AF65-F5344CB8AC3E}">
+        <p14:creationId xmlns:p14="http://schemas.microsoft.com/office/powerpoint/2010/main" val="198766353"/>
+      </p:ext>
+    </p:extLst>
+  </p:cSld>
+  <p:clrMapOvr>
+    <a:masterClrMapping/>
+  </p:clrMapOvr>
+</p:sld>
+</file>
+
+<file path=ppt/slides/slide8.xml><?xml version="1.0" encoding="utf-8"?>
+<p:sld xmlns:a="http://schemas.openxmlformats.org/drawingml/2006/main" xmlns:r="http://schemas.openxmlformats.org/officeDocument/2006/relationships" xmlns:p="http://schemas.openxmlformats.org/presentationml/2006/main">
+  <p:cSld>
+    <p:spTree>
+      <p:nvGrpSpPr>
+        <p:cNvPr id="1" name=""/>
+        <p:cNvGrpSpPr/>
+        <p:nvPr/>
+      </p:nvGrpSpPr>
+      <p:grpSpPr>
+        <a:xfrm>
+          <a:off x="0" y="0"/>
+          <a:ext cx="0" cy="0"/>
+          <a:chOff x="0" y="0"/>
+          <a:chExt cx="0" cy="0"/>
+        </a:xfrm>
+      </p:grpSpPr>
+      <p:sp>
+        <p:nvSpPr>
+          <p:cNvPr id="2" name="Title 1">
+            <a:extLst>
+              <a:ext uri="{FF2B5EF4-FFF2-40B4-BE49-F238E27FC236}">
+                <a16:creationId xmlns:a16="http://schemas.microsoft.com/office/drawing/2014/main" id="{DA391E45-5173-E639-33B2-276F945F228B}"/>
+              </a:ext>
+            </a:extLst>
+          </p:cNvPr>
+          <p:cNvSpPr>
+            <a:spLocks noGrp="1"/>
+          </p:cNvSpPr>
+          <p:nvPr>
+            <p:ph type="title"/>
+          </p:nvPr>
+        </p:nvSpPr>
+        <p:spPr/>
+        <p:txBody>
+          <a:bodyPr/>
+          <a:lstStyle/>
+          <a:p>
+            <a:r>
+              <a:rPr lang="en-US"/>
               <a:t>Responses API with file_search</a:t>
             </a:r>
             <a:endParaRPr lang="en-CA"/>
@@ -26685,7 +27104,7 @@
 </p:sld>
 </file>
 
-<file path=ppt/slides/slide8.xml><?xml version="1.0" encoding="utf-8"?>
+<file path=ppt/slides/slide9.xml><?xml version="1.0" encoding="utf-8"?>
 <p:sld xmlns:a="http://schemas.openxmlformats.org/drawingml/2006/main" xmlns:r="http://schemas.openxmlformats.org/officeDocument/2006/relationships" xmlns:p="http://schemas.openxmlformats.org/presentationml/2006/main">
   <p:cSld>
     <p:spTree>

--- a/OpenAI-BackendTools.pptx
+++ b/OpenAI-BackendTools.pptx
@@ -5,21 +5,23 @@
     <p:sldMasterId id="2147483678" r:id="rId1"/>
   </p:sldMasterIdLst>
   <p:notesMasterIdLst>
-    <p:notesMasterId r:id="rId11"/>
+    <p:notesMasterId r:id="rId13"/>
   </p:notesMasterIdLst>
   <p:handoutMasterIdLst>
-    <p:handoutMasterId r:id="rId12"/>
+    <p:handoutMasterId r:id="rId14"/>
   </p:handoutMasterIdLst>
   <p:sldIdLst>
     <p:sldId id="258" r:id="rId2"/>
-    <p:sldId id="261" r:id="rId3"/>
-    <p:sldId id="259" r:id="rId4"/>
-    <p:sldId id="260" r:id="rId5"/>
-    <p:sldId id="262" r:id="rId6"/>
-    <p:sldId id="263" r:id="rId7"/>
-    <p:sldId id="266" r:id="rId8"/>
-    <p:sldId id="264" r:id="rId9"/>
-    <p:sldId id="265" r:id="rId10"/>
+    <p:sldId id="268" r:id="rId3"/>
+    <p:sldId id="267" r:id="rId4"/>
+    <p:sldId id="261" r:id="rId5"/>
+    <p:sldId id="259" r:id="rId6"/>
+    <p:sldId id="260" r:id="rId7"/>
+    <p:sldId id="262" r:id="rId8"/>
+    <p:sldId id="263" r:id="rId9"/>
+    <p:sldId id="266" r:id="rId10"/>
+    <p:sldId id="264" r:id="rId11"/>
+    <p:sldId id="265" r:id="rId12"/>
   </p:sldIdLst>
   <p:sldSz cx="9144000" cy="5715000" type="screen16x10"/>
   <p:notesSz cx="6797675" cy="9926638"/>
@@ -227,7 +229,7 @@
           <a:p>
             <a:fld id="{FC4BCF81-FD30-4738-8CD3-6C15724C57DB}" type="datetimeFigureOut">
               <a:rPr lang="en-GB" smtClean="0"/>
-              <a:t>28/05/2025</a:t>
+              <a:t>19/07/2025</a:t>
             </a:fld>
             <a:endParaRPr lang="en-GB"/>
           </a:p>
@@ -392,7 +394,7 @@
           <a:p>
             <a:fld id="{393C90FD-22B7-4ADA-A649-5A6995920D65}" type="datetimeFigureOut">
               <a:rPr lang="en-US" smtClean="0"/>
-              <a:t>5/28/2025</a:t>
+              <a:t>7/19/2025</a:t>
             </a:fld>
             <a:endParaRPr lang="en-US"/>
           </a:p>
@@ -657,6 +659,90 @@
     </a:lvl9pPr>
   </p:notesStyle>
 </p:notesMaster>
+</file>
+
+<file path=ppt/notesSlides/notesSlide1.xml><?xml version="1.0" encoding="utf-8"?>
+<p:notes xmlns:a="http://schemas.openxmlformats.org/drawingml/2006/main" xmlns:r="http://schemas.openxmlformats.org/officeDocument/2006/relationships" xmlns:p="http://schemas.openxmlformats.org/presentationml/2006/main">
+  <p:cSld>
+    <p:spTree>
+      <p:nvGrpSpPr>
+        <p:cNvPr id="1" name=""/>
+        <p:cNvGrpSpPr/>
+        <p:nvPr/>
+      </p:nvGrpSpPr>
+      <p:grpSpPr>
+        <a:xfrm>
+          <a:off x="0" y="0"/>
+          <a:ext cx="0" cy="0"/>
+          <a:chOff x="0" y="0"/>
+          <a:chExt cx="0" cy="0"/>
+        </a:xfrm>
+      </p:grpSpPr>
+      <p:sp>
+        <p:nvSpPr>
+          <p:cNvPr id="2" name="Slide Image Placeholder 1"/>
+          <p:cNvSpPr>
+            <a:spLocks noGrp="1" noRot="1" noChangeAspect="1"/>
+          </p:cNvSpPr>
+          <p:nvPr>
+            <p:ph type="sldImg"/>
+          </p:nvPr>
+        </p:nvSpPr>
+        <p:spPr/>
+      </p:sp>
+      <p:sp>
+        <p:nvSpPr>
+          <p:cNvPr id="3" name="Notes Placeholder 2"/>
+          <p:cNvSpPr>
+            <a:spLocks noGrp="1"/>
+          </p:cNvSpPr>
+          <p:nvPr>
+            <p:ph type="body" idx="1"/>
+          </p:nvPr>
+        </p:nvSpPr>
+        <p:spPr/>
+        <p:txBody>
+          <a:bodyPr/>
+          <a:lstStyle/>
+          <a:p>
+            <a:endParaRPr lang="en-CA"/>
+          </a:p>
+        </p:txBody>
+      </p:sp>
+      <p:sp>
+        <p:nvSpPr>
+          <p:cNvPr id="4" name="Slide Number Placeholder 3"/>
+          <p:cNvSpPr>
+            <a:spLocks noGrp="1"/>
+          </p:cNvSpPr>
+          <p:nvPr>
+            <p:ph type="sldNum" sz="quarter" idx="5"/>
+          </p:nvPr>
+        </p:nvSpPr>
+        <p:spPr/>
+        <p:txBody>
+          <a:bodyPr/>
+          <a:lstStyle/>
+          <a:p>
+            <a:fld id="{23EA29DB-83F2-4FAA-A01A-4544EE521358}" type="slidenum">
+              <a:rPr lang="en-US" smtClean="0"/>
+              <a:t>2</a:t>
+            </a:fld>
+            <a:endParaRPr lang="en-US"/>
+          </a:p>
+        </p:txBody>
+      </p:sp>
+    </p:spTree>
+    <p:extLst>
+      <p:ext uri="{BB962C8B-B14F-4D97-AF65-F5344CB8AC3E}">
+        <p14:creationId xmlns:p14="http://schemas.microsoft.com/office/powerpoint/2010/main" val="829209947"/>
+      </p:ext>
+    </p:extLst>
+  </p:cSld>
+  <p:clrMapOvr>
+    <a:masterClrMapping/>
+  </p:clrMapOvr>
+</p:notes>
 </file>
 
 <file path=ppt/slideLayouts/slideLayout1.xml><?xml version="1.0" encoding="utf-8"?>
@@ -18313,7 +18399,7 @@
           <a:p>
             <a:r>
               <a:rPr lang="en-US"/>
-              <a:t>Karsten Held, May 2025</a:t>
+              <a:t>Karsten Held, July 2025</a:t>
             </a:r>
             <a:endParaRPr lang="en-CA"/>
           </a:p>
@@ -18332,7 +18418,5069 @@
 </p:sld>
 </file>
 
+<file path=ppt/slides/slide10.xml><?xml version="1.0" encoding="utf-8"?>
+<p:sld xmlns:a="http://schemas.openxmlformats.org/drawingml/2006/main" xmlns:r="http://schemas.openxmlformats.org/officeDocument/2006/relationships" xmlns:p="http://schemas.openxmlformats.org/presentationml/2006/main">
+  <p:cSld>
+    <p:spTree>
+      <p:nvGrpSpPr>
+        <p:cNvPr id="1" name=""/>
+        <p:cNvGrpSpPr/>
+        <p:nvPr/>
+      </p:nvGrpSpPr>
+      <p:grpSpPr>
+        <a:xfrm>
+          <a:off x="0" y="0"/>
+          <a:ext cx="0" cy="0"/>
+          <a:chOff x="0" y="0"/>
+          <a:chExt cx="0" cy="0"/>
+        </a:xfrm>
+      </p:grpSpPr>
+      <p:sp>
+        <p:nvSpPr>
+          <p:cNvPr id="2" name="Title 1">
+            <a:extLst>
+              <a:ext uri="{FF2B5EF4-FFF2-40B4-BE49-F238E27FC236}">
+                <a16:creationId xmlns:a16="http://schemas.microsoft.com/office/drawing/2014/main" id="{DA391E45-5173-E639-33B2-276F945F228B}"/>
+              </a:ext>
+            </a:extLst>
+          </p:cNvPr>
+          <p:cNvSpPr>
+            <a:spLocks noGrp="1"/>
+          </p:cNvSpPr>
+          <p:nvPr>
+            <p:ph type="title"/>
+          </p:nvPr>
+        </p:nvSpPr>
+        <p:spPr/>
+        <p:txBody>
+          <a:bodyPr/>
+          <a:lstStyle/>
+          <a:p>
+            <a:r>
+              <a:rPr lang="en-US"/>
+              <a:t>Responses API with file_search</a:t>
+            </a:r>
+            <a:endParaRPr lang="en-CA"/>
+          </a:p>
+        </p:txBody>
+      </p:sp>
+      <p:pic>
+        <p:nvPicPr>
+          <p:cNvPr id="5" name="Picture 4">
+            <a:extLst>
+              <a:ext uri="{FF2B5EF4-FFF2-40B4-BE49-F238E27FC236}">
+                <a16:creationId xmlns:a16="http://schemas.microsoft.com/office/drawing/2014/main" id="{519E8429-7A9F-302D-C77D-7AB5266D2A1B}"/>
+              </a:ext>
+            </a:extLst>
+          </p:cNvPr>
+          <p:cNvPicPr>
+            <a:picLocks noChangeAspect="1"/>
+          </p:cNvPicPr>
+          <p:nvPr/>
+        </p:nvPicPr>
+        <p:blipFill>
+          <a:blip r:embed="rId2"/>
+          <a:stretch>
+            <a:fillRect/>
+          </a:stretch>
+        </p:blipFill>
+        <p:spPr>
+          <a:xfrm>
+            <a:off x="179512" y="1057300"/>
+            <a:ext cx="4968552" cy="4412918"/>
+          </a:xfrm>
+          <a:prstGeom prst="rect">
+            <a:avLst/>
+          </a:prstGeom>
+          <a:effectLst>
+            <a:outerShdw blurRad="165100" dir="2700000" algn="tl" rotWithShape="0">
+              <a:prstClr val="black">
+                <a:alpha val="20000"/>
+              </a:prstClr>
+            </a:outerShdw>
+          </a:effectLst>
+        </p:spPr>
+      </p:pic>
+      <p:pic>
+        <p:nvPicPr>
+          <p:cNvPr id="9" name="Picture 8">
+            <a:extLst>
+              <a:ext uri="{FF2B5EF4-FFF2-40B4-BE49-F238E27FC236}">
+                <a16:creationId xmlns:a16="http://schemas.microsoft.com/office/drawing/2014/main" id="{58B4FEBB-7108-B980-FCAC-D57FF6683C90}"/>
+              </a:ext>
+            </a:extLst>
+          </p:cNvPr>
+          <p:cNvPicPr>
+            <a:picLocks noChangeAspect="1"/>
+          </p:cNvPicPr>
+          <p:nvPr/>
+        </p:nvPicPr>
+        <p:blipFill>
+          <a:blip r:embed="rId3"/>
+          <a:stretch>
+            <a:fillRect/>
+          </a:stretch>
+        </p:blipFill>
+        <p:spPr>
+          <a:xfrm>
+            <a:off x="4547196" y="1203133"/>
+            <a:ext cx="2428778" cy="2084770"/>
+          </a:xfrm>
+          <a:prstGeom prst="rect">
+            <a:avLst/>
+          </a:prstGeom>
+          <a:ln w="25400">
+            <a:solidFill>
+              <a:srgbClr val="E02B72"/>
+            </a:solidFill>
+            <a:miter lim="800000"/>
+          </a:ln>
+          <a:effectLst>
+            <a:outerShdw blurRad="165100" dir="2700000" algn="tl" rotWithShape="0">
+              <a:prstClr val="black">
+                <a:alpha val="20000"/>
+              </a:prstClr>
+            </a:outerShdw>
+          </a:effectLst>
+        </p:spPr>
+      </p:pic>
+      <p:pic>
+        <p:nvPicPr>
+          <p:cNvPr id="11" name="Picture 10">
+            <a:extLst>
+              <a:ext uri="{FF2B5EF4-FFF2-40B4-BE49-F238E27FC236}">
+                <a16:creationId xmlns:a16="http://schemas.microsoft.com/office/drawing/2014/main" id="{60BDBC6F-8FAB-9C22-05BD-C1345E12E85E}"/>
+              </a:ext>
+            </a:extLst>
+          </p:cNvPr>
+          <p:cNvPicPr>
+            <a:picLocks noChangeAspect="1"/>
+          </p:cNvPicPr>
+          <p:nvPr/>
+        </p:nvPicPr>
+        <p:blipFill>
+          <a:blip r:embed="rId4"/>
+          <a:srcRect l="874" t="9076" b="2166"/>
+          <a:stretch/>
+        </p:blipFill>
+        <p:spPr>
+          <a:xfrm>
+            <a:off x="6005759" y="1916254"/>
+            <a:ext cx="2946632" cy="3728460"/>
+          </a:xfrm>
+          <a:prstGeom prst="rect">
+            <a:avLst/>
+          </a:prstGeom>
+          <a:ln w="25400">
+            <a:solidFill>
+              <a:srgbClr val="0FA219"/>
+            </a:solidFill>
+            <a:miter lim="800000"/>
+          </a:ln>
+          <a:effectLst>
+            <a:outerShdw blurRad="165100" dir="2700000" algn="tl" rotWithShape="0">
+              <a:prstClr val="black">
+                <a:alpha val="20000"/>
+              </a:prstClr>
+            </a:outerShdw>
+          </a:effectLst>
+        </p:spPr>
+      </p:pic>
+      <p:cxnSp>
+        <p:nvCxnSpPr>
+          <p:cNvPr id="15" name="Straight Connector 14">
+            <a:extLst>
+              <a:ext uri="{FF2B5EF4-FFF2-40B4-BE49-F238E27FC236}">
+                <a16:creationId xmlns:a16="http://schemas.microsoft.com/office/drawing/2014/main" id="{5F6ADD7E-BC9E-7A00-3CB1-4DE0FC27808F}"/>
+              </a:ext>
+            </a:extLst>
+          </p:cNvPr>
+          <p:cNvCxnSpPr/>
+          <p:nvPr/>
+        </p:nvCxnSpPr>
+        <p:spPr>
+          <a:xfrm>
+            <a:off x="376486" y="3271379"/>
+            <a:ext cx="3888432" cy="0"/>
+          </a:xfrm>
+          <a:prstGeom prst="line">
+            <a:avLst/>
+          </a:prstGeom>
+          <a:ln w="25400">
+            <a:solidFill>
+              <a:srgbClr val="E02B72"/>
+            </a:solidFill>
+          </a:ln>
+        </p:spPr>
+        <p:style>
+          <a:lnRef idx="1">
+            <a:schemeClr val="accent1"/>
+          </a:lnRef>
+          <a:fillRef idx="0">
+            <a:schemeClr val="accent1"/>
+          </a:fillRef>
+          <a:effectRef idx="0">
+            <a:schemeClr val="accent1"/>
+          </a:effectRef>
+          <a:fontRef idx="minor">
+            <a:schemeClr val="tx1"/>
+          </a:fontRef>
+        </p:style>
+      </p:cxnSp>
+      <p:cxnSp>
+        <p:nvCxnSpPr>
+          <p:cNvPr id="16" name="Straight Connector 15">
+            <a:extLst>
+              <a:ext uri="{FF2B5EF4-FFF2-40B4-BE49-F238E27FC236}">
+                <a16:creationId xmlns:a16="http://schemas.microsoft.com/office/drawing/2014/main" id="{549A9DED-FE9A-D0C5-DD52-8BF3B9AAB2F2}"/>
+              </a:ext>
+            </a:extLst>
+          </p:cNvPr>
+          <p:cNvCxnSpPr>
+            <a:cxnSpLocks/>
+            <a:endCxn id="21" idx="0"/>
+          </p:cNvCxnSpPr>
+          <p:nvPr/>
+        </p:nvCxnSpPr>
+        <p:spPr>
+          <a:xfrm flipV="1">
+            <a:off x="376486" y="3384415"/>
+            <a:ext cx="3979490" cy="1"/>
+          </a:xfrm>
+          <a:prstGeom prst="line">
+            <a:avLst/>
+          </a:prstGeom>
+          <a:ln w="25400">
+            <a:solidFill>
+              <a:srgbClr val="0FA219"/>
+            </a:solidFill>
+          </a:ln>
+        </p:spPr>
+        <p:style>
+          <a:lnRef idx="1">
+            <a:schemeClr val="accent1"/>
+          </a:lnRef>
+          <a:fillRef idx="0">
+            <a:schemeClr val="accent1"/>
+          </a:fillRef>
+          <a:effectRef idx="0">
+            <a:schemeClr val="accent1"/>
+          </a:effectRef>
+          <a:fontRef idx="minor">
+            <a:schemeClr val="tx1"/>
+          </a:fontRef>
+        </p:style>
+      </p:cxnSp>
+      <p:sp>
+        <p:nvSpPr>
+          <p:cNvPr id="19" name="Freeform: Shape 18">
+            <a:extLst>
+              <a:ext uri="{FF2B5EF4-FFF2-40B4-BE49-F238E27FC236}">
+                <a16:creationId xmlns:a16="http://schemas.microsoft.com/office/drawing/2014/main" id="{FDCEDE36-6152-2322-89DF-EA4B5808B594}"/>
+              </a:ext>
+            </a:extLst>
+          </p:cNvPr>
+          <p:cNvSpPr/>
+          <p:nvPr/>
+        </p:nvSpPr>
+        <p:spPr>
+          <a:xfrm>
+            <a:off x="4251960" y="1536700"/>
+            <a:ext cx="266700" cy="1727200"/>
+          </a:xfrm>
+          <a:custGeom>
+            <a:avLst/>
+            <a:gdLst>
+              <a:gd name="connsiteX0" fmla="*/ 0 w 384048"/>
+              <a:gd name="connsiteY0" fmla="*/ 1456944 h 1456944"/>
+              <a:gd name="connsiteX1" fmla="*/ 0 w 384048"/>
+              <a:gd name="connsiteY1" fmla="*/ 0 h 1456944"/>
+              <a:gd name="connsiteX2" fmla="*/ 384048 w 384048"/>
+              <a:gd name="connsiteY2" fmla="*/ 0 h 1456944"/>
+            </a:gdLst>
+            <a:ahLst/>
+            <a:cxnLst>
+              <a:cxn ang="0">
+                <a:pos x="connsiteX0" y="connsiteY0"/>
+              </a:cxn>
+              <a:cxn ang="0">
+                <a:pos x="connsiteX1" y="connsiteY1"/>
+              </a:cxn>
+              <a:cxn ang="0">
+                <a:pos x="connsiteX2" y="connsiteY2"/>
+              </a:cxn>
+            </a:cxnLst>
+            <a:rect l="l" t="t" r="r" b="b"/>
+            <a:pathLst>
+              <a:path w="384048" h="1456944">
+                <a:moveTo>
+                  <a:pt x="0" y="1456944"/>
+                </a:moveTo>
+                <a:lnTo>
+                  <a:pt x="0" y="0"/>
+                </a:lnTo>
+                <a:lnTo>
+                  <a:pt x="384048" y="0"/>
+                </a:lnTo>
+              </a:path>
+            </a:pathLst>
+          </a:custGeom>
+          <a:ln w="25400">
+            <a:solidFill>
+              <a:srgbClr val="E02B72"/>
+            </a:solidFill>
+            <a:tailEnd type="triangle"/>
+          </a:ln>
+        </p:spPr>
+        <p:style>
+          <a:lnRef idx="1">
+            <a:schemeClr val="accent1"/>
+          </a:lnRef>
+          <a:fillRef idx="0">
+            <a:schemeClr val="accent1"/>
+          </a:fillRef>
+          <a:effectRef idx="0">
+            <a:schemeClr val="accent1"/>
+          </a:effectRef>
+          <a:fontRef idx="minor">
+            <a:schemeClr val="tx1"/>
+          </a:fontRef>
+        </p:style>
+        <p:txBody>
+          <a:bodyPr rtlCol="0" anchor="ctr"/>
+          <a:lstStyle/>
+          <a:p>
+            <a:pPr algn="ctr"/>
+            <a:endParaRPr lang="en-CA"/>
+          </a:p>
+        </p:txBody>
+      </p:sp>
+      <p:sp>
+        <p:nvSpPr>
+          <p:cNvPr id="21" name="Freeform: Shape 20">
+            <a:extLst>
+              <a:ext uri="{FF2B5EF4-FFF2-40B4-BE49-F238E27FC236}">
+                <a16:creationId xmlns:a16="http://schemas.microsoft.com/office/drawing/2014/main" id="{CA7025C9-8B96-85A5-CB20-20A078A71B56}"/>
+              </a:ext>
+            </a:extLst>
+          </p:cNvPr>
+          <p:cNvSpPr/>
+          <p:nvPr/>
+        </p:nvSpPr>
+        <p:spPr>
+          <a:xfrm>
+            <a:off x="4355976" y="1960880"/>
+            <a:ext cx="1623184" cy="1423535"/>
+          </a:xfrm>
+          <a:custGeom>
+            <a:avLst/>
+            <a:gdLst>
+              <a:gd name="connsiteX0" fmla="*/ 0 w 384048"/>
+              <a:gd name="connsiteY0" fmla="*/ 1456944 h 1456944"/>
+              <a:gd name="connsiteX1" fmla="*/ 0 w 384048"/>
+              <a:gd name="connsiteY1" fmla="*/ 0 h 1456944"/>
+              <a:gd name="connsiteX2" fmla="*/ 384048 w 384048"/>
+              <a:gd name="connsiteY2" fmla="*/ 0 h 1456944"/>
+            </a:gdLst>
+            <a:ahLst/>
+            <a:cxnLst>
+              <a:cxn ang="0">
+                <a:pos x="connsiteX0" y="connsiteY0"/>
+              </a:cxn>
+              <a:cxn ang="0">
+                <a:pos x="connsiteX1" y="connsiteY1"/>
+              </a:cxn>
+              <a:cxn ang="0">
+                <a:pos x="connsiteX2" y="connsiteY2"/>
+              </a:cxn>
+            </a:cxnLst>
+            <a:rect l="l" t="t" r="r" b="b"/>
+            <a:pathLst>
+              <a:path w="384048" h="1456944">
+                <a:moveTo>
+                  <a:pt x="0" y="1456944"/>
+                </a:moveTo>
+                <a:lnTo>
+                  <a:pt x="0" y="0"/>
+                </a:lnTo>
+                <a:lnTo>
+                  <a:pt x="384048" y="0"/>
+                </a:lnTo>
+              </a:path>
+            </a:pathLst>
+          </a:custGeom>
+          <a:ln w="25400">
+            <a:solidFill>
+              <a:srgbClr val="0FA219"/>
+            </a:solidFill>
+            <a:tailEnd type="triangle"/>
+          </a:ln>
+        </p:spPr>
+        <p:style>
+          <a:lnRef idx="1">
+            <a:schemeClr val="accent1"/>
+          </a:lnRef>
+          <a:fillRef idx="0">
+            <a:schemeClr val="accent1"/>
+          </a:fillRef>
+          <a:effectRef idx="0">
+            <a:schemeClr val="accent1"/>
+          </a:effectRef>
+          <a:fontRef idx="minor">
+            <a:schemeClr val="tx1"/>
+          </a:fontRef>
+        </p:style>
+        <p:txBody>
+          <a:bodyPr rtlCol="0" anchor="ctr"/>
+          <a:lstStyle/>
+          <a:p>
+            <a:pPr algn="ctr"/>
+            <a:endParaRPr lang="en-CA"/>
+          </a:p>
+        </p:txBody>
+      </p:sp>
+      <p:sp>
+        <p:nvSpPr>
+          <p:cNvPr id="27" name="TextBox 26">
+            <a:extLst>
+              <a:ext uri="{FF2B5EF4-FFF2-40B4-BE49-F238E27FC236}">
+                <a16:creationId xmlns:a16="http://schemas.microsoft.com/office/drawing/2014/main" id="{45AA5D79-4A0C-3D4F-401A-85235D88BFB7}"/>
+              </a:ext>
+            </a:extLst>
+          </p:cNvPr>
+          <p:cNvSpPr txBox="1"/>
+          <p:nvPr/>
+        </p:nvSpPr>
+        <p:spPr>
+          <a:xfrm>
+            <a:off x="4547196" y="1016779"/>
+            <a:ext cx="1447019" cy="172064"/>
+          </a:xfrm>
+          <a:prstGeom prst="rect">
+            <a:avLst/>
+          </a:prstGeom>
+          <a:solidFill>
+            <a:srgbClr val="E02B72"/>
+          </a:solidFill>
+          <a:ln w="25400">
+            <a:solidFill>
+              <a:srgbClr val="E02B72"/>
+            </a:solidFill>
+            <a:miter lim="800000"/>
+          </a:ln>
+        </p:spPr>
+        <p:txBody>
+          <a:bodyPr wrap="none" lIns="36000" tIns="0" rIns="54000" bIns="18000" rtlCol="0">
+            <a:spAutoFit/>
+          </a:bodyPr>
+          <a:lstStyle/>
+          <a:p>
+            <a:pPr algn="l"/>
+            <a:r>
+              <a:rPr lang="en-US" sz="1000" i="1">
+                <a:solidFill>
+                  <a:schemeClr val="bg1"/>
+                </a:solidFill>
+                <a:latin typeface="Arial Narrow" panose="020B0606020202030204" pitchFamily="34" charset="0"/>
+              </a:rPr>
+              <a:t>ResponseFileSearchToolCall</a:t>
+            </a:r>
+            <a:endParaRPr lang="en-CA" sz="1000" i="1">
+              <a:solidFill>
+                <a:schemeClr val="bg1"/>
+              </a:solidFill>
+              <a:latin typeface="Arial Narrow" panose="020B0606020202030204" pitchFamily="34" charset="0"/>
+            </a:endParaRPr>
+          </a:p>
+        </p:txBody>
+      </p:sp>
+      <p:sp>
+        <p:nvSpPr>
+          <p:cNvPr id="28" name="TextBox 27">
+            <a:extLst>
+              <a:ext uri="{FF2B5EF4-FFF2-40B4-BE49-F238E27FC236}">
+                <a16:creationId xmlns:a16="http://schemas.microsoft.com/office/drawing/2014/main" id="{8BC42FD7-D5AA-BCDA-BCE2-D24535A0CD5F}"/>
+              </a:ext>
+            </a:extLst>
+          </p:cNvPr>
+          <p:cNvSpPr txBox="1"/>
+          <p:nvPr/>
+        </p:nvSpPr>
+        <p:spPr>
+          <a:xfrm>
+            <a:off x="5994329" y="1726341"/>
+            <a:ext cx="1297941" cy="172064"/>
+          </a:xfrm>
+          <a:prstGeom prst="rect">
+            <a:avLst/>
+          </a:prstGeom>
+          <a:solidFill>
+            <a:srgbClr val="0FA219"/>
+          </a:solidFill>
+          <a:ln w="25400">
+            <a:solidFill>
+              <a:srgbClr val="0FA219"/>
+            </a:solidFill>
+            <a:miter lim="800000"/>
+          </a:ln>
+        </p:spPr>
+        <p:txBody>
+          <a:bodyPr wrap="none" lIns="36000" tIns="0" rIns="54000" bIns="18000" rtlCol="0">
+            <a:spAutoFit/>
+          </a:bodyPr>
+          <a:lstStyle/>
+          <a:p>
+            <a:pPr algn="l"/>
+            <a:r>
+              <a:rPr lang="en-US" sz="1000" i="1">
+                <a:solidFill>
+                  <a:schemeClr val="bg1"/>
+                </a:solidFill>
+                <a:latin typeface="Arial Narrow" panose="020B0606020202030204" pitchFamily="34" charset="0"/>
+              </a:rPr>
+              <a:t>ResponseOutputMessage</a:t>
+            </a:r>
+            <a:endParaRPr lang="en-CA" sz="1000" i="1">
+              <a:solidFill>
+                <a:schemeClr val="bg1"/>
+              </a:solidFill>
+              <a:latin typeface="Arial Narrow" panose="020B0606020202030204" pitchFamily="34" charset="0"/>
+            </a:endParaRPr>
+          </a:p>
+        </p:txBody>
+      </p:sp>
+    </p:spTree>
+    <p:extLst>
+      <p:ext uri="{BB962C8B-B14F-4D97-AF65-F5344CB8AC3E}">
+        <p14:creationId xmlns:p14="http://schemas.microsoft.com/office/powerpoint/2010/main" val="964077398"/>
+      </p:ext>
+    </p:extLst>
+  </p:cSld>
+  <p:clrMapOvr>
+    <a:masterClrMapping/>
+  </p:clrMapOvr>
+</p:sld>
+</file>
+
+<file path=ppt/slides/slide11.xml><?xml version="1.0" encoding="utf-8"?>
+<p:sld xmlns:a="http://schemas.openxmlformats.org/drawingml/2006/main" xmlns:r="http://schemas.openxmlformats.org/officeDocument/2006/relationships" xmlns:p="http://schemas.openxmlformats.org/presentationml/2006/main">
+  <p:cSld>
+    <p:spTree>
+      <p:nvGrpSpPr>
+        <p:cNvPr id="1" name=""/>
+        <p:cNvGrpSpPr/>
+        <p:nvPr/>
+      </p:nvGrpSpPr>
+      <p:grpSpPr>
+        <a:xfrm>
+          <a:off x="0" y="0"/>
+          <a:ext cx="0" cy="0"/>
+          <a:chOff x="0" y="0"/>
+          <a:chExt cx="0" cy="0"/>
+        </a:xfrm>
+      </p:grpSpPr>
+      <p:pic>
+        <p:nvPicPr>
+          <p:cNvPr id="7" name="Picture 6">
+            <a:extLst>
+              <a:ext uri="{FF2B5EF4-FFF2-40B4-BE49-F238E27FC236}">
+                <a16:creationId xmlns:a16="http://schemas.microsoft.com/office/drawing/2014/main" id="{6898DBF9-E0A9-64F8-55D6-82C126FA293B}"/>
+              </a:ext>
+            </a:extLst>
+          </p:cNvPr>
+          <p:cNvPicPr>
+            <a:picLocks noChangeAspect="1"/>
+          </p:cNvPicPr>
+          <p:nvPr/>
+        </p:nvPicPr>
+        <p:blipFill>
+          <a:blip r:embed="rId2"/>
+          <a:srcRect l="1242"/>
+          <a:stretch/>
+        </p:blipFill>
+        <p:spPr>
+          <a:xfrm>
+            <a:off x="218783" y="882805"/>
+            <a:ext cx="2489799" cy="3054816"/>
+          </a:xfrm>
+          <a:prstGeom prst="rect">
+            <a:avLst/>
+          </a:prstGeom>
+          <a:effectLst>
+            <a:outerShdw blurRad="165100" dir="2700000" algn="tl" rotWithShape="0">
+              <a:prstClr val="black">
+                <a:alpha val="20000"/>
+              </a:prstClr>
+            </a:outerShdw>
+          </a:effectLst>
+        </p:spPr>
+      </p:pic>
+      <p:sp>
+        <p:nvSpPr>
+          <p:cNvPr id="2" name="Title 1">
+            <a:extLst>
+              <a:ext uri="{FF2B5EF4-FFF2-40B4-BE49-F238E27FC236}">
+                <a16:creationId xmlns:a16="http://schemas.microsoft.com/office/drawing/2014/main" id="{DA391E45-5173-E639-33B2-276F945F228B}"/>
+              </a:ext>
+            </a:extLst>
+          </p:cNvPr>
+          <p:cNvSpPr>
+            <a:spLocks noGrp="1"/>
+          </p:cNvSpPr>
+          <p:nvPr>
+            <p:ph type="title"/>
+          </p:nvPr>
+        </p:nvSpPr>
+        <p:spPr/>
+        <p:txBody>
+          <a:bodyPr/>
+          <a:lstStyle/>
+          <a:p>
+            <a:r>
+              <a:rPr lang="en-US"/>
+              <a:t>Responses API with file_search and file_search_call.results </a:t>
+            </a:r>
+            <a:endParaRPr lang="en-CA"/>
+          </a:p>
+        </p:txBody>
+      </p:sp>
+      <p:cxnSp>
+        <p:nvCxnSpPr>
+          <p:cNvPr id="15" name="Straight Connector 14">
+            <a:extLst>
+              <a:ext uri="{FF2B5EF4-FFF2-40B4-BE49-F238E27FC236}">
+                <a16:creationId xmlns:a16="http://schemas.microsoft.com/office/drawing/2014/main" id="{5F6ADD7E-BC9E-7A00-3CB1-4DE0FC27808F}"/>
+              </a:ext>
+            </a:extLst>
+          </p:cNvPr>
+          <p:cNvCxnSpPr>
+            <a:cxnSpLocks/>
+          </p:cNvCxnSpPr>
+          <p:nvPr/>
+        </p:nvCxnSpPr>
+        <p:spPr>
+          <a:xfrm>
+            <a:off x="318448" y="2641476"/>
+            <a:ext cx="2439992" cy="0"/>
+          </a:xfrm>
+          <a:prstGeom prst="line">
+            <a:avLst/>
+          </a:prstGeom>
+          <a:ln w="25400">
+            <a:solidFill>
+              <a:srgbClr val="E02B72"/>
+            </a:solidFill>
+          </a:ln>
+        </p:spPr>
+        <p:style>
+          <a:lnRef idx="1">
+            <a:schemeClr val="accent1"/>
+          </a:lnRef>
+          <a:fillRef idx="0">
+            <a:schemeClr val="accent1"/>
+          </a:fillRef>
+          <a:effectRef idx="0">
+            <a:schemeClr val="accent1"/>
+          </a:effectRef>
+          <a:fontRef idx="minor">
+            <a:schemeClr val="tx1"/>
+          </a:fontRef>
+        </p:style>
+      </p:cxnSp>
+      <p:sp>
+        <p:nvSpPr>
+          <p:cNvPr id="19" name="Freeform: Shape 18">
+            <a:extLst>
+              <a:ext uri="{FF2B5EF4-FFF2-40B4-BE49-F238E27FC236}">
+                <a16:creationId xmlns:a16="http://schemas.microsoft.com/office/drawing/2014/main" id="{FDCEDE36-6152-2322-89DF-EA4B5808B594}"/>
+              </a:ext>
+            </a:extLst>
+          </p:cNvPr>
+          <p:cNvSpPr/>
+          <p:nvPr/>
+        </p:nvSpPr>
+        <p:spPr>
+          <a:xfrm>
+            <a:off x="2748449" y="918364"/>
+            <a:ext cx="157436" cy="1727200"/>
+          </a:xfrm>
+          <a:custGeom>
+            <a:avLst/>
+            <a:gdLst>
+              <a:gd name="connsiteX0" fmla="*/ 0 w 384048"/>
+              <a:gd name="connsiteY0" fmla="*/ 1456944 h 1456944"/>
+              <a:gd name="connsiteX1" fmla="*/ 0 w 384048"/>
+              <a:gd name="connsiteY1" fmla="*/ 0 h 1456944"/>
+              <a:gd name="connsiteX2" fmla="*/ 384048 w 384048"/>
+              <a:gd name="connsiteY2" fmla="*/ 0 h 1456944"/>
+            </a:gdLst>
+            <a:ahLst/>
+            <a:cxnLst>
+              <a:cxn ang="0">
+                <a:pos x="connsiteX0" y="connsiteY0"/>
+              </a:cxn>
+              <a:cxn ang="0">
+                <a:pos x="connsiteX1" y="connsiteY1"/>
+              </a:cxn>
+              <a:cxn ang="0">
+                <a:pos x="connsiteX2" y="connsiteY2"/>
+              </a:cxn>
+            </a:cxnLst>
+            <a:rect l="l" t="t" r="r" b="b"/>
+            <a:pathLst>
+              <a:path w="384048" h="1456944">
+                <a:moveTo>
+                  <a:pt x="0" y="1456944"/>
+                </a:moveTo>
+                <a:lnTo>
+                  <a:pt x="0" y="0"/>
+                </a:lnTo>
+                <a:lnTo>
+                  <a:pt x="384048" y="0"/>
+                </a:lnTo>
+              </a:path>
+            </a:pathLst>
+          </a:custGeom>
+          <a:ln w="25400">
+            <a:solidFill>
+              <a:srgbClr val="E02B72"/>
+            </a:solidFill>
+            <a:tailEnd type="triangle"/>
+          </a:ln>
+        </p:spPr>
+        <p:style>
+          <a:lnRef idx="1">
+            <a:schemeClr val="accent1"/>
+          </a:lnRef>
+          <a:fillRef idx="0">
+            <a:schemeClr val="accent1"/>
+          </a:fillRef>
+          <a:effectRef idx="0">
+            <a:schemeClr val="accent1"/>
+          </a:effectRef>
+          <a:fontRef idx="minor">
+            <a:schemeClr val="tx1"/>
+          </a:fontRef>
+        </p:style>
+        <p:txBody>
+          <a:bodyPr rtlCol="0" anchor="ctr"/>
+          <a:lstStyle/>
+          <a:p>
+            <a:pPr algn="ctr"/>
+            <a:endParaRPr lang="en-CA"/>
+          </a:p>
+        </p:txBody>
+      </p:sp>
+      <p:pic>
+        <p:nvPicPr>
+          <p:cNvPr id="4" name="Picture 3">
+            <a:extLst>
+              <a:ext uri="{FF2B5EF4-FFF2-40B4-BE49-F238E27FC236}">
+                <a16:creationId xmlns:a16="http://schemas.microsoft.com/office/drawing/2014/main" id="{B6C515F8-1218-2336-F63A-9F5CAFB5FFB1}"/>
+              </a:ext>
+            </a:extLst>
+          </p:cNvPr>
+          <p:cNvPicPr>
+            <a:picLocks noChangeAspect="1"/>
+          </p:cNvPicPr>
+          <p:nvPr/>
+        </p:nvPicPr>
+        <p:blipFill>
+          <a:blip r:embed="rId3"/>
+          <a:stretch>
+            <a:fillRect/>
+          </a:stretch>
+        </p:blipFill>
+        <p:spPr>
+          <a:xfrm>
+            <a:off x="2927036" y="869361"/>
+            <a:ext cx="5971650" cy="4673676"/>
+          </a:xfrm>
+          <a:prstGeom prst="rect">
+            <a:avLst/>
+          </a:prstGeom>
+          <a:ln w="25400">
+            <a:solidFill>
+              <a:srgbClr val="E02B72"/>
+            </a:solidFill>
+            <a:miter lim="800000"/>
+          </a:ln>
+          <a:effectLst>
+            <a:outerShdw blurRad="165100" dir="2700000" algn="tl" rotWithShape="0">
+              <a:prstClr val="black">
+                <a:alpha val="20000"/>
+              </a:prstClr>
+            </a:outerShdw>
+          </a:effectLst>
+        </p:spPr>
+      </p:pic>
+    </p:spTree>
+    <p:extLst>
+      <p:ext uri="{BB962C8B-B14F-4D97-AF65-F5344CB8AC3E}">
+        <p14:creationId xmlns:p14="http://schemas.microsoft.com/office/powerpoint/2010/main" val="2542428014"/>
+      </p:ext>
+    </p:extLst>
+  </p:cSld>
+  <p:clrMapOvr>
+    <a:masterClrMapping/>
+  </p:clrMapOvr>
+</p:sld>
+</file>
+
 <file path=ppt/slides/slide2.xml><?xml version="1.0" encoding="utf-8"?>
+<p:sld xmlns:a="http://schemas.openxmlformats.org/drawingml/2006/main" xmlns:r="http://schemas.openxmlformats.org/officeDocument/2006/relationships" xmlns:p="http://schemas.openxmlformats.org/presentationml/2006/main">
+  <p:cSld>
+    <p:spTree>
+      <p:nvGrpSpPr>
+        <p:cNvPr id="1" name=""/>
+        <p:cNvGrpSpPr/>
+        <p:nvPr/>
+      </p:nvGrpSpPr>
+      <p:grpSpPr>
+        <a:xfrm>
+          <a:off x="0" y="0"/>
+          <a:ext cx="0" cy="0"/>
+          <a:chOff x="0" y="0"/>
+          <a:chExt cx="0" cy="0"/>
+        </a:xfrm>
+      </p:grpSpPr>
+      <p:sp>
+        <p:nvSpPr>
+          <p:cNvPr id="4" name="Title 3">
+            <a:extLst>
+              <a:ext uri="{FF2B5EF4-FFF2-40B4-BE49-F238E27FC236}">
+                <a16:creationId xmlns:a16="http://schemas.microsoft.com/office/drawing/2014/main" id="{FDEBF4C0-8A88-45B3-442C-19BC7A31D539}"/>
+              </a:ext>
+            </a:extLst>
+          </p:cNvPr>
+          <p:cNvSpPr>
+            <a:spLocks noGrp="1"/>
+          </p:cNvSpPr>
+          <p:nvPr>
+            <p:ph type="title"/>
+          </p:nvPr>
+        </p:nvSpPr>
+        <p:spPr/>
+        <p:txBody>
+          <a:bodyPr/>
+          <a:lstStyle/>
+          <a:p>
+            <a:r>
+              <a:rPr lang="en-US"/>
+              <a:t>Open AI API Object Model</a:t>
+            </a:r>
+            <a:endParaRPr lang="en-CA"/>
+          </a:p>
+        </p:txBody>
+      </p:sp>
+      <p:sp>
+        <p:nvSpPr>
+          <p:cNvPr id="5" name="Rectangle 4">
+            <a:extLst>
+              <a:ext uri="{FF2B5EF4-FFF2-40B4-BE49-F238E27FC236}">
+                <a16:creationId xmlns:a16="http://schemas.microsoft.com/office/drawing/2014/main" id="{B57F33F8-3C18-7C52-F11A-BA9AAD2D4394}"/>
+              </a:ext>
+            </a:extLst>
+          </p:cNvPr>
+          <p:cNvSpPr/>
+          <p:nvPr/>
+        </p:nvSpPr>
+        <p:spPr>
+          <a:xfrm>
+            <a:off x="5076056" y="1048516"/>
+            <a:ext cx="2448272" cy="1697543"/>
+          </a:xfrm>
+          <a:prstGeom prst="rect">
+            <a:avLst/>
+          </a:prstGeom>
+          <a:solidFill>
+            <a:srgbClr val="A3B1B7">
+              <a:alpha val="9804"/>
+            </a:srgbClr>
+          </a:solidFill>
+          <a:ln w="12700">
+            <a:solidFill>
+              <a:srgbClr val="6D828B"/>
+            </a:solidFill>
+          </a:ln>
+        </p:spPr>
+        <p:style>
+          <a:lnRef idx="2">
+            <a:schemeClr val="accent1">
+              <a:shade val="50000"/>
+            </a:schemeClr>
+          </a:lnRef>
+          <a:fillRef idx="1">
+            <a:schemeClr val="accent1"/>
+          </a:fillRef>
+          <a:effectRef idx="0">
+            <a:schemeClr val="accent1"/>
+          </a:effectRef>
+          <a:fontRef idx="minor">
+            <a:schemeClr val="lt1"/>
+          </a:fontRef>
+        </p:style>
+        <p:txBody>
+          <a:bodyPr rtlCol="0" anchor="t" anchorCtr="0"/>
+          <a:lstStyle/>
+          <a:p>
+            <a:endParaRPr lang="de-DE" sz="1050" dirty="0">
+              <a:solidFill>
+                <a:srgbClr val="455157"/>
+              </a:solidFill>
+              <a:latin typeface="Arial Narrow" panose="020B0606020202030204" pitchFamily="34" charset="0"/>
+              <a:ea typeface="Open Sans Condensed" panose="020B0806030504020204" pitchFamily="34" charset="0"/>
+              <a:cs typeface="Open Sans Condensed" panose="020B0806030504020204" pitchFamily="34" charset="0"/>
+            </a:endParaRPr>
+          </a:p>
+        </p:txBody>
+      </p:sp>
+      <p:sp>
+        <p:nvSpPr>
+          <p:cNvPr id="6" name="TextBox 5">
+            <a:extLst>
+              <a:ext uri="{FF2B5EF4-FFF2-40B4-BE49-F238E27FC236}">
+                <a16:creationId xmlns:a16="http://schemas.microsoft.com/office/drawing/2014/main" id="{2887F937-2349-AF9A-1C8B-14739530B805}"/>
+              </a:ext>
+            </a:extLst>
+          </p:cNvPr>
+          <p:cNvSpPr txBox="1"/>
+          <p:nvPr/>
+        </p:nvSpPr>
+        <p:spPr>
+          <a:xfrm>
+            <a:off x="5076057" y="871907"/>
+            <a:ext cx="456364" cy="172064"/>
+          </a:xfrm>
+          <a:prstGeom prst="rect">
+            <a:avLst/>
+          </a:prstGeom>
+          <a:solidFill>
+            <a:srgbClr val="6D828B"/>
+          </a:solidFill>
+          <a:ln w="12700">
+            <a:solidFill>
+              <a:srgbClr val="6D828B"/>
+            </a:solidFill>
+          </a:ln>
+        </p:spPr>
+        <p:txBody>
+          <a:bodyPr wrap="none" lIns="36000" tIns="0" rIns="54000" bIns="18000" rtlCol="0">
+            <a:spAutoFit/>
+          </a:bodyPr>
+          <a:lstStyle/>
+          <a:p>
+            <a:pPr algn="l"/>
+            <a:r>
+              <a:rPr lang="en-US" sz="1000" i="1">
+                <a:solidFill>
+                  <a:schemeClr val="bg1"/>
+                </a:solidFill>
+                <a:latin typeface="Arial Narrow" panose="020B0606020202030204" pitchFamily="34" charset="0"/>
+              </a:rPr>
+              <a:t>Storage</a:t>
+            </a:r>
+            <a:endParaRPr lang="en-CA" sz="1000" i="1">
+              <a:solidFill>
+                <a:schemeClr val="bg1"/>
+              </a:solidFill>
+              <a:latin typeface="Arial Narrow" panose="020B0606020202030204" pitchFamily="34" charset="0"/>
+            </a:endParaRPr>
+          </a:p>
+        </p:txBody>
+      </p:sp>
+      <p:sp>
+        <p:nvSpPr>
+          <p:cNvPr id="7" name="Rectangle 6">
+            <a:extLst>
+              <a:ext uri="{FF2B5EF4-FFF2-40B4-BE49-F238E27FC236}">
+                <a16:creationId xmlns:a16="http://schemas.microsoft.com/office/drawing/2014/main" id="{5BC1F5F5-88DD-2CC4-1A10-A54B531F17AA}"/>
+              </a:ext>
+            </a:extLst>
+          </p:cNvPr>
+          <p:cNvSpPr/>
+          <p:nvPr/>
+        </p:nvSpPr>
+        <p:spPr>
+          <a:xfrm>
+            <a:off x="5199752" y="1183504"/>
+            <a:ext cx="980674" cy="220999"/>
+          </a:xfrm>
+          <a:prstGeom prst="rect">
+            <a:avLst/>
+          </a:prstGeom>
+          <a:solidFill>
+            <a:schemeClr val="bg1"/>
+          </a:solidFill>
+          <a:ln w="19050">
+            <a:solidFill>
+              <a:srgbClr val="2194F6"/>
+            </a:solidFill>
+          </a:ln>
+        </p:spPr>
+        <p:style>
+          <a:lnRef idx="2">
+            <a:schemeClr val="accent1">
+              <a:shade val="50000"/>
+            </a:schemeClr>
+          </a:lnRef>
+          <a:fillRef idx="1">
+            <a:schemeClr val="accent1"/>
+          </a:fillRef>
+          <a:effectRef idx="0">
+            <a:schemeClr val="accent1"/>
+          </a:effectRef>
+          <a:fontRef idx="minor">
+            <a:schemeClr val="lt1"/>
+          </a:fontRef>
+        </p:style>
+        <p:txBody>
+          <a:bodyPr lIns="72000" tIns="0" rIns="0" bIns="0" rtlCol="0" anchor="ctr"/>
+          <a:lstStyle/>
+          <a:p>
+            <a:r>
+              <a:rPr lang="en-US" sz="1000" b="1">
+                <a:solidFill>
+                  <a:srgbClr val="1064AF"/>
+                </a:solidFill>
+                <a:latin typeface="Arial Narrow" panose="020B0606020202030204" pitchFamily="34" charset="0"/>
+                <a:ea typeface="Open Sans Condensed Light" panose="020B0306030504020204" pitchFamily="34" charset="0"/>
+                <a:cs typeface="Open Sans Condensed Light" panose="020B0306030504020204" pitchFamily="34" charset="0"/>
+              </a:rPr>
+              <a:t>Files</a:t>
+            </a:r>
+            <a:endParaRPr lang="de-DE" sz="1000" b="1" dirty="0">
+              <a:solidFill>
+                <a:srgbClr val="1064AF"/>
+              </a:solidFill>
+              <a:latin typeface="Arial Narrow" panose="020B0606020202030204" pitchFamily="34" charset="0"/>
+              <a:ea typeface="Open Sans Condensed Light" panose="020B0306030504020204" pitchFamily="34" charset="0"/>
+              <a:cs typeface="Open Sans Condensed Light" panose="020B0306030504020204" pitchFamily="34" charset="0"/>
+            </a:endParaRPr>
+          </a:p>
+        </p:txBody>
+      </p:sp>
+      <p:sp>
+        <p:nvSpPr>
+          <p:cNvPr id="9" name="Rectangle 8">
+            <a:extLst>
+              <a:ext uri="{FF2B5EF4-FFF2-40B4-BE49-F238E27FC236}">
+                <a16:creationId xmlns:a16="http://schemas.microsoft.com/office/drawing/2014/main" id="{EE3E47A3-2FD0-0BDB-4650-B285A6485064}"/>
+              </a:ext>
+            </a:extLst>
+          </p:cNvPr>
+          <p:cNvSpPr/>
+          <p:nvPr/>
+        </p:nvSpPr>
+        <p:spPr>
+          <a:xfrm>
+            <a:off x="5199752" y="1815659"/>
+            <a:ext cx="980674" cy="220999"/>
+          </a:xfrm>
+          <a:prstGeom prst="rect">
+            <a:avLst/>
+          </a:prstGeom>
+          <a:solidFill>
+            <a:schemeClr val="bg1"/>
+          </a:solidFill>
+          <a:ln w="19050">
+            <a:solidFill>
+              <a:srgbClr val="2194F6"/>
+            </a:solidFill>
+          </a:ln>
+        </p:spPr>
+        <p:style>
+          <a:lnRef idx="2">
+            <a:schemeClr val="accent1">
+              <a:shade val="50000"/>
+            </a:schemeClr>
+          </a:lnRef>
+          <a:fillRef idx="1">
+            <a:schemeClr val="accent1"/>
+          </a:fillRef>
+          <a:effectRef idx="0">
+            <a:schemeClr val="accent1"/>
+          </a:effectRef>
+          <a:fontRef idx="minor">
+            <a:schemeClr val="lt1"/>
+          </a:fontRef>
+        </p:style>
+        <p:txBody>
+          <a:bodyPr lIns="72000" tIns="0" rIns="0" bIns="0" rtlCol="0" anchor="ctr"/>
+          <a:lstStyle/>
+          <a:p>
+            <a:r>
+              <a:rPr lang="en-US" sz="1000" b="1">
+                <a:solidFill>
+                  <a:srgbClr val="1064AF"/>
+                </a:solidFill>
+                <a:latin typeface="Arial Narrow" panose="020B0606020202030204" pitchFamily="34" charset="0"/>
+                <a:ea typeface="Open Sans Condensed Light" panose="020B0306030504020204" pitchFamily="34" charset="0"/>
+                <a:cs typeface="Open Sans Condensed Light" panose="020B0306030504020204" pitchFamily="34" charset="0"/>
+              </a:rPr>
+              <a:t>Vector Store</a:t>
+            </a:r>
+            <a:endParaRPr lang="de-DE" sz="1000" b="1" dirty="0">
+              <a:solidFill>
+                <a:srgbClr val="1064AF"/>
+              </a:solidFill>
+              <a:latin typeface="Arial Narrow" panose="020B0606020202030204" pitchFamily="34" charset="0"/>
+              <a:ea typeface="Open Sans Condensed Light" panose="020B0306030504020204" pitchFamily="34" charset="0"/>
+              <a:cs typeface="Open Sans Condensed Light" panose="020B0306030504020204" pitchFamily="34" charset="0"/>
+            </a:endParaRPr>
+          </a:p>
+        </p:txBody>
+      </p:sp>
+      <p:sp>
+        <p:nvSpPr>
+          <p:cNvPr id="11" name="Rectangle 10">
+            <a:extLst>
+              <a:ext uri="{FF2B5EF4-FFF2-40B4-BE49-F238E27FC236}">
+                <a16:creationId xmlns:a16="http://schemas.microsoft.com/office/drawing/2014/main" id="{1CAA57AB-7677-AA9E-7835-C89F20A87207}"/>
+              </a:ext>
+            </a:extLst>
+          </p:cNvPr>
+          <p:cNvSpPr/>
+          <p:nvPr/>
+        </p:nvSpPr>
+        <p:spPr>
+          <a:xfrm>
+            <a:off x="2282050" y="2314029"/>
+            <a:ext cx="2318451" cy="1132658"/>
+          </a:xfrm>
+          <a:prstGeom prst="rect">
+            <a:avLst/>
+          </a:prstGeom>
+          <a:solidFill>
+            <a:srgbClr val="A3B1B7">
+              <a:alpha val="9804"/>
+            </a:srgbClr>
+          </a:solidFill>
+          <a:ln w="12700">
+            <a:solidFill>
+              <a:srgbClr val="6D828B"/>
+            </a:solidFill>
+          </a:ln>
+        </p:spPr>
+        <p:style>
+          <a:lnRef idx="2">
+            <a:schemeClr val="accent1">
+              <a:shade val="50000"/>
+            </a:schemeClr>
+          </a:lnRef>
+          <a:fillRef idx="1">
+            <a:schemeClr val="accent1"/>
+          </a:fillRef>
+          <a:effectRef idx="0">
+            <a:schemeClr val="accent1"/>
+          </a:effectRef>
+          <a:fontRef idx="minor">
+            <a:schemeClr val="lt1"/>
+          </a:fontRef>
+        </p:style>
+        <p:txBody>
+          <a:bodyPr rtlCol="0" anchor="t" anchorCtr="0"/>
+          <a:lstStyle/>
+          <a:p>
+            <a:endParaRPr lang="de-DE" sz="1050" dirty="0">
+              <a:solidFill>
+                <a:srgbClr val="455157"/>
+              </a:solidFill>
+              <a:latin typeface="Arial Narrow" panose="020B0606020202030204" pitchFamily="34" charset="0"/>
+              <a:ea typeface="Open Sans Condensed" panose="020B0806030504020204" pitchFamily="34" charset="0"/>
+              <a:cs typeface="Open Sans Condensed" panose="020B0806030504020204" pitchFamily="34" charset="0"/>
+            </a:endParaRPr>
+          </a:p>
+        </p:txBody>
+      </p:sp>
+      <p:sp>
+        <p:nvSpPr>
+          <p:cNvPr id="12" name="TextBox 11">
+            <a:extLst>
+              <a:ext uri="{FF2B5EF4-FFF2-40B4-BE49-F238E27FC236}">
+                <a16:creationId xmlns:a16="http://schemas.microsoft.com/office/drawing/2014/main" id="{7A05AE79-CA97-2440-2D11-410DFEA4E505}"/>
+              </a:ext>
+            </a:extLst>
+          </p:cNvPr>
+          <p:cNvSpPr txBox="1"/>
+          <p:nvPr/>
+        </p:nvSpPr>
+        <p:spPr>
+          <a:xfrm>
+            <a:off x="2282052" y="2137420"/>
+            <a:ext cx="347359" cy="172064"/>
+          </a:xfrm>
+          <a:prstGeom prst="rect">
+            <a:avLst/>
+          </a:prstGeom>
+          <a:solidFill>
+            <a:srgbClr val="6D828B"/>
+          </a:solidFill>
+          <a:ln w="12700">
+            <a:solidFill>
+              <a:srgbClr val="6D828B"/>
+            </a:solidFill>
+          </a:ln>
+        </p:spPr>
+        <p:txBody>
+          <a:bodyPr wrap="none" lIns="36000" tIns="0" rIns="54000" bIns="18000" rtlCol="0">
+            <a:spAutoFit/>
+          </a:bodyPr>
+          <a:lstStyle/>
+          <a:p>
+            <a:pPr algn="l"/>
+            <a:r>
+              <a:rPr lang="en-US" sz="1000" i="1">
+                <a:solidFill>
+                  <a:schemeClr val="bg1"/>
+                </a:solidFill>
+                <a:latin typeface="Arial Narrow" panose="020B0606020202030204" pitchFamily="34" charset="0"/>
+              </a:rPr>
+              <a:t>Tools</a:t>
+            </a:r>
+            <a:endParaRPr lang="en-CA" sz="1000" i="1">
+              <a:solidFill>
+                <a:schemeClr val="bg1"/>
+              </a:solidFill>
+              <a:latin typeface="Arial Narrow" panose="020B0606020202030204" pitchFamily="34" charset="0"/>
+            </a:endParaRPr>
+          </a:p>
+        </p:txBody>
+      </p:sp>
+      <p:sp>
+        <p:nvSpPr>
+          <p:cNvPr id="13" name="Rectangle 12">
+            <a:extLst>
+              <a:ext uri="{FF2B5EF4-FFF2-40B4-BE49-F238E27FC236}">
+                <a16:creationId xmlns:a16="http://schemas.microsoft.com/office/drawing/2014/main" id="{C2F18B3A-A737-EC2C-23EB-2CEA67083270}"/>
+              </a:ext>
+            </a:extLst>
+          </p:cNvPr>
+          <p:cNvSpPr/>
+          <p:nvPr/>
+        </p:nvSpPr>
+        <p:spPr>
+          <a:xfrm>
+            <a:off x="3499823" y="2448000"/>
+            <a:ext cx="980674" cy="220999"/>
+          </a:xfrm>
+          <a:prstGeom prst="rect">
+            <a:avLst/>
+          </a:prstGeom>
+          <a:solidFill>
+            <a:schemeClr val="bg1"/>
+          </a:solidFill>
+          <a:ln w="19050">
+            <a:solidFill>
+              <a:srgbClr val="2194F6"/>
+            </a:solidFill>
+          </a:ln>
+        </p:spPr>
+        <p:style>
+          <a:lnRef idx="2">
+            <a:schemeClr val="accent1">
+              <a:shade val="50000"/>
+            </a:schemeClr>
+          </a:lnRef>
+          <a:fillRef idx="1">
+            <a:schemeClr val="accent1"/>
+          </a:fillRef>
+          <a:effectRef idx="0">
+            <a:schemeClr val="accent1"/>
+          </a:effectRef>
+          <a:fontRef idx="minor">
+            <a:schemeClr val="lt1"/>
+          </a:fontRef>
+        </p:style>
+        <p:txBody>
+          <a:bodyPr lIns="72000" tIns="0" rIns="0" bIns="0" rtlCol="0" anchor="ctr"/>
+          <a:lstStyle/>
+          <a:p>
+            <a:r>
+              <a:rPr lang="en-US" sz="1000" b="1">
+                <a:solidFill>
+                  <a:srgbClr val="1064AF"/>
+                </a:solidFill>
+                <a:latin typeface="Arial Narrow" panose="020B0606020202030204" pitchFamily="34" charset="0"/>
+                <a:ea typeface="Open Sans Condensed Light" panose="020B0306030504020204" pitchFamily="34" charset="0"/>
+                <a:cs typeface="Open Sans Condensed Light" panose="020B0306030504020204" pitchFamily="34" charset="0"/>
+              </a:rPr>
+              <a:t>File search</a:t>
+            </a:r>
+            <a:endParaRPr lang="de-DE" sz="1000" b="1" dirty="0">
+              <a:solidFill>
+                <a:srgbClr val="1064AF"/>
+              </a:solidFill>
+              <a:latin typeface="Arial Narrow" panose="020B0606020202030204" pitchFamily="34" charset="0"/>
+              <a:ea typeface="Open Sans Condensed Light" panose="020B0306030504020204" pitchFamily="34" charset="0"/>
+              <a:cs typeface="Open Sans Condensed Light" panose="020B0306030504020204" pitchFamily="34" charset="0"/>
+            </a:endParaRPr>
+          </a:p>
+        </p:txBody>
+      </p:sp>
+      <p:sp>
+        <p:nvSpPr>
+          <p:cNvPr id="14" name="Rectangle 13">
+            <a:extLst>
+              <a:ext uri="{FF2B5EF4-FFF2-40B4-BE49-F238E27FC236}">
+                <a16:creationId xmlns:a16="http://schemas.microsoft.com/office/drawing/2014/main" id="{2907ED7C-9A76-4504-2D49-C99B76049661}"/>
+              </a:ext>
+            </a:extLst>
+          </p:cNvPr>
+          <p:cNvSpPr/>
+          <p:nvPr/>
+        </p:nvSpPr>
+        <p:spPr>
+          <a:xfrm>
+            <a:off x="3499823" y="2769936"/>
+            <a:ext cx="980674" cy="220999"/>
+          </a:xfrm>
+          <a:prstGeom prst="rect">
+            <a:avLst/>
+          </a:prstGeom>
+          <a:solidFill>
+            <a:schemeClr val="bg1"/>
+          </a:solidFill>
+          <a:ln w="19050">
+            <a:solidFill>
+              <a:srgbClr val="2194F6"/>
+            </a:solidFill>
+          </a:ln>
+        </p:spPr>
+        <p:style>
+          <a:lnRef idx="2">
+            <a:schemeClr val="accent1">
+              <a:shade val="50000"/>
+            </a:schemeClr>
+          </a:lnRef>
+          <a:fillRef idx="1">
+            <a:schemeClr val="accent1"/>
+          </a:fillRef>
+          <a:effectRef idx="0">
+            <a:schemeClr val="accent1"/>
+          </a:effectRef>
+          <a:fontRef idx="minor">
+            <a:schemeClr val="lt1"/>
+          </a:fontRef>
+        </p:style>
+        <p:txBody>
+          <a:bodyPr lIns="72000" tIns="0" rIns="0" bIns="0" rtlCol="0" anchor="ctr"/>
+          <a:lstStyle/>
+          <a:p>
+            <a:r>
+              <a:rPr lang="en-US" sz="1000" b="1">
+                <a:solidFill>
+                  <a:srgbClr val="1064AF"/>
+                </a:solidFill>
+                <a:latin typeface="Arial Narrow" panose="020B0606020202030204" pitchFamily="34" charset="0"/>
+                <a:ea typeface="Open Sans Condensed Light" panose="020B0306030504020204" pitchFamily="34" charset="0"/>
+                <a:cs typeface="Open Sans Condensed Light" panose="020B0306030504020204" pitchFamily="34" charset="0"/>
+              </a:rPr>
+              <a:t>Web search</a:t>
+            </a:r>
+            <a:endParaRPr lang="de-DE" sz="1000" b="1" dirty="0">
+              <a:solidFill>
+                <a:srgbClr val="1064AF"/>
+              </a:solidFill>
+              <a:latin typeface="Arial Narrow" panose="020B0606020202030204" pitchFamily="34" charset="0"/>
+              <a:ea typeface="Open Sans Condensed Light" panose="020B0306030504020204" pitchFamily="34" charset="0"/>
+              <a:cs typeface="Open Sans Condensed Light" panose="020B0306030504020204" pitchFamily="34" charset="0"/>
+            </a:endParaRPr>
+          </a:p>
+        </p:txBody>
+      </p:sp>
+      <p:sp>
+        <p:nvSpPr>
+          <p:cNvPr id="15" name="Rectangle 14">
+            <a:extLst>
+              <a:ext uri="{FF2B5EF4-FFF2-40B4-BE49-F238E27FC236}">
+                <a16:creationId xmlns:a16="http://schemas.microsoft.com/office/drawing/2014/main" id="{4950013E-FC26-1F7A-441D-F7F5846E6236}"/>
+              </a:ext>
+            </a:extLst>
+          </p:cNvPr>
+          <p:cNvSpPr/>
+          <p:nvPr/>
+        </p:nvSpPr>
+        <p:spPr>
+          <a:xfrm>
+            <a:off x="2404370" y="2448000"/>
+            <a:ext cx="980674" cy="220999"/>
+          </a:xfrm>
+          <a:prstGeom prst="rect">
+            <a:avLst/>
+          </a:prstGeom>
+          <a:solidFill>
+            <a:schemeClr val="bg1"/>
+          </a:solidFill>
+          <a:ln w="19050">
+            <a:solidFill>
+              <a:srgbClr val="2194F6"/>
+            </a:solidFill>
+          </a:ln>
+        </p:spPr>
+        <p:style>
+          <a:lnRef idx="2">
+            <a:schemeClr val="accent1">
+              <a:shade val="50000"/>
+            </a:schemeClr>
+          </a:lnRef>
+          <a:fillRef idx="1">
+            <a:schemeClr val="accent1"/>
+          </a:fillRef>
+          <a:effectRef idx="0">
+            <a:schemeClr val="accent1"/>
+          </a:effectRef>
+          <a:fontRef idx="minor">
+            <a:schemeClr val="lt1"/>
+          </a:fontRef>
+        </p:style>
+        <p:txBody>
+          <a:bodyPr lIns="72000" tIns="0" rIns="0" bIns="0" rtlCol="0" anchor="ctr"/>
+          <a:lstStyle/>
+          <a:p>
+            <a:r>
+              <a:rPr lang="en-US" sz="1000" b="1">
+                <a:solidFill>
+                  <a:srgbClr val="1064AF"/>
+                </a:solidFill>
+                <a:latin typeface="Arial Narrow" panose="020B0606020202030204" pitchFamily="34" charset="0"/>
+                <a:ea typeface="Open Sans Condensed Light" panose="020B0306030504020204" pitchFamily="34" charset="0"/>
+                <a:cs typeface="Open Sans Condensed Light" panose="020B0306030504020204" pitchFamily="34" charset="0"/>
+              </a:rPr>
+              <a:t>Computer use</a:t>
+            </a:r>
+            <a:endParaRPr lang="de-DE" sz="1000" b="1" dirty="0">
+              <a:solidFill>
+                <a:srgbClr val="1064AF"/>
+              </a:solidFill>
+              <a:latin typeface="Arial Narrow" panose="020B0606020202030204" pitchFamily="34" charset="0"/>
+              <a:ea typeface="Open Sans Condensed Light" panose="020B0306030504020204" pitchFamily="34" charset="0"/>
+              <a:cs typeface="Open Sans Condensed Light" panose="020B0306030504020204" pitchFamily="34" charset="0"/>
+            </a:endParaRPr>
+          </a:p>
+        </p:txBody>
+      </p:sp>
+      <p:sp>
+        <p:nvSpPr>
+          <p:cNvPr id="16" name="Rectangle 15">
+            <a:extLst>
+              <a:ext uri="{FF2B5EF4-FFF2-40B4-BE49-F238E27FC236}">
+                <a16:creationId xmlns:a16="http://schemas.microsoft.com/office/drawing/2014/main" id="{814730E3-A2F6-D9C0-CF97-8BB9EACB4E43}"/>
+              </a:ext>
+            </a:extLst>
+          </p:cNvPr>
+          <p:cNvSpPr/>
+          <p:nvPr/>
+        </p:nvSpPr>
+        <p:spPr>
+          <a:xfrm>
+            <a:off x="2404370" y="2770953"/>
+            <a:ext cx="980674" cy="220999"/>
+          </a:xfrm>
+          <a:prstGeom prst="rect">
+            <a:avLst/>
+          </a:prstGeom>
+          <a:solidFill>
+            <a:schemeClr val="bg1"/>
+          </a:solidFill>
+          <a:ln w="19050">
+            <a:solidFill>
+              <a:srgbClr val="2194F6"/>
+            </a:solidFill>
+          </a:ln>
+        </p:spPr>
+        <p:style>
+          <a:lnRef idx="2">
+            <a:schemeClr val="accent1">
+              <a:shade val="50000"/>
+            </a:schemeClr>
+          </a:lnRef>
+          <a:fillRef idx="1">
+            <a:schemeClr val="accent1"/>
+          </a:fillRef>
+          <a:effectRef idx="0">
+            <a:schemeClr val="accent1"/>
+          </a:effectRef>
+          <a:fontRef idx="minor">
+            <a:schemeClr val="lt1"/>
+          </a:fontRef>
+        </p:style>
+        <p:txBody>
+          <a:bodyPr lIns="72000" tIns="0" rIns="0" bIns="0" rtlCol="0" anchor="ctr"/>
+          <a:lstStyle/>
+          <a:p>
+            <a:r>
+              <a:rPr lang="en-US" sz="1000" b="1">
+                <a:solidFill>
+                  <a:srgbClr val="1064AF"/>
+                </a:solidFill>
+                <a:latin typeface="Arial Narrow" panose="020B0606020202030204" pitchFamily="34" charset="0"/>
+                <a:ea typeface="Open Sans Condensed Light" panose="020B0306030504020204" pitchFamily="34" charset="0"/>
+                <a:cs typeface="Open Sans Condensed Light" panose="020B0306030504020204" pitchFamily="34" charset="0"/>
+              </a:rPr>
+              <a:t>Local shell</a:t>
+            </a:r>
+            <a:endParaRPr lang="de-DE" sz="1000" b="1" dirty="0">
+              <a:solidFill>
+                <a:srgbClr val="1064AF"/>
+              </a:solidFill>
+              <a:latin typeface="Arial Narrow" panose="020B0606020202030204" pitchFamily="34" charset="0"/>
+              <a:ea typeface="Open Sans Condensed Light" panose="020B0306030504020204" pitchFamily="34" charset="0"/>
+              <a:cs typeface="Open Sans Condensed Light" panose="020B0306030504020204" pitchFamily="34" charset="0"/>
+            </a:endParaRPr>
+          </a:p>
+        </p:txBody>
+      </p:sp>
+      <p:sp>
+        <p:nvSpPr>
+          <p:cNvPr id="17" name="Rectangle 16">
+            <a:extLst>
+              <a:ext uri="{FF2B5EF4-FFF2-40B4-BE49-F238E27FC236}">
+                <a16:creationId xmlns:a16="http://schemas.microsoft.com/office/drawing/2014/main" id="{A76F7B49-EE61-5208-0459-482836ACB631}"/>
+              </a:ext>
+            </a:extLst>
+          </p:cNvPr>
+          <p:cNvSpPr/>
+          <p:nvPr/>
+        </p:nvSpPr>
+        <p:spPr>
+          <a:xfrm>
+            <a:off x="2408935" y="3081172"/>
+            <a:ext cx="980674" cy="220999"/>
+          </a:xfrm>
+          <a:prstGeom prst="rect">
+            <a:avLst/>
+          </a:prstGeom>
+          <a:solidFill>
+            <a:schemeClr val="bg1"/>
+          </a:solidFill>
+          <a:ln w="19050">
+            <a:solidFill>
+              <a:srgbClr val="2194F6"/>
+            </a:solidFill>
+          </a:ln>
+        </p:spPr>
+        <p:style>
+          <a:lnRef idx="2">
+            <a:schemeClr val="accent1">
+              <a:shade val="50000"/>
+            </a:schemeClr>
+          </a:lnRef>
+          <a:fillRef idx="1">
+            <a:schemeClr val="accent1"/>
+          </a:fillRef>
+          <a:effectRef idx="0">
+            <a:schemeClr val="accent1"/>
+          </a:effectRef>
+          <a:fontRef idx="minor">
+            <a:schemeClr val="lt1"/>
+          </a:fontRef>
+        </p:style>
+        <p:txBody>
+          <a:bodyPr lIns="72000" tIns="0" rIns="0" bIns="0" rtlCol="0" anchor="ctr"/>
+          <a:lstStyle/>
+          <a:p>
+            <a:r>
+              <a:rPr lang="en-US" sz="1000" b="1">
+                <a:solidFill>
+                  <a:srgbClr val="1064AF"/>
+                </a:solidFill>
+                <a:latin typeface="Arial Narrow" panose="020B0606020202030204" pitchFamily="34" charset="0"/>
+                <a:ea typeface="Open Sans Condensed Light" panose="020B0306030504020204" pitchFamily="34" charset="0"/>
+                <a:cs typeface="Open Sans Condensed Light" panose="020B0306030504020204" pitchFamily="34" charset="0"/>
+              </a:rPr>
+              <a:t>Function calling</a:t>
+            </a:r>
+            <a:endParaRPr lang="de-DE" sz="1000" b="1" dirty="0">
+              <a:solidFill>
+                <a:srgbClr val="1064AF"/>
+              </a:solidFill>
+              <a:latin typeface="Arial Narrow" panose="020B0606020202030204" pitchFamily="34" charset="0"/>
+              <a:ea typeface="Open Sans Condensed Light" panose="020B0306030504020204" pitchFamily="34" charset="0"/>
+              <a:cs typeface="Open Sans Condensed Light" panose="020B0306030504020204" pitchFamily="34" charset="0"/>
+            </a:endParaRPr>
+          </a:p>
+        </p:txBody>
+      </p:sp>
+      <p:sp>
+        <p:nvSpPr>
+          <p:cNvPr id="18" name="Rectangle 17">
+            <a:extLst>
+              <a:ext uri="{FF2B5EF4-FFF2-40B4-BE49-F238E27FC236}">
+                <a16:creationId xmlns:a16="http://schemas.microsoft.com/office/drawing/2014/main" id="{C47A06DE-039B-13D4-E126-684E7BD6AC58}"/>
+              </a:ext>
+            </a:extLst>
+          </p:cNvPr>
+          <p:cNvSpPr/>
+          <p:nvPr/>
+        </p:nvSpPr>
+        <p:spPr>
+          <a:xfrm>
+            <a:off x="431540" y="1057300"/>
+            <a:ext cx="1350456" cy="2561066"/>
+          </a:xfrm>
+          <a:prstGeom prst="rect">
+            <a:avLst/>
+          </a:prstGeom>
+          <a:solidFill>
+            <a:srgbClr val="A3B1B7">
+              <a:alpha val="9804"/>
+            </a:srgbClr>
+          </a:solidFill>
+          <a:ln w="12700">
+            <a:solidFill>
+              <a:srgbClr val="6D828B"/>
+            </a:solidFill>
+          </a:ln>
+        </p:spPr>
+        <p:style>
+          <a:lnRef idx="2">
+            <a:schemeClr val="accent1">
+              <a:shade val="50000"/>
+            </a:schemeClr>
+          </a:lnRef>
+          <a:fillRef idx="1">
+            <a:schemeClr val="accent1"/>
+          </a:fillRef>
+          <a:effectRef idx="0">
+            <a:schemeClr val="accent1"/>
+          </a:effectRef>
+          <a:fontRef idx="minor">
+            <a:schemeClr val="lt1"/>
+          </a:fontRef>
+        </p:style>
+        <p:txBody>
+          <a:bodyPr rtlCol="0" anchor="t" anchorCtr="0"/>
+          <a:lstStyle/>
+          <a:p>
+            <a:endParaRPr lang="de-DE" sz="1050" dirty="0">
+              <a:solidFill>
+                <a:srgbClr val="455157"/>
+              </a:solidFill>
+              <a:latin typeface="Arial Narrow" panose="020B0606020202030204" pitchFamily="34" charset="0"/>
+              <a:ea typeface="Open Sans Condensed" panose="020B0806030504020204" pitchFamily="34" charset="0"/>
+              <a:cs typeface="Open Sans Condensed" panose="020B0806030504020204" pitchFamily="34" charset="0"/>
+            </a:endParaRPr>
+          </a:p>
+        </p:txBody>
+      </p:sp>
+      <p:sp>
+        <p:nvSpPr>
+          <p:cNvPr id="19" name="TextBox 18">
+            <a:extLst>
+              <a:ext uri="{FF2B5EF4-FFF2-40B4-BE49-F238E27FC236}">
+                <a16:creationId xmlns:a16="http://schemas.microsoft.com/office/drawing/2014/main" id="{35CBD89B-A843-4FA2-6C6E-1AD3E725B2DE}"/>
+              </a:ext>
+            </a:extLst>
+          </p:cNvPr>
+          <p:cNvSpPr txBox="1"/>
+          <p:nvPr/>
+        </p:nvSpPr>
+        <p:spPr>
+          <a:xfrm>
+            <a:off x="431541" y="880691"/>
+            <a:ext cx="1205827" cy="172064"/>
+          </a:xfrm>
+          <a:prstGeom prst="rect">
+            <a:avLst/>
+          </a:prstGeom>
+          <a:solidFill>
+            <a:srgbClr val="6D828B"/>
+          </a:solidFill>
+          <a:ln w="12700">
+            <a:solidFill>
+              <a:srgbClr val="6D828B"/>
+            </a:solidFill>
+          </a:ln>
+        </p:spPr>
+        <p:txBody>
+          <a:bodyPr wrap="square" lIns="36000" tIns="0" rIns="54000" bIns="18000" rtlCol="0">
+            <a:spAutoFit/>
+          </a:bodyPr>
+          <a:lstStyle/>
+          <a:p>
+            <a:pPr algn="l"/>
+            <a:r>
+              <a:rPr lang="en-US" sz="1000" i="1">
+                <a:solidFill>
+                  <a:schemeClr val="bg1"/>
+                </a:solidFill>
+                <a:latin typeface="Arial Narrow" panose="020B0606020202030204" pitchFamily="34" charset="0"/>
+              </a:rPr>
+              <a:t>High-Level Objects</a:t>
+            </a:r>
+            <a:endParaRPr lang="en-CA" sz="1000" i="1">
+              <a:solidFill>
+                <a:schemeClr val="bg1"/>
+              </a:solidFill>
+              <a:latin typeface="Arial Narrow" panose="020B0606020202030204" pitchFamily="34" charset="0"/>
+            </a:endParaRPr>
+          </a:p>
+        </p:txBody>
+      </p:sp>
+      <p:sp>
+        <p:nvSpPr>
+          <p:cNvPr id="20" name="Rectangle 19">
+            <a:extLst>
+              <a:ext uri="{FF2B5EF4-FFF2-40B4-BE49-F238E27FC236}">
+                <a16:creationId xmlns:a16="http://schemas.microsoft.com/office/drawing/2014/main" id="{51BFEA88-065C-1539-AA51-DE8CD53C225E}"/>
+              </a:ext>
+            </a:extLst>
+          </p:cNvPr>
+          <p:cNvSpPr/>
+          <p:nvPr/>
+        </p:nvSpPr>
+        <p:spPr>
+          <a:xfrm>
+            <a:off x="539552" y="1192288"/>
+            <a:ext cx="980674" cy="220999"/>
+          </a:xfrm>
+          <a:prstGeom prst="rect">
+            <a:avLst/>
+          </a:prstGeom>
+          <a:solidFill>
+            <a:schemeClr val="bg1"/>
+          </a:solidFill>
+          <a:ln w="19050">
+            <a:solidFill>
+              <a:srgbClr val="2194F6"/>
+            </a:solidFill>
+          </a:ln>
+        </p:spPr>
+        <p:style>
+          <a:lnRef idx="2">
+            <a:schemeClr val="accent1">
+              <a:shade val="50000"/>
+            </a:schemeClr>
+          </a:lnRef>
+          <a:fillRef idx="1">
+            <a:schemeClr val="accent1"/>
+          </a:fillRef>
+          <a:effectRef idx="0">
+            <a:schemeClr val="accent1"/>
+          </a:effectRef>
+          <a:fontRef idx="minor">
+            <a:schemeClr val="lt1"/>
+          </a:fontRef>
+        </p:style>
+        <p:txBody>
+          <a:bodyPr lIns="72000" tIns="0" rIns="0" bIns="0" rtlCol="0" anchor="ctr"/>
+          <a:lstStyle/>
+          <a:p>
+            <a:r>
+              <a:rPr lang="en-US" sz="1000" b="1">
+                <a:solidFill>
+                  <a:srgbClr val="1064AF"/>
+                </a:solidFill>
+                <a:latin typeface="Arial Narrow" panose="020B0606020202030204" pitchFamily="34" charset="0"/>
+                <a:ea typeface="Open Sans Condensed Light" panose="020B0306030504020204" pitchFamily="34" charset="0"/>
+                <a:cs typeface="Open Sans Condensed Light" panose="020B0306030504020204" pitchFamily="34" charset="0"/>
+              </a:rPr>
+              <a:t>Responses</a:t>
+            </a:r>
+            <a:endParaRPr lang="de-DE" sz="1000" b="1" dirty="0">
+              <a:solidFill>
+                <a:srgbClr val="1064AF"/>
+              </a:solidFill>
+              <a:latin typeface="Arial Narrow" panose="020B0606020202030204" pitchFamily="34" charset="0"/>
+              <a:ea typeface="Open Sans Condensed Light" panose="020B0306030504020204" pitchFamily="34" charset="0"/>
+              <a:cs typeface="Open Sans Condensed Light" panose="020B0306030504020204" pitchFamily="34" charset="0"/>
+            </a:endParaRPr>
+          </a:p>
+        </p:txBody>
+      </p:sp>
+      <p:sp>
+        <p:nvSpPr>
+          <p:cNvPr id="21" name="Rectangle 20">
+            <a:extLst>
+              <a:ext uri="{FF2B5EF4-FFF2-40B4-BE49-F238E27FC236}">
+                <a16:creationId xmlns:a16="http://schemas.microsoft.com/office/drawing/2014/main" id="{B7594956-2A47-3201-630B-8F4C6DC05C58}"/>
+              </a:ext>
+            </a:extLst>
+          </p:cNvPr>
+          <p:cNvSpPr/>
+          <p:nvPr/>
+        </p:nvSpPr>
+        <p:spPr>
+          <a:xfrm>
+            <a:off x="539552" y="2525060"/>
+            <a:ext cx="980674" cy="220999"/>
+          </a:xfrm>
+          <a:prstGeom prst="rect">
+            <a:avLst/>
+          </a:prstGeom>
+          <a:solidFill>
+            <a:schemeClr val="bg1"/>
+          </a:solidFill>
+          <a:ln w="19050">
+            <a:solidFill>
+              <a:srgbClr val="75BEFC"/>
+            </a:solidFill>
+            <a:prstDash val="sysDash"/>
+          </a:ln>
+        </p:spPr>
+        <p:style>
+          <a:lnRef idx="2">
+            <a:schemeClr val="accent1">
+              <a:shade val="50000"/>
+            </a:schemeClr>
+          </a:lnRef>
+          <a:fillRef idx="1">
+            <a:schemeClr val="accent1"/>
+          </a:fillRef>
+          <a:effectRef idx="0">
+            <a:schemeClr val="accent1"/>
+          </a:effectRef>
+          <a:fontRef idx="minor">
+            <a:schemeClr val="lt1"/>
+          </a:fontRef>
+        </p:style>
+        <p:txBody>
+          <a:bodyPr lIns="72000" tIns="0" rIns="0" bIns="0" rtlCol="0" anchor="ctr"/>
+          <a:lstStyle/>
+          <a:p>
+            <a:r>
+              <a:rPr lang="en-US" sz="1000" b="1">
+                <a:solidFill>
+                  <a:srgbClr val="75BEFC"/>
+                </a:solidFill>
+                <a:latin typeface="Arial Narrow" panose="020B0606020202030204" pitchFamily="34" charset="0"/>
+                <a:ea typeface="Open Sans Condensed Light" panose="020B0306030504020204" pitchFamily="34" charset="0"/>
+                <a:cs typeface="Open Sans Condensed Light" panose="020B0306030504020204" pitchFamily="34" charset="0"/>
+              </a:rPr>
+              <a:t>Assistants</a:t>
+            </a:r>
+            <a:endParaRPr lang="de-DE" sz="1000" b="1" dirty="0">
+              <a:solidFill>
+                <a:srgbClr val="75BEFC"/>
+              </a:solidFill>
+              <a:latin typeface="Arial Narrow" panose="020B0606020202030204" pitchFamily="34" charset="0"/>
+              <a:ea typeface="Open Sans Condensed Light" panose="020B0306030504020204" pitchFamily="34" charset="0"/>
+              <a:cs typeface="Open Sans Condensed Light" panose="020B0306030504020204" pitchFamily="34" charset="0"/>
+            </a:endParaRPr>
+          </a:p>
+        </p:txBody>
+      </p:sp>
+      <p:sp>
+        <p:nvSpPr>
+          <p:cNvPr id="25" name="Rectangle 24">
+            <a:extLst>
+              <a:ext uri="{FF2B5EF4-FFF2-40B4-BE49-F238E27FC236}">
+                <a16:creationId xmlns:a16="http://schemas.microsoft.com/office/drawing/2014/main" id="{4671D51F-E381-04F0-0C21-A020989E8991}"/>
+              </a:ext>
+            </a:extLst>
+          </p:cNvPr>
+          <p:cNvSpPr/>
+          <p:nvPr/>
+        </p:nvSpPr>
+        <p:spPr>
+          <a:xfrm>
+            <a:off x="2274049" y="3769379"/>
+            <a:ext cx="3604234" cy="1464385"/>
+          </a:xfrm>
+          <a:prstGeom prst="rect">
+            <a:avLst/>
+          </a:prstGeom>
+          <a:solidFill>
+            <a:srgbClr val="A3B1B7">
+              <a:alpha val="9804"/>
+            </a:srgbClr>
+          </a:solidFill>
+          <a:ln w="12700">
+            <a:solidFill>
+              <a:srgbClr val="6D828B"/>
+            </a:solidFill>
+          </a:ln>
+        </p:spPr>
+        <p:style>
+          <a:lnRef idx="2">
+            <a:schemeClr val="accent1">
+              <a:shade val="50000"/>
+            </a:schemeClr>
+          </a:lnRef>
+          <a:fillRef idx="1">
+            <a:schemeClr val="accent1"/>
+          </a:fillRef>
+          <a:effectRef idx="0">
+            <a:schemeClr val="accent1"/>
+          </a:effectRef>
+          <a:fontRef idx="minor">
+            <a:schemeClr val="lt1"/>
+          </a:fontRef>
+        </p:style>
+        <p:txBody>
+          <a:bodyPr rtlCol="0" anchor="t" anchorCtr="0"/>
+          <a:lstStyle/>
+          <a:p>
+            <a:endParaRPr lang="de-DE" sz="1050" dirty="0">
+              <a:solidFill>
+                <a:srgbClr val="455157"/>
+              </a:solidFill>
+              <a:latin typeface="Arial Narrow" panose="020B0606020202030204" pitchFamily="34" charset="0"/>
+              <a:ea typeface="Open Sans Condensed" panose="020B0806030504020204" pitchFamily="34" charset="0"/>
+              <a:cs typeface="Open Sans Condensed" panose="020B0806030504020204" pitchFamily="34" charset="0"/>
+            </a:endParaRPr>
+          </a:p>
+        </p:txBody>
+      </p:sp>
+      <p:sp>
+        <p:nvSpPr>
+          <p:cNvPr id="26" name="TextBox 25">
+            <a:extLst>
+              <a:ext uri="{FF2B5EF4-FFF2-40B4-BE49-F238E27FC236}">
+                <a16:creationId xmlns:a16="http://schemas.microsoft.com/office/drawing/2014/main" id="{5692C7A9-FF56-0467-D88F-EBE71E500B77}"/>
+              </a:ext>
+            </a:extLst>
+          </p:cNvPr>
+          <p:cNvSpPr txBox="1"/>
+          <p:nvPr/>
+        </p:nvSpPr>
+        <p:spPr>
+          <a:xfrm>
+            <a:off x="2274051" y="3592770"/>
+            <a:ext cx="429113" cy="172064"/>
+          </a:xfrm>
+          <a:prstGeom prst="rect">
+            <a:avLst/>
+          </a:prstGeom>
+          <a:solidFill>
+            <a:srgbClr val="6D828B"/>
+          </a:solidFill>
+          <a:ln w="12700">
+            <a:solidFill>
+              <a:srgbClr val="6D828B"/>
+            </a:solidFill>
+          </a:ln>
+        </p:spPr>
+        <p:txBody>
+          <a:bodyPr wrap="none" lIns="36000" tIns="0" rIns="54000" bIns="18000" rtlCol="0">
+            <a:spAutoFit/>
+          </a:bodyPr>
+          <a:lstStyle/>
+          <a:p>
+            <a:pPr algn="l"/>
+            <a:r>
+              <a:rPr lang="en-US" sz="1000" i="1">
+                <a:solidFill>
+                  <a:schemeClr val="bg1"/>
+                </a:solidFill>
+                <a:latin typeface="Arial Narrow" panose="020B0606020202030204" pitchFamily="34" charset="0"/>
+              </a:rPr>
+              <a:t>Models</a:t>
+            </a:r>
+            <a:endParaRPr lang="en-CA" sz="1000" i="1">
+              <a:solidFill>
+                <a:schemeClr val="bg1"/>
+              </a:solidFill>
+              <a:latin typeface="Arial Narrow" panose="020B0606020202030204" pitchFamily="34" charset="0"/>
+            </a:endParaRPr>
+          </a:p>
+        </p:txBody>
+      </p:sp>
+      <p:sp>
+        <p:nvSpPr>
+          <p:cNvPr id="27" name="Rectangle 26">
+            <a:extLst>
+              <a:ext uri="{FF2B5EF4-FFF2-40B4-BE49-F238E27FC236}">
+                <a16:creationId xmlns:a16="http://schemas.microsoft.com/office/drawing/2014/main" id="{5A213159-3AF8-FE2E-22CB-568EBF282BF1}"/>
+              </a:ext>
+            </a:extLst>
+          </p:cNvPr>
+          <p:cNvSpPr/>
+          <p:nvPr/>
+        </p:nvSpPr>
+        <p:spPr>
+          <a:xfrm>
+            <a:off x="2418065" y="3904367"/>
+            <a:ext cx="1008000" cy="220999"/>
+          </a:xfrm>
+          <a:prstGeom prst="rect">
+            <a:avLst/>
+          </a:prstGeom>
+          <a:solidFill>
+            <a:schemeClr val="bg1"/>
+          </a:solidFill>
+          <a:ln w="19050">
+            <a:solidFill>
+              <a:srgbClr val="2194F6"/>
+            </a:solidFill>
+          </a:ln>
+        </p:spPr>
+        <p:style>
+          <a:lnRef idx="2">
+            <a:schemeClr val="accent1">
+              <a:shade val="50000"/>
+            </a:schemeClr>
+          </a:lnRef>
+          <a:fillRef idx="1">
+            <a:schemeClr val="accent1"/>
+          </a:fillRef>
+          <a:effectRef idx="0">
+            <a:schemeClr val="accent1"/>
+          </a:effectRef>
+          <a:fontRef idx="minor">
+            <a:schemeClr val="lt1"/>
+          </a:fontRef>
+        </p:style>
+        <p:txBody>
+          <a:bodyPr lIns="72000" tIns="0" rIns="0" bIns="0" rtlCol="0" anchor="ctr"/>
+          <a:lstStyle/>
+          <a:p>
+            <a:r>
+              <a:rPr lang="en-US" sz="1000" b="1">
+                <a:solidFill>
+                  <a:srgbClr val="1064AF"/>
+                </a:solidFill>
+                <a:latin typeface="Arial Narrow" panose="020B0606020202030204" pitchFamily="34" charset="0"/>
+                <a:ea typeface="Open Sans Condensed Light" panose="020B0306030504020204" pitchFamily="34" charset="0"/>
+                <a:cs typeface="Open Sans Condensed Light" panose="020B0306030504020204" pitchFamily="34" charset="0"/>
+              </a:rPr>
+              <a:t>Chat</a:t>
+            </a:r>
+            <a:endParaRPr lang="de-DE" sz="1000" b="1" dirty="0">
+              <a:solidFill>
+                <a:srgbClr val="1064AF"/>
+              </a:solidFill>
+              <a:latin typeface="Arial Narrow" panose="020B0606020202030204" pitchFamily="34" charset="0"/>
+              <a:ea typeface="Open Sans Condensed Light" panose="020B0306030504020204" pitchFamily="34" charset="0"/>
+              <a:cs typeface="Open Sans Condensed Light" panose="020B0306030504020204" pitchFamily="34" charset="0"/>
+            </a:endParaRPr>
+          </a:p>
+        </p:txBody>
+      </p:sp>
+      <p:sp>
+        <p:nvSpPr>
+          <p:cNvPr id="28" name="Rectangle 27">
+            <a:extLst>
+              <a:ext uri="{FF2B5EF4-FFF2-40B4-BE49-F238E27FC236}">
+                <a16:creationId xmlns:a16="http://schemas.microsoft.com/office/drawing/2014/main" id="{38098F47-548E-D754-8102-1AE44AA17975}"/>
+              </a:ext>
+            </a:extLst>
+          </p:cNvPr>
+          <p:cNvSpPr/>
+          <p:nvPr/>
+        </p:nvSpPr>
+        <p:spPr>
+          <a:xfrm>
+            <a:off x="2418065" y="4223003"/>
+            <a:ext cx="1008000" cy="220999"/>
+          </a:xfrm>
+          <a:prstGeom prst="rect">
+            <a:avLst/>
+          </a:prstGeom>
+          <a:solidFill>
+            <a:schemeClr val="bg1"/>
+          </a:solidFill>
+          <a:ln w="19050">
+            <a:solidFill>
+              <a:srgbClr val="2194F6"/>
+            </a:solidFill>
+          </a:ln>
+        </p:spPr>
+        <p:style>
+          <a:lnRef idx="2">
+            <a:schemeClr val="accent1">
+              <a:shade val="50000"/>
+            </a:schemeClr>
+          </a:lnRef>
+          <a:fillRef idx="1">
+            <a:schemeClr val="accent1"/>
+          </a:fillRef>
+          <a:effectRef idx="0">
+            <a:schemeClr val="accent1"/>
+          </a:effectRef>
+          <a:fontRef idx="minor">
+            <a:schemeClr val="lt1"/>
+          </a:fontRef>
+        </p:style>
+        <p:txBody>
+          <a:bodyPr lIns="72000" tIns="0" rIns="0" bIns="0" rtlCol="0" anchor="ctr"/>
+          <a:lstStyle/>
+          <a:p>
+            <a:r>
+              <a:rPr lang="en-US" sz="1000" b="1">
+                <a:solidFill>
+                  <a:srgbClr val="1064AF"/>
+                </a:solidFill>
+                <a:latin typeface="Arial Narrow" panose="020B0606020202030204" pitchFamily="34" charset="0"/>
+                <a:ea typeface="Open Sans Condensed Light" panose="020B0306030504020204" pitchFamily="34" charset="0"/>
+                <a:cs typeface="Open Sans Condensed Light" panose="020B0306030504020204" pitchFamily="34" charset="0"/>
+              </a:rPr>
+              <a:t>Reasoning</a:t>
+            </a:r>
+            <a:endParaRPr lang="de-DE" sz="1000" b="1">
+              <a:solidFill>
+                <a:srgbClr val="1064AF"/>
+              </a:solidFill>
+              <a:latin typeface="Arial Narrow" panose="020B0606020202030204" pitchFamily="34" charset="0"/>
+              <a:ea typeface="Open Sans Condensed Light" panose="020B0306030504020204" pitchFamily="34" charset="0"/>
+              <a:cs typeface="Open Sans Condensed Light" panose="020B0306030504020204" pitchFamily="34" charset="0"/>
+            </a:endParaRPr>
+          </a:p>
+        </p:txBody>
+      </p:sp>
+      <p:sp>
+        <p:nvSpPr>
+          <p:cNvPr id="29" name="Rectangle 28">
+            <a:extLst>
+              <a:ext uri="{FF2B5EF4-FFF2-40B4-BE49-F238E27FC236}">
+                <a16:creationId xmlns:a16="http://schemas.microsoft.com/office/drawing/2014/main" id="{F1549C05-BF04-7986-1E3C-B708CFA41A1C}"/>
+              </a:ext>
+            </a:extLst>
+          </p:cNvPr>
+          <p:cNvSpPr/>
+          <p:nvPr/>
+        </p:nvSpPr>
+        <p:spPr>
+          <a:xfrm>
+            <a:off x="3570082" y="4542167"/>
+            <a:ext cx="1008000" cy="220999"/>
+          </a:xfrm>
+          <a:prstGeom prst="rect">
+            <a:avLst/>
+          </a:prstGeom>
+          <a:solidFill>
+            <a:schemeClr val="bg1"/>
+          </a:solidFill>
+          <a:ln w="19050">
+            <a:solidFill>
+              <a:srgbClr val="2194F6"/>
+            </a:solidFill>
+          </a:ln>
+        </p:spPr>
+        <p:style>
+          <a:lnRef idx="2">
+            <a:schemeClr val="accent1">
+              <a:shade val="50000"/>
+            </a:schemeClr>
+          </a:lnRef>
+          <a:fillRef idx="1">
+            <a:schemeClr val="accent1"/>
+          </a:fillRef>
+          <a:effectRef idx="0">
+            <a:schemeClr val="accent1"/>
+          </a:effectRef>
+          <a:fontRef idx="minor">
+            <a:schemeClr val="lt1"/>
+          </a:fontRef>
+        </p:style>
+        <p:txBody>
+          <a:bodyPr lIns="72000" tIns="0" rIns="0" bIns="0" rtlCol="0" anchor="ctr"/>
+          <a:lstStyle/>
+          <a:p>
+            <a:r>
+              <a:rPr lang="en-US" sz="1000" b="1">
+                <a:solidFill>
+                  <a:srgbClr val="1064AF"/>
+                </a:solidFill>
+                <a:latin typeface="Arial Narrow" panose="020B0606020202030204" pitchFamily="34" charset="0"/>
+                <a:ea typeface="Open Sans Condensed Light" panose="020B0306030504020204" pitchFamily="34" charset="0"/>
+                <a:cs typeface="Open Sans Condensed Light" panose="020B0306030504020204" pitchFamily="34" charset="0"/>
+              </a:rPr>
+              <a:t>Deep Research</a:t>
+            </a:r>
+            <a:endParaRPr lang="de-DE" sz="1000" b="1" dirty="0">
+              <a:solidFill>
+                <a:srgbClr val="1064AF"/>
+              </a:solidFill>
+              <a:latin typeface="Arial Narrow" panose="020B0606020202030204" pitchFamily="34" charset="0"/>
+              <a:ea typeface="Open Sans Condensed Light" panose="020B0306030504020204" pitchFamily="34" charset="0"/>
+              <a:cs typeface="Open Sans Condensed Light" panose="020B0306030504020204" pitchFamily="34" charset="0"/>
+            </a:endParaRPr>
+          </a:p>
+        </p:txBody>
+      </p:sp>
+      <p:sp>
+        <p:nvSpPr>
+          <p:cNvPr id="30" name="Rectangle 29">
+            <a:extLst>
+              <a:ext uri="{FF2B5EF4-FFF2-40B4-BE49-F238E27FC236}">
+                <a16:creationId xmlns:a16="http://schemas.microsoft.com/office/drawing/2014/main" id="{3EB15595-660B-50E9-5A60-318F6C2BF698}"/>
+              </a:ext>
+            </a:extLst>
+          </p:cNvPr>
+          <p:cNvSpPr/>
+          <p:nvPr/>
+        </p:nvSpPr>
+        <p:spPr>
+          <a:xfrm>
+            <a:off x="3570082" y="4860880"/>
+            <a:ext cx="1008000" cy="220999"/>
+          </a:xfrm>
+          <a:prstGeom prst="rect">
+            <a:avLst/>
+          </a:prstGeom>
+          <a:solidFill>
+            <a:schemeClr val="bg1"/>
+          </a:solidFill>
+          <a:ln w="19050">
+            <a:solidFill>
+              <a:srgbClr val="2194F6"/>
+            </a:solidFill>
+          </a:ln>
+        </p:spPr>
+        <p:style>
+          <a:lnRef idx="2">
+            <a:schemeClr val="accent1">
+              <a:shade val="50000"/>
+            </a:schemeClr>
+          </a:lnRef>
+          <a:fillRef idx="1">
+            <a:schemeClr val="accent1"/>
+          </a:fillRef>
+          <a:effectRef idx="0">
+            <a:schemeClr val="accent1"/>
+          </a:effectRef>
+          <a:fontRef idx="minor">
+            <a:schemeClr val="lt1"/>
+          </a:fontRef>
+        </p:style>
+        <p:txBody>
+          <a:bodyPr lIns="72000" tIns="0" rIns="0" bIns="0" rtlCol="0" anchor="ctr"/>
+          <a:lstStyle/>
+          <a:p>
+            <a:r>
+              <a:rPr lang="en-US" sz="1000" b="1">
+                <a:solidFill>
+                  <a:srgbClr val="1064AF"/>
+                </a:solidFill>
+                <a:latin typeface="Arial Narrow" panose="020B0606020202030204" pitchFamily="34" charset="0"/>
+                <a:ea typeface="Open Sans Condensed Light" panose="020B0306030504020204" pitchFamily="34" charset="0"/>
+                <a:cs typeface="Open Sans Condensed Light" panose="020B0306030504020204" pitchFamily="34" charset="0"/>
+              </a:rPr>
+              <a:t>Realtime</a:t>
+            </a:r>
+            <a:endParaRPr lang="de-DE" sz="1000" b="1" dirty="0">
+              <a:solidFill>
+                <a:srgbClr val="1064AF"/>
+              </a:solidFill>
+              <a:latin typeface="Arial Narrow" panose="020B0606020202030204" pitchFamily="34" charset="0"/>
+              <a:ea typeface="Open Sans Condensed Light" panose="020B0306030504020204" pitchFamily="34" charset="0"/>
+              <a:cs typeface="Open Sans Condensed Light" panose="020B0306030504020204" pitchFamily="34" charset="0"/>
+            </a:endParaRPr>
+          </a:p>
+        </p:txBody>
+      </p:sp>
+      <p:sp>
+        <p:nvSpPr>
+          <p:cNvPr id="31" name="Rectangle 30">
+            <a:extLst>
+              <a:ext uri="{FF2B5EF4-FFF2-40B4-BE49-F238E27FC236}">
+                <a16:creationId xmlns:a16="http://schemas.microsoft.com/office/drawing/2014/main" id="{05EF65AB-7F68-8AE6-B6A9-84F2E669CB83}"/>
+              </a:ext>
+            </a:extLst>
+          </p:cNvPr>
+          <p:cNvSpPr/>
+          <p:nvPr/>
+        </p:nvSpPr>
+        <p:spPr>
+          <a:xfrm>
+            <a:off x="2418065" y="4541639"/>
+            <a:ext cx="1008000" cy="220999"/>
+          </a:xfrm>
+          <a:prstGeom prst="rect">
+            <a:avLst/>
+          </a:prstGeom>
+          <a:solidFill>
+            <a:schemeClr val="bg1"/>
+          </a:solidFill>
+          <a:ln w="19050">
+            <a:solidFill>
+              <a:srgbClr val="2194F6"/>
+            </a:solidFill>
+          </a:ln>
+        </p:spPr>
+        <p:style>
+          <a:lnRef idx="2">
+            <a:schemeClr val="accent1">
+              <a:shade val="50000"/>
+            </a:schemeClr>
+          </a:lnRef>
+          <a:fillRef idx="1">
+            <a:schemeClr val="accent1"/>
+          </a:fillRef>
+          <a:effectRef idx="0">
+            <a:schemeClr val="accent1"/>
+          </a:effectRef>
+          <a:fontRef idx="minor">
+            <a:schemeClr val="lt1"/>
+          </a:fontRef>
+        </p:style>
+        <p:txBody>
+          <a:bodyPr lIns="72000" tIns="0" rIns="0" bIns="0" rtlCol="0" anchor="ctr"/>
+          <a:lstStyle/>
+          <a:p>
+            <a:r>
+              <a:rPr lang="en-US" sz="1000" b="1">
+                <a:solidFill>
+                  <a:srgbClr val="1064AF"/>
+                </a:solidFill>
+                <a:latin typeface="Arial Narrow" panose="020B0606020202030204" pitchFamily="34" charset="0"/>
+                <a:ea typeface="Open Sans Condensed Light" panose="020B0306030504020204" pitchFamily="34" charset="0"/>
+                <a:cs typeface="Open Sans Condensed Light" panose="020B0306030504020204" pitchFamily="34" charset="0"/>
+              </a:rPr>
+              <a:t>Image Generation</a:t>
+            </a:r>
+            <a:endParaRPr lang="de-DE" sz="1000" b="1">
+              <a:solidFill>
+                <a:srgbClr val="1064AF"/>
+              </a:solidFill>
+              <a:latin typeface="Arial Narrow" panose="020B0606020202030204" pitchFamily="34" charset="0"/>
+              <a:ea typeface="Open Sans Condensed Light" panose="020B0306030504020204" pitchFamily="34" charset="0"/>
+              <a:cs typeface="Open Sans Condensed Light" panose="020B0306030504020204" pitchFamily="34" charset="0"/>
+            </a:endParaRPr>
+          </a:p>
+        </p:txBody>
+      </p:sp>
+      <p:sp>
+        <p:nvSpPr>
+          <p:cNvPr id="32" name="Rectangle 31">
+            <a:extLst>
+              <a:ext uri="{FF2B5EF4-FFF2-40B4-BE49-F238E27FC236}">
+                <a16:creationId xmlns:a16="http://schemas.microsoft.com/office/drawing/2014/main" id="{9827EB1B-59AE-4E12-9EE2-D74C615FD21D}"/>
+              </a:ext>
+            </a:extLst>
+          </p:cNvPr>
+          <p:cNvSpPr/>
+          <p:nvPr/>
+        </p:nvSpPr>
+        <p:spPr>
+          <a:xfrm>
+            <a:off x="4716976" y="3904486"/>
+            <a:ext cx="1008000" cy="220999"/>
+          </a:xfrm>
+          <a:prstGeom prst="rect">
+            <a:avLst/>
+          </a:prstGeom>
+          <a:solidFill>
+            <a:schemeClr val="bg1"/>
+          </a:solidFill>
+          <a:ln w="19050">
+            <a:solidFill>
+              <a:srgbClr val="2194F6"/>
+            </a:solidFill>
+          </a:ln>
+        </p:spPr>
+        <p:style>
+          <a:lnRef idx="2">
+            <a:schemeClr val="accent1">
+              <a:shade val="50000"/>
+            </a:schemeClr>
+          </a:lnRef>
+          <a:fillRef idx="1">
+            <a:schemeClr val="accent1"/>
+          </a:fillRef>
+          <a:effectRef idx="0">
+            <a:schemeClr val="accent1"/>
+          </a:effectRef>
+          <a:fontRef idx="minor">
+            <a:schemeClr val="lt1"/>
+          </a:fontRef>
+        </p:style>
+        <p:txBody>
+          <a:bodyPr lIns="72000" tIns="0" rIns="0" bIns="0" rtlCol="0" anchor="ctr"/>
+          <a:lstStyle/>
+          <a:p>
+            <a:r>
+              <a:rPr lang="en-US" sz="1000" b="1">
+                <a:solidFill>
+                  <a:srgbClr val="1064AF"/>
+                </a:solidFill>
+                <a:latin typeface="Arial Narrow" panose="020B0606020202030204" pitchFamily="34" charset="0"/>
+                <a:ea typeface="Open Sans Condensed Light" panose="020B0306030504020204" pitchFamily="34" charset="0"/>
+                <a:cs typeface="Open Sans Condensed Light" panose="020B0306030504020204" pitchFamily="34" charset="0"/>
+              </a:rPr>
+              <a:t>Embedding</a:t>
+            </a:r>
+            <a:endParaRPr lang="de-DE" sz="1000" b="1">
+              <a:solidFill>
+                <a:srgbClr val="1064AF"/>
+              </a:solidFill>
+              <a:latin typeface="Arial Narrow" panose="020B0606020202030204" pitchFamily="34" charset="0"/>
+              <a:ea typeface="Open Sans Condensed Light" panose="020B0306030504020204" pitchFamily="34" charset="0"/>
+              <a:cs typeface="Open Sans Condensed Light" panose="020B0306030504020204" pitchFamily="34" charset="0"/>
+            </a:endParaRPr>
+          </a:p>
+        </p:txBody>
+      </p:sp>
+      <p:sp>
+        <p:nvSpPr>
+          <p:cNvPr id="33" name="Rectangle 32">
+            <a:extLst>
+              <a:ext uri="{FF2B5EF4-FFF2-40B4-BE49-F238E27FC236}">
+                <a16:creationId xmlns:a16="http://schemas.microsoft.com/office/drawing/2014/main" id="{2AB4F6A5-8767-3CCD-5DC2-2C0E29BFFBEC}"/>
+              </a:ext>
+            </a:extLst>
+          </p:cNvPr>
+          <p:cNvSpPr/>
+          <p:nvPr/>
+        </p:nvSpPr>
+        <p:spPr>
+          <a:xfrm>
+            <a:off x="2415012" y="4860274"/>
+            <a:ext cx="1008000" cy="220999"/>
+          </a:xfrm>
+          <a:prstGeom prst="rect">
+            <a:avLst/>
+          </a:prstGeom>
+          <a:solidFill>
+            <a:schemeClr val="bg1"/>
+          </a:solidFill>
+          <a:ln w="19050">
+            <a:solidFill>
+              <a:srgbClr val="2194F6"/>
+            </a:solidFill>
+          </a:ln>
+        </p:spPr>
+        <p:style>
+          <a:lnRef idx="2">
+            <a:schemeClr val="accent1">
+              <a:shade val="50000"/>
+            </a:schemeClr>
+          </a:lnRef>
+          <a:fillRef idx="1">
+            <a:schemeClr val="accent1"/>
+          </a:fillRef>
+          <a:effectRef idx="0">
+            <a:schemeClr val="accent1"/>
+          </a:effectRef>
+          <a:fontRef idx="minor">
+            <a:schemeClr val="lt1"/>
+          </a:fontRef>
+        </p:style>
+        <p:txBody>
+          <a:bodyPr lIns="72000" tIns="0" rIns="0" bIns="0" rtlCol="0" anchor="ctr"/>
+          <a:lstStyle/>
+          <a:p>
+            <a:r>
+              <a:rPr lang="en-US" sz="1000" b="1">
+                <a:solidFill>
+                  <a:srgbClr val="1064AF"/>
+                </a:solidFill>
+                <a:latin typeface="Arial Narrow" panose="020B0606020202030204" pitchFamily="34" charset="0"/>
+                <a:ea typeface="Open Sans Condensed Light" panose="020B0306030504020204" pitchFamily="34" charset="0"/>
+                <a:cs typeface="Open Sans Condensed Light" panose="020B0306030504020204" pitchFamily="34" charset="0"/>
+              </a:rPr>
+              <a:t>Text-to-Speach</a:t>
+            </a:r>
+            <a:endParaRPr lang="de-DE" sz="1000" b="1" dirty="0">
+              <a:solidFill>
+                <a:srgbClr val="1064AF"/>
+              </a:solidFill>
+              <a:latin typeface="Arial Narrow" panose="020B0606020202030204" pitchFamily="34" charset="0"/>
+              <a:ea typeface="Open Sans Condensed Light" panose="020B0306030504020204" pitchFamily="34" charset="0"/>
+              <a:cs typeface="Open Sans Condensed Light" panose="020B0306030504020204" pitchFamily="34" charset="0"/>
+            </a:endParaRPr>
+          </a:p>
+        </p:txBody>
+      </p:sp>
+      <p:sp>
+        <p:nvSpPr>
+          <p:cNvPr id="34" name="Rectangle 33">
+            <a:extLst>
+              <a:ext uri="{FF2B5EF4-FFF2-40B4-BE49-F238E27FC236}">
+                <a16:creationId xmlns:a16="http://schemas.microsoft.com/office/drawing/2014/main" id="{41DFF8FE-3609-8B7B-6282-F78E6B8AC9C1}"/>
+              </a:ext>
+            </a:extLst>
+          </p:cNvPr>
+          <p:cNvSpPr/>
+          <p:nvPr/>
+        </p:nvSpPr>
+        <p:spPr>
+          <a:xfrm>
+            <a:off x="3570082" y="3904739"/>
+            <a:ext cx="1008000" cy="220999"/>
+          </a:xfrm>
+          <a:prstGeom prst="rect">
+            <a:avLst/>
+          </a:prstGeom>
+          <a:solidFill>
+            <a:schemeClr val="bg1"/>
+          </a:solidFill>
+          <a:ln w="19050">
+            <a:solidFill>
+              <a:srgbClr val="2194F6"/>
+            </a:solidFill>
+          </a:ln>
+        </p:spPr>
+        <p:style>
+          <a:lnRef idx="2">
+            <a:schemeClr val="accent1">
+              <a:shade val="50000"/>
+            </a:schemeClr>
+          </a:lnRef>
+          <a:fillRef idx="1">
+            <a:schemeClr val="accent1"/>
+          </a:fillRef>
+          <a:effectRef idx="0">
+            <a:schemeClr val="accent1"/>
+          </a:effectRef>
+          <a:fontRef idx="minor">
+            <a:schemeClr val="lt1"/>
+          </a:fontRef>
+        </p:style>
+        <p:txBody>
+          <a:bodyPr lIns="72000" tIns="0" rIns="0" bIns="0" rtlCol="0" anchor="ctr"/>
+          <a:lstStyle/>
+          <a:p>
+            <a:r>
+              <a:rPr lang="en-US" sz="1000" b="1">
+                <a:solidFill>
+                  <a:srgbClr val="1064AF"/>
+                </a:solidFill>
+                <a:latin typeface="Arial Narrow" panose="020B0606020202030204" pitchFamily="34" charset="0"/>
+                <a:ea typeface="Open Sans Condensed Light" panose="020B0306030504020204" pitchFamily="34" charset="0"/>
+                <a:cs typeface="Open Sans Condensed Light" panose="020B0306030504020204" pitchFamily="34" charset="0"/>
+              </a:rPr>
+              <a:t>Transcription</a:t>
+            </a:r>
+            <a:endParaRPr lang="de-DE" sz="1000" b="1" dirty="0">
+              <a:solidFill>
+                <a:srgbClr val="1064AF"/>
+              </a:solidFill>
+              <a:latin typeface="Arial Narrow" panose="020B0606020202030204" pitchFamily="34" charset="0"/>
+              <a:ea typeface="Open Sans Condensed Light" panose="020B0306030504020204" pitchFamily="34" charset="0"/>
+              <a:cs typeface="Open Sans Condensed Light" panose="020B0306030504020204" pitchFamily="34" charset="0"/>
+            </a:endParaRPr>
+          </a:p>
+        </p:txBody>
+      </p:sp>
+      <p:sp>
+        <p:nvSpPr>
+          <p:cNvPr id="35" name="Rectangle 34">
+            <a:extLst>
+              <a:ext uri="{FF2B5EF4-FFF2-40B4-BE49-F238E27FC236}">
+                <a16:creationId xmlns:a16="http://schemas.microsoft.com/office/drawing/2014/main" id="{714FAF24-414C-50E1-3278-6FEC14A2AFFA}"/>
+              </a:ext>
+            </a:extLst>
+          </p:cNvPr>
+          <p:cNvSpPr/>
+          <p:nvPr/>
+        </p:nvSpPr>
+        <p:spPr>
+          <a:xfrm>
+            <a:off x="3570082" y="4223453"/>
+            <a:ext cx="1008000" cy="220999"/>
+          </a:xfrm>
+          <a:prstGeom prst="rect">
+            <a:avLst/>
+          </a:prstGeom>
+          <a:solidFill>
+            <a:schemeClr val="bg1"/>
+          </a:solidFill>
+          <a:ln w="19050">
+            <a:solidFill>
+              <a:srgbClr val="2194F6"/>
+            </a:solidFill>
+          </a:ln>
+        </p:spPr>
+        <p:style>
+          <a:lnRef idx="2">
+            <a:schemeClr val="accent1">
+              <a:shade val="50000"/>
+            </a:schemeClr>
+          </a:lnRef>
+          <a:fillRef idx="1">
+            <a:schemeClr val="accent1"/>
+          </a:fillRef>
+          <a:effectRef idx="0">
+            <a:schemeClr val="accent1"/>
+          </a:effectRef>
+          <a:fontRef idx="minor">
+            <a:schemeClr val="lt1"/>
+          </a:fontRef>
+        </p:style>
+        <p:txBody>
+          <a:bodyPr lIns="72000" tIns="0" rIns="0" bIns="0" rtlCol="0" anchor="ctr"/>
+          <a:lstStyle/>
+          <a:p>
+            <a:r>
+              <a:rPr lang="en-US" sz="1000" b="1">
+                <a:solidFill>
+                  <a:srgbClr val="1064AF"/>
+                </a:solidFill>
+                <a:latin typeface="Arial Narrow" panose="020B0606020202030204" pitchFamily="34" charset="0"/>
+                <a:ea typeface="Open Sans Condensed Light" panose="020B0306030504020204" pitchFamily="34" charset="0"/>
+                <a:cs typeface="Open Sans Condensed Light" panose="020B0306030504020204" pitchFamily="34" charset="0"/>
+              </a:rPr>
+              <a:t>Tool-specific</a:t>
+            </a:r>
+            <a:endParaRPr lang="de-DE" sz="1000" b="1" dirty="0">
+              <a:solidFill>
+                <a:srgbClr val="1064AF"/>
+              </a:solidFill>
+              <a:latin typeface="Arial Narrow" panose="020B0606020202030204" pitchFamily="34" charset="0"/>
+              <a:ea typeface="Open Sans Condensed Light" panose="020B0306030504020204" pitchFamily="34" charset="0"/>
+              <a:cs typeface="Open Sans Condensed Light" panose="020B0306030504020204" pitchFamily="34" charset="0"/>
+            </a:endParaRPr>
+          </a:p>
+        </p:txBody>
+      </p:sp>
+      <p:sp>
+        <p:nvSpPr>
+          <p:cNvPr id="36" name="Rectangle 35">
+            <a:extLst>
+              <a:ext uri="{FF2B5EF4-FFF2-40B4-BE49-F238E27FC236}">
+                <a16:creationId xmlns:a16="http://schemas.microsoft.com/office/drawing/2014/main" id="{60A59319-CF92-928A-6178-B79892600802}"/>
+              </a:ext>
+            </a:extLst>
+          </p:cNvPr>
+          <p:cNvSpPr/>
+          <p:nvPr/>
+        </p:nvSpPr>
+        <p:spPr>
+          <a:xfrm>
+            <a:off x="4716976" y="4223543"/>
+            <a:ext cx="1008000" cy="220999"/>
+          </a:xfrm>
+          <a:prstGeom prst="rect">
+            <a:avLst/>
+          </a:prstGeom>
+          <a:solidFill>
+            <a:schemeClr val="bg1"/>
+          </a:solidFill>
+          <a:ln w="19050">
+            <a:solidFill>
+              <a:srgbClr val="2194F6"/>
+            </a:solidFill>
+          </a:ln>
+        </p:spPr>
+        <p:style>
+          <a:lnRef idx="2">
+            <a:schemeClr val="accent1">
+              <a:shade val="50000"/>
+            </a:schemeClr>
+          </a:lnRef>
+          <a:fillRef idx="1">
+            <a:schemeClr val="accent1"/>
+          </a:fillRef>
+          <a:effectRef idx="0">
+            <a:schemeClr val="accent1"/>
+          </a:effectRef>
+          <a:fontRef idx="minor">
+            <a:schemeClr val="lt1"/>
+          </a:fontRef>
+        </p:style>
+        <p:txBody>
+          <a:bodyPr lIns="72000" tIns="0" rIns="0" bIns="0" rtlCol="0" anchor="ctr"/>
+          <a:lstStyle/>
+          <a:p>
+            <a:r>
+              <a:rPr lang="en-US" sz="1000" b="1">
+                <a:solidFill>
+                  <a:srgbClr val="1064AF"/>
+                </a:solidFill>
+                <a:latin typeface="Arial Narrow" panose="020B0606020202030204" pitchFamily="34" charset="0"/>
+                <a:ea typeface="Open Sans Condensed Light" panose="020B0306030504020204" pitchFamily="34" charset="0"/>
+                <a:cs typeface="Open Sans Condensed Light" panose="020B0306030504020204" pitchFamily="34" charset="0"/>
+              </a:rPr>
+              <a:t>Moderation</a:t>
+            </a:r>
+            <a:endParaRPr lang="de-DE" sz="1000" b="1" dirty="0">
+              <a:solidFill>
+                <a:srgbClr val="1064AF"/>
+              </a:solidFill>
+              <a:latin typeface="Arial Narrow" panose="020B0606020202030204" pitchFamily="34" charset="0"/>
+              <a:ea typeface="Open Sans Condensed Light" panose="020B0306030504020204" pitchFamily="34" charset="0"/>
+              <a:cs typeface="Open Sans Condensed Light" panose="020B0306030504020204" pitchFamily="34" charset="0"/>
+            </a:endParaRPr>
+          </a:p>
+        </p:txBody>
+      </p:sp>
+      <p:sp>
+        <p:nvSpPr>
+          <p:cNvPr id="39" name="Rectangle 38">
+            <a:extLst>
+              <a:ext uri="{FF2B5EF4-FFF2-40B4-BE49-F238E27FC236}">
+                <a16:creationId xmlns:a16="http://schemas.microsoft.com/office/drawing/2014/main" id="{4BFE942A-E7A9-CEC2-0247-E04319C29373}"/>
+              </a:ext>
+            </a:extLst>
+          </p:cNvPr>
+          <p:cNvSpPr/>
+          <p:nvPr/>
+        </p:nvSpPr>
+        <p:spPr>
+          <a:xfrm>
+            <a:off x="539552" y="1511050"/>
+            <a:ext cx="980674" cy="220999"/>
+          </a:xfrm>
+          <a:prstGeom prst="rect">
+            <a:avLst/>
+          </a:prstGeom>
+          <a:solidFill>
+            <a:schemeClr val="bg1"/>
+          </a:solidFill>
+          <a:ln w="19050">
+            <a:solidFill>
+              <a:srgbClr val="2194F6"/>
+            </a:solidFill>
+          </a:ln>
+        </p:spPr>
+        <p:style>
+          <a:lnRef idx="2">
+            <a:schemeClr val="accent1">
+              <a:shade val="50000"/>
+            </a:schemeClr>
+          </a:lnRef>
+          <a:fillRef idx="1">
+            <a:schemeClr val="accent1"/>
+          </a:fillRef>
+          <a:effectRef idx="0">
+            <a:schemeClr val="accent1"/>
+          </a:effectRef>
+          <a:fontRef idx="minor">
+            <a:schemeClr val="lt1"/>
+          </a:fontRef>
+        </p:style>
+        <p:txBody>
+          <a:bodyPr lIns="72000" tIns="0" rIns="0" bIns="0" rtlCol="0" anchor="ctr"/>
+          <a:lstStyle/>
+          <a:p>
+            <a:r>
+              <a:rPr lang="en-US" sz="1000" b="1">
+                <a:solidFill>
+                  <a:srgbClr val="1064AF"/>
+                </a:solidFill>
+                <a:latin typeface="Arial Narrow" panose="020B0606020202030204" pitchFamily="34" charset="0"/>
+                <a:ea typeface="Open Sans Condensed Light" panose="020B0306030504020204" pitchFamily="34" charset="0"/>
+                <a:cs typeface="Open Sans Condensed Light" panose="020B0306030504020204" pitchFamily="34" charset="0"/>
+              </a:rPr>
+              <a:t>Evaluations</a:t>
+            </a:r>
+            <a:endParaRPr lang="de-DE" sz="1000" b="1" dirty="0">
+              <a:solidFill>
+                <a:srgbClr val="1064AF"/>
+              </a:solidFill>
+              <a:latin typeface="Arial Narrow" panose="020B0606020202030204" pitchFamily="34" charset="0"/>
+              <a:ea typeface="Open Sans Condensed Light" panose="020B0306030504020204" pitchFamily="34" charset="0"/>
+              <a:cs typeface="Open Sans Condensed Light" panose="020B0306030504020204" pitchFamily="34" charset="0"/>
+            </a:endParaRPr>
+          </a:p>
+        </p:txBody>
+      </p:sp>
+      <p:sp>
+        <p:nvSpPr>
+          <p:cNvPr id="40" name="Rectangle 39">
+            <a:extLst>
+              <a:ext uri="{FF2B5EF4-FFF2-40B4-BE49-F238E27FC236}">
+                <a16:creationId xmlns:a16="http://schemas.microsoft.com/office/drawing/2014/main" id="{CC9994CB-995A-ABF7-56B7-D83B2CD45B2C}"/>
+              </a:ext>
+            </a:extLst>
+          </p:cNvPr>
+          <p:cNvSpPr/>
+          <p:nvPr/>
+        </p:nvSpPr>
+        <p:spPr>
+          <a:xfrm>
+            <a:off x="4716976" y="4542600"/>
+            <a:ext cx="1008000" cy="220999"/>
+          </a:xfrm>
+          <a:prstGeom prst="rect">
+            <a:avLst/>
+          </a:prstGeom>
+          <a:solidFill>
+            <a:schemeClr val="bg1"/>
+          </a:solidFill>
+          <a:ln w="19050">
+            <a:solidFill>
+              <a:srgbClr val="2194F6"/>
+            </a:solidFill>
+          </a:ln>
+        </p:spPr>
+        <p:style>
+          <a:lnRef idx="2">
+            <a:schemeClr val="accent1">
+              <a:shade val="50000"/>
+            </a:schemeClr>
+          </a:lnRef>
+          <a:fillRef idx="1">
+            <a:schemeClr val="accent1"/>
+          </a:fillRef>
+          <a:effectRef idx="0">
+            <a:schemeClr val="accent1"/>
+          </a:effectRef>
+          <a:fontRef idx="minor">
+            <a:schemeClr val="lt1"/>
+          </a:fontRef>
+        </p:style>
+        <p:txBody>
+          <a:bodyPr lIns="72000" tIns="0" rIns="0" bIns="0" rtlCol="0" anchor="ctr"/>
+          <a:lstStyle/>
+          <a:p>
+            <a:r>
+              <a:rPr lang="en-US" sz="1000" b="1">
+                <a:solidFill>
+                  <a:srgbClr val="1064AF"/>
+                </a:solidFill>
+                <a:latin typeface="Arial Narrow" panose="020B0606020202030204" pitchFamily="34" charset="0"/>
+                <a:ea typeface="Open Sans Condensed Light" panose="020B0306030504020204" pitchFamily="34" charset="0"/>
+                <a:cs typeface="Open Sans Condensed Light" panose="020B0306030504020204" pitchFamily="34" charset="0"/>
+              </a:rPr>
+              <a:t>Code generation</a:t>
+            </a:r>
+            <a:endParaRPr lang="de-DE" sz="1000" b="1" dirty="0">
+              <a:solidFill>
+                <a:srgbClr val="1064AF"/>
+              </a:solidFill>
+              <a:latin typeface="Arial Narrow" panose="020B0606020202030204" pitchFamily="34" charset="0"/>
+              <a:ea typeface="Open Sans Condensed Light" panose="020B0306030504020204" pitchFamily="34" charset="0"/>
+              <a:cs typeface="Open Sans Condensed Light" panose="020B0306030504020204" pitchFamily="34" charset="0"/>
+            </a:endParaRPr>
+          </a:p>
+        </p:txBody>
+      </p:sp>
+      <p:sp>
+        <p:nvSpPr>
+          <p:cNvPr id="41" name="Rectangle 40">
+            <a:extLst>
+              <a:ext uri="{FF2B5EF4-FFF2-40B4-BE49-F238E27FC236}">
+                <a16:creationId xmlns:a16="http://schemas.microsoft.com/office/drawing/2014/main" id="{A5728EC1-ADA8-FC0E-180B-BC0DB1215D29}"/>
+              </a:ext>
+            </a:extLst>
+          </p:cNvPr>
+          <p:cNvSpPr/>
+          <p:nvPr/>
+        </p:nvSpPr>
+        <p:spPr>
+          <a:xfrm>
+            <a:off x="6292784" y="1815659"/>
+            <a:ext cx="1087528" cy="220999"/>
+          </a:xfrm>
+          <a:prstGeom prst="rect">
+            <a:avLst/>
+          </a:prstGeom>
+          <a:solidFill>
+            <a:schemeClr val="bg1"/>
+          </a:solidFill>
+          <a:ln w="19050">
+            <a:solidFill>
+              <a:srgbClr val="2194F6"/>
+            </a:solidFill>
+          </a:ln>
+        </p:spPr>
+        <p:style>
+          <a:lnRef idx="2">
+            <a:schemeClr val="accent1">
+              <a:shade val="50000"/>
+            </a:schemeClr>
+          </a:lnRef>
+          <a:fillRef idx="1">
+            <a:schemeClr val="accent1"/>
+          </a:fillRef>
+          <a:effectRef idx="0">
+            <a:schemeClr val="accent1"/>
+          </a:effectRef>
+          <a:fontRef idx="minor">
+            <a:schemeClr val="lt1"/>
+          </a:fontRef>
+        </p:style>
+        <p:txBody>
+          <a:bodyPr lIns="72000" tIns="0" rIns="0" bIns="0" rtlCol="0" anchor="ctr"/>
+          <a:lstStyle/>
+          <a:p>
+            <a:r>
+              <a:rPr lang="en-US" sz="1000" b="1">
+                <a:solidFill>
+                  <a:srgbClr val="1064AF"/>
+                </a:solidFill>
+                <a:latin typeface="Arial Narrow" panose="020B0606020202030204" pitchFamily="34" charset="0"/>
+                <a:ea typeface="Open Sans Condensed Light" panose="020B0306030504020204" pitchFamily="34" charset="0"/>
+                <a:cs typeface="Open Sans Condensed Light" panose="020B0306030504020204" pitchFamily="34" charset="0"/>
+              </a:rPr>
+              <a:t>Attributes</a:t>
+            </a:r>
+            <a:endParaRPr lang="de-DE" sz="1000" b="1" dirty="0">
+              <a:solidFill>
+                <a:srgbClr val="1064AF"/>
+              </a:solidFill>
+              <a:latin typeface="Arial Narrow" panose="020B0606020202030204" pitchFamily="34" charset="0"/>
+              <a:ea typeface="Open Sans Condensed Light" panose="020B0306030504020204" pitchFamily="34" charset="0"/>
+              <a:cs typeface="Open Sans Condensed Light" panose="020B0306030504020204" pitchFamily="34" charset="0"/>
+            </a:endParaRPr>
+          </a:p>
+        </p:txBody>
+      </p:sp>
+      <p:sp>
+        <p:nvSpPr>
+          <p:cNvPr id="44" name="Freeform: Shape 43">
+            <a:extLst>
+              <a:ext uri="{FF2B5EF4-FFF2-40B4-BE49-F238E27FC236}">
+                <a16:creationId xmlns:a16="http://schemas.microsoft.com/office/drawing/2014/main" id="{301C8E8F-EED7-D443-D28D-057C9A659123}"/>
+              </a:ext>
+            </a:extLst>
+          </p:cNvPr>
+          <p:cNvSpPr/>
+          <p:nvPr/>
+        </p:nvSpPr>
+        <p:spPr>
+          <a:xfrm>
+            <a:off x="5366326" y="2036131"/>
+            <a:ext cx="124460" cy="177292"/>
+          </a:xfrm>
+          <a:custGeom>
+            <a:avLst/>
+            <a:gdLst>
+              <a:gd name="connsiteX0" fmla="*/ 0 w 124460"/>
+              <a:gd name="connsiteY0" fmla="*/ 0 h 218440"/>
+              <a:gd name="connsiteX1" fmla="*/ 0 w 124460"/>
+              <a:gd name="connsiteY1" fmla="*/ 218440 h 218440"/>
+              <a:gd name="connsiteX2" fmla="*/ 124460 w 124460"/>
+              <a:gd name="connsiteY2" fmla="*/ 218440 h 218440"/>
+            </a:gdLst>
+            <a:ahLst/>
+            <a:cxnLst>
+              <a:cxn ang="0">
+                <a:pos x="connsiteX0" y="connsiteY0"/>
+              </a:cxn>
+              <a:cxn ang="0">
+                <a:pos x="connsiteX1" y="connsiteY1"/>
+              </a:cxn>
+              <a:cxn ang="0">
+                <a:pos x="connsiteX2" y="connsiteY2"/>
+              </a:cxn>
+            </a:cxnLst>
+            <a:rect l="l" t="t" r="r" b="b"/>
+            <a:pathLst>
+              <a:path w="124460" h="218440">
+                <a:moveTo>
+                  <a:pt x="0" y="0"/>
+                </a:moveTo>
+                <a:lnTo>
+                  <a:pt x="0" y="218440"/>
+                </a:lnTo>
+                <a:lnTo>
+                  <a:pt x="124460" y="218440"/>
+                </a:lnTo>
+              </a:path>
+            </a:pathLst>
+          </a:custGeom>
+          <a:noFill/>
+          <a:ln w="19050">
+            <a:solidFill>
+              <a:srgbClr val="2194F6"/>
+            </a:solidFill>
+          </a:ln>
+        </p:spPr>
+        <p:style>
+          <a:lnRef idx="2">
+            <a:schemeClr val="accent1">
+              <a:shade val="15000"/>
+            </a:schemeClr>
+          </a:lnRef>
+          <a:fillRef idx="1">
+            <a:schemeClr val="accent1"/>
+          </a:fillRef>
+          <a:effectRef idx="0">
+            <a:schemeClr val="accent1"/>
+          </a:effectRef>
+          <a:fontRef idx="minor">
+            <a:schemeClr val="lt1"/>
+          </a:fontRef>
+        </p:style>
+        <p:txBody>
+          <a:bodyPr rtlCol="0" anchor="ctr"/>
+          <a:lstStyle/>
+          <a:p>
+            <a:pPr algn="ctr"/>
+            <a:endParaRPr lang="en-CA"/>
+          </a:p>
+        </p:txBody>
+      </p:sp>
+      <p:sp>
+        <p:nvSpPr>
+          <p:cNvPr id="45" name="Freeform: Shape 44">
+            <a:extLst>
+              <a:ext uri="{FF2B5EF4-FFF2-40B4-BE49-F238E27FC236}">
+                <a16:creationId xmlns:a16="http://schemas.microsoft.com/office/drawing/2014/main" id="{CE5EEE79-1F9D-D08F-B92A-BCF81D34F54F}"/>
+              </a:ext>
+            </a:extLst>
+          </p:cNvPr>
+          <p:cNvSpPr/>
+          <p:nvPr/>
+        </p:nvSpPr>
+        <p:spPr>
+          <a:xfrm>
+            <a:off x="6178952" y="1924371"/>
+            <a:ext cx="109220" cy="0"/>
+          </a:xfrm>
+          <a:custGeom>
+            <a:avLst/>
+            <a:gdLst>
+              <a:gd name="connsiteX0" fmla="*/ 0 w 109220"/>
+              <a:gd name="connsiteY0" fmla="*/ 0 h 0"/>
+              <a:gd name="connsiteX1" fmla="*/ 109220 w 109220"/>
+              <a:gd name="connsiteY1" fmla="*/ 0 h 0"/>
+            </a:gdLst>
+            <a:ahLst/>
+            <a:cxnLst>
+              <a:cxn ang="0">
+                <a:pos x="connsiteX0" y="connsiteY0"/>
+              </a:cxn>
+              <a:cxn ang="0">
+                <a:pos x="connsiteX1" y="connsiteY1"/>
+              </a:cxn>
+            </a:cxnLst>
+            <a:rect l="l" t="t" r="r" b="b"/>
+            <a:pathLst>
+              <a:path w="109220">
+                <a:moveTo>
+                  <a:pt x="0" y="0"/>
+                </a:moveTo>
+                <a:lnTo>
+                  <a:pt x="109220" y="0"/>
+                </a:lnTo>
+              </a:path>
+            </a:pathLst>
+          </a:custGeom>
+          <a:noFill/>
+          <a:ln w="19050">
+            <a:solidFill>
+              <a:srgbClr val="2194F6"/>
+            </a:solidFill>
+          </a:ln>
+        </p:spPr>
+        <p:style>
+          <a:lnRef idx="2">
+            <a:schemeClr val="accent1">
+              <a:shade val="15000"/>
+            </a:schemeClr>
+          </a:lnRef>
+          <a:fillRef idx="1">
+            <a:schemeClr val="accent1"/>
+          </a:fillRef>
+          <a:effectRef idx="0">
+            <a:schemeClr val="accent1"/>
+          </a:effectRef>
+          <a:fontRef idx="minor">
+            <a:schemeClr val="lt1"/>
+          </a:fontRef>
+        </p:style>
+        <p:txBody>
+          <a:bodyPr rtlCol="0" anchor="ctr"/>
+          <a:lstStyle/>
+          <a:p>
+            <a:pPr algn="ctr"/>
+            <a:endParaRPr lang="en-CA"/>
+          </a:p>
+        </p:txBody>
+      </p:sp>
+      <p:sp>
+        <p:nvSpPr>
+          <p:cNvPr id="47" name="Freeform: Shape 46">
+            <a:extLst>
+              <a:ext uri="{FF2B5EF4-FFF2-40B4-BE49-F238E27FC236}">
+                <a16:creationId xmlns:a16="http://schemas.microsoft.com/office/drawing/2014/main" id="{543EA0EA-F99C-0E0B-79E5-07D9D96E3081}"/>
+              </a:ext>
+            </a:extLst>
+          </p:cNvPr>
+          <p:cNvSpPr/>
+          <p:nvPr/>
+        </p:nvSpPr>
+        <p:spPr>
+          <a:xfrm>
+            <a:off x="5594638" y="2332201"/>
+            <a:ext cx="124460" cy="177292"/>
+          </a:xfrm>
+          <a:custGeom>
+            <a:avLst/>
+            <a:gdLst>
+              <a:gd name="connsiteX0" fmla="*/ 0 w 124460"/>
+              <a:gd name="connsiteY0" fmla="*/ 0 h 218440"/>
+              <a:gd name="connsiteX1" fmla="*/ 0 w 124460"/>
+              <a:gd name="connsiteY1" fmla="*/ 218440 h 218440"/>
+              <a:gd name="connsiteX2" fmla="*/ 124460 w 124460"/>
+              <a:gd name="connsiteY2" fmla="*/ 218440 h 218440"/>
+            </a:gdLst>
+            <a:ahLst/>
+            <a:cxnLst>
+              <a:cxn ang="0">
+                <a:pos x="connsiteX0" y="connsiteY0"/>
+              </a:cxn>
+              <a:cxn ang="0">
+                <a:pos x="connsiteX1" y="connsiteY1"/>
+              </a:cxn>
+              <a:cxn ang="0">
+                <a:pos x="connsiteX2" y="connsiteY2"/>
+              </a:cxn>
+            </a:cxnLst>
+            <a:rect l="l" t="t" r="r" b="b"/>
+            <a:pathLst>
+              <a:path w="124460" h="218440">
+                <a:moveTo>
+                  <a:pt x="0" y="0"/>
+                </a:moveTo>
+                <a:lnTo>
+                  <a:pt x="0" y="218440"/>
+                </a:lnTo>
+                <a:lnTo>
+                  <a:pt x="124460" y="218440"/>
+                </a:lnTo>
+              </a:path>
+            </a:pathLst>
+          </a:custGeom>
+          <a:noFill/>
+          <a:ln w="19050">
+            <a:solidFill>
+              <a:srgbClr val="C0CCD0"/>
+            </a:solidFill>
+          </a:ln>
+        </p:spPr>
+        <p:style>
+          <a:lnRef idx="2">
+            <a:schemeClr val="accent1">
+              <a:shade val="15000"/>
+            </a:schemeClr>
+          </a:lnRef>
+          <a:fillRef idx="1">
+            <a:schemeClr val="accent1"/>
+          </a:fillRef>
+          <a:effectRef idx="0">
+            <a:schemeClr val="accent1"/>
+          </a:effectRef>
+          <a:fontRef idx="minor">
+            <a:schemeClr val="lt1"/>
+          </a:fontRef>
+        </p:style>
+        <p:txBody>
+          <a:bodyPr rtlCol="0" anchor="ctr"/>
+          <a:lstStyle/>
+          <a:p>
+            <a:pPr algn="ctr"/>
+            <a:endParaRPr lang="en-CA"/>
+          </a:p>
+        </p:txBody>
+      </p:sp>
+      <p:sp>
+        <p:nvSpPr>
+          <p:cNvPr id="48" name="Freeform: Shape 47">
+            <a:extLst>
+              <a:ext uri="{FF2B5EF4-FFF2-40B4-BE49-F238E27FC236}">
+                <a16:creationId xmlns:a16="http://schemas.microsoft.com/office/drawing/2014/main" id="{03658F70-08EA-FF8B-53C0-B2FE2D2C1F1C}"/>
+              </a:ext>
+            </a:extLst>
+          </p:cNvPr>
+          <p:cNvSpPr/>
+          <p:nvPr/>
+        </p:nvSpPr>
+        <p:spPr>
+          <a:xfrm>
+            <a:off x="5259472" y="1406504"/>
+            <a:ext cx="124460" cy="177292"/>
+          </a:xfrm>
+          <a:custGeom>
+            <a:avLst/>
+            <a:gdLst>
+              <a:gd name="connsiteX0" fmla="*/ 0 w 124460"/>
+              <a:gd name="connsiteY0" fmla="*/ 0 h 218440"/>
+              <a:gd name="connsiteX1" fmla="*/ 0 w 124460"/>
+              <a:gd name="connsiteY1" fmla="*/ 218440 h 218440"/>
+              <a:gd name="connsiteX2" fmla="*/ 124460 w 124460"/>
+              <a:gd name="connsiteY2" fmla="*/ 218440 h 218440"/>
+            </a:gdLst>
+            <a:ahLst/>
+            <a:cxnLst>
+              <a:cxn ang="0">
+                <a:pos x="connsiteX0" y="connsiteY0"/>
+              </a:cxn>
+              <a:cxn ang="0">
+                <a:pos x="connsiteX1" y="connsiteY1"/>
+              </a:cxn>
+              <a:cxn ang="0">
+                <a:pos x="connsiteX2" y="connsiteY2"/>
+              </a:cxn>
+            </a:cxnLst>
+            <a:rect l="l" t="t" r="r" b="b"/>
+            <a:pathLst>
+              <a:path w="124460" h="218440">
+                <a:moveTo>
+                  <a:pt x="0" y="0"/>
+                </a:moveTo>
+                <a:lnTo>
+                  <a:pt x="0" y="218440"/>
+                </a:lnTo>
+                <a:lnTo>
+                  <a:pt x="124460" y="218440"/>
+                </a:lnTo>
+              </a:path>
+            </a:pathLst>
+          </a:custGeom>
+          <a:noFill/>
+          <a:ln w="19050">
+            <a:solidFill>
+              <a:srgbClr val="2194F6"/>
+            </a:solidFill>
+          </a:ln>
+        </p:spPr>
+        <p:style>
+          <a:lnRef idx="2">
+            <a:schemeClr val="accent1">
+              <a:shade val="15000"/>
+            </a:schemeClr>
+          </a:lnRef>
+          <a:fillRef idx="1">
+            <a:schemeClr val="accent1"/>
+          </a:fillRef>
+          <a:effectRef idx="0">
+            <a:schemeClr val="accent1"/>
+          </a:effectRef>
+          <a:fontRef idx="minor">
+            <a:schemeClr val="lt1"/>
+          </a:fontRef>
+        </p:style>
+        <p:txBody>
+          <a:bodyPr rtlCol="0" anchor="ctr"/>
+          <a:lstStyle/>
+          <a:p>
+            <a:pPr algn="ctr"/>
+            <a:endParaRPr lang="en-CA"/>
+          </a:p>
+        </p:txBody>
+      </p:sp>
+      <p:sp>
+        <p:nvSpPr>
+          <p:cNvPr id="49" name="Rectangle 48">
+            <a:extLst>
+              <a:ext uri="{FF2B5EF4-FFF2-40B4-BE49-F238E27FC236}">
+                <a16:creationId xmlns:a16="http://schemas.microsoft.com/office/drawing/2014/main" id="{2AC6D735-7E94-D430-6EFC-F1392569CAE4}"/>
+              </a:ext>
+            </a:extLst>
+          </p:cNvPr>
+          <p:cNvSpPr/>
+          <p:nvPr/>
+        </p:nvSpPr>
+        <p:spPr>
+          <a:xfrm>
+            <a:off x="5392808" y="1480564"/>
+            <a:ext cx="980674" cy="220999"/>
+          </a:xfrm>
+          <a:prstGeom prst="rect">
+            <a:avLst/>
+          </a:prstGeom>
+          <a:solidFill>
+            <a:schemeClr val="bg1"/>
+          </a:solidFill>
+          <a:ln w="19050">
+            <a:solidFill>
+              <a:srgbClr val="2194F6"/>
+            </a:solidFill>
+          </a:ln>
+        </p:spPr>
+        <p:style>
+          <a:lnRef idx="2">
+            <a:schemeClr val="accent1">
+              <a:shade val="50000"/>
+            </a:schemeClr>
+          </a:lnRef>
+          <a:fillRef idx="1">
+            <a:schemeClr val="accent1"/>
+          </a:fillRef>
+          <a:effectRef idx="0">
+            <a:schemeClr val="accent1"/>
+          </a:effectRef>
+          <a:fontRef idx="minor">
+            <a:schemeClr val="lt1"/>
+          </a:fontRef>
+        </p:style>
+        <p:txBody>
+          <a:bodyPr lIns="72000" tIns="0" rIns="0" bIns="0" rtlCol="0" anchor="ctr"/>
+          <a:lstStyle/>
+          <a:p>
+            <a:r>
+              <a:rPr lang="en-US" sz="1000" b="1">
+                <a:solidFill>
+                  <a:srgbClr val="1064AF"/>
+                </a:solidFill>
+                <a:latin typeface="Arial Narrow" panose="020B0606020202030204" pitchFamily="34" charset="0"/>
+                <a:ea typeface="Open Sans Condensed Light" panose="020B0306030504020204" pitchFamily="34" charset="0"/>
+                <a:cs typeface="Open Sans Condensed Light" panose="020B0306030504020204" pitchFamily="34" charset="0"/>
+              </a:rPr>
+              <a:t>Vectorized file</a:t>
+            </a:r>
+            <a:endParaRPr lang="de-DE" sz="1000" b="1" dirty="0">
+              <a:solidFill>
+                <a:srgbClr val="1064AF"/>
+              </a:solidFill>
+              <a:latin typeface="Arial Narrow" panose="020B0606020202030204" pitchFamily="34" charset="0"/>
+              <a:ea typeface="Open Sans Condensed Light" panose="020B0306030504020204" pitchFamily="34" charset="0"/>
+              <a:cs typeface="Open Sans Condensed Light" panose="020B0306030504020204" pitchFamily="34" charset="0"/>
+            </a:endParaRPr>
+          </a:p>
+        </p:txBody>
+      </p:sp>
+      <p:sp>
+        <p:nvSpPr>
+          <p:cNvPr id="50" name="Rectangle 49">
+            <a:extLst>
+              <a:ext uri="{FF2B5EF4-FFF2-40B4-BE49-F238E27FC236}">
+                <a16:creationId xmlns:a16="http://schemas.microsoft.com/office/drawing/2014/main" id="{C0B1D31B-A5C5-0F74-F652-4E52F8CA9A9B}"/>
+              </a:ext>
+            </a:extLst>
+          </p:cNvPr>
+          <p:cNvSpPr/>
+          <p:nvPr/>
+        </p:nvSpPr>
+        <p:spPr>
+          <a:xfrm>
+            <a:off x="5719098" y="2397623"/>
+            <a:ext cx="566708" cy="220999"/>
+          </a:xfrm>
+          <a:prstGeom prst="rect">
+            <a:avLst/>
+          </a:prstGeom>
+          <a:solidFill>
+            <a:schemeClr val="bg1"/>
+          </a:solidFill>
+          <a:ln w="19050">
+            <a:solidFill>
+              <a:srgbClr val="C0CCD0"/>
+            </a:solidFill>
+          </a:ln>
+        </p:spPr>
+        <p:style>
+          <a:lnRef idx="2">
+            <a:schemeClr val="accent1">
+              <a:shade val="50000"/>
+            </a:schemeClr>
+          </a:lnRef>
+          <a:fillRef idx="1">
+            <a:schemeClr val="accent1"/>
+          </a:fillRef>
+          <a:effectRef idx="0">
+            <a:schemeClr val="accent1"/>
+          </a:effectRef>
+          <a:fontRef idx="minor">
+            <a:schemeClr val="lt1"/>
+          </a:fontRef>
+        </p:style>
+        <p:txBody>
+          <a:bodyPr lIns="72000" tIns="0" rIns="0" bIns="0" rtlCol="0" anchor="ctr"/>
+          <a:lstStyle/>
+          <a:p>
+            <a:r>
+              <a:rPr lang="en-US" sz="1000" b="1">
+                <a:solidFill>
+                  <a:srgbClr val="90A1A8"/>
+                </a:solidFill>
+                <a:latin typeface="Arial Narrow" panose="020B0606020202030204" pitchFamily="34" charset="0"/>
+                <a:ea typeface="Open Sans Condensed Light" panose="020B0306030504020204" pitchFamily="34" charset="0"/>
+                <a:cs typeface="Open Sans Condensed Light" panose="020B0306030504020204" pitchFamily="34" charset="0"/>
+              </a:rPr>
+              <a:t>Chunks</a:t>
+            </a:r>
+            <a:endParaRPr lang="de-DE" sz="1000" b="1" dirty="0">
+              <a:solidFill>
+                <a:srgbClr val="90A1A8"/>
+              </a:solidFill>
+              <a:latin typeface="Arial Narrow" panose="020B0606020202030204" pitchFamily="34" charset="0"/>
+              <a:ea typeface="Open Sans Condensed Light" panose="020B0306030504020204" pitchFamily="34" charset="0"/>
+              <a:cs typeface="Open Sans Condensed Light" panose="020B0306030504020204" pitchFamily="34" charset="0"/>
+            </a:endParaRPr>
+          </a:p>
+        </p:txBody>
+      </p:sp>
+      <p:sp>
+        <p:nvSpPr>
+          <p:cNvPr id="42" name="Rectangle 41">
+            <a:extLst>
+              <a:ext uri="{FF2B5EF4-FFF2-40B4-BE49-F238E27FC236}">
+                <a16:creationId xmlns:a16="http://schemas.microsoft.com/office/drawing/2014/main" id="{38437BDC-717C-B81C-9E76-ECB7EC3597BE}"/>
+              </a:ext>
+            </a:extLst>
+          </p:cNvPr>
+          <p:cNvSpPr/>
+          <p:nvPr/>
+        </p:nvSpPr>
+        <p:spPr>
+          <a:xfrm>
+            <a:off x="5499662" y="2111215"/>
+            <a:ext cx="980674" cy="220999"/>
+          </a:xfrm>
+          <a:prstGeom prst="rect">
+            <a:avLst/>
+          </a:prstGeom>
+          <a:solidFill>
+            <a:schemeClr val="bg1"/>
+          </a:solidFill>
+          <a:ln w="19050">
+            <a:solidFill>
+              <a:srgbClr val="2194F6"/>
+            </a:solidFill>
+          </a:ln>
+        </p:spPr>
+        <p:style>
+          <a:lnRef idx="2">
+            <a:schemeClr val="accent1">
+              <a:shade val="50000"/>
+            </a:schemeClr>
+          </a:lnRef>
+          <a:fillRef idx="1">
+            <a:schemeClr val="accent1"/>
+          </a:fillRef>
+          <a:effectRef idx="0">
+            <a:schemeClr val="accent1"/>
+          </a:effectRef>
+          <a:fontRef idx="minor">
+            <a:schemeClr val="lt1"/>
+          </a:fontRef>
+        </p:style>
+        <p:txBody>
+          <a:bodyPr lIns="72000" tIns="0" rIns="0" bIns="0" rtlCol="0" anchor="ctr"/>
+          <a:lstStyle/>
+          <a:p>
+            <a:r>
+              <a:rPr lang="en-US" sz="1000" b="1">
+                <a:solidFill>
+                  <a:srgbClr val="1064AF"/>
+                </a:solidFill>
+                <a:latin typeface="Arial Narrow" panose="020B0606020202030204" pitchFamily="34" charset="0"/>
+                <a:ea typeface="Open Sans Condensed Light" panose="020B0306030504020204" pitchFamily="34" charset="0"/>
+                <a:cs typeface="Open Sans Condensed Light" panose="020B0306030504020204" pitchFamily="34" charset="0"/>
+              </a:rPr>
+              <a:t>Vectorized file</a:t>
+            </a:r>
+            <a:endParaRPr lang="de-DE" sz="1000" b="1" dirty="0">
+              <a:solidFill>
+                <a:srgbClr val="1064AF"/>
+              </a:solidFill>
+              <a:latin typeface="Arial Narrow" panose="020B0606020202030204" pitchFamily="34" charset="0"/>
+              <a:ea typeface="Open Sans Condensed Light" panose="020B0306030504020204" pitchFamily="34" charset="0"/>
+              <a:cs typeface="Open Sans Condensed Light" panose="020B0306030504020204" pitchFamily="34" charset="0"/>
+            </a:endParaRPr>
+          </a:p>
+        </p:txBody>
+      </p:sp>
+      <p:sp>
+        <p:nvSpPr>
+          <p:cNvPr id="43" name="Rectangle 42">
+            <a:extLst>
+              <a:ext uri="{FF2B5EF4-FFF2-40B4-BE49-F238E27FC236}">
+                <a16:creationId xmlns:a16="http://schemas.microsoft.com/office/drawing/2014/main" id="{12207E5F-DF9C-E586-A97D-832DD5428386}"/>
+              </a:ext>
+            </a:extLst>
+          </p:cNvPr>
+          <p:cNvSpPr/>
+          <p:nvPr/>
+        </p:nvSpPr>
+        <p:spPr>
+          <a:xfrm>
+            <a:off x="6595686" y="2111215"/>
+            <a:ext cx="784626" cy="220999"/>
+          </a:xfrm>
+          <a:prstGeom prst="rect">
+            <a:avLst/>
+          </a:prstGeom>
+          <a:solidFill>
+            <a:schemeClr val="bg1"/>
+          </a:solidFill>
+          <a:ln w="19050">
+            <a:solidFill>
+              <a:srgbClr val="2194F6"/>
+            </a:solidFill>
+          </a:ln>
+        </p:spPr>
+        <p:style>
+          <a:lnRef idx="2">
+            <a:schemeClr val="accent1">
+              <a:shade val="50000"/>
+            </a:schemeClr>
+          </a:lnRef>
+          <a:fillRef idx="1">
+            <a:schemeClr val="accent1"/>
+          </a:fillRef>
+          <a:effectRef idx="0">
+            <a:schemeClr val="accent1"/>
+          </a:effectRef>
+          <a:fontRef idx="minor">
+            <a:schemeClr val="lt1"/>
+          </a:fontRef>
+        </p:style>
+        <p:txBody>
+          <a:bodyPr lIns="72000" tIns="0" rIns="0" bIns="0" rtlCol="0" anchor="ctr"/>
+          <a:lstStyle/>
+          <a:p>
+            <a:r>
+              <a:rPr lang="en-US" sz="1000" b="1">
+                <a:solidFill>
+                  <a:srgbClr val="1064AF"/>
+                </a:solidFill>
+                <a:latin typeface="Arial Narrow" panose="020B0606020202030204" pitchFamily="34" charset="0"/>
+                <a:ea typeface="Open Sans Condensed Light" panose="020B0306030504020204" pitchFamily="34" charset="0"/>
+                <a:cs typeface="Open Sans Condensed Light" panose="020B0306030504020204" pitchFamily="34" charset="0"/>
+              </a:rPr>
+              <a:t>Attributes</a:t>
+            </a:r>
+            <a:endParaRPr lang="de-DE" sz="1000" b="1" dirty="0">
+              <a:solidFill>
+                <a:srgbClr val="1064AF"/>
+              </a:solidFill>
+              <a:latin typeface="Arial Narrow" panose="020B0606020202030204" pitchFamily="34" charset="0"/>
+              <a:ea typeface="Open Sans Condensed Light" panose="020B0306030504020204" pitchFamily="34" charset="0"/>
+              <a:cs typeface="Open Sans Condensed Light" panose="020B0306030504020204" pitchFamily="34" charset="0"/>
+            </a:endParaRPr>
+          </a:p>
+        </p:txBody>
+      </p:sp>
+      <p:sp>
+        <p:nvSpPr>
+          <p:cNvPr id="46" name="Freeform: Shape 45">
+            <a:extLst>
+              <a:ext uri="{FF2B5EF4-FFF2-40B4-BE49-F238E27FC236}">
+                <a16:creationId xmlns:a16="http://schemas.microsoft.com/office/drawing/2014/main" id="{2889148C-1776-715F-7B2B-46630EF8E645}"/>
+              </a:ext>
+            </a:extLst>
+          </p:cNvPr>
+          <p:cNvSpPr/>
+          <p:nvPr/>
+        </p:nvSpPr>
+        <p:spPr>
+          <a:xfrm>
+            <a:off x="6483370" y="2222987"/>
+            <a:ext cx="109220" cy="0"/>
+          </a:xfrm>
+          <a:custGeom>
+            <a:avLst/>
+            <a:gdLst>
+              <a:gd name="connsiteX0" fmla="*/ 0 w 109220"/>
+              <a:gd name="connsiteY0" fmla="*/ 0 h 0"/>
+              <a:gd name="connsiteX1" fmla="*/ 109220 w 109220"/>
+              <a:gd name="connsiteY1" fmla="*/ 0 h 0"/>
+            </a:gdLst>
+            <a:ahLst/>
+            <a:cxnLst>
+              <a:cxn ang="0">
+                <a:pos x="connsiteX0" y="connsiteY0"/>
+              </a:cxn>
+              <a:cxn ang="0">
+                <a:pos x="connsiteX1" y="connsiteY1"/>
+              </a:cxn>
+            </a:cxnLst>
+            <a:rect l="l" t="t" r="r" b="b"/>
+            <a:pathLst>
+              <a:path w="109220">
+                <a:moveTo>
+                  <a:pt x="0" y="0"/>
+                </a:moveTo>
+                <a:lnTo>
+                  <a:pt x="109220" y="0"/>
+                </a:lnTo>
+              </a:path>
+            </a:pathLst>
+          </a:custGeom>
+          <a:noFill/>
+          <a:ln w="19050">
+            <a:solidFill>
+              <a:srgbClr val="2194F6"/>
+            </a:solidFill>
+          </a:ln>
+        </p:spPr>
+        <p:style>
+          <a:lnRef idx="2">
+            <a:schemeClr val="accent1">
+              <a:shade val="15000"/>
+            </a:schemeClr>
+          </a:lnRef>
+          <a:fillRef idx="1">
+            <a:schemeClr val="accent1"/>
+          </a:fillRef>
+          <a:effectRef idx="0">
+            <a:schemeClr val="accent1"/>
+          </a:effectRef>
+          <a:fontRef idx="minor">
+            <a:schemeClr val="lt1"/>
+          </a:fontRef>
+        </p:style>
+        <p:txBody>
+          <a:bodyPr rtlCol="0" anchor="ctr"/>
+          <a:lstStyle/>
+          <a:p>
+            <a:pPr algn="ctr"/>
+            <a:endParaRPr lang="en-CA"/>
+          </a:p>
+        </p:txBody>
+      </p:sp>
+      <p:sp>
+        <p:nvSpPr>
+          <p:cNvPr id="51" name="Rectangle 50">
+            <a:extLst>
+              <a:ext uri="{FF2B5EF4-FFF2-40B4-BE49-F238E27FC236}">
+                <a16:creationId xmlns:a16="http://schemas.microsoft.com/office/drawing/2014/main" id="{58D1C4E0-C0D2-3BC4-7CE3-A04A33CF3CF8}"/>
+              </a:ext>
+            </a:extLst>
+          </p:cNvPr>
+          <p:cNvSpPr/>
+          <p:nvPr/>
+        </p:nvSpPr>
+        <p:spPr>
+          <a:xfrm>
+            <a:off x="539552" y="1850504"/>
+            <a:ext cx="980674" cy="220999"/>
+          </a:xfrm>
+          <a:prstGeom prst="rect">
+            <a:avLst/>
+          </a:prstGeom>
+          <a:solidFill>
+            <a:schemeClr val="bg1"/>
+          </a:solidFill>
+          <a:ln w="19050">
+            <a:solidFill>
+              <a:srgbClr val="2194F6"/>
+            </a:solidFill>
+          </a:ln>
+        </p:spPr>
+        <p:style>
+          <a:lnRef idx="2">
+            <a:schemeClr val="accent1">
+              <a:shade val="50000"/>
+            </a:schemeClr>
+          </a:lnRef>
+          <a:fillRef idx="1">
+            <a:schemeClr val="accent1"/>
+          </a:fillRef>
+          <a:effectRef idx="0">
+            <a:schemeClr val="accent1"/>
+          </a:effectRef>
+          <a:fontRef idx="minor">
+            <a:schemeClr val="lt1"/>
+          </a:fontRef>
+        </p:style>
+        <p:txBody>
+          <a:bodyPr lIns="72000" tIns="0" rIns="0" bIns="0" rtlCol="0" anchor="ctr"/>
+          <a:lstStyle/>
+          <a:p>
+            <a:r>
+              <a:rPr lang="en-US" sz="1000" b="1">
+                <a:solidFill>
+                  <a:srgbClr val="1064AF"/>
+                </a:solidFill>
+                <a:latin typeface="Arial Narrow" panose="020B0606020202030204" pitchFamily="34" charset="0"/>
+                <a:ea typeface="Open Sans Condensed Light" panose="020B0306030504020204" pitchFamily="34" charset="0"/>
+                <a:cs typeface="Open Sans Condensed Light" panose="020B0306030504020204" pitchFamily="34" charset="0"/>
+              </a:rPr>
+              <a:t>Batches</a:t>
+            </a:r>
+            <a:endParaRPr lang="de-DE" sz="1000" b="1" dirty="0">
+              <a:solidFill>
+                <a:srgbClr val="1064AF"/>
+              </a:solidFill>
+              <a:latin typeface="Arial Narrow" panose="020B0606020202030204" pitchFamily="34" charset="0"/>
+              <a:ea typeface="Open Sans Condensed Light" panose="020B0306030504020204" pitchFamily="34" charset="0"/>
+              <a:cs typeface="Open Sans Condensed Light" panose="020B0306030504020204" pitchFamily="34" charset="0"/>
+            </a:endParaRPr>
+          </a:p>
+        </p:txBody>
+      </p:sp>
+      <p:sp>
+        <p:nvSpPr>
+          <p:cNvPr id="52" name="Rectangle 51">
+            <a:extLst>
+              <a:ext uri="{FF2B5EF4-FFF2-40B4-BE49-F238E27FC236}">
+                <a16:creationId xmlns:a16="http://schemas.microsoft.com/office/drawing/2014/main" id="{18577889-9E48-6DC5-233C-51E492C4E9EE}"/>
+              </a:ext>
+            </a:extLst>
+          </p:cNvPr>
+          <p:cNvSpPr/>
+          <p:nvPr/>
+        </p:nvSpPr>
+        <p:spPr>
+          <a:xfrm>
+            <a:off x="539552" y="2189958"/>
+            <a:ext cx="980674" cy="220999"/>
+          </a:xfrm>
+          <a:prstGeom prst="rect">
+            <a:avLst/>
+          </a:prstGeom>
+          <a:solidFill>
+            <a:schemeClr val="bg1"/>
+          </a:solidFill>
+          <a:ln w="19050">
+            <a:solidFill>
+              <a:srgbClr val="2194F6"/>
+            </a:solidFill>
+          </a:ln>
+        </p:spPr>
+        <p:style>
+          <a:lnRef idx="2">
+            <a:schemeClr val="accent1">
+              <a:shade val="50000"/>
+            </a:schemeClr>
+          </a:lnRef>
+          <a:fillRef idx="1">
+            <a:schemeClr val="accent1"/>
+          </a:fillRef>
+          <a:effectRef idx="0">
+            <a:schemeClr val="accent1"/>
+          </a:effectRef>
+          <a:fontRef idx="minor">
+            <a:schemeClr val="lt1"/>
+          </a:fontRef>
+        </p:style>
+        <p:txBody>
+          <a:bodyPr lIns="72000" tIns="0" rIns="0" bIns="0" rtlCol="0" anchor="ctr"/>
+          <a:lstStyle/>
+          <a:p>
+            <a:r>
+              <a:rPr lang="en-US" sz="1000" b="1">
+                <a:solidFill>
+                  <a:srgbClr val="1064AF"/>
+                </a:solidFill>
+                <a:latin typeface="Arial Narrow" panose="020B0606020202030204" pitchFamily="34" charset="0"/>
+                <a:ea typeface="Open Sans Condensed Light" panose="020B0306030504020204" pitchFamily="34" charset="0"/>
+                <a:cs typeface="Open Sans Condensed Light" panose="020B0306030504020204" pitchFamily="34" charset="0"/>
+              </a:rPr>
+              <a:t>Projects</a:t>
+            </a:r>
+            <a:endParaRPr lang="de-DE" sz="1000" b="1" dirty="0">
+              <a:solidFill>
+                <a:srgbClr val="1064AF"/>
+              </a:solidFill>
+              <a:latin typeface="Arial Narrow" panose="020B0606020202030204" pitchFamily="34" charset="0"/>
+              <a:ea typeface="Open Sans Condensed Light" panose="020B0306030504020204" pitchFamily="34" charset="0"/>
+              <a:cs typeface="Open Sans Condensed Light" panose="020B0306030504020204" pitchFamily="34" charset="0"/>
+            </a:endParaRPr>
+          </a:p>
+        </p:txBody>
+      </p:sp>
+      <p:sp>
+        <p:nvSpPr>
+          <p:cNvPr id="55" name="Rectangle 54">
+            <a:extLst>
+              <a:ext uri="{FF2B5EF4-FFF2-40B4-BE49-F238E27FC236}">
+                <a16:creationId xmlns:a16="http://schemas.microsoft.com/office/drawing/2014/main" id="{EEC7650A-9B11-7B28-4623-694D5D2BE95B}"/>
+              </a:ext>
+            </a:extLst>
+          </p:cNvPr>
+          <p:cNvSpPr/>
+          <p:nvPr/>
+        </p:nvSpPr>
+        <p:spPr>
+          <a:xfrm>
+            <a:off x="679003" y="2820140"/>
+            <a:ext cx="841223" cy="220999"/>
+          </a:xfrm>
+          <a:prstGeom prst="rect">
+            <a:avLst/>
+          </a:prstGeom>
+          <a:solidFill>
+            <a:schemeClr val="bg1"/>
+          </a:solidFill>
+          <a:ln w="19050">
+            <a:solidFill>
+              <a:srgbClr val="75BEFC"/>
+            </a:solidFill>
+            <a:prstDash val="sysDash"/>
+          </a:ln>
+        </p:spPr>
+        <p:style>
+          <a:lnRef idx="2">
+            <a:schemeClr val="accent1">
+              <a:shade val="50000"/>
+            </a:schemeClr>
+          </a:lnRef>
+          <a:fillRef idx="1">
+            <a:schemeClr val="accent1"/>
+          </a:fillRef>
+          <a:effectRef idx="0">
+            <a:schemeClr val="accent1"/>
+          </a:effectRef>
+          <a:fontRef idx="minor">
+            <a:schemeClr val="lt1"/>
+          </a:fontRef>
+        </p:style>
+        <p:txBody>
+          <a:bodyPr lIns="72000" tIns="0" rIns="0" bIns="0" rtlCol="0" anchor="ctr"/>
+          <a:lstStyle/>
+          <a:p>
+            <a:r>
+              <a:rPr lang="en-US" sz="1000" b="1">
+                <a:solidFill>
+                  <a:srgbClr val="75BEFC"/>
+                </a:solidFill>
+                <a:latin typeface="Arial Narrow" panose="020B0606020202030204" pitchFamily="34" charset="0"/>
+                <a:ea typeface="Open Sans Condensed Light" panose="020B0306030504020204" pitchFamily="34" charset="0"/>
+                <a:cs typeface="Open Sans Condensed Light" panose="020B0306030504020204" pitchFamily="34" charset="0"/>
+              </a:rPr>
+              <a:t>Threads</a:t>
+            </a:r>
+            <a:endParaRPr lang="de-DE" sz="1000" b="1" dirty="0">
+              <a:solidFill>
+                <a:srgbClr val="75BEFC"/>
+              </a:solidFill>
+              <a:latin typeface="Arial Narrow" panose="020B0606020202030204" pitchFamily="34" charset="0"/>
+              <a:ea typeface="Open Sans Condensed Light" panose="020B0306030504020204" pitchFamily="34" charset="0"/>
+              <a:cs typeface="Open Sans Condensed Light" panose="020B0306030504020204" pitchFamily="34" charset="0"/>
+            </a:endParaRPr>
+          </a:p>
+        </p:txBody>
+      </p:sp>
+      <p:sp>
+        <p:nvSpPr>
+          <p:cNvPr id="56" name="Rectangle 55">
+            <a:extLst>
+              <a:ext uri="{FF2B5EF4-FFF2-40B4-BE49-F238E27FC236}">
+                <a16:creationId xmlns:a16="http://schemas.microsoft.com/office/drawing/2014/main" id="{E0AEBFCB-28AB-45D6-1860-86B40A29FA53}"/>
+              </a:ext>
+            </a:extLst>
+          </p:cNvPr>
+          <p:cNvSpPr/>
+          <p:nvPr/>
+        </p:nvSpPr>
+        <p:spPr>
+          <a:xfrm>
+            <a:off x="850723" y="3110077"/>
+            <a:ext cx="669503" cy="220999"/>
+          </a:xfrm>
+          <a:prstGeom prst="rect">
+            <a:avLst/>
+          </a:prstGeom>
+          <a:solidFill>
+            <a:schemeClr val="bg1"/>
+          </a:solidFill>
+          <a:ln w="19050">
+            <a:solidFill>
+              <a:srgbClr val="75BEFC"/>
+            </a:solidFill>
+            <a:prstDash val="sysDash"/>
+          </a:ln>
+        </p:spPr>
+        <p:style>
+          <a:lnRef idx="2">
+            <a:schemeClr val="accent1">
+              <a:shade val="50000"/>
+            </a:schemeClr>
+          </a:lnRef>
+          <a:fillRef idx="1">
+            <a:schemeClr val="accent1"/>
+          </a:fillRef>
+          <a:effectRef idx="0">
+            <a:schemeClr val="accent1"/>
+          </a:effectRef>
+          <a:fontRef idx="minor">
+            <a:schemeClr val="lt1"/>
+          </a:fontRef>
+        </p:style>
+        <p:txBody>
+          <a:bodyPr lIns="72000" tIns="0" rIns="0" bIns="0" rtlCol="0" anchor="ctr"/>
+          <a:lstStyle/>
+          <a:p>
+            <a:r>
+              <a:rPr lang="en-US" sz="1000" b="1">
+                <a:solidFill>
+                  <a:srgbClr val="75BEFC"/>
+                </a:solidFill>
+                <a:latin typeface="Arial Narrow" panose="020B0606020202030204" pitchFamily="34" charset="0"/>
+                <a:ea typeface="Open Sans Condensed Light" panose="020B0306030504020204" pitchFamily="34" charset="0"/>
+                <a:cs typeface="Open Sans Condensed Light" panose="020B0306030504020204" pitchFamily="34" charset="0"/>
+              </a:rPr>
+              <a:t>Messages</a:t>
+            </a:r>
+            <a:endParaRPr lang="de-DE" sz="1000" b="1" dirty="0">
+              <a:solidFill>
+                <a:srgbClr val="75BEFC"/>
+              </a:solidFill>
+              <a:latin typeface="Arial Narrow" panose="020B0606020202030204" pitchFamily="34" charset="0"/>
+              <a:ea typeface="Open Sans Condensed Light" panose="020B0306030504020204" pitchFamily="34" charset="0"/>
+              <a:cs typeface="Open Sans Condensed Light" panose="020B0306030504020204" pitchFamily="34" charset="0"/>
+            </a:endParaRPr>
+          </a:p>
+        </p:txBody>
+      </p:sp>
+      <p:sp>
+        <p:nvSpPr>
+          <p:cNvPr id="60" name="Freeform: Shape 59">
+            <a:extLst>
+              <a:ext uri="{FF2B5EF4-FFF2-40B4-BE49-F238E27FC236}">
+                <a16:creationId xmlns:a16="http://schemas.microsoft.com/office/drawing/2014/main" id="{7B632913-5953-78A9-FCAA-06E9BC1DAB20}"/>
+              </a:ext>
+            </a:extLst>
+          </p:cNvPr>
+          <p:cNvSpPr/>
+          <p:nvPr/>
+        </p:nvSpPr>
+        <p:spPr>
+          <a:xfrm>
+            <a:off x="580045" y="2754843"/>
+            <a:ext cx="124460" cy="177292"/>
+          </a:xfrm>
+          <a:custGeom>
+            <a:avLst/>
+            <a:gdLst>
+              <a:gd name="connsiteX0" fmla="*/ 0 w 124460"/>
+              <a:gd name="connsiteY0" fmla="*/ 0 h 218440"/>
+              <a:gd name="connsiteX1" fmla="*/ 0 w 124460"/>
+              <a:gd name="connsiteY1" fmla="*/ 218440 h 218440"/>
+              <a:gd name="connsiteX2" fmla="*/ 124460 w 124460"/>
+              <a:gd name="connsiteY2" fmla="*/ 218440 h 218440"/>
+            </a:gdLst>
+            <a:ahLst/>
+            <a:cxnLst>
+              <a:cxn ang="0">
+                <a:pos x="connsiteX0" y="connsiteY0"/>
+              </a:cxn>
+              <a:cxn ang="0">
+                <a:pos x="connsiteX1" y="connsiteY1"/>
+              </a:cxn>
+              <a:cxn ang="0">
+                <a:pos x="connsiteX2" y="connsiteY2"/>
+              </a:cxn>
+            </a:cxnLst>
+            <a:rect l="l" t="t" r="r" b="b"/>
+            <a:pathLst>
+              <a:path w="124460" h="218440">
+                <a:moveTo>
+                  <a:pt x="0" y="0"/>
+                </a:moveTo>
+                <a:lnTo>
+                  <a:pt x="0" y="218440"/>
+                </a:lnTo>
+                <a:lnTo>
+                  <a:pt x="124460" y="218440"/>
+                </a:lnTo>
+              </a:path>
+            </a:pathLst>
+          </a:custGeom>
+          <a:noFill/>
+          <a:ln w="19050">
+            <a:solidFill>
+              <a:srgbClr val="75BEFC"/>
+            </a:solidFill>
+            <a:prstDash val="sysDash"/>
+          </a:ln>
+        </p:spPr>
+        <p:style>
+          <a:lnRef idx="2">
+            <a:schemeClr val="accent1">
+              <a:shade val="15000"/>
+            </a:schemeClr>
+          </a:lnRef>
+          <a:fillRef idx="1">
+            <a:schemeClr val="accent1"/>
+          </a:fillRef>
+          <a:effectRef idx="0">
+            <a:schemeClr val="accent1"/>
+          </a:effectRef>
+          <a:fontRef idx="minor">
+            <a:schemeClr val="lt1"/>
+          </a:fontRef>
+        </p:style>
+        <p:txBody>
+          <a:bodyPr rtlCol="0" anchor="ctr"/>
+          <a:lstStyle/>
+          <a:p>
+            <a:pPr algn="ctr"/>
+            <a:endParaRPr lang="en-CA"/>
+          </a:p>
+        </p:txBody>
+      </p:sp>
+      <p:sp>
+        <p:nvSpPr>
+          <p:cNvPr id="61" name="Freeform: Shape 60">
+            <a:extLst>
+              <a:ext uri="{FF2B5EF4-FFF2-40B4-BE49-F238E27FC236}">
+                <a16:creationId xmlns:a16="http://schemas.microsoft.com/office/drawing/2014/main" id="{4DC5BBB8-72F0-66CD-B33C-93E1E770A7B7}"/>
+              </a:ext>
+            </a:extLst>
+          </p:cNvPr>
+          <p:cNvSpPr/>
+          <p:nvPr/>
+        </p:nvSpPr>
+        <p:spPr>
+          <a:xfrm>
+            <a:off x="726263" y="3040248"/>
+            <a:ext cx="124460" cy="177292"/>
+          </a:xfrm>
+          <a:custGeom>
+            <a:avLst/>
+            <a:gdLst>
+              <a:gd name="connsiteX0" fmla="*/ 0 w 124460"/>
+              <a:gd name="connsiteY0" fmla="*/ 0 h 218440"/>
+              <a:gd name="connsiteX1" fmla="*/ 0 w 124460"/>
+              <a:gd name="connsiteY1" fmla="*/ 218440 h 218440"/>
+              <a:gd name="connsiteX2" fmla="*/ 124460 w 124460"/>
+              <a:gd name="connsiteY2" fmla="*/ 218440 h 218440"/>
+            </a:gdLst>
+            <a:ahLst/>
+            <a:cxnLst>
+              <a:cxn ang="0">
+                <a:pos x="connsiteX0" y="connsiteY0"/>
+              </a:cxn>
+              <a:cxn ang="0">
+                <a:pos x="connsiteX1" y="connsiteY1"/>
+              </a:cxn>
+              <a:cxn ang="0">
+                <a:pos x="connsiteX2" y="connsiteY2"/>
+              </a:cxn>
+            </a:cxnLst>
+            <a:rect l="l" t="t" r="r" b="b"/>
+            <a:pathLst>
+              <a:path w="124460" h="218440">
+                <a:moveTo>
+                  <a:pt x="0" y="0"/>
+                </a:moveTo>
+                <a:lnTo>
+                  <a:pt x="0" y="218440"/>
+                </a:lnTo>
+                <a:lnTo>
+                  <a:pt x="124460" y="218440"/>
+                </a:lnTo>
+              </a:path>
+            </a:pathLst>
+          </a:custGeom>
+          <a:noFill/>
+          <a:ln w="19050">
+            <a:solidFill>
+              <a:srgbClr val="75BEFC"/>
+            </a:solidFill>
+            <a:prstDash val="sysDash"/>
+          </a:ln>
+        </p:spPr>
+        <p:style>
+          <a:lnRef idx="2">
+            <a:schemeClr val="accent1">
+              <a:shade val="15000"/>
+            </a:schemeClr>
+          </a:lnRef>
+          <a:fillRef idx="1">
+            <a:schemeClr val="accent1"/>
+          </a:fillRef>
+          <a:effectRef idx="0">
+            <a:schemeClr val="accent1"/>
+          </a:effectRef>
+          <a:fontRef idx="minor">
+            <a:schemeClr val="lt1"/>
+          </a:fontRef>
+        </p:style>
+        <p:txBody>
+          <a:bodyPr rtlCol="0" anchor="ctr"/>
+          <a:lstStyle/>
+          <a:p>
+            <a:pPr algn="ctr"/>
+            <a:endParaRPr lang="en-CA"/>
+          </a:p>
+        </p:txBody>
+      </p:sp>
+      <p:sp>
+        <p:nvSpPr>
+          <p:cNvPr id="62" name="Rectangle 61">
+            <a:extLst>
+              <a:ext uri="{FF2B5EF4-FFF2-40B4-BE49-F238E27FC236}">
+                <a16:creationId xmlns:a16="http://schemas.microsoft.com/office/drawing/2014/main" id="{BC9072AC-7625-E203-F542-97722B355FD8}"/>
+              </a:ext>
+            </a:extLst>
+          </p:cNvPr>
+          <p:cNvSpPr/>
+          <p:nvPr/>
+        </p:nvSpPr>
+        <p:spPr>
+          <a:xfrm>
+            <a:off x="2274049" y="1057300"/>
+            <a:ext cx="1214704" cy="864096"/>
+          </a:xfrm>
+          <a:prstGeom prst="rect">
+            <a:avLst/>
+          </a:prstGeom>
+          <a:solidFill>
+            <a:srgbClr val="A3B1B7">
+              <a:alpha val="9804"/>
+            </a:srgbClr>
+          </a:solidFill>
+          <a:ln w="12700">
+            <a:solidFill>
+              <a:srgbClr val="6D828B"/>
+            </a:solidFill>
+          </a:ln>
+        </p:spPr>
+        <p:style>
+          <a:lnRef idx="2">
+            <a:schemeClr val="accent1">
+              <a:shade val="50000"/>
+            </a:schemeClr>
+          </a:lnRef>
+          <a:fillRef idx="1">
+            <a:schemeClr val="accent1"/>
+          </a:fillRef>
+          <a:effectRef idx="0">
+            <a:schemeClr val="accent1"/>
+          </a:effectRef>
+          <a:fontRef idx="minor">
+            <a:schemeClr val="lt1"/>
+          </a:fontRef>
+        </p:style>
+        <p:txBody>
+          <a:bodyPr rtlCol="0" anchor="t" anchorCtr="0"/>
+          <a:lstStyle/>
+          <a:p>
+            <a:endParaRPr lang="de-DE" sz="1050" dirty="0">
+              <a:solidFill>
+                <a:srgbClr val="455157"/>
+              </a:solidFill>
+              <a:latin typeface="Arial Narrow" panose="020B0606020202030204" pitchFamily="34" charset="0"/>
+              <a:ea typeface="Open Sans Condensed" panose="020B0806030504020204" pitchFamily="34" charset="0"/>
+              <a:cs typeface="Open Sans Condensed" panose="020B0806030504020204" pitchFamily="34" charset="0"/>
+            </a:endParaRPr>
+          </a:p>
+        </p:txBody>
+      </p:sp>
+      <p:sp>
+        <p:nvSpPr>
+          <p:cNvPr id="63" name="TextBox 62">
+            <a:extLst>
+              <a:ext uri="{FF2B5EF4-FFF2-40B4-BE49-F238E27FC236}">
+                <a16:creationId xmlns:a16="http://schemas.microsoft.com/office/drawing/2014/main" id="{37C41FBB-3D90-9756-648F-FF61823C1530}"/>
+              </a:ext>
+            </a:extLst>
+          </p:cNvPr>
+          <p:cNvSpPr txBox="1"/>
+          <p:nvPr/>
+        </p:nvSpPr>
+        <p:spPr>
+          <a:xfrm>
+            <a:off x="2274050" y="880691"/>
+            <a:ext cx="957965" cy="172064"/>
+          </a:xfrm>
+          <a:prstGeom prst="rect">
+            <a:avLst/>
+          </a:prstGeom>
+          <a:solidFill>
+            <a:srgbClr val="6D828B"/>
+          </a:solidFill>
+          <a:ln w="12700">
+            <a:solidFill>
+              <a:srgbClr val="6D828B"/>
+            </a:solidFill>
+          </a:ln>
+        </p:spPr>
+        <p:txBody>
+          <a:bodyPr wrap="square" lIns="36000" tIns="0" rIns="54000" bIns="18000" rtlCol="0">
+            <a:spAutoFit/>
+          </a:bodyPr>
+          <a:lstStyle/>
+          <a:p>
+            <a:pPr algn="l"/>
+            <a:r>
+              <a:rPr lang="en-US" sz="1000" i="1">
+                <a:solidFill>
+                  <a:schemeClr val="bg1"/>
+                </a:solidFill>
+                <a:latin typeface="Arial Narrow" panose="020B0606020202030204" pitchFamily="34" charset="0"/>
+              </a:rPr>
+              <a:t>Inputs</a:t>
+            </a:r>
+            <a:endParaRPr lang="en-CA" sz="1000" i="1">
+              <a:solidFill>
+                <a:schemeClr val="bg1"/>
+              </a:solidFill>
+              <a:latin typeface="Arial Narrow" panose="020B0606020202030204" pitchFamily="34" charset="0"/>
+            </a:endParaRPr>
+          </a:p>
+        </p:txBody>
+      </p:sp>
+      <p:sp>
+        <p:nvSpPr>
+          <p:cNvPr id="64" name="Rectangle 63">
+            <a:extLst>
+              <a:ext uri="{FF2B5EF4-FFF2-40B4-BE49-F238E27FC236}">
+                <a16:creationId xmlns:a16="http://schemas.microsoft.com/office/drawing/2014/main" id="{54F0FD6B-E0DC-D0A1-C158-2DBD02E5DE47}"/>
+              </a:ext>
+            </a:extLst>
+          </p:cNvPr>
+          <p:cNvSpPr/>
+          <p:nvPr/>
+        </p:nvSpPr>
+        <p:spPr>
+          <a:xfrm>
+            <a:off x="2395618" y="1192288"/>
+            <a:ext cx="980674" cy="220999"/>
+          </a:xfrm>
+          <a:prstGeom prst="rect">
+            <a:avLst/>
+          </a:prstGeom>
+          <a:solidFill>
+            <a:schemeClr val="bg1"/>
+          </a:solidFill>
+          <a:ln w="19050">
+            <a:solidFill>
+              <a:srgbClr val="2194F6"/>
+            </a:solidFill>
+          </a:ln>
+        </p:spPr>
+        <p:style>
+          <a:lnRef idx="2">
+            <a:schemeClr val="accent1">
+              <a:shade val="50000"/>
+            </a:schemeClr>
+          </a:lnRef>
+          <a:fillRef idx="1">
+            <a:schemeClr val="accent1"/>
+          </a:fillRef>
+          <a:effectRef idx="0">
+            <a:schemeClr val="accent1"/>
+          </a:effectRef>
+          <a:fontRef idx="minor">
+            <a:schemeClr val="lt1"/>
+          </a:fontRef>
+        </p:style>
+        <p:txBody>
+          <a:bodyPr lIns="72000" tIns="0" rIns="0" bIns="0" rtlCol="0" anchor="ctr"/>
+          <a:lstStyle/>
+          <a:p>
+            <a:r>
+              <a:rPr lang="en-US" sz="1000" b="1">
+                <a:solidFill>
+                  <a:srgbClr val="1064AF"/>
+                </a:solidFill>
+                <a:latin typeface="Arial Narrow" panose="020B0606020202030204" pitchFamily="34" charset="0"/>
+                <a:ea typeface="Open Sans Condensed Light" panose="020B0306030504020204" pitchFamily="34" charset="0"/>
+                <a:cs typeface="Open Sans Condensed Light" panose="020B0306030504020204" pitchFamily="34" charset="0"/>
+              </a:rPr>
+              <a:t>File Inputs</a:t>
+            </a:r>
+            <a:endParaRPr lang="de-DE" sz="1000" b="1" dirty="0">
+              <a:solidFill>
+                <a:srgbClr val="1064AF"/>
+              </a:solidFill>
+              <a:latin typeface="Arial Narrow" panose="020B0606020202030204" pitchFamily="34" charset="0"/>
+              <a:ea typeface="Open Sans Condensed Light" panose="020B0306030504020204" pitchFamily="34" charset="0"/>
+              <a:cs typeface="Open Sans Condensed Light" panose="020B0306030504020204" pitchFamily="34" charset="0"/>
+            </a:endParaRPr>
+          </a:p>
+        </p:txBody>
+      </p:sp>
+      <p:sp>
+        <p:nvSpPr>
+          <p:cNvPr id="65" name="Rectangle 64">
+            <a:extLst>
+              <a:ext uri="{FF2B5EF4-FFF2-40B4-BE49-F238E27FC236}">
+                <a16:creationId xmlns:a16="http://schemas.microsoft.com/office/drawing/2014/main" id="{66661ECE-3F54-EB17-1DBB-079C4A32B908}"/>
+              </a:ext>
+            </a:extLst>
+          </p:cNvPr>
+          <p:cNvSpPr/>
+          <p:nvPr/>
+        </p:nvSpPr>
+        <p:spPr>
+          <a:xfrm>
+            <a:off x="2395618" y="1511050"/>
+            <a:ext cx="980674" cy="220999"/>
+          </a:xfrm>
+          <a:prstGeom prst="rect">
+            <a:avLst/>
+          </a:prstGeom>
+          <a:solidFill>
+            <a:schemeClr val="bg1"/>
+          </a:solidFill>
+          <a:ln w="19050">
+            <a:solidFill>
+              <a:srgbClr val="2194F6"/>
+            </a:solidFill>
+          </a:ln>
+        </p:spPr>
+        <p:style>
+          <a:lnRef idx="2">
+            <a:schemeClr val="accent1">
+              <a:shade val="50000"/>
+            </a:schemeClr>
+          </a:lnRef>
+          <a:fillRef idx="1">
+            <a:schemeClr val="accent1"/>
+          </a:fillRef>
+          <a:effectRef idx="0">
+            <a:schemeClr val="accent1"/>
+          </a:effectRef>
+          <a:fontRef idx="minor">
+            <a:schemeClr val="lt1"/>
+          </a:fontRef>
+        </p:style>
+        <p:txBody>
+          <a:bodyPr lIns="72000" tIns="0" rIns="0" bIns="0" rtlCol="0" anchor="ctr"/>
+          <a:lstStyle/>
+          <a:p>
+            <a:r>
+              <a:rPr lang="en-US" sz="1000" b="1">
+                <a:solidFill>
+                  <a:srgbClr val="1064AF"/>
+                </a:solidFill>
+                <a:latin typeface="Arial Narrow" panose="020B0606020202030204" pitchFamily="34" charset="0"/>
+                <a:ea typeface="Open Sans Condensed Light" panose="020B0306030504020204" pitchFamily="34" charset="0"/>
+                <a:cs typeface="Open Sans Condensed Light" panose="020B0306030504020204" pitchFamily="34" charset="0"/>
+              </a:rPr>
+              <a:t>Image Inputs</a:t>
+            </a:r>
+            <a:endParaRPr lang="de-DE" sz="1000" b="1" dirty="0">
+              <a:solidFill>
+                <a:srgbClr val="1064AF"/>
+              </a:solidFill>
+              <a:latin typeface="Arial Narrow" panose="020B0606020202030204" pitchFamily="34" charset="0"/>
+              <a:ea typeface="Open Sans Condensed Light" panose="020B0306030504020204" pitchFamily="34" charset="0"/>
+              <a:cs typeface="Open Sans Condensed Light" panose="020B0306030504020204" pitchFamily="34" charset="0"/>
+            </a:endParaRPr>
+          </a:p>
+        </p:txBody>
+      </p:sp>
+      <p:cxnSp>
+        <p:nvCxnSpPr>
+          <p:cNvPr id="67" name="Straight Arrow Connector 66">
+            <a:extLst>
+              <a:ext uri="{FF2B5EF4-FFF2-40B4-BE49-F238E27FC236}">
+                <a16:creationId xmlns:a16="http://schemas.microsoft.com/office/drawing/2014/main" id="{0AC391D6-86AD-19A0-0FF1-3AF2CF0FEA9E}"/>
+              </a:ext>
+            </a:extLst>
+          </p:cNvPr>
+          <p:cNvCxnSpPr>
+            <a:cxnSpLocks/>
+          </p:cNvCxnSpPr>
+          <p:nvPr/>
+        </p:nvCxnSpPr>
+        <p:spPr>
+          <a:xfrm>
+            <a:off x="1520226" y="1293644"/>
+            <a:ext cx="743740" cy="0"/>
+          </a:xfrm>
+          <a:prstGeom prst="straightConnector1">
+            <a:avLst/>
+          </a:prstGeom>
+          <a:ln w="19050">
+            <a:solidFill>
+              <a:srgbClr val="5C6D74"/>
+            </a:solidFill>
+            <a:tailEnd type="none"/>
+          </a:ln>
+        </p:spPr>
+        <p:style>
+          <a:lnRef idx="1">
+            <a:schemeClr val="accent1"/>
+          </a:lnRef>
+          <a:fillRef idx="0">
+            <a:schemeClr val="accent1"/>
+          </a:fillRef>
+          <a:effectRef idx="0">
+            <a:schemeClr val="accent1"/>
+          </a:effectRef>
+          <a:fontRef idx="minor">
+            <a:schemeClr val="tx1"/>
+          </a:fontRef>
+        </p:style>
+      </p:cxnSp>
+      <p:sp>
+        <p:nvSpPr>
+          <p:cNvPr id="70" name="Freeform: Shape 69">
+            <a:extLst>
+              <a:ext uri="{FF2B5EF4-FFF2-40B4-BE49-F238E27FC236}">
+                <a16:creationId xmlns:a16="http://schemas.microsoft.com/office/drawing/2014/main" id="{A9D56B7B-1E46-AB6D-8582-2567695ABA8A}"/>
+              </a:ext>
+            </a:extLst>
+          </p:cNvPr>
+          <p:cNvSpPr/>
+          <p:nvPr/>
+        </p:nvSpPr>
+        <p:spPr>
+          <a:xfrm>
+            <a:off x="1867358" y="1299990"/>
+            <a:ext cx="413133" cy="1272450"/>
+          </a:xfrm>
+          <a:custGeom>
+            <a:avLst/>
+            <a:gdLst>
+              <a:gd name="connsiteX0" fmla="*/ 0 w 115677"/>
+              <a:gd name="connsiteY0" fmla="*/ 0 h 1371600"/>
+              <a:gd name="connsiteX1" fmla="*/ 0 w 115677"/>
+              <a:gd name="connsiteY1" fmla="*/ 1371600 h 1371600"/>
+              <a:gd name="connsiteX2" fmla="*/ 115677 w 115677"/>
+              <a:gd name="connsiteY2" fmla="*/ 1371600 h 1371600"/>
+            </a:gdLst>
+            <a:ahLst/>
+            <a:cxnLst>
+              <a:cxn ang="0">
+                <a:pos x="connsiteX0" y="connsiteY0"/>
+              </a:cxn>
+              <a:cxn ang="0">
+                <a:pos x="connsiteX1" y="connsiteY1"/>
+              </a:cxn>
+              <a:cxn ang="0">
+                <a:pos x="connsiteX2" y="connsiteY2"/>
+              </a:cxn>
+            </a:cxnLst>
+            <a:rect l="l" t="t" r="r" b="b"/>
+            <a:pathLst>
+              <a:path w="115677" h="1371600">
+                <a:moveTo>
+                  <a:pt x="0" y="0"/>
+                </a:moveTo>
+                <a:lnTo>
+                  <a:pt x="0" y="1371600"/>
+                </a:lnTo>
+                <a:lnTo>
+                  <a:pt x="115677" y="1371600"/>
+                </a:lnTo>
+              </a:path>
+            </a:pathLst>
+          </a:custGeom>
+          <a:ln w="19050">
+            <a:solidFill>
+              <a:srgbClr val="5C6D74"/>
+            </a:solidFill>
+            <a:tailEnd type="none"/>
+          </a:ln>
+        </p:spPr>
+        <p:style>
+          <a:lnRef idx="1">
+            <a:schemeClr val="accent1"/>
+          </a:lnRef>
+          <a:fillRef idx="0">
+            <a:schemeClr val="accent1"/>
+          </a:fillRef>
+          <a:effectRef idx="0">
+            <a:schemeClr val="accent1"/>
+          </a:effectRef>
+          <a:fontRef idx="minor">
+            <a:schemeClr val="tx1"/>
+          </a:fontRef>
+        </p:style>
+        <p:txBody>
+          <a:bodyPr rtlCol="0" anchor="ctr"/>
+          <a:lstStyle/>
+          <a:p>
+            <a:pPr algn="ctr"/>
+            <a:endParaRPr lang="en-CA"/>
+          </a:p>
+        </p:txBody>
+      </p:sp>
+      <p:sp>
+        <p:nvSpPr>
+          <p:cNvPr id="75" name="Freeform: Shape 74">
+            <a:extLst>
+              <a:ext uri="{FF2B5EF4-FFF2-40B4-BE49-F238E27FC236}">
+                <a16:creationId xmlns:a16="http://schemas.microsoft.com/office/drawing/2014/main" id="{AF3EA296-2293-F048-E99D-0560C0D624BF}"/>
+              </a:ext>
+            </a:extLst>
+          </p:cNvPr>
+          <p:cNvSpPr/>
+          <p:nvPr/>
+        </p:nvSpPr>
+        <p:spPr>
+          <a:xfrm>
+            <a:off x="1867145" y="1601560"/>
+            <a:ext cx="402330" cy="2552084"/>
+          </a:xfrm>
+          <a:custGeom>
+            <a:avLst/>
+            <a:gdLst>
+              <a:gd name="connsiteX0" fmla="*/ 0 w 115677"/>
+              <a:gd name="connsiteY0" fmla="*/ 0 h 1371600"/>
+              <a:gd name="connsiteX1" fmla="*/ 0 w 115677"/>
+              <a:gd name="connsiteY1" fmla="*/ 1371600 h 1371600"/>
+              <a:gd name="connsiteX2" fmla="*/ 115677 w 115677"/>
+              <a:gd name="connsiteY2" fmla="*/ 1371600 h 1371600"/>
+            </a:gdLst>
+            <a:ahLst/>
+            <a:cxnLst>
+              <a:cxn ang="0">
+                <a:pos x="connsiteX0" y="connsiteY0"/>
+              </a:cxn>
+              <a:cxn ang="0">
+                <a:pos x="connsiteX1" y="connsiteY1"/>
+              </a:cxn>
+              <a:cxn ang="0">
+                <a:pos x="connsiteX2" y="connsiteY2"/>
+              </a:cxn>
+            </a:cxnLst>
+            <a:rect l="l" t="t" r="r" b="b"/>
+            <a:pathLst>
+              <a:path w="115677" h="1371600">
+                <a:moveTo>
+                  <a:pt x="0" y="0"/>
+                </a:moveTo>
+                <a:lnTo>
+                  <a:pt x="0" y="1371600"/>
+                </a:lnTo>
+                <a:lnTo>
+                  <a:pt x="115677" y="1371600"/>
+                </a:lnTo>
+              </a:path>
+            </a:pathLst>
+          </a:custGeom>
+          <a:ln w="19050">
+            <a:solidFill>
+              <a:srgbClr val="5C6D74"/>
+            </a:solidFill>
+            <a:tailEnd type="none"/>
+          </a:ln>
+        </p:spPr>
+        <p:style>
+          <a:lnRef idx="1">
+            <a:schemeClr val="accent1"/>
+          </a:lnRef>
+          <a:fillRef idx="0">
+            <a:schemeClr val="accent1"/>
+          </a:fillRef>
+          <a:effectRef idx="0">
+            <a:schemeClr val="accent1"/>
+          </a:effectRef>
+          <a:fontRef idx="minor">
+            <a:schemeClr val="tx1"/>
+          </a:fontRef>
+        </p:style>
+        <p:txBody>
+          <a:bodyPr rtlCol="0" anchor="ctr"/>
+          <a:lstStyle/>
+          <a:p>
+            <a:pPr algn="ctr"/>
+            <a:endParaRPr lang="en-CA"/>
+          </a:p>
+        </p:txBody>
+      </p:sp>
+      <p:sp>
+        <p:nvSpPr>
+          <p:cNvPr id="77" name="Freeform: Shape 76">
+            <a:extLst>
+              <a:ext uri="{FF2B5EF4-FFF2-40B4-BE49-F238E27FC236}">
+                <a16:creationId xmlns:a16="http://schemas.microsoft.com/office/drawing/2014/main" id="{CA564537-FF53-D22E-BAE5-31EDE1BED890}"/>
+              </a:ext>
+            </a:extLst>
+          </p:cNvPr>
+          <p:cNvSpPr/>
+          <p:nvPr/>
+        </p:nvSpPr>
+        <p:spPr>
+          <a:xfrm>
+            <a:off x="4484111" y="1918335"/>
+            <a:ext cx="710341" cy="626562"/>
+          </a:xfrm>
+          <a:custGeom>
+            <a:avLst/>
+            <a:gdLst>
+              <a:gd name="connsiteX0" fmla="*/ 0 w 426720"/>
+              <a:gd name="connsiteY0" fmla="*/ 822960 h 822960"/>
+              <a:gd name="connsiteX1" fmla="*/ 208280 w 426720"/>
+              <a:gd name="connsiteY1" fmla="*/ 822960 h 822960"/>
+              <a:gd name="connsiteX2" fmla="*/ 208280 w 426720"/>
+              <a:gd name="connsiteY2" fmla="*/ 0 h 822960"/>
+              <a:gd name="connsiteX3" fmla="*/ 426720 w 426720"/>
+              <a:gd name="connsiteY3" fmla="*/ 0 h 822960"/>
+            </a:gdLst>
+            <a:ahLst/>
+            <a:cxnLst>
+              <a:cxn ang="0">
+                <a:pos x="connsiteX0" y="connsiteY0"/>
+              </a:cxn>
+              <a:cxn ang="0">
+                <a:pos x="connsiteX1" y="connsiteY1"/>
+              </a:cxn>
+              <a:cxn ang="0">
+                <a:pos x="connsiteX2" y="connsiteY2"/>
+              </a:cxn>
+              <a:cxn ang="0">
+                <a:pos x="connsiteX3" y="connsiteY3"/>
+              </a:cxn>
+            </a:cxnLst>
+            <a:rect l="l" t="t" r="r" b="b"/>
+            <a:pathLst>
+              <a:path w="426720" h="822960">
+                <a:moveTo>
+                  <a:pt x="0" y="822960"/>
+                </a:moveTo>
+                <a:lnTo>
+                  <a:pt x="208280" y="822960"/>
+                </a:lnTo>
+                <a:lnTo>
+                  <a:pt x="208280" y="0"/>
+                </a:lnTo>
+                <a:lnTo>
+                  <a:pt x="426720" y="0"/>
+                </a:lnTo>
+              </a:path>
+            </a:pathLst>
+          </a:custGeom>
+          <a:ln w="19050">
+            <a:solidFill>
+              <a:srgbClr val="5C6D74"/>
+            </a:solidFill>
+            <a:tailEnd type="none"/>
+          </a:ln>
+        </p:spPr>
+        <p:style>
+          <a:lnRef idx="1">
+            <a:schemeClr val="accent1"/>
+          </a:lnRef>
+          <a:fillRef idx="0">
+            <a:schemeClr val="accent1"/>
+          </a:fillRef>
+          <a:effectRef idx="0">
+            <a:schemeClr val="accent1"/>
+          </a:effectRef>
+          <a:fontRef idx="minor">
+            <a:schemeClr val="tx1"/>
+          </a:fontRef>
+        </p:style>
+        <p:txBody>
+          <a:bodyPr rtlCol="0" anchor="ctr"/>
+          <a:lstStyle/>
+          <a:p>
+            <a:pPr algn="ctr"/>
+            <a:endParaRPr lang="en-CA"/>
+          </a:p>
+        </p:txBody>
+      </p:sp>
+      <p:cxnSp>
+        <p:nvCxnSpPr>
+          <p:cNvPr id="79" name="Straight Arrow Connector 78">
+            <a:extLst>
+              <a:ext uri="{FF2B5EF4-FFF2-40B4-BE49-F238E27FC236}">
+                <a16:creationId xmlns:a16="http://schemas.microsoft.com/office/drawing/2014/main" id="{14211B1E-3C94-F5FC-973B-0FE44C524FC9}"/>
+              </a:ext>
+            </a:extLst>
+          </p:cNvPr>
+          <p:cNvCxnSpPr>
+            <a:cxnSpLocks/>
+          </p:cNvCxnSpPr>
+          <p:nvPr/>
+        </p:nvCxnSpPr>
+        <p:spPr>
+          <a:xfrm>
+            <a:off x="5259472" y="2036131"/>
+            <a:ext cx="0" cy="1863840"/>
+          </a:xfrm>
+          <a:prstGeom prst="straightConnector1">
+            <a:avLst/>
+          </a:prstGeom>
+          <a:ln w="19050">
+            <a:solidFill>
+              <a:srgbClr val="5C6D74"/>
+            </a:solidFill>
+            <a:tailEnd type="none"/>
+          </a:ln>
+        </p:spPr>
+        <p:style>
+          <a:lnRef idx="1">
+            <a:schemeClr val="accent1"/>
+          </a:lnRef>
+          <a:fillRef idx="0">
+            <a:schemeClr val="accent1"/>
+          </a:fillRef>
+          <a:effectRef idx="0">
+            <a:schemeClr val="accent1"/>
+          </a:effectRef>
+          <a:fontRef idx="minor">
+            <a:schemeClr val="tx1"/>
+          </a:fontRef>
+        </p:style>
+      </p:cxnSp>
+      <p:cxnSp>
+        <p:nvCxnSpPr>
+          <p:cNvPr id="84" name="Straight Arrow Connector 83">
+            <a:extLst>
+              <a:ext uri="{FF2B5EF4-FFF2-40B4-BE49-F238E27FC236}">
+                <a16:creationId xmlns:a16="http://schemas.microsoft.com/office/drawing/2014/main" id="{853E24AD-AEAB-FF55-69A3-7CAFBC2B2C18}"/>
+              </a:ext>
+            </a:extLst>
+          </p:cNvPr>
+          <p:cNvCxnSpPr>
+            <a:cxnSpLocks/>
+          </p:cNvCxnSpPr>
+          <p:nvPr/>
+        </p:nvCxnSpPr>
+        <p:spPr>
+          <a:xfrm>
+            <a:off x="3492347" y="1293644"/>
+            <a:ext cx="1702105" cy="0"/>
+          </a:xfrm>
+          <a:prstGeom prst="straightConnector1">
+            <a:avLst/>
+          </a:prstGeom>
+          <a:ln w="19050">
+            <a:solidFill>
+              <a:srgbClr val="5C6D74"/>
+            </a:solidFill>
+            <a:tailEnd type="none"/>
+          </a:ln>
+        </p:spPr>
+        <p:style>
+          <a:lnRef idx="1">
+            <a:schemeClr val="accent1"/>
+          </a:lnRef>
+          <a:fillRef idx="0">
+            <a:schemeClr val="accent1"/>
+          </a:fillRef>
+          <a:effectRef idx="0">
+            <a:schemeClr val="accent1"/>
+          </a:effectRef>
+          <a:fontRef idx="minor">
+            <a:schemeClr val="tx1"/>
+          </a:fontRef>
+        </p:style>
+      </p:cxnSp>
+    </p:spTree>
+    <p:extLst>
+      <p:ext uri="{BB962C8B-B14F-4D97-AF65-F5344CB8AC3E}">
+        <p14:creationId xmlns:p14="http://schemas.microsoft.com/office/powerpoint/2010/main" val="1179452984"/>
+      </p:ext>
+    </p:extLst>
+  </p:cSld>
+  <p:clrMapOvr>
+    <a:masterClrMapping/>
+  </p:clrMapOvr>
+</p:sld>
+</file>
+
+<file path=ppt/slides/slide3.xml><?xml version="1.0" encoding="utf-8"?>
+<p:sld xmlns:a="http://schemas.openxmlformats.org/drawingml/2006/main" xmlns:r="http://schemas.openxmlformats.org/officeDocument/2006/relationships" xmlns:p="http://schemas.openxmlformats.org/presentationml/2006/main">
+  <p:cSld>
+    <p:spTree>
+      <p:nvGrpSpPr>
+        <p:cNvPr id="1" name=""/>
+        <p:cNvGrpSpPr/>
+        <p:nvPr/>
+      </p:nvGrpSpPr>
+      <p:grpSpPr>
+        <a:xfrm>
+          <a:off x="0" y="0"/>
+          <a:ext cx="0" cy="0"/>
+          <a:chOff x="0" y="0"/>
+          <a:chExt cx="0" cy="0"/>
+        </a:xfrm>
+      </p:grpSpPr>
+      <p:sp>
+        <p:nvSpPr>
+          <p:cNvPr id="4" name="Title 3">
+            <a:extLst>
+              <a:ext uri="{FF2B5EF4-FFF2-40B4-BE49-F238E27FC236}">
+                <a16:creationId xmlns:a16="http://schemas.microsoft.com/office/drawing/2014/main" id="{E4C9B31E-C0C7-425E-8F8E-9B8CC2A60F0A}"/>
+              </a:ext>
+            </a:extLst>
+          </p:cNvPr>
+          <p:cNvSpPr>
+            <a:spLocks noGrp="1"/>
+          </p:cNvSpPr>
+          <p:nvPr>
+            <p:ph type="title"/>
+          </p:nvPr>
+        </p:nvSpPr>
+        <p:spPr/>
+        <p:txBody>
+          <a:bodyPr/>
+          <a:lstStyle/>
+          <a:p>
+            <a:r>
+              <a:rPr lang="en-US"/>
+              <a:t>Definitions</a:t>
+            </a:r>
+            <a:endParaRPr lang="en-CA"/>
+          </a:p>
+        </p:txBody>
+      </p:sp>
+      <p:sp>
+        <p:nvSpPr>
+          <p:cNvPr id="5" name="Content Placeholder 4">
+            <a:extLst>
+              <a:ext uri="{FF2B5EF4-FFF2-40B4-BE49-F238E27FC236}">
+                <a16:creationId xmlns:a16="http://schemas.microsoft.com/office/drawing/2014/main" id="{F01F01B0-8FAA-AEE1-293F-2E4C0AB40283}"/>
+              </a:ext>
+            </a:extLst>
+          </p:cNvPr>
+          <p:cNvSpPr>
+            <a:spLocks noGrp="1"/>
+          </p:cNvSpPr>
+          <p:nvPr>
+            <p:ph idx="1"/>
+          </p:nvPr>
+        </p:nvSpPr>
+        <p:spPr/>
+        <p:txBody>
+          <a:bodyPr/>
+          <a:lstStyle/>
+          <a:p>
+            <a:r>
+              <a:rPr lang="en-US" sz="1400"/>
+              <a:t>File Object</a:t>
+            </a:r>
+          </a:p>
+          <a:p>
+            <a:pPr lvl="1"/>
+            <a:r>
+              <a:rPr lang="en-US" sz="1200"/>
+              <a:t>resource that represents a file uploaded and stored on OpenAI’s servers, typically used for fine-tuning, batch processing, or managing persistent inputs (e.g., for retrieval-based systems).</a:t>
+            </a:r>
+          </a:p>
+          <a:p>
+            <a:r>
+              <a:rPr lang="en-US" sz="1400"/>
+              <a:t>Vector Store</a:t>
+            </a:r>
+          </a:p>
+          <a:p>
+            <a:pPr lvl="1"/>
+            <a:r>
+              <a:rPr lang="en-US" sz="1200"/>
+              <a:t>database-like structure that stores text data (or other media) in </a:t>
+            </a:r>
+            <a:r>
+              <a:rPr lang="en-US" sz="1200" b="1"/>
+              <a:t>vectorized form</a:t>
+            </a:r>
+            <a:r>
+              <a:rPr lang="en-US" sz="1200"/>
+              <a:t>, enabling </a:t>
+            </a:r>
+            <a:r>
+              <a:rPr lang="en-US" sz="1200" b="1"/>
+              <a:t>semantic search</a:t>
+            </a:r>
+            <a:r>
+              <a:rPr lang="en-US" sz="1200"/>
+              <a:t>. In the context of the OpenAI ecosystem, it's often used to support </a:t>
+            </a:r>
+            <a:r>
+              <a:rPr lang="en-US" sz="1200" b="1"/>
+              <a:t>Retrieval-Augmented Generation (RAG)</a:t>
+            </a:r>
+            <a:r>
+              <a:rPr lang="en-US" sz="1200"/>
+              <a:t> through embeddings.</a:t>
+            </a:r>
+          </a:p>
+          <a:p>
+            <a:pPr lvl="1"/>
+            <a:r>
+              <a:rPr lang="en-US" sz="1200"/>
+              <a:t>does NOT support videos, images and XLSX files as of 2025-07</a:t>
+            </a:r>
+          </a:p>
+          <a:p>
+            <a:pPr lvl="1"/>
+            <a:r>
+              <a:rPr lang="en-US" sz="1200"/>
+              <a:t>stores vectorized content in </a:t>
+            </a:r>
+            <a:r>
+              <a:rPr lang="en-US" sz="1200" b="1"/>
+              <a:t>chunks</a:t>
+            </a:r>
+            <a:r>
+              <a:rPr lang="en-US" sz="1200"/>
+              <a:t> with up to 8'192 tokens and a </a:t>
+            </a:r>
+            <a:r>
+              <a:rPr lang="en-US" sz="1200" b="1"/>
+              <a:t>chunk overlap</a:t>
+            </a:r>
+            <a:r>
+              <a:rPr lang="en-US" sz="1200"/>
+              <a:t> in tokens (typically 15%-20% of the chunk size)</a:t>
+            </a:r>
+          </a:p>
+          <a:p>
+            <a:r>
+              <a:rPr lang="en-US" sz="1400"/>
+              <a:t>Embedding Model</a:t>
+            </a:r>
+          </a:p>
+          <a:p>
+            <a:pPr lvl="1"/>
+            <a:r>
+              <a:rPr lang="en-US" sz="1200"/>
+              <a:t>machine learning model that transforms data (usually text) into high-dimensional numerical vectors, known as embeddings. These embeddings capture the semantic meaning of the input so that similar concepts are mapped to similar points in vector space.</a:t>
+            </a:r>
+          </a:p>
+          <a:p>
+            <a:pPr marL="0" indent="0">
+              <a:buNone/>
+            </a:pPr>
+            <a:endParaRPr lang="en-CA" sz="1400"/>
+          </a:p>
+        </p:txBody>
+      </p:sp>
+      <p:sp>
+        <p:nvSpPr>
+          <p:cNvPr id="6" name="Content Placeholder 5">
+            <a:extLst>
+              <a:ext uri="{FF2B5EF4-FFF2-40B4-BE49-F238E27FC236}">
+                <a16:creationId xmlns:a16="http://schemas.microsoft.com/office/drawing/2014/main" id="{2D8844F7-0D02-6ED8-769F-ADDEA384C8DD}"/>
+              </a:ext>
+            </a:extLst>
+          </p:cNvPr>
+          <p:cNvSpPr>
+            <a:spLocks noGrp="1"/>
+          </p:cNvSpPr>
+          <p:nvPr>
+            <p:ph idx="10"/>
+          </p:nvPr>
+        </p:nvSpPr>
+        <p:spPr/>
+        <p:txBody>
+          <a:bodyPr/>
+          <a:lstStyle/>
+          <a:p>
+            <a:r>
+              <a:rPr lang="en-US" sz="1400"/>
+              <a:t>Vector Search</a:t>
+            </a:r>
+          </a:p>
+          <a:p>
+            <a:pPr lvl="1"/>
+            <a:r>
+              <a:rPr lang="en-US" sz="1200"/>
+              <a:t>technique used to find similar items by comparing their vector representations in a </a:t>
+            </a:r>
+            <a:r>
+              <a:rPr lang="en-US" sz="1200" b="1"/>
+              <a:t>high-dimensional embedding space</a:t>
+            </a:r>
+            <a:r>
+              <a:rPr lang="en-US" sz="1200"/>
+              <a:t>.</a:t>
+            </a:r>
+          </a:p>
+          <a:p>
+            <a:pPr lvl="1"/>
+            <a:r>
+              <a:rPr lang="en-US" sz="1200"/>
+              <a:t>uses similarity (e.g. </a:t>
+            </a:r>
+            <a:r>
+              <a:rPr lang="en-US" sz="1200" b="1"/>
+              <a:t>cosine similarity</a:t>
+            </a:r>
+            <a:r>
+              <a:rPr lang="en-US" sz="1200"/>
+              <a:t>) between the query vector and the stored vectors.</a:t>
+            </a:r>
+          </a:p>
+          <a:p>
+            <a:r>
+              <a:rPr lang="en-CA" sz="1400"/>
+              <a:t>Response</a:t>
+            </a:r>
+          </a:p>
+          <a:p>
+            <a:pPr lvl="1"/>
+            <a:r>
+              <a:rPr lang="en-US" sz="1200"/>
+              <a:t>is a self-contained output object generated by the OpenAI Responses API. It encapsulates the model’s reply to a given input, along with optional tool usage, file references, and context linkage to previous responses.</a:t>
+            </a:r>
+          </a:p>
+          <a:p>
+            <a:r>
+              <a:rPr lang="en-US" sz="1400"/>
+              <a:t>Assistant (deprecated)</a:t>
+            </a:r>
+          </a:p>
+          <a:p>
+            <a:pPr lvl="1"/>
+            <a:r>
+              <a:rPr lang="en-US" sz="1200"/>
+              <a:t>programmable AI agent created using the OpenAI Assistants API. It is designed to carry on multi-turn conversations, remember instructions, access tools (retrieval, code interpreter, web search), and act like a modular chatbot or agent capable of advanced reasoning and retrieval.</a:t>
+            </a:r>
+          </a:p>
+          <a:p>
+            <a:pPr lvl="1"/>
+            <a:r>
+              <a:rPr lang="en-CA" sz="1200"/>
+              <a:t>Can use 2 vector stores: 1) Global vector store for RAG operations, 2) User vector store to embed files uploaded by the user into the conversation</a:t>
+            </a:r>
+          </a:p>
+        </p:txBody>
+      </p:sp>
+      <p:sp>
+        <p:nvSpPr>
+          <p:cNvPr id="7" name="Content Placeholder 6">
+            <a:extLst>
+              <a:ext uri="{FF2B5EF4-FFF2-40B4-BE49-F238E27FC236}">
+                <a16:creationId xmlns:a16="http://schemas.microsoft.com/office/drawing/2014/main" id="{CA34435B-FCD4-6A12-CA52-68A24D5C9A66}"/>
+              </a:ext>
+            </a:extLst>
+          </p:cNvPr>
+          <p:cNvSpPr>
+            <a:spLocks noGrp="1"/>
+          </p:cNvSpPr>
+          <p:nvPr>
+            <p:ph idx="11"/>
+          </p:nvPr>
+        </p:nvSpPr>
+        <p:spPr/>
+        <p:txBody>
+          <a:bodyPr/>
+          <a:lstStyle/>
+          <a:p>
+            <a:r>
+              <a:rPr lang="en-CA" sz="1400"/>
+              <a:t>Tool</a:t>
+            </a:r>
+          </a:p>
+          <a:p>
+            <a:pPr lvl="1"/>
+            <a:r>
+              <a:rPr lang="en-US" sz="1200"/>
+              <a:t>external or built-in capability that an AI model can invoke during a conversation to extend its functionality beyond pure text generation.</a:t>
+            </a:r>
+          </a:p>
+          <a:p>
+            <a:pPr lvl="1"/>
+            <a:r>
+              <a:rPr lang="en-CA" sz="1200"/>
+              <a:t>File / web search, code execution, computer use, function calling, local shell, ...</a:t>
+            </a:r>
+          </a:p>
+          <a:p>
+            <a:r>
+              <a:rPr lang="en-US" sz="1400"/>
+              <a:t>Context Window</a:t>
+            </a:r>
+          </a:p>
+          <a:p>
+            <a:pPr lvl="1"/>
+            <a:r>
+              <a:rPr lang="en-US" sz="1200"/>
+              <a:t>all the information the model has access to at the time of generating a response</a:t>
+            </a:r>
+          </a:p>
+          <a:p>
+            <a:pPr lvl="1"/>
+            <a:r>
+              <a:rPr lang="en-US" sz="1200"/>
+              <a:t>Prompt history, system instructions, tool outputs, uploaded / retrieved files, embedded knowledge (pictures, audio, text), metadata, memory</a:t>
+            </a:r>
+            <a:endParaRPr lang="en-CA"/>
+          </a:p>
+          <a:p>
+            <a:pPr lvl="1"/>
+            <a:r>
+              <a:rPr lang="en-CA" sz="1200"/>
+              <a:t>Context window size: gpt-3.5-turbo 16k tokens, gpt-4 128k, gpt-4.1 1M</a:t>
+            </a:r>
+          </a:p>
+          <a:p>
+            <a:r>
+              <a:rPr lang="en-CA" sz="1400"/>
+              <a:t>Evaluation</a:t>
+            </a:r>
+          </a:p>
+          <a:p>
+            <a:pPr lvl="1"/>
+            <a:r>
+              <a:rPr lang="en-US" sz="1200"/>
+              <a:t>tools and workflows that allow you to measure and compare the performance of models, assistants, or responses</a:t>
+            </a:r>
+            <a:r>
+              <a:rPr lang="en-CA" sz="1200"/>
+              <a:t>.</a:t>
+            </a:r>
+            <a:endParaRPr lang="en-US" sz="1200"/>
+          </a:p>
+        </p:txBody>
+      </p:sp>
+    </p:spTree>
+    <p:extLst>
+      <p:ext uri="{BB962C8B-B14F-4D97-AF65-F5344CB8AC3E}">
+        <p14:creationId xmlns:p14="http://schemas.microsoft.com/office/powerpoint/2010/main" val="518501500"/>
+      </p:ext>
+    </p:extLst>
+  </p:cSld>
+  <p:clrMapOvr>
+    <a:masterClrMapping/>
+  </p:clrMapOvr>
+</p:sld>
+</file>
+
+<file path=ppt/slides/slide4.xml><?xml version="1.0" encoding="utf-8"?>
 <p:sld xmlns:a="http://schemas.openxmlformats.org/drawingml/2006/main" xmlns:r="http://schemas.openxmlformats.org/officeDocument/2006/relationships" xmlns:p="http://schemas.openxmlformats.org/presentationml/2006/main">
   <p:cSld>
     <p:spTree>
@@ -18698,7 +23846,7 @@
 </p:sld>
 </file>
 
-<file path=ppt/slides/slide3.xml><?xml version="1.0" encoding="utf-8"?>
+<file path=ppt/slides/slide5.xml><?xml version="1.0" encoding="utf-8"?>
 <p:sld xmlns:a="http://schemas.openxmlformats.org/drawingml/2006/main" xmlns:r="http://schemas.openxmlformats.org/officeDocument/2006/relationships" xmlns:p="http://schemas.openxmlformats.org/presentationml/2006/main">
   <p:cSld>
     <p:spTree>
@@ -18758,7 +23906,7 @@
         </p:nvSpPr>
         <p:spPr>
           <a:xfrm>
-            <a:off x="251520" y="1514522"/>
+            <a:off x="251520" y="1665957"/>
             <a:ext cx="5184576" cy="1080120"/>
           </a:xfrm>
           <a:prstGeom prst="rect">
@@ -18820,7 +23968,7 @@
         </p:nvSpPr>
         <p:spPr>
           <a:xfrm>
-            <a:off x="251521" y="1337913"/>
+            <a:off x="251521" y="1489348"/>
             <a:ext cx="360039" cy="172064"/>
           </a:xfrm>
           <a:prstGeom prst="rect">
@@ -18874,7 +24022,7 @@
         </p:nvSpPr>
         <p:spPr>
           <a:xfrm>
-            <a:off x="350966" y="1836994"/>
+            <a:off x="350966" y="1988429"/>
             <a:ext cx="530986" cy="180000"/>
           </a:xfrm>
           <a:prstGeom prst="rect">
@@ -18945,7 +24093,7 @@
         </p:nvSpPr>
         <p:spPr>
           <a:xfrm>
-            <a:off x="350966" y="2071152"/>
+            <a:off x="350966" y="2222587"/>
             <a:ext cx="530986" cy="180000"/>
           </a:xfrm>
           <a:prstGeom prst="rect">
@@ -19016,7 +24164,7 @@
         </p:nvSpPr>
         <p:spPr>
           <a:xfrm>
-            <a:off x="881952" y="1836994"/>
+            <a:off x="881952" y="1988429"/>
             <a:ext cx="1629254" cy="180000"/>
           </a:xfrm>
           <a:prstGeom prst="rect">
@@ -19087,7 +24235,7 @@
         </p:nvSpPr>
         <p:spPr>
           <a:xfrm>
-            <a:off x="395429" y="1669415"/>
+            <a:off x="395429" y="1820850"/>
             <a:ext cx="318998" cy="123111"/>
           </a:xfrm>
           <a:prstGeom prst="rect">
@@ -19139,7 +24287,7 @@
         </p:nvSpPr>
         <p:spPr>
           <a:xfrm>
-            <a:off x="923291" y="1669415"/>
+            <a:off x="923291" y="1820850"/>
             <a:ext cx="65724" cy="123111"/>
           </a:xfrm>
           <a:prstGeom prst="rect">
@@ -19191,7 +24339,7 @@
         </p:nvSpPr>
         <p:spPr>
           <a:xfrm>
-            <a:off x="2547538" y="1669415"/>
+            <a:off x="2547538" y="1820850"/>
             <a:ext cx="200376" cy="123111"/>
           </a:xfrm>
           <a:prstGeom prst="rect">
@@ -19243,7 +24391,7 @@
         </p:nvSpPr>
         <p:spPr>
           <a:xfrm>
-            <a:off x="2511206" y="1836994"/>
+            <a:off x="2511206" y="1988429"/>
             <a:ext cx="360040" cy="180000"/>
           </a:xfrm>
           <a:prstGeom prst="rect">
@@ -19314,7 +24462,7 @@
         </p:nvSpPr>
         <p:spPr>
           <a:xfrm>
-            <a:off x="2871246" y="1836994"/>
+            <a:off x="2871246" y="1988429"/>
             <a:ext cx="576064" cy="180000"/>
           </a:xfrm>
           <a:prstGeom prst="rect">
@@ -19385,7 +24533,7 @@
         </p:nvSpPr>
         <p:spPr>
           <a:xfrm>
-            <a:off x="2943254" y="1669415"/>
+            <a:off x="2943254" y="1820850"/>
             <a:ext cx="395942" cy="123111"/>
           </a:xfrm>
           <a:prstGeom prst="rect">
@@ -19437,7 +24585,7 @@
         </p:nvSpPr>
         <p:spPr>
           <a:xfrm>
-            <a:off x="3447310" y="1836994"/>
+            <a:off x="3447310" y="1988429"/>
             <a:ext cx="576064" cy="180000"/>
           </a:xfrm>
           <a:prstGeom prst="rect">
@@ -19497,7 +24645,7 @@
         </p:nvSpPr>
         <p:spPr>
           <a:xfrm>
-            <a:off x="3522524" y="1669415"/>
+            <a:off x="3522524" y="1820850"/>
             <a:ext cx="386324" cy="123111"/>
           </a:xfrm>
           <a:prstGeom prst="rect">
@@ -19557,7 +24705,7 @@
         </p:blipFill>
         <p:spPr>
           <a:xfrm>
-            <a:off x="5762905" y="2744381"/>
+            <a:off x="5762905" y="2895816"/>
             <a:ext cx="2825764" cy="2070467"/>
           </a:xfrm>
           <a:prstGeom prst="rect">
@@ -19579,7 +24727,7 @@
         </p:nvSpPr>
         <p:spPr>
           <a:xfrm>
-            <a:off x="4023374" y="1836994"/>
+            <a:off x="4023374" y="1988429"/>
             <a:ext cx="436171" cy="180000"/>
           </a:xfrm>
           <a:prstGeom prst="rect">
@@ -19650,7 +24798,7 @@
         </p:nvSpPr>
         <p:spPr>
           <a:xfrm>
-            <a:off x="4052099" y="1669415"/>
+            <a:off x="4052099" y="1820850"/>
             <a:ext cx="301365" cy="123111"/>
           </a:xfrm>
           <a:prstGeom prst="rect">
@@ -19702,7 +24850,7 @@
         </p:nvSpPr>
         <p:spPr>
           <a:xfrm>
-            <a:off x="4459545" y="1836994"/>
+            <a:off x="4459545" y="1988429"/>
             <a:ext cx="503552" cy="180000"/>
           </a:xfrm>
           <a:prstGeom prst="rect">
@@ -19773,7 +24921,7 @@
         </p:nvSpPr>
         <p:spPr>
           <a:xfrm>
-            <a:off x="4488270" y="1669415"/>
+            <a:off x="4488270" y="1820850"/>
             <a:ext cx="224420" cy="123111"/>
           </a:xfrm>
           <a:prstGeom prst="rect">
@@ -19825,7 +24973,7 @@
         </p:nvSpPr>
         <p:spPr>
           <a:xfrm>
-            <a:off x="251520" y="2752060"/>
+            <a:off x="251520" y="2903495"/>
             <a:ext cx="671771" cy="180000"/>
           </a:xfrm>
           <a:prstGeom prst="rect">
@@ -19900,7 +25048,7 @@
         </p:nvSpPr>
         <p:spPr>
           <a:xfrm>
-            <a:off x="251520" y="3184451"/>
+            <a:off x="251520" y="3335886"/>
             <a:ext cx="671771" cy="180000"/>
           </a:xfrm>
           <a:prstGeom prst="rect">
@@ -19975,7 +25123,7 @@
         </p:nvSpPr>
         <p:spPr>
           <a:xfrm>
-            <a:off x="956311" y="2755754"/>
+            <a:off x="956311" y="2907189"/>
             <a:ext cx="4482490" cy="180000"/>
           </a:xfrm>
           <a:prstGeom prst="rect">
@@ -20050,7 +25198,7 @@
         </p:nvSpPr>
         <p:spPr>
           <a:xfrm>
-            <a:off x="953607" y="3184451"/>
+            <a:off x="953607" y="3335886"/>
             <a:ext cx="4482490" cy="180000"/>
           </a:xfrm>
           <a:prstGeom prst="rect">
@@ -20125,7 +25273,7 @@
         </p:nvSpPr>
         <p:spPr>
           <a:xfrm>
-            <a:off x="251520" y="3400152"/>
+            <a:off x="251520" y="3551587"/>
             <a:ext cx="671771" cy="180000"/>
           </a:xfrm>
           <a:prstGeom prst="rect">
@@ -20200,7 +25348,7 @@
         </p:nvSpPr>
         <p:spPr>
           <a:xfrm>
-            <a:off x="953607" y="3400152"/>
+            <a:off x="953607" y="3551587"/>
             <a:ext cx="4482490" cy="180000"/>
           </a:xfrm>
           <a:prstGeom prst="rect">
@@ -20275,7 +25423,7 @@
         </p:nvSpPr>
         <p:spPr>
           <a:xfrm>
-            <a:off x="251520" y="3610364"/>
+            <a:off x="251520" y="3761799"/>
             <a:ext cx="671771" cy="180000"/>
           </a:xfrm>
           <a:prstGeom prst="rect">
@@ -20339,7 +25487,7 @@
         </p:nvSpPr>
         <p:spPr>
           <a:xfrm>
-            <a:off x="953607" y="3610364"/>
+            <a:off x="953607" y="3761799"/>
             <a:ext cx="4482490" cy="180000"/>
           </a:xfrm>
           <a:prstGeom prst="rect">
@@ -20414,7 +25562,7 @@
         </p:nvSpPr>
         <p:spPr>
           <a:xfrm>
-            <a:off x="881952" y="2071152"/>
+            <a:off x="881952" y="2222587"/>
             <a:ext cx="1629254" cy="180000"/>
           </a:xfrm>
           <a:prstGeom prst="rect">
@@ -20485,7 +25633,7 @@
         </p:nvSpPr>
         <p:spPr>
           <a:xfrm>
-            <a:off x="2511206" y="2071152"/>
+            <a:off x="2511206" y="2222587"/>
             <a:ext cx="360040" cy="180000"/>
           </a:xfrm>
           <a:prstGeom prst="rect">
@@ -20556,7 +25704,7 @@
         </p:nvSpPr>
         <p:spPr>
           <a:xfrm>
-            <a:off x="2871246" y="2071152"/>
+            <a:off x="2871246" y="2222587"/>
             <a:ext cx="576064" cy="180000"/>
           </a:xfrm>
           <a:prstGeom prst="rect">
@@ -20627,7 +25775,7 @@
         </p:nvSpPr>
         <p:spPr>
           <a:xfrm>
-            <a:off x="3447310" y="2071152"/>
+            <a:off x="3447310" y="2222587"/>
             <a:ext cx="576064" cy="180000"/>
           </a:xfrm>
           <a:prstGeom prst="rect">
@@ -20687,7 +25835,7 @@
         </p:nvSpPr>
         <p:spPr>
           <a:xfrm>
-            <a:off x="4023374" y="2071152"/>
+            <a:off x="4023374" y="2222587"/>
             <a:ext cx="436171" cy="180000"/>
           </a:xfrm>
           <a:prstGeom prst="rect">
@@ -20758,7 +25906,7 @@
         </p:nvSpPr>
         <p:spPr>
           <a:xfrm>
-            <a:off x="4459545" y="2071152"/>
+            <a:off x="4459545" y="2222587"/>
             <a:ext cx="503552" cy="180000"/>
           </a:xfrm>
           <a:prstGeom prst="rect">
@@ -20829,7 +25977,7 @@
         </p:nvSpPr>
         <p:spPr>
           <a:xfrm>
-            <a:off x="251520" y="3820576"/>
+            <a:off x="251520" y="3972011"/>
             <a:ext cx="671771" cy="180000"/>
           </a:xfrm>
           <a:prstGeom prst="rect">
@@ -20900,7 +26048,7 @@
         </p:nvSpPr>
         <p:spPr>
           <a:xfrm>
-            <a:off x="953607" y="3820576"/>
+            <a:off x="953607" y="3972011"/>
             <a:ext cx="4482490" cy="180000"/>
           </a:xfrm>
           <a:prstGeom prst="rect">
@@ -20975,7 +26123,7 @@
         </p:nvSpPr>
         <p:spPr>
           <a:xfrm>
-            <a:off x="251520" y="4030788"/>
+            <a:off x="251520" y="4182223"/>
             <a:ext cx="671771" cy="180000"/>
           </a:xfrm>
           <a:prstGeom prst="rect">
@@ -21046,7 +26194,7 @@
         </p:nvSpPr>
         <p:spPr>
           <a:xfrm>
-            <a:off x="953607" y="4030788"/>
+            <a:off x="953607" y="4182223"/>
             <a:ext cx="4482490" cy="180000"/>
           </a:xfrm>
           <a:prstGeom prst="rect">
@@ -21149,7 +26297,7 @@
         </p:nvSpPr>
         <p:spPr>
           <a:xfrm>
-            <a:off x="251520" y="4241000"/>
+            <a:off x="251520" y="4392435"/>
             <a:ext cx="671771" cy="306333"/>
           </a:xfrm>
           <a:prstGeom prst="rect">
@@ -21220,7 +26368,7 @@
         </p:nvSpPr>
         <p:spPr>
           <a:xfrm>
-            <a:off x="953607" y="4241000"/>
+            <a:off x="953607" y="4392435"/>
             <a:ext cx="4482490" cy="306333"/>
           </a:xfrm>
           <a:prstGeom prst="rect">
@@ -21291,7 +26439,7 @@
         </p:nvSpPr>
         <p:spPr>
           <a:xfrm>
-            <a:off x="251520" y="4577545"/>
+            <a:off x="251520" y="4728980"/>
             <a:ext cx="671771" cy="180000"/>
           </a:xfrm>
           <a:prstGeom prst="rect">
@@ -21362,7 +26510,7 @@
         </p:nvSpPr>
         <p:spPr>
           <a:xfrm>
-            <a:off x="953607" y="4577545"/>
+            <a:off x="953607" y="4728980"/>
             <a:ext cx="4482490" cy="180000"/>
           </a:xfrm>
           <a:prstGeom prst="rect">
@@ -21561,7 +26709,7 @@
         <p:spPr>
           <a:xfrm>
             <a:off x="251520" y="900152"/>
-            <a:ext cx="7056784" cy="184666"/>
+            <a:ext cx="7056784" cy="369332"/>
           </a:xfrm>
           <a:prstGeom prst="rect">
             <a:avLst/>
@@ -21655,6 +26803,18 @@
                 <a:latin typeface="Arial Narrow" panose="020B0606020202030204" pitchFamily="34" charset="0"/>
               </a:rPr>
               <a:t>.</a:t>
+            </a:r>
+          </a:p>
+          <a:p>
+            <a:pPr algn="l"/>
+            <a:r>
+              <a:rPr lang="en-US" sz="1200" i="1">
+                <a:solidFill>
+                  <a:srgbClr val="005AB4"/>
+                </a:solidFill>
+                <a:latin typeface="Arial Narrow" panose="020B0606020202030204" pitchFamily="34" charset="0"/>
+              </a:rPr>
+              <a:t>They can be added, listed, retrieved, and deleted.</a:t>
             </a:r>
             <a:endParaRPr lang="en-CA" sz="1200" i="1">
               <a:solidFill>
@@ -21679,7 +26839,7 @@
         </p:nvSpPr>
         <p:spPr>
           <a:xfrm>
-            <a:off x="251520" y="2972550"/>
+            <a:off x="251520" y="3123985"/>
             <a:ext cx="671771" cy="180000"/>
           </a:xfrm>
           <a:prstGeom prst="rect">
@@ -21754,7 +26914,7 @@
         </p:nvSpPr>
         <p:spPr>
           <a:xfrm>
-            <a:off x="953607" y="2972550"/>
+            <a:off x="953607" y="3123985"/>
             <a:ext cx="4482490" cy="180000"/>
           </a:xfrm>
           <a:prstGeom prst="rect">
@@ -21829,7 +26989,7 @@
         </p:nvSpPr>
         <p:spPr>
           <a:xfrm>
-            <a:off x="5793712" y="1514522"/>
+            <a:off x="5793712" y="1665957"/>
             <a:ext cx="2825763" cy="1080120"/>
           </a:xfrm>
           <a:prstGeom prst="rect">
@@ -21952,7 +27112,7 @@
 </p:sld>
 </file>
 
-<file path=ppt/slides/slide4.xml><?xml version="1.0" encoding="utf-8"?>
+<file path=ppt/slides/slide6.xml><?xml version="1.0" encoding="utf-8"?>
 <p:sld xmlns:a="http://schemas.openxmlformats.org/drawingml/2006/main" xmlns:r="http://schemas.openxmlformats.org/officeDocument/2006/relationships" xmlns:p="http://schemas.openxmlformats.org/presentationml/2006/main">
   <p:cSld>
     <p:spTree>
@@ -22371,7 +27531,7 @@
 </p:sld>
 </file>
 
-<file path=ppt/slides/slide5.xml><?xml version="1.0" encoding="utf-8"?>
+<file path=ppt/slides/slide7.xml><?xml version="1.0" encoding="utf-8"?>
 <p:sld xmlns:a="http://schemas.openxmlformats.org/drawingml/2006/main" xmlns:r="http://schemas.openxmlformats.org/officeDocument/2006/relationships" xmlns:p="http://schemas.openxmlformats.org/presentationml/2006/main">
   <p:cSld>
     <p:spTree>
@@ -22431,7 +27591,7 @@
         </p:nvSpPr>
         <p:spPr>
           <a:xfrm>
-            <a:off x="251518" y="1514522"/>
+            <a:off x="251518" y="1766300"/>
             <a:ext cx="5976666" cy="1080120"/>
           </a:xfrm>
           <a:prstGeom prst="rect">
@@ -22493,7 +27653,7 @@
         </p:nvSpPr>
         <p:spPr>
           <a:xfrm>
-            <a:off x="251518" y="1337913"/>
+            <a:off x="251518" y="1589691"/>
             <a:ext cx="708036" cy="172064"/>
           </a:xfrm>
           <a:prstGeom prst="rect">
@@ -22547,7 +27707,7 @@
         </p:nvSpPr>
         <p:spPr>
           <a:xfrm>
-            <a:off x="350966" y="1836994"/>
+            <a:off x="350966" y="2088772"/>
             <a:ext cx="530986" cy="180000"/>
           </a:xfrm>
           <a:prstGeom prst="rect">
@@ -22618,7 +27778,7 @@
         </p:nvSpPr>
         <p:spPr>
           <a:xfrm>
-            <a:off x="350966" y="2071152"/>
+            <a:off x="350966" y="2322930"/>
             <a:ext cx="530986" cy="180000"/>
           </a:xfrm>
           <a:prstGeom prst="rect">
@@ -22689,7 +27849,7 @@
         </p:nvSpPr>
         <p:spPr>
           <a:xfrm>
-            <a:off x="881952" y="1836994"/>
+            <a:off x="881952" y="2088772"/>
             <a:ext cx="1453416" cy="180000"/>
           </a:xfrm>
           <a:prstGeom prst="rect">
@@ -22760,7 +27920,7 @@
         </p:nvSpPr>
         <p:spPr>
           <a:xfrm>
-            <a:off x="395429" y="1669415"/>
+            <a:off x="395429" y="1921193"/>
             <a:ext cx="209994" cy="123111"/>
           </a:xfrm>
           <a:prstGeom prst="rect">
@@ -22812,7 +27972,7 @@
         </p:nvSpPr>
         <p:spPr>
           <a:xfrm>
-            <a:off x="923291" y="1669415"/>
+            <a:off x="923291" y="1921193"/>
             <a:ext cx="65724" cy="123111"/>
           </a:xfrm>
           <a:prstGeom prst="rect">
@@ -22864,7 +28024,7 @@
         </p:nvSpPr>
         <p:spPr>
           <a:xfrm>
-            <a:off x="2335368" y="1836994"/>
+            <a:off x="2335368" y="2088772"/>
             <a:ext cx="576064" cy="180000"/>
           </a:xfrm>
           <a:prstGeom prst="rect">
@@ -22935,7 +28095,7 @@
         </p:nvSpPr>
         <p:spPr>
           <a:xfrm>
-            <a:off x="2384516" y="1669415"/>
+            <a:off x="2384516" y="1921193"/>
             <a:ext cx="395942" cy="123111"/>
           </a:xfrm>
           <a:prstGeom prst="rect">
@@ -22987,7 +28147,7 @@
         </p:nvSpPr>
         <p:spPr>
           <a:xfrm>
-            <a:off x="2911432" y="1836994"/>
+            <a:off x="2911432" y="2088772"/>
             <a:ext cx="576064" cy="180000"/>
           </a:xfrm>
           <a:prstGeom prst="rect">
@@ -23047,7 +28207,7 @@
         </p:nvSpPr>
         <p:spPr>
           <a:xfrm>
-            <a:off x="2963786" y="1669415"/>
+            <a:off x="2963786" y="1921193"/>
             <a:ext cx="386324" cy="123111"/>
           </a:xfrm>
           <a:prstGeom prst="rect">
@@ -23099,7 +28259,7 @@
         </p:nvSpPr>
         <p:spPr>
           <a:xfrm>
-            <a:off x="881952" y="2071152"/>
+            <a:off x="881952" y="2322930"/>
             <a:ext cx="1453416" cy="180000"/>
           </a:xfrm>
           <a:prstGeom prst="rect">
@@ -23170,7 +28330,7 @@
         </p:nvSpPr>
         <p:spPr>
           <a:xfrm>
-            <a:off x="2335368" y="2071152"/>
+            <a:off x="2335368" y="2322930"/>
             <a:ext cx="576064" cy="180000"/>
           </a:xfrm>
           <a:prstGeom prst="rect">
@@ -23241,7 +28401,7 @@
         </p:nvSpPr>
         <p:spPr>
           <a:xfrm>
-            <a:off x="2911432" y="2071152"/>
+            <a:off x="2911432" y="2322930"/>
             <a:ext cx="576064" cy="180000"/>
           </a:xfrm>
           <a:prstGeom prst="rect">
@@ -23433,7 +28593,7 @@
         <p:spPr>
           <a:xfrm>
             <a:off x="251519" y="900152"/>
-            <a:ext cx="8677661" cy="184666"/>
+            <a:ext cx="8677661" cy="369332"/>
           </a:xfrm>
           <a:prstGeom prst="rect">
             <a:avLst/>
@@ -23527,6 +28687,18 @@
                 <a:latin typeface="Arial Narrow" panose="020B0606020202030204" pitchFamily="34" charset="0"/>
               </a:rPr>
               <a:t> tool call.</a:t>
+            </a:r>
+          </a:p>
+          <a:p>
+            <a:pPr algn="l"/>
+            <a:r>
+              <a:rPr lang="en-US" sz="1200" i="1">
+                <a:solidFill>
+                  <a:srgbClr val="005AB4"/>
+                </a:solidFill>
+                <a:latin typeface="Arial Narrow" panose="020B0606020202030204" pitchFamily="34" charset="0"/>
+              </a:rPr>
+              <a:t>The used embedding model and (</a:t>
             </a:r>
             <a:endParaRPr lang="en-CA" sz="1200" i="1">
               <a:solidFill>
@@ -23559,7 +28731,7 @@
         </p:blipFill>
         <p:spPr>
           <a:xfrm>
-            <a:off x="5340789" y="2748366"/>
+            <a:off x="5340789" y="3000144"/>
             <a:ext cx="3559839" cy="2287341"/>
           </a:xfrm>
           <a:prstGeom prst="rect">
@@ -23581,7 +28753,7 @@
         </p:nvSpPr>
         <p:spPr>
           <a:xfrm>
-            <a:off x="3487496" y="1836994"/>
+            <a:off x="3487496" y="2088772"/>
             <a:ext cx="576064" cy="180000"/>
           </a:xfrm>
           <a:prstGeom prst="rect">
@@ -23652,7 +28824,7 @@
         </p:nvSpPr>
         <p:spPr>
           <a:xfrm>
-            <a:off x="3530046" y="1669415"/>
+            <a:off x="3530046" y="1921193"/>
             <a:ext cx="514564" cy="123111"/>
           </a:xfrm>
           <a:prstGeom prst="rect">
@@ -23704,7 +28876,7 @@
         </p:nvSpPr>
         <p:spPr>
           <a:xfrm>
-            <a:off x="3487496" y="2071152"/>
+            <a:off x="3487496" y="2322930"/>
             <a:ext cx="576064" cy="180000"/>
           </a:xfrm>
           <a:prstGeom prst="rect">
@@ -23767,7 +28939,7 @@
         </p:nvSpPr>
         <p:spPr>
           <a:xfrm>
-            <a:off x="4063560" y="1836994"/>
+            <a:off x="4063560" y="2088772"/>
             <a:ext cx="576064" cy="180000"/>
           </a:xfrm>
           <a:prstGeom prst="rect">
@@ -23838,7 +29010,7 @@
         </p:nvSpPr>
         <p:spPr>
           <a:xfrm>
-            <a:off x="4106110" y="1669415"/>
+            <a:off x="4106110" y="1921193"/>
             <a:ext cx="224420" cy="123111"/>
           </a:xfrm>
           <a:prstGeom prst="rect">
@@ -23890,7 +29062,7 @@
         </p:nvSpPr>
         <p:spPr>
           <a:xfrm>
-            <a:off x="4063560" y="2071152"/>
+            <a:off x="4063560" y="2322930"/>
             <a:ext cx="576064" cy="180000"/>
           </a:xfrm>
           <a:prstGeom prst="rect">
@@ -23961,7 +29133,7 @@
         </p:nvSpPr>
         <p:spPr>
           <a:xfrm>
-            <a:off x="254764" y="2748366"/>
+            <a:off x="254764" y="3000144"/>
             <a:ext cx="671771" cy="180000"/>
           </a:xfrm>
           <a:prstGeom prst="rect">
@@ -24036,7 +29208,7 @@
         </p:nvSpPr>
         <p:spPr>
           <a:xfrm>
-            <a:off x="254764" y="3180757"/>
+            <a:off x="254764" y="3432535"/>
             <a:ext cx="671771" cy="180000"/>
           </a:xfrm>
           <a:prstGeom prst="rect">
@@ -24111,7 +29283,7 @@
         </p:nvSpPr>
         <p:spPr>
           <a:xfrm>
-            <a:off x="959554" y="2752060"/>
+            <a:off x="959554" y="3003838"/>
             <a:ext cx="4263222" cy="180000"/>
           </a:xfrm>
           <a:prstGeom prst="rect">
@@ -24186,7 +29358,7 @@
         </p:nvSpPr>
         <p:spPr>
           <a:xfrm>
-            <a:off x="956850" y="3180757"/>
+            <a:off x="956850" y="3432535"/>
             <a:ext cx="4263222" cy="180000"/>
           </a:xfrm>
           <a:prstGeom prst="rect">
@@ -24261,7 +29433,7 @@
         </p:nvSpPr>
         <p:spPr>
           <a:xfrm>
-            <a:off x="254764" y="3396301"/>
+            <a:off x="254764" y="3648079"/>
             <a:ext cx="671771" cy="432708"/>
           </a:xfrm>
           <a:prstGeom prst="rect">
@@ -24387,7 +29559,7 @@
         </p:nvSpPr>
         <p:spPr>
           <a:xfrm>
-            <a:off x="956850" y="3396301"/>
+            <a:off x="956850" y="3648079"/>
             <a:ext cx="4263222" cy="432708"/>
           </a:xfrm>
           <a:prstGeom prst="rect">
@@ -24462,7 +29634,7 @@
         </p:nvSpPr>
         <p:spPr>
           <a:xfrm>
-            <a:off x="254764" y="3868059"/>
+            <a:off x="254764" y="4119837"/>
             <a:ext cx="671771" cy="288000"/>
           </a:xfrm>
           <a:prstGeom prst="rect">
@@ -24533,7 +29705,7 @@
         </p:nvSpPr>
         <p:spPr>
           <a:xfrm>
-            <a:off x="956850" y="3868059"/>
+            <a:off x="956850" y="4119837"/>
             <a:ext cx="4263222" cy="288000"/>
           </a:xfrm>
           <a:prstGeom prst="rect">
@@ -24692,7 +29864,7 @@
         </p:nvSpPr>
         <p:spPr>
           <a:xfrm>
-            <a:off x="254764" y="2968856"/>
+            <a:off x="254764" y="3220634"/>
             <a:ext cx="671771" cy="180000"/>
           </a:xfrm>
           <a:prstGeom prst="rect">
@@ -24767,7 +29939,7 @@
         </p:nvSpPr>
         <p:spPr>
           <a:xfrm>
-            <a:off x="956850" y="2968856"/>
+            <a:off x="956850" y="3220634"/>
             <a:ext cx="4263222" cy="180000"/>
           </a:xfrm>
           <a:prstGeom prst="rect">
@@ -24842,7 +30014,7 @@
         </p:nvSpPr>
         <p:spPr>
           <a:xfrm>
-            <a:off x="254764" y="4191603"/>
+            <a:off x="254764" y="4443381"/>
             <a:ext cx="671771" cy="433737"/>
           </a:xfrm>
           <a:prstGeom prst="rect">
@@ -24913,7 +30085,7 @@
         </p:nvSpPr>
         <p:spPr>
           <a:xfrm>
-            <a:off x="956850" y="4191603"/>
+            <a:off x="956850" y="4443381"/>
             <a:ext cx="4263222" cy="433737"/>
           </a:xfrm>
           <a:prstGeom prst="rect">
@@ -24988,7 +30160,7 @@
         </p:nvSpPr>
         <p:spPr>
           <a:xfrm>
-            <a:off x="253888" y="4662093"/>
+            <a:off x="253888" y="4913871"/>
             <a:ext cx="671771" cy="180000"/>
           </a:xfrm>
           <a:prstGeom prst="rect">
@@ -25063,7 +30235,7 @@
         </p:nvSpPr>
         <p:spPr>
           <a:xfrm>
-            <a:off x="955974" y="4662093"/>
+            <a:off x="955974" y="4913871"/>
             <a:ext cx="4263222" cy="180000"/>
           </a:xfrm>
           <a:prstGeom prst="rect">
@@ -25264,7 +30436,7 @@
         </p:nvSpPr>
         <p:spPr>
           <a:xfrm>
-            <a:off x="253888" y="4873994"/>
+            <a:off x="253888" y="5125772"/>
             <a:ext cx="671771" cy="180000"/>
           </a:xfrm>
           <a:prstGeom prst="rect">
@@ -25339,7 +30511,7 @@
         </p:nvSpPr>
         <p:spPr>
           <a:xfrm>
-            <a:off x="955974" y="4873994"/>
+            <a:off x="955974" y="5125772"/>
             <a:ext cx="4263222" cy="180000"/>
           </a:xfrm>
           <a:prstGeom prst="rect">
@@ -25414,7 +30586,7 @@
         </p:nvSpPr>
         <p:spPr>
           <a:xfrm>
-            <a:off x="4639624" y="1836994"/>
+            <a:off x="4639624" y="2088772"/>
             <a:ext cx="436432" cy="180000"/>
           </a:xfrm>
           <a:prstGeom prst="rect">
@@ -25485,7 +30657,7 @@
         </p:nvSpPr>
         <p:spPr>
           <a:xfrm>
-            <a:off x="4682174" y="1669415"/>
+            <a:off x="4682174" y="1921193"/>
             <a:ext cx="351058" cy="123111"/>
           </a:xfrm>
           <a:prstGeom prst="rect">
@@ -25537,7 +30709,7 @@
         </p:nvSpPr>
         <p:spPr>
           <a:xfrm>
-            <a:off x="4639624" y="2071152"/>
+            <a:off x="4639624" y="2322930"/>
             <a:ext cx="436432" cy="180000"/>
           </a:xfrm>
           <a:prstGeom prst="rect">
@@ -25608,7 +30780,7 @@
         </p:nvSpPr>
         <p:spPr>
           <a:xfrm>
-            <a:off x="5075276" y="1836994"/>
+            <a:off x="5075276" y="2088772"/>
             <a:ext cx="436432" cy="180000"/>
           </a:xfrm>
           <a:prstGeom prst="rect">
@@ -25679,7 +30851,7 @@
         </p:nvSpPr>
         <p:spPr>
           <a:xfrm>
-            <a:off x="5117826" y="1669415"/>
+            <a:off x="5117826" y="1921193"/>
             <a:ext cx="402354" cy="123111"/>
           </a:xfrm>
           <a:prstGeom prst="rect">
@@ -25731,7 +30903,7 @@
         </p:nvSpPr>
         <p:spPr>
           <a:xfrm>
-            <a:off x="5075276" y="2071152"/>
+            <a:off x="5075276" y="2322930"/>
             <a:ext cx="436432" cy="180000"/>
           </a:xfrm>
           <a:prstGeom prst="rect">
@@ -25802,7 +30974,7 @@
         </p:nvSpPr>
         <p:spPr>
           <a:xfrm>
-            <a:off x="5511708" y="1836994"/>
+            <a:off x="5511708" y="2088772"/>
             <a:ext cx="576064" cy="180000"/>
           </a:xfrm>
           <a:prstGeom prst="rect">
@@ -25873,7 +31045,7 @@
         </p:nvSpPr>
         <p:spPr>
           <a:xfrm>
-            <a:off x="5560856" y="1669415"/>
+            <a:off x="5560856" y="1921193"/>
             <a:ext cx="474489" cy="123111"/>
           </a:xfrm>
           <a:prstGeom prst="rect">
@@ -25925,7 +31097,7 @@
         </p:nvSpPr>
         <p:spPr>
           <a:xfrm>
-            <a:off x="5511708" y="2071152"/>
+            <a:off x="5511708" y="2322930"/>
             <a:ext cx="576064" cy="180000"/>
           </a:xfrm>
           <a:prstGeom prst="rect">
@@ -25995,7 +31167,7 @@
 </p:sld>
 </file>
 
-<file path=ppt/slides/slide6.xml><?xml version="1.0" encoding="utf-8"?>
+<file path=ppt/slides/slide8.xml><?xml version="1.0" encoding="utf-8"?>
 <p:sld xmlns:a="http://schemas.openxmlformats.org/drawingml/2006/main" xmlns:r="http://schemas.openxmlformats.org/officeDocument/2006/relationships" xmlns:p="http://schemas.openxmlformats.org/presentationml/2006/main">
   <p:cSld>
     <p:spTree>
@@ -26142,7 +31314,7 @@
 </p:sld>
 </file>
 
-<file path=ppt/slides/slide7.xml><?xml version="1.0" encoding="utf-8"?>
+<file path=ppt/slides/slide9.xml><?xml version="1.0" encoding="utf-8"?>
 <p:sld xmlns:a="http://schemas.openxmlformats.org/drawingml/2006/main" xmlns:r="http://schemas.openxmlformats.org/officeDocument/2006/relationships" xmlns:p="http://schemas.openxmlformats.org/presentationml/2006/main">
   <p:cSld>
     <p:spTree>
@@ -26551,815 +31723,6 @@
     <p:extLst>
       <p:ext uri="{BB962C8B-B14F-4D97-AF65-F5344CB8AC3E}">
         <p14:creationId xmlns:p14="http://schemas.microsoft.com/office/powerpoint/2010/main" val="198766353"/>
-      </p:ext>
-    </p:extLst>
-  </p:cSld>
-  <p:clrMapOvr>
-    <a:masterClrMapping/>
-  </p:clrMapOvr>
-</p:sld>
-</file>
-
-<file path=ppt/slides/slide8.xml><?xml version="1.0" encoding="utf-8"?>
-<p:sld xmlns:a="http://schemas.openxmlformats.org/drawingml/2006/main" xmlns:r="http://schemas.openxmlformats.org/officeDocument/2006/relationships" xmlns:p="http://schemas.openxmlformats.org/presentationml/2006/main">
-  <p:cSld>
-    <p:spTree>
-      <p:nvGrpSpPr>
-        <p:cNvPr id="1" name=""/>
-        <p:cNvGrpSpPr/>
-        <p:nvPr/>
-      </p:nvGrpSpPr>
-      <p:grpSpPr>
-        <a:xfrm>
-          <a:off x="0" y="0"/>
-          <a:ext cx="0" cy="0"/>
-          <a:chOff x="0" y="0"/>
-          <a:chExt cx="0" cy="0"/>
-        </a:xfrm>
-      </p:grpSpPr>
-      <p:sp>
-        <p:nvSpPr>
-          <p:cNvPr id="2" name="Title 1">
-            <a:extLst>
-              <a:ext uri="{FF2B5EF4-FFF2-40B4-BE49-F238E27FC236}">
-                <a16:creationId xmlns:a16="http://schemas.microsoft.com/office/drawing/2014/main" id="{DA391E45-5173-E639-33B2-276F945F228B}"/>
-              </a:ext>
-            </a:extLst>
-          </p:cNvPr>
-          <p:cNvSpPr>
-            <a:spLocks noGrp="1"/>
-          </p:cNvSpPr>
-          <p:nvPr>
-            <p:ph type="title"/>
-          </p:nvPr>
-        </p:nvSpPr>
-        <p:spPr/>
-        <p:txBody>
-          <a:bodyPr/>
-          <a:lstStyle/>
-          <a:p>
-            <a:r>
-              <a:rPr lang="en-US"/>
-              <a:t>Responses API with file_search</a:t>
-            </a:r>
-            <a:endParaRPr lang="en-CA"/>
-          </a:p>
-        </p:txBody>
-      </p:sp>
-      <p:pic>
-        <p:nvPicPr>
-          <p:cNvPr id="5" name="Picture 4">
-            <a:extLst>
-              <a:ext uri="{FF2B5EF4-FFF2-40B4-BE49-F238E27FC236}">
-                <a16:creationId xmlns:a16="http://schemas.microsoft.com/office/drawing/2014/main" id="{519E8429-7A9F-302D-C77D-7AB5266D2A1B}"/>
-              </a:ext>
-            </a:extLst>
-          </p:cNvPr>
-          <p:cNvPicPr>
-            <a:picLocks noChangeAspect="1"/>
-          </p:cNvPicPr>
-          <p:nvPr/>
-        </p:nvPicPr>
-        <p:blipFill>
-          <a:blip r:embed="rId2"/>
-          <a:stretch>
-            <a:fillRect/>
-          </a:stretch>
-        </p:blipFill>
-        <p:spPr>
-          <a:xfrm>
-            <a:off x="179512" y="1057300"/>
-            <a:ext cx="4968552" cy="4412918"/>
-          </a:xfrm>
-          <a:prstGeom prst="rect">
-            <a:avLst/>
-          </a:prstGeom>
-          <a:effectLst>
-            <a:outerShdw blurRad="165100" dir="2700000" algn="tl" rotWithShape="0">
-              <a:prstClr val="black">
-                <a:alpha val="20000"/>
-              </a:prstClr>
-            </a:outerShdw>
-          </a:effectLst>
-        </p:spPr>
-      </p:pic>
-      <p:pic>
-        <p:nvPicPr>
-          <p:cNvPr id="9" name="Picture 8">
-            <a:extLst>
-              <a:ext uri="{FF2B5EF4-FFF2-40B4-BE49-F238E27FC236}">
-                <a16:creationId xmlns:a16="http://schemas.microsoft.com/office/drawing/2014/main" id="{58B4FEBB-7108-B980-FCAC-D57FF6683C90}"/>
-              </a:ext>
-            </a:extLst>
-          </p:cNvPr>
-          <p:cNvPicPr>
-            <a:picLocks noChangeAspect="1"/>
-          </p:cNvPicPr>
-          <p:nvPr/>
-        </p:nvPicPr>
-        <p:blipFill>
-          <a:blip r:embed="rId3"/>
-          <a:stretch>
-            <a:fillRect/>
-          </a:stretch>
-        </p:blipFill>
-        <p:spPr>
-          <a:xfrm>
-            <a:off x="4547196" y="1203133"/>
-            <a:ext cx="2428778" cy="2084770"/>
-          </a:xfrm>
-          <a:prstGeom prst="rect">
-            <a:avLst/>
-          </a:prstGeom>
-          <a:ln w="25400">
-            <a:solidFill>
-              <a:srgbClr val="E02B72"/>
-            </a:solidFill>
-            <a:miter lim="800000"/>
-          </a:ln>
-          <a:effectLst>
-            <a:outerShdw blurRad="165100" dir="2700000" algn="tl" rotWithShape="0">
-              <a:prstClr val="black">
-                <a:alpha val="20000"/>
-              </a:prstClr>
-            </a:outerShdw>
-          </a:effectLst>
-        </p:spPr>
-      </p:pic>
-      <p:pic>
-        <p:nvPicPr>
-          <p:cNvPr id="11" name="Picture 10">
-            <a:extLst>
-              <a:ext uri="{FF2B5EF4-FFF2-40B4-BE49-F238E27FC236}">
-                <a16:creationId xmlns:a16="http://schemas.microsoft.com/office/drawing/2014/main" id="{60BDBC6F-8FAB-9C22-05BD-C1345E12E85E}"/>
-              </a:ext>
-            </a:extLst>
-          </p:cNvPr>
-          <p:cNvPicPr>
-            <a:picLocks noChangeAspect="1"/>
-          </p:cNvPicPr>
-          <p:nvPr/>
-        </p:nvPicPr>
-        <p:blipFill>
-          <a:blip r:embed="rId4"/>
-          <a:srcRect l="874" t="9076" b="2166"/>
-          <a:stretch/>
-        </p:blipFill>
-        <p:spPr>
-          <a:xfrm>
-            <a:off x="6005759" y="1916254"/>
-            <a:ext cx="2946632" cy="3728460"/>
-          </a:xfrm>
-          <a:prstGeom prst="rect">
-            <a:avLst/>
-          </a:prstGeom>
-          <a:ln w="25400">
-            <a:solidFill>
-              <a:srgbClr val="0FA219"/>
-            </a:solidFill>
-            <a:miter lim="800000"/>
-          </a:ln>
-          <a:effectLst>
-            <a:outerShdw blurRad="165100" dir="2700000" algn="tl" rotWithShape="0">
-              <a:prstClr val="black">
-                <a:alpha val="20000"/>
-              </a:prstClr>
-            </a:outerShdw>
-          </a:effectLst>
-        </p:spPr>
-      </p:pic>
-      <p:cxnSp>
-        <p:nvCxnSpPr>
-          <p:cNvPr id="15" name="Straight Connector 14">
-            <a:extLst>
-              <a:ext uri="{FF2B5EF4-FFF2-40B4-BE49-F238E27FC236}">
-                <a16:creationId xmlns:a16="http://schemas.microsoft.com/office/drawing/2014/main" id="{5F6ADD7E-BC9E-7A00-3CB1-4DE0FC27808F}"/>
-              </a:ext>
-            </a:extLst>
-          </p:cNvPr>
-          <p:cNvCxnSpPr/>
-          <p:nvPr/>
-        </p:nvCxnSpPr>
-        <p:spPr>
-          <a:xfrm>
-            <a:off x="376486" y="3271379"/>
-            <a:ext cx="3888432" cy="0"/>
-          </a:xfrm>
-          <a:prstGeom prst="line">
-            <a:avLst/>
-          </a:prstGeom>
-          <a:ln w="25400">
-            <a:solidFill>
-              <a:srgbClr val="E02B72"/>
-            </a:solidFill>
-          </a:ln>
-        </p:spPr>
-        <p:style>
-          <a:lnRef idx="1">
-            <a:schemeClr val="accent1"/>
-          </a:lnRef>
-          <a:fillRef idx="0">
-            <a:schemeClr val="accent1"/>
-          </a:fillRef>
-          <a:effectRef idx="0">
-            <a:schemeClr val="accent1"/>
-          </a:effectRef>
-          <a:fontRef idx="minor">
-            <a:schemeClr val="tx1"/>
-          </a:fontRef>
-        </p:style>
-      </p:cxnSp>
-      <p:cxnSp>
-        <p:nvCxnSpPr>
-          <p:cNvPr id="16" name="Straight Connector 15">
-            <a:extLst>
-              <a:ext uri="{FF2B5EF4-FFF2-40B4-BE49-F238E27FC236}">
-                <a16:creationId xmlns:a16="http://schemas.microsoft.com/office/drawing/2014/main" id="{549A9DED-FE9A-D0C5-DD52-8BF3B9AAB2F2}"/>
-              </a:ext>
-            </a:extLst>
-          </p:cNvPr>
-          <p:cNvCxnSpPr>
-            <a:cxnSpLocks/>
-            <a:endCxn id="21" idx="0"/>
-          </p:cNvCxnSpPr>
-          <p:nvPr/>
-        </p:nvCxnSpPr>
-        <p:spPr>
-          <a:xfrm flipV="1">
-            <a:off x="376486" y="3384415"/>
-            <a:ext cx="3979490" cy="1"/>
-          </a:xfrm>
-          <a:prstGeom prst="line">
-            <a:avLst/>
-          </a:prstGeom>
-          <a:ln w="25400">
-            <a:solidFill>
-              <a:srgbClr val="0FA219"/>
-            </a:solidFill>
-          </a:ln>
-        </p:spPr>
-        <p:style>
-          <a:lnRef idx="1">
-            <a:schemeClr val="accent1"/>
-          </a:lnRef>
-          <a:fillRef idx="0">
-            <a:schemeClr val="accent1"/>
-          </a:fillRef>
-          <a:effectRef idx="0">
-            <a:schemeClr val="accent1"/>
-          </a:effectRef>
-          <a:fontRef idx="minor">
-            <a:schemeClr val="tx1"/>
-          </a:fontRef>
-        </p:style>
-      </p:cxnSp>
-      <p:sp>
-        <p:nvSpPr>
-          <p:cNvPr id="19" name="Freeform: Shape 18">
-            <a:extLst>
-              <a:ext uri="{FF2B5EF4-FFF2-40B4-BE49-F238E27FC236}">
-                <a16:creationId xmlns:a16="http://schemas.microsoft.com/office/drawing/2014/main" id="{FDCEDE36-6152-2322-89DF-EA4B5808B594}"/>
-              </a:ext>
-            </a:extLst>
-          </p:cNvPr>
-          <p:cNvSpPr/>
-          <p:nvPr/>
-        </p:nvSpPr>
-        <p:spPr>
-          <a:xfrm>
-            <a:off x="4251960" y="1536700"/>
-            <a:ext cx="266700" cy="1727200"/>
-          </a:xfrm>
-          <a:custGeom>
-            <a:avLst/>
-            <a:gdLst>
-              <a:gd name="connsiteX0" fmla="*/ 0 w 384048"/>
-              <a:gd name="connsiteY0" fmla="*/ 1456944 h 1456944"/>
-              <a:gd name="connsiteX1" fmla="*/ 0 w 384048"/>
-              <a:gd name="connsiteY1" fmla="*/ 0 h 1456944"/>
-              <a:gd name="connsiteX2" fmla="*/ 384048 w 384048"/>
-              <a:gd name="connsiteY2" fmla="*/ 0 h 1456944"/>
-            </a:gdLst>
-            <a:ahLst/>
-            <a:cxnLst>
-              <a:cxn ang="0">
-                <a:pos x="connsiteX0" y="connsiteY0"/>
-              </a:cxn>
-              <a:cxn ang="0">
-                <a:pos x="connsiteX1" y="connsiteY1"/>
-              </a:cxn>
-              <a:cxn ang="0">
-                <a:pos x="connsiteX2" y="connsiteY2"/>
-              </a:cxn>
-            </a:cxnLst>
-            <a:rect l="l" t="t" r="r" b="b"/>
-            <a:pathLst>
-              <a:path w="384048" h="1456944">
-                <a:moveTo>
-                  <a:pt x="0" y="1456944"/>
-                </a:moveTo>
-                <a:lnTo>
-                  <a:pt x="0" y="0"/>
-                </a:lnTo>
-                <a:lnTo>
-                  <a:pt x="384048" y="0"/>
-                </a:lnTo>
-              </a:path>
-            </a:pathLst>
-          </a:custGeom>
-          <a:ln w="25400">
-            <a:solidFill>
-              <a:srgbClr val="E02B72"/>
-            </a:solidFill>
-            <a:tailEnd type="triangle"/>
-          </a:ln>
-        </p:spPr>
-        <p:style>
-          <a:lnRef idx="1">
-            <a:schemeClr val="accent1"/>
-          </a:lnRef>
-          <a:fillRef idx="0">
-            <a:schemeClr val="accent1"/>
-          </a:fillRef>
-          <a:effectRef idx="0">
-            <a:schemeClr val="accent1"/>
-          </a:effectRef>
-          <a:fontRef idx="minor">
-            <a:schemeClr val="tx1"/>
-          </a:fontRef>
-        </p:style>
-        <p:txBody>
-          <a:bodyPr rtlCol="0" anchor="ctr"/>
-          <a:lstStyle/>
-          <a:p>
-            <a:pPr algn="ctr"/>
-            <a:endParaRPr lang="en-CA"/>
-          </a:p>
-        </p:txBody>
-      </p:sp>
-      <p:sp>
-        <p:nvSpPr>
-          <p:cNvPr id="21" name="Freeform: Shape 20">
-            <a:extLst>
-              <a:ext uri="{FF2B5EF4-FFF2-40B4-BE49-F238E27FC236}">
-                <a16:creationId xmlns:a16="http://schemas.microsoft.com/office/drawing/2014/main" id="{CA7025C9-8B96-85A5-CB20-20A078A71B56}"/>
-              </a:ext>
-            </a:extLst>
-          </p:cNvPr>
-          <p:cNvSpPr/>
-          <p:nvPr/>
-        </p:nvSpPr>
-        <p:spPr>
-          <a:xfrm>
-            <a:off x="4355976" y="1960880"/>
-            <a:ext cx="1623184" cy="1423535"/>
-          </a:xfrm>
-          <a:custGeom>
-            <a:avLst/>
-            <a:gdLst>
-              <a:gd name="connsiteX0" fmla="*/ 0 w 384048"/>
-              <a:gd name="connsiteY0" fmla="*/ 1456944 h 1456944"/>
-              <a:gd name="connsiteX1" fmla="*/ 0 w 384048"/>
-              <a:gd name="connsiteY1" fmla="*/ 0 h 1456944"/>
-              <a:gd name="connsiteX2" fmla="*/ 384048 w 384048"/>
-              <a:gd name="connsiteY2" fmla="*/ 0 h 1456944"/>
-            </a:gdLst>
-            <a:ahLst/>
-            <a:cxnLst>
-              <a:cxn ang="0">
-                <a:pos x="connsiteX0" y="connsiteY0"/>
-              </a:cxn>
-              <a:cxn ang="0">
-                <a:pos x="connsiteX1" y="connsiteY1"/>
-              </a:cxn>
-              <a:cxn ang="0">
-                <a:pos x="connsiteX2" y="connsiteY2"/>
-              </a:cxn>
-            </a:cxnLst>
-            <a:rect l="l" t="t" r="r" b="b"/>
-            <a:pathLst>
-              <a:path w="384048" h="1456944">
-                <a:moveTo>
-                  <a:pt x="0" y="1456944"/>
-                </a:moveTo>
-                <a:lnTo>
-                  <a:pt x="0" y="0"/>
-                </a:lnTo>
-                <a:lnTo>
-                  <a:pt x="384048" y="0"/>
-                </a:lnTo>
-              </a:path>
-            </a:pathLst>
-          </a:custGeom>
-          <a:ln w="25400">
-            <a:solidFill>
-              <a:srgbClr val="0FA219"/>
-            </a:solidFill>
-            <a:tailEnd type="triangle"/>
-          </a:ln>
-        </p:spPr>
-        <p:style>
-          <a:lnRef idx="1">
-            <a:schemeClr val="accent1"/>
-          </a:lnRef>
-          <a:fillRef idx="0">
-            <a:schemeClr val="accent1"/>
-          </a:fillRef>
-          <a:effectRef idx="0">
-            <a:schemeClr val="accent1"/>
-          </a:effectRef>
-          <a:fontRef idx="minor">
-            <a:schemeClr val="tx1"/>
-          </a:fontRef>
-        </p:style>
-        <p:txBody>
-          <a:bodyPr rtlCol="0" anchor="ctr"/>
-          <a:lstStyle/>
-          <a:p>
-            <a:pPr algn="ctr"/>
-            <a:endParaRPr lang="en-CA"/>
-          </a:p>
-        </p:txBody>
-      </p:sp>
-      <p:sp>
-        <p:nvSpPr>
-          <p:cNvPr id="27" name="TextBox 26">
-            <a:extLst>
-              <a:ext uri="{FF2B5EF4-FFF2-40B4-BE49-F238E27FC236}">
-                <a16:creationId xmlns:a16="http://schemas.microsoft.com/office/drawing/2014/main" id="{45AA5D79-4A0C-3D4F-401A-85235D88BFB7}"/>
-              </a:ext>
-            </a:extLst>
-          </p:cNvPr>
-          <p:cNvSpPr txBox="1"/>
-          <p:nvPr/>
-        </p:nvSpPr>
-        <p:spPr>
-          <a:xfrm>
-            <a:off x="4547196" y="1016779"/>
-            <a:ext cx="1447019" cy="172064"/>
-          </a:xfrm>
-          <a:prstGeom prst="rect">
-            <a:avLst/>
-          </a:prstGeom>
-          <a:solidFill>
-            <a:srgbClr val="E02B72"/>
-          </a:solidFill>
-          <a:ln w="25400">
-            <a:solidFill>
-              <a:srgbClr val="E02B72"/>
-            </a:solidFill>
-            <a:miter lim="800000"/>
-          </a:ln>
-        </p:spPr>
-        <p:txBody>
-          <a:bodyPr wrap="none" lIns="36000" tIns="0" rIns="54000" bIns="18000" rtlCol="0">
-            <a:spAutoFit/>
-          </a:bodyPr>
-          <a:lstStyle/>
-          <a:p>
-            <a:pPr algn="l"/>
-            <a:r>
-              <a:rPr lang="en-US" sz="1000" i="1">
-                <a:solidFill>
-                  <a:schemeClr val="bg1"/>
-                </a:solidFill>
-                <a:latin typeface="Arial Narrow" panose="020B0606020202030204" pitchFamily="34" charset="0"/>
-              </a:rPr>
-              <a:t>ResponseFileSearchToolCall</a:t>
-            </a:r>
-            <a:endParaRPr lang="en-CA" sz="1000" i="1">
-              <a:solidFill>
-                <a:schemeClr val="bg1"/>
-              </a:solidFill>
-              <a:latin typeface="Arial Narrow" panose="020B0606020202030204" pitchFamily="34" charset="0"/>
-            </a:endParaRPr>
-          </a:p>
-        </p:txBody>
-      </p:sp>
-      <p:sp>
-        <p:nvSpPr>
-          <p:cNvPr id="28" name="TextBox 27">
-            <a:extLst>
-              <a:ext uri="{FF2B5EF4-FFF2-40B4-BE49-F238E27FC236}">
-                <a16:creationId xmlns:a16="http://schemas.microsoft.com/office/drawing/2014/main" id="{8BC42FD7-D5AA-BCDA-BCE2-D24535A0CD5F}"/>
-              </a:ext>
-            </a:extLst>
-          </p:cNvPr>
-          <p:cNvSpPr txBox="1"/>
-          <p:nvPr/>
-        </p:nvSpPr>
-        <p:spPr>
-          <a:xfrm>
-            <a:off x="5994329" y="1726341"/>
-            <a:ext cx="1297941" cy="172064"/>
-          </a:xfrm>
-          <a:prstGeom prst="rect">
-            <a:avLst/>
-          </a:prstGeom>
-          <a:solidFill>
-            <a:srgbClr val="0FA219"/>
-          </a:solidFill>
-          <a:ln w="25400">
-            <a:solidFill>
-              <a:srgbClr val="0FA219"/>
-            </a:solidFill>
-            <a:miter lim="800000"/>
-          </a:ln>
-        </p:spPr>
-        <p:txBody>
-          <a:bodyPr wrap="none" lIns="36000" tIns="0" rIns="54000" bIns="18000" rtlCol="0">
-            <a:spAutoFit/>
-          </a:bodyPr>
-          <a:lstStyle/>
-          <a:p>
-            <a:pPr algn="l"/>
-            <a:r>
-              <a:rPr lang="en-US" sz="1000" i="1">
-                <a:solidFill>
-                  <a:schemeClr val="bg1"/>
-                </a:solidFill>
-                <a:latin typeface="Arial Narrow" panose="020B0606020202030204" pitchFamily="34" charset="0"/>
-              </a:rPr>
-              <a:t>ResponseOutputMessage</a:t>
-            </a:r>
-            <a:endParaRPr lang="en-CA" sz="1000" i="1">
-              <a:solidFill>
-                <a:schemeClr val="bg1"/>
-              </a:solidFill>
-              <a:latin typeface="Arial Narrow" panose="020B0606020202030204" pitchFamily="34" charset="0"/>
-            </a:endParaRPr>
-          </a:p>
-        </p:txBody>
-      </p:sp>
-    </p:spTree>
-    <p:extLst>
-      <p:ext uri="{BB962C8B-B14F-4D97-AF65-F5344CB8AC3E}">
-        <p14:creationId xmlns:p14="http://schemas.microsoft.com/office/powerpoint/2010/main" val="964077398"/>
-      </p:ext>
-    </p:extLst>
-  </p:cSld>
-  <p:clrMapOvr>
-    <a:masterClrMapping/>
-  </p:clrMapOvr>
-</p:sld>
-</file>
-
-<file path=ppt/slides/slide9.xml><?xml version="1.0" encoding="utf-8"?>
-<p:sld xmlns:a="http://schemas.openxmlformats.org/drawingml/2006/main" xmlns:r="http://schemas.openxmlformats.org/officeDocument/2006/relationships" xmlns:p="http://schemas.openxmlformats.org/presentationml/2006/main">
-  <p:cSld>
-    <p:spTree>
-      <p:nvGrpSpPr>
-        <p:cNvPr id="1" name=""/>
-        <p:cNvGrpSpPr/>
-        <p:nvPr/>
-      </p:nvGrpSpPr>
-      <p:grpSpPr>
-        <a:xfrm>
-          <a:off x="0" y="0"/>
-          <a:ext cx="0" cy="0"/>
-          <a:chOff x="0" y="0"/>
-          <a:chExt cx="0" cy="0"/>
-        </a:xfrm>
-      </p:grpSpPr>
-      <p:pic>
-        <p:nvPicPr>
-          <p:cNvPr id="7" name="Picture 6">
-            <a:extLst>
-              <a:ext uri="{FF2B5EF4-FFF2-40B4-BE49-F238E27FC236}">
-                <a16:creationId xmlns:a16="http://schemas.microsoft.com/office/drawing/2014/main" id="{6898DBF9-E0A9-64F8-55D6-82C126FA293B}"/>
-              </a:ext>
-            </a:extLst>
-          </p:cNvPr>
-          <p:cNvPicPr>
-            <a:picLocks noChangeAspect="1"/>
-          </p:cNvPicPr>
-          <p:nvPr/>
-        </p:nvPicPr>
-        <p:blipFill>
-          <a:blip r:embed="rId2"/>
-          <a:srcRect l="1242"/>
-          <a:stretch/>
-        </p:blipFill>
-        <p:spPr>
-          <a:xfrm>
-            <a:off x="218783" y="882805"/>
-            <a:ext cx="2489799" cy="3054816"/>
-          </a:xfrm>
-          <a:prstGeom prst="rect">
-            <a:avLst/>
-          </a:prstGeom>
-          <a:effectLst>
-            <a:outerShdw blurRad="165100" dir="2700000" algn="tl" rotWithShape="0">
-              <a:prstClr val="black">
-                <a:alpha val="20000"/>
-              </a:prstClr>
-            </a:outerShdw>
-          </a:effectLst>
-        </p:spPr>
-      </p:pic>
-      <p:sp>
-        <p:nvSpPr>
-          <p:cNvPr id="2" name="Title 1">
-            <a:extLst>
-              <a:ext uri="{FF2B5EF4-FFF2-40B4-BE49-F238E27FC236}">
-                <a16:creationId xmlns:a16="http://schemas.microsoft.com/office/drawing/2014/main" id="{DA391E45-5173-E639-33B2-276F945F228B}"/>
-              </a:ext>
-            </a:extLst>
-          </p:cNvPr>
-          <p:cNvSpPr>
-            <a:spLocks noGrp="1"/>
-          </p:cNvSpPr>
-          <p:nvPr>
-            <p:ph type="title"/>
-          </p:nvPr>
-        </p:nvSpPr>
-        <p:spPr/>
-        <p:txBody>
-          <a:bodyPr/>
-          <a:lstStyle/>
-          <a:p>
-            <a:r>
-              <a:rPr lang="en-US"/>
-              <a:t>Responses API with file_search and file_search_call.results </a:t>
-            </a:r>
-            <a:endParaRPr lang="en-CA"/>
-          </a:p>
-        </p:txBody>
-      </p:sp>
-      <p:cxnSp>
-        <p:nvCxnSpPr>
-          <p:cNvPr id="15" name="Straight Connector 14">
-            <a:extLst>
-              <a:ext uri="{FF2B5EF4-FFF2-40B4-BE49-F238E27FC236}">
-                <a16:creationId xmlns:a16="http://schemas.microsoft.com/office/drawing/2014/main" id="{5F6ADD7E-BC9E-7A00-3CB1-4DE0FC27808F}"/>
-              </a:ext>
-            </a:extLst>
-          </p:cNvPr>
-          <p:cNvCxnSpPr>
-            <a:cxnSpLocks/>
-          </p:cNvCxnSpPr>
-          <p:nvPr/>
-        </p:nvCxnSpPr>
-        <p:spPr>
-          <a:xfrm>
-            <a:off x="318448" y="2641476"/>
-            <a:ext cx="2439992" cy="0"/>
-          </a:xfrm>
-          <a:prstGeom prst="line">
-            <a:avLst/>
-          </a:prstGeom>
-          <a:ln w="25400">
-            <a:solidFill>
-              <a:srgbClr val="E02B72"/>
-            </a:solidFill>
-          </a:ln>
-        </p:spPr>
-        <p:style>
-          <a:lnRef idx="1">
-            <a:schemeClr val="accent1"/>
-          </a:lnRef>
-          <a:fillRef idx="0">
-            <a:schemeClr val="accent1"/>
-          </a:fillRef>
-          <a:effectRef idx="0">
-            <a:schemeClr val="accent1"/>
-          </a:effectRef>
-          <a:fontRef idx="minor">
-            <a:schemeClr val="tx1"/>
-          </a:fontRef>
-        </p:style>
-      </p:cxnSp>
-      <p:sp>
-        <p:nvSpPr>
-          <p:cNvPr id="19" name="Freeform: Shape 18">
-            <a:extLst>
-              <a:ext uri="{FF2B5EF4-FFF2-40B4-BE49-F238E27FC236}">
-                <a16:creationId xmlns:a16="http://schemas.microsoft.com/office/drawing/2014/main" id="{FDCEDE36-6152-2322-89DF-EA4B5808B594}"/>
-              </a:ext>
-            </a:extLst>
-          </p:cNvPr>
-          <p:cNvSpPr/>
-          <p:nvPr/>
-        </p:nvSpPr>
-        <p:spPr>
-          <a:xfrm>
-            <a:off x="2748449" y="918364"/>
-            <a:ext cx="157436" cy="1727200"/>
-          </a:xfrm>
-          <a:custGeom>
-            <a:avLst/>
-            <a:gdLst>
-              <a:gd name="connsiteX0" fmla="*/ 0 w 384048"/>
-              <a:gd name="connsiteY0" fmla="*/ 1456944 h 1456944"/>
-              <a:gd name="connsiteX1" fmla="*/ 0 w 384048"/>
-              <a:gd name="connsiteY1" fmla="*/ 0 h 1456944"/>
-              <a:gd name="connsiteX2" fmla="*/ 384048 w 384048"/>
-              <a:gd name="connsiteY2" fmla="*/ 0 h 1456944"/>
-            </a:gdLst>
-            <a:ahLst/>
-            <a:cxnLst>
-              <a:cxn ang="0">
-                <a:pos x="connsiteX0" y="connsiteY0"/>
-              </a:cxn>
-              <a:cxn ang="0">
-                <a:pos x="connsiteX1" y="connsiteY1"/>
-              </a:cxn>
-              <a:cxn ang="0">
-                <a:pos x="connsiteX2" y="connsiteY2"/>
-              </a:cxn>
-            </a:cxnLst>
-            <a:rect l="l" t="t" r="r" b="b"/>
-            <a:pathLst>
-              <a:path w="384048" h="1456944">
-                <a:moveTo>
-                  <a:pt x="0" y="1456944"/>
-                </a:moveTo>
-                <a:lnTo>
-                  <a:pt x="0" y="0"/>
-                </a:lnTo>
-                <a:lnTo>
-                  <a:pt x="384048" y="0"/>
-                </a:lnTo>
-              </a:path>
-            </a:pathLst>
-          </a:custGeom>
-          <a:ln w="25400">
-            <a:solidFill>
-              <a:srgbClr val="E02B72"/>
-            </a:solidFill>
-            <a:tailEnd type="triangle"/>
-          </a:ln>
-        </p:spPr>
-        <p:style>
-          <a:lnRef idx="1">
-            <a:schemeClr val="accent1"/>
-          </a:lnRef>
-          <a:fillRef idx="0">
-            <a:schemeClr val="accent1"/>
-          </a:fillRef>
-          <a:effectRef idx="0">
-            <a:schemeClr val="accent1"/>
-          </a:effectRef>
-          <a:fontRef idx="minor">
-            <a:schemeClr val="tx1"/>
-          </a:fontRef>
-        </p:style>
-        <p:txBody>
-          <a:bodyPr rtlCol="0" anchor="ctr"/>
-          <a:lstStyle/>
-          <a:p>
-            <a:pPr algn="ctr"/>
-            <a:endParaRPr lang="en-CA"/>
-          </a:p>
-        </p:txBody>
-      </p:sp>
-      <p:pic>
-        <p:nvPicPr>
-          <p:cNvPr id="4" name="Picture 3">
-            <a:extLst>
-              <a:ext uri="{FF2B5EF4-FFF2-40B4-BE49-F238E27FC236}">
-                <a16:creationId xmlns:a16="http://schemas.microsoft.com/office/drawing/2014/main" id="{B6C515F8-1218-2336-F63A-9F5CAFB5FFB1}"/>
-              </a:ext>
-            </a:extLst>
-          </p:cNvPr>
-          <p:cNvPicPr>
-            <a:picLocks noChangeAspect="1"/>
-          </p:cNvPicPr>
-          <p:nvPr/>
-        </p:nvPicPr>
-        <p:blipFill>
-          <a:blip r:embed="rId3"/>
-          <a:stretch>
-            <a:fillRect/>
-          </a:stretch>
-        </p:blipFill>
-        <p:spPr>
-          <a:xfrm>
-            <a:off x="2927036" y="869361"/>
-            <a:ext cx="5971650" cy="4673676"/>
-          </a:xfrm>
-          <a:prstGeom prst="rect">
-            <a:avLst/>
-          </a:prstGeom>
-          <a:ln w="25400">
-            <a:solidFill>
-              <a:srgbClr val="E02B72"/>
-            </a:solidFill>
-            <a:miter lim="800000"/>
-          </a:ln>
-          <a:effectLst>
-            <a:outerShdw blurRad="165100" dir="2700000" algn="tl" rotWithShape="0">
-              <a:prstClr val="black">
-                <a:alpha val="20000"/>
-              </a:prstClr>
-            </a:outerShdw>
-          </a:effectLst>
-        </p:spPr>
-      </p:pic>
-    </p:spTree>
-    <p:extLst>
-      <p:ext uri="{BB962C8B-B14F-4D97-AF65-F5344CB8AC3E}">
-        <p14:creationId xmlns:p14="http://schemas.microsoft.com/office/powerpoint/2010/main" val="2542428014"/>
       </p:ext>
     </p:extLst>
   </p:cSld>
@@ -27658,6 +32021,32 @@
         </a:fontRef>
       </a:style>
     </a:spDef>
+    <a:lnDef>
+      <a:spPr>
+        <a:ln w="19050">
+          <a:solidFill>
+            <a:srgbClr val="5C6D74"/>
+          </a:solidFill>
+          <a:tailEnd type="none"/>
+        </a:ln>
+      </a:spPr>
+      <a:bodyPr/>
+      <a:lstStyle/>
+      <a:style>
+        <a:lnRef idx="1">
+          <a:schemeClr val="accent1"/>
+        </a:lnRef>
+        <a:fillRef idx="0">
+          <a:schemeClr val="accent1"/>
+        </a:fillRef>
+        <a:effectRef idx="0">
+          <a:schemeClr val="accent1"/>
+        </a:effectRef>
+        <a:fontRef idx="minor">
+          <a:schemeClr val="tx1"/>
+        </a:fontRef>
+      </a:style>
+    </a:lnDef>
     <a:txDef>
       <a:spPr>
         <a:noFill/>

--- a/OpenAI-BackendTools.pptx
+++ b/OpenAI-BackendTools.pptx
@@ -5,10 +5,10 @@
     <p:sldMasterId id="2147483678" r:id="rId1"/>
   </p:sldMasterIdLst>
   <p:notesMasterIdLst>
-    <p:notesMasterId r:id="rId13"/>
+    <p:notesMasterId r:id="rId15"/>
   </p:notesMasterIdLst>
   <p:handoutMasterIdLst>
-    <p:handoutMasterId r:id="rId14"/>
+    <p:handoutMasterId r:id="rId16"/>
   </p:handoutMasterIdLst>
   <p:sldIdLst>
     <p:sldId id="258" r:id="rId2"/>
@@ -22,6 +22,8 @@
     <p:sldId id="266" r:id="rId10"/>
     <p:sldId id="264" r:id="rId11"/>
     <p:sldId id="265" r:id="rId12"/>
+    <p:sldId id="269" r:id="rId13"/>
+    <p:sldId id="270" r:id="rId14"/>
   </p:sldIdLst>
   <p:sldSz cx="9144000" cy="5715000" type="screen16x10"/>
   <p:notesSz cx="6797675" cy="9926638"/>
@@ -229,7 +231,7 @@
           <a:p>
             <a:fld id="{FC4BCF81-FD30-4738-8CD3-6C15724C57DB}" type="datetimeFigureOut">
               <a:rPr lang="en-GB" smtClean="0"/>
-              <a:t>19/07/2025</a:t>
+              <a:t>21/07/2025</a:t>
             </a:fld>
             <a:endParaRPr lang="en-GB"/>
           </a:p>
@@ -394,7 +396,7 @@
           <a:p>
             <a:fld id="{393C90FD-22B7-4ADA-A649-5A6995920D65}" type="datetimeFigureOut">
               <a:rPr lang="en-US" smtClean="0"/>
-              <a:t>7/19/2025</a:t>
+              <a:t>7/21/2025</a:t>
             </a:fld>
             <a:endParaRPr lang="en-US"/>
           </a:p>
@@ -19218,6 +19220,346 @@
     <p:extLst>
       <p:ext uri="{BB962C8B-B14F-4D97-AF65-F5344CB8AC3E}">
         <p14:creationId xmlns:p14="http://schemas.microsoft.com/office/powerpoint/2010/main" val="2542428014"/>
+      </p:ext>
+    </p:extLst>
+  </p:cSld>
+  <p:clrMapOvr>
+    <a:masterClrMapping/>
+  </p:clrMapOvr>
+</p:sld>
+</file>
+
+<file path=ppt/slides/slide12.xml><?xml version="1.0" encoding="utf-8"?>
+<p:sld xmlns:a="http://schemas.openxmlformats.org/drawingml/2006/main" xmlns:r="http://schemas.openxmlformats.org/officeDocument/2006/relationships" xmlns:p="http://schemas.openxmlformats.org/presentationml/2006/main">
+  <p:cSld>
+    <p:spTree>
+      <p:nvGrpSpPr>
+        <p:cNvPr id="1" name=""/>
+        <p:cNvGrpSpPr/>
+        <p:nvPr/>
+      </p:nvGrpSpPr>
+      <p:grpSpPr>
+        <a:xfrm>
+          <a:off x="0" y="0"/>
+          <a:ext cx="0" cy="0"/>
+          <a:chOff x="0" y="0"/>
+          <a:chExt cx="0" cy="0"/>
+        </a:xfrm>
+      </p:grpSpPr>
+      <p:sp>
+        <p:nvSpPr>
+          <p:cNvPr id="2" name="Title 1">
+            <a:extLst>
+              <a:ext uri="{FF2B5EF4-FFF2-40B4-BE49-F238E27FC236}">
+                <a16:creationId xmlns:a16="http://schemas.microsoft.com/office/drawing/2014/main" id="{DA391E45-5173-E639-33B2-276F945F228B}"/>
+              </a:ext>
+            </a:extLst>
+          </p:cNvPr>
+          <p:cNvSpPr>
+            <a:spLocks noGrp="1"/>
+          </p:cNvSpPr>
+          <p:nvPr>
+            <p:ph type="title"/>
+          </p:nvPr>
+        </p:nvSpPr>
+        <p:spPr/>
+        <p:txBody>
+          <a:bodyPr/>
+          <a:lstStyle/>
+          <a:p>
+            <a:r>
+              <a:rPr lang="en-US"/>
+              <a:t>Evals</a:t>
+            </a:r>
+            <a:endParaRPr lang="en-CA"/>
+          </a:p>
+        </p:txBody>
+      </p:sp>
+      <p:pic>
+        <p:nvPicPr>
+          <p:cNvPr id="10" name="Picture 9">
+            <a:extLst>
+              <a:ext uri="{FF2B5EF4-FFF2-40B4-BE49-F238E27FC236}">
+                <a16:creationId xmlns:a16="http://schemas.microsoft.com/office/drawing/2014/main" id="{9062CECC-C62F-3843-CB62-41381A44FC60}"/>
+              </a:ext>
+            </a:extLst>
+          </p:cNvPr>
+          <p:cNvPicPr>
+            <a:picLocks noChangeAspect="1"/>
+          </p:cNvPicPr>
+          <p:nvPr/>
+        </p:nvPicPr>
+        <p:blipFill>
+          <a:blip r:embed="rId2"/>
+          <a:stretch>
+            <a:fillRect/>
+          </a:stretch>
+        </p:blipFill>
+        <p:spPr>
+          <a:xfrm>
+            <a:off x="7020272" y="811345"/>
+            <a:ext cx="1261981" cy="881558"/>
+          </a:xfrm>
+          <a:prstGeom prst="rect">
+            <a:avLst/>
+          </a:prstGeom>
+          <a:effectLst>
+            <a:outerShdw blurRad="165100" dir="2700000" algn="tl" rotWithShape="0">
+              <a:prstClr val="black">
+                <a:alpha val="20000"/>
+              </a:prstClr>
+            </a:outerShdw>
+          </a:effectLst>
+        </p:spPr>
+      </p:pic>
+      <p:pic>
+        <p:nvPicPr>
+          <p:cNvPr id="12" name="Picture 11">
+            <a:extLst>
+              <a:ext uri="{FF2B5EF4-FFF2-40B4-BE49-F238E27FC236}">
+                <a16:creationId xmlns:a16="http://schemas.microsoft.com/office/drawing/2014/main" id="{C754A429-5EE9-C752-C10D-32BFBFF23899}"/>
+              </a:ext>
+            </a:extLst>
+          </p:cNvPr>
+          <p:cNvPicPr>
+            <a:picLocks noChangeAspect="1"/>
+          </p:cNvPicPr>
+          <p:nvPr/>
+        </p:nvPicPr>
+        <p:blipFill>
+          <a:blip r:embed="rId3"/>
+          <a:stretch>
+            <a:fillRect/>
+          </a:stretch>
+        </p:blipFill>
+        <p:spPr>
+          <a:xfrm>
+            <a:off x="205801" y="831116"/>
+            <a:ext cx="3548180" cy="2842201"/>
+          </a:xfrm>
+          <a:prstGeom prst="rect">
+            <a:avLst/>
+          </a:prstGeom>
+          <a:effectLst>
+            <a:outerShdw blurRad="165100" dir="2700000" algn="tl" rotWithShape="0">
+              <a:prstClr val="black">
+                <a:alpha val="20000"/>
+              </a:prstClr>
+            </a:outerShdw>
+          </a:effectLst>
+        </p:spPr>
+      </p:pic>
+      <p:pic>
+        <p:nvPicPr>
+          <p:cNvPr id="14" name="Picture 13">
+            <a:extLst>
+              <a:ext uri="{FF2B5EF4-FFF2-40B4-BE49-F238E27FC236}">
+                <a16:creationId xmlns:a16="http://schemas.microsoft.com/office/drawing/2014/main" id="{FF63CC6A-6145-3E35-6558-74D3CF0FFEBF}"/>
+              </a:ext>
+            </a:extLst>
+          </p:cNvPr>
+          <p:cNvPicPr>
+            <a:picLocks noChangeAspect="1"/>
+          </p:cNvPicPr>
+          <p:nvPr/>
+        </p:nvPicPr>
+        <p:blipFill>
+          <a:blip r:embed="rId4"/>
+          <a:stretch>
+            <a:fillRect/>
+          </a:stretch>
+        </p:blipFill>
+        <p:spPr>
+          <a:xfrm>
+            <a:off x="207916" y="3865612"/>
+            <a:ext cx="4246842" cy="1159560"/>
+          </a:xfrm>
+          <a:prstGeom prst="rect">
+            <a:avLst/>
+          </a:prstGeom>
+          <a:effectLst>
+            <a:outerShdw blurRad="165100" dir="2700000" algn="tl" rotWithShape="0">
+              <a:prstClr val="black">
+                <a:alpha val="20000"/>
+              </a:prstClr>
+            </a:outerShdw>
+          </a:effectLst>
+        </p:spPr>
+      </p:pic>
+      <p:pic>
+        <p:nvPicPr>
+          <p:cNvPr id="8" name="Picture 7">
+            <a:extLst>
+              <a:ext uri="{FF2B5EF4-FFF2-40B4-BE49-F238E27FC236}">
+                <a16:creationId xmlns:a16="http://schemas.microsoft.com/office/drawing/2014/main" id="{6257E391-8D3B-9DD5-DE49-009EFBA6BF89}"/>
+              </a:ext>
+            </a:extLst>
+          </p:cNvPr>
+          <p:cNvPicPr>
+            <a:picLocks noChangeAspect="1"/>
+          </p:cNvPicPr>
+          <p:nvPr/>
+        </p:nvPicPr>
+        <p:blipFill>
+          <a:blip r:embed="rId5"/>
+          <a:stretch>
+            <a:fillRect/>
+          </a:stretch>
+        </p:blipFill>
+        <p:spPr>
+          <a:xfrm>
+            <a:off x="4725887" y="795729"/>
+            <a:ext cx="2165487" cy="2202066"/>
+          </a:xfrm>
+          <a:prstGeom prst="rect">
+            <a:avLst/>
+          </a:prstGeom>
+          <a:effectLst>
+            <a:outerShdw blurRad="165100" dir="2700000" algn="tl" rotWithShape="0">
+              <a:prstClr val="black">
+                <a:alpha val="20000"/>
+              </a:prstClr>
+            </a:outerShdw>
+          </a:effectLst>
+        </p:spPr>
+      </p:pic>
+      <p:pic>
+        <p:nvPicPr>
+          <p:cNvPr id="5" name="Picture 4">
+            <a:extLst>
+              <a:ext uri="{FF2B5EF4-FFF2-40B4-BE49-F238E27FC236}">
+                <a16:creationId xmlns:a16="http://schemas.microsoft.com/office/drawing/2014/main" id="{AC8F0BAB-4583-3649-9B32-1C28914E65E0}"/>
+              </a:ext>
+            </a:extLst>
+          </p:cNvPr>
+          <p:cNvPicPr>
+            <a:picLocks noChangeAspect="1"/>
+          </p:cNvPicPr>
+          <p:nvPr/>
+        </p:nvPicPr>
+        <p:blipFill>
+          <a:blip r:embed="rId6"/>
+          <a:stretch>
+            <a:fillRect/>
+          </a:stretch>
+        </p:blipFill>
+        <p:spPr>
+          <a:xfrm>
+            <a:off x="4725887" y="3073524"/>
+            <a:ext cx="4177341" cy="2432515"/>
+          </a:xfrm>
+          <a:prstGeom prst="rect">
+            <a:avLst/>
+          </a:prstGeom>
+          <a:effectLst>
+            <a:outerShdw blurRad="165100" dir="2700000" algn="tl" rotWithShape="0">
+              <a:prstClr val="black">
+                <a:alpha val="20000"/>
+              </a:prstClr>
+            </a:outerShdw>
+          </a:effectLst>
+        </p:spPr>
+      </p:pic>
+    </p:spTree>
+    <p:extLst>
+      <p:ext uri="{BB962C8B-B14F-4D97-AF65-F5344CB8AC3E}">
+        <p14:creationId xmlns:p14="http://schemas.microsoft.com/office/powerpoint/2010/main" val="544718404"/>
+      </p:ext>
+    </p:extLst>
+  </p:cSld>
+  <p:clrMapOvr>
+    <a:masterClrMapping/>
+  </p:clrMapOvr>
+</p:sld>
+</file>
+
+<file path=ppt/slides/slide13.xml><?xml version="1.0" encoding="utf-8"?>
+<p:sld xmlns:a="http://schemas.openxmlformats.org/drawingml/2006/main" xmlns:r="http://schemas.openxmlformats.org/officeDocument/2006/relationships" xmlns:p="http://schemas.openxmlformats.org/presentationml/2006/main">
+  <p:cSld>
+    <p:spTree>
+      <p:nvGrpSpPr>
+        <p:cNvPr id="1" name=""/>
+        <p:cNvGrpSpPr/>
+        <p:nvPr/>
+      </p:nvGrpSpPr>
+      <p:grpSpPr>
+        <a:xfrm>
+          <a:off x="0" y="0"/>
+          <a:ext cx="0" cy="0"/>
+          <a:chOff x="0" y="0"/>
+          <a:chExt cx="0" cy="0"/>
+        </a:xfrm>
+      </p:grpSpPr>
+      <p:sp>
+        <p:nvSpPr>
+          <p:cNvPr id="2" name="Title 1">
+            <a:extLst>
+              <a:ext uri="{FF2B5EF4-FFF2-40B4-BE49-F238E27FC236}">
+                <a16:creationId xmlns:a16="http://schemas.microsoft.com/office/drawing/2014/main" id="{DA391E45-5173-E639-33B2-276F945F228B}"/>
+              </a:ext>
+            </a:extLst>
+          </p:cNvPr>
+          <p:cNvSpPr>
+            <a:spLocks noGrp="1"/>
+          </p:cNvSpPr>
+          <p:nvPr>
+            <p:ph type="title"/>
+          </p:nvPr>
+        </p:nvSpPr>
+        <p:spPr/>
+        <p:txBody>
+          <a:bodyPr/>
+          <a:lstStyle/>
+          <a:p>
+            <a:r>
+              <a:rPr lang="en-US"/>
+              <a:t>Evals</a:t>
+            </a:r>
+            <a:endParaRPr lang="en-CA"/>
+          </a:p>
+        </p:txBody>
+      </p:sp>
+      <p:pic>
+        <p:nvPicPr>
+          <p:cNvPr id="5" name="Picture 4">
+            <a:extLst>
+              <a:ext uri="{FF2B5EF4-FFF2-40B4-BE49-F238E27FC236}">
+                <a16:creationId xmlns:a16="http://schemas.microsoft.com/office/drawing/2014/main" id="{AC8F0BAB-4583-3649-9B32-1C28914E65E0}"/>
+              </a:ext>
+            </a:extLst>
+          </p:cNvPr>
+          <p:cNvPicPr>
+            <a:picLocks noChangeAspect="1"/>
+          </p:cNvPicPr>
+          <p:nvPr/>
+        </p:nvPicPr>
+        <p:blipFill>
+          <a:blip r:embed="rId2"/>
+          <a:stretch>
+            <a:fillRect/>
+          </a:stretch>
+        </p:blipFill>
+        <p:spPr>
+          <a:xfrm>
+            <a:off x="4725887" y="3073524"/>
+            <a:ext cx="4177341" cy="2432515"/>
+          </a:xfrm>
+          <a:prstGeom prst="rect">
+            <a:avLst/>
+          </a:prstGeom>
+          <a:effectLst>
+            <a:outerShdw blurRad="165100" dir="2700000" algn="tl" rotWithShape="0">
+              <a:prstClr val="black">
+                <a:alpha val="20000"/>
+              </a:prstClr>
+            </a:outerShdw>
+          </a:effectLst>
+        </p:spPr>
+      </p:pic>
+    </p:spTree>
+    <p:extLst>
+      <p:ext uri="{BB962C8B-B14F-4D97-AF65-F5344CB8AC3E}">
+        <p14:creationId xmlns:p14="http://schemas.microsoft.com/office/powerpoint/2010/main" val="284354502"/>
       </p:ext>
     </p:extLst>
   </p:cSld>
@@ -23833,6 +24175,144 @@
           </a:p>
         </p:txBody>
       </p:sp>
+      <p:grpSp>
+        <p:nvGrpSpPr>
+          <p:cNvPr id="7" name="Group 6">
+            <a:extLst>
+              <a:ext uri="{FF2B5EF4-FFF2-40B4-BE49-F238E27FC236}">
+                <a16:creationId xmlns:a16="http://schemas.microsoft.com/office/drawing/2014/main" id="{FA82D3FC-0644-105F-F237-341AD1636C01}"/>
+              </a:ext>
+            </a:extLst>
+          </p:cNvPr>
+          <p:cNvGrpSpPr/>
+          <p:nvPr/>
+        </p:nvGrpSpPr>
+        <p:grpSpPr>
+          <a:xfrm>
+            <a:off x="3952675" y="3936892"/>
+            <a:ext cx="1051373" cy="370229"/>
+            <a:chOff x="3952675" y="3936892"/>
+            <a:chExt cx="1051373" cy="370229"/>
+          </a:xfrm>
+          <a:effectLst>
+            <a:outerShdw blurRad="127000" dist="38100" dir="2700000" algn="tl" rotWithShape="0">
+              <a:prstClr val="black">
+                <a:alpha val="20000"/>
+              </a:prstClr>
+            </a:outerShdw>
+          </a:effectLst>
+        </p:grpSpPr>
+        <p:sp>
+          <p:nvSpPr>
+            <p:cNvPr id="3" name="TextBox 2">
+              <a:extLst>
+                <a:ext uri="{FF2B5EF4-FFF2-40B4-BE49-F238E27FC236}">
+                  <a16:creationId xmlns:a16="http://schemas.microsoft.com/office/drawing/2014/main" id="{D5E33521-3F98-8E4A-41D0-55E74F9FFBD3}"/>
+                </a:ext>
+              </a:extLst>
+            </p:cNvPr>
+            <p:cNvSpPr txBox="1"/>
+            <p:nvPr/>
+          </p:nvSpPr>
+          <p:spPr>
+            <a:xfrm>
+              <a:off x="4082689" y="3936892"/>
+              <a:ext cx="921359" cy="245058"/>
+            </a:xfrm>
+            <a:prstGeom prst="rect">
+              <a:avLst/>
+            </a:prstGeom>
+            <a:solidFill>
+              <a:srgbClr val="FF0000"/>
+            </a:solidFill>
+          </p:spPr>
+          <p:txBody>
+            <a:bodyPr wrap="square" lIns="36000" tIns="36000" rIns="36000" bIns="36000" rtlCol="0">
+              <a:spAutoFit/>
+            </a:bodyPr>
+            <a:lstStyle/>
+            <a:p>
+              <a:pPr algn="l">
+                <a:lnSpc>
+                  <a:spcPct val="80000"/>
+                </a:lnSpc>
+              </a:pPr>
+              <a:r>
+                <a:rPr lang="en-US" sz="700" b="1">
+                  <a:solidFill>
+                    <a:schemeClr val="bg1"/>
+                  </a:solidFill>
+                  <a:latin typeface="Arial Narrow" panose="020B0606020202030204" pitchFamily="34" charset="0"/>
+                </a:rPr>
+                <a:t>Only for files generated by assistants</a:t>
+              </a:r>
+              <a:endParaRPr lang="en-CA" sz="700" b="1">
+                <a:solidFill>
+                  <a:schemeClr val="bg1"/>
+                </a:solidFill>
+                <a:latin typeface="Arial Narrow" panose="020B0606020202030204" pitchFamily="34" charset="0"/>
+              </a:endParaRPr>
+            </a:p>
+          </p:txBody>
+        </p:sp>
+        <p:sp>
+          <p:nvSpPr>
+            <p:cNvPr id="5" name="Arrow: Right 4">
+              <a:extLst>
+                <a:ext uri="{FF2B5EF4-FFF2-40B4-BE49-F238E27FC236}">
+                  <a16:creationId xmlns:a16="http://schemas.microsoft.com/office/drawing/2014/main" id="{AF7D35AC-A919-ACAC-3EBC-9C7B60E55A6A}"/>
+                </a:ext>
+              </a:extLst>
+            </p:cNvPr>
+            <p:cNvSpPr/>
+            <p:nvPr/>
+          </p:nvSpPr>
+          <p:spPr>
+            <a:xfrm rot="8100000">
+              <a:off x="3952675" y="4113351"/>
+              <a:ext cx="193770" cy="193770"/>
+            </a:xfrm>
+            <a:prstGeom prst="rightArrow">
+              <a:avLst/>
+            </a:prstGeom>
+            <a:solidFill>
+              <a:srgbClr val="FF0000"/>
+            </a:solidFill>
+            <a:ln>
+              <a:noFill/>
+            </a:ln>
+          </p:spPr>
+          <p:style>
+            <a:lnRef idx="2">
+              <a:schemeClr val="accent1">
+                <a:shade val="15000"/>
+              </a:schemeClr>
+            </a:lnRef>
+            <a:fillRef idx="1">
+              <a:schemeClr val="accent1"/>
+            </a:fillRef>
+            <a:effectRef idx="0">
+              <a:schemeClr val="accent1"/>
+            </a:effectRef>
+            <a:fontRef idx="minor">
+              <a:schemeClr val="lt1"/>
+            </a:fontRef>
+          </p:style>
+          <p:txBody>
+            <a:bodyPr lIns="36000" tIns="36000" rIns="36000" bIns="36000" rtlCol="0" anchor="ctr"/>
+            <a:lstStyle/>
+            <a:p>
+              <a:pPr algn="ctr"/>
+              <a:endParaRPr lang="en-CA" sz="1600">
+                <a:solidFill>
+                  <a:srgbClr val="005AB4"/>
+                </a:solidFill>
+                <a:latin typeface="Arial Narrow" panose="020B0606020202030204" pitchFamily="34" charset="0"/>
+              </a:endParaRPr>
+            </a:p>
+          </p:txBody>
+        </p:sp>
+      </p:grpSp>
     </p:spTree>
     <p:extLst>
       <p:ext uri="{BB962C8B-B14F-4D97-AF65-F5344CB8AC3E}">

--- a/OpenAI-BackendTools.pptx
+++ b/OpenAI-BackendTools.pptx
@@ -5,10 +5,10 @@
     <p:sldMasterId id="2147483678" r:id="rId1"/>
   </p:sldMasterIdLst>
   <p:notesMasterIdLst>
-    <p:notesMasterId r:id="rId15"/>
+    <p:notesMasterId r:id="rId17"/>
   </p:notesMasterIdLst>
   <p:handoutMasterIdLst>
-    <p:handoutMasterId r:id="rId16"/>
+    <p:handoutMasterId r:id="rId18"/>
   </p:handoutMasterIdLst>
   <p:sldIdLst>
     <p:sldId id="258" r:id="rId2"/>
@@ -24,6 +24,8 @@
     <p:sldId id="265" r:id="rId12"/>
     <p:sldId id="269" r:id="rId13"/>
     <p:sldId id="270" r:id="rId14"/>
+    <p:sldId id="271" r:id="rId15"/>
+    <p:sldId id="272" r:id="rId16"/>
   </p:sldIdLst>
   <p:sldSz cx="9144000" cy="5715000" type="screen16x10"/>
   <p:notesSz cx="6797675" cy="9926638"/>
@@ -231,7 +233,7 @@
           <a:p>
             <a:fld id="{FC4BCF81-FD30-4738-8CD3-6C15724C57DB}" type="datetimeFigureOut">
               <a:rPr lang="en-GB" smtClean="0"/>
-              <a:t>21/07/2025</a:t>
+              <a:t>23/07/2025</a:t>
             </a:fld>
             <a:endParaRPr lang="en-GB"/>
           </a:p>
@@ -396,7 +398,7 @@
           <a:p>
             <a:fld id="{393C90FD-22B7-4ADA-A649-5A6995920D65}" type="datetimeFigureOut">
               <a:rPr lang="en-US" smtClean="0"/>
-              <a:t>7/21/2025</a:t>
+              <a:t>7/23/2025</a:t>
             </a:fld>
             <a:endParaRPr lang="en-US"/>
           </a:p>
@@ -19560,6 +19562,1006 @@
     <p:extLst>
       <p:ext uri="{BB962C8B-B14F-4D97-AF65-F5344CB8AC3E}">
         <p14:creationId xmlns:p14="http://schemas.microsoft.com/office/powerpoint/2010/main" val="284354502"/>
+      </p:ext>
+    </p:extLst>
+  </p:cSld>
+  <p:clrMapOvr>
+    <a:masterClrMapping/>
+  </p:clrMapOvr>
+</p:sld>
+</file>
+
+<file path=ppt/slides/slide14.xml><?xml version="1.0" encoding="utf-8"?>
+<p:sld xmlns:a="http://schemas.openxmlformats.org/drawingml/2006/main" xmlns:r="http://schemas.openxmlformats.org/officeDocument/2006/relationships" xmlns:p="http://schemas.openxmlformats.org/presentationml/2006/main">
+  <p:cSld>
+    <p:spTree>
+      <p:nvGrpSpPr>
+        <p:cNvPr id="1" name=""/>
+        <p:cNvGrpSpPr/>
+        <p:nvPr/>
+      </p:nvGrpSpPr>
+      <p:grpSpPr>
+        <a:xfrm>
+          <a:off x="0" y="0"/>
+          <a:ext cx="0" cy="0"/>
+          <a:chOff x="0" y="0"/>
+          <a:chExt cx="0" cy="0"/>
+        </a:xfrm>
+      </p:grpSpPr>
+      <p:sp>
+        <p:nvSpPr>
+          <p:cNvPr id="2" name="Title 1">
+            <a:extLst>
+              <a:ext uri="{FF2B5EF4-FFF2-40B4-BE49-F238E27FC236}">
+                <a16:creationId xmlns:a16="http://schemas.microsoft.com/office/drawing/2014/main" id="{DA391E45-5173-E639-33B2-276F945F228B}"/>
+              </a:ext>
+            </a:extLst>
+          </p:cNvPr>
+          <p:cNvSpPr>
+            <a:spLocks noGrp="1"/>
+          </p:cNvSpPr>
+          <p:nvPr>
+            <p:ph type="title"/>
+          </p:nvPr>
+        </p:nvSpPr>
+        <p:spPr/>
+        <p:txBody>
+          <a:bodyPr/>
+          <a:lstStyle/>
+          <a:p>
+            <a:r>
+              <a:rPr lang="en-US"/>
+              <a:t>Evaluation Types</a:t>
+            </a:r>
+            <a:endParaRPr lang="en-CA"/>
+          </a:p>
+        </p:txBody>
+      </p:sp>
+      <p:sp>
+        <p:nvSpPr>
+          <p:cNvPr id="4" name="Rectangle: Rounded Corners 3">
+            <a:extLst>
+              <a:ext uri="{FF2B5EF4-FFF2-40B4-BE49-F238E27FC236}">
+                <a16:creationId xmlns:a16="http://schemas.microsoft.com/office/drawing/2014/main" id="{F48378E1-7C9C-3EC1-65F1-DF9C5B09A09D}"/>
+              </a:ext>
+            </a:extLst>
+          </p:cNvPr>
+          <p:cNvSpPr/>
+          <p:nvPr/>
+        </p:nvSpPr>
+        <p:spPr>
+          <a:xfrm>
+            <a:off x="539552" y="1201316"/>
+            <a:ext cx="684000" cy="180000"/>
+          </a:xfrm>
+          <a:prstGeom prst="roundRect">
+            <a:avLst/>
+          </a:prstGeom>
+          <a:solidFill>
+            <a:srgbClr val="1064AF"/>
+          </a:solidFill>
+          <a:ln>
+            <a:solidFill>
+              <a:srgbClr val="1D5B93"/>
+            </a:solidFill>
+          </a:ln>
+          <a:effectLst>
+            <a:outerShdw blurRad="50800" dist="38100" dir="2700000" algn="tl" rotWithShape="0">
+              <a:prstClr val="black">
+                <a:alpha val="20000"/>
+              </a:prstClr>
+            </a:outerShdw>
+          </a:effectLst>
+        </p:spPr>
+        <p:style>
+          <a:lnRef idx="2">
+            <a:schemeClr val="accent1">
+              <a:shade val="15000"/>
+            </a:schemeClr>
+          </a:lnRef>
+          <a:fillRef idx="1">
+            <a:schemeClr val="accent1"/>
+          </a:fillRef>
+          <a:effectRef idx="0">
+            <a:schemeClr val="accent1"/>
+          </a:effectRef>
+          <a:fontRef idx="minor">
+            <a:schemeClr val="lt1"/>
+          </a:fontRef>
+        </p:style>
+        <p:txBody>
+          <a:bodyPr lIns="0" tIns="36000" rIns="0" bIns="0" rtlCol="0" anchor="ctr"/>
+          <a:lstStyle/>
+          <a:p>
+            <a:pPr algn="ctr">
+              <a:lnSpc>
+                <a:spcPct val="80000"/>
+              </a:lnSpc>
+            </a:pPr>
+            <a:r>
+              <a:rPr lang="en-US" sz="1000" b="1">
+                <a:solidFill>
+                  <a:schemeClr val="bg1"/>
+                </a:solidFill>
+                <a:latin typeface="Arial Narrow" panose="020B0606020202030204" pitchFamily="34" charset="0"/>
+              </a:rPr>
+              <a:t>Questions</a:t>
+            </a:r>
+            <a:endParaRPr lang="en-CA" sz="1000" b="1">
+              <a:solidFill>
+                <a:schemeClr val="bg1"/>
+              </a:solidFill>
+              <a:latin typeface="Arial Narrow" panose="020B0606020202030204" pitchFamily="34" charset="0"/>
+            </a:endParaRPr>
+          </a:p>
+        </p:txBody>
+      </p:sp>
+      <p:sp>
+        <p:nvSpPr>
+          <p:cNvPr id="6" name="Rectangle: Rounded Corners 5">
+            <a:extLst>
+              <a:ext uri="{FF2B5EF4-FFF2-40B4-BE49-F238E27FC236}">
+                <a16:creationId xmlns:a16="http://schemas.microsoft.com/office/drawing/2014/main" id="{98223F9B-6C78-78BB-3C69-756C4C7FF405}"/>
+              </a:ext>
+            </a:extLst>
+          </p:cNvPr>
+          <p:cNvSpPr/>
+          <p:nvPr/>
+        </p:nvSpPr>
+        <p:spPr>
+          <a:xfrm>
+            <a:off x="1403648" y="1201316"/>
+            <a:ext cx="684000" cy="180000"/>
+          </a:xfrm>
+          <a:prstGeom prst="roundRect">
+            <a:avLst/>
+          </a:prstGeom>
+          <a:solidFill>
+            <a:srgbClr val="883588"/>
+          </a:solidFill>
+          <a:ln>
+            <a:solidFill>
+              <a:srgbClr val="6D316D"/>
+            </a:solidFill>
+          </a:ln>
+          <a:effectLst>
+            <a:outerShdw blurRad="50800" dist="38100" dir="2700000" algn="tl" rotWithShape="0">
+              <a:prstClr val="black">
+                <a:alpha val="20000"/>
+              </a:prstClr>
+            </a:outerShdw>
+          </a:effectLst>
+        </p:spPr>
+        <p:style>
+          <a:lnRef idx="2">
+            <a:schemeClr val="accent1">
+              <a:shade val="15000"/>
+            </a:schemeClr>
+          </a:lnRef>
+          <a:fillRef idx="1">
+            <a:schemeClr val="accent1"/>
+          </a:fillRef>
+          <a:effectRef idx="0">
+            <a:schemeClr val="accent1"/>
+          </a:effectRef>
+          <a:fontRef idx="minor">
+            <a:schemeClr val="lt1"/>
+          </a:fontRef>
+        </p:style>
+        <p:txBody>
+          <a:bodyPr lIns="0" tIns="36000" rIns="0" bIns="0" rtlCol="0" anchor="ctr"/>
+          <a:lstStyle/>
+          <a:p>
+            <a:pPr algn="ctr">
+              <a:lnSpc>
+                <a:spcPct val="80000"/>
+              </a:lnSpc>
+            </a:pPr>
+            <a:r>
+              <a:rPr lang="en-US" sz="1000" b="1">
+                <a:solidFill>
+                  <a:schemeClr val="bg1"/>
+                </a:solidFill>
+                <a:latin typeface="Arial Narrow" panose="020B0606020202030204" pitchFamily="34" charset="0"/>
+              </a:rPr>
+              <a:t>Answers</a:t>
+            </a:r>
+            <a:endParaRPr lang="en-CA" sz="1000" b="1">
+              <a:solidFill>
+                <a:schemeClr val="bg1"/>
+              </a:solidFill>
+              <a:latin typeface="Arial Narrow" panose="020B0606020202030204" pitchFamily="34" charset="0"/>
+            </a:endParaRPr>
+          </a:p>
+        </p:txBody>
+      </p:sp>
+      <p:sp>
+        <p:nvSpPr>
+          <p:cNvPr id="7" name="Rectangle: Rounded Corners 6">
+            <a:extLst>
+              <a:ext uri="{FF2B5EF4-FFF2-40B4-BE49-F238E27FC236}">
+                <a16:creationId xmlns:a16="http://schemas.microsoft.com/office/drawing/2014/main" id="{6365AED6-626A-14A8-25A8-C3667C1838DA}"/>
+              </a:ext>
+            </a:extLst>
+          </p:cNvPr>
+          <p:cNvSpPr/>
+          <p:nvPr/>
+        </p:nvSpPr>
+        <p:spPr>
+          <a:xfrm>
+            <a:off x="2267744" y="1201316"/>
+            <a:ext cx="864096" cy="180000"/>
+          </a:xfrm>
+          <a:prstGeom prst="roundRect">
+            <a:avLst/>
+          </a:prstGeom>
+          <a:solidFill>
+            <a:srgbClr val="009245"/>
+          </a:solidFill>
+          <a:ln>
+            <a:solidFill>
+              <a:srgbClr val="07793D"/>
+            </a:solidFill>
+          </a:ln>
+          <a:effectLst>
+            <a:outerShdw blurRad="50800" dist="38100" dir="2700000" algn="tl" rotWithShape="0">
+              <a:prstClr val="black">
+                <a:alpha val="20000"/>
+              </a:prstClr>
+            </a:outerShdw>
+          </a:effectLst>
+        </p:spPr>
+        <p:style>
+          <a:lnRef idx="2">
+            <a:schemeClr val="accent1">
+              <a:shade val="15000"/>
+            </a:schemeClr>
+          </a:lnRef>
+          <a:fillRef idx="1">
+            <a:schemeClr val="accent1"/>
+          </a:fillRef>
+          <a:effectRef idx="0">
+            <a:schemeClr val="accent1"/>
+          </a:effectRef>
+          <a:fontRef idx="minor">
+            <a:schemeClr val="lt1"/>
+          </a:fontRef>
+        </p:style>
+        <p:txBody>
+          <a:bodyPr lIns="0" tIns="36000" rIns="0" bIns="0" rtlCol="0" anchor="ctr"/>
+          <a:lstStyle/>
+          <a:p>
+            <a:pPr algn="ctr">
+              <a:lnSpc>
+                <a:spcPct val="80000"/>
+              </a:lnSpc>
+            </a:pPr>
+            <a:r>
+              <a:rPr lang="en-US" sz="1000" b="1">
+                <a:solidFill>
+                  <a:schemeClr val="bg1"/>
+                </a:solidFill>
+                <a:latin typeface="Arial Narrow" panose="020B0606020202030204" pitchFamily="34" charset="0"/>
+              </a:rPr>
+              <a:t>Gold answers</a:t>
+            </a:r>
+            <a:endParaRPr lang="en-CA" sz="1000" b="1">
+              <a:solidFill>
+                <a:schemeClr val="bg1"/>
+              </a:solidFill>
+              <a:latin typeface="Arial Narrow" panose="020B0606020202030204" pitchFamily="34" charset="0"/>
+            </a:endParaRPr>
+          </a:p>
+        </p:txBody>
+      </p:sp>
+      <p:sp>
+        <p:nvSpPr>
+          <p:cNvPr id="8" name="Rectangle: Rounded Corners 7">
+            <a:extLst>
+              <a:ext uri="{FF2B5EF4-FFF2-40B4-BE49-F238E27FC236}">
+                <a16:creationId xmlns:a16="http://schemas.microsoft.com/office/drawing/2014/main" id="{F8C808AF-5F9A-8F96-AC56-E5779A9E4C6D}"/>
+              </a:ext>
+            </a:extLst>
+          </p:cNvPr>
+          <p:cNvSpPr/>
+          <p:nvPr/>
+        </p:nvSpPr>
+        <p:spPr>
+          <a:xfrm>
+            <a:off x="539552" y="1682632"/>
+            <a:ext cx="684000" cy="180000"/>
+          </a:xfrm>
+          <a:prstGeom prst="roundRect">
+            <a:avLst/>
+          </a:prstGeom>
+          <a:solidFill>
+            <a:srgbClr val="1064AF"/>
+          </a:solidFill>
+          <a:ln>
+            <a:solidFill>
+              <a:srgbClr val="1D5B93"/>
+            </a:solidFill>
+          </a:ln>
+          <a:effectLst>
+            <a:outerShdw blurRad="50800" dist="38100" dir="2700000" algn="tl" rotWithShape="0">
+              <a:prstClr val="black">
+                <a:alpha val="20000"/>
+              </a:prstClr>
+            </a:outerShdw>
+          </a:effectLst>
+        </p:spPr>
+        <p:style>
+          <a:lnRef idx="2">
+            <a:schemeClr val="accent1">
+              <a:shade val="15000"/>
+            </a:schemeClr>
+          </a:lnRef>
+          <a:fillRef idx="1">
+            <a:schemeClr val="accent1"/>
+          </a:fillRef>
+          <a:effectRef idx="0">
+            <a:schemeClr val="accent1"/>
+          </a:effectRef>
+          <a:fontRef idx="minor">
+            <a:schemeClr val="lt1"/>
+          </a:fontRef>
+        </p:style>
+        <p:txBody>
+          <a:bodyPr lIns="0" tIns="36000" rIns="0" bIns="0" rtlCol="0" anchor="ctr"/>
+          <a:lstStyle/>
+          <a:p>
+            <a:pPr algn="ctr">
+              <a:lnSpc>
+                <a:spcPct val="80000"/>
+              </a:lnSpc>
+            </a:pPr>
+            <a:r>
+              <a:rPr lang="en-US" sz="1000" b="1">
+                <a:solidFill>
+                  <a:schemeClr val="bg1"/>
+                </a:solidFill>
+                <a:latin typeface="Arial Narrow" panose="020B0606020202030204" pitchFamily="34" charset="0"/>
+              </a:rPr>
+              <a:t>Questions</a:t>
+            </a:r>
+            <a:endParaRPr lang="en-CA" sz="1000" b="1">
+              <a:solidFill>
+                <a:schemeClr val="bg1"/>
+              </a:solidFill>
+              <a:latin typeface="Arial Narrow" panose="020B0606020202030204" pitchFamily="34" charset="0"/>
+            </a:endParaRPr>
+          </a:p>
+        </p:txBody>
+      </p:sp>
+      <p:sp>
+        <p:nvSpPr>
+          <p:cNvPr id="9" name="Rectangle: Rounded Corners 8">
+            <a:extLst>
+              <a:ext uri="{FF2B5EF4-FFF2-40B4-BE49-F238E27FC236}">
+                <a16:creationId xmlns:a16="http://schemas.microsoft.com/office/drawing/2014/main" id="{46D83323-8479-95FA-1451-B395F7E7AF45}"/>
+              </a:ext>
+            </a:extLst>
+          </p:cNvPr>
+          <p:cNvSpPr/>
+          <p:nvPr/>
+        </p:nvSpPr>
+        <p:spPr>
+          <a:xfrm>
+            <a:off x="1403648" y="1682632"/>
+            <a:ext cx="684000" cy="180000"/>
+          </a:xfrm>
+          <a:prstGeom prst="roundRect">
+            <a:avLst/>
+          </a:prstGeom>
+          <a:solidFill>
+            <a:srgbClr val="883588"/>
+          </a:solidFill>
+          <a:ln>
+            <a:solidFill>
+              <a:srgbClr val="6D316D"/>
+            </a:solidFill>
+          </a:ln>
+          <a:effectLst>
+            <a:outerShdw blurRad="50800" dist="38100" dir="2700000" algn="tl" rotWithShape="0">
+              <a:prstClr val="black">
+                <a:alpha val="20000"/>
+              </a:prstClr>
+            </a:outerShdw>
+          </a:effectLst>
+        </p:spPr>
+        <p:style>
+          <a:lnRef idx="2">
+            <a:schemeClr val="accent1">
+              <a:shade val="15000"/>
+            </a:schemeClr>
+          </a:lnRef>
+          <a:fillRef idx="1">
+            <a:schemeClr val="accent1"/>
+          </a:fillRef>
+          <a:effectRef idx="0">
+            <a:schemeClr val="accent1"/>
+          </a:effectRef>
+          <a:fontRef idx="minor">
+            <a:schemeClr val="lt1"/>
+          </a:fontRef>
+        </p:style>
+        <p:txBody>
+          <a:bodyPr lIns="0" tIns="36000" rIns="0" bIns="0" rtlCol="0" anchor="ctr"/>
+          <a:lstStyle/>
+          <a:p>
+            <a:pPr algn="ctr">
+              <a:lnSpc>
+                <a:spcPct val="80000"/>
+              </a:lnSpc>
+            </a:pPr>
+            <a:r>
+              <a:rPr lang="en-US" sz="1000" b="1">
+                <a:solidFill>
+                  <a:schemeClr val="bg1"/>
+                </a:solidFill>
+                <a:latin typeface="Arial Narrow" panose="020B0606020202030204" pitchFamily="34" charset="0"/>
+              </a:rPr>
+              <a:t>Answers</a:t>
+            </a:r>
+            <a:endParaRPr lang="en-CA" sz="1000" b="1">
+              <a:solidFill>
+                <a:schemeClr val="bg1"/>
+              </a:solidFill>
+              <a:latin typeface="Arial Narrow" panose="020B0606020202030204" pitchFamily="34" charset="0"/>
+            </a:endParaRPr>
+          </a:p>
+        </p:txBody>
+      </p:sp>
+      <p:sp>
+        <p:nvSpPr>
+          <p:cNvPr id="10" name="Rectangle: Rounded Corners 9">
+            <a:extLst>
+              <a:ext uri="{FF2B5EF4-FFF2-40B4-BE49-F238E27FC236}">
+                <a16:creationId xmlns:a16="http://schemas.microsoft.com/office/drawing/2014/main" id="{9180B4D0-7563-9B95-FB59-61977E913419}"/>
+              </a:ext>
+            </a:extLst>
+          </p:cNvPr>
+          <p:cNvSpPr/>
+          <p:nvPr/>
+        </p:nvSpPr>
+        <p:spPr>
+          <a:xfrm>
+            <a:off x="2267744" y="1682632"/>
+            <a:ext cx="1080120" cy="180000"/>
+          </a:xfrm>
+          <a:prstGeom prst="roundRect">
+            <a:avLst/>
+          </a:prstGeom>
+          <a:solidFill>
+            <a:srgbClr val="00A5E1"/>
+          </a:solidFill>
+          <a:ln>
+            <a:solidFill>
+              <a:srgbClr val="098EBC"/>
+            </a:solidFill>
+          </a:ln>
+          <a:effectLst>
+            <a:outerShdw blurRad="50800" dist="38100" dir="2700000" algn="tl" rotWithShape="0">
+              <a:prstClr val="black">
+                <a:alpha val="20000"/>
+              </a:prstClr>
+            </a:outerShdw>
+          </a:effectLst>
+        </p:spPr>
+        <p:style>
+          <a:lnRef idx="2">
+            <a:schemeClr val="accent1">
+              <a:shade val="15000"/>
+            </a:schemeClr>
+          </a:lnRef>
+          <a:fillRef idx="1">
+            <a:schemeClr val="accent1"/>
+          </a:fillRef>
+          <a:effectRef idx="0">
+            <a:schemeClr val="accent1"/>
+          </a:effectRef>
+          <a:fontRef idx="minor">
+            <a:schemeClr val="lt1"/>
+          </a:fontRef>
+        </p:style>
+        <p:txBody>
+          <a:bodyPr lIns="0" tIns="36000" rIns="0" bIns="0" rtlCol="0" anchor="ctr"/>
+          <a:lstStyle/>
+          <a:p>
+            <a:pPr algn="ctr">
+              <a:lnSpc>
+                <a:spcPct val="80000"/>
+              </a:lnSpc>
+            </a:pPr>
+            <a:r>
+              <a:rPr lang="en-US" sz="1000" b="1">
+                <a:solidFill>
+                  <a:schemeClr val="bg1"/>
+                </a:solidFill>
+                <a:latin typeface="Arial Narrow" panose="020B0606020202030204" pitchFamily="34" charset="0"/>
+              </a:rPr>
+              <a:t>Retrieved chunks</a:t>
+            </a:r>
+            <a:endParaRPr lang="en-CA" sz="1000" b="1">
+              <a:solidFill>
+                <a:schemeClr val="bg1"/>
+              </a:solidFill>
+              <a:latin typeface="Arial Narrow" panose="020B0606020202030204" pitchFamily="34" charset="0"/>
+            </a:endParaRPr>
+          </a:p>
+        </p:txBody>
+      </p:sp>
+      <p:sp>
+        <p:nvSpPr>
+          <p:cNvPr id="11" name="TextBox 10">
+            <a:extLst>
+              <a:ext uri="{FF2B5EF4-FFF2-40B4-BE49-F238E27FC236}">
+                <a16:creationId xmlns:a16="http://schemas.microsoft.com/office/drawing/2014/main" id="{081CA50B-E4D2-0AEF-3E26-CD6BA3C960B5}"/>
+              </a:ext>
+            </a:extLst>
+          </p:cNvPr>
+          <p:cNvSpPr txBox="1"/>
+          <p:nvPr/>
+        </p:nvSpPr>
+        <p:spPr>
+          <a:xfrm>
+            <a:off x="3923928" y="1168205"/>
+            <a:ext cx="1425070" cy="246221"/>
+          </a:xfrm>
+          <a:prstGeom prst="rect">
+            <a:avLst/>
+          </a:prstGeom>
+          <a:noFill/>
+        </p:spPr>
+        <p:txBody>
+          <a:bodyPr wrap="none" lIns="0" tIns="0" rIns="0" bIns="0" rtlCol="0">
+            <a:spAutoFit/>
+          </a:bodyPr>
+          <a:lstStyle/>
+          <a:p>
+            <a:pPr algn="l"/>
+            <a:r>
+              <a:rPr lang="en-US" sz="1600">
+                <a:solidFill>
+                  <a:srgbClr val="005AB4"/>
+                </a:solidFill>
+                <a:latin typeface="Arial Narrow" panose="020B0606020202030204" pitchFamily="34" charset="0"/>
+              </a:rPr>
+              <a:t>Semantic Similarity</a:t>
+            </a:r>
+            <a:endParaRPr lang="en-CA" sz="1600">
+              <a:solidFill>
+                <a:srgbClr val="005AB4"/>
+              </a:solidFill>
+              <a:latin typeface="Arial Narrow" panose="020B0606020202030204" pitchFamily="34" charset="0"/>
+            </a:endParaRPr>
+          </a:p>
+        </p:txBody>
+      </p:sp>
+      <p:sp>
+        <p:nvSpPr>
+          <p:cNvPr id="12" name="TextBox 11">
+            <a:extLst>
+              <a:ext uri="{FF2B5EF4-FFF2-40B4-BE49-F238E27FC236}">
+                <a16:creationId xmlns:a16="http://schemas.microsoft.com/office/drawing/2014/main" id="{2F19C2E1-88DC-631E-A007-F2BEEFDEDF5F}"/>
+              </a:ext>
+            </a:extLst>
+          </p:cNvPr>
+          <p:cNvSpPr txBox="1"/>
+          <p:nvPr/>
+        </p:nvSpPr>
+        <p:spPr>
+          <a:xfrm>
+            <a:off x="5652120" y="1168205"/>
+            <a:ext cx="1173398" cy="246221"/>
+          </a:xfrm>
+          <a:prstGeom prst="rect">
+            <a:avLst/>
+          </a:prstGeom>
+          <a:noFill/>
+        </p:spPr>
+        <p:txBody>
+          <a:bodyPr wrap="none" lIns="0" tIns="0" rIns="0" bIns="0" rtlCol="0">
+            <a:spAutoFit/>
+          </a:bodyPr>
+          <a:lstStyle/>
+          <a:p>
+            <a:pPr algn="l"/>
+            <a:r>
+              <a:rPr lang="en-US" sz="1600">
+                <a:solidFill>
+                  <a:srgbClr val="005AB4"/>
+                </a:solidFill>
+                <a:latin typeface="Arial Narrow" panose="020B0606020202030204" pitchFamily="34" charset="0"/>
+              </a:rPr>
+              <a:t>LLM-as-a-judge</a:t>
+            </a:r>
+            <a:endParaRPr lang="en-CA" sz="1600">
+              <a:solidFill>
+                <a:srgbClr val="005AB4"/>
+              </a:solidFill>
+              <a:latin typeface="Arial Narrow" panose="020B0606020202030204" pitchFamily="34" charset="0"/>
+            </a:endParaRPr>
+          </a:p>
+        </p:txBody>
+      </p:sp>
+      <p:sp>
+        <p:nvSpPr>
+          <p:cNvPr id="13" name="TextBox 12">
+            <a:extLst>
+              <a:ext uri="{FF2B5EF4-FFF2-40B4-BE49-F238E27FC236}">
+                <a16:creationId xmlns:a16="http://schemas.microsoft.com/office/drawing/2014/main" id="{232E72AE-AD18-466A-A394-924F3C9DE67C}"/>
+              </a:ext>
+            </a:extLst>
+          </p:cNvPr>
+          <p:cNvSpPr txBox="1"/>
+          <p:nvPr/>
+        </p:nvSpPr>
+        <p:spPr>
+          <a:xfrm>
+            <a:off x="3923928" y="1649521"/>
+            <a:ext cx="1425070" cy="246221"/>
+          </a:xfrm>
+          <a:prstGeom prst="rect">
+            <a:avLst/>
+          </a:prstGeom>
+          <a:noFill/>
+        </p:spPr>
+        <p:txBody>
+          <a:bodyPr wrap="none" lIns="0" tIns="0" rIns="0" bIns="0" rtlCol="0">
+            <a:spAutoFit/>
+          </a:bodyPr>
+          <a:lstStyle/>
+          <a:p>
+            <a:pPr algn="l"/>
+            <a:r>
+              <a:rPr lang="en-US" sz="1600">
+                <a:solidFill>
+                  <a:srgbClr val="005AB4"/>
+                </a:solidFill>
+                <a:latin typeface="Arial Narrow" panose="020B0606020202030204" pitchFamily="34" charset="0"/>
+              </a:rPr>
+              <a:t>Semantic Similarity</a:t>
+            </a:r>
+            <a:endParaRPr lang="en-CA" sz="1600">
+              <a:solidFill>
+                <a:srgbClr val="005AB4"/>
+              </a:solidFill>
+              <a:latin typeface="Arial Narrow" panose="020B0606020202030204" pitchFamily="34" charset="0"/>
+            </a:endParaRPr>
+          </a:p>
+        </p:txBody>
+      </p:sp>
+    </p:spTree>
+    <p:extLst>
+      <p:ext uri="{BB962C8B-B14F-4D97-AF65-F5344CB8AC3E}">
+        <p14:creationId xmlns:p14="http://schemas.microsoft.com/office/powerpoint/2010/main" val="218251215"/>
+      </p:ext>
+    </p:extLst>
+  </p:cSld>
+  <p:clrMapOvr>
+    <a:masterClrMapping/>
+  </p:clrMapOvr>
+</p:sld>
+</file>
+
+<file path=ppt/slides/slide15.xml><?xml version="1.0" encoding="utf-8"?>
+<p:sld xmlns:a="http://schemas.openxmlformats.org/drawingml/2006/main" xmlns:r="http://schemas.openxmlformats.org/officeDocument/2006/relationships" xmlns:p="http://schemas.openxmlformats.org/presentationml/2006/main">
+  <p:cSld>
+    <p:spTree>
+      <p:nvGrpSpPr>
+        <p:cNvPr id="1" name=""/>
+        <p:cNvGrpSpPr/>
+        <p:nvPr/>
+      </p:nvGrpSpPr>
+      <p:grpSpPr>
+        <a:xfrm>
+          <a:off x="0" y="0"/>
+          <a:ext cx="0" cy="0"/>
+          <a:chOff x="0" y="0"/>
+          <a:chExt cx="0" cy="0"/>
+        </a:xfrm>
+      </p:grpSpPr>
+      <p:sp>
+        <p:nvSpPr>
+          <p:cNvPr id="2" name="Title 1">
+            <a:extLst>
+              <a:ext uri="{FF2B5EF4-FFF2-40B4-BE49-F238E27FC236}">
+                <a16:creationId xmlns:a16="http://schemas.microsoft.com/office/drawing/2014/main" id="{DA391E45-5173-E639-33B2-276F945F228B}"/>
+              </a:ext>
+            </a:extLst>
+          </p:cNvPr>
+          <p:cNvSpPr>
+            <a:spLocks noGrp="1"/>
+          </p:cNvSpPr>
+          <p:nvPr>
+            <p:ph type="title"/>
+          </p:nvPr>
+        </p:nvSpPr>
+        <p:spPr/>
+        <p:txBody>
+          <a:bodyPr/>
+          <a:lstStyle/>
+          <a:p>
+            <a:r>
+              <a:rPr lang="en-US"/>
+              <a:t>LLM-as-a-judge Prompts</a:t>
+            </a:r>
+            <a:endParaRPr lang="en-CA"/>
+          </a:p>
+        </p:txBody>
+      </p:sp>
+      <p:sp>
+        <p:nvSpPr>
+          <p:cNvPr id="20" name="Content Placeholder 19">
+            <a:extLst>
+              <a:ext uri="{FF2B5EF4-FFF2-40B4-BE49-F238E27FC236}">
+                <a16:creationId xmlns:a16="http://schemas.microsoft.com/office/drawing/2014/main" id="{C3CB07B3-D298-9B78-AD40-C04688DE78A7}"/>
+              </a:ext>
+            </a:extLst>
+          </p:cNvPr>
+          <p:cNvSpPr>
+            <a:spLocks noGrp="1"/>
+          </p:cNvSpPr>
+          <p:nvPr>
+            <p:ph idx="1"/>
+          </p:nvPr>
+        </p:nvSpPr>
+        <p:spPr/>
+        <p:txBody>
+          <a:bodyPr/>
+          <a:lstStyle/>
+          <a:p>
+            <a:pPr marL="0" indent="0">
+              <a:buNone/>
+            </a:pPr>
+            <a:r>
+              <a:rPr lang="en-US" b="1"/>
+              <a:t>Problem:</a:t>
+            </a:r>
+            <a:r>
+              <a:rPr lang="en-US"/>
+              <a:t> Answer scores can differ on each run, even with temperature = 0</a:t>
+            </a:r>
+            <a:endParaRPr lang="en-CA"/>
+          </a:p>
+        </p:txBody>
+      </p:sp>
+      <p:sp>
+        <p:nvSpPr>
+          <p:cNvPr id="11" name="TextBox 10">
+            <a:extLst>
+              <a:ext uri="{FF2B5EF4-FFF2-40B4-BE49-F238E27FC236}">
+                <a16:creationId xmlns:a16="http://schemas.microsoft.com/office/drawing/2014/main" id="{081CA50B-E4D2-0AEF-3E26-CD6BA3C960B5}"/>
+              </a:ext>
+            </a:extLst>
+          </p:cNvPr>
+          <p:cNvSpPr txBox="1"/>
+          <p:nvPr/>
+        </p:nvSpPr>
+        <p:spPr>
+          <a:xfrm>
+            <a:off x="323528" y="1623089"/>
+            <a:ext cx="1667123" cy="246221"/>
+          </a:xfrm>
+          <a:prstGeom prst="rect">
+            <a:avLst/>
+          </a:prstGeom>
+          <a:noFill/>
+        </p:spPr>
+        <p:txBody>
+          <a:bodyPr wrap="none" lIns="0" tIns="0" rIns="0" bIns="0" rtlCol="0">
+            <a:spAutoFit/>
+          </a:bodyPr>
+          <a:lstStyle/>
+          <a:p>
+            <a:pPr algn="l"/>
+            <a:r>
+              <a:rPr lang="en-US" sz="1600">
+                <a:solidFill>
+                  <a:srgbClr val="005AB4"/>
+                </a:solidFill>
+                <a:latin typeface="Arial Narrow" panose="020B0606020202030204" pitchFamily="34" charset="0"/>
+              </a:rPr>
+              <a:t>Simple scoring prompt</a:t>
+            </a:r>
+            <a:endParaRPr lang="en-CA" sz="1600">
+              <a:solidFill>
+                <a:srgbClr val="005AB4"/>
+              </a:solidFill>
+              <a:latin typeface="Arial Narrow" panose="020B0606020202030204" pitchFamily="34" charset="0"/>
+            </a:endParaRPr>
+          </a:p>
+        </p:txBody>
+      </p:sp>
+      <p:pic>
+        <p:nvPicPr>
+          <p:cNvPr id="5" name="Picture 4">
+            <a:extLst>
+              <a:ext uri="{FF2B5EF4-FFF2-40B4-BE49-F238E27FC236}">
+                <a16:creationId xmlns:a16="http://schemas.microsoft.com/office/drawing/2014/main" id="{D86C574C-EA37-E687-AF84-F5BB33BAC0D5}"/>
+              </a:ext>
+            </a:extLst>
+          </p:cNvPr>
+          <p:cNvPicPr>
+            <a:picLocks noChangeAspect="1"/>
+          </p:cNvPicPr>
+          <p:nvPr/>
+        </p:nvPicPr>
+        <p:blipFill>
+          <a:blip r:embed="rId2"/>
+          <a:stretch>
+            <a:fillRect/>
+          </a:stretch>
+        </p:blipFill>
+        <p:spPr>
+          <a:xfrm>
+            <a:off x="2915816" y="1551081"/>
+            <a:ext cx="5993432" cy="911526"/>
+          </a:xfrm>
+          <a:prstGeom prst="rect">
+            <a:avLst/>
+          </a:prstGeom>
+        </p:spPr>
+      </p:pic>
+      <p:sp>
+        <p:nvSpPr>
+          <p:cNvPr id="14" name="TextBox 13">
+            <a:extLst>
+              <a:ext uri="{FF2B5EF4-FFF2-40B4-BE49-F238E27FC236}">
+                <a16:creationId xmlns:a16="http://schemas.microsoft.com/office/drawing/2014/main" id="{ACD0562D-B077-472F-1CDF-B154EAA3C295}"/>
+              </a:ext>
+            </a:extLst>
+          </p:cNvPr>
+          <p:cNvSpPr txBox="1"/>
+          <p:nvPr/>
+        </p:nvSpPr>
+        <p:spPr>
+          <a:xfrm>
+            <a:off x="323528" y="2717841"/>
+            <a:ext cx="1070806" cy="246221"/>
+          </a:xfrm>
+          <a:prstGeom prst="rect">
+            <a:avLst/>
+          </a:prstGeom>
+          <a:noFill/>
+        </p:spPr>
+        <p:txBody>
+          <a:bodyPr wrap="none" lIns="0" tIns="0" rIns="0" bIns="0" rtlCol="0">
+            <a:spAutoFit/>
+          </a:bodyPr>
+          <a:lstStyle/>
+          <a:p>
+            <a:pPr algn="l"/>
+            <a:r>
+              <a:rPr lang="en-US" sz="1600">
+                <a:solidFill>
+                  <a:srgbClr val="005AB4"/>
+                </a:solidFill>
+                <a:latin typeface="Arial Narrow" panose="020B0606020202030204" pitchFamily="34" charset="0"/>
+              </a:rPr>
+              <a:t>Scoring model</a:t>
+            </a:r>
+            <a:endParaRPr lang="en-CA" sz="1600">
+              <a:solidFill>
+                <a:srgbClr val="005AB4"/>
+              </a:solidFill>
+              <a:latin typeface="Arial Narrow" panose="020B0606020202030204" pitchFamily="34" charset="0"/>
+            </a:endParaRPr>
+          </a:p>
+        </p:txBody>
+      </p:sp>
+      <p:pic>
+        <p:nvPicPr>
+          <p:cNvPr id="16" name="Picture 15">
+            <a:extLst>
+              <a:ext uri="{FF2B5EF4-FFF2-40B4-BE49-F238E27FC236}">
+                <a16:creationId xmlns:a16="http://schemas.microsoft.com/office/drawing/2014/main" id="{76E7D3F6-8898-BB5B-65AF-1EC257057413}"/>
+              </a:ext>
+            </a:extLst>
+          </p:cNvPr>
+          <p:cNvPicPr>
+            <a:picLocks noChangeAspect="1"/>
+          </p:cNvPicPr>
+          <p:nvPr/>
+        </p:nvPicPr>
+        <p:blipFill>
+          <a:blip r:embed="rId3"/>
+          <a:stretch>
+            <a:fillRect/>
+          </a:stretch>
+        </p:blipFill>
+        <p:spPr>
+          <a:xfrm>
+            <a:off x="2915816" y="2670523"/>
+            <a:ext cx="5993432" cy="915165"/>
+          </a:xfrm>
+          <a:prstGeom prst="rect">
+            <a:avLst/>
+          </a:prstGeom>
+        </p:spPr>
+      </p:pic>
+      <p:pic>
+        <p:nvPicPr>
+          <p:cNvPr id="18" name="Picture 17">
+            <a:extLst>
+              <a:ext uri="{FF2B5EF4-FFF2-40B4-BE49-F238E27FC236}">
+                <a16:creationId xmlns:a16="http://schemas.microsoft.com/office/drawing/2014/main" id="{8B8EEE7F-1C86-1BD6-154C-0260F2763C1E}"/>
+              </a:ext>
+            </a:extLst>
+          </p:cNvPr>
+          <p:cNvPicPr>
+            <a:picLocks noChangeAspect="1"/>
+          </p:cNvPicPr>
+          <p:nvPr/>
+        </p:nvPicPr>
+        <p:blipFill>
+          <a:blip r:embed="rId4"/>
+          <a:stretch>
+            <a:fillRect/>
+          </a:stretch>
+        </p:blipFill>
+        <p:spPr>
+          <a:xfrm>
+            <a:off x="2915816" y="3793604"/>
+            <a:ext cx="5993432" cy="912827"/>
+          </a:xfrm>
+          <a:prstGeom prst="rect">
+            <a:avLst/>
+          </a:prstGeom>
+        </p:spPr>
+      </p:pic>
+      <p:sp>
+        <p:nvSpPr>
+          <p:cNvPr id="19" name="TextBox 18">
+            <a:extLst>
+              <a:ext uri="{FF2B5EF4-FFF2-40B4-BE49-F238E27FC236}">
+                <a16:creationId xmlns:a16="http://schemas.microsoft.com/office/drawing/2014/main" id="{2147EBBA-F8F3-71F1-0DA2-3BD7F8BB7F82}"/>
+              </a:ext>
+            </a:extLst>
+          </p:cNvPr>
+          <p:cNvSpPr txBox="1"/>
+          <p:nvPr/>
+        </p:nvSpPr>
+        <p:spPr>
+          <a:xfrm>
+            <a:off x="323528" y="3826376"/>
+            <a:ext cx="1726435" cy="246221"/>
+          </a:xfrm>
+          <a:prstGeom prst="rect">
+            <a:avLst/>
+          </a:prstGeom>
+          <a:noFill/>
+        </p:spPr>
+        <p:txBody>
+          <a:bodyPr wrap="none" lIns="0" tIns="0" rIns="0" bIns="0" rtlCol="0">
+            <a:spAutoFit/>
+          </a:bodyPr>
+          <a:lstStyle/>
+          <a:p>
+            <a:pPr algn="l"/>
+            <a:r>
+              <a:rPr lang="en-US" sz="1600">
+                <a:solidFill>
+                  <a:srgbClr val="005AB4"/>
+                </a:solidFill>
+                <a:latin typeface="Arial Narrow" panose="020B0606020202030204" pitchFamily="34" charset="0"/>
+              </a:rPr>
+              <a:t>Langchain Correctness</a:t>
+            </a:r>
+            <a:endParaRPr lang="en-CA" sz="1600">
+              <a:solidFill>
+                <a:srgbClr val="005AB4"/>
+              </a:solidFill>
+              <a:latin typeface="Arial Narrow" panose="020B0606020202030204" pitchFamily="34" charset="0"/>
+            </a:endParaRPr>
+          </a:p>
+        </p:txBody>
+      </p:sp>
+    </p:spTree>
+    <p:extLst>
+      <p:ext uri="{BB962C8B-B14F-4D97-AF65-F5344CB8AC3E}">
+        <p14:creationId xmlns:p14="http://schemas.microsoft.com/office/powerpoint/2010/main" val="2002005780"/>
       </p:ext>
     </p:extLst>
   </p:cSld>

--- a/OpenAI-BackendTools.pptx
+++ b/OpenAI-BackendTools.pptx
@@ -5,27 +5,28 @@
     <p:sldMasterId id="2147483678" r:id="rId1"/>
   </p:sldMasterIdLst>
   <p:notesMasterIdLst>
-    <p:notesMasterId r:id="rId17"/>
+    <p:notesMasterId r:id="rId18"/>
   </p:notesMasterIdLst>
   <p:handoutMasterIdLst>
-    <p:handoutMasterId r:id="rId18"/>
+    <p:handoutMasterId r:id="rId19"/>
   </p:handoutMasterIdLst>
   <p:sldIdLst>
     <p:sldId id="258" r:id="rId2"/>
-    <p:sldId id="268" r:id="rId3"/>
-    <p:sldId id="267" r:id="rId4"/>
-    <p:sldId id="261" r:id="rId5"/>
-    <p:sldId id="259" r:id="rId6"/>
-    <p:sldId id="260" r:id="rId7"/>
-    <p:sldId id="262" r:id="rId8"/>
-    <p:sldId id="263" r:id="rId9"/>
-    <p:sldId id="266" r:id="rId10"/>
-    <p:sldId id="264" r:id="rId11"/>
-    <p:sldId id="265" r:id="rId12"/>
-    <p:sldId id="269" r:id="rId13"/>
-    <p:sldId id="270" r:id="rId14"/>
+    <p:sldId id="812" r:id="rId3"/>
+    <p:sldId id="268" r:id="rId4"/>
+    <p:sldId id="267" r:id="rId5"/>
+    <p:sldId id="261" r:id="rId6"/>
+    <p:sldId id="259" r:id="rId7"/>
+    <p:sldId id="260" r:id="rId8"/>
+    <p:sldId id="262" r:id="rId9"/>
+    <p:sldId id="263" r:id="rId10"/>
+    <p:sldId id="266" r:id="rId11"/>
+    <p:sldId id="264" r:id="rId12"/>
+    <p:sldId id="265" r:id="rId13"/>
+    <p:sldId id="269" r:id="rId14"/>
     <p:sldId id="271" r:id="rId15"/>
     <p:sldId id="272" r:id="rId16"/>
+    <p:sldId id="813" r:id="rId17"/>
   </p:sldIdLst>
   <p:sldSz cx="9144000" cy="5715000" type="screen16x10"/>
   <p:notesSz cx="6797675" cy="9926638"/>
@@ -233,7 +234,7 @@
           <a:p>
             <a:fld id="{FC4BCF81-FD30-4738-8CD3-6C15724C57DB}" type="datetimeFigureOut">
               <a:rPr lang="en-GB" smtClean="0"/>
-              <a:t>23/07/2025</a:t>
+              <a:t>24/07/2025</a:t>
             </a:fld>
             <a:endParaRPr lang="en-GB"/>
           </a:p>
@@ -398,7 +399,7 @@
           <a:p>
             <a:fld id="{393C90FD-22B7-4ADA-A649-5A6995920D65}" type="datetimeFigureOut">
               <a:rPr lang="en-US" smtClean="0"/>
-              <a:t>7/23/2025</a:t>
+              <a:t>7/24/2025</a:t>
             </a:fld>
             <a:endParaRPr lang="en-US"/>
           </a:p>
@@ -730,7 +731,7 @@
           <a:p>
             <a:fld id="{23EA29DB-83F2-4FAA-A01A-4544EE521358}" type="slidenum">
               <a:rPr lang="en-US" smtClean="0"/>
-              <a:t>2</a:t>
+              <a:t>3</a:t>
             </a:fld>
             <a:endParaRPr lang="en-US"/>
           </a:p>
@@ -740,6 +741,90 @@
     <p:extLst>
       <p:ext uri="{BB962C8B-B14F-4D97-AF65-F5344CB8AC3E}">
         <p14:creationId xmlns:p14="http://schemas.microsoft.com/office/powerpoint/2010/main" val="829209947"/>
+      </p:ext>
+    </p:extLst>
+  </p:cSld>
+  <p:clrMapOvr>
+    <a:masterClrMapping/>
+  </p:clrMapOvr>
+</p:notes>
+</file>
+
+<file path=ppt/notesSlides/notesSlide2.xml><?xml version="1.0" encoding="utf-8"?>
+<p:notes xmlns:a="http://schemas.openxmlformats.org/drawingml/2006/main" xmlns:r="http://schemas.openxmlformats.org/officeDocument/2006/relationships" xmlns:p="http://schemas.openxmlformats.org/presentationml/2006/main">
+  <p:cSld>
+    <p:spTree>
+      <p:nvGrpSpPr>
+        <p:cNvPr id="1" name=""/>
+        <p:cNvGrpSpPr/>
+        <p:nvPr/>
+      </p:nvGrpSpPr>
+      <p:grpSpPr>
+        <a:xfrm>
+          <a:off x="0" y="0"/>
+          <a:ext cx="0" cy="0"/>
+          <a:chOff x="0" y="0"/>
+          <a:chExt cx="0" cy="0"/>
+        </a:xfrm>
+      </p:grpSpPr>
+      <p:sp>
+        <p:nvSpPr>
+          <p:cNvPr id="2" name="Slide Image Placeholder 1"/>
+          <p:cNvSpPr>
+            <a:spLocks noGrp="1" noRot="1" noChangeAspect="1"/>
+          </p:cNvSpPr>
+          <p:nvPr>
+            <p:ph type="sldImg"/>
+          </p:nvPr>
+        </p:nvSpPr>
+        <p:spPr/>
+      </p:sp>
+      <p:sp>
+        <p:nvSpPr>
+          <p:cNvPr id="3" name="Notes Placeholder 2"/>
+          <p:cNvSpPr>
+            <a:spLocks noGrp="1"/>
+          </p:cNvSpPr>
+          <p:nvPr>
+            <p:ph type="body" idx="1"/>
+          </p:nvPr>
+        </p:nvSpPr>
+        <p:spPr/>
+        <p:txBody>
+          <a:bodyPr/>
+          <a:lstStyle/>
+          <a:p>
+            <a:endParaRPr lang="en-CA"/>
+          </a:p>
+        </p:txBody>
+      </p:sp>
+      <p:sp>
+        <p:nvSpPr>
+          <p:cNvPr id="4" name="Slide Number Placeholder 3"/>
+          <p:cNvSpPr>
+            <a:spLocks noGrp="1"/>
+          </p:cNvSpPr>
+          <p:nvPr>
+            <p:ph type="sldNum" sz="quarter" idx="5"/>
+          </p:nvPr>
+        </p:nvSpPr>
+        <p:spPr/>
+        <p:txBody>
+          <a:bodyPr/>
+          <a:lstStyle/>
+          <a:p>
+            <a:fld id="{23EA29DB-83F2-4FAA-A01A-4544EE521358}" type="slidenum">
+              <a:rPr lang="en-US" smtClean="0"/>
+              <a:t>15</a:t>
+            </a:fld>
+            <a:endParaRPr lang="en-US"/>
+          </a:p>
+        </p:txBody>
+      </p:sp>
+    </p:spTree>
+    <p:extLst>
+      <p:ext uri="{BB962C8B-B14F-4D97-AF65-F5344CB8AC3E}">
+        <p14:creationId xmlns:p14="http://schemas.microsoft.com/office/powerpoint/2010/main" val="2128262725"/>
       </p:ext>
     </p:extLst>
   </p:cSld>
@@ -18423,6 +18508,424 @@
 </file>
 
 <file path=ppt/slides/slide10.xml><?xml version="1.0" encoding="utf-8"?>
+<p:sld xmlns:a="http://schemas.openxmlformats.org/drawingml/2006/main" xmlns:r="http://schemas.openxmlformats.org/officeDocument/2006/relationships" xmlns:p="http://schemas.openxmlformats.org/presentationml/2006/main">
+  <p:cSld>
+    <p:spTree>
+      <p:nvGrpSpPr>
+        <p:cNvPr id="1" name=""/>
+        <p:cNvGrpSpPr/>
+        <p:nvPr/>
+      </p:nvGrpSpPr>
+      <p:grpSpPr>
+        <a:xfrm>
+          <a:off x="0" y="0"/>
+          <a:ext cx="0" cy="0"/>
+          <a:chOff x="0" y="0"/>
+          <a:chExt cx="0" cy="0"/>
+        </a:xfrm>
+      </p:grpSpPr>
+      <p:sp>
+        <p:nvSpPr>
+          <p:cNvPr id="2" name="Title 1">
+            <a:extLst>
+              <a:ext uri="{FF2B5EF4-FFF2-40B4-BE49-F238E27FC236}">
+                <a16:creationId xmlns:a16="http://schemas.microsoft.com/office/drawing/2014/main" id="{DA391E45-5173-E639-33B2-276F945F228B}"/>
+              </a:ext>
+            </a:extLst>
+          </p:cNvPr>
+          <p:cNvSpPr>
+            <a:spLocks noGrp="1"/>
+          </p:cNvSpPr>
+          <p:nvPr>
+            <p:ph type="title"/>
+          </p:nvPr>
+        </p:nvSpPr>
+        <p:spPr/>
+        <p:txBody>
+          <a:bodyPr/>
+          <a:lstStyle/>
+          <a:p>
+            <a:r>
+              <a:rPr lang="en-US"/>
+              <a:t>Search Results with query rewrite</a:t>
+            </a:r>
+            <a:endParaRPr lang="en-CA"/>
+          </a:p>
+        </p:txBody>
+      </p:sp>
+      <p:pic>
+        <p:nvPicPr>
+          <p:cNvPr id="5" name="Picture 4">
+            <a:extLst>
+              <a:ext uri="{FF2B5EF4-FFF2-40B4-BE49-F238E27FC236}">
+                <a16:creationId xmlns:a16="http://schemas.microsoft.com/office/drawing/2014/main" id="{B3F73481-56AA-A374-D910-233D181C582F}"/>
+              </a:ext>
+            </a:extLst>
+          </p:cNvPr>
+          <p:cNvPicPr>
+            <a:picLocks noChangeAspect="1"/>
+          </p:cNvPicPr>
+          <p:nvPr/>
+        </p:nvPicPr>
+        <p:blipFill>
+          <a:blip r:embed="rId2"/>
+          <a:stretch>
+            <a:fillRect/>
+          </a:stretch>
+        </p:blipFill>
+        <p:spPr>
+          <a:xfrm>
+            <a:off x="371493" y="841276"/>
+            <a:ext cx="2930203" cy="4361518"/>
+          </a:xfrm>
+          <a:prstGeom prst="rect">
+            <a:avLst/>
+          </a:prstGeom>
+        </p:spPr>
+      </p:pic>
+      <p:pic>
+        <p:nvPicPr>
+          <p:cNvPr id="9" name="Picture 8">
+            <a:extLst>
+              <a:ext uri="{FF2B5EF4-FFF2-40B4-BE49-F238E27FC236}">
+                <a16:creationId xmlns:a16="http://schemas.microsoft.com/office/drawing/2014/main" id="{E00D3593-133D-E87E-55E6-ADA36B134A35}"/>
+              </a:ext>
+            </a:extLst>
+          </p:cNvPr>
+          <p:cNvPicPr>
+            <a:picLocks noChangeAspect="1"/>
+          </p:cNvPicPr>
+          <p:nvPr/>
+        </p:nvPicPr>
+        <p:blipFill>
+          <a:blip r:embed="rId3"/>
+          <a:stretch>
+            <a:fillRect/>
+          </a:stretch>
+        </p:blipFill>
+        <p:spPr>
+          <a:xfrm>
+            <a:off x="3851920" y="2001553"/>
+            <a:ext cx="4499238" cy="2222515"/>
+          </a:xfrm>
+          <a:prstGeom prst="rect">
+            <a:avLst/>
+          </a:prstGeom>
+        </p:spPr>
+      </p:pic>
+      <p:sp>
+        <p:nvSpPr>
+          <p:cNvPr id="10" name="TextBox 9">
+            <a:extLst>
+              <a:ext uri="{FF2B5EF4-FFF2-40B4-BE49-F238E27FC236}">
+                <a16:creationId xmlns:a16="http://schemas.microsoft.com/office/drawing/2014/main" id="{49F6B8BB-8B81-59FF-6EFC-B06F8FC8A913}"/>
+              </a:ext>
+            </a:extLst>
+          </p:cNvPr>
+          <p:cNvSpPr txBox="1"/>
+          <p:nvPr/>
+        </p:nvSpPr>
+        <p:spPr>
+          <a:xfrm>
+            <a:off x="3995936" y="950350"/>
+            <a:ext cx="3637214" cy="492443"/>
+          </a:xfrm>
+          <a:prstGeom prst="rect">
+            <a:avLst/>
+          </a:prstGeom>
+          <a:noFill/>
+        </p:spPr>
+        <p:txBody>
+          <a:bodyPr wrap="none" lIns="0" tIns="0" rIns="0" bIns="0" rtlCol="0">
+            <a:spAutoFit/>
+          </a:bodyPr>
+          <a:lstStyle/>
+          <a:p>
+            <a:r>
+              <a:rPr lang="en-US" sz="1600">
+                <a:solidFill>
+                  <a:srgbClr val="005AB4"/>
+                </a:solidFill>
+                <a:latin typeface="Arial Narrow" panose="020B0606020202030204" pitchFamily="34" charset="0"/>
+              </a:rPr>
+              <a:t>Query: </a:t>
+            </a:r>
+            <a:r>
+              <a:rPr lang="en-US" sz="1600" b="0">
+                <a:solidFill>
+                  <a:srgbClr val="00AA1E"/>
+                </a:solidFill>
+                <a:effectLst/>
+                <a:latin typeface="JetBrains Mono" panose="020B0509020102050004" pitchFamily="49" charset="0"/>
+              </a:rPr>
+              <a:t>All files from year 2015.</a:t>
+            </a:r>
+          </a:p>
+          <a:p>
+            <a:r>
+              <a:rPr lang="en-US" sz="1600">
+                <a:solidFill>
+                  <a:srgbClr val="005AB4"/>
+                </a:solidFill>
+                <a:latin typeface="Arial Narrow" panose="020B0606020202030204" pitchFamily="34" charset="0"/>
+              </a:rPr>
+              <a:t>Rewritten query: </a:t>
+            </a:r>
+            <a:r>
+              <a:rPr lang="en-US" sz="1600" b="0">
+                <a:solidFill>
+                  <a:srgbClr val="00AA1E"/>
+                </a:solidFill>
+                <a:effectLst/>
+                <a:latin typeface="JetBrains Mono" panose="020B0509020102050004" pitchFamily="49" charset="0"/>
+              </a:rPr>
+              <a:t>Files from 2015</a:t>
+            </a:r>
+            <a:endParaRPr lang="en-US" sz="1600" b="0">
+              <a:solidFill>
+                <a:srgbClr val="000000"/>
+              </a:solidFill>
+              <a:effectLst/>
+              <a:latin typeface="JetBrains Mono" panose="020B0509020102050004" pitchFamily="49" charset="0"/>
+            </a:endParaRPr>
+          </a:p>
+        </p:txBody>
+      </p:sp>
+      <p:sp>
+        <p:nvSpPr>
+          <p:cNvPr id="11" name="TextBox 10">
+            <a:extLst>
+              <a:ext uri="{FF2B5EF4-FFF2-40B4-BE49-F238E27FC236}">
+                <a16:creationId xmlns:a16="http://schemas.microsoft.com/office/drawing/2014/main" id="{F704FCAD-573D-6913-3585-7D3DAE4BDDCD}"/>
+              </a:ext>
+            </a:extLst>
+          </p:cNvPr>
+          <p:cNvSpPr txBox="1"/>
+          <p:nvPr/>
+        </p:nvSpPr>
+        <p:spPr>
+          <a:xfrm>
+            <a:off x="5292080" y="5305772"/>
+            <a:ext cx="2720296" cy="138499"/>
+          </a:xfrm>
+          <a:prstGeom prst="rect">
+            <a:avLst/>
+          </a:prstGeom>
+          <a:noFill/>
+        </p:spPr>
+        <p:txBody>
+          <a:bodyPr wrap="none" lIns="0" tIns="0" rIns="0" bIns="0" rtlCol="0">
+            <a:spAutoFit/>
+          </a:bodyPr>
+          <a:lstStyle/>
+          <a:p>
+            <a:pPr algn="l"/>
+            <a:r>
+              <a:rPr lang="en-CA" sz="900">
+                <a:solidFill>
+                  <a:srgbClr val="005AB4"/>
+                </a:solidFill>
+                <a:latin typeface="Arial Narrow" panose="020B0606020202030204" pitchFamily="34" charset="0"/>
+                <a:hlinkClick r:id="rId4"/>
+              </a:rPr>
+              <a:t>https://platform.openai.com/docs/guides/retrieval#query-rewriting</a:t>
+            </a:r>
+            <a:endParaRPr lang="en-CA" sz="900">
+              <a:solidFill>
+                <a:srgbClr val="005AB4"/>
+              </a:solidFill>
+              <a:latin typeface="Arial Narrow" panose="020B0606020202030204" pitchFamily="34" charset="0"/>
+            </a:endParaRPr>
+          </a:p>
+        </p:txBody>
+      </p:sp>
+      <p:sp>
+        <p:nvSpPr>
+          <p:cNvPr id="12" name="Rectangle 11">
+            <a:extLst>
+              <a:ext uri="{FF2B5EF4-FFF2-40B4-BE49-F238E27FC236}">
+                <a16:creationId xmlns:a16="http://schemas.microsoft.com/office/drawing/2014/main" id="{70B446C6-09BB-70F8-14FA-03EDECFA1AAB}"/>
+              </a:ext>
+            </a:extLst>
+          </p:cNvPr>
+          <p:cNvSpPr/>
+          <p:nvPr/>
+        </p:nvSpPr>
+        <p:spPr>
+          <a:xfrm>
+            <a:off x="506103" y="2059904"/>
+            <a:ext cx="1944216" cy="216024"/>
+          </a:xfrm>
+          <a:prstGeom prst="rect">
+            <a:avLst/>
+          </a:prstGeom>
+          <a:noFill/>
+          <a:ln w="25400">
+            <a:solidFill>
+              <a:srgbClr val="FF0000"/>
+            </a:solidFill>
+          </a:ln>
+        </p:spPr>
+        <p:style>
+          <a:lnRef idx="2">
+            <a:schemeClr val="accent1">
+              <a:shade val="15000"/>
+            </a:schemeClr>
+          </a:lnRef>
+          <a:fillRef idx="1">
+            <a:schemeClr val="accent1"/>
+          </a:fillRef>
+          <a:effectRef idx="0">
+            <a:schemeClr val="accent1"/>
+          </a:effectRef>
+          <a:fontRef idx="minor">
+            <a:schemeClr val="lt1"/>
+          </a:fontRef>
+        </p:style>
+        <p:txBody>
+          <a:bodyPr lIns="36000" tIns="36000" rIns="36000" bIns="36000" rtlCol="0" anchor="ctr"/>
+          <a:lstStyle/>
+          <a:p>
+            <a:pPr algn="ctr"/>
+            <a:endParaRPr lang="en-CA" sz="1600">
+              <a:solidFill>
+                <a:srgbClr val="005AB4"/>
+              </a:solidFill>
+              <a:latin typeface="Arial Narrow" panose="020B0606020202030204" pitchFamily="34" charset="0"/>
+            </a:endParaRPr>
+          </a:p>
+        </p:txBody>
+      </p:sp>
+      <p:sp>
+        <p:nvSpPr>
+          <p:cNvPr id="14" name="TextBox 13">
+            <a:extLst>
+              <a:ext uri="{FF2B5EF4-FFF2-40B4-BE49-F238E27FC236}">
+                <a16:creationId xmlns:a16="http://schemas.microsoft.com/office/drawing/2014/main" id="{E6CAB2A2-01ED-F6EE-DEB9-074B3A465E95}"/>
+              </a:ext>
+            </a:extLst>
+          </p:cNvPr>
+          <p:cNvSpPr txBox="1"/>
+          <p:nvPr/>
+        </p:nvSpPr>
+        <p:spPr>
+          <a:xfrm>
+            <a:off x="3874749" y="1544582"/>
+            <a:ext cx="4872208" cy="257122"/>
+          </a:xfrm>
+          <a:prstGeom prst="rect">
+            <a:avLst/>
+          </a:prstGeom>
+          <a:noFill/>
+        </p:spPr>
+        <p:txBody>
+          <a:bodyPr wrap="square">
+            <a:spAutoFit/>
+          </a:bodyPr>
+          <a:lstStyle/>
+          <a:p>
+            <a:pPr>
+              <a:lnSpc>
+                <a:spcPts val="1425"/>
+              </a:lnSpc>
+            </a:pPr>
+            <a:r>
+              <a:rPr lang="en-US" sz="900" b="0">
+                <a:solidFill>
+                  <a:srgbClr val="321EC8"/>
+                </a:solidFill>
+                <a:effectLst/>
+                <a:latin typeface="JetBrains Mono" panose="020B0509020102050004" pitchFamily="49" charset="0"/>
+              </a:rPr>
+              <a:t>rewritten_search_query</a:t>
+            </a:r>
+            <a:r>
+              <a:rPr lang="en-US" sz="900" b="0">
+                <a:solidFill>
+                  <a:srgbClr val="000000"/>
+                </a:solidFill>
+                <a:effectLst/>
+                <a:latin typeface="JetBrains Mono" panose="020B0509020102050004" pitchFamily="49" charset="0"/>
+              </a:rPr>
+              <a:t> </a:t>
+            </a:r>
+            <a:r>
+              <a:rPr lang="en-US" sz="900" b="0">
+                <a:solidFill>
+                  <a:srgbClr val="002B55"/>
+                </a:solidFill>
+                <a:effectLst/>
+                <a:latin typeface="JetBrains Mono" panose="020B0509020102050004" pitchFamily="49" charset="0"/>
+              </a:rPr>
+              <a:t>=</a:t>
+            </a:r>
+            <a:r>
+              <a:rPr lang="en-US" sz="900" b="0">
+                <a:solidFill>
+                  <a:srgbClr val="000000"/>
+                </a:solidFill>
+                <a:effectLst/>
+                <a:latin typeface="JetBrains Mono" panose="020B0509020102050004" pitchFamily="49" charset="0"/>
+              </a:rPr>
+              <a:t> </a:t>
+            </a:r>
+            <a:r>
+              <a:rPr lang="en-US" sz="900" b="0">
+                <a:solidFill>
+                  <a:srgbClr val="321EC8"/>
+                </a:solidFill>
+                <a:effectLst/>
+                <a:latin typeface="JetBrains Mono" panose="020B0509020102050004" pitchFamily="49" charset="0"/>
+              </a:rPr>
+              <a:t>search_results</a:t>
+            </a:r>
+            <a:r>
+              <a:rPr lang="en-US" sz="900" b="0">
+                <a:solidFill>
+                  <a:srgbClr val="000000"/>
+                </a:solidFill>
+                <a:effectLst/>
+                <a:latin typeface="JetBrains Mono" panose="020B0509020102050004" pitchFamily="49" charset="0"/>
+              </a:rPr>
+              <a:t>.model_extra[</a:t>
+            </a:r>
+            <a:r>
+              <a:rPr lang="en-US" sz="900" b="0">
+                <a:solidFill>
+                  <a:srgbClr val="00AA1E"/>
+                </a:solidFill>
+                <a:effectLst/>
+                <a:latin typeface="JetBrains Mono" panose="020B0509020102050004" pitchFamily="49" charset="0"/>
+              </a:rPr>
+              <a:t>'search_query'</a:t>
+            </a:r>
+            <a:r>
+              <a:rPr lang="en-US" sz="900" b="0">
+                <a:solidFill>
+                  <a:srgbClr val="000000"/>
+                </a:solidFill>
+                <a:effectLst/>
+                <a:latin typeface="JetBrains Mono" panose="020B0509020102050004" pitchFamily="49" charset="0"/>
+              </a:rPr>
+              <a:t>]</a:t>
+            </a:r>
+          </a:p>
+        </p:txBody>
+      </p:sp>
+    </p:spTree>
+    <p:extLst>
+      <p:ext uri="{BB962C8B-B14F-4D97-AF65-F5344CB8AC3E}">
+        <p14:creationId xmlns:p14="http://schemas.microsoft.com/office/powerpoint/2010/main" val="198766353"/>
+      </p:ext>
+    </p:extLst>
+  </p:cSld>
+  <p:clrMapOvr>
+    <a:masterClrMapping/>
+  </p:clrMapOvr>
+</p:sld>
+</file>
+
+<file path=ppt/slides/slide11.xml><?xml version="1.0" encoding="utf-8"?>
 <p:sld xmlns:a="http://schemas.openxmlformats.org/drawingml/2006/main" xmlns:r="http://schemas.openxmlformats.org/officeDocument/2006/relationships" xmlns:p="http://schemas.openxmlformats.org/presentationml/2006/main">
   <p:cSld>
     <p:spTree>
@@ -18966,7 +19469,7 @@
 </p:sld>
 </file>
 
-<file path=ppt/slides/slide11.xml><?xml version="1.0" encoding="utf-8"?>
+<file path=ppt/slides/slide12.xml><?xml version="1.0" encoding="utf-8"?>
 <p:sld xmlns:a="http://schemas.openxmlformats.org/drawingml/2006/main" xmlns:r="http://schemas.openxmlformats.org/officeDocument/2006/relationships" xmlns:p="http://schemas.openxmlformats.org/presentationml/2006/main">
   <p:cSld>
     <p:spTree>
@@ -19231,7 +19734,7 @@
 </p:sld>
 </file>
 
-<file path=ppt/slides/slide12.xml><?xml version="1.0" encoding="utf-8"?>
+<file path=ppt/slides/slide13.xml><?xml version="1.0" encoding="utf-8"?>
 <p:sld xmlns:a="http://schemas.openxmlformats.org/drawingml/2006/main" xmlns:r="http://schemas.openxmlformats.org/officeDocument/2006/relationships" xmlns:p="http://schemas.openxmlformats.org/presentationml/2006/main">
   <p:cSld>
     <p:spTree>
@@ -19475,102 +19978,6 @@
 </p:sld>
 </file>
 
-<file path=ppt/slides/slide13.xml><?xml version="1.0" encoding="utf-8"?>
-<p:sld xmlns:a="http://schemas.openxmlformats.org/drawingml/2006/main" xmlns:r="http://schemas.openxmlformats.org/officeDocument/2006/relationships" xmlns:p="http://schemas.openxmlformats.org/presentationml/2006/main">
-  <p:cSld>
-    <p:spTree>
-      <p:nvGrpSpPr>
-        <p:cNvPr id="1" name=""/>
-        <p:cNvGrpSpPr/>
-        <p:nvPr/>
-      </p:nvGrpSpPr>
-      <p:grpSpPr>
-        <a:xfrm>
-          <a:off x="0" y="0"/>
-          <a:ext cx="0" cy="0"/>
-          <a:chOff x="0" y="0"/>
-          <a:chExt cx="0" cy="0"/>
-        </a:xfrm>
-      </p:grpSpPr>
-      <p:sp>
-        <p:nvSpPr>
-          <p:cNvPr id="2" name="Title 1">
-            <a:extLst>
-              <a:ext uri="{FF2B5EF4-FFF2-40B4-BE49-F238E27FC236}">
-                <a16:creationId xmlns:a16="http://schemas.microsoft.com/office/drawing/2014/main" id="{DA391E45-5173-E639-33B2-276F945F228B}"/>
-              </a:ext>
-            </a:extLst>
-          </p:cNvPr>
-          <p:cNvSpPr>
-            <a:spLocks noGrp="1"/>
-          </p:cNvSpPr>
-          <p:nvPr>
-            <p:ph type="title"/>
-          </p:nvPr>
-        </p:nvSpPr>
-        <p:spPr/>
-        <p:txBody>
-          <a:bodyPr/>
-          <a:lstStyle/>
-          <a:p>
-            <a:r>
-              <a:rPr lang="en-US"/>
-              <a:t>Evals</a:t>
-            </a:r>
-            <a:endParaRPr lang="en-CA"/>
-          </a:p>
-        </p:txBody>
-      </p:sp>
-      <p:pic>
-        <p:nvPicPr>
-          <p:cNvPr id="5" name="Picture 4">
-            <a:extLst>
-              <a:ext uri="{FF2B5EF4-FFF2-40B4-BE49-F238E27FC236}">
-                <a16:creationId xmlns:a16="http://schemas.microsoft.com/office/drawing/2014/main" id="{AC8F0BAB-4583-3649-9B32-1C28914E65E0}"/>
-              </a:ext>
-            </a:extLst>
-          </p:cNvPr>
-          <p:cNvPicPr>
-            <a:picLocks noChangeAspect="1"/>
-          </p:cNvPicPr>
-          <p:nvPr/>
-        </p:nvPicPr>
-        <p:blipFill>
-          <a:blip r:embed="rId2"/>
-          <a:stretch>
-            <a:fillRect/>
-          </a:stretch>
-        </p:blipFill>
-        <p:spPr>
-          <a:xfrm>
-            <a:off x="4725887" y="3073524"/>
-            <a:ext cx="4177341" cy="2432515"/>
-          </a:xfrm>
-          <a:prstGeom prst="rect">
-            <a:avLst/>
-          </a:prstGeom>
-          <a:effectLst>
-            <a:outerShdw blurRad="165100" dir="2700000" algn="tl" rotWithShape="0">
-              <a:prstClr val="black">
-                <a:alpha val="20000"/>
-              </a:prstClr>
-            </a:outerShdw>
-          </a:effectLst>
-        </p:spPr>
-      </p:pic>
-    </p:spTree>
-    <p:extLst>
-      <p:ext uri="{BB962C8B-B14F-4D97-AF65-F5344CB8AC3E}">
-        <p14:creationId xmlns:p14="http://schemas.microsoft.com/office/powerpoint/2010/main" val="284354502"/>
-      </p:ext>
-    </p:extLst>
-  </p:cSld>
-  <p:clrMapOvr>
-    <a:masterClrMapping/>
-  </p:clrMapOvr>
-</p:sld>
-</file>
-
 <file path=ppt/slides/slide14.xml><?xml version="1.0" encoding="utf-8"?>
 <p:sld xmlns:a="http://schemas.openxmlformats.org/drawingml/2006/main" xmlns:r="http://schemas.openxmlformats.org/officeDocument/2006/relationships" xmlns:p="http://schemas.openxmlformats.org/presentationml/2006/main">
   <p:cSld>
@@ -19631,7 +20038,7 @@
         </p:nvSpPr>
         <p:spPr>
           <a:xfrm>
-            <a:off x="539552" y="1201316"/>
+            <a:off x="323528" y="958342"/>
             <a:ext cx="684000" cy="180000"/>
           </a:xfrm>
           <a:prstGeom prst="roundRect">
@@ -19710,8 +20117,8 @@
         </p:nvSpPr>
         <p:spPr>
           <a:xfrm>
-            <a:off x="1403648" y="1201316"/>
-            <a:ext cx="684000" cy="180000"/>
+            <a:off x="1187624" y="958342"/>
+            <a:ext cx="1008112" cy="180000"/>
           </a:xfrm>
           <a:prstGeom prst="roundRect">
             <a:avLst/>
@@ -19764,7 +20171,7 @@
                 </a:solidFill>
                 <a:latin typeface="Arial Narrow" panose="020B0606020202030204" pitchFamily="34" charset="0"/>
               </a:rPr>
-              <a:t>Answers</a:t>
+              <a:t>Model answers</a:t>
             </a:r>
             <a:endParaRPr lang="en-CA" sz="1000" b="1">
               <a:solidFill>
@@ -19789,7 +20196,7 @@
         </p:nvSpPr>
         <p:spPr>
           <a:xfrm>
-            <a:off x="2267744" y="1201316"/>
+            <a:off x="2375832" y="958342"/>
             <a:ext cx="864096" cy="180000"/>
           </a:xfrm>
           <a:prstGeom prst="roundRect">
@@ -19868,7 +20275,7 @@
         </p:nvSpPr>
         <p:spPr>
           <a:xfrm>
-            <a:off x="539552" y="1682632"/>
+            <a:off x="323528" y="2497460"/>
             <a:ext cx="684000" cy="180000"/>
           </a:xfrm>
           <a:prstGeom prst="roundRect">
@@ -19947,8 +20354,8 @@
         </p:nvSpPr>
         <p:spPr>
           <a:xfrm>
-            <a:off x="1403648" y="1682632"/>
-            <a:ext cx="684000" cy="180000"/>
+            <a:off x="1187624" y="2497460"/>
+            <a:ext cx="1008112" cy="180000"/>
           </a:xfrm>
           <a:prstGeom prst="roundRect">
             <a:avLst/>
@@ -20001,7 +20408,7 @@
                 </a:solidFill>
                 <a:latin typeface="Arial Narrow" panose="020B0606020202030204" pitchFamily="34" charset="0"/>
               </a:rPr>
-              <a:t>Answers</a:t>
+              <a:t>Model answers</a:t>
             </a:r>
             <a:endParaRPr lang="en-CA" sz="1000" b="1">
               <a:solidFill>
@@ -20026,7 +20433,7 @@
         </p:nvSpPr>
         <p:spPr>
           <a:xfrm>
-            <a:off x="2267744" y="1682632"/>
+            <a:off x="2375832" y="2497460"/>
             <a:ext cx="1080120" cy="180000"/>
           </a:xfrm>
           <a:prstGeom prst="roundRect">
@@ -20105,8 +20512,8 @@
         </p:nvSpPr>
         <p:spPr>
           <a:xfrm>
-            <a:off x="3923928" y="1168205"/>
-            <a:ext cx="1425070" cy="246221"/>
+            <a:off x="323528" y="1253573"/>
+            <a:ext cx="6076087" cy="984885"/>
           </a:xfrm>
           <a:prstGeom prst="rect">
             <a:avLst/>
@@ -20119,7 +20526,10 @@
           </a:bodyPr>
           <a:lstStyle/>
           <a:p>
-            <a:pPr algn="l"/>
+            <a:pPr marL="182563" indent="-182563" algn="l">
+              <a:buFont typeface="Wingdings" panose="05000000000000000000" pitchFamily="2" charset="2"/>
+              <a:buChar char="§"/>
+            </a:pPr>
             <a:r>
               <a:rPr lang="en-US" sz="1600">
                 <a:solidFill>
@@ -20127,23 +20537,80 @@
                 </a:solidFill>
                 <a:latin typeface="Arial Narrow" panose="020B0606020202030204" pitchFamily="34" charset="0"/>
               </a:rPr>
-              <a:t>Semantic Similarity</a:t>
+              <a:t>Semantic similarity (BERTScore, BLEURT, COMET)</a:t>
             </a:r>
-            <a:endParaRPr lang="en-CA" sz="1600">
-              <a:solidFill>
-                <a:srgbClr val="005AB4"/>
-              </a:solidFill>
-              <a:latin typeface="Arial Narrow" panose="020B0606020202030204" pitchFamily="34" charset="0"/>
-            </a:endParaRPr>
+          </a:p>
+          <a:p>
+            <a:pPr marL="182563" indent="-182563" algn="l">
+              <a:buFont typeface="Wingdings" panose="05000000000000000000" pitchFamily="2" charset="2"/>
+              <a:buChar char="§"/>
+            </a:pPr>
+            <a:r>
+              <a:rPr lang="en-CA" sz="1600">
+                <a:solidFill>
+                  <a:srgbClr val="005AB4"/>
+                </a:solidFill>
+                <a:latin typeface="Arial Narrow" panose="020B0606020202030204" pitchFamily="34" charset="0"/>
+              </a:rPr>
+              <a:t>Textual overlap</a:t>
+            </a:r>
+            <a:r>
+              <a:rPr lang="en-US" sz="1600">
+                <a:solidFill>
+                  <a:srgbClr val="005AB4"/>
+                </a:solidFill>
+                <a:latin typeface="Arial Narrow" panose="020B0606020202030204" pitchFamily="34" charset="0"/>
+              </a:rPr>
+              <a:t> (ROUGE, BLEU)</a:t>
+            </a:r>
+          </a:p>
+          <a:p>
+            <a:pPr marL="182563" indent="-182563" algn="l">
+              <a:buFont typeface="Wingdings" panose="05000000000000000000" pitchFamily="2" charset="2"/>
+              <a:buChar char="§"/>
+            </a:pPr>
+            <a:r>
+              <a:rPr lang="en-CA" sz="1600">
+                <a:solidFill>
+                  <a:srgbClr val="005AB4"/>
+                </a:solidFill>
+                <a:latin typeface="Arial Narrow" panose="020B0606020202030204" pitchFamily="34" charset="0"/>
+              </a:rPr>
+              <a:t>LLM-as-a-judge</a:t>
+            </a:r>
+            <a:r>
+              <a:rPr lang="en-US" sz="1600">
+                <a:solidFill>
+                  <a:srgbClr val="005AB4"/>
+                </a:solidFill>
+                <a:latin typeface="Arial Narrow" panose="020B0606020202030204" pitchFamily="34" charset="0"/>
+              </a:rPr>
+              <a:t> (GPT-4 / Claude scoring, using rubrics or pairwise judgements)</a:t>
+            </a:r>
+          </a:p>
+          <a:p>
+            <a:pPr marL="182563" indent="-182563" algn="l">
+              <a:buFont typeface="Wingdings" panose="05000000000000000000" pitchFamily="2" charset="2"/>
+              <a:buChar char="§"/>
+            </a:pPr>
+            <a:r>
+              <a:rPr lang="en-CA" sz="1600">
+                <a:solidFill>
+                  <a:srgbClr val="005AB4"/>
+                </a:solidFill>
+                <a:latin typeface="Arial Narrow" panose="020B0606020202030204" pitchFamily="34" charset="0"/>
+              </a:rPr>
+              <a:t>Factual alignment (Faithfulness via LLMs, QA-based scoring)</a:t>
+            </a:r>
           </a:p>
         </p:txBody>
       </p:sp>
       <p:sp>
         <p:nvSpPr>
-          <p:cNvPr id="12" name="TextBox 11">
+          <p:cNvPr id="14" name="TextBox 13">
             <a:extLst>
               <a:ext uri="{FF2B5EF4-FFF2-40B4-BE49-F238E27FC236}">
-                <a16:creationId xmlns:a16="http://schemas.microsoft.com/office/drawing/2014/main" id="{2F19C2E1-88DC-631E-A007-F2BEEFDEDF5F}"/>
+                <a16:creationId xmlns:a16="http://schemas.microsoft.com/office/drawing/2014/main" id="{B220BC91-4E79-8318-3F2A-8FAD1D41FF80}"/>
               </a:ext>
             </a:extLst>
           </p:cNvPr>
@@ -20152,8 +20619,8 @@
         </p:nvSpPr>
         <p:spPr>
           <a:xfrm>
-            <a:off x="5652120" y="1168205"/>
-            <a:ext cx="1173398" cy="246221"/>
+            <a:off x="323528" y="2857500"/>
+            <a:ext cx="6480172" cy="984885"/>
           </a:xfrm>
           <a:prstGeom prst="rect">
             <a:avLst/>
@@ -20166,54 +20633,27 @@
           </a:bodyPr>
           <a:lstStyle/>
           <a:p>
-            <a:pPr algn="l"/>
             <a:r>
-              <a:rPr lang="en-US" sz="1600">
+              <a:rPr lang="en-CA" sz="1600">
                 <a:solidFill>
                   <a:srgbClr val="005AB4"/>
                 </a:solidFill>
                 <a:latin typeface="Arial Narrow" panose="020B0606020202030204" pitchFamily="34" charset="0"/>
               </a:rPr>
-              <a:t>LLM-as-a-judge</a:t>
+              <a:t>LLM-as-a-judge:</a:t>
             </a:r>
-            <a:endParaRPr lang="en-CA" sz="1600">
+            <a:endParaRPr lang="en-US" sz="1600">
               <a:solidFill>
                 <a:srgbClr val="005AB4"/>
               </a:solidFill>
               <a:latin typeface="Arial Narrow" panose="020B0606020202030204" pitchFamily="34" charset="0"/>
             </a:endParaRPr>
           </a:p>
-        </p:txBody>
-      </p:sp>
-      <p:sp>
-        <p:nvSpPr>
-          <p:cNvPr id="13" name="TextBox 12">
-            <a:extLst>
-              <a:ext uri="{FF2B5EF4-FFF2-40B4-BE49-F238E27FC236}">
-                <a16:creationId xmlns:a16="http://schemas.microsoft.com/office/drawing/2014/main" id="{232E72AE-AD18-466A-A394-924F3C9DE67C}"/>
-              </a:ext>
-            </a:extLst>
-          </p:cNvPr>
-          <p:cNvSpPr txBox="1"/>
-          <p:nvPr/>
-        </p:nvSpPr>
-        <p:spPr>
-          <a:xfrm>
-            <a:off x="3923928" y="1649521"/>
-            <a:ext cx="1425070" cy="246221"/>
-          </a:xfrm>
-          <a:prstGeom prst="rect">
-            <a:avLst/>
-          </a:prstGeom>
-          <a:noFill/>
-        </p:spPr>
-        <p:txBody>
-          <a:bodyPr wrap="none" lIns="0" tIns="0" rIns="0" bIns="0" rtlCol="0">
-            <a:spAutoFit/>
-          </a:bodyPr>
-          <a:lstStyle/>
           <a:p>
-            <a:pPr algn="l"/>
+            <a:pPr marL="182563" indent="-182563" algn="l">
+              <a:buFont typeface="Wingdings" panose="05000000000000000000" pitchFamily="2" charset="2"/>
+              <a:buChar char="§"/>
+            </a:pPr>
             <a:r>
               <a:rPr lang="en-US" sz="1600">
                 <a:solidFill>
@@ -20221,14 +20661,47 @@
                 </a:solidFill>
                 <a:latin typeface="Arial Narrow" panose="020B0606020202030204" pitchFamily="34" charset="0"/>
               </a:rPr>
-              <a:t>Semantic Similarity</a:t>
+              <a:t>Rubric based scoring (Groundedness, Relevance, Completeness, Fluency, Fairness)</a:t>
             </a:r>
-            <a:endParaRPr lang="en-CA" sz="1600">
-              <a:solidFill>
-                <a:srgbClr val="005AB4"/>
-              </a:solidFill>
-              <a:latin typeface="Arial Narrow" panose="020B0606020202030204" pitchFamily="34" charset="0"/>
-            </a:endParaRPr>
+          </a:p>
+          <a:p>
+            <a:pPr marL="182563" indent="-182563">
+              <a:buFont typeface="Wingdings" panose="05000000000000000000" pitchFamily="2" charset="2"/>
+              <a:buChar char="§"/>
+            </a:pPr>
+            <a:r>
+              <a:rPr lang="en-CA" sz="1600">
+                <a:solidFill>
+                  <a:srgbClr val="005AB4"/>
+                </a:solidFill>
+                <a:latin typeface="Arial Narrow" panose="020B0606020202030204" pitchFamily="34" charset="0"/>
+              </a:rPr>
+              <a:t>RAGAS </a:t>
+            </a:r>
+            <a:r>
+              <a:rPr lang="en-US" sz="1600">
+                <a:solidFill>
+                  <a:srgbClr val="005AB4"/>
+                </a:solidFill>
+                <a:latin typeface="Arial Narrow" panose="020B0606020202030204" pitchFamily="34" charset="0"/>
+              </a:rPr>
+              <a:t>(Faithfulness, Answer relevance, Context recall)</a:t>
+            </a:r>
+          </a:p>
+          <a:p>
+            <a:pPr marL="182563" indent="-182563" algn="l">
+              <a:buFont typeface="Wingdings" panose="05000000000000000000" pitchFamily="2" charset="2"/>
+              <a:buChar char="§"/>
+            </a:pPr>
+            <a:r>
+              <a:rPr lang="en-CA" sz="1600">
+                <a:solidFill>
+                  <a:srgbClr val="005AB4"/>
+                </a:solidFill>
+                <a:latin typeface="Arial Narrow" panose="020B0606020202030204" pitchFamily="34" charset="0"/>
+              </a:rPr>
+              <a:t>TruLens (Faithfulness, Relevance, Helpfulness)</a:t>
+            </a:r>
           </a:p>
         </p:txBody>
       </p:sp>
@@ -20285,7 +20758,7 @@
           <a:p>
             <a:r>
               <a:rPr lang="en-US"/>
-              <a:t>LLM-as-a-judge Prompts</a:t>
+              <a:t>Variability of LLM-as-a-judge Prompts</a:t>
             </a:r>
             <a:endParaRPr lang="en-CA"/>
           </a:p>
@@ -20307,7 +20780,12 @@
             <p:ph idx="1"/>
           </p:nvPr>
         </p:nvSpPr>
-        <p:spPr/>
+        <p:spPr>
+          <a:xfrm>
+            <a:off x="216000" y="936551"/>
+            <a:ext cx="8712000" cy="352655"/>
+          </a:xfrm>
+        </p:spPr>
         <p:txBody>
           <a:bodyPr/>
           <a:lstStyle/>
@@ -20321,7 +20799,7 @@
             </a:r>
             <a:r>
               <a:rPr lang="en-US"/>
-              <a:t> Answer scores can differ on each run, even with temperature = 0</a:t>
+              <a:t> Scores can differ on each run, even with temperature = 0</a:t>
             </a:r>
             <a:endParaRPr lang="en-CA"/>
           </a:p>
@@ -20341,7 +20819,7 @@
         </p:nvSpPr>
         <p:spPr>
           <a:xfrm>
-            <a:off x="323528" y="1623089"/>
+            <a:off x="323528" y="2151520"/>
             <a:ext cx="1667123" cy="246221"/>
           </a:xfrm>
           <a:prstGeom prst="rect">
@@ -20389,14 +20867,14 @@
           <p:nvPr/>
         </p:nvPicPr>
         <p:blipFill>
-          <a:blip r:embed="rId2"/>
+          <a:blip r:embed="rId3"/>
           <a:stretch>
             <a:fillRect/>
           </a:stretch>
         </p:blipFill>
         <p:spPr>
           <a:xfrm>
-            <a:off x="2915816" y="1551081"/>
+            <a:off x="2915816" y="2079512"/>
             <a:ext cx="5993432" cy="911526"/>
           </a:xfrm>
           <a:prstGeom prst="rect">
@@ -20418,8 +20896,8 @@
         </p:nvSpPr>
         <p:spPr>
           <a:xfrm>
-            <a:off x="323528" y="2717841"/>
-            <a:ext cx="1070806" cy="246221"/>
+            <a:off x="323528" y="3246272"/>
+            <a:ext cx="1638269" cy="246221"/>
           </a:xfrm>
           <a:prstGeom prst="rect">
             <a:avLst/>
@@ -20440,7 +20918,7 @@
                 </a:solidFill>
                 <a:latin typeface="Arial Narrow" panose="020B0606020202030204" pitchFamily="34" charset="0"/>
               </a:rPr>
-              <a:t>Scoring model</a:t>
+              <a:t>Scoring model prompt</a:t>
             </a:r>
             <a:endParaRPr lang="en-CA" sz="1600">
               <a:solidFill>
@@ -20466,14 +20944,14 @@
           <p:nvPr/>
         </p:nvPicPr>
         <p:blipFill>
-          <a:blip r:embed="rId3"/>
+          <a:blip r:embed="rId4"/>
           <a:stretch>
             <a:fillRect/>
           </a:stretch>
         </p:blipFill>
         <p:spPr>
           <a:xfrm>
-            <a:off x="2915816" y="2670523"/>
+            <a:off x="2915816" y="3198954"/>
             <a:ext cx="5993432" cy="915165"/>
           </a:xfrm>
           <a:prstGeom prst="rect">
@@ -20496,14 +20974,14 @@
           <p:nvPr/>
         </p:nvPicPr>
         <p:blipFill>
-          <a:blip r:embed="rId4"/>
+          <a:blip r:embed="rId5"/>
           <a:stretch>
             <a:fillRect/>
           </a:stretch>
         </p:blipFill>
         <p:spPr>
           <a:xfrm>
-            <a:off x="2915816" y="3793604"/>
+            <a:off x="2915816" y="4322035"/>
             <a:ext cx="5993432" cy="912827"/>
           </a:xfrm>
           <a:prstGeom prst="rect">
@@ -20525,8 +21003,8 @@
         </p:nvSpPr>
         <p:spPr>
           <a:xfrm>
-            <a:off x="323528" y="3826376"/>
-            <a:ext cx="1726435" cy="246221"/>
+            <a:off x="323528" y="4354807"/>
+            <a:ext cx="1726435" cy="492443"/>
           </a:xfrm>
           <a:prstGeom prst="rect">
             <a:avLst/>
@@ -20549,9 +21027,343 @@
               </a:rPr>
               <a:t>Langchain Correctness</a:t>
             </a:r>
+          </a:p>
+          <a:p>
+            <a:pPr algn="l"/>
+            <a:r>
+              <a:rPr lang="en-US" sz="1600">
+                <a:solidFill>
+                  <a:srgbClr val="005AB4"/>
+                </a:solidFill>
+                <a:latin typeface="Arial Narrow" panose="020B0606020202030204" pitchFamily="34" charset="0"/>
+              </a:rPr>
+              <a:t>prompt</a:t>
+            </a:r>
             <a:endParaRPr lang="en-CA" sz="1600">
               <a:solidFill>
                 <a:srgbClr val="005AB4"/>
+              </a:solidFill>
+              <a:latin typeface="Arial Narrow" panose="020B0606020202030204" pitchFamily="34" charset="0"/>
+            </a:endParaRPr>
+          </a:p>
+        </p:txBody>
+      </p:sp>
+      <p:cxnSp>
+        <p:nvCxnSpPr>
+          <p:cNvPr id="10" name="Straight Connector 9">
+            <a:extLst>
+              <a:ext uri="{FF2B5EF4-FFF2-40B4-BE49-F238E27FC236}">
+                <a16:creationId xmlns:a16="http://schemas.microsoft.com/office/drawing/2014/main" id="{06FDB5ED-3B5A-27E7-B1AA-401C77E15E8D}"/>
+              </a:ext>
+            </a:extLst>
+          </p:cNvPr>
+          <p:cNvCxnSpPr/>
+          <p:nvPr/>
+        </p:nvCxnSpPr>
+        <p:spPr>
+          <a:xfrm>
+            <a:off x="323528" y="1675513"/>
+            <a:ext cx="8585720" cy="0"/>
+          </a:xfrm>
+          <a:prstGeom prst="line">
+            <a:avLst/>
+          </a:prstGeom>
+          <a:ln w="9525">
+            <a:solidFill>
+              <a:schemeClr val="accent1"/>
+            </a:solidFill>
+            <a:tailEnd type="none"/>
+          </a:ln>
+        </p:spPr>
+        <p:style>
+          <a:lnRef idx="1">
+            <a:schemeClr val="accent1"/>
+          </a:lnRef>
+          <a:fillRef idx="0">
+            <a:schemeClr val="accent1"/>
+          </a:fillRef>
+          <a:effectRef idx="0">
+            <a:schemeClr val="accent1"/>
+          </a:effectRef>
+          <a:fontRef idx="minor">
+            <a:schemeClr val="tx1"/>
+          </a:fontRef>
+        </p:style>
+      </p:cxnSp>
+      <p:sp>
+        <p:nvSpPr>
+          <p:cNvPr id="8" name="TextBox 7">
+            <a:extLst>
+              <a:ext uri="{FF2B5EF4-FFF2-40B4-BE49-F238E27FC236}">
+                <a16:creationId xmlns:a16="http://schemas.microsoft.com/office/drawing/2014/main" id="{F4DEAB6B-A4A1-0279-AD30-1D3B0B2AEAB9}"/>
+              </a:ext>
+            </a:extLst>
+          </p:cNvPr>
+          <p:cNvSpPr txBox="1"/>
+          <p:nvPr/>
+        </p:nvSpPr>
+        <p:spPr>
+          <a:xfrm>
+            <a:off x="725828" y="1549165"/>
+            <a:ext cx="7692344" cy="246221"/>
+          </a:xfrm>
+          <a:prstGeom prst="rect">
+            <a:avLst/>
+          </a:prstGeom>
+          <a:solidFill>
+            <a:schemeClr val="bg1"/>
+          </a:solidFill>
+        </p:spPr>
+        <p:txBody>
+          <a:bodyPr wrap="none" lIns="72000" tIns="0" rIns="72000" bIns="0" rtlCol="0">
+            <a:spAutoFit/>
+          </a:bodyPr>
+          <a:lstStyle/>
+          <a:p>
+            <a:pPr algn="ctr"/>
+            <a:r>
+              <a:rPr lang="en-US" sz="1600">
+                <a:solidFill>
+                  <a:srgbClr val="005AB4"/>
+                </a:solidFill>
+                <a:latin typeface="Arial Narrow" panose="020B0606020202030204" pitchFamily="34" charset="0"/>
+              </a:rPr>
+              <a:t>Measured variability of 3 types of judge prompts using 60 calibration questions with scores from 0 to 5</a:t>
+            </a:r>
+          </a:p>
+        </p:txBody>
+      </p:sp>
+      <p:sp>
+        <p:nvSpPr>
+          <p:cNvPr id="12" name="Rectangle: Rounded Corners 11">
+            <a:extLst>
+              <a:ext uri="{FF2B5EF4-FFF2-40B4-BE49-F238E27FC236}">
+                <a16:creationId xmlns:a16="http://schemas.microsoft.com/office/drawing/2014/main" id="{D63FE07E-B174-4B5B-A961-F6309C075915}"/>
+              </a:ext>
+            </a:extLst>
+          </p:cNvPr>
+          <p:cNvSpPr/>
+          <p:nvPr/>
+        </p:nvSpPr>
+        <p:spPr>
+          <a:xfrm>
+            <a:off x="2165201" y="2155963"/>
+            <a:ext cx="576064" cy="241778"/>
+          </a:xfrm>
+          <a:prstGeom prst="roundRect">
+            <a:avLst/>
+          </a:prstGeom>
+          <a:solidFill>
+            <a:srgbClr val="E21727"/>
+          </a:solidFill>
+          <a:ln>
+            <a:solidFill>
+              <a:srgbClr val="E21727"/>
+            </a:solidFill>
+          </a:ln>
+          <a:effectLst>
+            <a:outerShdw blurRad="50800" dist="38100" dir="2700000" algn="tl" rotWithShape="0">
+              <a:prstClr val="black">
+                <a:alpha val="20000"/>
+              </a:prstClr>
+            </a:outerShdw>
+          </a:effectLst>
+        </p:spPr>
+        <p:style>
+          <a:lnRef idx="2">
+            <a:schemeClr val="accent1">
+              <a:shade val="15000"/>
+            </a:schemeClr>
+          </a:lnRef>
+          <a:fillRef idx="1">
+            <a:schemeClr val="accent1"/>
+          </a:fillRef>
+          <a:effectRef idx="0">
+            <a:schemeClr val="accent1"/>
+          </a:effectRef>
+          <a:fontRef idx="minor">
+            <a:schemeClr val="lt1"/>
+          </a:fontRef>
+        </p:style>
+        <p:txBody>
+          <a:bodyPr lIns="0" tIns="36000" rIns="0" bIns="0" rtlCol="0" anchor="ctr"/>
+          <a:lstStyle/>
+          <a:p>
+            <a:pPr algn="ctr">
+              <a:lnSpc>
+                <a:spcPct val="80000"/>
+              </a:lnSpc>
+            </a:pPr>
+            <a:r>
+              <a:rPr lang="en-US" sz="1400" b="1">
+                <a:solidFill>
+                  <a:schemeClr val="bg1"/>
+                </a:solidFill>
+                <a:latin typeface="Arial Narrow" panose="020B0606020202030204" pitchFamily="34" charset="0"/>
+              </a:rPr>
+              <a:t>25%</a:t>
+            </a:r>
+            <a:endParaRPr lang="en-CA" sz="1400" b="1">
+              <a:solidFill>
+                <a:schemeClr val="bg1"/>
+              </a:solidFill>
+              <a:latin typeface="Arial Narrow" panose="020B0606020202030204" pitchFamily="34" charset="0"/>
+            </a:endParaRPr>
+          </a:p>
+        </p:txBody>
+      </p:sp>
+      <p:sp>
+        <p:nvSpPr>
+          <p:cNvPr id="13" name="Rectangle: Rounded Corners 12">
+            <a:extLst>
+              <a:ext uri="{FF2B5EF4-FFF2-40B4-BE49-F238E27FC236}">
+                <a16:creationId xmlns:a16="http://schemas.microsoft.com/office/drawing/2014/main" id="{6D7761E0-DC25-8597-2740-2DEF00B25543}"/>
+              </a:ext>
+            </a:extLst>
+          </p:cNvPr>
+          <p:cNvSpPr/>
+          <p:nvPr/>
+        </p:nvSpPr>
+        <p:spPr>
+          <a:xfrm>
+            <a:off x="2165201" y="3246272"/>
+            <a:ext cx="576064" cy="241778"/>
+          </a:xfrm>
+          <a:prstGeom prst="roundRect">
+            <a:avLst/>
+          </a:prstGeom>
+          <a:solidFill>
+            <a:srgbClr val="E21727"/>
+          </a:solidFill>
+          <a:ln>
+            <a:solidFill>
+              <a:srgbClr val="E21727"/>
+            </a:solidFill>
+          </a:ln>
+          <a:effectLst>
+            <a:outerShdw blurRad="50800" dist="38100" dir="2700000" algn="tl" rotWithShape="0">
+              <a:prstClr val="black">
+                <a:alpha val="20000"/>
+              </a:prstClr>
+            </a:outerShdw>
+          </a:effectLst>
+        </p:spPr>
+        <p:style>
+          <a:lnRef idx="2">
+            <a:schemeClr val="accent1">
+              <a:shade val="15000"/>
+            </a:schemeClr>
+          </a:lnRef>
+          <a:fillRef idx="1">
+            <a:schemeClr val="accent1"/>
+          </a:fillRef>
+          <a:effectRef idx="0">
+            <a:schemeClr val="accent1"/>
+          </a:effectRef>
+          <a:fontRef idx="minor">
+            <a:schemeClr val="lt1"/>
+          </a:fontRef>
+        </p:style>
+        <p:txBody>
+          <a:bodyPr lIns="0" tIns="36000" rIns="0" bIns="0" rtlCol="0" anchor="ctr"/>
+          <a:lstStyle/>
+          <a:p>
+            <a:pPr algn="ctr">
+              <a:lnSpc>
+                <a:spcPct val="80000"/>
+              </a:lnSpc>
+            </a:pPr>
+            <a:r>
+              <a:rPr lang="en-US" sz="1400" b="1">
+                <a:solidFill>
+                  <a:schemeClr val="bg1"/>
+                </a:solidFill>
+                <a:latin typeface="Arial Narrow" panose="020B0606020202030204" pitchFamily="34" charset="0"/>
+              </a:rPr>
+              <a:t>22%</a:t>
+            </a:r>
+            <a:endParaRPr lang="en-CA" sz="1400" b="1">
+              <a:solidFill>
+                <a:schemeClr val="bg1"/>
+              </a:solidFill>
+              <a:latin typeface="Arial Narrow" panose="020B0606020202030204" pitchFamily="34" charset="0"/>
+            </a:endParaRPr>
+          </a:p>
+        </p:txBody>
+      </p:sp>
+      <p:sp>
+        <p:nvSpPr>
+          <p:cNvPr id="15" name="Rectangle: Rounded Corners 14">
+            <a:extLst>
+              <a:ext uri="{FF2B5EF4-FFF2-40B4-BE49-F238E27FC236}">
+                <a16:creationId xmlns:a16="http://schemas.microsoft.com/office/drawing/2014/main" id="{5D6D8B82-8F53-3B08-6ED5-5EF6DCE1C131}"/>
+              </a:ext>
+            </a:extLst>
+          </p:cNvPr>
+          <p:cNvSpPr/>
+          <p:nvPr/>
+        </p:nvSpPr>
+        <p:spPr>
+          <a:xfrm>
+            <a:off x="2165201" y="4359250"/>
+            <a:ext cx="576064" cy="241778"/>
+          </a:xfrm>
+          <a:prstGeom prst="roundRect">
+            <a:avLst/>
+          </a:prstGeom>
+          <a:solidFill>
+            <a:srgbClr val="E21727"/>
+          </a:solidFill>
+          <a:ln>
+            <a:solidFill>
+              <a:srgbClr val="E21727"/>
+            </a:solidFill>
+          </a:ln>
+          <a:effectLst>
+            <a:outerShdw blurRad="50800" dist="38100" dir="2700000" algn="tl" rotWithShape="0">
+              <a:prstClr val="black">
+                <a:alpha val="20000"/>
+              </a:prstClr>
+            </a:outerShdw>
+          </a:effectLst>
+        </p:spPr>
+        <p:style>
+          <a:lnRef idx="2">
+            <a:schemeClr val="accent1">
+              <a:shade val="15000"/>
+            </a:schemeClr>
+          </a:lnRef>
+          <a:fillRef idx="1">
+            <a:schemeClr val="accent1"/>
+          </a:fillRef>
+          <a:effectRef idx="0">
+            <a:schemeClr val="accent1"/>
+          </a:effectRef>
+          <a:fontRef idx="minor">
+            <a:schemeClr val="lt1"/>
+          </a:fontRef>
+        </p:style>
+        <p:txBody>
+          <a:bodyPr lIns="0" tIns="36000" rIns="0" bIns="0" rtlCol="0" anchor="ctr"/>
+          <a:lstStyle/>
+          <a:p>
+            <a:pPr algn="ctr">
+              <a:lnSpc>
+                <a:spcPct val="80000"/>
+              </a:lnSpc>
+            </a:pPr>
+            <a:r>
+              <a:rPr lang="en-US" sz="1400" b="1">
+                <a:solidFill>
+                  <a:schemeClr val="bg1"/>
+                </a:solidFill>
+                <a:latin typeface="Arial Narrow" panose="020B0606020202030204" pitchFamily="34" charset="0"/>
+              </a:rPr>
+              <a:t>30%</a:t>
+            </a:r>
+            <a:endParaRPr lang="en-CA" sz="1400" b="1">
+              <a:solidFill>
+                <a:schemeClr val="bg1"/>
               </a:solidFill>
               <a:latin typeface="Arial Narrow" panose="020B0606020202030204" pitchFamily="34" charset="0"/>
             </a:endParaRPr>
@@ -20571,7 +21383,3042 @@
 </p:sld>
 </file>
 
+<file path=ppt/slides/slide16.xml><?xml version="1.0" encoding="utf-8"?>
+<p:sld xmlns:a="http://schemas.openxmlformats.org/drawingml/2006/main" xmlns:r="http://schemas.openxmlformats.org/officeDocument/2006/relationships" xmlns:p="http://schemas.openxmlformats.org/presentationml/2006/main">
+  <p:cSld>
+    <p:spTree>
+      <p:nvGrpSpPr>
+        <p:cNvPr id="1" name=""/>
+        <p:cNvGrpSpPr/>
+        <p:nvPr/>
+      </p:nvGrpSpPr>
+      <p:grpSpPr>
+        <a:xfrm>
+          <a:off x="0" y="0"/>
+          <a:ext cx="0" cy="0"/>
+          <a:chOff x="0" y="0"/>
+          <a:chExt cx="0" cy="0"/>
+        </a:xfrm>
+      </p:grpSpPr>
+      <p:sp>
+        <p:nvSpPr>
+          <p:cNvPr id="2" name="Title 1">
+            <a:extLst>
+              <a:ext uri="{FF2B5EF4-FFF2-40B4-BE49-F238E27FC236}">
+                <a16:creationId xmlns:a16="http://schemas.microsoft.com/office/drawing/2014/main" id="{DA391E45-5173-E639-33B2-276F945F228B}"/>
+              </a:ext>
+            </a:extLst>
+          </p:cNvPr>
+          <p:cNvSpPr>
+            <a:spLocks noGrp="1"/>
+          </p:cNvSpPr>
+          <p:nvPr>
+            <p:ph type="title"/>
+          </p:nvPr>
+        </p:nvSpPr>
+        <p:spPr/>
+        <p:txBody>
+          <a:bodyPr/>
+          <a:lstStyle/>
+          <a:p>
+            <a:r>
+              <a:rPr lang="en-US"/>
+              <a:t>Variability of LLM-as-a-judge Prompts</a:t>
+            </a:r>
+            <a:endParaRPr lang="en-CA"/>
+          </a:p>
+        </p:txBody>
+      </p:sp>
+      <p:sp>
+        <p:nvSpPr>
+          <p:cNvPr id="20" name="Content Placeholder 19">
+            <a:extLst>
+              <a:ext uri="{FF2B5EF4-FFF2-40B4-BE49-F238E27FC236}">
+                <a16:creationId xmlns:a16="http://schemas.microsoft.com/office/drawing/2014/main" id="{C3CB07B3-D298-9B78-AD40-C04688DE78A7}"/>
+              </a:ext>
+            </a:extLst>
+          </p:cNvPr>
+          <p:cNvSpPr>
+            <a:spLocks noGrp="1"/>
+          </p:cNvSpPr>
+          <p:nvPr>
+            <p:ph idx="1"/>
+          </p:nvPr>
+        </p:nvSpPr>
+        <p:spPr>
+          <a:xfrm>
+            <a:off x="216000" y="936551"/>
+            <a:ext cx="8712000" cy="352655"/>
+          </a:xfrm>
+        </p:spPr>
+        <p:txBody>
+          <a:bodyPr/>
+          <a:lstStyle/>
+          <a:p>
+            <a:pPr marL="0" indent="0">
+              <a:buNone/>
+            </a:pPr>
+            <a:r>
+              <a:rPr lang="en-US" b="1"/>
+              <a:t>Problem:</a:t>
+            </a:r>
+            <a:r>
+              <a:rPr lang="en-US"/>
+              <a:t> Scores can differ on each run, even with temperature = 0</a:t>
+            </a:r>
+            <a:endParaRPr lang="en-CA"/>
+          </a:p>
+        </p:txBody>
+      </p:sp>
+      <p:cxnSp>
+        <p:nvCxnSpPr>
+          <p:cNvPr id="10" name="Straight Connector 9">
+            <a:extLst>
+              <a:ext uri="{FF2B5EF4-FFF2-40B4-BE49-F238E27FC236}">
+                <a16:creationId xmlns:a16="http://schemas.microsoft.com/office/drawing/2014/main" id="{06FDB5ED-3B5A-27E7-B1AA-401C77E15E8D}"/>
+              </a:ext>
+            </a:extLst>
+          </p:cNvPr>
+          <p:cNvCxnSpPr/>
+          <p:nvPr/>
+        </p:nvCxnSpPr>
+        <p:spPr>
+          <a:xfrm>
+            <a:off x="323528" y="1675513"/>
+            <a:ext cx="8585720" cy="0"/>
+          </a:xfrm>
+          <a:prstGeom prst="line">
+            <a:avLst/>
+          </a:prstGeom>
+          <a:ln w="9525">
+            <a:solidFill>
+              <a:schemeClr val="accent1"/>
+            </a:solidFill>
+            <a:tailEnd type="none"/>
+          </a:ln>
+        </p:spPr>
+        <p:style>
+          <a:lnRef idx="1">
+            <a:schemeClr val="accent1"/>
+          </a:lnRef>
+          <a:fillRef idx="0">
+            <a:schemeClr val="accent1"/>
+          </a:fillRef>
+          <a:effectRef idx="0">
+            <a:schemeClr val="accent1"/>
+          </a:effectRef>
+          <a:fontRef idx="minor">
+            <a:schemeClr val="tx1"/>
+          </a:fontRef>
+        </p:style>
+      </p:cxnSp>
+      <p:sp>
+        <p:nvSpPr>
+          <p:cNvPr id="8" name="TextBox 7">
+            <a:extLst>
+              <a:ext uri="{FF2B5EF4-FFF2-40B4-BE49-F238E27FC236}">
+                <a16:creationId xmlns:a16="http://schemas.microsoft.com/office/drawing/2014/main" id="{F4DEAB6B-A4A1-0279-AD30-1D3B0B2AEAB9}"/>
+              </a:ext>
+            </a:extLst>
+          </p:cNvPr>
+          <p:cNvSpPr txBox="1"/>
+          <p:nvPr/>
+        </p:nvSpPr>
+        <p:spPr>
+          <a:xfrm>
+            <a:off x="1130587" y="1549165"/>
+            <a:ext cx="6882828" cy="246221"/>
+          </a:xfrm>
+          <a:prstGeom prst="rect">
+            <a:avLst/>
+          </a:prstGeom>
+          <a:solidFill>
+            <a:schemeClr val="bg1"/>
+          </a:solidFill>
+        </p:spPr>
+        <p:txBody>
+          <a:bodyPr wrap="none" lIns="72000" tIns="0" rIns="72000" bIns="0" rtlCol="0">
+            <a:spAutoFit/>
+          </a:bodyPr>
+          <a:lstStyle/>
+          <a:p>
+            <a:pPr algn="ctr"/>
+            <a:r>
+              <a:rPr lang="en-US" sz="1600">
+                <a:solidFill>
+                  <a:srgbClr val="005AB4"/>
+                </a:solidFill>
+                <a:latin typeface="Arial Narrow" panose="020B0606020202030204" pitchFamily="34" charset="0"/>
+              </a:rPr>
+              <a:t>Measured variability of 3 types of judge prompts using 30 questions with scores from 0 to 5</a:t>
+            </a:r>
+          </a:p>
+        </p:txBody>
+      </p:sp>
+      <p:sp>
+        <p:nvSpPr>
+          <p:cNvPr id="12" name="Rectangle: Rounded Corners 11">
+            <a:extLst>
+              <a:ext uri="{FF2B5EF4-FFF2-40B4-BE49-F238E27FC236}">
+                <a16:creationId xmlns:a16="http://schemas.microsoft.com/office/drawing/2014/main" id="{D63FE07E-B174-4B5B-A961-F6309C075915}"/>
+              </a:ext>
+            </a:extLst>
+          </p:cNvPr>
+          <p:cNvSpPr/>
+          <p:nvPr/>
+        </p:nvSpPr>
+        <p:spPr>
+          <a:xfrm>
+            <a:off x="2165201" y="2155963"/>
+            <a:ext cx="576064" cy="241778"/>
+          </a:xfrm>
+          <a:prstGeom prst="roundRect">
+            <a:avLst/>
+          </a:prstGeom>
+          <a:solidFill>
+            <a:srgbClr val="E21727"/>
+          </a:solidFill>
+          <a:ln>
+            <a:solidFill>
+              <a:srgbClr val="E21727"/>
+            </a:solidFill>
+          </a:ln>
+          <a:effectLst>
+            <a:outerShdw blurRad="50800" dist="38100" dir="2700000" algn="tl" rotWithShape="0">
+              <a:prstClr val="black">
+                <a:alpha val="20000"/>
+              </a:prstClr>
+            </a:outerShdw>
+          </a:effectLst>
+        </p:spPr>
+        <p:style>
+          <a:lnRef idx="2">
+            <a:schemeClr val="accent1">
+              <a:shade val="15000"/>
+            </a:schemeClr>
+          </a:lnRef>
+          <a:fillRef idx="1">
+            <a:schemeClr val="accent1"/>
+          </a:fillRef>
+          <a:effectRef idx="0">
+            <a:schemeClr val="accent1"/>
+          </a:effectRef>
+          <a:fontRef idx="minor">
+            <a:schemeClr val="lt1"/>
+          </a:fontRef>
+        </p:style>
+        <p:txBody>
+          <a:bodyPr lIns="0" tIns="36000" rIns="0" bIns="0" rtlCol="0" anchor="ctr"/>
+          <a:lstStyle/>
+          <a:p>
+            <a:pPr algn="ctr">
+              <a:lnSpc>
+                <a:spcPct val="80000"/>
+              </a:lnSpc>
+            </a:pPr>
+            <a:r>
+              <a:rPr lang="en-US" sz="1400" b="1">
+                <a:solidFill>
+                  <a:schemeClr val="bg1"/>
+                </a:solidFill>
+                <a:latin typeface="Arial Narrow" panose="020B0606020202030204" pitchFamily="34" charset="0"/>
+              </a:rPr>
+              <a:t>33%</a:t>
+            </a:r>
+            <a:endParaRPr lang="en-CA" sz="1400" b="1">
+              <a:solidFill>
+                <a:schemeClr val="bg1"/>
+              </a:solidFill>
+              <a:latin typeface="Arial Narrow" panose="020B0606020202030204" pitchFamily="34" charset="0"/>
+            </a:endParaRPr>
+          </a:p>
+        </p:txBody>
+      </p:sp>
+      <p:sp>
+        <p:nvSpPr>
+          <p:cNvPr id="13" name="Rectangle: Rounded Corners 12">
+            <a:extLst>
+              <a:ext uri="{FF2B5EF4-FFF2-40B4-BE49-F238E27FC236}">
+                <a16:creationId xmlns:a16="http://schemas.microsoft.com/office/drawing/2014/main" id="{6D7761E0-DC25-8597-2740-2DEF00B25543}"/>
+              </a:ext>
+            </a:extLst>
+          </p:cNvPr>
+          <p:cNvSpPr/>
+          <p:nvPr/>
+        </p:nvSpPr>
+        <p:spPr>
+          <a:xfrm>
+            <a:off x="2165201" y="3246272"/>
+            <a:ext cx="576064" cy="241778"/>
+          </a:xfrm>
+          <a:prstGeom prst="roundRect">
+            <a:avLst/>
+          </a:prstGeom>
+          <a:solidFill>
+            <a:srgbClr val="E21727"/>
+          </a:solidFill>
+          <a:ln>
+            <a:solidFill>
+              <a:srgbClr val="E21727"/>
+            </a:solidFill>
+          </a:ln>
+          <a:effectLst>
+            <a:outerShdw blurRad="50800" dist="38100" dir="2700000" algn="tl" rotWithShape="0">
+              <a:prstClr val="black">
+                <a:alpha val="20000"/>
+              </a:prstClr>
+            </a:outerShdw>
+          </a:effectLst>
+        </p:spPr>
+        <p:style>
+          <a:lnRef idx="2">
+            <a:schemeClr val="accent1">
+              <a:shade val="15000"/>
+            </a:schemeClr>
+          </a:lnRef>
+          <a:fillRef idx="1">
+            <a:schemeClr val="accent1"/>
+          </a:fillRef>
+          <a:effectRef idx="0">
+            <a:schemeClr val="accent1"/>
+          </a:effectRef>
+          <a:fontRef idx="minor">
+            <a:schemeClr val="lt1"/>
+          </a:fontRef>
+        </p:style>
+        <p:txBody>
+          <a:bodyPr lIns="0" tIns="36000" rIns="0" bIns="0" rtlCol="0" anchor="ctr"/>
+          <a:lstStyle/>
+          <a:p>
+            <a:pPr algn="ctr">
+              <a:lnSpc>
+                <a:spcPct val="80000"/>
+              </a:lnSpc>
+            </a:pPr>
+            <a:r>
+              <a:rPr lang="en-US" sz="1400" b="1">
+                <a:solidFill>
+                  <a:schemeClr val="bg1"/>
+                </a:solidFill>
+                <a:latin typeface="Arial Narrow" panose="020B0606020202030204" pitchFamily="34" charset="0"/>
+              </a:rPr>
+              <a:t>53%</a:t>
+            </a:r>
+            <a:endParaRPr lang="en-CA" sz="1400" b="1">
+              <a:solidFill>
+                <a:schemeClr val="bg1"/>
+              </a:solidFill>
+              <a:latin typeface="Arial Narrow" panose="020B0606020202030204" pitchFamily="34" charset="0"/>
+            </a:endParaRPr>
+          </a:p>
+        </p:txBody>
+      </p:sp>
+      <p:sp>
+        <p:nvSpPr>
+          <p:cNvPr id="15" name="Rectangle: Rounded Corners 14">
+            <a:extLst>
+              <a:ext uri="{FF2B5EF4-FFF2-40B4-BE49-F238E27FC236}">
+                <a16:creationId xmlns:a16="http://schemas.microsoft.com/office/drawing/2014/main" id="{5D6D8B82-8F53-3B08-6ED5-5EF6DCE1C131}"/>
+              </a:ext>
+            </a:extLst>
+          </p:cNvPr>
+          <p:cNvSpPr/>
+          <p:nvPr/>
+        </p:nvSpPr>
+        <p:spPr>
+          <a:xfrm>
+            <a:off x="2165201" y="4359250"/>
+            <a:ext cx="576064" cy="241778"/>
+          </a:xfrm>
+          <a:prstGeom prst="roundRect">
+            <a:avLst/>
+          </a:prstGeom>
+          <a:solidFill>
+            <a:srgbClr val="E21727"/>
+          </a:solidFill>
+          <a:ln>
+            <a:solidFill>
+              <a:srgbClr val="E21727"/>
+            </a:solidFill>
+          </a:ln>
+          <a:effectLst>
+            <a:outerShdw blurRad="50800" dist="38100" dir="2700000" algn="tl" rotWithShape="0">
+              <a:prstClr val="black">
+                <a:alpha val="20000"/>
+              </a:prstClr>
+            </a:outerShdw>
+          </a:effectLst>
+        </p:spPr>
+        <p:style>
+          <a:lnRef idx="2">
+            <a:schemeClr val="accent1">
+              <a:shade val="15000"/>
+            </a:schemeClr>
+          </a:lnRef>
+          <a:fillRef idx="1">
+            <a:schemeClr val="accent1"/>
+          </a:fillRef>
+          <a:effectRef idx="0">
+            <a:schemeClr val="accent1"/>
+          </a:effectRef>
+          <a:fontRef idx="minor">
+            <a:schemeClr val="lt1"/>
+          </a:fontRef>
+        </p:style>
+        <p:txBody>
+          <a:bodyPr lIns="0" tIns="36000" rIns="0" bIns="0" rtlCol="0" anchor="ctr"/>
+          <a:lstStyle/>
+          <a:p>
+            <a:pPr algn="ctr">
+              <a:lnSpc>
+                <a:spcPct val="80000"/>
+              </a:lnSpc>
+            </a:pPr>
+            <a:r>
+              <a:rPr lang="en-US" sz="1400" b="1">
+                <a:solidFill>
+                  <a:schemeClr val="bg1"/>
+                </a:solidFill>
+                <a:latin typeface="Arial Narrow" panose="020B0606020202030204" pitchFamily="34" charset="0"/>
+              </a:rPr>
+              <a:t>46%</a:t>
+            </a:r>
+            <a:endParaRPr lang="en-CA" sz="1400" b="1">
+              <a:solidFill>
+                <a:schemeClr val="bg1"/>
+              </a:solidFill>
+              <a:latin typeface="Arial Narrow" panose="020B0606020202030204" pitchFamily="34" charset="0"/>
+            </a:endParaRPr>
+          </a:p>
+        </p:txBody>
+      </p:sp>
+      <p:pic>
+        <p:nvPicPr>
+          <p:cNvPr id="4" name="Picture 3">
+            <a:extLst>
+              <a:ext uri="{FF2B5EF4-FFF2-40B4-BE49-F238E27FC236}">
+                <a16:creationId xmlns:a16="http://schemas.microsoft.com/office/drawing/2014/main" id="{40608F69-113A-C1C9-746B-CDE0F4498353}"/>
+              </a:ext>
+            </a:extLst>
+          </p:cNvPr>
+          <p:cNvPicPr>
+            <a:picLocks noChangeAspect="1"/>
+          </p:cNvPicPr>
+          <p:nvPr/>
+        </p:nvPicPr>
+        <p:blipFill>
+          <a:blip r:embed="rId2"/>
+          <a:stretch>
+            <a:fillRect/>
+          </a:stretch>
+        </p:blipFill>
+        <p:spPr>
+          <a:xfrm>
+            <a:off x="3253365" y="4349536"/>
+            <a:ext cx="5639289" cy="682811"/>
+          </a:xfrm>
+          <a:prstGeom prst="rect">
+            <a:avLst/>
+          </a:prstGeom>
+        </p:spPr>
+      </p:pic>
+      <p:pic>
+        <p:nvPicPr>
+          <p:cNvPr id="7" name="Picture 6">
+            <a:extLst>
+              <a:ext uri="{FF2B5EF4-FFF2-40B4-BE49-F238E27FC236}">
+                <a16:creationId xmlns:a16="http://schemas.microsoft.com/office/drawing/2014/main" id="{74B6FA18-5D46-7064-9F6B-320370FC3832}"/>
+              </a:ext>
+            </a:extLst>
+          </p:cNvPr>
+          <p:cNvPicPr>
+            <a:picLocks noChangeAspect="1"/>
+          </p:cNvPicPr>
+          <p:nvPr/>
+        </p:nvPicPr>
+        <p:blipFill>
+          <a:blip r:embed="rId3"/>
+          <a:stretch>
+            <a:fillRect/>
+          </a:stretch>
+        </p:blipFill>
+        <p:spPr>
+          <a:xfrm>
+            <a:off x="3253365" y="3218904"/>
+            <a:ext cx="5255207" cy="682811"/>
+          </a:xfrm>
+          <a:prstGeom prst="rect">
+            <a:avLst/>
+          </a:prstGeom>
+        </p:spPr>
+      </p:pic>
+      <p:pic>
+        <p:nvPicPr>
+          <p:cNvPr id="17" name="Picture 16">
+            <a:extLst>
+              <a:ext uri="{FF2B5EF4-FFF2-40B4-BE49-F238E27FC236}">
+                <a16:creationId xmlns:a16="http://schemas.microsoft.com/office/drawing/2014/main" id="{B310D84F-44A2-FBB6-8AED-DB77353B4CB7}"/>
+              </a:ext>
+            </a:extLst>
+          </p:cNvPr>
+          <p:cNvPicPr>
+            <a:picLocks noChangeAspect="1"/>
+          </p:cNvPicPr>
+          <p:nvPr/>
+        </p:nvPicPr>
+        <p:blipFill>
+          <a:blip r:embed="rId4"/>
+          <a:stretch>
+            <a:fillRect/>
+          </a:stretch>
+        </p:blipFill>
+        <p:spPr>
+          <a:xfrm>
+            <a:off x="3275856" y="2148392"/>
+            <a:ext cx="5127180" cy="676714"/>
+          </a:xfrm>
+          <a:prstGeom prst="rect">
+            <a:avLst/>
+          </a:prstGeom>
+        </p:spPr>
+      </p:pic>
+      <p:sp>
+        <p:nvSpPr>
+          <p:cNvPr id="21" name="TextBox 20">
+            <a:extLst>
+              <a:ext uri="{FF2B5EF4-FFF2-40B4-BE49-F238E27FC236}">
+                <a16:creationId xmlns:a16="http://schemas.microsoft.com/office/drawing/2014/main" id="{5D60BF5A-2AA6-50F8-6CFD-DA188F74F589}"/>
+              </a:ext>
+            </a:extLst>
+          </p:cNvPr>
+          <p:cNvSpPr txBox="1"/>
+          <p:nvPr/>
+        </p:nvSpPr>
+        <p:spPr>
+          <a:xfrm>
+            <a:off x="323528" y="2151520"/>
+            <a:ext cx="1667123" cy="246221"/>
+          </a:xfrm>
+          <a:prstGeom prst="rect">
+            <a:avLst/>
+          </a:prstGeom>
+          <a:noFill/>
+        </p:spPr>
+        <p:txBody>
+          <a:bodyPr wrap="none" lIns="0" tIns="0" rIns="0" bIns="0" rtlCol="0">
+            <a:spAutoFit/>
+          </a:bodyPr>
+          <a:lstStyle/>
+          <a:p>
+            <a:pPr algn="l"/>
+            <a:r>
+              <a:rPr lang="en-US" sz="1600">
+                <a:solidFill>
+                  <a:srgbClr val="005AB4"/>
+                </a:solidFill>
+                <a:latin typeface="Arial Narrow" panose="020B0606020202030204" pitchFamily="34" charset="0"/>
+              </a:rPr>
+              <a:t>Simple scoring prompt</a:t>
+            </a:r>
+            <a:endParaRPr lang="en-CA" sz="1600">
+              <a:solidFill>
+                <a:srgbClr val="005AB4"/>
+              </a:solidFill>
+              <a:latin typeface="Arial Narrow" panose="020B0606020202030204" pitchFamily="34" charset="0"/>
+            </a:endParaRPr>
+          </a:p>
+        </p:txBody>
+      </p:sp>
+      <p:sp>
+        <p:nvSpPr>
+          <p:cNvPr id="22" name="TextBox 21">
+            <a:extLst>
+              <a:ext uri="{FF2B5EF4-FFF2-40B4-BE49-F238E27FC236}">
+                <a16:creationId xmlns:a16="http://schemas.microsoft.com/office/drawing/2014/main" id="{02A67326-7FC5-22C1-F12E-8AFB51393FAD}"/>
+              </a:ext>
+            </a:extLst>
+          </p:cNvPr>
+          <p:cNvSpPr txBox="1"/>
+          <p:nvPr/>
+        </p:nvSpPr>
+        <p:spPr>
+          <a:xfrm>
+            <a:off x="323528" y="3246272"/>
+            <a:ext cx="1638269" cy="246221"/>
+          </a:xfrm>
+          <a:prstGeom prst="rect">
+            <a:avLst/>
+          </a:prstGeom>
+          <a:noFill/>
+        </p:spPr>
+        <p:txBody>
+          <a:bodyPr wrap="none" lIns="0" tIns="0" rIns="0" bIns="0" rtlCol="0">
+            <a:spAutoFit/>
+          </a:bodyPr>
+          <a:lstStyle/>
+          <a:p>
+            <a:pPr algn="l"/>
+            <a:r>
+              <a:rPr lang="en-US" sz="1600">
+                <a:solidFill>
+                  <a:srgbClr val="005AB4"/>
+                </a:solidFill>
+                <a:latin typeface="Arial Narrow" panose="020B0606020202030204" pitchFamily="34" charset="0"/>
+              </a:rPr>
+              <a:t>Scoring model prompt</a:t>
+            </a:r>
+            <a:endParaRPr lang="en-CA" sz="1600">
+              <a:solidFill>
+                <a:srgbClr val="005AB4"/>
+              </a:solidFill>
+              <a:latin typeface="Arial Narrow" panose="020B0606020202030204" pitchFamily="34" charset="0"/>
+            </a:endParaRPr>
+          </a:p>
+        </p:txBody>
+      </p:sp>
+      <p:sp>
+        <p:nvSpPr>
+          <p:cNvPr id="23" name="TextBox 22">
+            <a:extLst>
+              <a:ext uri="{FF2B5EF4-FFF2-40B4-BE49-F238E27FC236}">
+                <a16:creationId xmlns:a16="http://schemas.microsoft.com/office/drawing/2014/main" id="{B06C5313-72B1-35B2-D472-AB478ED03212}"/>
+              </a:ext>
+            </a:extLst>
+          </p:cNvPr>
+          <p:cNvSpPr txBox="1"/>
+          <p:nvPr/>
+        </p:nvSpPr>
+        <p:spPr>
+          <a:xfrm>
+            <a:off x="323528" y="4354807"/>
+            <a:ext cx="1726435" cy="492443"/>
+          </a:xfrm>
+          <a:prstGeom prst="rect">
+            <a:avLst/>
+          </a:prstGeom>
+          <a:noFill/>
+        </p:spPr>
+        <p:txBody>
+          <a:bodyPr wrap="none" lIns="0" tIns="0" rIns="0" bIns="0" rtlCol="0">
+            <a:spAutoFit/>
+          </a:bodyPr>
+          <a:lstStyle/>
+          <a:p>
+            <a:pPr algn="l"/>
+            <a:r>
+              <a:rPr lang="en-US" sz="1600">
+                <a:solidFill>
+                  <a:srgbClr val="005AB4"/>
+                </a:solidFill>
+                <a:latin typeface="Arial Narrow" panose="020B0606020202030204" pitchFamily="34" charset="0"/>
+              </a:rPr>
+              <a:t>Langchain Correctness</a:t>
+            </a:r>
+          </a:p>
+          <a:p>
+            <a:pPr algn="l"/>
+            <a:r>
+              <a:rPr lang="en-US" sz="1600">
+                <a:solidFill>
+                  <a:srgbClr val="005AB4"/>
+                </a:solidFill>
+                <a:latin typeface="Arial Narrow" panose="020B0606020202030204" pitchFamily="34" charset="0"/>
+              </a:rPr>
+              <a:t>prompt</a:t>
+            </a:r>
+            <a:endParaRPr lang="en-CA" sz="1600">
+              <a:solidFill>
+                <a:srgbClr val="005AB4"/>
+              </a:solidFill>
+              <a:latin typeface="Arial Narrow" panose="020B0606020202030204" pitchFamily="34" charset="0"/>
+            </a:endParaRPr>
+          </a:p>
+        </p:txBody>
+      </p:sp>
+    </p:spTree>
+    <p:extLst>
+      <p:ext uri="{BB962C8B-B14F-4D97-AF65-F5344CB8AC3E}">
+        <p14:creationId xmlns:p14="http://schemas.microsoft.com/office/powerpoint/2010/main" val="2252319315"/>
+      </p:ext>
+    </p:extLst>
+  </p:cSld>
+  <p:clrMapOvr>
+    <a:masterClrMapping/>
+  </p:clrMapOvr>
+</p:sld>
+</file>
+
 <file path=ppt/slides/slide2.xml><?xml version="1.0" encoding="utf-8"?>
+<p:sld xmlns:a="http://schemas.openxmlformats.org/drawingml/2006/main" xmlns:r="http://schemas.openxmlformats.org/officeDocument/2006/relationships" xmlns:p="http://schemas.openxmlformats.org/presentationml/2006/main">
+  <p:cSld>
+    <p:spTree>
+      <p:nvGrpSpPr>
+        <p:cNvPr id="1" name=""/>
+        <p:cNvGrpSpPr/>
+        <p:nvPr/>
+      </p:nvGrpSpPr>
+      <p:grpSpPr>
+        <a:xfrm>
+          <a:off x="0" y="0"/>
+          <a:ext cx="0" cy="0"/>
+          <a:chOff x="0" y="0"/>
+          <a:chExt cx="0" cy="0"/>
+        </a:xfrm>
+      </p:grpSpPr>
+      <p:sp>
+        <p:nvSpPr>
+          <p:cNvPr id="4" name="Titel 3">
+            <a:extLst>
+              <a:ext uri="{FF2B5EF4-FFF2-40B4-BE49-F238E27FC236}">
+                <a16:creationId xmlns:a16="http://schemas.microsoft.com/office/drawing/2014/main" id="{41A37EA6-E70F-733C-7237-F9795D922AC9}"/>
+              </a:ext>
+            </a:extLst>
+          </p:cNvPr>
+          <p:cNvSpPr>
+            <a:spLocks noGrp="1"/>
+          </p:cNvSpPr>
+          <p:nvPr>
+            <p:ph type="title"/>
+          </p:nvPr>
+        </p:nvSpPr>
+        <p:spPr/>
+        <p:txBody>
+          <a:bodyPr>
+            <a:normAutofit/>
+          </a:bodyPr>
+          <a:lstStyle/>
+          <a:p>
+            <a:r>
+              <a:rPr lang="en"/>
+              <a:t>Workshop Agenda</a:t>
+            </a:r>
+            <a:endParaRPr lang="en-CA"/>
+          </a:p>
+        </p:txBody>
+      </p:sp>
+      <p:grpSp>
+        <p:nvGrpSpPr>
+          <p:cNvPr id="6" name="Gruppieren 5">
+            <a:extLst>
+              <a:ext uri="{FF2B5EF4-FFF2-40B4-BE49-F238E27FC236}">
+                <a16:creationId xmlns:a16="http://schemas.microsoft.com/office/drawing/2014/main" id="{25E46B43-08D0-BC8A-B027-21116235A5C4}"/>
+              </a:ext>
+            </a:extLst>
+          </p:cNvPr>
+          <p:cNvGrpSpPr/>
+          <p:nvPr/>
+        </p:nvGrpSpPr>
+        <p:grpSpPr>
+          <a:xfrm>
+            <a:off x="216088" y="913644"/>
+            <a:ext cx="8694664" cy="324000"/>
+            <a:chOff x="216088" y="941192"/>
+            <a:chExt cx="8694664" cy="324000"/>
+          </a:xfrm>
+        </p:grpSpPr>
+        <p:sp>
+          <p:nvSpPr>
+            <p:cNvPr id="8" name="TextBox 6">
+              <a:extLst>
+                <a:ext uri="{FF2B5EF4-FFF2-40B4-BE49-F238E27FC236}">
+                  <a16:creationId xmlns:a16="http://schemas.microsoft.com/office/drawing/2014/main" id="{250D08AA-3B4F-59F0-236D-A1B823DA1C24}"/>
+                </a:ext>
+              </a:extLst>
+            </p:cNvPr>
+            <p:cNvSpPr txBox="1"/>
+            <p:nvPr/>
+          </p:nvSpPr>
+          <p:spPr>
+            <a:xfrm>
+              <a:off x="216088" y="941192"/>
+              <a:ext cx="1006388" cy="324000"/>
+            </a:xfrm>
+            <a:prstGeom prst="rect">
+              <a:avLst/>
+            </a:prstGeom>
+            <a:solidFill>
+              <a:srgbClr val="F1F4F5"/>
+            </a:solidFill>
+            <a:ln>
+              <a:noFill/>
+            </a:ln>
+          </p:spPr>
+          <p:style>
+            <a:lnRef idx="2">
+              <a:schemeClr val="accent1">
+                <a:shade val="50000"/>
+              </a:schemeClr>
+            </a:lnRef>
+            <a:fillRef idx="1">
+              <a:schemeClr val="accent1"/>
+            </a:fillRef>
+            <a:effectRef idx="0">
+              <a:schemeClr val="accent1"/>
+            </a:effectRef>
+            <a:fontRef idx="minor">
+              <a:schemeClr val="lt1"/>
+            </a:fontRef>
+          </p:style>
+          <p:txBody>
+            <a:bodyPr lIns="72000" tIns="72000" rIns="72000" bIns="72000" rtlCol="0" anchor="t"/>
+            <a:lstStyle>
+              <a:defPPr>
+                <a:defRPr lang="en-US"/>
+              </a:defPPr>
+              <a:lvl1pPr>
+                <a:lnSpc>
+                  <a:spcPct val="80000"/>
+                </a:lnSpc>
+                <a:defRPr sz="1350">
+                  <a:solidFill>
+                    <a:srgbClr val="4E4E4E"/>
+                  </a:solidFill>
+                  <a:latin typeface="Arial Narrow" panose="020B0606020202030204" pitchFamily="34" charset="0"/>
+                  <a:ea typeface="Open Sans Condensed" panose="020B0806030504020204" pitchFamily="34" charset="0"/>
+                  <a:cs typeface="Open Sans Condensed" panose="020B0806030504020204" pitchFamily="34" charset="0"/>
+                </a:defRPr>
+              </a:lvl1pPr>
+              <a:lvl2pPr>
+                <a:defRPr>
+                  <a:solidFill>
+                    <a:schemeClr val="lt1"/>
+                  </a:solidFill>
+                </a:defRPr>
+              </a:lvl2pPr>
+              <a:lvl3pPr>
+                <a:defRPr>
+                  <a:solidFill>
+                    <a:schemeClr val="lt1"/>
+                  </a:solidFill>
+                </a:defRPr>
+              </a:lvl3pPr>
+              <a:lvl4pPr>
+                <a:defRPr>
+                  <a:solidFill>
+                    <a:schemeClr val="lt1"/>
+                  </a:solidFill>
+                </a:defRPr>
+              </a:lvl4pPr>
+              <a:lvl5pPr>
+                <a:defRPr>
+                  <a:solidFill>
+                    <a:schemeClr val="lt1"/>
+                  </a:solidFill>
+                </a:defRPr>
+              </a:lvl5pPr>
+              <a:lvl6pPr>
+                <a:defRPr>
+                  <a:solidFill>
+                    <a:schemeClr val="lt1"/>
+                  </a:solidFill>
+                </a:defRPr>
+              </a:lvl6pPr>
+              <a:lvl7pPr>
+                <a:defRPr>
+                  <a:solidFill>
+                    <a:schemeClr val="lt1"/>
+                  </a:solidFill>
+                </a:defRPr>
+              </a:lvl7pPr>
+              <a:lvl8pPr>
+                <a:defRPr>
+                  <a:solidFill>
+                    <a:schemeClr val="lt1"/>
+                  </a:solidFill>
+                </a:defRPr>
+              </a:lvl8pPr>
+              <a:lvl9pPr>
+                <a:defRPr>
+                  <a:solidFill>
+                    <a:schemeClr val="lt1"/>
+                  </a:solidFill>
+                </a:defRPr>
+              </a:lvl9pPr>
+            </a:lstStyle>
+            <a:p>
+              <a:pPr algn="ctr">
+                <a:lnSpc>
+                  <a:spcPct val="90000"/>
+                </a:lnSpc>
+              </a:pPr>
+              <a:r>
+                <a:rPr lang="en">
+                  <a:solidFill>
+                    <a:schemeClr val="tx1"/>
+                  </a:solidFill>
+                </a:rPr>
+                <a:t>10:30 - 10:45</a:t>
+              </a:r>
+              <a:endParaRPr lang="de-DE">
+                <a:solidFill>
+                  <a:schemeClr val="tx1"/>
+                </a:solidFill>
+              </a:endParaRPr>
+            </a:p>
+          </p:txBody>
+        </p:sp>
+        <p:sp>
+          <p:nvSpPr>
+            <p:cNvPr id="26" name="TextBox 6">
+              <a:extLst>
+                <a:ext uri="{FF2B5EF4-FFF2-40B4-BE49-F238E27FC236}">
+                  <a16:creationId xmlns:a16="http://schemas.microsoft.com/office/drawing/2014/main" id="{B953135C-D429-7B39-292E-3C167F61B20F}"/>
+                </a:ext>
+              </a:extLst>
+            </p:cNvPr>
+            <p:cNvSpPr txBox="1"/>
+            <p:nvPr/>
+          </p:nvSpPr>
+          <p:spPr>
+            <a:xfrm>
+              <a:off x="2088876" y="941192"/>
+              <a:ext cx="6821876" cy="324000"/>
+            </a:xfrm>
+            <a:prstGeom prst="rect">
+              <a:avLst/>
+            </a:prstGeom>
+            <a:solidFill>
+              <a:srgbClr val="F1F4F5"/>
+            </a:solidFill>
+            <a:ln>
+              <a:noFill/>
+            </a:ln>
+          </p:spPr>
+          <p:style>
+            <a:lnRef idx="2">
+              <a:schemeClr val="accent1">
+                <a:shade val="50000"/>
+              </a:schemeClr>
+            </a:lnRef>
+            <a:fillRef idx="1">
+              <a:schemeClr val="accent1"/>
+            </a:fillRef>
+            <a:effectRef idx="0">
+              <a:schemeClr val="accent1"/>
+            </a:effectRef>
+            <a:fontRef idx="minor">
+              <a:schemeClr val="lt1"/>
+            </a:fontRef>
+          </p:style>
+          <p:txBody>
+            <a:bodyPr lIns="108000" tIns="72000" rIns="72000" bIns="72000" rtlCol="0" anchor="t"/>
+            <a:lstStyle>
+              <a:defPPr>
+                <a:defRPr lang="en-US"/>
+              </a:defPPr>
+              <a:lvl1pPr>
+                <a:lnSpc>
+                  <a:spcPct val="80000"/>
+                </a:lnSpc>
+                <a:defRPr sz="1350">
+                  <a:solidFill>
+                    <a:srgbClr val="4E4E4E"/>
+                  </a:solidFill>
+                  <a:latin typeface="Arial Narrow" panose="020B0606020202030204" pitchFamily="34" charset="0"/>
+                  <a:ea typeface="Open Sans Condensed" panose="020B0806030504020204" pitchFamily="34" charset="0"/>
+                  <a:cs typeface="Open Sans Condensed" panose="020B0806030504020204" pitchFamily="34" charset="0"/>
+                </a:defRPr>
+              </a:lvl1pPr>
+              <a:lvl2pPr>
+                <a:defRPr>
+                  <a:solidFill>
+                    <a:schemeClr val="lt1"/>
+                  </a:solidFill>
+                </a:defRPr>
+              </a:lvl2pPr>
+              <a:lvl3pPr>
+                <a:defRPr>
+                  <a:solidFill>
+                    <a:schemeClr val="lt1"/>
+                  </a:solidFill>
+                </a:defRPr>
+              </a:lvl3pPr>
+              <a:lvl4pPr>
+                <a:defRPr>
+                  <a:solidFill>
+                    <a:schemeClr val="lt1"/>
+                  </a:solidFill>
+                </a:defRPr>
+              </a:lvl4pPr>
+              <a:lvl5pPr>
+                <a:defRPr>
+                  <a:solidFill>
+                    <a:schemeClr val="lt1"/>
+                  </a:solidFill>
+                </a:defRPr>
+              </a:lvl5pPr>
+              <a:lvl6pPr>
+                <a:defRPr>
+                  <a:solidFill>
+                    <a:schemeClr val="lt1"/>
+                  </a:solidFill>
+                </a:defRPr>
+              </a:lvl6pPr>
+              <a:lvl7pPr>
+                <a:defRPr>
+                  <a:solidFill>
+                    <a:schemeClr val="lt1"/>
+                  </a:solidFill>
+                </a:defRPr>
+              </a:lvl7pPr>
+              <a:lvl8pPr>
+                <a:defRPr>
+                  <a:solidFill>
+                    <a:schemeClr val="lt1"/>
+                  </a:solidFill>
+                </a:defRPr>
+              </a:lvl8pPr>
+              <a:lvl9pPr>
+                <a:defRPr>
+                  <a:solidFill>
+                    <a:schemeClr val="lt1"/>
+                  </a:solidFill>
+                </a:defRPr>
+              </a:lvl9pPr>
+            </a:lstStyle>
+            <a:p>
+              <a:pPr>
+                <a:lnSpc>
+                  <a:spcPct val="90000"/>
+                </a:lnSpc>
+              </a:pPr>
+              <a:r>
+                <a:rPr lang="en">
+                  <a:solidFill>
+                    <a:schemeClr val="tx1"/>
+                  </a:solidFill>
+                </a:rPr>
+                <a:t>Introduction, presentation of the agenda</a:t>
+              </a:r>
+            </a:p>
+          </p:txBody>
+        </p:sp>
+      </p:grpSp>
+      <p:sp>
+        <p:nvSpPr>
+          <p:cNvPr id="40" name="TextBox 6">
+            <a:extLst>
+              <a:ext uri="{FF2B5EF4-FFF2-40B4-BE49-F238E27FC236}">
+                <a16:creationId xmlns:a16="http://schemas.microsoft.com/office/drawing/2014/main" id="{6E5D6AEA-131E-2E85-A900-82DCA5100A31}"/>
+              </a:ext>
+            </a:extLst>
+          </p:cNvPr>
+          <p:cNvSpPr txBox="1"/>
+          <p:nvPr/>
+        </p:nvSpPr>
+        <p:spPr>
+          <a:xfrm>
+            <a:off x="216088" y="1327637"/>
+            <a:ext cx="1006388" cy="501164"/>
+          </a:xfrm>
+          <a:prstGeom prst="rect">
+            <a:avLst/>
+          </a:prstGeom>
+          <a:solidFill>
+            <a:srgbClr val="F1F4F5"/>
+          </a:solidFill>
+          <a:ln>
+            <a:noFill/>
+          </a:ln>
+        </p:spPr>
+        <p:style>
+          <a:lnRef idx="2">
+            <a:schemeClr val="accent1">
+              <a:shade val="50000"/>
+            </a:schemeClr>
+          </a:lnRef>
+          <a:fillRef idx="1">
+            <a:schemeClr val="accent1"/>
+          </a:fillRef>
+          <a:effectRef idx="0">
+            <a:schemeClr val="accent1"/>
+          </a:effectRef>
+          <a:fontRef idx="minor">
+            <a:schemeClr val="lt1"/>
+          </a:fontRef>
+        </p:style>
+        <p:txBody>
+          <a:bodyPr lIns="72000" tIns="72000" rIns="72000" bIns="72000" rtlCol="0" anchor="t"/>
+          <a:lstStyle>
+            <a:defPPr>
+              <a:defRPr lang="en-US"/>
+            </a:defPPr>
+            <a:lvl1pPr algn="ctr">
+              <a:lnSpc>
+                <a:spcPct val="90000"/>
+              </a:lnSpc>
+              <a:defRPr sz="1350">
+                <a:solidFill>
+                  <a:srgbClr val="4E4E4E"/>
+                </a:solidFill>
+                <a:latin typeface="Arial Narrow" panose="020B0606020202030204" pitchFamily="34" charset="0"/>
+                <a:ea typeface="Open Sans Condensed" panose="020B0806030504020204" pitchFamily="34" charset="0"/>
+                <a:cs typeface="Open Sans Condensed" panose="020B0806030504020204" pitchFamily="34" charset="0"/>
+              </a:defRPr>
+            </a:lvl1pPr>
+            <a:lvl2pPr>
+              <a:defRPr>
+                <a:solidFill>
+                  <a:schemeClr val="lt1"/>
+                </a:solidFill>
+              </a:defRPr>
+            </a:lvl2pPr>
+            <a:lvl3pPr>
+              <a:defRPr>
+                <a:solidFill>
+                  <a:schemeClr val="lt1"/>
+                </a:solidFill>
+              </a:defRPr>
+            </a:lvl3pPr>
+            <a:lvl4pPr>
+              <a:defRPr>
+                <a:solidFill>
+                  <a:schemeClr val="lt1"/>
+                </a:solidFill>
+              </a:defRPr>
+            </a:lvl4pPr>
+            <a:lvl5pPr>
+              <a:defRPr>
+                <a:solidFill>
+                  <a:schemeClr val="lt1"/>
+                </a:solidFill>
+              </a:defRPr>
+            </a:lvl5pPr>
+            <a:lvl6pPr>
+              <a:defRPr>
+                <a:solidFill>
+                  <a:schemeClr val="lt1"/>
+                </a:solidFill>
+              </a:defRPr>
+            </a:lvl6pPr>
+            <a:lvl7pPr>
+              <a:defRPr>
+                <a:solidFill>
+                  <a:schemeClr val="lt1"/>
+                </a:solidFill>
+              </a:defRPr>
+            </a:lvl7pPr>
+            <a:lvl8pPr>
+              <a:defRPr>
+                <a:solidFill>
+                  <a:schemeClr val="lt1"/>
+                </a:solidFill>
+              </a:defRPr>
+            </a:lvl8pPr>
+            <a:lvl9pPr>
+              <a:defRPr>
+                <a:solidFill>
+                  <a:schemeClr val="lt1"/>
+                </a:solidFill>
+              </a:defRPr>
+            </a:lvl9pPr>
+          </a:lstStyle>
+          <a:p>
+            <a:r>
+              <a:rPr lang="en">
+                <a:solidFill>
+                  <a:schemeClr val="tx1"/>
+                </a:solidFill>
+              </a:rPr>
+              <a:t>10:45 - 11:00</a:t>
+            </a:r>
+            <a:endParaRPr lang="de-DE">
+              <a:solidFill>
+                <a:schemeClr val="tx1"/>
+              </a:solidFill>
+            </a:endParaRPr>
+          </a:p>
+        </p:txBody>
+      </p:sp>
+      <p:sp>
+        <p:nvSpPr>
+          <p:cNvPr id="41" name="TextBox 6">
+            <a:extLst>
+              <a:ext uri="{FF2B5EF4-FFF2-40B4-BE49-F238E27FC236}">
+                <a16:creationId xmlns:a16="http://schemas.microsoft.com/office/drawing/2014/main" id="{D3CA51EB-D118-7F7D-33F6-FDA47BE4213A}"/>
+              </a:ext>
+            </a:extLst>
+          </p:cNvPr>
+          <p:cNvSpPr txBox="1"/>
+          <p:nvPr/>
+        </p:nvSpPr>
+        <p:spPr>
+          <a:xfrm>
+            <a:off x="2088876" y="1327637"/>
+            <a:ext cx="6821876" cy="501164"/>
+          </a:xfrm>
+          <a:prstGeom prst="rect">
+            <a:avLst/>
+          </a:prstGeom>
+          <a:solidFill>
+            <a:srgbClr val="F1F4F5"/>
+          </a:solidFill>
+          <a:ln>
+            <a:noFill/>
+          </a:ln>
+        </p:spPr>
+        <p:style>
+          <a:lnRef idx="2">
+            <a:schemeClr val="accent1">
+              <a:shade val="50000"/>
+            </a:schemeClr>
+          </a:lnRef>
+          <a:fillRef idx="1">
+            <a:schemeClr val="accent1"/>
+          </a:fillRef>
+          <a:effectRef idx="0">
+            <a:schemeClr val="accent1"/>
+          </a:effectRef>
+          <a:fontRef idx="minor">
+            <a:schemeClr val="lt1"/>
+          </a:fontRef>
+        </p:style>
+        <p:txBody>
+          <a:bodyPr lIns="108000" tIns="72000" rIns="72000" bIns="72000" rtlCol="0" anchor="t"/>
+          <a:lstStyle>
+            <a:defPPr>
+              <a:defRPr lang="en-US"/>
+            </a:defPPr>
+            <a:lvl1pPr>
+              <a:lnSpc>
+                <a:spcPct val="90000"/>
+              </a:lnSpc>
+              <a:defRPr sz="1350">
+                <a:solidFill>
+                  <a:srgbClr val="4E4E4E"/>
+                </a:solidFill>
+                <a:latin typeface="Arial Narrow" panose="020B0606020202030204" pitchFamily="34" charset="0"/>
+                <a:ea typeface="Open Sans Condensed" panose="020B0806030504020204" pitchFamily="34" charset="0"/>
+                <a:cs typeface="Open Sans Condensed" panose="020B0806030504020204" pitchFamily="34" charset="0"/>
+              </a:defRPr>
+            </a:lvl1pPr>
+            <a:lvl2pPr>
+              <a:defRPr>
+                <a:solidFill>
+                  <a:schemeClr val="lt1"/>
+                </a:solidFill>
+              </a:defRPr>
+            </a:lvl2pPr>
+            <a:lvl3pPr>
+              <a:defRPr>
+                <a:solidFill>
+                  <a:schemeClr val="lt1"/>
+                </a:solidFill>
+              </a:defRPr>
+            </a:lvl3pPr>
+            <a:lvl4pPr>
+              <a:defRPr>
+                <a:solidFill>
+                  <a:schemeClr val="lt1"/>
+                </a:solidFill>
+              </a:defRPr>
+            </a:lvl4pPr>
+            <a:lvl5pPr>
+              <a:defRPr>
+                <a:solidFill>
+                  <a:schemeClr val="lt1"/>
+                </a:solidFill>
+              </a:defRPr>
+            </a:lvl5pPr>
+            <a:lvl6pPr>
+              <a:defRPr>
+                <a:solidFill>
+                  <a:schemeClr val="lt1"/>
+                </a:solidFill>
+              </a:defRPr>
+            </a:lvl6pPr>
+            <a:lvl7pPr>
+              <a:defRPr>
+                <a:solidFill>
+                  <a:schemeClr val="lt1"/>
+                </a:solidFill>
+              </a:defRPr>
+            </a:lvl7pPr>
+            <a:lvl8pPr>
+              <a:defRPr>
+                <a:solidFill>
+                  <a:schemeClr val="lt1"/>
+                </a:solidFill>
+              </a:defRPr>
+            </a:lvl8pPr>
+            <a:lvl9pPr>
+              <a:defRPr>
+                <a:solidFill>
+                  <a:schemeClr val="lt1"/>
+                </a:solidFill>
+              </a:defRPr>
+            </a:lvl9pPr>
+          </a:lstStyle>
+          <a:p>
+            <a:pPr>
+              <a:spcAft>
+                <a:spcPts val="300"/>
+              </a:spcAft>
+            </a:pPr>
+            <a:r>
+              <a:rPr lang="de-DE">
+                <a:solidFill>
+                  <a:schemeClr val="tx1"/>
+                </a:solidFill>
+              </a:rPr>
+              <a:t>OpenAI-BackendTools repository, Open AI documentation (Docs, API Reference, Cookbook), Open AI object model</a:t>
+            </a:r>
+          </a:p>
+        </p:txBody>
+      </p:sp>
+      <p:sp>
+        <p:nvSpPr>
+          <p:cNvPr id="20" name="TextBox 6">
+            <a:extLst>
+              <a:ext uri="{FF2B5EF4-FFF2-40B4-BE49-F238E27FC236}">
+                <a16:creationId xmlns:a16="http://schemas.microsoft.com/office/drawing/2014/main" id="{9C02FA35-B0B7-9F63-1079-08132A98E518}"/>
+              </a:ext>
+            </a:extLst>
+          </p:cNvPr>
+          <p:cNvSpPr txBox="1"/>
+          <p:nvPr/>
+        </p:nvSpPr>
+        <p:spPr>
+          <a:xfrm>
+            <a:off x="216088" y="1918041"/>
+            <a:ext cx="1006388" cy="343633"/>
+          </a:xfrm>
+          <a:prstGeom prst="rect">
+            <a:avLst/>
+          </a:prstGeom>
+          <a:solidFill>
+            <a:srgbClr val="F1F4F5"/>
+          </a:solidFill>
+          <a:ln>
+            <a:noFill/>
+          </a:ln>
+        </p:spPr>
+        <p:style>
+          <a:lnRef idx="2">
+            <a:schemeClr val="accent1">
+              <a:shade val="50000"/>
+            </a:schemeClr>
+          </a:lnRef>
+          <a:fillRef idx="1">
+            <a:schemeClr val="accent1"/>
+          </a:fillRef>
+          <a:effectRef idx="0">
+            <a:schemeClr val="accent1"/>
+          </a:effectRef>
+          <a:fontRef idx="minor">
+            <a:schemeClr val="lt1"/>
+          </a:fontRef>
+        </p:style>
+        <p:txBody>
+          <a:bodyPr lIns="72000" tIns="72000" rIns="72000" bIns="72000" rtlCol="0" anchor="t"/>
+          <a:lstStyle>
+            <a:defPPr>
+              <a:defRPr lang="en-US"/>
+            </a:defPPr>
+            <a:lvl1pPr algn="ctr">
+              <a:lnSpc>
+                <a:spcPct val="90000"/>
+              </a:lnSpc>
+              <a:defRPr sz="1350">
+                <a:solidFill>
+                  <a:srgbClr val="4E4E4E"/>
+                </a:solidFill>
+                <a:latin typeface="Arial Narrow" panose="020B0606020202030204" pitchFamily="34" charset="0"/>
+                <a:ea typeface="Open Sans Condensed" panose="020B0806030504020204" pitchFamily="34" charset="0"/>
+                <a:cs typeface="Open Sans Condensed" panose="020B0806030504020204" pitchFamily="34" charset="0"/>
+              </a:defRPr>
+            </a:lvl1pPr>
+            <a:lvl2pPr>
+              <a:defRPr>
+                <a:solidFill>
+                  <a:schemeClr val="lt1"/>
+                </a:solidFill>
+              </a:defRPr>
+            </a:lvl2pPr>
+            <a:lvl3pPr>
+              <a:defRPr>
+                <a:solidFill>
+                  <a:schemeClr val="lt1"/>
+                </a:solidFill>
+              </a:defRPr>
+            </a:lvl3pPr>
+            <a:lvl4pPr>
+              <a:defRPr>
+                <a:solidFill>
+                  <a:schemeClr val="lt1"/>
+                </a:solidFill>
+              </a:defRPr>
+            </a:lvl4pPr>
+            <a:lvl5pPr>
+              <a:defRPr>
+                <a:solidFill>
+                  <a:schemeClr val="lt1"/>
+                </a:solidFill>
+              </a:defRPr>
+            </a:lvl5pPr>
+            <a:lvl6pPr>
+              <a:defRPr>
+                <a:solidFill>
+                  <a:schemeClr val="lt1"/>
+                </a:solidFill>
+              </a:defRPr>
+            </a:lvl6pPr>
+            <a:lvl7pPr>
+              <a:defRPr>
+                <a:solidFill>
+                  <a:schemeClr val="lt1"/>
+                </a:solidFill>
+              </a:defRPr>
+            </a:lvl7pPr>
+            <a:lvl8pPr>
+              <a:defRPr>
+                <a:solidFill>
+                  <a:schemeClr val="lt1"/>
+                </a:solidFill>
+              </a:defRPr>
+            </a:lvl8pPr>
+            <a:lvl9pPr>
+              <a:defRPr>
+                <a:solidFill>
+                  <a:schemeClr val="lt1"/>
+                </a:solidFill>
+              </a:defRPr>
+            </a:lvl9pPr>
+          </a:lstStyle>
+          <a:p>
+            <a:r>
+              <a:rPr lang="en">
+                <a:solidFill>
+                  <a:schemeClr val="tx1"/>
+                </a:solidFill>
+              </a:rPr>
+              <a:t>11:00 - 11:30</a:t>
+            </a:r>
+            <a:endParaRPr lang="de-DE">
+              <a:solidFill>
+                <a:schemeClr val="tx1"/>
+              </a:solidFill>
+            </a:endParaRPr>
+          </a:p>
+        </p:txBody>
+      </p:sp>
+      <p:sp>
+        <p:nvSpPr>
+          <p:cNvPr id="21" name="TextBox 6">
+            <a:extLst>
+              <a:ext uri="{FF2B5EF4-FFF2-40B4-BE49-F238E27FC236}">
+                <a16:creationId xmlns:a16="http://schemas.microsoft.com/office/drawing/2014/main" id="{441D1BB6-138B-24A2-F34D-5EB242D73D99}"/>
+              </a:ext>
+            </a:extLst>
+          </p:cNvPr>
+          <p:cNvSpPr txBox="1"/>
+          <p:nvPr/>
+        </p:nvSpPr>
+        <p:spPr>
+          <a:xfrm>
+            <a:off x="2088876" y="1918041"/>
+            <a:ext cx="6821876" cy="343633"/>
+          </a:xfrm>
+          <a:prstGeom prst="rect">
+            <a:avLst/>
+          </a:prstGeom>
+          <a:solidFill>
+            <a:srgbClr val="F1F4F5"/>
+          </a:solidFill>
+          <a:ln>
+            <a:noFill/>
+          </a:ln>
+        </p:spPr>
+        <p:style>
+          <a:lnRef idx="2">
+            <a:schemeClr val="accent1">
+              <a:shade val="50000"/>
+            </a:schemeClr>
+          </a:lnRef>
+          <a:fillRef idx="1">
+            <a:schemeClr val="accent1"/>
+          </a:fillRef>
+          <a:effectRef idx="0">
+            <a:schemeClr val="accent1"/>
+          </a:effectRef>
+          <a:fontRef idx="minor">
+            <a:schemeClr val="lt1"/>
+          </a:fontRef>
+        </p:style>
+        <p:txBody>
+          <a:bodyPr lIns="108000" tIns="72000" rIns="72000" bIns="72000" rtlCol="0" anchor="t"/>
+          <a:lstStyle>
+            <a:defPPr>
+              <a:defRPr lang="en-US"/>
+            </a:defPPr>
+            <a:lvl1pPr>
+              <a:lnSpc>
+                <a:spcPct val="90000"/>
+              </a:lnSpc>
+              <a:defRPr sz="1350">
+                <a:solidFill>
+                  <a:srgbClr val="4E4E4E"/>
+                </a:solidFill>
+                <a:latin typeface="Arial Narrow" panose="020B0606020202030204" pitchFamily="34" charset="0"/>
+                <a:ea typeface="Open Sans Condensed" panose="020B0806030504020204" pitchFamily="34" charset="0"/>
+                <a:cs typeface="Open Sans Condensed" panose="020B0806030504020204" pitchFamily="34" charset="0"/>
+              </a:defRPr>
+            </a:lvl1pPr>
+            <a:lvl2pPr>
+              <a:defRPr>
+                <a:solidFill>
+                  <a:schemeClr val="lt1"/>
+                </a:solidFill>
+              </a:defRPr>
+            </a:lvl2pPr>
+            <a:lvl3pPr>
+              <a:defRPr>
+                <a:solidFill>
+                  <a:schemeClr val="lt1"/>
+                </a:solidFill>
+              </a:defRPr>
+            </a:lvl3pPr>
+            <a:lvl4pPr>
+              <a:defRPr>
+                <a:solidFill>
+                  <a:schemeClr val="lt1"/>
+                </a:solidFill>
+              </a:defRPr>
+            </a:lvl4pPr>
+            <a:lvl5pPr>
+              <a:defRPr>
+                <a:solidFill>
+                  <a:schemeClr val="lt1"/>
+                </a:solidFill>
+              </a:defRPr>
+            </a:lvl5pPr>
+            <a:lvl6pPr>
+              <a:defRPr>
+                <a:solidFill>
+                  <a:schemeClr val="lt1"/>
+                </a:solidFill>
+              </a:defRPr>
+            </a:lvl6pPr>
+            <a:lvl7pPr>
+              <a:defRPr>
+                <a:solidFill>
+                  <a:schemeClr val="lt1"/>
+                </a:solidFill>
+              </a:defRPr>
+            </a:lvl7pPr>
+            <a:lvl8pPr>
+              <a:defRPr>
+                <a:solidFill>
+                  <a:schemeClr val="lt1"/>
+                </a:solidFill>
+              </a:defRPr>
+            </a:lvl8pPr>
+            <a:lvl9pPr>
+              <a:defRPr>
+                <a:solidFill>
+                  <a:schemeClr val="lt1"/>
+                </a:solidFill>
+              </a:defRPr>
+            </a:lvl9pPr>
+          </a:lstStyle>
+          <a:p>
+            <a:pPr marL="180975" indent="-180975">
+              <a:spcAft>
+                <a:spcPts val="300"/>
+              </a:spcAft>
+            </a:pPr>
+            <a:r>
+              <a:rPr lang="en">
+                <a:solidFill>
+                  <a:schemeClr val="tx1"/>
+                </a:solidFill>
+              </a:rPr>
+              <a:t>Hello world: Test basic file operations, list files / vector stores / assistants / evals, cleanup tasks</a:t>
+            </a:r>
+            <a:endParaRPr lang="de-DE">
+              <a:solidFill>
+                <a:schemeClr val="tx1"/>
+              </a:solidFill>
+            </a:endParaRPr>
+          </a:p>
+        </p:txBody>
+      </p:sp>
+      <p:sp>
+        <p:nvSpPr>
+          <p:cNvPr id="14" name="TextBox 6">
+            <a:extLst>
+              <a:ext uri="{FF2B5EF4-FFF2-40B4-BE49-F238E27FC236}">
+                <a16:creationId xmlns:a16="http://schemas.microsoft.com/office/drawing/2014/main" id="{199E7678-E4B7-DFE6-B404-2B6EF713326D}"/>
+              </a:ext>
+            </a:extLst>
+          </p:cNvPr>
+          <p:cNvSpPr txBox="1"/>
+          <p:nvPr/>
+        </p:nvSpPr>
+        <p:spPr>
+          <a:xfrm>
+            <a:off x="1331640" y="1918041"/>
+            <a:ext cx="648072" cy="343633"/>
+          </a:xfrm>
+          <a:prstGeom prst="rect">
+            <a:avLst/>
+          </a:prstGeom>
+          <a:solidFill>
+            <a:srgbClr val="CAFEE4"/>
+          </a:solidFill>
+          <a:ln>
+            <a:noFill/>
+          </a:ln>
+        </p:spPr>
+        <p:style>
+          <a:lnRef idx="2">
+            <a:schemeClr val="accent1">
+              <a:shade val="50000"/>
+            </a:schemeClr>
+          </a:lnRef>
+          <a:fillRef idx="1">
+            <a:schemeClr val="accent1"/>
+          </a:fillRef>
+          <a:effectRef idx="0">
+            <a:schemeClr val="accent1"/>
+          </a:effectRef>
+          <a:fontRef idx="minor">
+            <a:schemeClr val="lt1"/>
+          </a:fontRef>
+        </p:style>
+        <p:txBody>
+          <a:bodyPr lIns="72000" tIns="72000" rIns="72000" bIns="72000" rtlCol="0" anchor="t"/>
+          <a:lstStyle>
+            <a:defPPr>
+              <a:defRPr lang="en-US"/>
+            </a:defPPr>
+            <a:lvl1pPr algn="ctr">
+              <a:lnSpc>
+                <a:spcPct val="90000"/>
+              </a:lnSpc>
+              <a:defRPr sz="1350">
+                <a:solidFill>
+                  <a:schemeClr val="tx1"/>
+                </a:solidFill>
+                <a:latin typeface="Arial Narrow" panose="020B0606020202030204" pitchFamily="34" charset="0"/>
+                <a:ea typeface="Open Sans Condensed" panose="020B0806030504020204" pitchFamily="34" charset="0"/>
+                <a:cs typeface="Open Sans Condensed" panose="020B0806030504020204" pitchFamily="34" charset="0"/>
+              </a:defRPr>
+            </a:lvl1pPr>
+            <a:lvl2pPr>
+              <a:defRPr>
+                <a:solidFill>
+                  <a:schemeClr val="lt1"/>
+                </a:solidFill>
+              </a:defRPr>
+            </a:lvl2pPr>
+            <a:lvl3pPr>
+              <a:defRPr>
+                <a:solidFill>
+                  <a:schemeClr val="lt1"/>
+                </a:solidFill>
+              </a:defRPr>
+            </a:lvl3pPr>
+            <a:lvl4pPr>
+              <a:defRPr>
+                <a:solidFill>
+                  <a:schemeClr val="lt1"/>
+                </a:solidFill>
+              </a:defRPr>
+            </a:lvl4pPr>
+            <a:lvl5pPr>
+              <a:defRPr>
+                <a:solidFill>
+                  <a:schemeClr val="lt1"/>
+                </a:solidFill>
+              </a:defRPr>
+            </a:lvl5pPr>
+            <a:lvl6pPr>
+              <a:defRPr>
+                <a:solidFill>
+                  <a:schemeClr val="lt1"/>
+                </a:solidFill>
+              </a:defRPr>
+            </a:lvl6pPr>
+            <a:lvl7pPr>
+              <a:defRPr>
+                <a:solidFill>
+                  <a:schemeClr val="lt1"/>
+                </a:solidFill>
+              </a:defRPr>
+            </a:lvl7pPr>
+            <a:lvl8pPr>
+              <a:defRPr>
+                <a:solidFill>
+                  <a:schemeClr val="lt1"/>
+                </a:solidFill>
+              </a:defRPr>
+            </a:lvl8pPr>
+            <a:lvl9pPr>
+              <a:defRPr>
+                <a:solidFill>
+                  <a:schemeClr val="lt1"/>
+                </a:solidFill>
+              </a:defRPr>
+            </a:lvl9pPr>
+          </a:lstStyle>
+          <a:p>
+            <a:r>
+              <a:rPr lang="en"/>
+              <a:t>Demo</a:t>
+            </a:r>
+            <a:endParaRPr lang="de-DE"/>
+          </a:p>
+        </p:txBody>
+      </p:sp>
+      <p:sp>
+        <p:nvSpPr>
+          <p:cNvPr id="2" name="TextBox 6">
+            <a:extLst>
+              <a:ext uri="{FF2B5EF4-FFF2-40B4-BE49-F238E27FC236}">
+                <a16:creationId xmlns:a16="http://schemas.microsoft.com/office/drawing/2014/main" id="{F25D6A0B-1614-1E26-C331-B2823100CF53}"/>
+              </a:ext>
+            </a:extLst>
+          </p:cNvPr>
+          <p:cNvSpPr txBox="1"/>
+          <p:nvPr/>
+        </p:nvSpPr>
+        <p:spPr>
+          <a:xfrm>
+            <a:off x="1331640" y="1327637"/>
+            <a:ext cx="648072" cy="501164"/>
+          </a:xfrm>
+          <a:prstGeom prst="rect">
+            <a:avLst/>
+          </a:prstGeom>
+          <a:solidFill>
+            <a:srgbClr val="F4F0DA"/>
+          </a:solidFill>
+          <a:ln>
+            <a:noFill/>
+          </a:ln>
+        </p:spPr>
+        <p:style>
+          <a:lnRef idx="2">
+            <a:schemeClr val="accent1">
+              <a:shade val="50000"/>
+            </a:schemeClr>
+          </a:lnRef>
+          <a:fillRef idx="1">
+            <a:schemeClr val="accent1"/>
+          </a:fillRef>
+          <a:effectRef idx="0">
+            <a:schemeClr val="accent1"/>
+          </a:effectRef>
+          <a:fontRef idx="minor">
+            <a:schemeClr val="lt1"/>
+          </a:fontRef>
+        </p:style>
+        <p:txBody>
+          <a:bodyPr lIns="72000" tIns="72000" rIns="72000" bIns="72000" rtlCol="0" anchor="t"/>
+          <a:lstStyle>
+            <a:defPPr>
+              <a:defRPr lang="en-US"/>
+            </a:defPPr>
+            <a:lvl1pPr>
+              <a:lnSpc>
+                <a:spcPct val="90000"/>
+              </a:lnSpc>
+              <a:defRPr sz="1350">
+                <a:solidFill>
+                  <a:srgbClr val="4E4E4E"/>
+                </a:solidFill>
+                <a:latin typeface="Arial Narrow" panose="020B0606020202030204" pitchFamily="34" charset="0"/>
+                <a:ea typeface="Open Sans Condensed" panose="020B0806030504020204" pitchFamily="34" charset="0"/>
+                <a:cs typeface="Open Sans Condensed" panose="020B0806030504020204" pitchFamily="34" charset="0"/>
+              </a:defRPr>
+            </a:lvl1pPr>
+            <a:lvl2pPr>
+              <a:defRPr>
+                <a:solidFill>
+                  <a:schemeClr val="lt1"/>
+                </a:solidFill>
+              </a:defRPr>
+            </a:lvl2pPr>
+            <a:lvl3pPr>
+              <a:defRPr>
+                <a:solidFill>
+                  <a:schemeClr val="lt1"/>
+                </a:solidFill>
+              </a:defRPr>
+            </a:lvl3pPr>
+            <a:lvl4pPr>
+              <a:defRPr>
+                <a:solidFill>
+                  <a:schemeClr val="lt1"/>
+                </a:solidFill>
+              </a:defRPr>
+            </a:lvl4pPr>
+            <a:lvl5pPr>
+              <a:defRPr>
+                <a:solidFill>
+                  <a:schemeClr val="lt1"/>
+                </a:solidFill>
+              </a:defRPr>
+            </a:lvl5pPr>
+            <a:lvl6pPr>
+              <a:defRPr>
+                <a:solidFill>
+                  <a:schemeClr val="lt1"/>
+                </a:solidFill>
+              </a:defRPr>
+            </a:lvl6pPr>
+            <a:lvl7pPr>
+              <a:defRPr>
+                <a:solidFill>
+                  <a:schemeClr val="lt1"/>
+                </a:solidFill>
+              </a:defRPr>
+            </a:lvl7pPr>
+            <a:lvl8pPr>
+              <a:defRPr>
+                <a:solidFill>
+                  <a:schemeClr val="lt1"/>
+                </a:solidFill>
+              </a:defRPr>
+            </a:lvl8pPr>
+            <a:lvl9pPr>
+              <a:defRPr>
+                <a:solidFill>
+                  <a:schemeClr val="lt1"/>
+                </a:solidFill>
+              </a:defRPr>
+            </a:lvl9pPr>
+          </a:lstStyle>
+          <a:p>
+            <a:pPr algn="ctr"/>
+            <a:r>
+              <a:rPr lang="en">
+                <a:solidFill>
+                  <a:schemeClr val="tx1"/>
+                </a:solidFill>
+              </a:rPr>
+              <a:t>Theory</a:t>
+            </a:r>
+            <a:endParaRPr lang="de-DE">
+              <a:solidFill>
+                <a:schemeClr val="tx1"/>
+              </a:solidFill>
+            </a:endParaRPr>
+          </a:p>
+        </p:txBody>
+      </p:sp>
+      <p:sp>
+        <p:nvSpPr>
+          <p:cNvPr id="3" name="TextBox 6">
+            <a:extLst>
+              <a:ext uri="{FF2B5EF4-FFF2-40B4-BE49-F238E27FC236}">
+                <a16:creationId xmlns:a16="http://schemas.microsoft.com/office/drawing/2014/main" id="{EBFC540E-A016-6CA9-B83D-226FF9553BB1}"/>
+              </a:ext>
+            </a:extLst>
+          </p:cNvPr>
+          <p:cNvSpPr txBox="1"/>
+          <p:nvPr/>
+        </p:nvSpPr>
+        <p:spPr>
+          <a:xfrm>
+            <a:off x="216088" y="2340037"/>
+            <a:ext cx="1006388" cy="517463"/>
+          </a:xfrm>
+          <a:prstGeom prst="rect">
+            <a:avLst/>
+          </a:prstGeom>
+          <a:solidFill>
+            <a:srgbClr val="F1F4F5"/>
+          </a:solidFill>
+          <a:ln>
+            <a:noFill/>
+          </a:ln>
+        </p:spPr>
+        <p:style>
+          <a:lnRef idx="2">
+            <a:schemeClr val="accent1">
+              <a:shade val="50000"/>
+            </a:schemeClr>
+          </a:lnRef>
+          <a:fillRef idx="1">
+            <a:schemeClr val="accent1"/>
+          </a:fillRef>
+          <a:effectRef idx="0">
+            <a:schemeClr val="accent1"/>
+          </a:effectRef>
+          <a:fontRef idx="minor">
+            <a:schemeClr val="lt1"/>
+          </a:fontRef>
+        </p:style>
+        <p:txBody>
+          <a:bodyPr lIns="72000" tIns="72000" rIns="72000" bIns="72000" rtlCol="0" anchor="t"/>
+          <a:lstStyle>
+            <a:defPPr>
+              <a:defRPr lang="en-US"/>
+            </a:defPPr>
+            <a:lvl1pPr algn="ctr">
+              <a:lnSpc>
+                <a:spcPct val="90000"/>
+              </a:lnSpc>
+              <a:defRPr sz="1350">
+                <a:solidFill>
+                  <a:srgbClr val="4E4E4E"/>
+                </a:solidFill>
+                <a:latin typeface="Arial Narrow" panose="020B0606020202030204" pitchFamily="34" charset="0"/>
+                <a:ea typeface="Open Sans Condensed" panose="020B0806030504020204" pitchFamily="34" charset="0"/>
+                <a:cs typeface="Open Sans Condensed" panose="020B0806030504020204" pitchFamily="34" charset="0"/>
+              </a:defRPr>
+            </a:lvl1pPr>
+            <a:lvl2pPr>
+              <a:defRPr>
+                <a:solidFill>
+                  <a:schemeClr val="lt1"/>
+                </a:solidFill>
+              </a:defRPr>
+            </a:lvl2pPr>
+            <a:lvl3pPr>
+              <a:defRPr>
+                <a:solidFill>
+                  <a:schemeClr val="lt1"/>
+                </a:solidFill>
+              </a:defRPr>
+            </a:lvl3pPr>
+            <a:lvl4pPr>
+              <a:defRPr>
+                <a:solidFill>
+                  <a:schemeClr val="lt1"/>
+                </a:solidFill>
+              </a:defRPr>
+            </a:lvl4pPr>
+            <a:lvl5pPr>
+              <a:defRPr>
+                <a:solidFill>
+                  <a:schemeClr val="lt1"/>
+                </a:solidFill>
+              </a:defRPr>
+            </a:lvl5pPr>
+            <a:lvl6pPr>
+              <a:defRPr>
+                <a:solidFill>
+                  <a:schemeClr val="lt1"/>
+                </a:solidFill>
+              </a:defRPr>
+            </a:lvl6pPr>
+            <a:lvl7pPr>
+              <a:defRPr>
+                <a:solidFill>
+                  <a:schemeClr val="lt1"/>
+                </a:solidFill>
+              </a:defRPr>
+            </a:lvl7pPr>
+            <a:lvl8pPr>
+              <a:defRPr>
+                <a:solidFill>
+                  <a:schemeClr val="lt1"/>
+                </a:solidFill>
+              </a:defRPr>
+            </a:lvl8pPr>
+            <a:lvl9pPr>
+              <a:defRPr>
+                <a:solidFill>
+                  <a:schemeClr val="lt1"/>
+                </a:solidFill>
+              </a:defRPr>
+            </a:lvl9pPr>
+          </a:lstStyle>
+          <a:p>
+            <a:r>
+              <a:rPr lang="en">
+                <a:solidFill>
+                  <a:schemeClr val="tx1"/>
+                </a:solidFill>
+              </a:rPr>
+              <a:t>11:30 - 12:00</a:t>
+            </a:r>
+            <a:endParaRPr lang="de-DE">
+              <a:solidFill>
+                <a:schemeClr val="tx1"/>
+              </a:solidFill>
+            </a:endParaRPr>
+          </a:p>
+        </p:txBody>
+      </p:sp>
+      <p:sp>
+        <p:nvSpPr>
+          <p:cNvPr id="5" name="TextBox 6">
+            <a:extLst>
+              <a:ext uri="{FF2B5EF4-FFF2-40B4-BE49-F238E27FC236}">
+                <a16:creationId xmlns:a16="http://schemas.microsoft.com/office/drawing/2014/main" id="{6D12BDA9-5DAF-59FF-D7F6-567B20C28363}"/>
+              </a:ext>
+            </a:extLst>
+          </p:cNvPr>
+          <p:cNvSpPr txBox="1"/>
+          <p:nvPr/>
+        </p:nvSpPr>
+        <p:spPr>
+          <a:xfrm>
+            <a:off x="2088876" y="2340037"/>
+            <a:ext cx="6821876" cy="517463"/>
+          </a:xfrm>
+          <a:prstGeom prst="rect">
+            <a:avLst/>
+          </a:prstGeom>
+          <a:solidFill>
+            <a:srgbClr val="F1F4F5"/>
+          </a:solidFill>
+          <a:ln>
+            <a:noFill/>
+          </a:ln>
+        </p:spPr>
+        <p:style>
+          <a:lnRef idx="2">
+            <a:schemeClr val="accent1">
+              <a:shade val="50000"/>
+            </a:schemeClr>
+          </a:lnRef>
+          <a:fillRef idx="1">
+            <a:schemeClr val="accent1"/>
+          </a:fillRef>
+          <a:effectRef idx="0">
+            <a:schemeClr val="accent1"/>
+          </a:effectRef>
+          <a:fontRef idx="minor">
+            <a:schemeClr val="lt1"/>
+          </a:fontRef>
+        </p:style>
+        <p:txBody>
+          <a:bodyPr lIns="108000" tIns="72000" rIns="72000" bIns="72000" rtlCol="0" anchor="t"/>
+          <a:lstStyle>
+            <a:defPPr>
+              <a:defRPr lang="en-US"/>
+            </a:defPPr>
+            <a:lvl1pPr marL="180975" indent="-180975">
+              <a:lnSpc>
+                <a:spcPct val="90000"/>
+              </a:lnSpc>
+              <a:spcAft>
+                <a:spcPts val="300"/>
+              </a:spcAft>
+              <a:defRPr sz="1350">
+                <a:solidFill>
+                  <a:schemeClr val="tx1"/>
+                </a:solidFill>
+                <a:latin typeface="Arial Narrow" panose="020B0606020202030204" pitchFamily="34" charset="0"/>
+                <a:ea typeface="Open Sans Condensed" panose="020B0806030504020204" pitchFamily="34" charset="0"/>
+                <a:cs typeface="Open Sans Condensed" panose="020B0806030504020204" pitchFamily="34" charset="0"/>
+              </a:defRPr>
+            </a:lvl1pPr>
+            <a:lvl2pPr>
+              <a:defRPr>
+                <a:solidFill>
+                  <a:schemeClr val="lt1"/>
+                </a:solidFill>
+              </a:defRPr>
+            </a:lvl2pPr>
+            <a:lvl3pPr>
+              <a:defRPr>
+                <a:solidFill>
+                  <a:schemeClr val="lt1"/>
+                </a:solidFill>
+              </a:defRPr>
+            </a:lvl3pPr>
+            <a:lvl4pPr>
+              <a:defRPr>
+                <a:solidFill>
+                  <a:schemeClr val="lt1"/>
+                </a:solidFill>
+              </a:defRPr>
+            </a:lvl4pPr>
+            <a:lvl5pPr>
+              <a:defRPr>
+                <a:solidFill>
+                  <a:schemeClr val="lt1"/>
+                </a:solidFill>
+              </a:defRPr>
+            </a:lvl5pPr>
+            <a:lvl6pPr>
+              <a:defRPr>
+                <a:solidFill>
+                  <a:schemeClr val="lt1"/>
+                </a:solidFill>
+              </a:defRPr>
+            </a:lvl6pPr>
+            <a:lvl7pPr>
+              <a:defRPr>
+                <a:solidFill>
+                  <a:schemeClr val="lt1"/>
+                </a:solidFill>
+              </a:defRPr>
+            </a:lvl7pPr>
+            <a:lvl8pPr>
+              <a:defRPr>
+                <a:solidFill>
+                  <a:schemeClr val="lt1"/>
+                </a:solidFill>
+              </a:defRPr>
+            </a:lvl8pPr>
+            <a:lvl9pPr>
+              <a:defRPr>
+                <a:solidFill>
+                  <a:schemeClr val="lt1"/>
+                </a:solidFill>
+              </a:defRPr>
+            </a:lvl9pPr>
+          </a:lstStyle>
+          <a:p>
+            <a:pPr marL="0" indent="0"/>
+            <a:r>
+              <a:rPr lang="en"/>
+              <a:t>RAG and Search: Create vector stores, upload files, extract and assign metadata, get answers, search for files, filter using metadata</a:t>
+            </a:r>
+            <a:endParaRPr lang="de-DE"/>
+          </a:p>
+        </p:txBody>
+      </p:sp>
+      <p:sp>
+        <p:nvSpPr>
+          <p:cNvPr id="7" name="TextBox 6">
+            <a:extLst>
+              <a:ext uri="{FF2B5EF4-FFF2-40B4-BE49-F238E27FC236}">
+                <a16:creationId xmlns:a16="http://schemas.microsoft.com/office/drawing/2014/main" id="{698191F7-8D28-E1C1-A33F-AB2E8FDB9F2A}"/>
+              </a:ext>
+            </a:extLst>
+          </p:cNvPr>
+          <p:cNvSpPr txBox="1"/>
+          <p:nvPr/>
+        </p:nvSpPr>
+        <p:spPr>
+          <a:xfrm>
+            <a:off x="1331640" y="2340037"/>
+            <a:ext cx="648072" cy="517463"/>
+          </a:xfrm>
+          <a:prstGeom prst="rect">
+            <a:avLst/>
+          </a:prstGeom>
+          <a:solidFill>
+            <a:srgbClr val="CAFEE4"/>
+          </a:solidFill>
+          <a:ln>
+            <a:noFill/>
+          </a:ln>
+        </p:spPr>
+        <p:style>
+          <a:lnRef idx="2">
+            <a:schemeClr val="accent1">
+              <a:shade val="50000"/>
+            </a:schemeClr>
+          </a:lnRef>
+          <a:fillRef idx="1">
+            <a:schemeClr val="accent1"/>
+          </a:fillRef>
+          <a:effectRef idx="0">
+            <a:schemeClr val="accent1"/>
+          </a:effectRef>
+          <a:fontRef idx="minor">
+            <a:schemeClr val="lt1"/>
+          </a:fontRef>
+        </p:style>
+        <p:txBody>
+          <a:bodyPr lIns="72000" tIns="72000" rIns="72000" bIns="72000" rtlCol="0" anchor="t"/>
+          <a:lstStyle>
+            <a:defPPr>
+              <a:defRPr lang="en-US"/>
+            </a:defPPr>
+            <a:lvl1pPr algn="ctr">
+              <a:lnSpc>
+                <a:spcPct val="90000"/>
+              </a:lnSpc>
+              <a:defRPr sz="1350">
+                <a:solidFill>
+                  <a:schemeClr val="tx1"/>
+                </a:solidFill>
+                <a:latin typeface="Arial Narrow" panose="020B0606020202030204" pitchFamily="34" charset="0"/>
+                <a:ea typeface="Open Sans Condensed" panose="020B0806030504020204" pitchFamily="34" charset="0"/>
+                <a:cs typeface="Open Sans Condensed" panose="020B0806030504020204" pitchFamily="34" charset="0"/>
+              </a:defRPr>
+            </a:lvl1pPr>
+            <a:lvl2pPr>
+              <a:defRPr>
+                <a:solidFill>
+                  <a:schemeClr val="lt1"/>
+                </a:solidFill>
+              </a:defRPr>
+            </a:lvl2pPr>
+            <a:lvl3pPr>
+              <a:defRPr>
+                <a:solidFill>
+                  <a:schemeClr val="lt1"/>
+                </a:solidFill>
+              </a:defRPr>
+            </a:lvl3pPr>
+            <a:lvl4pPr>
+              <a:defRPr>
+                <a:solidFill>
+                  <a:schemeClr val="lt1"/>
+                </a:solidFill>
+              </a:defRPr>
+            </a:lvl4pPr>
+            <a:lvl5pPr>
+              <a:defRPr>
+                <a:solidFill>
+                  <a:schemeClr val="lt1"/>
+                </a:solidFill>
+              </a:defRPr>
+            </a:lvl5pPr>
+            <a:lvl6pPr>
+              <a:defRPr>
+                <a:solidFill>
+                  <a:schemeClr val="lt1"/>
+                </a:solidFill>
+              </a:defRPr>
+            </a:lvl6pPr>
+            <a:lvl7pPr>
+              <a:defRPr>
+                <a:solidFill>
+                  <a:schemeClr val="lt1"/>
+                </a:solidFill>
+              </a:defRPr>
+            </a:lvl7pPr>
+            <a:lvl8pPr>
+              <a:defRPr>
+                <a:solidFill>
+                  <a:schemeClr val="lt1"/>
+                </a:solidFill>
+              </a:defRPr>
+            </a:lvl8pPr>
+            <a:lvl9pPr>
+              <a:defRPr>
+                <a:solidFill>
+                  <a:schemeClr val="lt1"/>
+                </a:solidFill>
+              </a:defRPr>
+            </a:lvl9pPr>
+          </a:lstStyle>
+          <a:p>
+            <a:r>
+              <a:rPr lang="en"/>
+              <a:t>Demo</a:t>
+            </a:r>
+            <a:endParaRPr lang="de-DE"/>
+          </a:p>
+        </p:txBody>
+      </p:sp>
+      <p:sp>
+        <p:nvSpPr>
+          <p:cNvPr id="12" name="TextBox 6">
+            <a:extLst>
+              <a:ext uri="{FF2B5EF4-FFF2-40B4-BE49-F238E27FC236}">
+                <a16:creationId xmlns:a16="http://schemas.microsoft.com/office/drawing/2014/main" id="{3713CB74-4746-9640-75E1-31BE623E9E04}"/>
+              </a:ext>
+            </a:extLst>
+          </p:cNvPr>
+          <p:cNvSpPr txBox="1"/>
+          <p:nvPr/>
+        </p:nvSpPr>
+        <p:spPr>
+          <a:xfrm>
+            <a:off x="216088" y="2935863"/>
+            <a:ext cx="1006388" cy="517463"/>
+          </a:xfrm>
+          <a:prstGeom prst="rect">
+            <a:avLst/>
+          </a:prstGeom>
+          <a:solidFill>
+            <a:srgbClr val="F1F4F5"/>
+          </a:solidFill>
+          <a:ln>
+            <a:noFill/>
+          </a:ln>
+        </p:spPr>
+        <p:style>
+          <a:lnRef idx="2">
+            <a:schemeClr val="accent1">
+              <a:shade val="50000"/>
+            </a:schemeClr>
+          </a:lnRef>
+          <a:fillRef idx="1">
+            <a:schemeClr val="accent1"/>
+          </a:fillRef>
+          <a:effectRef idx="0">
+            <a:schemeClr val="accent1"/>
+          </a:effectRef>
+          <a:fontRef idx="minor">
+            <a:schemeClr val="lt1"/>
+          </a:fontRef>
+        </p:style>
+        <p:txBody>
+          <a:bodyPr lIns="72000" tIns="72000" rIns="72000" bIns="72000" rtlCol="0" anchor="t"/>
+          <a:lstStyle>
+            <a:defPPr>
+              <a:defRPr lang="en-US"/>
+            </a:defPPr>
+            <a:lvl1pPr algn="ctr">
+              <a:lnSpc>
+                <a:spcPct val="90000"/>
+              </a:lnSpc>
+              <a:defRPr sz="1350">
+                <a:solidFill>
+                  <a:srgbClr val="4E4E4E"/>
+                </a:solidFill>
+                <a:latin typeface="Arial Narrow" panose="020B0606020202030204" pitchFamily="34" charset="0"/>
+                <a:ea typeface="Open Sans Condensed" panose="020B0806030504020204" pitchFamily="34" charset="0"/>
+                <a:cs typeface="Open Sans Condensed" panose="020B0806030504020204" pitchFamily="34" charset="0"/>
+              </a:defRPr>
+            </a:lvl1pPr>
+            <a:lvl2pPr>
+              <a:defRPr>
+                <a:solidFill>
+                  <a:schemeClr val="lt1"/>
+                </a:solidFill>
+              </a:defRPr>
+            </a:lvl2pPr>
+            <a:lvl3pPr>
+              <a:defRPr>
+                <a:solidFill>
+                  <a:schemeClr val="lt1"/>
+                </a:solidFill>
+              </a:defRPr>
+            </a:lvl3pPr>
+            <a:lvl4pPr>
+              <a:defRPr>
+                <a:solidFill>
+                  <a:schemeClr val="lt1"/>
+                </a:solidFill>
+              </a:defRPr>
+            </a:lvl4pPr>
+            <a:lvl5pPr>
+              <a:defRPr>
+                <a:solidFill>
+                  <a:schemeClr val="lt1"/>
+                </a:solidFill>
+              </a:defRPr>
+            </a:lvl5pPr>
+            <a:lvl6pPr>
+              <a:defRPr>
+                <a:solidFill>
+                  <a:schemeClr val="lt1"/>
+                </a:solidFill>
+              </a:defRPr>
+            </a:lvl6pPr>
+            <a:lvl7pPr>
+              <a:defRPr>
+                <a:solidFill>
+                  <a:schemeClr val="lt1"/>
+                </a:solidFill>
+              </a:defRPr>
+            </a:lvl7pPr>
+            <a:lvl8pPr>
+              <a:defRPr>
+                <a:solidFill>
+                  <a:schemeClr val="lt1"/>
+                </a:solidFill>
+              </a:defRPr>
+            </a:lvl8pPr>
+            <a:lvl9pPr>
+              <a:defRPr>
+                <a:solidFill>
+                  <a:schemeClr val="lt1"/>
+                </a:solidFill>
+              </a:defRPr>
+            </a:lvl9pPr>
+          </a:lstStyle>
+          <a:p>
+            <a:r>
+              <a:rPr lang="en">
+                <a:solidFill>
+                  <a:schemeClr val="tx1"/>
+                </a:solidFill>
+              </a:rPr>
+              <a:t>12:00 - 12:30</a:t>
+            </a:r>
+            <a:endParaRPr lang="de-DE">
+              <a:solidFill>
+                <a:schemeClr val="tx1"/>
+              </a:solidFill>
+            </a:endParaRPr>
+          </a:p>
+        </p:txBody>
+      </p:sp>
+      <p:sp>
+        <p:nvSpPr>
+          <p:cNvPr id="13" name="TextBox 6">
+            <a:extLst>
+              <a:ext uri="{FF2B5EF4-FFF2-40B4-BE49-F238E27FC236}">
+                <a16:creationId xmlns:a16="http://schemas.microsoft.com/office/drawing/2014/main" id="{079560D6-DDFE-D610-94E1-42F52198950D}"/>
+              </a:ext>
+            </a:extLst>
+          </p:cNvPr>
+          <p:cNvSpPr txBox="1"/>
+          <p:nvPr/>
+        </p:nvSpPr>
+        <p:spPr>
+          <a:xfrm>
+            <a:off x="2088876" y="2935863"/>
+            <a:ext cx="6821876" cy="517463"/>
+          </a:xfrm>
+          <a:prstGeom prst="rect">
+            <a:avLst/>
+          </a:prstGeom>
+          <a:solidFill>
+            <a:srgbClr val="F1F4F5"/>
+          </a:solidFill>
+          <a:ln>
+            <a:noFill/>
+          </a:ln>
+        </p:spPr>
+        <p:style>
+          <a:lnRef idx="2">
+            <a:schemeClr val="accent1">
+              <a:shade val="50000"/>
+            </a:schemeClr>
+          </a:lnRef>
+          <a:fillRef idx="1">
+            <a:schemeClr val="accent1"/>
+          </a:fillRef>
+          <a:effectRef idx="0">
+            <a:schemeClr val="accent1"/>
+          </a:effectRef>
+          <a:fontRef idx="minor">
+            <a:schemeClr val="lt1"/>
+          </a:fontRef>
+        </p:style>
+        <p:txBody>
+          <a:bodyPr lIns="108000" tIns="72000" rIns="72000" bIns="72000" rtlCol="0" anchor="t"/>
+          <a:lstStyle>
+            <a:defPPr>
+              <a:defRPr lang="en-US"/>
+            </a:defPPr>
+            <a:lvl1pPr marL="180975" indent="-180975">
+              <a:lnSpc>
+                <a:spcPct val="90000"/>
+              </a:lnSpc>
+              <a:spcAft>
+                <a:spcPts val="300"/>
+              </a:spcAft>
+              <a:defRPr sz="1350">
+                <a:solidFill>
+                  <a:schemeClr val="tx1"/>
+                </a:solidFill>
+                <a:latin typeface="Arial Narrow" panose="020B0606020202030204" pitchFamily="34" charset="0"/>
+                <a:ea typeface="Open Sans Condensed" panose="020B0806030504020204" pitchFamily="34" charset="0"/>
+                <a:cs typeface="Open Sans Condensed" panose="020B0806030504020204" pitchFamily="34" charset="0"/>
+              </a:defRPr>
+            </a:lvl1pPr>
+            <a:lvl2pPr>
+              <a:defRPr>
+                <a:solidFill>
+                  <a:schemeClr val="lt1"/>
+                </a:solidFill>
+              </a:defRPr>
+            </a:lvl2pPr>
+            <a:lvl3pPr>
+              <a:defRPr>
+                <a:solidFill>
+                  <a:schemeClr val="lt1"/>
+                </a:solidFill>
+              </a:defRPr>
+            </a:lvl3pPr>
+            <a:lvl4pPr>
+              <a:defRPr>
+                <a:solidFill>
+                  <a:schemeClr val="lt1"/>
+                </a:solidFill>
+              </a:defRPr>
+            </a:lvl4pPr>
+            <a:lvl5pPr>
+              <a:defRPr>
+                <a:solidFill>
+                  <a:schemeClr val="lt1"/>
+                </a:solidFill>
+              </a:defRPr>
+            </a:lvl5pPr>
+            <a:lvl6pPr>
+              <a:defRPr>
+                <a:solidFill>
+                  <a:schemeClr val="lt1"/>
+                </a:solidFill>
+              </a:defRPr>
+            </a:lvl6pPr>
+            <a:lvl7pPr>
+              <a:defRPr>
+                <a:solidFill>
+                  <a:schemeClr val="lt1"/>
+                </a:solidFill>
+              </a:defRPr>
+            </a:lvl7pPr>
+            <a:lvl8pPr>
+              <a:defRPr>
+                <a:solidFill>
+                  <a:schemeClr val="lt1"/>
+                </a:solidFill>
+              </a:defRPr>
+            </a:lvl8pPr>
+            <a:lvl9pPr>
+              <a:defRPr>
+                <a:solidFill>
+                  <a:schemeClr val="lt1"/>
+                </a:solidFill>
+              </a:defRPr>
+            </a:lvl9pPr>
+          </a:lstStyle>
+          <a:p>
+            <a:pPr marL="0" indent="0"/>
+            <a:r>
+              <a:rPr lang="en"/>
+              <a:t>RAG answer evaluation: Semantic similarity, LLM-as-a-judge, scoring prompts, Open AI evaluations, calibration, scoring model variability</a:t>
+            </a:r>
+            <a:endParaRPr lang="de-DE"/>
+          </a:p>
+        </p:txBody>
+      </p:sp>
+      <p:sp>
+        <p:nvSpPr>
+          <p:cNvPr id="15" name="TextBox 14">
+            <a:extLst>
+              <a:ext uri="{FF2B5EF4-FFF2-40B4-BE49-F238E27FC236}">
+                <a16:creationId xmlns:a16="http://schemas.microsoft.com/office/drawing/2014/main" id="{AEC43414-2D1A-775D-A66F-F94389BE9A5B}"/>
+              </a:ext>
+            </a:extLst>
+          </p:cNvPr>
+          <p:cNvSpPr txBox="1"/>
+          <p:nvPr/>
+        </p:nvSpPr>
+        <p:spPr>
+          <a:xfrm>
+            <a:off x="1331640" y="2935863"/>
+            <a:ext cx="648072" cy="517463"/>
+          </a:xfrm>
+          <a:prstGeom prst="rect">
+            <a:avLst/>
+          </a:prstGeom>
+          <a:solidFill>
+            <a:srgbClr val="CAFEE4"/>
+          </a:solidFill>
+          <a:ln>
+            <a:noFill/>
+          </a:ln>
+        </p:spPr>
+        <p:style>
+          <a:lnRef idx="2">
+            <a:schemeClr val="accent1">
+              <a:shade val="50000"/>
+            </a:schemeClr>
+          </a:lnRef>
+          <a:fillRef idx="1">
+            <a:schemeClr val="accent1"/>
+          </a:fillRef>
+          <a:effectRef idx="0">
+            <a:schemeClr val="accent1"/>
+          </a:effectRef>
+          <a:fontRef idx="minor">
+            <a:schemeClr val="lt1"/>
+          </a:fontRef>
+        </p:style>
+        <p:txBody>
+          <a:bodyPr lIns="72000" tIns="72000" rIns="72000" bIns="72000" rtlCol="0" anchor="t"/>
+          <a:lstStyle>
+            <a:defPPr>
+              <a:defRPr lang="en-US"/>
+            </a:defPPr>
+            <a:lvl1pPr algn="ctr">
+              <a:lnSpc>
+                <a:spcPct val="90000"/>
+              </a:lnSpc>
+              <a:defRPr sz="1350">
+                <a:solidFill>
+                  <a:schemeClr val="tx1"/>
+                </a:solidFill>
+                <a:latin typeface="Arial Narrow" panose="020B0606020202030204" pitchFamily="34" charset="0"/>
+                <a:ea typeface="Open Sans Condensed" panose="020B0806030504020204" pitchFamily="34" charset="0"/>
+                <a:cs typeface="Open Sans Condensed" panose="020B0806030504020204" pitchFamily="34" charset="0"/>
+              </a:defRPr>
+            </a:lvl1pPr>
+            <a:lvl2pPr>
+              <a:defRPr>
+                <a:solidFill>
+                  <a:schemeClr val="lt1"/>
+                </a:solidFill>
+              </a:defRPr>
+            </a:lvl2pPr>
+            <a:lvl3pPr>
+              <a:defRPr>
+                <a:solidFill>
+                  <a:schemeClr val="lt1"/>
+                </a:solidFill>
+              </a:defRPr>
+            </a:lvl3pPr>
+            <a:lvl4pPr>
+              <a:defRPr>
+                <a:solidFill>
+                  <a:schemeClr val="lt1"/>
+                </a:solidFill>
+              </a:defRPr>
+            </a:lvl4pPr>
+            <a:lvl5pPr>
+              <a:defRPr>
+                <a:solidFill>
+                  <a:schemeClr val="lt1"/>
+                </a:solidFill>
+              </a:defRPr>
+            </a:lvl5pPr>
+            <a:lvl6pPr>
+              <a:defRPr>
+                <a:solidFill>
+                  <a:schemeClr val="lt1"/>
+                </a:solidFill>
+              </a:defRPr>
+            </a:lvl6pPr>
+            <a:lvl7pPr>
+              <a:defRPr>
+                <a:solidFill>
+                  <a:schemeClr val="lt1"/>
+                </a:solidFill>
+              </a:defRPr>
+            </a:lvl7pPr>
+            <a:lvl8pPr>
+              <a:defRPr>
+                <a:solidFill>
+                  <a:schemeClr val="lt1"/>
+                </a:solidFill>
+              </a:defRPr>
+            </a:lvl8pPr>
+            <a:lvl9pPr>
+              <a:defRPr>
+                <a:solidFill>
+                  <a:schemeClr val="lt1"/>
+                </a:solidFill>
+              </a:defRPr>
+            </a:lvl9pPr>
+          </a:lstStyle>
+          <a:p>
+            <a:r>
+              <a:rPr lang="en"/>
+              <a:t>Demo</a:t>
+            </a:r>
+            <a:endParaRPr lang="de-DE"/>
+          </a:p>
+        </p:txBody>
+      </p:sp>
+      <p:sp>
+        <p:nvSpPr>
+          <p:cNvPr id="16" name="TextBox 6">
+            <a:extLst>
+              <a:ext uri="{FF2B5EF4-FFF2-40B4-BE49-F238E27FC236}">
+                <a16:creationId xmlns:a16="http://schemas.microsoft.com/office/drawing/2014/main" id="{50530730-ABE4-C4AD-5D73-42F6189C948C}"/>
+              </a:ext>
+            </a:extLst>
+          </p:cNvPr>
+          <p:cNvSpPr txBox="1"/>
+          <p:nvPr/>
+        </p:nvSpPr>
+        <p:spPr>
+          <a:xfrm>
+            <a:off x="216088" y="3531689"/>
+            <a:ext cx="1006388" cy="557216"/>
+          </a:xfrm>
+          <a:prstGeom prst="rect">
+            <a:avLst/>
+          </a:prstGeom>
+          <a:solidFill>
+            <a:srgbClr val="F1F4F5"/>
+          </a:solidFill>
+          <a:ln>
+            <a:noFill/>
+          </a:ln>
+        </p:spPr>
+        <p:style>
+          <a:lnRef idx="2">
+            <a:schemeClr val="accent1">
+              <a:shade val="50000"/>
+            </a:schemeClr>
+          </a:lnRef>
+          <a:fillRef idx="1">
+            <a:schemeClr val="accent1"/>
+          </a:fillRef>
+          <a:effectRef idx="0">
+            <a:schemeClr val="accent1"/>
+          </a:effectRef>
+          <a:fontRef idx="minor">
+            <a:schemeClr val="lt1"/>
+          </a:fontRef>
+        </p:style>
+        <p:txBody>
+          <a:bodyPr lIns="72000" tIns="72000" rIns="72000" bIns="72000" rtlCol="0" anchor="t"/>
+          <a:lstStyle>
+            <a:defPPr>
+              <a:defRPr lang="en-US"/>
+            </a:defPPr>
+            <a:lvl1pPr algn="ctr">
+              <a:lnSpc>
+                <a:spcPct val="90000"/>
+              </a:lnSpc>
+              <a:defRPr sz="1350">
+                <a:solidFill>
+                  <a:srgbClr val="4E4E4E"/>
+                </a:solidFill>
+                <a:latin typeface="Arial Narrow" panose="020B0606020202030204" pitchFamily="34" charset="0"/>
+                <a:ea typeface="Open Sans Condensed" panose="020B0806030504020204" pitchFamily="34" charset="0"/>
+                <a:cs typeface="Open Sans Condensed" panose="020B0806030504020204" pitchFamily="34" charset="0"/>
+              </a:defRPr>
+            </a:lvl1pPr>
+            <a:lvl2pPr>
+              <a:defRPr>
+                <a:solidFill>
+                  <a:schemeClr val="lt1"/>
+                </a:solidFill>
+              </a:defRPr>
+            </a:lvl2pPr>
+            <a:lvl3pPr>
+              <a:defRPr>
+                <a:solidFill>
+                  <a:schemeClr val="lt1"/>
+                </a:solidFill>
+              </a:defRPr>
+            </a:lvl3pPr>
+            <a:lvl4pPr>
+              <a:defRPr>
+                <a:solidFill>
+                  <a:schemeClr val="lt1"/>
+                </a:solidFill>
+              </a:defRPr>
+            </a:lvl4pPr>
+            <a:lvl5pPr>
+              <a:defRPr>
+                <a:solidFill>
+                  <a:schemeClr val="lt1"/>
+                </a:solidFill>
+              </a:defRPr>
+            </a:lvl5pPr>
+            <a:lvl6pPr>
+              <a:defRPr>
+                <a:solidFill>
+                  <a:schemeClr val="lt1"/>
+                </a:solidFill>
+              </a:defRPr>
+            </a:lvl6pPr>
+            <a:lvl7pPr>
+              <a:defRPr>
+                <a:solidFill>
+                  <a:schemeClr val="lt1"/>
+                </a:solidFill>
+              </a:defRPr>
+            </a:lvl7pPr>
+            <a:lvl8pPr>
+              <a:defRPr>
+                <a:solidFill>
+                  <a:schemeClr val="lt1"/>
+                </a:solidFill>
+              </a:defRPr>
+            </a:lvl8pPr>
+            <a:lvl9pPr>
+              <a:defRPr>
+                <a:solidFill>
+                  <a:schemeClr val="lt1"/>
+                </a:solidFill>
+              </a:defRPr>
+            </a:lvl9pPr>
+          </a:lstStyle>
+          <a:p>
+            <a:r>
+              <a:rPr lang="en">
+                <a:solidFill>
+                  <a:schemeClr val="tx1"/>
+                </a:solidFill>
+              </a:rPr>
+              <a:t>12:30 - 13:00</a:t>
+            </a:r>
+            <a:endParaRPr lang="de-DE">
+              <a:solidFill>
+                <a:schemeClr val="tx1"/>
+              </a:solidFill>
+            </a:endParaRPr>
+          </a:p>
+        </p:txBody>
+      </p:sp>
+      <p:sp>
+        <p:nvSpPr>
+          <p:cNvPr id="17" name="TextBox 6">
+            <a:extLst>
+              <a:ext uri="{FF2B5EF4-FFF2-40B4-BE49-F238E27FC236}">
+                <a16:creationId xmlns:a16="http://schemas.microsoft.com/office/drawing/2014/main" id="{1E1FB66D-9689-3DE1-520F-9DBDBCD9BB19}"/>
+              </a:ext>
+            </a:extLst>
+          </p:cNvPr>
+          <p:cNvSpPr txBox="1"/>
+          <p:nvPr/>
+        </p:nvSpPr>
+        <p:spPr>
+          <a:xfrm>
+            <a:off x="2088876" y="3531689"/>
+            <a:ext cx="6821876" cy="557216"/>
+          </a:xfrm>
+          <a:prstGeom prst="rect">
+            <a:avLst/>
+          </a:prstGeom>
+          <a:solidFill>
+            <a:srgbClr val="F1F4F5"/>
+          </a:solidFill>
+          <a:ln>
+            <a:noFill/>
+          </a:ln>
+        </p:spPr>
+        <p:style>
+          <a:lnRef idx="2">
+            <a:schemeClr val="accent1">
+              <a:shade val="50000"/>
+            </a:schemeClr>
+          </a:lnRef>
+          <a:fillRef idx="1">
+            <a:schemeClr val="accent1"/>
+          </a:fillRef>
+          <a:effectRef idx="0">
+            <a:schemeClr val="accent1"/>
+          </a:effectRef>
+          <a:fontRef idx="minor">
+            <a:schemeClr val="lt1"/>
+          </a:fontRef>
+        </p:style>
+        <p:txBody>
+          <a:bodyPr lIns="108000" tIns="72000" rIns="72000" bIns="72000" rtlCol="0" anchor="t"/>
+          <a:lstStyle>
+            <a:defPPr>
+              <a:defRPr lang="en-US"/>
+            </a:defPPr>
+            <a:lvl1pPr>
+              <a:lnSpc>
+                <a:spcPct val="90000"/>
+              </a:lnSpc>
+              <a:defRPr sz="1350">
+                <a:solidFill>
+                  <a:srgbClr val="4E4E4E"/>
+                </a:solidFill>
+                <a:latin typeface="Arial Narrow" panose="020B0606020202030204" pitchFamily="34" charset="0"/>
+                <a:ea typeface="Open Sans Condensed" panose="020B0806030504020204" pitchFamily="34" charset="0"/>
+                <a:cs typeface="Open Sans Condensed" panose="020B0806030504020204" pitchFamily="34" charset="0"/>
+              </a:defRPr>
+            </a:lvl1pPr>
+            <a:lvl2pPr>
+              <a:defRPr>
+                <a:solidFill>
+                  <a:schemeClr val="lt1"/>
+                </a:solidFill>
+              </a:defRPr>
+            </a:lvl2pPr>
+            <a:lvl3pPr>
+              <a:defRPr>
+                <a:solidFill>
+                  <a:schemeClr val="lt1"/>
+                </a:solidFill>
+              </a:defRPr>
+            </a:lvl3pPr>
+            <a:lvl4pPr>
+              <a:defRPr>
+                <a:solidFill>
+                  <a:schemeClr val="lt1"/>
+                </a:solidFill>
+              </a:defRPr>
+            </a:lvl4pPr>
+            <a:lvl5pPr>
+              <a:defRPr>
+                <a:solidFill>
+                  <a:schemeClr val="lt1"/>
+                </a:solidFill>
+              </a:defRPr>
+            </a:lvl5pPr>
+            <a:lvl6pPr>
+              <a:defRPr>
+                <a:solidFill>
+                  <a:schemeClr val="lt1"/>
+                </a:solidFill>
+              </a:defRPr>
+            </a:lvl6pPr>
+            <a:lvl7pPr>
+              <a:defRPr>
+                <a:solidFill>
+                  <a:schemeClr val="lt1"/>
+                </a:solidFill>
+              </a:defRPr>
+            </a:lvl7pPr>
+            <a:lvl8pPr>
+              <a:defRPr>
+                <a:solidFill>
+                  <a:schemeClr val="lt1"/>
+                </a:solidFill>
+              </a:defRPr>
+            </a:lvl8pPr>
+            <a:lvl9pPr>
+              <a:defRPr>
+                <a:solidFill>
+                  <a:schemeClr val="lt1"/>
+                </a:solidFill>
+              </a:defRPr>
+            </a:lvl9pPr>
+          </a:lstStyle>
+          <a:p>
+            <a:pPr marL="180975" indent="-180975">
+              <a:spcAft>
+                <a:spcPts val="300"/>
+              </a:spcAft>
+            </a:pPr>
+            <a:r>
+              <a:rPr lang="en">
+                <a:solidFill>
+                  <a:schemeClr val="tx1"/>
+                </a:solidFill>
+              </a:rPr>
+              <a:t>Questions &amp; Answers, ideas to be tried out together</a:t>
+            </a:r>
+            <a:endParaRPr lang="de-DE">
+              <a:solidFill>
+                <a:schemeClr val="tx1"/>
+              </a:solidFill>
+            </a:endParaRPr>
+          </a:p>
+        </p:txBody>
+      </p:sp>
+      <p:sp>
+        <p:nvSpPr>
+          <p:cNvPr id="18" name="TextBox 6">
+            <a:extLst>
+              <a:ext uri="{FF2B5EF4-FFF2-40B4-BE49-F238E27FC236}">
+                <a16:creationId xmlns:a16="http://schemas.microsoft.com/office/drawing/2014/main" id="{DA6AA756-2A7E-8A3B-28CB-CE6D3FD06E98}"/>
+              </a:ext>
+            </a:extLst>
+          </p:cNvPr>
+          <p:cNvSpPr txBox="1"/>
+          <p:nvPr/>
+        </p:nvSpPr>
+        <p:spPr>
+          <a:xfrm>
+            <a:off x="1331640" y="3531689"/>
+            <a:ext cx="648072" cy="557216"/>
+          </a:xfrm>
+          <a:prstGeom prst="rect">
+            <a:avLst/>
+          </a:prstGeom>
+          <a:solidFill>
+            <a:srgbClr val="94FFFF"/>
+          </a:solidFill>
+          <a:ln>
+            <a:noFill/>
+          </a:ln>
+        </p:spPr>
+        <p:style>
+          <a:lnRef idx="2">
+            <a:schemeClr val="accent1">
+              <a:shade val="50000"/>
+            </a:schemeClr>
+          </a:lnRef>
+          <a:fillRef idx="1">
+            <a:schemeClr val="accent1"/>
+          </a:fillRef>
+          <a:effectRef idx="0">
+            <a:schemeClr val="accent1"/>
+          </a:effectRef>
+          <a:fontRef idx="minor">
+            <a:schemeClr val="lt1"/>
+          </a:fontRef>
+        </p:style>
+        <p:txBody>
+          <a:bodyPr lIns="72000" tIns="72000" rIns="72000" bIns="72000" rtlCol="0" anchor="t"/>
+          <a:lstStyle>
+            <a:defPPr>
+              <a:defRPr lang="en-US"/>
+            </a:defPPr>
+            <a:lvl1pPr algn="ctr">
+              <a:lnSpc>
+                <a:spcPct val="90000"/>
+              </a:lnSpc>
+              <a:defRPr sz="1350">
+                <a:solidFill>
+                  <a:schemeClr val="tx1"/>
+                </a:solidFill>
+                <a:latin typeface="Arial Narrow" panose="020B0606020202030204" pitchFamily="34" charset="0"/>
+                <a:ea typeface="Open Sans Condensed" panose="020B0806030504020204" pitchFamily="34" charset="0"/>
+                <a:cs typeface="Open Sans Condensed" panose="020B0806030504020204" pitchFamily="34" charset="0"/>
+              </a:defRPr>
+            </a:lvl1pPr>
+            <a:lvl2pPr>
+              <a:defRPr>
+                <a:solidFill>
+                  <a:schemeClr val="lt1"/>
+                </a:solidFill>
+              </a:defRPr>
+            </a:lvl2pPr>
+            <a:lvl3pPr>
+              <a:defRPr>
+                <a:solidFill>
+                  <a:schemeClr val="lt1"/>
+                </a:solidFill>
+              </a:defRPr>
+            </a:lvl3pPr>
+            <a:lvl4pPr>
+              <a:defRPr>
+                <a:solidFill>
+                  <a:schemeClr val="lt1"/>
+                </a:solidFill>
+              </a:defRPr>
+            </a:lvl4pPr>
+            <a:lvl5pPr>
+              <a:defRPr>
+                <a:solidFill>
+                  <a:schemeClr val="lt1"/>
+                </a:solidFill>
+              </a:defRPr>
+            </a:lvl5pPr>
+            <a:lvl6pPr>
+              <a:defRPr>
+                <a:solidFill>
+                  <a:schemeClr val="lt1"/>
+                </a:solidFill>
+              </a:defRPr>
+            </a:lvl6pPr>
+            <a:lvl7pPr>
+              <a:defRPr>
+                <a:solidFill>
+                  <a:schemeClr val="lt1"/>
+                </a:solidFill>
+              </a:defRPr>
+            </a:lvl7pPr>
+            <a:lvl8pPr>
+              <a:defRPr>
+                <a:solidFill>
+                  <a:schemeClr val="lt1"/>
+                </a:solidFill>
+              </a:defRPr>
+            </a:lvl8pPr>
+            <a:lvl9pPr>
+              <a:defRPr>
+                <a:solidFill>
+                  <a:schemeClr val="lt1"/>
+                </a:solidFill>
+              </a:defRPr>
+            </a:lvl9pPr>
+          </a:lstStyle>
+          <a:p>
+            <a:r>
+              <a:rPr lang="en"/>
+              <a:t>Inter-active</a:t>
+            </a:r>
+            <a:endParaRPr lang="de-DE"/>
+          </a:p>
+        </p:txBody>
+      </p:sp>
+    </p:spTree>
+    <p:extLst>
+      <p:ext uri="{BB962C8B-B14F-4D97-AF65-F5344CB8AC3E}">
+        <p14:creationId xmlns:p14="http://schemas.microsoft.com/office/powerpoint/2010/main" val="4200488732"/>
+      </p:ext>
+    </p:extLst>
+  </p:cSld>
+  <p:clrMapOvr>
+    <a:masterClrMapping/>
+  </p:clrMapOvr>
+</p:sld>
+</file>
+
+<file path=ppt/slides/slide3.xml><?xml version="1.0" encoding="utf-8"?>
 <p:sld xmlns:a="http://schemas.openxmlformats.org/drawingml/2006/main" xmlns:r="http://schemas.openxmlformats.org/officeDocument/2006/relationships" xmlns:p="http://schemas.openxmlformats.org/presentationml/2006/main">
   <p:cSld>
     <p:spTree>
@@ -24465,7 +28312,7 @@
 </p:sld>
 </file>
 
-<file path=ppt/slides/slide3.xml><?xml version="1.0" encoding="utf-8"?>
+<file path=ppt/slides/slide4.xml><?xml version="1.0" encoding="utf-8"?>
 <p:sld xmlns:a="http://schemas.openxmlformats.org/drawingml/2006/main" xmlns:r="http://schemas.openxmlformats.org/officeDocument/2006/relationships" xmlns:p="http://schemas.openxmlformats.org/presentationml/2006/main">
   <p:cSld>
     <p:spTree>
@@ -24824,7 +28671,7 @@
 </p:sld>
 </file>
 
-<file path=ppt/slides/slide4.xml><?xml version="1.0" encoding="utf-8"?>
+<file path=ppt/slides/slide5.xml><?xml version="1.0" encoding="utf-8"?>
 <p:sld xmlns:a="http://schemas.openxmlformats.org/drawingml/2006/main" xmlns:r="http://schemas.openxmlformats.org/officeDocument/2006/relationships" xmlns:p="http://schemas.openxmlformats.org/presentationml/2006/main">
   <p:cSld>
     <p:spTree>
@@ -25328,7 +29175,7 @@
 </p:sld>
 </file>
 
-<file path=ppt/slides/slide5.xml><?xml version="1.0" encoding="utf-8"?>
+<file path=ppt/slides/slide6.xml><?xml version="1.0" encoding="utf-8"?>
 <p:sld xmlns:a="http://schemas.openxmlformats.org/drawingml/2006/main" xmlns:r="http://schemas.openxmlformats.org/officeDocument/2006/relationships" xmlns:p="http://schemas.openxmlformats.org/presentationml/2006/main">
   <p:cSld>
     <p:spTree>
@@ -28594,7 +32441,7 @@
 </p:sld>
 </file>
 
-<file path=ppt/slides/slide6.xml><?xml version="1.0" encoding="utf-8"?>
+<file path=ppt/slides/slide7.xml><?xml version="1.0" encoding="utf-8"?>
 <p:sld xmlns:a="http://schemas.openxmlformats.org/drawingml/2006/main" xmlns:r="http://schemas.openxmlformats.org/officeDocument/2006/relationships" xmlns:p="http://schemas.openxmlformats.org/presentationml/2006/main">
   <p:cSld>
     <p:spTree>
@@ -29013,7 +32860,7 @@
 </p:sld>
 </file>
 
-<file path=ppt/slides/slide7.xml><?xml version="1.0" encoding="utf-8"?>
+<file path=ppt/slides/slide8.xml><?xml version="1.0" encoding="utf-8"?>
 <p:sld xmlns:a="http://schemas.openxmlformats.org/drawingml/2006/main" xmlns:r="http://schemas.openxmlformats.org/officeDocument/2006/relationships" xmlns:p="http://schemas.openxmlformats.org/presentationml/2006/main">
   <p:cSld>
     <p:spTree>
@@ -32649,7 +36496,7 @@
 </p:sld>
 </file>
 
-<file path=ppt/slides/slide8.xml><?xml version="1.0" encoding="utf-8"?>
+<file path=ppt/slides/slide9.xml><?xml version="1.0" encoding="utf-8"?>
 <p:sld xmlns:a="http://schemas.openxmlformats.org/drawingml/2006/main" xmlns:r="http://schemas.openxmlformats.org/officeDocument/2006/relationships" xmlns:p="http://schemas.openxmlformats.org/presentationml/2006/main">
   <p:cSld>
     <p:spTree>
@@ -32787,424 +36634,6 @@
     <p:extLst>
       <p:ext uri="{BB962C8B-B14F-4D97-AF65-F5344CB8AC3E}">
         <p14:creationId xmlns:p14="http://schemas.microsoft.com/office/powerpoint/2010/main" val="2133512896"/>
-      </p:ext>
-    </p:extLst>
-  </p:cSld>
-  <p:clrMapOvr>
-    <a:masterClrMapping/>
-  </p:clrMapOvr>
-</p:sld>
-</file>
-
-<file path=ppt/slides/slide9.xml><?xml version="1.0" encoding="utf-8"?>
-<p:sld xmlns:a="http://schemas.openxmlformats.org/drawingml/2006/main" xmlns:r="http://schemas.openxmlformats.org/officeDocument/2006/relationships" xmlns:p="http://schemas.openxmlformats.org/presentationml/2006/main">
-  <p:cSld>
-    <p:spTree>
-      <p:nvGrpSpPr>
-        <p:cNvPr id="1" name=""/>
-        <p:cNvGrpSpPr/>
-        <p:nvPr/>
-      </p:nvGrpSpPr>
-      <p:grpSpPr>
-        <a:xfrm>
-          <a:off x="0" y="0"/>
-          <a:ext cx="0" cy="0"/>
-          <a:chOff x="0" y="0"/>
-          <a:chExt cx="0" cy="0"/>
-        </a:xfrm>
-      </p:grpSpPr>
-      <p:sp>
-        <p:nvSpPr>
-          <p:cNvPr id="2" name="Title 1">
-            <a:extLst>
-              <a:ext uri="{FF2B5EF4-FFF2-40B4-BE49-F238E27FC236}">
-                <a16:creationId xmlns:a16="http://schemas.microsoft.com/office/drawing/2014/main" id="{DA391E45-5173-E639-33B2-276F945F228B}"/>
-              </a:ext>
-            </a:extLst>
-          </p:cNvPr>
-          <p:cNvSpPr>
-            <a:spLocks noGrp="1"/>
-          </p:cNvSpPr>
-          <p:nvPr>
-            <p:ph type="title"/>
-          </p:nvPr>
-        </p:nvSpPr>
-        <p:spPr/>
-        <p:txBody>
-          <a:bodyPr/>
-          <a:lstStyle/>
-          <a:p>
-            <a:r>
-              <a:rPr lang="en-US"/>
-              <a:t>Search Results with query rewrite</a:t>
-            </a:r>
-            <a:endParaRPr lang="en-CA"/>
-          </a:p>
-        </p:txBody>
-      </p:sp>
-      <p:pic>
-        <p:nvPicPr>
-          <p:cNvPr id="5" name="Picture 4">
-            <a:extLst>
-              <a:ext uri="{FF2B5EF4-FFF2-40B4-BE49-F238E27FC236}">
-                <a16:creationId xmlns:a16="http://schemas.microsoft.com/office/drawing/2014/main" id="{B3F73481-56AA-A374-D910-233D181C582F}"/>
-              </a:ext>
-            </a:extLst>
-          </p:cNvPr>
-          <p:cNvPicPr>
-            <a:picLocks noChangeAspect="1"/>
-          </p:cNvPicPr>
-          <p:nvPr/>
-        </p:nvPicPr>
-        <p:blipFill>
-          <a:blip r:embed="rId2"/>
-          <a:stretch>
-            <a:fillRect/>
-          </a:stretch>
-        </p:blipFill>
-        <p:spPr>
-          <a:xfrm>
-            <a:off x="371493" y="841276"/>
-            <a:ext cx="2930203" cy="4361518"/>
-          </a:xfrm>
-          <a:prstGeom prst="rect">
-            <a:avLst/>
-          </a:prstGeom>
-        </p:spPr>
-      </p:pic>
-      <p:pic>
-        <p:nvPicPr>
-          <p:cNvPr id="9" name="Picture 8">
-            <a:extLst>
-              <a:ext uri="{FF2B5EF4-FFF2-40B4-BE49-F238E27FC236}">
-                <a16:creationId xmlns:a16="http://schemas.microsoft.com/office/drawing/2014/main" id="{E00D3593-133D-E87E-55E6-ADA36B134A35}"/>
-              </a:ext>
-            </a:extLst>
-          </p:cNvPr>
-          <p:cNvPicPr>
-            <a:picLocks noChangeAspect="1"/>
-          </p:cNvPicPr>
-          <p:nvPr/>
-        </p:nvPicPr>
-        <p:blipFill>
-          <a:blip r:embed="rId3"/>
-          <a:stretch>
-            <a:fillRect/>
-          </a:stretch>
-        </p:blipFill>
-        <p:spPr>
-          <a:xfrm>
-            <a:off x="3851920" y="2001553"/>
-            <a:ext cx="4499238" cy="2222515"/>
-          </a:xfrm>
-          <a:prstGeom prst="rect">
-            <a:avLst/>
-          </a:prstGeom>
-        </p:spPr>
-      </p:pic>
-      <p:sp>
-        <p:nvSpPr>
-          <p:cNvPr id="10" name="TextBox 9">
-            <a:extLst>
-              <a:ext uri="{FF2B5EF4-FFF2-40B4-BE49-F238E27FC236}">
-                <a16:creationId xmlns:a16="http://schemas.microsoft.com/office/drawing/2014/main" id="{49F6B8BB-8B81-59FF-6EFC-B06F8FC8A913}"/>
-              </a:ext>
-            </a:extLst>
-          </p:cNvPr>
-          <p:cNvSpPr txBox="1"/>
-          <p:nvPr/>
-        </p:nvSpPr>
-        <p:spPr>
-          <a:xfrm>
-            <a:off x="3995936" y="950350"/>
-            <a:ext cx="3637214" cy="492443"/>
-          </a:xfrm>
-          <a:prstGeom prst="rect">
-            <a:avLst/>
-          </a:prstGeom>
-          <a:noFill/>
-        </p:spPr>
-        <p:txBody>
-          <a:bodyPr wrap="none" lIns="0" tIns="0" rIns="0" bIns="0" rtlCol="0">
-            <a:spAutoFit/>
-          </a:bodyPr>
-          <a:lstStyle/>
-          <a:p>
-            <a:r>
-              <a:rPr lang="en-US" sz="1600">
-                <a:solidFill>
-                  <a:srgbClr val="005AB4"/>
-                </a:solidFill>
-                <a:latin typeface="Arial Narrow" panose="020B0606020202030204" pitchFamily="34" charset="0"/>
-              </a:rPr>
-              <a:t>Query: </a:t>
-            </a:r>
-            <a:r>
-              <a:rPr lang="en-US" sz="1600" b="0">
-                <a:solidFill>
-                  <a:srgbClr val="00AA1E"/>
-                </a:solidFill>
-                <a:effectLst/>
-                <a:latin typeface="JetBrains Mono" panose="020B0509020102050004" pitchFamily="49" charset="0"/>
-              </a:rPr>
-              <a:t>All files from year 2015.</a:t>
-            </a:r>
-          </a:p>
-          <a:p>
-            <a:r>
-              <a:rPr lang="en-US" sz="1600">
-                <a:solidFill>
-                  <a:srgbClr val="005AB4"/>
-                </a:solidFill>
-                <a:latin typeface="Arial Narrow" panose="020B0606020202030204" pitchFamily="34" charset="0"/>
-              </a:rPr>
-              <a:t>Rewritten query: </a:t>
-            </a:r>
-            <a:r>
-              <a:rPr lang="en-US" sz="1600" b="0">
-                <a:solidFill>
-                  <a:srgbClr val="00AA1E"/>
-                </a:solidFill>
-                <a:effectLst/>
-                <a:latin typeface="JetBrains Mono" panose="020B0509020102050004" pitchFamily="49" charset="0"/>
-              </a:rPr>
-              <a:t>Files from 2015</a:t>
-            </a:r>
-            <a:endParaRPr lang="en-US" sz="1600" b="0">
-              <a:solidFill>
-                <a:srgbClr val="000000"/>
-              </a:solidFill>
-              <a:effectLst/>
-              <a:latin typeface="JetBrains Mono" panose="020B0509020102050004" pitchFamily="49" charset="0"/>
-            </a:endParaRPr>
-          </a:p>
-        </p:txBody>
-      </p:sp>
-      <p:sp>
-        <p:nvSpPr>
-          <p:cNvPr id="11" name="TextBox 10">
-            <a:extLst>
-              <a:ext uri="{FF2B5EF4-FFF2-40B4-BE49-F238E27FC236}">
-                <a16:creationId xmlns:a16="http://schemas.microsoft.com/office/drawing/2014/main" id="{F704FCAD-573D-6913-3585-7D3DAE4BDDCD}"/>
-              </a:ext>
-            </a:extLst>
-          </p:cNvPr>
-          <p:cNvSpPr txBox="1"/>
-          <p:nvPr/>
-        </p:nvSpPr>
-        <p:spPr>
-          <a:xfrm>
-            <a:off x="5292080" y="5305772"/>
-            <a:ext cx="2720296" cy="138499"/>
-          </a:xfrm>
-          <a:prstGeom prst="rect">
-            <a:avLst/>
-          </a:prstGeom>
-          <a:noFill/>
-        </p:spPr>
-        <p:txBody>
-          <a:bodyPr wrap="none" lIns="0" tIns="0" rIns="0" bIns="0" rtlCol="0">
-            <a:spAutoFit/>
-          </a:bodyPr>
-          <a:lstStyle/>
-          <a:p>
-            <a:pPr algn="l"/>
-            <a:r>
-              <a:rPr lang="en-CA" sz="900">
-                <a:solidFill>
-                  <a:srgbClr val="005AB4"/>
-                </a:solidFill>
-                <a:latin typeface="Arial Narrow" panose="020B0606020202030204" pitchFamily="34" charset="0"/>
-                <a:hlinkClick r:id="rId4"/>
-              </a:rPr>
-              <a:t>https://platform.openai.com/docs/guides/retrieval#query-rewriting</a:t>
-            </a:r>
-            <a:endParaRPr lang="en-CA" sz="900">
-              <a:solidFill>
-                <a:srgbClr val="005AB4"/>
-              </a:solidFill>
-              <a:latin typeface="Arial Narrow" panose="020B0606020202030204" pitchFamily="34" charset="0"/>
-            </a:endParaRPr>
-          </a:p>
-        </p:txBody>
-      </p:sp>
-      <p:sp>
-        <p:nvSpPr>
-          <p:cNvPr id="12" name="Rectangle 11">
-            <a:extLst>
-              <a:ext uri="{FF2B5EF4-FFF2-40B4-BE49-F238E27FC236}">
-                <a16:creationId xmlns:a16="http://schemas.microsoft.com/office/drawing/2014/main" id="{70B446C6-09BB-70F8-14FA-03EDECFA1AAB}"/>
-              </a:ext>
-            </a:extLst>
-          </p:cNvPr>
-          <p:cNvSpPr/>
-          <p:nvPr/>
-        </p:nvSpPr>
-        <p:spPr>
-          <a:xfrm>
-            <a:off x="506103" y="2059904"/>
-            <a:ext cx="1944216" cy="216024"/>
-          </a:xfrm>
-          <a:prstGeom prst="rect">
-            <a:avLst/>
-          </a:prstGeom>
-          <a:noFill/>
-          <a:ln w="25400">
-            <a:solidFill>
-              <a:srgbClr val="FF0000"/>
-            </a:solidFill>
-          </a:ln>
-        </p:spPr>
-        <p:style>
-          <a:lnRef idx="2">
-            <a:schemeClr val="accent1">
-              <a:shade val="15000"/>
-            </a:schemeClr>
-          </a:lnRef>
-          <a:fillRef idx="1">
-            <a:schemeClr val="accent1"/>
-          </a:fillRef>
-          <a:effectRef idx="0">
-            <a:schemeClr val="accent1"/>
-          </a:effectRef>
-          <a:fontRef idx="minor">
-            <a:schemeClr val="lt1"/>
-          </a:fontRef>
-        </p:style>
-        <p:txBody>
-          <a:bodyPr lIns="36000" tIns="36000" rIns="36000" bIns="36000" rtlCol="0" anchor="ctr"/>
-          <a:lstStyle/>
-          <a:p>
-            <a:pPr algn="ctr"/>
-            <a:endParaRPr lang="en-CA" sz="1600">
-              <a:solidFill>
-                <a:srgbClr val="005AB4"/>
-              </a:solidFill>
-              <a:latin typeface="Arial Narrow" panose="020B0606020202030204" pitchFamily="34" charset="0"/>
-            </a:endParaRPr>
-          </a:p>
-        </p:txBody>
-      </p:sp>
-      <p:sp>
-        <p:nvSpPr>
-          <p:cNvPr id="14" name="TextBox 13">
-            <a:extLst>
-              <a:ext uri="{FF2B5EF4-FFF2-40B4-BE49-F238E27FC236}">
-                <a16:creationId xmlns:a16="http://schemas.microsoft.com/office/drawing/2014/main" id="{E6CAB2A2-01ED-F6EE-DEB9-074B3A465E95}"/>
-              </a:ext>
-            </a:extLst>
-          </p:cNvPr>
-          <p:cNvSpPr txBox="1"/>
-          <p:nvPr/>
-        </p:nvSpPr>
-        <p:spPr>
-          <a:xfrm>
-            <a:off x="3874749" y="1544582"/>
-            <a:ext cx="4872208" cy="257122"/>
-          </a:xfrm>
-          <a:prstGeom prst="rect">
-            <a:avLst/>
-          </a:prstGeom>
-          <a:noFill/>
-        </p:spPr>
-        <p:txBody>
-          <a:bodyPr wrap="square">
-            <a:spAutoFit/>
-          </a:bodyPr>
-          <a:lstStyle/>
-          <a:p>
-            <a:pPr>
-              <a:lnSpc>
-                <a:spcPts val="1425"/>
-              </a:lnSpc>
-            </a:pPr>
-            <a:r>
-              <a:rPr lang="en-US" sz="900" b="0">
-                <a:solidFill>
-                  <a:srgbClr val="321EC8"/>
-                </a:solidFill>
-                <a:effectLst/>
-                <a:latin typeface="JetBrains Mono" panose="020B0509020102050004" pitchFamily="49" charset="0"/>
-              </a:rPr>
-              <a:t>rewritten_search_query</a:t>
-            </a:r>
-            <a:r>
-              <a:rPr lang="en-US" sz="900" b="0">
-                <a:solidFill>
-                  <a:srgbClr val="000000"/>
-                </a:solidFill>
-                <a:effectLst/>
-                <a:latin typeface="JetBrains Mono" panose="020B0509020102050004" pitchFamily="49" charset="0"/>
-              </a:rPr>
-              <a:t> </a:t>
-            </a:r>
-            <a:r>
-              <a:rPr lang="en-US" sz="900" b="0">
-                <a:solidFill>
-                  <a:srgbClr val="002B55"/>
-                </a:solidFill>
-                <a:effectLst/>
-                <a:latin typeface="JetBrains Mono" panose="020B0509020102050004" pitchFamily="49" charset="0"/>
-              </a:rPr>
-              <a:t>=</a:t>
-            </a:r>
-            <a:r>
-              <a:rPr lang="en-US" sz="900" b="0">
-                <a:solidFill>
-                  <a:srgbClr val="000000"/>
-                </a:solidFill>
-                <a:effectLst/>
-                <a:latin typeface="JetBrains Mono" panose="020B0509020102050004" pitchFamily="49" charset="0"/>
-              </a:rPr>
-              <a:t> </a:t>
-            </a:r>
-            <a:r>
-              <a:rPr lang="en-US" sz="900" b="0">
-                <a:solidFill>
-                  <a:srgbClr val="321EC8"/>
-                </a:solidFill>
-                <a:effectLst/>
-                <a:latin typeface="JetBrains Mono" panose="020B0509020102050004" pitchFamily="49" charset="0"/>
-              </a:rPr>
-              <a:t>search_results</a:t>
-            </a:r>
-            <a:r>
-              <a:rPr lang="en-US" sz="900" b="0">
-                <a:solidFill>
-                  <a:srgbClr val="000000"/>
-                </a:solidFill>
-                <a:effectLst/>
-                <a:latin typeface="JetBrains Mono" panose="020B0509020102050004" pitchFamily="49" charset="0"/>
-              </a:rPr>
-              <a:t>.model_extra[</a:t>
-            </a:r>
-            <a:r>
-              <a:rPr lang="en-US" sz="900" b="0">
-                <a:solidFill>
-                  <a:srgbClr val="00AA1E"/>
-                </a:solidFill>
-                <a:effectLst/>
-                <a:latin typeface="JetBrains Mono" panose="020B0509020102050004" pitchFamily="49" charset="0"/>
-              </a:rPr>
-              <a:t>'search_query'</a:t>
-            </a:r>
-            <a:r>
-              <a:rPr lang="en-US" sz="900" b="0">
-                <a:solidFill>
-                  <a:srgbClr val="000000"/>
-                </a:solidFill>
-                <a:effectLst/>
-                <a:latin typeface="JetBrains Mono" panose="020B0509020102050004" pitchFamily="49" charset="0"/>
-              </a:rPr>
-              <a:t>]</a:t>
-            </a:r>
-          </a:p>
-        </p:txBody>
-      </p:sp>
-    </p:spTree>
-    <p:extLst>
-      <p:ext uri="{BB962C8B-B14F-4D97-AF65-F5344CB8AC3E}">
-        <p14:creationId xmlns:p14="http://schemas.microsoft.com/office/powerpoint/2010/main" val="198766353"/>
       </p:ext>
     </p:extLst>
   </p:cSld>
